--- a/Deliverables/2ndMarkerViva/viva_presentation.pptx
+++ b/Deliverables/2ndMarkerViva/viva_presentation.pptx
@@ -5,13 +5,14 @@
     <p:sldMasterId id="2147483648" r:id="rId1"/>
   </p:sldMasterIdLst>
   <p:notesMasterIdLst>
-    <p:notesMasterId r:id="rId6"/>
+    <p:notesMasterId r:id="rId7"/>
   </p:notesMasterIdLst>
   <p:sldIdLst>
     <p:sldId id="256" r:id="rId2"/>
     <p:sldId id="265" r:id="rId3"/>
     <p:sldId id="266" r:id="rId4"/>
     <p:sldId id="267" r:id="rId5"/>
+    <p:sldId id="268" r:id="rId6"/>
   </p:sldIdLst>
   <p:sldSz cx="12192000" cy="6858000"/>
   <p:notesSz cx="6858000" cy="9144000"/>
@@ -200,7 +201,7 @@
           <a:p>
             <a:fld id="{3642E725-44A3-439B-A511-F674A826BB22}" type="datetimeFigureOut">
               <a:rPr lang="en-GB" smtClean="0"/>
-              <a:t>10/02/2020</a:t>
+              <a:t>11/02/2020</a:t>
             </a:fld>
             <a:endParaRPr lang="en-GB"/>
           </a:p>
@@ -617,7 +618,7 @@
           <a:p>
             <a:fld id="{9B357CC7-4574-B54F-82B5-4084D5E86FC2}" type="datetimeFigureOut">
               <a:rPr lang="en-US" smtClean="0"/>
-              <a:t>2/10/20</a:t>
+              <a:t>2/11/2020</a:t>
             </a:fld>
             <a:endParaRPr lang="en-US"/>
           </a:p>
@@ -817,7 +818,7 @@
           <a:p>
             <a:fld id="{9B357CC7-4574-B54F-82B5-4084D5E86FC2}" type="datetimeFigureOut">
               <a:rPr lang="en-US" smtClean="0"/>
-              <a:t>2/10/20</a:t>
+              <a:t>2/11/2020</a:t>
             </a:fld>
             <a:endParaRPr lang="en-US"/>
           </a:p>
@@ -1027,7 +1028,7 @@
           <a:p>
             <a:fld id="{9B357CC7-4574-B54F-82B5-4084D5E86FC2}" type="datetimeFigureOut">
               <a:rPr lang="en-US" smtClean="0"/>
-              <a:t>2/10/20</a:t>
+              <a:t>2/11/2020</a:t>
             </a:fld>
             <a:endParaRPr lang="en-US"/>
           </a:p>
@@ -1227,7 +1228,7 @@
           <a:p>
             <a:fld id="{9B357CC7-4574-B54F-82B5-4084D5E86FC2}" type="datetimeFigureOut">
               <a:rPr lang="en-US" smtClean="0"/>
-              <a:t>2/10/20</a:t>
+              <a:t>2/11/2020</a:t>
             </a:fld>
             <a:endParaRPr lang="en-US"/>
           </a:p>
@@ -1503,7 +1504,7 @@
           <a:p>
             <a:fld id="{9B357CC7-4574-B54F-82B5-4084D5E86FC2}" type="datetimeFigureOut">
               <a:rPr lang="en-US" smtClean="0"/>
-              <a:t>2/10/20</a:t>
+              <a:t>2/11/2020</a:t>
             </a:fld>
             <a:endParaRPr lang="en-US"/>
           </a:p>
@@ -1771,7 +1772,7 @@
           <a:p>
             <a:fld id="{9B357CC7-4574-B54F-82B5-4084D5E86FC2}" type="datetimeFigureOut">
               <a:rPr lang="en-US" smtClean="0"/>
-              <a:t>2/10/20</a:t>
+              <a:t>2/11/2020</a:t>
             </a:fld>
             <a:endParaRPr lang="en-US"/>
           </a:p>
@@ -2186,7 +2187,7 @@
           <a:p>
             <a:fld id="{9B357CC7-4574-B54F-82B5-4084D5E86FC2}" type="datetimeFigureOut">
               <a:rPr lang="en-US" smtClean="0"/>
-              <a:t>2/10/20</a:t>
+              <a:t>2/11/2020</a:t>
             </a:fld>
             <a:endParaRPr lang="en-US"/>
           </a:p>
@@ -2328,7 +2329,7 @@
           <a:p>
             <a:fld id="{9B357CC7-4574-B54F-82B5-4084D5E86FC2}" type="datetimeFigureOut">
               <a:rPr lang="en-US" smtClean="0"/>
-              <a:t>2/10/20</a:t>
+              <a:t>2/11/2020</a:t>
             </a:fld>
             <a:endParaRPr lang="en-US"/>
           </a:p>
@@ -2441,7 +2442,7 @@
           <a:p>
             <a:fld id="{9B357CC7-4574-B54F-82B5-4084D5E86FC2}" type="datetimeFigureOut">
               <a:rPr lang="en-US" smtClean="0"/>
-              <a:t>2/10/20</a:t>
+              <a:t>2/11/2020</a:t>
             </a:fld>
             <a:endParaRPr lang="en-US"/>
           </a:p>
@@ -2754,7 +2755,7 @@
           <a:p>
             <a:fld id="{9B357CC7-4574-B54F-82B5-4084D5E86FC2}" type="datetimeFigureOut">
               <a:rPr lang="en-US" smtClean="0"/>
-              <a:t>2/10/20</a:t>
+              <a:t>2/11/2020</a:t>
             </a:fld>
             <a:endParaRPr lang="en-US"/>
           </a:p>
@@ -3043,7 +3044,7 @@
           <a:p>
             <a:fld id="{9B357CC7-4574-B54F-82B5-4084D5E86FC2}" type="datetimeFigureOut">
               <a:rPr lang="en-US" smtClean="0"/>
-              <a:t>2/10/20</a:t>
+              <a:t>2/11/2020</a:t>
             </a:fld>
             <a:endParaRPr lang="en-US"/>
           </a:p>
@@ -3286,7 +3287,7 @@
           <a:p>
             <a:fld id="{9B357CC7-4574-B54F-82B5-4084D5E86FC2}" type="datetimeFigureOut">
               <a:rPr lang="en-US" smtClean="0"/>
-              <a:t>2/10/20</a:t>
+              <a:t>2/11/2020</a:t>
             </a:fld>
             <a:endParaRPr lang="en-US"/>
           </a:p>
@@ -3890,7 +3891,7 @@
               <a:rPr lang="en-US" dirty="0">
                 <a:latin typeface="Garamond" panose="02020404030301010803" pitchFamily="18" charset="0"/>
               </a:rPr>
-              <a:t>Why are subwoofers such a problem</a:t>
+              <a:t>Loudspeakers are run open-loop… for no real reason</a:t>
             </a:r>
           </a:p>
           <a:p>
@@ -3898,7 +3899,7 @@
               <a:rPr lang="en-US" dirty="0">
                 <a:latin typeface="Garamond" panose="02020404030301010803" pitchFamily="18" charset="0"/>
               </a:rPr>
-              <a:t>What benefit is there to making them better</a:t>
+              <a:t>Subwoofers are the most non-linear of loudspeakers</a:t>
             </a:r>
           </a:p>
           <a:p>
@@ -3906,7 +3907,7 @@
               <a:rPr lang="en-US" dirty="0">
                 <a:latin typeface="Garamond" panose="02020404030301010803" pitchFamily="18" charset="0"/>
               </a:rPr>
-              <a:t>Why use electronic control techniques – why not just ‘build them better’?</a:t>
+              <a:t>Why not just ‘build them better’?</a:t>
             </a:r>
           </a:p>
           <a:p>
@@ -4179,6 +4180,113 @@
     <p:extLst>
       <p:ext uri="{BB962C8B-B14F-4D97-AF65-F5344CB8AC3E}">
         <p14:creationId xmlns:p14="http://schemas.microsoft.com/office/powerpoint/2010/main" val="1945806205"/>
+      </p:ext>
+    </p:extLst>
+  </p:cSld>
+  <p:clrMapOvr>
+    <a:masterClrMapping/>
+  </p:clrMapOvr>
+</p:sld>
+</file>
+
+<file path=ppt/slides/slide5.xml><?xml version="1.0" encoding="utf-8"?>
+<p:sld xmlns:a="http://schemas.openxmlformats.org/drawingml/2006/main" xmlns:r="http://schemas.openxmlformats.org/officeDocument/2006/relationships" xmlns:p="http://schemas.openxmlformats.org/presentationml/2006/main">
+  <p:cSld>
+    <p:spTree>
+      <p:nvGrpSpPr>
+        <p:cNvPr id="1" name=""/>
+        <p:cNvGrpSpPr/>
+        <p:nvPr/>
+      </p:nvGrpSpPr>
+      <p:grpSpPr>
+        <a:xfrm>
+          <a:off x="0" y="0"/>
+          <a:ext cx="0" cy="0"/>
+          <a:chOff x="0" y="0"/>
+          <a:chExt cx="0" cy="0"/>
+        </a:xfrm>
+      </p:grpSpPr>
+      <p:sp>
+        <p:nvSpPr>
+          <p:cNvPr id="2" name="Title 1">
+            <a:extLst>
+              <a:ext uri="{FF2B5EF4-FFF2-40B4-BE49-F238E27FC236}">
+                <a16:creationId xmlns:a16="http://schemas.microsoft.com/office/drawing/2014/main" id="{67BEF447-CE8A-4FDB-AD02-5B53F6852305}"/>
+              </a:ext>
+            </a:extLst>
+          </p:cNvPr>
+          <p:cNvSpPr>
+            <a:spLocks noGrp="1"/>
+          </p:cNvSpPr>
+          <p:nvPr>
+            <p:ph type="title"/>
+          </p:nvPr>
+        </p:nvSpPr>
+        <p:spPr/>
+        <p:txBody>
+          <a:bodyPr/>
+          <a:lstStyle/>
+          <a:p>
+            <a:r>
+              <a:rPr lang="en-GB" dirty="0">
+                <a:latin typeface="Garamond" panose="02020404030301010803" pitchFamily="18" charset="0"/>
+              </a:rPr>
+              <a:t>Developing Technologies</a:t>
+            </a:r>
+          </a:p>
+        </p:txBody>
+      </p:sp>
+      <p:sp>
+        <p:nvSpPr>
+          <p:cNvPr id="3" name="Content Placeholder 2">
+            <a:extLst>
+              <a:ext uri="{FF2B5EF4-FFF2-40B4-BE49-F238E27FC236}">
+                <a16:creationId xmlns:a16="http://schemas.microsoft.com/office/drawing/2014/main" id="{4AC14423-7CC2-4F75-89D8-928F56D3C4F2}"/>
+              </a:ext>
+            </a:extLst>
+          </p:cNvPr>
+          <p:cNvSpPr>
+            <a:spLocks noGrp="1"/>
+          </p:cNvSpPr>
+          <p:nvPr>
+            <p:ph idx="1"/>
+          </p:nvPr>
+        </p:nvSpPr>
+        <p:spPr/>
+        <p:txBody>
+          <a:bodyPr/>
+          <a:lstStyle/>
+          <a:p>
+            <a:r>
+              <a:rPr lang="en-GB" dirty="0">
+                <a:latin typeface="Garamond" panose="02020404030301010803" pitchFamily="18" charset="0"/>
+              </a:rPr>
+              <a:t>A novel method of designing and implementing all required open- and closed-loop circuitry could be by using a field-programmable analogue array, such as those designed by </a:t>
+            </a:r>
+            <a:r>
+              <a:rPr lang="en-GB" dirty="0" err="1">
+                <a:latin typeface="Garamond" panose="02020404030301010803" pitchFamily="18" charset="0"/>
+              </a:rPr>
+              <a:t>Anadigm</a:t>
+            </a:r>
+            <a:r>
+              <a:rPr lang="en-GB" dirty="0">
+                <a:latin typeface="Garamond" panose="02020404030301010803" pitchFamily="18" charset="0"/>
+              </a:rPr>
+              <a:t>. Limits physical size and complexity of solutions, allows for patches from manufacturers to users, could even make a GUI to allow users to tune their own devices (although probably not possible because you need to program them through MATLAB)</a:t>
+            </a:r>
+          </a:p>
+          <a:p>
+            <a:endParaRPr lang="en-GB" dirty="0">
+              <a:latin typeface="Garamond" panose="02020404030301010803" pitchFamily="18" charset="0"/>
+            </a:endParaRPr>
+          </a:p>
+        </p:txBody>
+      </p:sp>
+    </p:spTree>
+    <p:extLst>
+      <p:ext uri="{BB962C8B-B14F-4D97-AF65-F5344CB8AC3E}">
+        <p14:creationId xmlns:p14="http://schemas.microsoft.com/office/powerpoint/2010/main" val="4046729375"/>
       </p:ext>
     </p:extLst>
   </p:cSld>

--- a/Deliverables/2ndMarkerViva/viva_presentation.pptx
+++ b/Deliverables/2ndMarkerViva/viva_presentation.pptx
@@ -5,7 +5,7 @@
     <p:sldMasterId id="2147483648" r:id="rId1"/>
   </p:sldMasterIdLst>
   <p:notesMasterIdLst>
-    <p:notesMasterId r:id="rId7"/>
+    <p:notesMasterId r:id="rId12"/>
   </p:notesMasterIdLst>
   <p:sldIdLst>
     <p:sldId id="256" r:id="rId2"/>
@@ -13,6 +13,11 @@
     <p:sldId id="266" r:id="rId4"/>
     <p:sldId id="267" r:id="rId5"/>
     <p:sldId id="268" r:id="rId6"/>
+    <p:sldId id="269" r:id="rId7"/>
+    <p:sldId id="270" r:id="rId8"/>
+    <p:sldId id="271" r:id="rId9"/>
+    <p:sldId id="272" r:id="rId10"/>
+    <p:sldId id="273" r:id="rId11"/>
   </p:sldIdLst>
   <p:sldSz cx="12192000" cy="6858000"/>
   <p:notesSz cx="6858000" cy="9144000"/>
@@ -201,7 +206,7 @@
           <a:p>
             <a:fld id="{3642E725-44A3-439B-A511-F674A826BB22}" type="datetimeFigureOut">
               <a:rPr lang="en-GB" smtClean="0"/>
-              <a:t>11/02/2020</a:t>
+              <a:t>12/02/2020</a:t>
             </a:fld>
             <a:endParaRPr lang="en-GB"/>
           </a:p>
@@ -618,7 +623,7 @@
           <a:p>
             <a:fld id="{9B357CC7-4574-B54F-82B5-4084D5E86FC2}" type="datetimeFigureOut">
               <a:rPr lang="en-US" smtClean="0"/>
-              <a:t>2/11/2020</a:t>
+              <a:t>2/12/20</a:t>
             </a:fld>
             <a:endParaRPr lang="en-US"/>
           </a:p>
@@ -818,7 +823,7 @@
           <a:p>
             <a:fld id="{9B357CC7-4574-B54F-82B5-4084D5E86FC2}" type="datetimeFigureOut">
               <a:rPr lang="en-US" smtClean="0"/>
-              <a:t>2/11/2020</a:t>
+              <a:t>2/12/20</a:t>
             </a:fld>
             <a:endParaRPr lang="en-US"/>
           </a:p>
@@ -1028,7 +1033,7 @@
           <a:p>
             <a:fld id="{9B357CC7-4574-B54F-82B5-4084D5E86FC2}" type="datetimeFigureOut">
               <a:rPr lang="en-US" smtClean="0"/>
-              <a:t>2/11/2020</a:t>
+              <a:t>2/12/20</a:t>
             </a:fld>
             <a:endParaRPr lang="en-US"/>
           </a:p>
@@ -1228,7 +1233,7 @@
           <a:p>
             <a:fld id="{9B357CC7-4574-B54F-82B5-4084D5E86FC2}" type="datetimeFigureOut">
               <a:rPr lang="en-US" smtClean="0"/>
-              <a:t>2/11/2020</a:t>
+              <a:t>2/12/20</a:t>
             </a:fld>
             <a:endParaRPr lang="en-US"/>
           </a:p>
@@ -1504,7 +1509,7 @@
           <a:p>
             <a:fld id="{9B357CC7-4574-B54F-82B5-4084D5E86FC2}" type="datetimeFigureOut">
               <a:rPr lang="en-US" smtClean="0"/>
-              <a:t>2/11/2020</a:t>
+              <a:t>2/12/20</a:t>
             </a:fld>
             <a:endParaRPr lang="en-US"/>
           </a:p>
@@ -1772,7 +1777,7 @@
           <a:p>
             <a:fld id="{9B357CC7-4574-B54F-82B5-4084D5E86FC2}" type="datetimeFigureOut">
               <a:rPr lang="en-US" smtClean="0"/>
-              <a:t>2/11/2020</a:t>
+              <a:t>2/12/20</a:t>
             </a:fld>
             <a:endParaRPr lang="en-US"/>
           </a:p>
@@ -2187,7 +2192,7 @@
           <a:p>
             <a:fld id="{9B357CC7-4574-B54F-82B5-4084D5E86FC2}" type="datetimeFigureOut">
               <a:rPr lang="en-US" smtClean="0"/>
-              <a:t>2/11/2020</a:t>
+              <a:t>2/12/20</a:t>
             </a:fld>
             <a:endParaRPr lang="en-US"/>
           </a:p>
@@ -2329,7 +2334,7 @@
           <a:p>
             <a:fld id="{9B357CC7-4574-B54F-82B5-4084D5E86FC2}" type="datetimeFigureOut">
               <a:rPr lang="en-US" smtClean="0"/>
-              <a:t>2/11/2020</a:t>
+              <a:t>2/12/20</a:t>
             </a:fld>
             <a:endParaRPr lang="en-US"/>
           </a:p>
@@ -2442,7 +2447,7 @@
           <a:p>
             <a:fld id="{9B357CC7-4574-B54F-82B5-4084D5E86FC2}" type="datetimeFigureOut">
               <a:rPr lang="en-US" smtClean="0"/>
-              <a:t>2/11/2020</a:t>
+              <a:t>2/12/20</a:t>
             </a:fld>
             <a:endParaRPr lang="en-US"/>
           </a:p>
@@ -2755,7 +2760,7 @@
           <a:p>
             <a:fld id="{9B357CC7-4574-B54F-82B5-4084D5E86FC2}" type="datetimeFigureOut">
               <a:rPr lang="en-US" smtClean="0"/>
-              <a:t>2/11/2020</a:t>
+              <a:t>2/12/20</a:t>
             </a:fld>
             <a:endParaRPr lang="en-US"/>
           </a:p>
@@ -3044,7 +3049,7 @@
           <a:p>
             <a:fld id="{9B357CC7-4574-B54F-82B5-4084D5E86FC2}" type="datetimeFigureOut">
               <a:rPr lang="en-US" smtClean="0"/>
-              <a:t>2/11/2020</a:t>
+              <a:t>2/12/20</a:t>
             </a:fld>
             <a:endParaRPr lang="en-US"/>
           </a:p>
@@ -3287,7 +3292,7 @@
           <a:p>
             <a:fld id="{9B357CC7-4574-B54F-82B5-4084D5E86FC2}" type="datetimeFigureOut">
               <a:rPr lang="en-US" smtClean="0"/>
-              <a:t>2/11/2020</a:t>
+              <a:t>2/12/20</a:t>
             </a:fld>
             <a:endParaRPr lang="en-US"/>
           </a:p>
@@ -3819,6 +3824,95 @@
 </p:sld>
 </file>
 
+<file path=ppt/slides/slide10.xml><?xml version="1.0" encoding="utf-8"?>
+<p:sld xmlns:a="http://schemas.openxmlformats.org/drawingml/2006/main" xmlns:r="http://schemas.openxmlformats.org/officeDocument/2006/relationships" xmlns:p="http://schemas.openxmlformats.org/presentationml/2006/main">
+  <p:cSld>
+    <p:spTree>
+      <p:nvGrpSpPr>
+        <p:cNvPr id="1" name=""/>
+        <p:cNvGrpSpPr/>
+        <p:nvPr/>
+      </p:nvGrpSpPr>
+      <p:grpSpPr>
+        <a:xfrm>
+          <a:off x="0" y="0"/>
+          <a:ext cx="0" cy="0"/>
+          <a:chOff x="0" y="0"/>
+          <a:chExt cx="0" cy="0"/>
+        </a:xfrm>
+      </p:grpSpPr>
+      <p:sp>
+        <p:nvSpPr>
+          <p:cNvPr id="2" name="Title 1">
+            <a:extLst>
+              <a:ext uri="{FF2B5EF4-FFF2-40B4-BE49-F238E27FC236}">
+                <a16:creationId xmlns:a16="http://schemas.microsoft.com/office/drawing/2014/main" id="{80017211-A5EB-D54C-9384-2003199938E6}"/>
+              </a:ext>
+            </a:extLst>
+          </p:cNvPr>
+          <p:cNvSpPr>
+            <a:spLocks noGrp="1"/>
+          </p:cNvSpPr>
+          <p:nvPr>
+            <p:ph type="title"/>
+          </p:nvPr>
+        </p:nvSpPr>
+        <p:spPr/>
+        <p:txBody>
+          <a:bodyPr/>
+          <a:lstStyle/>
+          <a:p>
+            <a:r>
+              <a:rPr lang="en-US" dirty="0"/>
+              <a:t>Enclosure design</a:t>
+            </a:r>
+          </a:p>
+        </p:txBody>
+      </p:sp>
+      <p:sp>
+        <p:nvSpPr>
+          <p:cNvPr id="3" name="Content Placeholder 2">
+            <a:extLst>
+              <a:ext uri="{FF2B5EF4-FFF2-40B4-BE49-F238E27FC236}">
+                <a16:creationId xmlns:a16="http://schemas.microsoft.com/office/drawing/2014/main" id="{6CB082B5-81C1-AB46-A144-30DCE1B2DB0A}"/>
+              </a:ext>
+            </a:extLst>
+          </p:cNvPr>
+          <p:cNvSpPr>
+            <a:spLocks noGrp="1"/>
+          </p:cNvSpPr>
+          <p:nvPr>
+            <p:ph idx="1"/>
+          </p:nvPr>
+        </p:nvSpPr>
+        <p:spPr/>
+        <p:txBody>
+          <a:bodyPr/>
+          <a:lstStyle/>
+          <a:p>
+            <a:r>
+              <a:rPr lang="en-US" dirty="0"/>
+              <a:t>Requires Thiele-Small parameters</a:t>
+            </a:r>
+          </a:p>
+          <a:p>
+            <a:endParaRPr lang="en-US" dirty="0"/>
+          </a:p>
+        </p:txBody>
+      </p:sp>
+    </p:spTree>
+    <p:extLst>
+      <p:ext uri="{BB962C8B-B14F-4D97-AF65-F5344CB8AC3E}">
+        <p14:creationId xmlns:p14="http://schemas.microsoft.com/office/powerpoint/2010/main" val="1437276838"/>
+      </p:ext>
+    </p:extLst>
+  </p:cSld>
+  <p:clrMapOvr>
+    <a:masterClrMapping/>
+  </p:clrMapOvr>
+</p:sld>
+</file>
+
 <file path=ppt/slides/slide2.xml><?xml version="1.0" encoding="utf-8"?>
 <p:sld xmlns:a="http://schemas.openxmlformats.org/drawingml/2006/main" xmlns:r="http://schemas.openxmlformats.org/officeDocument/2006/relationships" xmlns:p="http://schemas.openxmlformats.org/presentationml/2006/main">
   <p:cSld>
@@ -4287,6 +4381,407 @@
     <p:extLst>
       <p:ext uri="{BB962C8B-B14F-4D97-AF65-F5344CB8AC3E}">
         <p14:creationId xmlns:p14="http://schemas.microsoft.com/office/powerpoint/2010/main" val="4046729375"/>
+      </p:ext>
+    </p:extLst>
+  </p:cSld>
+  <p:clrMapOvr>
+    <a:masterClrMapping/>
+  </p:clrMapOvr>
+</p:sld>
+</file>
+
+<file path=ppt/slides/slide6.xml><?xml version="1.0" encoding="utf-8"?>
+<p:sld xmlns:a="http://schemas.openxmlformats.org/drawingml/2006/main" xmlns:r="http://schemas.openxmlformats.org/officeDocument/2006/relationships" xmlns:p="http://schemas.openxmlformats.org/presentationml/2006/main">
+  <p:cSld>
+    <p:spTree>
+      <p:nvGrpSpPr>
+        <p:cNvPr id="1" name=""/>
+        <p:cNvGrpSpPr/>
+        <p:nvPr/>
+      </p:nvGrpSpPr>
+      <p:grpSpPr>
+        <a:xfrm>
+          <a:off x="0" y="0"/>
+          <a:ext cx="0" cy="0"/>
+          <a:chOff x="0" y="0"/>
+          <a:chExt cx="0" cy="0"/>
+        </a:xfrm>
+      </p:grpSpPr>
+      <p:sp>
+        <p:nvSpPr>
+          <p:cNvPr id="2" name="Title 1">
+            <a:extLst>
+              <a:ext uri="{FF2B5EF4-FFF2-40B4-BE49-F238E27FC236}">
+                <a16:creationId xmlns:a16="http://schemas.microsoft.com/office/drawing/2014/main" id="{AAFD3B8C-D360-404D-AA4C-E1600784809F}"/>
+              </a:ext>
+            </a:extLst>
+          </p:cNvPr>
+          <p:cNvSpPr>
+            <a:spLocks noGrp="1"/>
+          </p:cNvSpPr>
+          <p:nvPr>
+            <p:ph type="title"/>
+          </p:nvPr>
+        </p:nvSpPr>
+        <p:spPr/>
+        <p:txBody>
+          <a:bodyPr/>
+          <a:lstStyle/>
+          <a:p>
+            <a:r>
+              <a:rPr lang="en-US" dirty="0"/>
+              <a:t>The Problem with Loudspeakers</a:t>
+            </a:r>
+          </a:p>
+        </p:txBody>
+      </p:sp>
+      <p:sp>
+        <p:nvSpPr>
+          <p:cNvPr id="3" name="Content Placeholder 2">
+            <a:extLst>
+              <a:ext uri="{FF2B5EF4-FFF2-40B4-BE49-F238E27FC236}">
+                <a16:creationId xmlns:a16="http://schemas.microsoft.com/office/drawing/2014/main" id="{048B8A3E-99C1-A542-B10D-F957C76D4652}"/>
+              </a:ext>
+            </a:extLst>
+          </p:cNvPr>
+          <p:cNvSpPr>
+            <a:spLocks noGrp="1"/>
+          </p:cNvSpPr>
+          <p:nvPr>
+            <p:ph idx="1"/>
+          </p:nvPr>
+        </p:nvSpPr>
+        <p:spPr/>
+        <p:txBody>
+          <a:bodyPr/>
+          <a:lstStyle/>
+          <a:p>
+            <a:r>
+              <a:rPr lang="en-US" dirty="0"/>
+              <a:t>Non-linear</a:t>
+            </a:r>
+          </a:p>
+          <a:p>
+            <a:r>
+              <a:rPr lang="en-US" dirty="0"/>
+              <a:t>Not normally controlled</a:t>
+            </a:r>
+          </a:p>
+          <a:p>
+            <a:r>
+              <a:rPr lang="en-US" dirty="0"/>
+              <a:t>As a result are expensive – average quality of sound reproduction lower than it could be</a:t>
+            </a:r>
+          </a:p>
+        </p:txBody>
+      </p:sp>
+    </p:spTree>
+    <p:extLst>
+      <p:ext uri="{BB962C8B-B14F-4D97-AF65-F5344CB8AC3E}">
+        <p14:creationId xmlns:p14="http://schemas.microsoft.com/office/powerpoint/2010/main" val="825884960"/>
+      </p:ext>
+    </p:extLst>
+  </p:cSld>
+  <p:clrMapOvr>
+    <a:masterClrMapping/>
+  </p:clrMapOvr>
+</p:sld>
+</file>
+
+<file path=ppt/slides/slide7.xml><?xml version="1.0" encoding="utf-8"?>
+<p:sld xmlns:a="http://schemas.openxmlformats.org/drawingml/2006/main" xmlns:r="http://schemas.openxmlformats.org/officeDocument/2006/relationships" xmlns:p="http://schemas.openxmlformats.org/presentationml/2006/main">
+  <p:cSld>
+    <p:spTree>
+      <p:nvGrpSpPr>
+        <p:cNvPr id="1" name=""/>
+        <p:cNvGrpSpPr/>
+        <p:nvPr/>
+      </p:nvGrpSpPr>
+      <p:grpSpPr>
+        <a:xfrm>
+          <a:off x="0" y="0"/>
+          <a:ext cx="0" cy="0"/>
+          <a:chOff x="0" y="0"/>
+          <a:chExt cx="0" cy="0"/>
+        </a:xfrm>
+      </p:grpSpPr>
+      <p:sp>
+        <p:nvSpPr>
+          <p:cNvPr id="2" name="Title 1">
+            <a:extLst>
+              <a:ext uri="{FF2B5EF4-FFF2-40B4-BE49-F238E27FC236}">
+                <a16:creationId xmlns:a16="http://schemas.microsoft.com/office/drawing/2014/main" id="{B44F82D9-6C99-9146-AAF5-B96122560FD0}"/>
+              </a:ext>
+            </a:extLst>
+          </p:cNvPr>
+          <p:cNvSpPr>
+            <a:spLocks noGrp="1"/>
+          </p:cNvSpPr>
+          <p:nvPr>
+            <p:ph type="title"/>
+          </p:nvPr>
+        </p:nvSpPr>
+        <p:spPr/>
+        <p:txBody>
+          <a:bodyPr/>
+          <a:lstStyle/>
+          <a:p>
+            <a:r>
+              <a:rPr lang="en-US" dirty="0"/>
+              <a:t>The solution</a:t>
+            </a:r>
+          </a:p>
+        </p:txBody>
+      </p:sp>
+      <p:sp>
+        <p:nvSpPr>
+          <p:cNvPr id="3" name="Content Placeholder 2">
+            <a:extLst>
+              <a:ext uri="{FF2B5EF4-FFF2-40B4-BE49-F238E27FC236}">
+                <a16:creationId xmlns:a16="http://schemas.microsoft.com/office/drawing/2014/main" id="{CDE426D1-7D3C-BA42-B04B-7A0E7046D100}"/>
+              </a:ext>
+            </a:extLst>
+          </p:cNvPr>
+          <p:cNvSpPr>
+            <a:spLocks noGrp="1"/>
+          </p:cNvSpPr>
+          <p:nvPr>
+            <p:ph idx="1"/>
+          </p:nvPr>
+        </p:nvSpPr>
+        <p:spPr/>
+        <p:txBody>
+          <a:bodyPr/>
+          <a:lstStyle/>
+          <a:p>
+            <a:r>
+              <a:rPr lang="en-US" dirty="0"/>
+              <a:t>Open- and closed-loop compensators</a:t>
+            </a:r>
+          </a:p>
+          <a:p>
+            <a:r>
+              <a:rPr lang="en-US" dirty="0"/>
+              <a:t>Electronic solution is cheap, easy to manufacture and install</a:t>
+            </a:r>
+          </a:p>
+          <a:p>
+            <a:r>
+              <a:rPr lang="en-US" dirty="0"/>
+              <a:t>Fewer distortions, fewer non-linearities = cleaner sound reproductions</a:t>
+            </a:r>
+          </a:p>
+          <a:p>
+            <a:r>
+              <a:rPr lang="en-US" dirty="0"/>
+              <a:t>Unique to subwoofers = extension of bass response </a:t>
+            </a:r>
+          </a:p>
+          <a:p>
+            <a:endParaRPr lang="en-US" dirty="0"/>
+          </a:p>
+        </p:txBody>
+      </p:sp>
+    </p:spTree>
+    <p:extLst>
+      <p:ext uri="{BB962C8B-B14F-4D97-AF65-F5344CB8AC3E}">
+        <p14:creationId xmlns:p14="http://schemas.microsoft.com/office/powerpoint/2010/main" val="540741382"/>
+      </p:ext>
+    </p:extLst>
+  </p:cSld>
+  <p:clrMapOvr>
+    <a:masterClrMapping/>
+  </p:clrMapOvr>
+</p:sld>
+</file>
+
+<file path=ppt/slides/slide8.xml><?xml version="1.0" encoding="utf-8"?>
+<p:sld xmlns:a="http://schemas.openxmlformats.org/drawingml/2006/main" xmlns:r="http://schemas.openxmlformats.org/officeDocument/2006/relationships" xmlns:p="http://schemas.openxmlformats.org/presentationml/2006/main">
+  <p:cSld>
+    <p:spTree>
+      <p:nvGrpSpPr>
+        <p:cNvPr id="1" name=""/>
+        <p:cNvGrpSpPr/>
+        <p:nvPr/>
+      </p:nvGrpSpPr>
+      <p:grpSpPr>
+        <a:xfrm>
+          <a:off x="0" y="0"/>
+          <a:ext cx="0" cy="0"/>
+          <a:chOff x="0" y="0"/>
+          <a:chExt cx="0" cy="0"/>
+        </a:xfrm>
+      </p:grpSpPr>
+      <p:sp>
+        <p:nvSpPr>
+          <p:cNvPr id="2" name="Title 1">
+            <a:extLst>
+              <a:ext uri="{FF2B5EF4-FFF2-40B4-BE49-F238E27FC236}">
+                <a16:creationId xmlns:a16="http://schemas.microsoft.com/office/drawing/2014/main" id="{F19D0235-F752-DD41-9EB0-208CE4AA3423}"/>
+              </a:ext>
+            </a:extLst>
+          </p:cNvPr>
+          <p:cNvSpPr>
+            <a:spLocks noGrp="1"/>
+          </p:cNvSpPr>
+          <p:nvPr>
+            <p:ph type="title"/>
+          </p:nvPr>
+        </p:nvSpPr>
+        <p:spPr/>
+        <p:txBody>
+          <a:bodyPr/>
+          <a:lstStyle/>
+          <a:p>
+            <a:r>
+              <a:rPr lang="en-US" dirty="0"/>
+              <a:t>The process</a:t>
+            </a:r>
+          </a:p>
+        </p:txBody>
+      </p:sp>
+      <p:sp>
+        <p:nvSpPr>
+          <p:cNvPr id="3" name="Content Placeholder 2">
+            <a:extLst>
+              <a:ext uri="{FF2B5EF4-FFF2-40B4-BE49-F238E27FC236}">
+                <a16:creationId xmlns:a16="http://schemas.microsoft.com/office/drawing/2014/main" id="{4786A98A-A82E-2545-90B3-D0CE64E74881}"/>
+              </a:ext>
+            </a:extLst>
+          </p:cNvPr>
+          <p:cNvSpPr>
+            <a:spLocks noGrp="1"/>
+          </p:cNvSpPr>
+          <p:nvPr>
+            <p:ph idx="1"/>
+          </p:nvPr>
+        </p:nvSpPr>
+        <p:spPr/>
+        <p:txBody>
+          <a:bodyPr/>
+          <a:lstStyle/>
+          <a:p>
+            <a:r>
+              <a:rPr lang="en-US" dirty="0"/>
+              <a:t>Choose a subwoofer</a:t>
+            </a:r>
+          </a:p>
+          <a:p>
+            <a:r>
+              <a:rPr lang="en-US" dirty="0"/>
+              <a:t>Make an enclosure for the subwoofer</a:t>
+            </a:r>
+          </a:p>
+          <a:p>
+            <a:r>
+              <a:rPr lang="en-US" dirty="0"/>
+              <a:t>Design an open-loop compensator</a:t>
+            </a:r>
+          </a:p>
+          <a:p>
+            <a:r>
+              <a:rPr lang="en-US" dirty="0"/>
+              <a:t>Design a closed-loop compensator</a:t>
+            </a:r>
+          </a:p>
+          <a:p>
+            <a:r>
+              <a:rPr lang="en-US" dirty="0"/>
+              <a:t>Testing and tuning</a:t>
+            </a:r>
+          </a:p>
+        </p:txBody>
+      </p:sp>
+    </p:spTree>
+    <p:extLst>
+      <p:ext uri="{BB962C8B-B14F-4D97-AF65-F5344CB8AC3E}">
+        <p14:creationId xmlns:p14="http://schemas.microsoft.com/office/powerpoint/2010/main" val="3327246641"/>
+      </p:ext>
+    </p:extLst>
+  </p:cSld>
+  <p:clrMapOvr>
+    <a:masterClrMapping/>
+  </p:clrMapOvr>
+</p:sld>
+</file>
+
+<file path=ppt/slides/slide9.xml><?xml version="1.0" encoding="utf-8"?>
+<p:sld xmlns:a="http://schemas.openxmlformats.org/drawingml/2006/main" xmlns:r="http://schemas.openxmlformats.org/officeDocument/2006/relationships" xmlns:p="http://schemas.openxmlformats.org/presentationml/2006/main">
+  <p:cSld>
+    <p:spTree>
+      <p:nvGrpSpPr>
+        <p:cNvPr id="1" name=""/>
+        <p:cNvGrpSpPr/>
+        <p:nvPr/>
+      </p:nvGrpSpPr>
+      <p:grpSpPr>
+        <a:xfrm>
+          <a:off x="0" y="0"/>
+          <a:ext cx="0" cy="0"/>
+          <a:chOff x="0" y="0"/>
+          <a:chExt cx="0" cy="0"/>
+        </a:xfrm>
+      </p:grpSpPr>
+      <p:sp>
+        <p:nvSpPr>
+          <p:cNvPr id="2" name="Title 1">
+            <a:extLst>
+              <a:ext uri="{FF2B5EF4-FFF2-40B4-BE49-F238E27FC236}">
+                <a16:creationId xmlns:a16="http://schemas.microsoft.com/office/drawing/2014/main" id="{E8C9ACE8-E288-FE46-B2D9-66658D1C715D}"/>
+              </a:ext>
+            </a:extLst>
+          </p:cNvPr>
+          <p:cNvSpPr>
+            <a:spLocks noGrp="1"/>
+          </p:cNvSpPr>
+          <p:nvPr>
+            <p:ph type="title"/>
+          </p:nvPr>
+        </p:nvSpPr>
+        <p:spPr/>
+        <p:txBody>
+          <a:bodyPr/>
+          <a:lstStyle/>
+          <a:p>
+            <a:r>
+              <a:rPr lang="en-US" dirty="0"/>
+              <a:t>Choosing a subwoofer</a:t>
+            </a:r>
+          </a:p>
+        </p:txBody>
+      </p:sp>
+      <p:sp>
+        <p:nvSpPr>
+          <p:cNvPr id="3" name="Content Placeholder 2">
+            <a:extLst>
+              <a:ext uri="{FF2B5EF4-FFF2-40B4-BE49-F238E27FC236}">
+                <a16:creationId xmlns:a16="http://schemas.microsoft.com/office/drawing/2014/main" id="{D55B1E5C-E32E-214E-A7B6-E4A1438CA9A1}"/>
+              </a:ext>
+            </a:extLst>
+          </p:cNvPr>
+          <p:cNvSpPr>
+            <a:spLocks noGrp="1"/>
+          </p:cNvSpPr>
+          <p:nvPr>
+            <p:ph idx="1"/>
+          </p:nvPr>
+        </p:nvSpPr>
+        <p:spPr/>
+        <p:txBody>
+          <a:bodyPr/>
+          <a:lstStyle/>
+          <a:p>
+            <a:r>
+              <a:rPr lang="en-US" dirty="0"/>
+              <a:t>Choose a cheap model to prove that good quality sound can be achieved cheaply, in comparison to really expensive high-quality systems.</a:t>
+            </a:r>
+          </a:p>
+        </p:txBody>
+      </p:sp>
+    </p:spTree>
+    <p:extLst>
+      <p:ext uri="{BB962C8B-B14F-4D97-AF65-F5344CB8AC3E}">
+        <p14:creationId xmlns:p14="http://schemas.microsoft.com/office/powerpoint/2010/main" val="436913128"/>
       </p:ext>
     </p:extLst>
   </p:cSld>

--- a/Deliverables/2ndMarkerViva/viva_presentation.pptx
+++ b/Deliverables/2ndMarkerViva/viva_presentation.pptx
@@ -5,19 +5,20 @@
     <p:sldMasterId id="2147483648" r:id="rId1"/>
   </p:sldMasterIdLst>
   <p:notesMasterIdLst>
-    <p:notesMasterId r:id="rId12"/>
+    <p:notesMasterId r:id="rId13"/>
   </p:notesMasterIdLst>
   <p:sldIdLst>
     <p:sldId id="256" r:id="rId2"/>
     <p:sldId id="265" r:id="rId3"/>
     <p:sldId id="266" r:id="rId4"/>
-    <p:sldId id="267" r:id="rId5"/>
-    <p:sldId id="268" r:id="rId6"/>
-    <p:sldId id="269" r:id="rId7"/>
-    <p:sldId id="270" r:id="rId8"/>
-    <p:sldId id="271" r:id="rId9"/>
-    <p:sldId id="272" r:id="rId10"/>
-    <p:sldId id="273" r:id="rId11"/>
+    <p:sldId id="274" r:id="rId5"/>
+    <p:sldId id="267" r:id="rId6"/>
+    <p:sldId id="268" r:id="rId7"/>
+    <p:sldId id="269" r:id="rId8"/>
+    <p:sldId id="270" r:id="rId9"/>
+    <p:sldId id="271" r:id="rId10"/>
+    <p:sldId id="272" r:id="rId11"/>
+    <p:sldId id="273" r:id="rId12"/>
   </p:sldIdLst>
   <p:sldSz cx="12192000" cy="6858000"/>
   <p:notesSz cx="6858000" cy="9144000"/>
@@ -206,7 +207,7 @@
           <a:p>
             <a:fld id="{3642E725-44A3-439B-A511-F674A826BB22}" type="datetimeFigureOut">
               <a:rPr lang="en-GB" smtClean="0"/>
-              <a:t>12/02/2020</a:t>
+              <a:t>13/02/2020</a:t>
             </a:fld>
             <a:endParaRPr lang="en-GB"/>
           </a:p>
@@ -623,7 +624,7 @@
           <a:p>
             <a:fld id="{9B357CC7-4574-B54F-82B5-4084D5E86FC2}" type="datetimeFigureOut">
               <a:rPr lang="en-US" smtClean="0"/>
-              <a:t>2/12/20</a:t>
+              <a:t>2/13/20</a:t>
             </a:fld>
             <a:endParaRPr lang="en-US"/>
           </a:p>
@@ -823,7 +824,7 @@
           <a:p>
             <a:fld id="{9B357CC7-4574-B54F-82B5-4084D5E86FC2}" type="datetimeFigureOut">
               <a:rPr lang="en-US" smtClean="0"/>
-              <a:t>2/12/20</a:t>
+              <a:t>2/13/20</a:t>
             </a:fld>
             <a:endParaRPr lang="en-US"/>
           </a:p>
@@ -1033,7 +1034,7 @@
           <a:p>
             <a:fld id="{9B357CC7-4574-B54F-82B5-4084D5E86FC2}" type="datetimeFigureOut">
               <a:rPr lang="en-US" smtClean="0"/>
-              <a:t>2/12/20</a:t>
+              <a:t>2/13/20</a:t>
             </a:fld>
             <a:endParaRPr lang="en-US"/>
           </a:p>
@@ -1233,7 +1234,7 @@
           <a:p>
             <a:fld id="{9B357CC7-4574-B54F-82B5-4084D5E86FC2}" type="datetimeFigureOut">
               <a:rPr lang="en-US" smtClean="0"/>
-              <a:t>2/12/20</a:t>
+              <a:t>2/13/20</a:t>
             </a:fld>
             <a:endParaRPr lang="en-US"/>
           </a:p>
@@ -1509,7 +1510,7 @@
           <a:p>
             <a:fld id="{9B357CC7-4574-B54F-82B5-4084D5E86FC2}" type="datetimeFigureOut">
               <a:rPr lang="en-US" smtClean="0"/>
-              <a:t>2/12/20</a:t>
+              <a:t>2/13/20</a:t>
             </a:fld>
             <a:endParaRPr lang="en-US"/>
           </a:p>
@@ -1777,7 +1778,7 @@
           <a:p>
             <a:fld id="{9B357CC7-4574-B54F-82B5-4084D5E86FC2}" type="datetimeFigureOut">
               <a:rPr lang="en-US" smtClean="0"/>
-              <a:t>2/12/20</a:t>
+              <a:t>2/13/20</a:t>
             </a:fld>
             <a:endParaRPr lang="en-US"/>
           </a:p>
@@ -2192,7 +2193,7 @@
           <a:p>
             <a:fld id="{9B357CC7-4574-B54F-82B5-4084D5E86FC2}" type="datetimeFigureOut">
               <a:rPr lang="en-US" smtClean="0"/>
-              <a:t>2/12/20</a:t>
+              <a:t>2/13/20</a:t>
             </a:fld>
             <a:endParaRPr lang="en-US"/>
           </a:p>
@@ -2334,7 +2335,7 @@
           <a:p>
             <a:fld id="{9B357CC7-4574-B54F-82B5-4084D5E86FC2}" type="datetimeFigureOut">
               <a:rPr lang="en-US" smtClean="0"/>
-              <a:t>2/12/20</a:t>
+              <a:t>2/13/20</a:t>
             </a:fld>
             <a:endParaRPr lang="en-US"/>
           </a:p>
@@ -2447,7 +2448,7 @@
           <a:p>
             <a:fld id="{9B357CC7-4574-B54F-82B5-4084D5E86FC2}" type="datetimeFigureOut">
               <a:rPr lang="en-US" smtClean="0"/>
-              <a:t>2/12/20</a:t>
+              <a:t>2/13/20</a:t>
             </a:fld>
             <a:endParaRPr lang="en-US"/>
           </a:p>
@@ -2760,7 +2761,7 @@
           <a:p>
             <a:fld id="{9B357CC7-4574-B54F-82B5-4084D5E86FC2}" type="datetimeFigureOut">
               <a:rPr lang="en-US" smtClean="0"/>
-              <a:t>2/12/20</a:t>
+              <a:t>2/13/20</a:t>
             </a:fld>
             <a:endParaRPr lang="en-US"/>
           </a:p>
@@ -3049,7 +3050,7 @@
           <a:p>
             <a:fld id="{9B357CC7-4574-B54F-82B5-4084D5E86FC2}" type="datetimeFigureOut">
               <a:rPr lang="en-US" smtClean="0"/>
-              <a:t>2/12/20</a:t>
+              <a:t>2/13/20</a:t>
             </a:fld>
             <a:endParaRPr lang="en-US"/>
           </a:p>
@@ -3292,7 +3293,7 @@
           <a:p>
             <a:fld id="{9B357CC7-4574-B54F-82B5-4084D5E86FC2}" type="datetimeFigureOut">
               <a:rPr lang="en-US" smtClean="0"/>
-              <a:t>2/12/20</a:t>
+              <a:t>2/13/20</a:t>
             </a:fld>
             <a:endParaRPr lang="en-US"/>
           </a:p>
@@ -3846,6 +3847,92 @@
           <p:cNvPr id="2" name="Title 1">
             <a:extLst>
               <a:ext uri="{FF2B5EF4-FFF2-40B4-BE49-F238E27FC236}">
+                <a16:creationId xmlns:a16="http://schemas.microsoft.com/office/drawing/2014/main" id="{E8C9ACE8-E288-FE46-B2D9-66658D1C715D}"/>
+              </a:ext>
+            </a:extLst>
+          </p:cNvPr>
+          <p:cNvSpPr>
+            <a:spLocks noGrp="1"/>
+          </p:cNvSpPr>
+          <p:nvPr>
+            <p:ph type="title"/>
+          </p:nvPr>
+        </p:nvSpPr>
+        <p:spPr/>
+        <p:txBody>
+          <a:bodyPr/>
+          <a:lstStyle/>
+          <a:p>
+            <a:r>
+              <a:rPr lang="en-US" dirty="0"/>
+              <a:t>Choosing a subwoofer</a:t>
+            </a:r>
+          </a:p>
+        </p:txBody>
+      </p:sp>
+      <p:sp>
+        <p:nvSpPr>
+          <p:cNvPr id="3" name="Content Placeholder 2">
+            <a:extLst>
+              <a:ext uri="{FF2B5EF4-FFF2-40B4-BE49-F238E27FC236}">
+                <a16:creationId xmlns:a16="http://schemas.microsoft.com/office/drawing/2014/main" id="{D55B1E5C-E32E-214E-A7B6-E4A1438CA9A1}"/>
+              </a:ext>
+            </a:extLst>
+          </p:cNvPr>
+          <p:cNvSpPr>
+            <a:spLocks noGrp="1"/>
+          </p:cNvSpPr>
+          <p:nvPr>
+            <p:ph idx="1"/>
+          </p:nvPr>
+        </p:nvSpPr>
+        <p:spPr/>
+        <p:txBody>
+          <a:bodyPr/>
+          <a:lstStyle/>
+          <a:p>
+            <a:r>
+              <a:rPr lang="en-US" dirty="0"/>
+              <a:t>Choose a cheap model to prove that good quality sound can be achieved cheaply, in comparison to really expensive high-quality systems.</a:t>
+            </a:r>
+          </a:p>
+        </p:txBody>
+      </p:sp>
+    </p:spTree>
+    <p:extLst>
+      <p:ext uri="{BB962C8B-B14F-4D97-AF65-F5344CB8AC3E}">
+        <p14:creationId xmlns:p14="http://schemas.microsoft.com/office/powerpoint/2010/main" val="436913128"/>
+      </p:ext>
+    </p:extLst>
+  </p:cSld>
+  <p:clrMapOvr>
+    <a:masterClrMapping/>
+  </p:clrMapOvr>
+</p:sld>
+</file>
+
+<file path=ppt/slides/slide11.xml><?xml version="1.0" encoding="utf-8"?>
+<p:sld xmlns:a="http://schemas.openxmlformats.org/drawingml/2006/main" xmlns:r="http://schemas.openxmlformats.org/officeDocument/2006/relationships" xmlns:p="http://schemas.openxmlformats.org/presentationml/2006/main">
+  <p:cSld>
+    <p:spTree>
+      <p:nvGrpSpPr>
+        <p:cNvPr id="1" name=""/>
+        <p:cNvGrpSpPr/>
+        <p:nvPr/>
+      </p:nvGrpSpPr>
+      <p:grpSpPr>
+        <a:xfrm>
+          <a:off x="0" y="0"/>
+          <a:ext cx="0" cy="0"/>
+          <a:chOff x="0" y="0"/>
+          <a:chExt cx="0" cy="0"/>
+        </a:xfrm>
+      </p:grpSpPr>
+      <p:sp>
+        <p:nvSpPr>
+          <p:cNvPr id="2" name="Title 1">
+            <a:extLst>
+              <a:ext uri="{FF2B5EF4-FFF2-40B4-BE49-F238E27FC236}">
                 <a16:creationId xmlns:a16="http://schemas.microsoft.com/office/drawing/2014/main" id="{80017211-A5EB-D54C-9384-2003199938E6}"/>
               </a:ext>
             </a:extLst>
@@ -4148,9 +4235,12 @@
             </a:r>
           </a:p>
           <a:p>
-            <a:endParaRPr lang="en-US" dirty="0">
-              <a:latin typeface="Garamond" panose="02020404030301010803" pitchFamily="18" charset="0"/>
-            </a:endParaRPr>
+            <a:r>
+              <a:rPr lang="en-US" dirty="0">
+                <a:latin typeface="Garamond" panose="02020404030301010803" pitchFamily="18" charset="0"/>
+              </a:rPr>
+              <a:t>Background theory </a:t>
+            </a:r>
           </a:p>
           <a:p>
             <a:endParaRPr lang="en-US" dirty="0">
@@ -4222,7 +4312,7 @@
               <a:rPr lang="en-US" dirty="0">
                 <a:latin typeface="Garamond" panose="02020404030301010803" pitchFamily="18" charset="0"/>
               </a:rPr>
-              <a:t>Milestone Evaluation</a:t>
+              <a:t>Technical Understanding of Project</a:t>
             </a:r>
           </a:p>
         </p:txBody>
@@ -4252,15 +4342,33 @@
               <a:rPr lang="en-US" dirty="0">
                 <a:latin typeface="Garamond" panose="02020404030301010803" pitchFamily="18" charset="0"/>
               </a:rPr>
-              <a:t>Supervisor estimates a 4 week lag behind schedule</a:t>
-            </a:r>
-          </a:p>
-          <a:p>
+              <a:t>Background theory reveals two essential things:</a:t>
+            </a:r>
+          </a:p>
+          <a:p>
+            <a:pPr lvl="1"/>
             <a:r>
               <a:rPr lang="en-US" dirty="0">
                 <a:latin typeface="Garamond" panose="02020404030301010803" pitchFamily="18" charset="0"/>
               </a:rPr>
-              <a:t>Most work can feasibly be completed on time.</a:t>
+              <a:t>Subwoofers have the most distortions and non-linearities of all the loudspeakers</a:t>
+            </a:r>
+          </a:p>
+          <a:p>
+            <a:pPr lvl="1"/>
+            <a:r>
+              <a:rPr lang="en-US" dirty="0">
+                <a:latin typeface="Garamond" panose="02020404030301010803" pitchFamily="18" charset="0"/>
+              </a:rPr>
+              <a:t>Subwoofers would benefit from an electronic ‘extension’ of their bass response because the lowest frequencies are the hardest to reproduce.</a:t>
+            </a:r>
+          </a:p>
+          <a:p>
+            <a:r>
+              <a:rPr lang="en-US" dirty="0">
+                <a:latin typeface="Garamond" panose="02020404030301010803" pitchFamily="18" charset="0"/>
+              </a:rPr>
+              <a:t>Background research shows that implementing a control system onto a loudspeaker is actually quite feasible</a:t>
             </a:r>
           </a:p>
           <a:p>
@@ -4268,12 +4376,20 @@
               <a:latin typeface="Garamond" panose="02020404030301010803" pitchFamily="18" charset="0"/>
             </a:endParaRPr>
           </a:p>
+          <a:p>
+            <a:pPr marL="0" indent="0">
+              <a:buNone/>
+            </a:pPr>
+            <a:endParaRPr lang="en-US" dirty="0">
+              <a:latin typeface="Garamond" panose="02020404030301010803" pitchFamily="18" charset="0"/>
+            </a:endParaRPr>
+          </a:p>
         </p:txBody>
       </p:sp>
     </p:spTree>
     <p:extLst>
       <p:ext uri="{BB962C8B-B14F-4D97-AF65-F5344CB8AC3E}">
-        <p14:creationId xmlns:p14="http://schemas.microsoft.com/office/powerpoint/2010/main" val="1945806205"/>
+        <p14:creationId xmlns:p14="http://schemas.microsoft.com/office/powerpoint/2010/main" val="1923474040"/>
       </p:ext>
     </p:extLst>
   </p:cSld>
@@ -4305,7 +4421,7 @@
           <p:cNvPr id="2" name="Title 1">
             <a:extLst>
               <a:ext uri="{FF2B5EF4-FFF2-40B4-BE49-F238E27FC236}">
-                <a16:creationId xmlns:a16="http://schemas.microsoft.com/office/drawing/2014/main" id="{67BEF447-CE8A-4FDB-AD02-5B53F6852305}"/>
+                <a16:creationId xmlns:a16="http://schemas.microsoft.com/office/drawing/2014/main" id="{88648774-E68B-0C43-B5C5-BFBBF59515D4}"/>
               </a:ext>
             </a:extLst>
           </p:cNvPr>
@@ -4322,10 +4438,10 @@
           <a:lstStyle/>
           <a:p>
             <a:r>
-              <a:rPr lang="en-GB" dirty="0">
+              <a:rPr lang="en-US" dirty="0">
                 <a:latin typeface="Garamond" panose="02020404030301010803" pitchFamily="18" charset="0"/>
               </a:rPr>
-              <a:t>Developing Technologies</a:t>
+              <a:t>Milestone Evaluation</a:t>
             </a:r>
           </a:p>
         </p:txBody>
@@ -4335,7 +4451,7 @@
           <p:cNvPr id="3" name="Content Placeholder 2">
             <a:extLst>
               <a:ext uri="{FF2B5EF4-FFF2-40B4-BE49-F238E27FC236}">
-                <a16:creationId xmlns:a16="http://schemas.microsoft.com/office/drawing/2014/main" id="{4AC14423-7CC2-4F75-89D8-928F56D3C4F2}"/>
+                <a16:creationId xmlns:a16="http://schemas.microsoft.com/office/drawing/2014/main" id="{13372421-E9E5-EF42-AE5A-69D37A93EE77}"/>
               </a:ext>
             </a:extLst>
           </p:cNvPr>
@@ -4352,26 +4468,22 @@
           <a:lstStyle/>
           <a:p>
             <a:r>
-              <a:rPr lang="en-GB" dirty="0">
+              <a:rPr lang="en-US" dirty="0">
                 <a:latin typeface="Garamond" panose="02020404030301010803" pitchFamily="18" charset="0"/>
               </a:rPr>
-              <a:t>A novel method of designing and implementing all required open- and closed-loop circuitry could be by using a field-programmable analogue array, such as those designed by </a:t>
-            </a:r>
-            <a:r>
-              <a:rPr lang="en-GB" dirty="0" err="1">
+              <a:t>Supervisor estimates a 4 week lag behind schedule</a:t>
+            </a:r>
+          </a:p>
+          <a:p>
+            <a:r>
+              <a:rPr lang="en-US" dirty="0">
                 <a:latin typeface="Garamond" panose="02020404030301010803" pitchFamily="18" charset="0"/>
               </a:rPr>
-              <a:t>Anadigm</a:t>
-            </a:r>
-            <a:r>
-              <a:rPr lang="en-GB" dirty="0">
-                <a:latin typeface="Garamond" panose="02020404030301010803" pitchFamily="18" charset="0"/>
-              </a:rPr>
-              <a:t>. Limits physical size and complexity of solutions, allows for patches from manufacturers to users, could even make a GUI to allow users to tune their own devices (although probably not possible because you need to program them through MATLAB)</a:t>
-            </a:r>
-          </a:p>
-          <a:p>
-            <a:endParaRPr lang="en-GB" dirty="0">
+              <a:t>Most work can feasibly be completed on time.</a:t>
+            </a:r>
+          </a:p>
+          <a:p>
+            <a:endParaRPr lang="en-US" dirty="0">
               <a:latin typeface="Garamond" panose="02020404030301010803" pitchFamily="18" charset="0"/>
             </a:endParaRPr>
           </a:p>
@@ -4380,7 +4492,7 @@
     </p:spTree>
     <p:extLst>
       <p:ext uri="{BB962C8B-B14F-4D97-AF65-F5344CB8AC3E}">
-        <p14:creationId xmlns:p14="http://schemas.microsoft.com/office/powerpoint/2010/main" val="4046729375"/>
+        <p14:creationId xmlns:p14="http://schemas.microsoft.com/office/powerpoint/2010/main" val="1945806205"/>
       </p:ext>
     </p:extLst>
   </p:cSld>
@@ -4412,7 +4524,7 @@
           <p:cNvPr id="2" name="Title 1">
             <a:extLst>
               <a:ext uri="{FF2B5EF4-FFF2-40B4-BE49-F238E27FC236}">
-                <a16:creationId xmlns:a16="http://schemas.microsoft.com/office/drawing/2014/main" id="{AAFD3B8C-D360-404D-AA4C-E1600784809F}"/>
+                <a16:creationId xmlns:a16="http://schemas.microsoft.com/office/drawing/2014/main" id="{67BEF447-CE8A-4FDB-AD02-5B53F6852305}"/>
               </a:ext>
             </a:extLst>
           </p:cNvPr>
@@ -4429,8 +4541,10 @@
           <a:lstStyle/>
           <a:p>
             <a:r>
-              <a:rPr lang="en-US" dirty="0"/>
-              <a:t>The Problem with Loudspeakers</a:t>
+              <a:rPr lang="en-GB" dirty="0">
+                <a:latin typeface="Garamond" panose="02020404030301010803" pitchFamily="18" charset="0"/>
+              </a:rPr>
+              <a:t>Developing Technologies</a:t>
             </a:r>
           </a:p>
         </p:txBody>
@@ -4440,7 +4554,7 @@
           <p:cNvPr id="3" name="Content Placeholder 2">
             <a:extLst>
               <a:ext uri="{FF2B5EF4-FFF2-40B4-BE49-F238E27FC236}">
-                <a16:creationId xmlns:a16="http://schemas.microsoft.com/office/drawing/2014/main" id="{048B8A3E-99C1-A542-B10D-F957C76D4652}"/>
+                <a16:creationId xmlns:a16="http://schemas.microsoft.com/office/drawing/2014/main" id="{4AC14423-7CC2-4F75-89D8-928F56D3C4F2}"/>
               </a:ext>
             </a:extLst>
           </p:cNvPr>
@@ -4457,28 +4571,35 @@
           <a:lstStyle/>
           <a:p>
             <a:r>
-              <a:rPr lang="en-US" dirty="0"/>
-              <a:t>Non-linear</a:t>
-            </a:r>
-          </a:p>
-          <a:p>
-            <a:r>
-              <a:rPr lang="en-US" dirty="0"/>
-              <a:t>Not normally controlled</a:t>
-            </a:r>
-          </a:p>
-          <a:p>
-            <a:r>
-              <a:rPr lang="en-US" dirty="0"/>
-              <a:t>As a result are expensive – average quality of sound reproduction lower than it could be</a:t>
-            </a:r>
+              <a:rPr lang="en-GB" dirty="0">
+                <a:latin typeface="Garamond" panose="02020404030301010803" pitchFamily="18" charset="0"/>
+              </a:rPr>
+              <a:t>A novel method of designing and implementing all required open- and closed-loop circuitry could be by using a field-programmable analogue array, such as those designed by </a:t>
+            </a:r>
+            <a:r>
+              <a:rPr lang="en-GB" dirty="0" err="1">
+                <a:latin typeface="Garamond" panose="02020404030301010803" pitchFamily="18" charset="0"/>
+              </a:rPr>
+              <a:t>Anadigm</a:t>
+            </a:r>
+            <a:r>
+              <a:rPr lang="en-GB" dirty="0">
+                <a:latin typeface="Garamond" panose="02020404030301010803" pitchFamily="18" charset="0"/>
+              </a:rPr>
+              <a:t>. Limits physical size and complexity of solutions, allows for patches from manufacturers to users, could even make a GUI to allow users to tune their own devices (although probably not possible because you need to program them through MATLAB)</a:t>
+            </a:r>
+          </a:p>
+          <a:p>
+            <a:endParaRPr lang="en-GB" dirty="0">
+              <a:latin typeface="Garamond" panose="02020404030301010803" pitchFamily="18" charset="0"/>
+            </a:endParaRPr>
           </a:p>
         </p:txBody>
       </p:sp>
     </p:spTree>
     <p:extLst>
       <p:ext uri="{BB962C8B-B14F-4D97-AF65-F5344CB8AC3E}">
-        <p14:creationId xmlns:p14="http://schemas.microsoft.com/office/powerpoint/2010/main" val="825884960"/>
+        <p14:creationId xmlns:p14="http://schemas.microsoft.com/office/powerpoint/2010/main" val="4046729375"/>
       </p:ext>
     </p:extLst>
   </p:cSld>
@@ -4510,7 +4631,7 @@
           <p:cNvPr id="2" name="Title 1">
             <a:extLst>
               <a:ext uri="{FF2B5EF4-FFF2-40B4-BE49-F238E27FC236}">
-                <a16:creationId xmlns:a16="http://schemas.microsoft.com/office/drawing/2014/main" id="{B44F82D9-6C99-9146-AAF5-B96122560FD0}"/>
+                <a16:creationId xmlns:a16="http://schemas.microsoft.com/office/drawing/2014/main" id="{AAFD3B8C-D360-404D-AA4C-E1600784809F}"/>
               </a:ext>
             </a:extLst>
           </p:cNvPr>
@@ -4528,7 +4649,7 @@
           <a:p>
             <a:r>
               <a:rPr lang="en-US" dirty="0"/>
-              <a:t>The solution</a:t>
+              <a:t>The Problem with Loudspeakers</a:t>
             </a:r>
           </a:p>
         </p:txBody>
@@ -4538,7 +4659,7 @@
           <p:cNvPr id="3" name="Content Placeholder 2">
             <a:extLst>
               <a:ext uri="{FF2B5EF4-FFF2-40B4-BE49-F238E27FC236}">
-                <a16:creationId xmlns:a16="http://schemas.microsoft.com/office/drawing/2014/main" id="{CDE426D1-7D3C-BA42-B04B-7A0E7046D100}"/>
+                <a16:creationId xmlns:a16="http://schemas.microsoft.com/office/drawing/2014/main" id="{048B8A3E-99C1-A542-B10D-F957C76D4652}"/>
               </a:ext>
             </a:extLst>
           </p:cNvPr>
@@ -4556,36 +4677,27 @@
           <a:p>
             <a:r>
               <a:rPr lang="en-US" dirty="0"/>
-              <a:t>Open- and closed-loop compensators</a:t>
+              <a:t>Non-linear</a:t>
             </a:r>
           </a:p>
           <a:p>
             <a:r>
               <a:rPr lang="en-US" dirty="0"/>
-              <a:t>Electronic solution is cheap, easy to manufacture and install</a:t>
+              <a:t>Not normally controlled</a:t>
             </a:r>
           </a:p>
           <a:p>
             <a:r>
               <a:rPr lang="en-US" dirty="0"/>
-              <a:t>Fewer distortions, fewer non-linearities = cleaner sound reproductions</a:t>
-            </a:r>
-          </a:p>
-          <a:p>
-            <a:r>
-              <a:rPr lang="en-US" dirty="0"/>
-              <a:t>Unique to subwoofers = extension of bass response </a:t>
-            </a:r>
-          </a:p>
-          <a:p>
-            <a:endParaRPr lang="en-US" dirty="0"/>
+              <a:t>As a result are expensive – average quality of sound reproduction lower than it could be</a:t>
+            </a:r>
           </a:p>
         </p:txBody>
       </p:sp>
     </p:spTree>
     <p:extLst>
       <p:ext uri="{BB962C8B-B14F-4D97-AF65-F5344CB8AC3E}">
-        <p14:creationId xmlns:p14="http://schemas.microsoft.com/office/powerpoint/2010/main" val="540741382"/>
+        <p14:creationId xmlns:p14="http://schemas.microsoft.com/office/powerpoint/2010/main" val="825884960"/>
       </p:ext>
     </p:extLst>
   </p:cSld>
@@ -4617,7 +4729,7 @@
           <p:cNvPr id="2" name="Title 1">
             <a:extLst>
               <a:ext uri="{FF2B5EF4-FFF2-40B4-BE49-F238E27FC236}">
-                <a16:creationId xmlns:a16="http://schemas.microsoft.com/office/drawing/2014/main" id="{F19D0235-F752-DD41-9EB0-208CE4AA3423}"/>
+                <a16:creationId xmlns:a16="http://schemas.microsoft.com/office/drawing/2014/main" id="{B44F82D9-6C99-9146-AAF5-B96122560FD0}"/>
               </a:ext>
             </a:extLst>
           </p:cNvPr>
@@ -4635,7 +4747,7 @@
           <a:p>
             <a:r>
               <a:rPr lang="en-US" dirty="0"/>
-              <a:t>The process</a:t>
+              <a:t>The solution</a:t>
             </a:r>
           </a:p>
         </p:txBody>
@@ -4645,7 +4757,7 @@
           <p:cNvPr id="3" name="Content Placeholder 2">
             <a:extLst>
               <a:ext uri="{FF2B5EF4-FFF2-40B4-BE49-F238E27FC236}">
-                <a16:creationId xmlns:a16="http://schemas.microsoft.com/office/drawing/2014/main" id="{4786A98A-A82E-2545-90B3-D0CE64E74881}"/>
+                <a16:creationId xmlns:a16="http://schemas.microsoft.com/office/drawing/2014/main" id="{CDE426D1-7D3C-BA42-B04B-7A0E7046D100}"/>
               </a:ext>
             </a:extLst>
           </p:cNvPr>
@@ -4663,39 +4775,36 @@
           <a:p>
             <a:r>
               <a:rPr lang="en-US" dirty="0"/>
-              <a:t>Choose a subwoofer</a:t>
+              <a:t>Open- and closed-loop compensators</a:t>
             </a:r>
           </a:p>
           <a:p>
             <a:r>
               <a:rPr lang="en-US" dirty="0"/>
-              <a:t>Make an enclosure for the subwoofer</a:t>
+              <a:t>Electronic solution is cheap, easy to manufacture and install</a:t>
             </a:r>
           </a:p>
           <a:p>
             <a:r>
               <a:rPr lang="en-US" dirty="0"/>
-              <a:t>Design an open-loop compensator</a:t>
+              <a:t>Fewer distortions, fewer non-linearities = cleaner sound reproductions</a:t>
             </a:r>
           </a:p>
           <a:p>
             <a:r>
               <a:rPr lang="en-US" dirty="0"/>
-              <a:t>Design a closed-loop compensator</a:t>
-            </a:r>
-          </a:p>
-          <a:p>
-            <a:r>
-              <a:rPr lang="en-US" dirty="0"/>
-              <a:t>Testing and tuning</a:t>
-            </a:r>
+              <a:t>Unique to subwoofers = extension of bass response </a:t>
+            </a:r>
+          </a:p>
+          <a:p>
+            <a:endParaRPr lang="en-US" dirty="0"/>
           </a:p>
         </p:txBody>
       </p:sp>
     </p:spTree>
     <p:extLst>
       <p:ext uri="{BB962C8B-B14F-4D97-AF65-F5344CB8AC3E}">
-        <p14:creationId xmlns:p14="http://schemas.microsoft.com/office/powerpoint/2010/main" val="3327246641"/>
+        <p14:creationId xmlns:p14="http://schemas.microsoft.com/office/powerpoint/2010/main" val="540741382"/>
       </p:ext>
     </p:extLst>
   </p:cSld>
@@ -4727,7 +4836,7 @@
           <p:cNvPr id="2" name="Title 1">
             <a:extLst>
               <a:ext uri="{FF2B5EF4-FFF2-40B4-BE49-F238E27FC236}">
-                <a16:creationId xmlns:a16="http://schemas.microsoft.com/office/drawing/2014/main" id="{E8C9ACE8-E288-FE46-B2D9-66658D1C715D}"/>
+                <a16:creationId xmlns:a16="http://schemas.microsoft.com/office/drawing/2014/main" id="{F19D0235-F752-DD41-9EB0-208CE4AA3423}"/>
               </a:ext>
             </a:extLst>
           </p:cNvPr>
@@ -4745,7 +4854,7 @@
           <a:p>
             <a:r>
               <a:rPr lang="en-US" dirty="0"/>
-              <a:t>Choosing a subwoofer</a:t>
+              <a:t>The process</a:t>
             </a:r>
           </a:p>
         </p:txBody>
@@ -4755,7 +4864,7 @@
           <p:cNvPr id="3" name="Content Placeholder 2">
             <a:extLst>
               <a:ext uri="{FF2B5EF4-FFF2-40B4-BE49-F238E27FC236}">
-                <a16:creationId xmlns:a16="http://schemas.microsoft.com/office/drawing/2014/main" id="{D55B1E5C-E32E-214E-A7B6-E4A1438CA9A1}"/>
+                <a16:creationId xmlns:a16="http://schemas.microsoft.com/office/drawing/2014/main" id="{4786A98A-A82E-2545-90B3-D0CE64E74881}"/>
               </a:ext>
             </a:extLst>
           </p:cNvPr>
@@ -4773,7 +4882,31 @@
           <a:p>
             <a:r>
               <a:rPr lang="en-US" dirty="0"/>
-              <a:t>Choose a cheap model to prove that good quality sound can be achieved cheaply, in comparison to really expensive high-quality systems.</a:t>
+              <a:t>Choose a subwoofer</a:t>
+            </a:r>
+          </a:p>
+          <a:p>
+            <a:r>
+              <a:rPr lang="en-US" dirty="0"/>
+              <a:t>Make an enclosure for the subwoofer</a:t>
+            </a:r>
+          </a:p>
+          <a:p>
+            <a:r>
+              <a:rPr lang="en-US" dirty="0"/>
+              <a:t>Design an open-loop compensator</a:t>
+            </a:r>
+          </a:p>
+          <a:p>
+            <a:r>
+              <a:rPr lang="en-US" dirty="0"/>
+              <a:t>Design a closed-loop compensator</a:t>
+            </a:r>
+          </a:p>
+          <a:p>
+            <a:r>
+              <a:rPr lang="en-US" dirty="0"/>
+              <a:t>Testing and tuning</a:t>
             </a:r>
           </a:p>
         </p:txBody>
@@ -4781,7 +4914,7 @@
     </p:spTree>
     <p:extLst>
       <p:ext uri="{BB962C8B-B14F-4D97-AF65-F5344CB8AC3E}">
-        <p14:creationId xmlns:p14="http://schemas.microsoft.com/office/powerpoint/2010/main" val="436913128"/>
+        <p14:creationId xmlns:p14="http://schemas.microsoft.com/office/powerpoint/2010/main" val="3327246641"/>
       </p:ext>
     </p:extLst>
   </p:cSld>

--- a/Deliverables/2ndMarkerViva/viva_presentation.pptx
+++ b/Deliverables/2ndMarkerViva/viva_presentation.pptx
@@ -5,7 +5,7 @@
     <p:sldMasterId id="2147483648" r:id="rId1"/>
   </p:sldMasterIdLst>
   <p:notesMasterIdLst>
-    <p:notesMasterId r:id="rId13"/>
+    <p:notesMasterId r:id="rId16"/>
   </p:notesMasterIdLst>
   <p:sldIdLst>
     <p:sldId id="256" r:id="rId2"/>
@@ -19,6 +19,9 @@
     <p:sldId id="271" r:id="rId10"/>
     <p:sldId id="272" r:id="rId11"/>
     <p:sldId id="273" r:id="rId12"/>
+    <p:sldId id="275" r:id="rId13"/>
+    <p:sldId id="276" r:id="rId14"/>
+    <p:sldId id="277" r:id="rId15"/>
   </p:sldIdLst>
   <p:sldSz cx="12192000" cy="6858000"/>
   <p:notesSz cx="6858000" cy="9144000"/>
@@ -3896,6 +3899,12 @@
               <a:t>Choose a cheap model to prove that good quality sound can be achieved cheaply, in comparison to really expensive high-quality systems.</a:t>
             </a:r>
           </a:p>
+          <a:p>
+            <a:r>
+              <a:rPr lang="en-US" dirty="0"/>
+              <a:t>Pyle PLPW6D was cheap and easy to acquire, features two voice coils – potential for sensing/driving setup</a:t>
+            </a:r>
+          </a:p>
         </p:txBody>
       </p:sp>
     </p:spTree>
@@ -3983,6 +3992,40 @@
             </a:r>
           </a:p>
           <a:p>
+            <a:r>
+              <a:rPr lang="en-US" dirty="0"/>
+              <a:t>[</a:t>
+            </a:r>
+            <a:r>
+              <a:rPr lang="en-US" dirty="0" err="1"/>
+              <a:t>Maths</a:t>
+            </a:r>
+            <a:r>
+              <a:rPr lang="en-US" dirty="0"/>
+              <a:t>]</a:t>
+            </a:r>
+          </a:p>
+          <a:p>
+            <a:r>
+              <a:rPr lang="en-US" dirty="0"/>
+              <a:t>Basically you’re </a:t>
+            </a:r>
+            <a:r>
+              <a:rPr lang="en-GB" dirty="0"/>
+              <a:t>optimising</a:t>
+            </a:r>
+            <a:r>
+              <a:rPr lang="en-US" dirty="0"/>
+              <a:t> to try and make sure that there’s enough air behind the subwoofer to ensure that the air doesn’t firm up the action of the subwoofer too much, but also not too much air so that there’s still a bit of spring which keeps the action nice and tight</a:t>
+            </a:r>
+          </a:p>
+          <a:p>
+            <a:r>
+              <a:rPr lang="en-US" dirty="0"/>
+              <a:t>It transpires that you’re designing a box based on a new peak resonant mechanical frequency – makes designing a box for any driver pretty straightforward</a:t>
+            </a:r>
+          </a:p>
+          <a:p>
             <a:endParaRPr lang="en-US" dirty="0"/>
           </a:p>
         </p:txBody>
@@ -3991,6 +4034,287 @@
     <p:extLst>
       <p:ext uri="{BB962C8B-B14F-4D97-AF65-F5344CB8AC3E}">
         <p14:creationId xmlns:p14="http://schemas.microsoft.com/office/powerpoint/2010/main" val="1437276838"/>
+      </p:ext>
+    </p:extLst>
+  </p:cSld>
+  <p:clrMapOvr>
+    <a:masterClrMapping/>
+  </p:clrMapOvr>
+</p:sld>
+</file>
+
+<file path=ppt/slides/slide12.xml><?xml version="1.0" encoding="utf-8"?>
+<p:sld xmlns:a="http://schemas.openxmlformats.org/drawingml/2006/main" xmlns:r="http://schemas.openxmlformats.org/officeDocument/2006/relationships" xmlns:p="http://schemas.openxmlformats.org/presentationml/2006/main">
+  <p:cSld>
+    <p:spTree>
+      <p:nvGrpSpPr>
+        <p:cNvPr id="1" name=""/>
+        <p:cNvGrpSpPr/>
+        <p:nvPr/>
+      </p:nvGrpSpPr>
+      <p:grpSpPr>
+        <a:xfrm>
+          <a:off x="0" y="0"/>
+          <a:ext cx="0" cy="0"/>
+          <a:chOff x="0" y="0"/>
+          <a:chExt cx="0" cy="0"/>
+        </a:xfrm>
+      </p:grpSpPr>
+      <p:sp>
+        <p:nvSpPr>
+          <p:cNvPr id="2" name="Title 1">
+            <a:extLst>
+              <a:ext uri="{FF2B5EF4-FFF2-40B4-BE49-F238E27FC236}">
+                <a16:creationId xmlns:a16="http://schemas.microsoft.com/office/drawing/2014/main" id="{80A052AB-A233-8E48-B434-13470559098B}"/>
+              </a:ext>
+            </a:extLst>
+          </p:cNvPr>
+          <p:cNvSpPr>
+            <a:spLocks noGrp="1"/>
+          </p:cNvSpPr>
+          <p:nvPr>
+            <p:ph type="title"/>
+          </p:nvPr>
+        </p:nvSpPr>
+        <p:spPr/>
+        <p:txBody>
+          <a:bodyPr/>
+          <a:lstStyle/>
+          <a:p>
+            <a:r>
+              <a:rPr lang="en-US" dirty="0"/>
+              <a:t>Open-loop circuit design</a:t>
+            </a:r>
+          </a:p>
+        </p:txBody>
+      </p:sp>
+      <p:sp>
+        <p:nvSpPr>
+          <p:cNvPr id="3" name="Content Placeholder 2">
+            <a:extLst>
+              <a:ext uri="{FF2B5EF4-FFF2-40B4-BE49-F238E27FC236}">
+                <a16:creationId xmlns:a16="http://schemas.microsoft.com/office/drawing/2014/main" id="{BC7AE9F6-EB9E-9246-958A-D77FE475F3AF}"/>
+              </a:ext>
+            </a:extLst>
+          </p:cNvPr>
+          <p:cNvSpPr>
+            <a:spLocks noGrp="1"/>
+          </p:cNvSpPr>
+          <p:nvPr>
+            <p:ph idx="1"/>
+          </p:nvPr>
+        </p:nvSpPr>
+        <p:spPr/>
+        <p:txBody>
+          <a:bodyPr/>
+          <a:lstStyle/>
+          <a:p>
+            <a:r>
+              <a:rPr lang="en-US" dirty="0"/>
+              <a:t>Linkwitz Transform</a:t>
+            </a:r>
+          </a:p>
+          <a:p>
+            <a:r>
+              <a:rPr lang="en-US" dirty="0"/>
+              <a:t>Design tools</a:t>
+            </a:r>
+          </a:p>
+        </p:txBody>
+      </p:sp>
+    </p:spTree>
+    <p:extLst>
+      <p:ext uri="{BB962C8B-B14F-4D97-AF65-F5344CB8AC3E}">
+        <p14:creationId xmlns:p14="http://schemas.microsoft.com/office/powerpoint/2010/main" val="3409635627"/>
+      </p:ext>
+    </p:extLst>
+  </p:cSld>
+  <p:clrMapOvr>
+    <a:masterClrMapping/>
+  </p:clrMapOvr>
+</p:sld>
+</file>
+
+<file path=ppt/slides/slide13.xml><?xml version="1.0" encoding="utf-8"?>
+<p:sld xmlns:a="http://schemas.openxmlformats.org/drawingml/2006/main" xmlns:r="http://schemas.openxmlformats.org/officeDocument/2006/relationships" xmlns:p="http://schemas.openxmlformats.org/presentationml/2006/main">
+  <p:cSld>
+    <p:spTree>
+      <p:nvGrpSpPr>
+        <p:cNvPr id="1" name=""/>
+        <p:cNvGrpSpPr/>
+        <p:nvPr/>
+      </p:nvGrpSpPr>
+      <p:grpSpPr>
+        <a:xfrm>
+          <a:off x="0" y="0"/>
+          <a:ext cx="0" cy="0"/>
+          <a:chOff x="0" y="0"/>
+          <a:chExt cx="0" cy="0"/>
+        </a:xfrm>
+      </p:grpSpPr>
+      <p:sp>
+        <p:nvSpPr>
+          <p:cNvPr id="2" name="Title 1">
+            <a:extLst>
+              <a:ext uri="{FF2B5EF4-FFF2-40B4-BE49-F238E27FC236}">
+                <a16:creationId xmlns:a16="http://schemas.microsoft.com/office/drawing/2014/main" id="{3BC0C561-0A9C-D149-9202-3092720D854D}"/>
+              </a:ext>
+            </a:extLst>
+          </p:cNvPr>
+          <p:cNvSpPr>
+            <a:spLocks noGrp="1"/>
+          </p:cNvSpPr>
+          <p:nvPr>
+            <p:ph type="title"/>
+          </p:nvPr>
+        </p:nvSpPr>
+        <p:spPr/>
+        <p:txBody>
+          <a:bodyPr/>
+          <a:lstStyle/>
+          <a:p>
+            <a:r>
+              <a:rPr lang="en-US" dirty="0"/>
+              <a:t>Results</a:t>
+            </a:r>
+          </a:p>
+        </p:txBody>
+      </p:sp>
+      <p:sp>
+        <p:nvSpPr>
+          <p:cNvPr id="3" name="Content Placeholder 2">
+            <a:extLst>
+              <a:ext uri="{FF2B5EF4-FFF2-40B4-BE49-F238E27FC236}">
+                <a16:creationId xmlns:a16="http://schemas.microsoft.com/office/drawing/2014/main" id="{D465918C-588B-EF4D-B36A-9DF3689400BE}"/>
+              </a:ext>
+            </a:extLst>
+          </p:cNvPr>
+          <p:cNvSpPr>
+            <a:spLocks noGrp="1"/>
+          </p:cNvSpPr>
+          <p:nvPr>
+            <p:ph idx="1"/>
+          </p:nvPr>
+        </p:nvSpPr>
+        <p:spPr/>
+        <p:txBody>
+          <a:bodyPr/>
+          <a:lstStyle/>
+          <a:p>
+            <a:r>
+              <a:rPr lang="en-US" dirty="0"/>
+              <a:t>It works in theory</a:t>
+            </a:r>
+          </a:p>
+          <a:p>
+            <a:r>
+              <a:rPr lang="en-US" dirty="0"/>
+              <a:t>Describe process to make the box</a:t>
+            </a:r>
+          </a:p>
+        </p:txBody>
+      </p:sp>
+    </p:spTree>
+    <p:extLst>
+      <p:ext uri="{BB962C8B-B14F-4D97-AF65-F5344CB8AC3E}">
+        <p14:creationId xmlns:p14="http://schemas.microsoft.com/office/powerpoint/2010/main" val="663071535"/>
+      </p:ext>
+    </p:extLst>
+  </p:cSld>
+  <p:clrMapOvr>
+    <a:masterClrMapping/>
+  </p:clrMapOvr>
+</p:sld>
+</file>
+
+<file path=ppt/slides/slide14.xml><?xml version="1.0" encoding="utf-8"?>
+<p:sld xmlns:a="http://schemas.openxmlformats.org/drawingml/2006/main" xmlns:r="http://schemas.openxmlformats.org/officeDocument/2006/relationships" xmlns:p="http://schemas.openxmlformats.org/presentationml/2006/main">
+  <p:cSld>
+    <p:spTree>
+      <p:nvGrpSpPr>
+        <p:cNvPr id="1" name=""/>
+        <p:cNvGrpSpPr/>
+        <p:nvPr/>
+      </p:nvGrpSpPr>
+      <p:grpSpPr>
+        <a:xfrm>
+          <a:off x="0" y="0"/>
+          <a:ext cx="0" cy="0"/>
+          <a:chOff x="0" y="0"/>
+          <a:chExt cx="0" cy="0"/>
+        </a:xfrm>
+      </p:grpSpPr>
+      <p:sp>
+        <p:nvSpPr>
+          <p:cNvPr id="2" name="Title 1">
+            <a:extLst>
+              <a:ext uri="{FF2B5EF4-FFF2-40B4-BE49-F238E27FC236}">
+                <a16:creationId xmlns:a16="http://schemas.microsoft.com/office/drawing/2014/main" id="{30D11954-8BAE-0D40-9CC0-3D1426B35C0A}"/>
+              </a:ext>
+            </a:extLst>
+          </p:cNvPr>
+          <p:cNvSpPr>
+            <a:spLocks noGrp="1"/>
+          </p:cNvSpPr>
+          <p:nvPr>
+            <p:ph type="title"/>
+          </p:nvPr>
+        </p:nvSpPr>
+        <p:spPr/>
+        <p:txBody>
+          <a:bodyPr/>
+          <a:lstStyle/>
+          <a:p>
+            <a:r>
+              <a:rPr lang="en-US" dirty="0"/>
+              <a:t>Plans</a:t>
+            </a:r>
+          </a:p>
+        </p:txBody>
+      </p:sp>
+      <p:sp>
+        <p:nvSpPr>
+          <p:cNvPr id="3" name="Content Placeholder 2">
+            <a:extLst>
+              <a:ext uri="{FF2B5EF4-FFF2-40B4-BE49-F238E27FC236}">
+                <a16:creationId xmlns:a16="http://schemas.microsoft.com/office/drawing/2014/main" id="{9814AEE1-CEF1-BA4F-87C0-660584B9DE3D}"/>
+              </a:ext>
+            </a:extLst>
+          </p:cNvPr>
+          <p:cNvSpPr>
+            <a:spLocks noGrp="1"/>
+          </p:cNvSpPr>
+          <p:nvPr>
+            <p:ph idx="1"/>
+          </p:nvPr>
+        </p:nvSpPr>
+        <p:spPr/>
+        <p:txBody>
+          <a:bodyPr/>
+          <a:lstStyle/>
+          <a:p>
+            <a:r>
+              <a:rPr lang="en-US" dirty="0"/>
+              <a:t>Make and test open-loop compensator</a:t>
+            </a:r>
+          </a:p>
+          <a:p>
+            <a:r>
+              <a:rPr lang="en-US" dirty="0"/>
+              <a:t>Design, simulate, build closed-loop </a:t>
+            </a:r>
+            <a:r>
+              <a:rPr lang="en-US" dirty="0" err="1"/>
+              <a:t>comepsators</a:t>
+            </a:r>
+            <a:endParaRPr lang="en-US" dirty="0"/>
+          </a:p>
+        </p:txBody>
+      </p:sp>
+    </p:spTree>
+    <p:extLst>
+      <p:ext uri="{BB962C8B-B14F-4D97-AF65-F5344CB8AC3E}">
+        <p14:creationId xmlns:p14="http://schemas.microsoft.com/office/powerpoint/2010/main" val="983899657"/>
       </p:ext>
     </p:extLst>
   </p:cSld>
@@ -4368,7 +4692,7 @@
               <a:rPr lang="en-US" dirty="0">
                 <a:latin typeface="Garamond" panose="02020404030301010803" pitchFamily="18" charset="0"/>
               </a:rPr>
-              <a:t>Background research shows that implementing a control system onto a loudspeaker is actually quite feasible</a:t>
+              <a:t>Background research shows that implementing a control system onto a loudspeaker is quite feasible</a:t>
             </a:r>
           </a:p>
           <a:p>
@@ -4594,6 +4918,11 @@
               <a:latin typeface="Garamond" panose="02020404030301010803" pitchFamily="18" charset="0"/>
             </a:endParaRPr>
           </a:p>
+          <a:p>
+            <a:endParaRPr lang="en-GB" dirty="0">
+              <a:latin typeface="Garamond" panose="02020404030301010803" pitchFamily="18" charset="0"/>
+            </a:endParaRPr>
+          </a:p>
         </p:txBody>
       </p:sp>
     </p:spTree>
@@ -4677,20 +5006,37 @@
           <a:p>
             <a:r>
               <a:rPr lang="en-US" dirty="0"/>
-              <a:t>Non-linear</a:t>
+              <a:t>Not normally controlled – distortions and non-linearities are rife</a:t>
             </a:r>
           </a:p>
           <a:p>
             <a:r>
               <a:rPr lang="en-US" dirty="0"/>
-              <a:t>Not normally controlled</a:t>
+              <a:t>Expensive – manufacturers must spend lots to make enclosures and drivers ‘perfect’, most consumers can’t buy good audio</a:t>
             </a:r>
           </a:p>
           <a:p>
             <a:r>
               <a:rPr lang="en-US" dirty="0"/>
-              <a:t>As a result are expensive – average quality of sound reproduction lower than it could be</a:t>
-            </a:r>
+              <a:t>Background theory shows that:</a:t>
+            </a:r>
+          </a:p>
+          <a:p>
+            <a:pPr lvl="1"/>
+            <a:r>
+              <a:rPr lang="en-US" dirty="0"/>
+              <a:t>Subwoofers have the most non-linearities of all the loudspeakers</a:t>
+            </a:r>
+          </a:p>
+          <a:p>
+            <a:pPr lvl="1"/>
+            <a:r>
+              <a:rPr lang="en-US" dirty="0"/>
+              <a:t>Subwoofers can have their bass response extended ’for free’.</a:t>
+            </a:r>
+          </a:p>
+          <a:p>
+            <a:endParaRPr lang="en-US" dirty="0"/>
           </a:p>
         </p:txBody>
       </p:sp>
@@ -4793,11 +5139,8 @@
           <a:p>
             <a:r>
               <a:rPr lang="en-US" dirty="0"/>
-              <a:t>Unique to subwoofers = extension of bass response </a:t>
-            </a:r>
-          </a:p>
-          <a:p>
-            <a:endParaRPr lang="en-US" dirty="0"/>
+              <a:t>‘Free’ extension of bass response = better sound from the same physical system</a:t>
+            </a:r>
           </a:p>
         </p:txBody>
       </p:sp>

--- a/Deliverables/2ndMarkerViva/viva_presentation.pptx
+++ b/Deliverables/2ndMarkerViva/viva_presentation.pptx
@@ -5,7 +5,7 @@
     <p:sldMasterId id="2147483724" r:id="rId1"/>
   </p:sldMasterIdLst>
   <p:notesMasterIdLst>
-    <p:notesMasterId r:id="rId18"/>
+    <p:notesMasterId r:id="rId20"/>
   </p:notesMasterIdLst>
   <p:sldIdLst>
     <p:sldId id="256" r:id="rId2"/>
@@ -21,9 +21,11 @@
     <p:sldId id="271" r:id="rId12"/>
     <p:sldId id="272" r:id="rId13"/>
     <p:sldId id="273" r:id="rId14"/>
-    <p:sldId id="275" r:id="rId15"/>
-    <p:sldId id="276" r:id="rId16"/>
-    <p:sldId id="277" r:id="rId17"/>
+    <p:sldId id="283" r:id="rId15"/>
+    <p:sldId id="282" r:id="rId16"/>
+    <p:sldId id="275" r:id="rId17"/>
+    <p:sldId id="276" r:id="rId18"/>
+    <p:sldId id="277" r:id="rId19"/>
   </p:sldIdLst>
   <p:sldSz cx="12192000" cy="6858000"/>
   <p:notesSz cx="6858000" cy="9144000"/>
@@ -212,7 +214,7 @@
           <a:p>
             <a:fld id="{3642E725-44A3-439B-A511-F674A826BB22}" type="datetimeFigureOut">
               <a:rPr lang="en-GB" smtClean="0"/>
-              <a:t>14/02/2020</a:t>
+              <a:t>17/02/2020</a:t>
             </a:fld>
             <a:endParaRPr lang="en-GB"/>
           </a:p>
@@ -734,7 +736,7 @@
           <a:p>
             <a:fld id="{9B357CC7-4574-B54F-82B5-4084D5E86FC2}" type="datetimeFigureOut">
               <a:rPr lang="en-US" smtClean="0"/>
-              <a:t>2/14/20</a:t>
+              <a:t>2/17/20</a:t>
             </a:fld>
             <a:endParaRPr lang="en-US"/>
           </a:p>
@@ -1001,7 +1003,7 @@
           <a:p>
             <a:fld id="{9B357CC7-4574-B54F-82B5-4084D5E86FC2}" type="datetimeFigureOut">
               <a:rPr lang="en-US" smtClean="0"/>
-              <a:t>2/14/20</a:t>
+              <a:t>2/17/20</a:t>
             </a:fld>
             <a:endParaRPr lang="en-US"/>
           </a:p>
@@ -1232,7 +1234,7 @@
           <a:p>
             <a:fld id="{9B357CC7-4574-B54F-82B5-4084D5E86FC2}" type="datetimeFigureOut">
               <a:rPr lang="en-US" smtClean="0"/>
-              <a:t>2/14/20</a:t>
+              <a:t>2/17/20</a:t>
             </a:fld>
             <a:endParaRPr lang="en-US"/>
           </a:p>
@@ -1542,7 +1544,7 @@
           <a:p>
             <a:fld id="{9B357CC7-4574-B54F-82B5-4084D5E86FC2}" type="datetimeFigureOut">
               <a:rPr lang="en-US" smtClean="0"/>
-              <a:t>2/14/20</a:t>
+              <a:t>2/17/20</a:t>
             </a:fld>
             <a:endParaRPr lang="en-US"/>
           </a:p>
@@ -2015,7 +2017,7 @@
           <a:p>
             <a:fld id="{9B357CC7-4574-B54F-82B5-4084D5E86FC2}" type="datetimeFigureOut">
               <a:rPr lang="en-US" smtClean="0"/>
-              <a:t>2/14/20</a:t>
+              <a:t>2/17/20</a:t>
             </a:fld>
             <a:endParaRPr lang="en-US"/>
           </a:p>
@@ -2562,7 +2564,7 @@
           <a:p>
             <a:fld id="{9B357CC7-4574-B54F-82B5-4084D5E86FC2}" type="datetimeFigureOut">
               <a:rPr lang="en-US" smtClean="0"/>
-              <a:t>2/14/20</a:t>
+              <a:t>2/17/20</a:t>
             </a:fld>
             <a:endParaRPr lang="en-US"/>
           </a:p>
@@ -3336,7 +3338,7 @@
           <a:p>
             <a:fld id="{9B357CC7-4574-B54F-82B5-4084D5E86FC2}" type="datetimeFigureOut">
               <a:rPr lang="en-US" smtClean="0"/>
-              <a:t>2/14/20</a:t>
+              <a:t>2/17/20</a:t>
             </a:fld>
             <a:endParaRPr lang="en-US"/>
           </a:p>
@@ -3511,7 +3513,7 @@
           <a:p>
             <a:fld id="{9B357CC7-4574-B54F-82B5-4084D5E86FC2}" type="datetimeFigureOut">
               <a:rPr lang="en-US" smtClean="0"/>
-              <a:t>2/14/20</a:t>
+              <a:t>2/17/20</a:t>
             </a:fld>
             <a:endParaRPr lang="en-US"/>
           </a:p>
@@ -3734,7 +3736,7 @@
           <a:p>
             <a:fld id="{9B357CC7-4574-B54F-82B5-4084D5E86FC2}" type="datetimeFigureOut">
               <a:rPr lang="en-US" smtClean="0"/>
-              <a:t>2/14/20</a:t>
+              <a:t>2/17/20</a:t>
             </a:fld>
             <a:endParaRPr lang="en-US"/>
           </a:p>
@@ -3914,7 +3916,7 @@
           <a:p>
             <a:fld id="{9B357CC7-4574-B54F-82B5-4084D5E86FC2}" type="datetimeFigureOut">
               <a:rPr lang="en-US" smtClean="0"/>
-              <a:t>2/14/20</a:t>
+              <a:t>2/17/20</a:t>
             </a:fld>
             <a:endParaRPr lang="en-US"/>
           </a:p>
@@ -4203,7 +4205,7 @@
           <a:p>
             <a:fld id="{9B357CC7-4574-B54F-82B5-4084D5E86FC2}" type="datetimeFigureOut">
               <a:rPr lang="en-US" smtClean="0"/>
-              <a:t>2/14/20</a:t>
+              <a:t>2/17/20</a:t>
             </a:fld>
             <a:endParaRPr lang="en-US"/>
           </a:p>
@@ -4445,7 +4447,7 @@
           <a:p>
             <a:fld id="{9B357CC7-4574-B54F-82B5-4084D5E86FC2}" type="datetimeFigureOut">
               <a:rPr lang="en-US" smtClean="0"/>
-              <a:t>2/14/20</a:t>
+              <a:t>2/17/20</a:t>
             </a:fld>
             <a:endParaRPr lang="en-US"/>
           </a:p>
@@ -4824,7 +4826,7 @@
           <a:p>
             <a:fld id="{9B357CC7-4574-B54F-82B5-4084D5E86FC2}" type="datetimeFigureOut">
               <a:rPr lang="en-US" smtClean="0"/>
-              <a:t>2/14/20</a:t>
+              <a:t>2/17/20</a:t>
             </a:fld>
             <a:endParaRPr lang="en-US"/>
           </a:p>
@@ -4942,7 +4944,7 @@
           <a:p>
             <a:fld id="{9B357CC7-4574-B54F-82B5-4084D5E86FC2}" type="datetimeFigureOut">
               <a:rPr lang="en-US" smtClean="0"/>
-              <a:t>2/14/20</a:t>
+              <a:t>2/17/20</a:t>
             </a:fld>
             <a:endParaRPr lang="en-US"/>
           </a:p>
@@ -5037,7 +5039,7 @@
           <a:p>
             <a:fld id="{9B357CC7-4574-B54F-82B5-4084D5E86FC2}" type="datetimeFigureOut">
               <a:rPr lang="en-US" smtClean="0"/>
-              <a:t>2/14/20</a:t>
+              <a:t>2/17/20</a:t>
             </a:fld>
             <a:endParaRPr lang="en-US"/>
           </a:p>
@@ -5286,7 +5288,7 @@
           <a:p>
             <a:fld id="{9B357CC7-4574-B54F-82B5-4084D5E86FC2}" type="datetimeFigureOut">
               <a:rPr lang="en-US" smtClean="0"/>
-              <a:t>2/14/20</a:t>
+              <a:t>2/17/20</a:t>
             </a:fld>
             <a:endParaRPr lang="en-US"/>
           </a:p>
@@ -5543,7 +5545,7 @@
           <a:p>
             <a:fld id="{9B357CC7-4574-B54F-82B5-4084D5E86FC2}" type="datetimeFigureOut">
               <a:rPr lang="en-US" smtClean="0"/>
-              <a:t>2/14/20</a:t>
+              <a:t>2/17/20</a:t>
             </a:fld>
             <a:endParaRPr lang="en-US"/>
           </a:p>
@@ -5786,7 +5788,7 @@
           <a:p>
             <a:fld id="{9B357CC7-4574-B54F-82B5-4084D5E86FC2}" type="datetimeFigureOut">
               <a:rPr lang="en-US" smtClean="0"/>
-              <a:t>2/14/20</a:t>
+              <a:t>2/17/20</a:t>
             </a:fld>
             <a:endParaRPr lang="en-US"/>
           </a:p>
@@ -6351,7 +6353,9 @@
           <a:lstStyle/>
           <a:p>
             <a:r>
-              <a:rPr lang="en-US" dirty="0"/>
+              <a:rPr lang="en-US" dirty="0">
+                <a:latin typeface="Garamond" panose="02020404030301010803" pitchFamily="18" charset="0"/>
+              </a:rPr>
               <a:t>The solution</a:t>
             </a:r>
           </a:p>
@@ -6384,25 +6388,33 @@
           <a:lstStyle/>
           <a:p>
             <a:r>
-              <a:rPr lang="en-US" dirty="0"/>
+              <a:rPr lang="en-US" dirty="0">
+                <a:latin typeface="Garamond" panose="02020404030301010803" pitchFamily="18" charset="0"/>
+              </a:rPr>
               <a:t>Open- and closed-loop compensators</a:t>
             </a:r>
           </a:p>
           <a:p>
             <a:r>
-              <a:rPr lang="en-US" dirty="0"/>
+              <a:rPr lang="en-US" dirty="0">
+                <a:latin typeface="Garamond" panose="02020404030301010803" pitchFamily="18" charset="0"/>
+              </a:rPr>
               <a:t>Electronic solution is cheap, easy to manufacture and install</a:t>
             </a:r>
           </a:p>
           <a:p>
             <a:r>
-              <a:rPr lang="en-US" dirty="0"/>
+              <a:rPr lang="en-US" dirty="0">
+                <a:latin typeface="Garamond" panose="02020404030301010803" pitchFamily="18" charset="0"/>
+              </a:rPr>
               <a:t>Fewer distortions, fewer non-linearities = cleaner sound reproductions</a:t>
             </a:r>
           </a:p>
           <a:p>
             <a:r>
-              <a:rPr lang="en-US" dirty="0"/>
+              <a:rPr lang="en-US" dirty="0">
+                <a:latin typeface="Garamond" panose="02020404030301010803" pitchFamily="18" charset="0"/>
+              </a:rPr>
               <a:t>‘Free’ extension of bass response = better sound from the same physical system</a:t>
             </a:r>
           </a:p>
@@ -18337,7 +18349,9 @@
           <a:lstStyle/>
           <a:p>
             <a:r>
-              <a:rPr lang="en-US" dirty="0"/>
+              <a:rPr lang="en-US" dirty="0">
+                <a:latin typeface="Garamond" panose="02020404030301010803" pitchFamily="18" charset="0"/>
+              </a:rPr>
               <a:t>The process</a:t>
             </a:r>
           </a:p>
@@ -18367,7 +18381,7 @@
         </p:spPr>
         <p:txBody>
           <a:bodyPr>
-            <a:normAutofit lnSpcReduction="10000"/>
+            <a:normAutofit/>
           </a:bodyPr>
           <a:lstStyle/>
           <a:p>
@@ -18375,7 +18389,9 @@
               <a:buNone/>
             </a:pPr>
             <a:r>
-              <a:rPr lang="en-US" dirty="0"/>
+              <a:rPr lang="en-US" dirty="0">
+                <a:latin typeface="Garamond" panose="02020404030301010803" pitchFamily="18" charset="0"/>
+              </a:rPr>
               <a:t>Ideally:</a:t>
             </a:r>
           </a:p>
@@ -18385,7 +18401,9 @@
               <a:buAutoNum type="arabicPeriod"/>
             </a:pPr>
             <a:r>
-              <a:rPr lang="en-US" dirty="0"/>
+              <a:rPr lang="en-US" dirty="0">
+                <a:latin typeface="Garamond" panose="02020404030301010803" pitchFamily="18" charset="0"/>
+              </a:rPr>
               <a:t>Choose a subwoofer</a:t>
             </a:r>
           </a:p>
@@ -18395,7 +18413,9 @@
               <a:buAutoNum type="arabicPeriod"/>
             </a:pPr>
             <a:r>
-              <a:rPr lang="en-US" dirty="0"/>
+              <a:rPr lang="en-US" dirty="0">
+                <a:latin typeface="Garamond" panose="02020404030301010803" pitchFamily="18" charset="0"/>
+              </a:rPr>
               <a:t>Make an enclosure for the subwoofer</a:t>
             </a:r>
           </a:p>
@@ -18405,7 +18425,9 @@
               <a:buAutoNum type="arabicPeriod"/>
             </a:pPr>
             <a:r>
-              <a:rPr lang="en-US" dirty="0"/>
+              <a:rPr lang="en-US" dirty="0">
+                <a:latin typeface="Garamond" panose="02020404030301010803" pitchFamily="18" charset="0"/>
+              </a:rPr>
               <a:t>Open-loop compensator:</a:t>
             </a:r>
           </a:p>
@@ -18415,7 +18437,9 @@
               <a:buAutoNum type="alphaLcParenR"/>
             </a:pPr>
             <a:r>
-              <a:rPr lang="en-US" dirty="0"/>
+              <a:rPr lang="en-US" dirty="0">
+                <a:latin typeface="Garamond" panose="02020404030301010803" pitchFamily="18" charset="0"/>
+              </a:rPr>
               <a:t>Design</a:t>
             </a:r>
           </a:p>
@@ -18425,7 +18449,9 @@
               <a:buAutoNum type="alphaLcParenR"/>
             </a:pPr>
             <a:r>
-              <a:rPr lang="en-US" dirty="0"/>
+              <a:rPr lang="en-US" dirty="0">
+                <a:latin typeface="Garamond" panose="02020404030301010803" pitchFamily="18" charset="0"/>
+              </a:rPr>
               <a:t>Build</a:t>
             </a:r>
           </a:p>
@@ -18435,7 +18461,9 @@
               <a:buAutoNum type="arabicPeriod"/>
             </a:pPr>
             <a:r>
-              <a:rPr lang="en-US" dirty="0"/>
+              <a:rPr lang="en-US" dirty="0">
+                <a:latin typeface="Garamond" panose="02020404030301010803" pitchFamily="18" charset="0"/>
+              </a:rPr>
               <a:t>Closed-loop compensator:</a:t>
             </a:r>
           </a:p>
@@ -18445,7 +18473,9 @@
               <a:buAutoNum type="alphaLcParenR"/>
             </a:pPr>
             <a:r>
-              <a:rPr lang="en-US" dirty="0"/>
+              <a:rPr lang="en-US" dirty="0">
+                <a:latin typeface="Garamond" panose="02020404030301010803" pitchFamily="18" charset="0"/>
+              </a:rPr>
               <a:t>Design</a:t>
             </a:r>
           </a:p>
@@ -18455,7 +18485,9 @@
               <a:buAutoNum type="alphaLcParenR"/>
             </a:pPr>
             <a:r>
-              <a:rPr lang="en-US" dirty="0"/>
+              <a:rPr lang="en-US" dirty="0">
+                <a:latin typeface="Garamond" panose="02020404030301010803" pitchFamily="18" charset="0"/>
+              </a:rPr>
               <a:t>Build</a:t>
             </a:r>
           </a:p>
@@ -18465,7 +18497,9 @@
               <a:buAutoNum type="arabicPeriod"/>
             </a:pPr>
             <a:r>
-              <a:rPr lang="en-US" dirty="0"/>
+              <a:rPr lang="en-US" dirty="0">
+                <a:latin typeface="Garamond" panose="02020404030301010803" pitchFamily="18" charset="0"/>
+              </a:rPr>
               <a:t>Testing and tuning throughout</a:t>
             </a:r>
           </a:p>
@@ -18723,7 +18757,9 @@
           <a:lstStyle/>
           <a:p>
             <a:r>
-              <a:rPr lang="en-US" dirty="0"/>
+              <a:rPr lang="en-US" dirty="0">
+                <a:latin typeface="Garamond" panose="02020404030301010803" pitchFamily="18" charset="0"/>
+              </a:rPr>
               <a:t>Choosing a subwoofer</a:t>
             </a:r>
           </a:p>
@@ -18751,19 +18787,25 @@
           <a:lstStyle/>
           <a:p>
             <a:r>
-              <a:rPr lang="en-US" dirty="0"/>
-              <a:t>Choose a cheap model to prove that good quality sound can be achieved cheaply, in comparison to really expensive high-quality systems.</a:t>
+              <a:rPr lang="en-US" dirty="0">
+                <a:latin typeface="Garamond" panose="02020404030301010803" pitchFamily="18" charset="0"/>
+              </a:rPr>
+              <a:t>Choose a cheap model to prove that good quality sound can be achieved cheaply, in comparison to expensive high-quality systems.</a:t>
             </a:r>
           </a:p>
           <a:p>
             <a:r>
-              <a:rPr lang="en-US" dirty="0"/>
+              <a:rPr lang="en-US" dirty="0">
+                <a:latin typeface="Garamond" panose="02020404030301010803" pitchFamily="18" charset="0"/>
+              </a:rPr>
               <a:t>Pyle PLPW6D was cheap and easy to acquire, features two voice coils – potential for sensing/driving setup</a:t>
             </a:r>
           </a:p>
           <a:p>
             <a:r>
-              <a:rPr lang="en-US" dirty="0"/>
+              <a:rPr lang="en-US" dirty="0">
+                <a:latin typeface="Garamond" panose="02020404030301010803" pitchFamily="18" charset="0"/>
+              </a:rPr>
               <a:t>We are trying to prove that the open- and closed-loop electronic compensators can make systems sound better than they are, passing on a monetary benefit. Therefore, a cheap system should be made and improved, and then tested against a more expensive model to prove that consumers gain the monetary advantage discussed previously.</a:t>
             </a:r>
           </a:p>
@@ -18815,13 +18857,20 @@
             <p:ph type="title"/>
           </p:nvPr>
         </p:nvSpPr>
-        <p:spPr/>
+        <p:spPr>
+          <a:xfrm>
+            <a:off x="3103589" y="248758"/>
+            <a:ext cx="8610600" cy="1293028"/>
+          </a:xfrm>
+        </p:spPr>
         <p:txBody>
           <a:bodyPr/>
           <a:lstStyle/>
           <a:p>
             <a:r>
-              <a:rPr lang="en-US" dirty="0"/>
+              <a:rPr lang="en-US" dirty="0">
+                <a:latin typeface="Garamond" panose="02020404030301010803" pitchFamily="18" charset="0"/>
+              </a:rPr>
               <a:t>Enclosure design</a:t>
             </a:r>
           </a:p>
@@ -18843,52 +18892,4561 @@
             <p:ph idx="1"/>
           </p:nvPr>
         </p:nvSpPr>
-        <p:spPr/>
+        <p:spPr>
+          <a:xfrm>
+            <a:off x="31035" y="1455795"/>
+            <a:ext cx="6145108" cy="700532"/>
+          </a:xfrm>
+        </p:spPr>
         <p:txBody>
-          <a:bodyPr/>
+          <a:bodyPr>
+            <a:normAutofit/>
+          </a:bodyPr>
           <a:lstStyle/>
           <a:p>
             <a:r>
-              <a:rPr lang="en-US" dirty="0"/>
-              <a:t>Requires Thiele-Small parameters</a:t>
+              <a:rPr lang="en-US" dirty="0">
+                <a:latin typeface="Garamond" panose="02020404030301010803" pitchFamily="18" charset="0"/>
+              </a:rPr>
+              <a:t>Background theory shows that loudspeakers can be modelled as equivalent electrical circuits:</a:t>
+            </a:r>
+          </a:p>
+          <a:p>
+            <a:endParaRPr lang="en-US" dirty="0">
+              <a:latin typeface="Garamond" panose="02020404030301010803" pitchFamily="18" charset="0"/>
+            </a:endParaRPr>
+          </a:p>
+        </p:txBody>
+      </p:sp>
+      <p:grpSp>
+        <p:nvGrpSpPr>
+          <p:cNvPr id="84" name="Group 83">
+            <a:extLst>
+              <a:ext uri="{FF2B5EF4-FFF2-40B4-BE49-F238E27FC236}">
+                <a16:creationId xmlns:a16="http://schemas.microsoft.com/office/drawing/2014/main" id="{CF51C48C-8C7B-7144-979C-57AE1F597FC3}"/>
+              </a:ext>
+            </a:extLst>
+          </p:cNvPr>
+          <p:cNvGrpSpPr/>
+          <p:nvPr/>
+        </p:nvGrpSpPr>
+        <p:grpSpPr>
+          <a:xfrm>
+            <a:off x="1680799" y="2207157"/>
+            <a:ext cx="8990687" cy="2750010"/>
+            <a:chOff x="270544" y="2230603"/>
+            <a:chExt cx="8990687" cy="2750010"/>
+          </a:xfrm>
+        </p:grpSpPr>
+        <p:grpSp>
+          <p:nvGrpSpPr>
+            <p:cNvPr id="79" name="Group 78">
+              <a:extLst>
+                <a:ext uri="{FF2B5EF4-FFF2-40B4-BE49-F238E27FC236}">
+                  <a16:creationId xmlns:a16="http://schemas.microsoft.com/office/drawing/2014/main" id="{CF99F935-FE19-3B4F-B160-6E739069EF32}"/>
+                </a:ext>
+              </a:extLst>
+            </p:cNvPr>
+            <p:cNvGrpSpPr/>
+            <p:nvPr/>
+          </p:nvGrpSpPr>
+          <p:grpSpPr>
+            <a:xfrm>
+              <a:off x="270544" y="2303586"/>
+              <a:ext cx="8990687" cy="2677027"/>
+              <a:chOff x="1700661" y="2123573"/>
+              <a:chExt cx="8990687" cy="2677027"/>
+            </a:xfrm>
+          </p:grpSpPr>
+          <p:grpSp>
+            <p:nvGrpSpPr>
+              <p:cNvPr id="78" name="Group 77">
+                <a:extLst>
+                  <a:ext uri="{FF2B5EF4-FFF2-40B4-BE49-F238E27FC236}">
+                    <a16:creationId xmlns:a16="http://schemas.microsoft.com/office/drawing/2014/main" id="{7B058B36-589E-294F-B099-5AE71363D357}"/>
+                  </a:ext>
+                </a:extLst>
+              </p:cNvPr>
+              <p:cNvGrpSpPr/>
+              <p:nvPr/>
+            </p:nvGrpSpPr>
+            <p:grpSpPr>
+              <a:xfrm>
+                <a:off x="1700661" y="2123573"/>
+                <a:ext cx="8990687" cy="2677027"/>
+                <a:chOff x="1700661" y="2123573"/>
+                <a:chExt cx="8990687" cy="2677027"/>
+              </a:xfrm>
+            </p:grpSpPr>
+            <p:grpSp>
+              <p:nvGrpSpPr>
+                <p:cNvPr id="4" name="Group 3">
+                  <a:extLst>
+                    <a:ext uri="{FF2B5EF4-FFF2-40B4-BE49-F238E27FC236}">
+                      <a16:creationId xmlns:a16="http://schemas.microsoft.com/office/drawing/2014/main" id="{CD53123D-97DB-AB4E-A686-FCF84F463A4B}"/>
+                    </a:ext>
+                  </a:extLst>
+                </p:cNvPr>
+                <p:cNvGrpSpPr/>
+                <p:nvPr/>
+              </p:nvGrpSpPr>
+              <p:grpSpPr>
+                <a:xfrm>
+                  <a:off x="1700661" y="2289828"/>
+                  <a:ext cx="8990687" cy="2510772"/>
+                  <a:chOff x="124217" y="144352"/>
+                  <a:chExt cx="5583798" cy="1559352"/>
+                </a:xfrm>
+              </p:grpSpPr>
+              <p:grpSp>
+                <p:nvGrpSpPr>
+                  <p:cNvPr id="5" name="Group 4">
+                    <a:extLst>
+                      <a:ext uri="{FF2B5EF4-FFF2-40B4-BE49-F238E27FC236}">
+                        <a16:creationId xmlns:a16="http://schemas.microsoft.com/office/drawing/2014/main" id="{4FDD9F80-E196-8540-8876-5BD06252AFB4}"/>
+                      </a:ext>
+                    </a:extLst>
+                  </p:cNvPr>
+                  <p:cNvGrpSpPr/>
+                  <p:nvPr/>
+                </p:nvGrpSpPr>
+                <p:grpSpPr>
+                  <a:xfrm>
+                    <a:off x="124217" y="144352"/>
+                    <a:ext cx="5583798" cy="1559352"/>
+                    <a:chOff x="124217" y="144352"/>
+                    <a:chExt cx="5583798" cy="1559352"/>
+                  </a:xfrm>
+                </p:grpSpPr>
+                <p:grpSp>
+                  <p:nvGrpSpPr>
+                    <p:cNvPr id="7" name="Group 6">
+                      <a:extLst>
+                        <a:ext uri="{FF2B5EF4-FFF2-40B4-BE49-F238E27FC236}">
+                          <a16:creationId xmlns:a16="http://schemas.microsoft.com/office/drawing/2014/main" id="{164DDAE2-7AEF-8B45-ACF8-D84089C10649}"/>
+                        </a:ext>
+                      </a:extLst>
+                    </p:cNvPr>
+                    <p:cNvGrpSpPr/>
+                    <p:nvPr/>
+                  </p:nvGrpSpPr>
+                  <p:grpSpPr>
+                    <a:xfrm>
+                      <a:off x="124217" y="144352"/>
+                      <a:ext cx="5583798" cy="1559352"/>
+                      <a:chOff x="124217" y="144352"/>
+                      <a:chExt cx="5583798" cy="1559352"/>
+                    </a:xfrm>
+                  </p:grpSpPr>
+                  <p:grpSp>
+                    <p:nvGrpSpPr>
+                      <p:cNvPr id="9" name="Group 8">
+                        <a:extLst>
+                          <a:ext uri="{FF2B5EF4-FFF2-40B4-BE49-F238E27FC236}">
+                            <a16:creationId xmlns:a16="http://schemas.microsoft.com/office/drawing/2014/main" id="{7AE4661C-47E6-914D-8EE3-ED8E8558960C}"/>
+                          </a:ext>
+                        </a:extLst>
+                      </p:cNvPr>
+                      <p:cNvGrpSpPr/>
+                      <p:nvPr/>
+                    </p:nvGrpSpPr>
+                    <p:grpSpPr>
+                      <a:xfrm>
+                        <a:off x="124217" y="144352"/>
+                        <a:ext cx="5583798" cy="1559352"/>
+                        <a:chOff x="63549" y="112899"/>
+                        <a:chExt cx="3293958" cy="920509"/>
+                      </a:xfrm>
+                    </p:grpSpPr>
+                    <p:sp>
+                      <p:nvSpPr>
+                        <p:cNvPr id="24" name="Oval 23">
+                          <a:extLst>
+                            <a:ext uri="{FF2B5EF4-FFF2-40B4-BE49-F238E27FC236}">
+                              <a16:creationId xmlns:a16="http://schemas.microsoft.com/office/drawing/2014/main" id="{D8AB3891-D3F5-8E4B-A117-38C41FB3AB13}"/>
+                            </a:ext>
+                          </a:extLst>
+                        </p:cNvPr>
+                        <p:cNvSpPr/>
+                        <p:nvPr/>
+                      </p:nvSpPr>
+                      <p:spPr>
+                        <a:xfrm>
+                          <a:off x="67080" y="773180"/>
+                          <a:ext cx="57604" cy="57610"/>
+                        </a:xfrm>
+                        <a:prstGeom prst="ellipse">
+                          <a:avLst/>
+                        </a:prstGeom>
+                        <a:noFill/>
+                        <a:ln w="9525">
+                          <a:solidFill>
+                            <a:schemeClr val="tx1"/>
+                          </a:solidFill>
+                        </a:ln>
+                      </p:spPr>
+                      <p:style>
+                        <a:lnRef idx="2">
+                          <a:schemeClr val="accent1">
+                            <a:shade val="50000"/>
+                          </a:schemeClr>
+                        </a:lnRef>
+                        <a:fillRef idx="1">
+                          <a:schemeClr val="accent1"/>
+                        </a:fillRef>
+                        <a:effectRef idx="0">
+                          <a:schemeClr val="accent1"/>
+                        </a:effectRef>
+                        <a:fontRef idx="minor">
+                          <a:schemeClr val="lt1"/>
+                        </a:fontRef>
+                      </p:style>
+                      <p:txBody>
+                        <a:bodyPr rot="0" spcFirstLastPara="0" vert="horz" wrap="square" lIns="91440" tIns="45720" rIns="91440" bIns="45720" numCol="1" spcCol="0" rtlCol="0" fromWordArt="0" anchor="ctr" anchorCtr="0" forceAA="0" compatLnSpc="1">
+                          <a:prstTxWarp prst="textNoShape">
+                            <a:avLst/>
+                          </a:prstTxWarp>
+                          <a:noAutofit/>
+                        </a:bodyPr>
+                        <a:lstStyle/>
+                        <a:p>
+                          <a:endParaRPr lang="en-GB"/>
+                        </a:p>
+                      </p:txBody>
+                    </p:sp>
+                    <p:cxnSp>
+                      <p:nvCxnSpPr>
+                        <p:cNvPr id="25" name="Straight Connector 24">
+                          <a:extLst>
+                            <a:ext uri="{FF2B5EF4-FFF2-40B4-BE49-F238E27FC236}">
+                              <a16:creationId xmlns:a16="http://schemas.microsoft.com/office/drawing/2014/main" id="{D9B9F92D-6A0C-A748-8C87-821D01117BD2}"/>
+                            </a:ext>
+                          </a:extLst>
+                        </p:cNvPr>
+                        <p:cNvCxnSpPr/>
+                        <p:nvPr/>
+                      </p:nvCxnSpPr>
+                      <p:spPr>
+                        <a:xfrm flipV="1">
+                          <a:off x="87527" y="287998"/>
+                          <a:ext cx="0" cy="456845"/>
+                        </a:xfrm>
+                        <a:prstGeom prst="line">
+                          <a:avLst/>
+                        </a:prstGeom>
+                        <a:ln w="9525">
+                          <a:headEnd type="none" w="sm" len="sm"/>
+                          <a:tailEnd type="triangle" w="sm" len="sm"/>
+                        </a:ln>
+                      </p:spPr>
+                      <p:style>
+                        <a:lnRef idx="1">
+                          <a:schemeClr val="dk1"/>
+                        </a:lnRef>
+                        <a:fillRef idx="0">
+                          <a:schemeClr val="dk1"/>
+                        </a:fillRef>
+                        <a:effectRef idx="0">
+                          <a:schemeClr val="dk1"/>
+                        </a:effectRef>
+                        <a:fontRef idx="minor">
+                          <a:schemeClr val="tx1"/>
+                        </a:fontRef>
+                      </p:style>
+                    </p:cxnSp>
+                    <mc:AlternateContent xmlns:mc="http://schemas.openxmlformats.org/markup-compatibility/2006">
+                      <mc:Choice xmlns:a14="http://schemas.microsoft.com/office/drawing/2010/main" Requires="a14">
+                        <p:sp>
+                          <p:nvSpPr>
+                            <p:cNvPr id="26" name="Text Box 246">
+                              <a:extLst>
+                                <a:ext uri="{FF2B5EF4-FFF2-40B4-BE49-F238E27FC236}">
+                                  <a16:creationId xmlns:a16="http://schemas.microsoft.com/office/drawing/2014/main" id="{1440743C-4FFD-4E45-9F71-4A1026908D30}"/>
+                                </a:ext>
+                              </a:extLst>
+                            </p:cNvPr>
+                            <p:cNvSpPr txBox="1"/>
+                            <p:nvPr/>
+                          </p:nvSpPr>
+                          <p:spPr>
+                            <a:xfrm>
+                              <a:off x="66895" y="447187"/>
+                              <a:ext cx="295397" cy="148320"/>
+                            </a:xfrm>
+                            <a:prstGeom prst="rect">
+                              <a:avLst/>
+                            </a:prstGeom>
+                            <a:noFill/>
+                            <a:ln w="9525">
+                              <a:noFill/>
+                            </a:ln>
+                          </p:spPr>
+                          <p:txBody>
+                            <a:bodyPr rot="0" spcFirstLastPara="0" vert="horz" wrap="square" lIns="91440" tIns="45720" rIns="91440" bIns="45720" numCol="1" spcCol="0" rtlCol="0" fromWordArt="0" anchor="t" anchorCtr="0" forceAA="0" compatLnSpc="1">
+                              <a:prstTxWarp prst="textNoShape">
+                                <a:avLst/>
+                              </a:prstTxWarp>
+                              <a:noAutofit/>
+                            </a:bodyPr>
+                            <a:lstStyle/>
+                            <a:p>
+                              <a:pPr>
+                                <a:spcAft>
+                                  <a:spcPts val="0"/>
+                                </a:spcAft>
+                              </a:pPr>
+                              <a14:m>
+                                <m:oMathPara xmlns:m="http://schemas.openxmlformats.org/officeDocument/2006/math">
+                                  <m:oMathParaPr>
+                                    <m:jc m:val="centerGroup"/>
+                                  </m:oMathParaPr>
+                                  <m:oMath xmlns:m="http://schemas.openxmlformats.org/officeDocument/2006/math">
+                                    <m:sSub>
+                                      <m:sSubPr>
+                                        <m:ctrlPr>
+                                          <a:rPr lang="en-GB" sz="1600" i="1">
+                                            <a:effectLst/>
+                                            <a:latin typeface="Cambria Math" panose="02040503050406030204" pitchFamily="18" charset="0"/>
+                                            <a:ea typeface="Calibri" panose="020F0502020204030204" pitchFamily="34" charset="0"/>
+                                            <a:cs typeface="Times New Roman (Body CS)"/>
+                                          </a:rPr>
+                                        </m:ctrlPr>
+                                      </m:sSubPr>
+                                      <m:e>
+                                        <m:r>
+                                          <a:rPr lang="en-GB" sz="1600" i="1">
+                                            <a:effectLst/>
+                                            <a:latin typeface="Cambria Math" panose="02040503050406030204" pitchFamily="18" charset="0"/>
+                                            <a:ea typeface="Calibri" panose="020F0502020204030204" pitchFamily="34" charset="0"/>
+                                            <a:cs typeface="Times New Roman (Body CS)"/>
+                                          </a:rPr>
+                                          <m:t>𝑉</m:t>
+                                        </m:r>
+                                      </m:e>
+                                      <m:sub>
+                                        <m:r>
+                                          <a:rPr lang="en-GB" sz="1600" i="1">
+                                            <a:effectLst/>
+                                            <a:latin typeface="Cambria Math" panose="02040503050406030204" pitchFamily="18" charset="0"/>
+                                            <a:ea typeface="Calibri" panose="020F0502020204030204" pitchFamily="34" charset="0"/>
+                                            <a:cs typeface="Times New Roman (Body CS)"/>
+                                          </a:rPr>
+                                          <m:t>𝑖𝑛</m:t>
+                                        </m:r>
+                                      </m:sub>
+                                    </m:sSub>
+                                  </m:oMath>
+                                </m:oMathPara>
+                              </a14:m>
+                              <a:endParaRPr lang="en-GB" sz="2400" dirty="0">
+                                <a:effectLst/>
+                                <a:latin typeface="Garamond" panose="02020404030301010803" pitchFamily="18" charset="0"/>
+                                <a:ea typeface="Calibri" panose="020F0502020204030204" pitchFamily="34" charset="0"/>
+                                <a:cs typeface="Times New Roman (Body CS)"/>
+                              </a:endParaRPr>
+                            </a:p>
+                          </p:txBody>
+                        </p:sp>
+                      </mc:Choice>
+                      <mc:Fallback>
+                        <p:sp>
+                          <p:nvSpPr>
+                            <p:cNvPr id="26" name="Text Box 246">
+                              <a:extLst>
+                                <a:ext uri="{FF2B5EF4-FFF2-40B4-BE49-F238E27FC236}">
+                                  <a16:creationId xmlns:a16="http://schemas.microsoft.com/office/drawing/2014/main" id="{1440743C-4FFD-4E45-9F71-4A1026908D30}"/>
+                                </a:ext>
+                              </a:extLst>
+                            </p:cNvPr>
+                            <p:cNvSpPr txBox="1">
+                              <a:spLocks noRot="1" noChangeAspect="1" noMove="1" noResize="1" noEditPoints="1" noAdjustHandles="1" noChangeArrowheads="1" noChangeShapeType="1" noTextEdit="1"/>
+                            </p:cNvSpPr>
+                            <p:nvPr/>
+                          </p:nvSpPr>
+                          <p:spPr>
+                            <a:xfrm>
+                              <a:off x="66895" y="447187"/>
+                              <a:ext cx="295397" cy="148320"/>
+                            </a:xfrm>
+                            <a:prstGeom prst="rect">
+                              <a:avLst/>
+                            </a:prstGeom>
+                            <a:blipFill>
+                              <a:blip r:embed="rId2"/>
+                              <a:stretch>
+                                <a:fillRect/>
+                              </a:stretch>
+                            </a:blipFill>
+                            <a:ln w="9525">
+                              <a:noFill/>
+                            </a:ln>
+                          </p:spPr>
+                          <p:txBody>
+                            <a:bodyPr/>
+                            <a:lstStyle/>
+                            <a:p>
+                              <a:r>
+                                <a:rPr lang="en-US">
+                                  <a:noFill/>
+                                </a:rPr>
+                                <a:t> </a:t>
+                              </a:r>
+                            </a:p>
+                          </p:txBody>
+                        </p:sp>
+                      </mc:Fallback>
+                    </mc:AlternateContent>
+                    <p:cxnSp>
+                      <p:nvCxnSpPr>
+                        <p:cNvPr id="27" name="Straight Arrow Connector 26">
+                          <a:extLst>
+                            <a:ext uri="{FF2B5EF4-FFF2-40B4-BE49-F238E27FC236}">
+                              <a16:creationId xmlns:a16="http://schemas.microsoft.com/office/drawing/2014/main" id="{B6AD175A-679C-8F43-B67D-EAD3ED6B4934}"/>
+                            </a:ext>
+                          </a:extLst>
+                        </p:cNvPr>
+                        <p:cNvCxnSpPr/>
+                        <p:nvPr/>
+                      </p:nvCxnSpPr>
+                      <p:spPr>
+                        <a:xfrm>
+                          <a:off x="730814" y="228293"/>
+                          <a:ext cx="97972" cy="0"/>
+                        </a:xfrm>
+                        <a:prstGeom prst="straightConnector1">
+                          <a:avLst/>
+                        </a:prstGeom>
+                        <a:ln w="9525">
+                          <a:solidFill>
+                            <a:schemeClr val="tx1"/>
+                          </a:solidFill>
+                          <a:tailEnd type="triangle" w="sm" len="sm"/>
+                        </a:ln>
+                      </p:spPr>
+                      <p:style>
+                        <a:lnRef idx="1">
+                          <a:schemeClr val="accent1"/>
+                        </a:lnRef>
+                        <a:fillRef idx="0">
+                          <a:schemeClr val="accent1"/>
+                        </a:fillRef>
+                        <a:effectRef idx="0">
+                          <a:schemeClr val="accent1"/>
+                        </a:effectRef>
+                        <a:fontRef idx="minor">
+                          <a:schemeClr val="tx1"/>
+                        </a:fontRef>
+                      </p:style>
+                    </p:cxnSp>
+                    <mc:AlternateContent xmlns:mc="http://schemas.openxmlformats.org/markup-compatibility/2006">
+                      <mc:Choice xmlns:a14="http://schemas.microsoft.com/office/drawing/2010/main" Requires="a14">
+                        <p:sp>
+                          <p:nvSpPr>
+                            <p:cNvPr id="28" name="Text Box 248">
+                              <a:extLst>
+                                <a:ext uri="{FF2B5EF4-FFF2-40B4-BE49-F238E27FC236}">
+                                  <a16:creationId xmlns:a16="http://schemas.microsoft.com/office/drawing/2014/main" id="{B202ED80-3C84-2E4B-95D7-762A50486419}"/>
+                                </a:ext>
+                              </a:extLst>
+                            </p:cNvPr>
+                            <p:cNvSpPr txBox="1"/>
+                            <p:nvPr/>
+                          </p:nvSpPr>
+                          <p:spPr>
+                            <a:xfrm>
+                              <a:off x="725114" y="112899"/>
+                              <a:ext cx="189489" cy="124135"/>
+                            </a:xfrm>
+                            <a:prstGeom prst="rect">
+                              <a:avLst/>
+                            </a:prstGeom>
+                            <a:noFill/>
+                            <a:ln w="9525">
+                              <a:noFill/>
+                            </a:ln>
+                          </p:spPr>
+                          <p:txBody>
+                            <a:bodyPr rot="0" spcFirstLastPara="0" vert="horz" wrap="square" lIns="91440" tIns="45720" rIns="91440" bIns="45720" numCol="1" spcCol="0" rtlCol="0" fromWordArt="0" anchor="t" anchorCtr="0" forceAA="0" compatLnSpc="1">
+                              <a:prstTxWarp prst="textNoShape">
+                                <a:avLst/>
+                              </a:prstTxWarp>
+                              <a:noAutofit/>
+                            </a:bodyPr>
+                            <a:lstStyle/>
+                            <a:p>
+                              <a:pPr>
+                                <a:spcAft>
+                                  <a:spcPts val="0"/>
+                                </a:spcAft>
+                              </a:pPr>
+                              <a14:m>
+                                <m:oMathPara xmlns:m="http://schemas.openxmlformats.org/officeDocument/2006/math">
+                                  <m:oMathParaPr>
+                                    <m:jc m:val="centerGroup"/>
+                                  </m:oMathParaPr>
+                                  <m:oMath xmlns:m="http://schemas.openxmlformats.org/officeDocument/2006/math">
+                                    <m:r>
+                                      <a:rPr lang="en-GB" sz="1600" i="1">
+                                        <a:effectLst/>
+                                        <a:latin typeface="Cambria Math" panose="02040503050406030204" pitchFamily="18" charset="0"/>
+                                        <a:ea typeface="Calibri" panose="020F0502020204030204" pitchFamily="34" charset="0"/>
+                                        <a:cs typeface="Times New Roman (Body CS)"/>
+                                      </a:rPr>
+                                      <m:t>𝐼</m:t>
+                                    </m:r>
+                                  </m:oMath>
+                                </m:oMathPara>
+                              </a14:m>
+                              <a:endParaRPr lang="en-GB" sz="1600" dirty="0">
+                                <a:effectLst/>
+                                <a:latin typeface="Garamond" panose="02020404030301010803" pitchFamily="18" charset="0"/>
+                                <a:ea typeface="Calibri" panose="020F0502020204030204" pitchFamily="34" charset="0"/>
+                                <a:cs typeface="Times New Roman (Body CS)"/>
+                              </a:endParaRPr>
+                            </a:p>
+                          </p:txBody>
+                        </p:sp>
+                      </mc:Choice>
+                      <mc:Fallback>
+                        <p:sp>
+                          <p:nvSpPr>
+                            <p:cNvPr id="28" name="Text Box 248">
+                              <a:extLst>
+                                <a:ext uri="{FF2B5EF4-FFF2-40B4-BE49-F238E27FC236}">
+                                  <a16:creationId xmlns:a16="http://schemas.microsoft.com/office/drawing/2014/main" id="{B202ED80-3C84-2E4B-95D7-762A50486419}"/>
+                                </a:ext>
+                              </a:extLst>
+                            </p:cNvPr>
+                            <p:cNvSpPr txBox="1">
+                              <a:spLocks noRot="1" noChangeAspect="1" noMove="1" noResize="1" noEditPoints="1" noAdjustHandles="1" noChangeArrowheads="1" noChangeShapeType="1" noTextEdit="1"/>
+                            </p:cNvSpPr>
+                            <p:nvPr/>
+                          </p:nvSpPr>
+                          <p:spPr>
+                            <a:xfrm>
+                              <a:off x="725114" y="112899"/>
+                              <a:ext cx="189489" cy="124135"/>
+                            </a:xfrm>
+                            <a:prstGeom prst="rect">
+                              <a:avLst/>
+                            </a:prstGeom>
+                            <a:blipFill>
+                              <a:blip r:embed="rId3"/>
+                              <a:stretch>
+                                <a:fillRect/>
+                              </a:stretch>
+                            </a:blipFill>
+                            <a:ln w="9525">
+                              <a:noFill/>
+                            </a:ln>
+                          </p:spPr>
+                          <p:txBody>
+                            <a:bodyPr/>
+                            <a:lstStyle/>
+                            <a:p>
+                              <a:r>
+                                <a:rPr lang="en-US">
+                                  <a:noFill/>
+                                </a:rPr>
+                                <a:t> </a:t>
+                              </a:r>
+                            </a:p>
+                          </p:txBody>
+                        </p:sp>
+                      </mc:Fallback>
+                    </mc:AlternateContent>
+                    <p:sp>
+                      <p:nvSpPr>
+                        <p:cNvPr id="29" name="Text Box 249">
+                          <a:extLst>
+                            <a:ext uri="{FF2B5EF4-FFF2-40B4-BE49-F238E27FC236}">
+                              <a16:creationId xmlns:a16="http://schemas.microsoft.com/office/drawing/2014/main" id="{C2819326-4EF2-FE4A-ADFC-517A267661A9}"/>
+                            </a:ext>
+                          </a:extLst>
+                        </p:cNvPr>
+                        <p:cNvSpPr txBox="1"/>
+                        <p:nvPr/>
+                      </p:nvSpPr>
+                      <p:spPr>
+                        <a:xfrm>
+                          <a:off x="84732" y="857688"/>
+                          <a:ext cx="3260972" cy="175720"/>
+                        </a:xfrm>
+                        <a:prstGeom prst="rect">
+                          <a:avLst/>
+                        </a:prstGeom>
+                        <a:noFill/>
+                        <a:ln w="9525">
+                          <a:noFill/>
+                        </a:ln>
+                      </p:spPr>
+                      <p:txBody>
+                        <a:bodyPr rot="0" spcFirstLastPara="0" vert="horz" wrap="square" lIns="91440" tIns="45720" rIns="91440" bIns="45720" numCol="1" spcCol="0" rtlCol="0" fromWordArt="0" anchor="t" anchorCtr="0" forceAA="0" compatLnSpc="1">
+                          <a:prstTxWarp prst="textNoShape">
+                            <a:avLst/>
+                          </a:prstTxWarp>
+                          <a:noAutofit/>
+                        </a:bodyPr>
+                        <a:lstStyle/>
+                        <a:p>
+                          <a:pPr algn="ctr">
+                            <a:spcAft>
+                              <a:spcPts val="0"/>
+                            </a:spcAft>
+                          </a:pPr>
+                          <a:r>
+                            <a:rPr lang="en-GB" sz="1400" dirty="0">
+                              <a:effectLst/>
+                              <a:latin typeface="Garamond" panose="02020404030301010803" pitchFamily="18" charset="0"/>
+                              <a:ea typeface="Calibri" panose="020F0502020204030204" pitchFamily="34" charset="0"/>
+                              <a:cs typeface="Times New Roman (Body CS)"/>
+                            </a:rPr>
+                            <a:t>Fig. 3 Final loudspeaker electrical and equivalent mechanical circuit</a:t>
+                          </a:r>
+                        </a:p>
+                      </p:txBody>
+                    </p:sp>
+                    <p:grpSp>
+                      <p:nvGrpSpPr>
+                        <p:cNvPr id="72" name="Group 71">
+                          <a:extLst>
+                            <a:ext uri="{FF2B5EF4-FFF2-40B4-BE49-F238E27FC236}">
+                              <a16:creationId xmlns:a16="http://schemas.microsoft.com/office/drawing/2014/main" id="{CB14CD32-7C47-9B48-A6A3-DD641470AD2D}"/>
+                            </a:ext>
+                          </a:extLst>
+                        </p:cNvPr>
+                        <p:cNvGrpSpPr/>
+                        <p:nvPr/>
+                      </p:nvGrpSpPr>
+                      <p:grpSpPr>
+                        <a:xfrm rot="5400000">
+                          <a:off x="1323263" y="401349"/>
+                          <a:ext cx="63500" cy="212976"/>
+                          <a:chOff x="-38" y="721471"/>
+                          <a:chExt cx="63500" cy="212976"/>
+                        </a:xfrm>
+                      </p:grpSpPr>
+                      <p:cxnSp>
+                        <p:nvCxnSpPr>
+                          <p:cNvPr id="73" name="Straight Connector 72">
+                            <a:extLst>
+                              <a:ext uri="{FF2B5EF4-FFF2-40B4-BE49-F238E27FC236}">
+                                <a16:creationId xmlns:a16="http://schemas.microsoft.com/office/drawing/2014/main" id="{8024745F-1AC8-3E4C-AD07-0F96076BEBB9}"/>
+                              </a:ext>
+                            </a:extLst>
+                          </p:cNvPr>
+                          <p:cNvCxnSpPr/>
+                          <p:nvPr/>
+                        </p:nvCxnSpPr>
+                        <p:spPr>
+                          <a:xfrm>
+                            <a:off x="-38" y="721473"/>
+                            <a:ext cx="0" cy="212974"/>
+                          </a:xfrm>
+                          <a:prstGeom prst="line">
+                            <a:avLst/>
+                          </a:prstGeom>
+                          <a:ln w="9525">
+                            <a:solidFill>
+                              <a:schemeClr val="tx1"/>
+                            </a:solidFill>
+                          </a:ln>
+                        </p:spPr>
+                        <p:style>
+                          <a:lnRef idx="1">
+                            <a:schemeClr val="accent1"/>
+                          </a:lnRef>
+                          <a:fillRef idx="0">
+                            <a:schemeClr val="accent1"/>
+                          </a:fillRef>
+                          <a:effectRef idx="0">
+                            <a:schemeClr val="accent1"/>
+                          </a:effectRef>
+                          <a:fontRef idx="minor">
+                            <a:schemeClr val="tx1"/>
+                          </a:fontRef>
+                        </p:style>
+                      </p:cxnSp>
+                      <p:cxnSp>
+                        <p:nvCxnSpPr>
+                          <p:cNvPr id="74" name="Straight Connector 73">
+                            <a:extLst>
+                              <a:ext uri="{FF2B5EF4-FFF2-40B4-BE49-F238E27FC236}">
+                                <a16:creationId xmlns:a16="http://schemas.microsoft.com/office/drawing/2014/main" id="{F49D3990-9986-BE49-8C47-329D718C4C28}"/>
+                              </a:ext>
+                            </a:extLst>
+                          </p:cNvPr>
+                          <p:cNvCxnSpPr/>
+                          <p:nvPr/>
+                        </p:nvCxnSpPr>
+                        <p:spPr>
+                          <a:xfrm>
+                            <a:off x="63462" y="721471"/>
+                            <a:ext cx="0" cy="212974"/>
+                          </a:xfrm>
+                          <a:prstGeom prst="line">
+                            <a:avLst/>
+                          </a:prstGeom>
+                          <a:ln w="9525">
+                            <a:solidFill>
+                              <a:schemeClr val="tx1"/>
+                            </a:solidFill>
+                          </a:ln>
+                        </p:spPr>
+                        <p:style>
+                          <a:lnRef idx="1">
+                            <a:schemeClr val="accent1"/>
+                          </a:lnRef>
+                          <a:fillRef idx="0">
+                            <a:schemeClr val="accent1"/>
+                          </a:fillRef>
+                          <a:effectRef idx="0">
+                            <a:schemeClr val="accent1"/>
+                          </a:effectRef>
+                          <a:fontRef idx="minor">
+                            <a:schemeClr val="tx1"/>
+                          </a:fontRef>
+                        </p:style>
+                      </p:cxnSp>
+                    </p:grpSp>
+                    <p:grpSp>
+                      <p:nvGrpSpPr>
+                        <p:cNvPr id="31" name="Group 30">
+                          <a:extLst>
+                            <a:ext uri="{FF2B5EF4-FFF2-40B4-BE49-F238E27FC236}">
+                              <a16:creationId xmlns:a16="http://schemas.microsoft.com/office/drawing/2014/main" id="{9F71FD30-0492-AF45-9639-808CA3F10482}"/>
+                            </a:ext>
+                          </a:extLst>
+                        </p:cNvPr>
+                        <p:cNvGrpSpPr/>
+                        <p:nvPr/>
+                      </p:nvGrpSpPr>
+                      <p:grpSpPr>
+                        <a:xfrm>
+                          <a:off x="1798222" y="317830"/>
+                          <a:ext cx="353148" cy="380641"/>
+                          <a:chOff x="-711965" y="85"/>
+                          <a:chExt cx="353148" cy="380641"/>
+                        </a:xfrm>
+                      </p:grpSpPr>
+                      <mc:AlternateContent xmlns:mc="http://schemas.openxmlformats.org/markup-compatibility/2006">
+                        <mc:Choice xmlns:a14="http://schemas.microsoft.com/office/drawing/2010/main" Requires="a14">
+                          <p:sp>
+                            <p:nvSpPr>
+                              <p:cNvPr id="65" name="Text Box 256">
+                                <a:extLst>
+                                  <a:ext uri="{FF2B5EF4-FFF2-40B4-BE49-F238E27FC236}">
+                                    <a16:creationId xmlns:a16="http://schemas.microsoft.com/office/drawing/2014/main" id="{363296E1-14C9-C647-9B9C-05046F962BC3}"/>
+                                  </a:ext>
+                                </a:extLst>
+                              </p:cNvPr>
+                              <p:cNvSpPr txBox="1"/>
+                              <p:nvPr/>
+                            </p:nvSpPr>
+                            <p:spPr>
+                              <a:xfrm>
+                                <a:off x="-596184" y="97842"/>
+                                <a:ext cx="237367" cy="229919"/>
+                              </a:xfrm>
+                              <a:prstGeom prst="rect">
+                                <a:avLst/>
+                              </a:prstGeom>
+                              <a:noFill/>
+                              <a:ln w="9525">
+                                <a:noFill/>
+                              </a:ln>
+                            </p:spPr>
+                            <p:txBody>
+                              <a:bodyPr rot="0" spcFirstLastPara="0" vert="horz" wrap="square" lIns="91440" tIns="45720" rIns="91440" bIns="45720" numCol="1" spcCol="0" rtlCol="0" fromWordArt="0" anchor="t" anchorCtr="0" forceAA="0" compatLnSpc="1">
+                                <a:prstTxWarp prst="textNoShape">
+                                  <a:avLst/>
+                                </a:prstTxWarp>
+                                <a:noAutofit/>
+                              </a:bodyPr>
+                              <a:lstStyle/>
+                              <a:p>
+                                <a:pPr>
+                                  <a:spcAft>
+                                    <a:spcPts val="0"/>
+                                  </a:spcAft>
+                                </a:pPr>
+                                <a14:m>
+                                  <m:oMathPara xmlns:m="http://schemas.openxmlformats.org/officeDocument/2006/math">
+                                    <m:oMathParaPr>
+                                      <m:jc m:val="centerGroup"/>
+                                    </m:oMathParaPr>
+                                    <m:oMath xmlns:m="http://schemas.openxmlformats.org/officeDocument/2006/math">
+                                      <m:f>
+                                        <m:fPr>
+                                          <m:ctrlPr>
+                                            <a:rPr lang="en-GB" sz="1600" i="1">
+                                              <a:effectLst/>
+                                              <a:latin typeface="Cambria Math" panose="02040503050406030204" pitchFamily="18" charset="0"/>
+                                              <a:ea typeface="Calibri" panose="020F0502020204030204" pitchFamily="34" charset="0"/>
+                                              <a:cs typeface="Times New Roman (Body CS)"/>
+                                            </a:rPr>
+                                          </m:ctrlPr>
+                                        </m:fPr>
+                                        <m:num>
+                                          <m:sSub>
+                                            <m:sSubPr>
+                                              <m:ctrlPr>
+                                                <a:rPr lang="en-GB" sz="1600" i="1">
+                                                  <a:effectLst/>
+                                                  <a:latin typeface="Cambria Math" panose="02040503050406030204" pitchFamily="18" charset="0"/>
+                                                  <a:ea typeface="Calibri" panose="020F0502020204030204" pitchFamily="34" charset="0"/>
+                                                  <a:cs typeface="Times New Roman (Body CS)"/>
+                                                </a:rPr>
+                                              </m:ctrlPr>
+                                            </m:sSubPr>
+                                            <m:e>
+                                              <m:r>
+                                                <a:rPr lang="en-GB" sz="1600" i="1">
+                                                  <a:effectLst/>
+                                                  <a:latin typeface="Cambria Math" panose="02040503050406030204" pitchFamily="18" charset="0"/>
+                                                  <a:ea typeface="Calibri" panose="020F0502020204030204" pitchFamily="34" charset="0"/>
+                                                  <a:cs typeface="Times New Roman (Body CS)"/>
+                                                </a:rPr>
+                                                <m:t>𝐶</m:t>
+                                              </m:r>
+                                            </m:e>
+                                            <m:sub>
+                                              <m:r>
+                                                <a:rPr lang="en-GB" sz="1600" i="1">
+                                                  <a:effectLst/>
+                                                  <a:latin typeface="Cambria Math" panose="02040503050406030204" pitchFamily="18" charset="0"/>
+                                                  <a:ea typeface="Calibri" panose="020F0502020204030204" pitchFamily="34" charset="0"/>
+                                                  <a:cs typeface="Times New Roman (Body CS)"/>
+                                                </a:rPr>
+                                                <m:t>𝑀𝑆</m:t>
+                                              </m:r>
+                                            </m:sub>
+                                          </m:sSub>
+                                        </m:num>
+                                        <m:den>
+                                          <m:sSup>
+                                            <m:sSupPr>
+                                              <m:ctrlPr>
+                                                <a:rPr lang="en-GB" sz="1600" i="1">
+                                                  <a:effectLst/>
+                                                  <a:latin typeface="Cambria Math" panose="02040503050406030204" pitchFamily="18" charset="0"/>
+                                                  <a:ea typeface="Calibri" panose="020F0502020204030204" pitchFamily="34" charset="0"/>
+                                                  <a:cs typeface="Times New Roman (Body CS)"/>
+                                                </a:rPr>
+                                              </m:ctrlPr>
+                                            </m:sSupPr>
+                                            <m:e>
+                                              <m:d>
+                                                <m:dPr>
+                                                  <m:ctrlPr>
+                                                    <a:rPr lang="en-GB" sz="1600" i="1">
+                                                      <a:effectLst/>
+                                                      <a:latin typeface="Cambria Math" panose="02040503050406030204" pitchFamily="18" charset="0"/>
+                                                      <a:ea typeface="Calibri" panose="020F0502020204030204" pitchFamily="34" charset="0"/>
+                                                      <a:cs typeface="Times New Roman (Body CS)"/>
+                                                    </a:rPr>
+                                                  </m:ctrlPr>
+                                                </m:dPr>
+                                                <m:e>
+                                                  <m:r>
+                                                    <a:rPr lang="en-GB" sz="1600" i="1">
+                                                      <a:effectLst/>
+                                                      <a:latin typeface="Cambria Math" panose="02040503050406030204" pitchFamily="18" charset="0"/>
+                                                      <a:ea typeface="Calibri" panose="020F0502020204030204" pitchFamily="34" charset="0"/>
+                                                      <a:cs typeface="Times New Roman (Body CS)"/>
+                                                    </a:rPr>
+                                                    <m:t>𝐵𝑙</m:t>
+                                                  </m:r>
+                                                </m:e>
+                                              </m:d>
+                                            </m:e>
+                                            <m:sup>
+                                              <m:r>
+                                                <a:rPr lang="en-GB" sz="1600" i="1">
+                                                  <a:effectLst/>
+                                                  <a:latin typeface="Cambria Math" panose="02040503050406030204" pitchFamily="18" charset="0"/>
+                                                  <a:ea typeface="Calibri" panose="020F0502020204030204" pitchFamily="34" charset="0"/>
+                                                  <a:cs typeface="Times New Roman (Body CS)"/>
+                                                </a:rPr>
+                                                <m:t>2</m:t>
+                                              </m:r>
+                                            </m:sup>
+                                          </m:sSup>
+                                        </m:den>
+                                      </m:f>
+                                    </m:oMath>
+                                  </m:oMathPara>
+                                </a14:m>
+                                <a:endParaRPr lang="en-GB" sz="1200" dirty="0">
+                                  <a:effectLst/>
+                                  <a:latin typeface="Garamond" panose="02020404030301010803" pitchFamily="18" charset="0"/>
+                                  <a:ea typeface="Calibri" panose="020F0502020204030204" pitchFamily="34" charset="0"/>
+                                  <a:cs typeface="Times New Roman (Body CS)"/>
+                                </a:endParaRPr>
+                              </a:p>
+                            </p:txBody>
+                          </p:sp>
+                        </mc:Choice>
+                        <mc:Fallback>
+                          <p:sp>
+                            <p:nvSpPr>
+                              <p:cNvPr id="65" name="Text Box 256">
+                                <a:extLst>
+                                  <a:ext uri="{FF2B5EF4-FFF2-40B4-BE49-F238E27FC236}">
+                                    <a16:creationId xmlns:a16="http://schemas.microsoft.com/office/drawing/2014/main" id="{363296E1-14C9-C647-9B9C-05046F962BC3}"/>
+                                  </a:ext>
+                                </a:extLst>
+                              </p:cNvPr>
+                              <p:cNvSpPr txBox="1">
+                                <a:spLocks noRot="1" noChangeAspect="1" noMove="1" noResize="1" noEditPoints="1" noAdjustHandles="1" noChangeArrowheads="1" noChangeShapeType="1" noTextEdit="1"/>
+                              </p:cNvSpPr>
+                              <p:nvPr/>
+                            </p:nvSpPr>
+                            <p:spPr>
+                              <a:xfrm>
+                                <a:off x="-596184" y="97842"/>
+                                <a:ext cx="237367" cy="229919"/>
+                              </a:xfrm>
+                              <a:prstGeom prst="rect">
+                                <a:avLst/>
+                              </a:prstGeom>
+                              <a:blipFill>
+                                <a:blip r:embed="rId4"/>
+                                <a:stretch>
+                                  <a:fillRect/>
+                                </a:stretch>
+                              </a:blipFill>
+                              <a:ln w="9525">
+                                <a:noFill/>
+                              </a:ln>
+                            </p:spPr>
+                            <p:txBody>
+                              <a:bodyPr/>
+                              <a:lstStyle/>
+                              <a:p>
+                                <a:r>
+                                  <a:rPr lang="en-US">
+                                    <a:noFill/>
+                                  </a:rPr>
+                                  <a:t> </a:t>
+                                </a:r>
+                              </a:p>
+                            </p:txBody>
+                          </p:sp>
+                        </mc:Fallback>
+                      </mc:AlternateContent>
+                      <p:grpSp>
+                        <p:nvGrpSpPr>
+                          <p:cNvPr id="66" name="Group 65">
+                            <a:extLst>
+                              <a:ext uri="{FF2B5EF4-FFF2-40B4-BE49-F238E27FC236}">
+                                <a16:creationId xmlns:a16="http://schemas.microsoft.com/office/drawing/2014/main" id="{5B52DFBB-86DC-0C42-8665-B77460CC16A8}"/>
+                              </a:ext>
+                            </a:extLst>
+                          </p:cNvPr>
+                          <p:cNvGrpSpPr/>
+                          <p:nvPr/>
+                        </p:nvGrpSpPr>
+                        <p:grpSpPr>
+                          <a:xfrm rot="5400000">
+                            <a:off x="-851328" y="139448"/>
+                            <a:ext cx="380641" cy="101916"/>
+                            <a:chOff x="1" y="711790"/>
+                            <a:chExt cx="380641" cy="101916"/>
+                          </a:xfrm>
+                        </p:grpSpPr>
+                        <p:sp>
+                          <p:nvSpPr>
+                            <p:cNvPr id="67" name="Arc 66">
+                              <a:extLst>
+                                <a:ext uri="{FF2B5EF4-FFF2-40B4-BE49-F238E27FC236}">
+                                  <a16:creationId xmlns:a16="http://schemas.microsoft.com/office/drawing/2014/main" id="{E05E3F55-8996-6348-BBC1-FD9BF75DEFB3}"/>
+                                </a:ext>
+                              </a:extLst>
+                            </p:cNvPr>
+                            <p:cNvSpPr/>
+                            <p:nvPr/>
+                          </p:nvSpPr>
+                          <p:spPr>
+                            <a:xfrm>
+                              <a:off x="1" y="711790"/>
+                              <a:ext cx="94587" cy="101427"/>
+                            </a:xfrm>
+                            <a:prstGeom prst="arc">
+                              <a:avLst>
+                                <a:gd name="adj1" fmla="val 10862557"/>
+                                <a:gd name="adj2" fmla="val 0"/>
+                              </a:avLst>
+                            </a:prstGeom>
+                            <a:ln w="9525">
+                              <a:solidFill>
+                                <a:schemeClr val="tx1"/>
+                              </a:solidFill>
+                            </a:ln>
+                          </p:spPr>
+                          <p:style>
+                            <a:lnRef idx="1">
+                              <a:schemeClr val="accent1"/>
+                            </a:lnRef>
+                            <a:fillRef idx="0">
+                              <a:schemeClr val="accent1"/>
+                            </a:fillRef>
+                            <a:effectRef idx="0">
+                              <a:schemeClr val="accent1"/>
+                            </a:effectRef>
+                            <a:fontRef idx="minor">
+                              <a:schemeClr val="tx1"/>
+                            </a:fontRef>
+                          </p:style>
+                          <p:txBody>
+                            <a:bodyPr rot="0" spcFirstLastPara="0" vert="horz" wrap="square" lIns="91440" tIns="45720" rIns="91440" bIns="45720" numCol="1" spcCol="0" rtlCol="0" fromWordArt="0" anchor="ctr" anchorCtr="0" forceAA="0" compatLnSpc="1">
+                              <a:prstTxWarp prst="textNoShape">
+                                <a:avLst/>
+                              </a:prstTxWarp>
+                              <a:noAutofit/>
+                            </a:bodyPr>
+                            <a:lstStyle/>
+                            <a:p>
+                              <a:endParaRPr lang="en-GB"/>
+                            </a:p>
+                          </p:txBody>
+                        </p:sp>
+                        <p:sp>
+                          <p:nvSpPr>
+                            <p:cNvPr id="68" name="Arc 67">
+                              <a:extLst>
+                                <a:ext uri="{FF2B5EF4-FFF2-40B4-BE49-F238E27FC236}">
+                                  <a16:creationId xmlns:a16="http://schemas.microsoft.com/office/drawing/2014/main" id="{B8E72ECB-5E38-A14F-96D1-4DCB6411D7CC}"/>
+                                </a:ext>
+                              </a:extLst>
+                            </p:cNvPr>
+                            <p:cNvSpPr/>
+                            <p:nvPr/>
+                          </p:nvSpPr>
+                          <p:spPr>
+                            <a:xfrm>
+                              <a:off x="95252" y="711792"/>
+                              <a:ext cx="94587" cy="101427"/>
+                            </a:xfrm>
+                            <a:prstGeom prst="arc">
+                              <a:avLst>
+                                <a:gd name="adj1" fmla="val 10862557"/>
+                                <a:gd name="adj2" fmla="val 0"/>
+                              </a:avLst>
+                            </a:prstGeom>
+                            <a:ln w="9525">
+                              <a:solidFill>
+                                <a:schemeClr val="tx1"/>
+                              </a:solidFill>
+                            </a:ln>
+                          </p:spPr>
+                          <p:style>
+                            <a:lnRef idx="1">
+                              <a:schemeClr val="accent1"/>
+                            </a:lnRef>
+                            <a:fillRef idx="0">
+                              <a:schemeClr val="accent1"/>
+                            </a:fillRef>
+                            <a:effectRef idx="0">
+                              <a:schemeClr val="accent1"/>
+                            </a:effectRef>
+                            <a:fontRef idx="minor">
+                              <a:schemeClr val="tx1"/>
+                            </a:fontRef>
+                          </p:style>
+                          <p:txBody>
+                            <a:bodyPr rot="0" spcFirstLastPara="0" vert="horz" wrap="square" lIns="91440" tIns="45720" rIns="91440" bIns="45720" numCol="1" spcCol="0" rtlCol="0" fromWordArt="0" anchor="ctr" anchorCtr="0" forceAA="0" compatLnSpc="1">
+                              <a:prstTxWarp prst="textNoShape">
+                                <a:avLst/>
+                              </a:prstTxWarp>
+                              <a:noAutofit/>
+                            </a:bodyPr>
+                            <a:lstStyle/>
+                            <a:p>
+                              <a:endParaRPr lang="en-GB"/>
+                            </a:p>
+                          </p:txBody>
+                        </p:sp>
+                        <p:sp>
+                          <p:nvSpPr>
+                            <p:cNvPr id="69" name="Arc 68">
+                              <a:extLst>
+                                <a:ext uri="{FF2B5EF4-FFF2-40B4-BE49-F238E27FC236}">
+                                  <a16:creationId xmlns:a16="http://schemas.microsoft.com/office/drawing/2014/main" id="{D606EC12-E60B-E44C-B64E-00E823CAA6DC}"/>
+                                </a:ext>
+                              </a:extLst>
+                            </p:cNvPr>
+                            <p:cNvSpPr/>
+                            <p:nvPr/>
+                          </p:nvSpPr>
+                          <p:spPr>
+                            <a:xfrm>
+                              <a:off x="190500" y="711835"/>
+                              <a:ext cx="94587" cy="101427"/>
+                            </a:xfrm>
+                            <a:prstGeom prst="arc">
+                              <a:avLst>
+                                <a:gd name="adj1" fmla="val 10862557"/>
+                                <a:gd name="adj2" fmla="val 0"/>
+                              </a:avLst>
+                            </a:prstGeom>
+                            <a:ln w="9525">
+                              <a:solidFill>
+                                <a:schemeClr val="tx1"/>
+                              </a:solidFill>
+                            </a:ln>
+                          </p:spPr>
+                          <p:style>
+                            <a:lnRef idx="1">
+                              <a:schemeClr val="accent1"/>
+                            </a:lnRef>
+                            <a:fillRef idx="0">
+                              <a:schemeClr val="accent1"/>
+                            </a:fillRef>
+                            <a:effectRef idx="0">
+                              <a:schemeClr val="accent1"/>
+                            </a:effectRef>
+                            <a:fontRef idx="minor">
+                              <a:schemeClr val="tx1"/>
+                            </a:fontRef>
+                          </p:style>
+                          <p:txBody>
+                            <a:bodyPr rot="0" spcFirstLastPara="0" vert="horz" wrap="square" lIns="91440" tIns="45720" rIns="91440" bIns="45720" numCol="1" spcCol="0" rtlCol="0" fromWordArt="0" anchor="ctr" anchorCtr="0" forceAA="0" compatLnSpc="1">
+                              <a:prstTxWarp prst="textNoShape">
+                                <a:avLst/>
+                              </a:prstTxWarp>
+                              <a:noAutofit/>
+                            </a:bodyPr>
+                            <a:lstStyle/>
+                            <a:p>
+                              <a:endParaRPr lang="en-GB"/>
+                            </a:p>
+                          </p:txBody>
+                        </p:sp>
+                        <p:sp>
+                          <p:nvSpPr>
+                            <p:cNvPr id="70" name="Arc 69">
+                              <a:extLst>
+                                <a:ext uri="{FF2B5EF4-FFF2-40B4-BE49-F238E27FC236}">
+                                  <a16:creationId xmlns:a16="http://schemas.microsoft.com/office/drawing/2014/main" id="{31E4CD53-77F7-4748-95C2-C04F4E8640E0}"/>
+                                </a:ext>
+                              </a:extLst>
+                            </p:cNvPr>
+                            <p:cNvSpPr/>
+                            <p:nvPr/>
+                          </p:nvSpPr>
+                          <p:spPr>
+                            <a:xfrm>
+                              <a:off x="285750" y="711835"/>
+                              <a:ext cx="94892" cy="101871"/>
+                            </a:xfrm>
+                            <a:prstGeom prst="arc">
+                              <a:avLst>
+                                <a:gd name="adj1" fmla="val 10862557"/>
+                                <a:gd name="adj2" fmla="val 0"/>
+                              </a:avLst>
+                            </a:prstGeom>
+                            <a:ln w="9525">
+                              <a:solidFill>
+                                <a:schemeClr val="tx1"/>
+                              </a:solidFill>
+                            </a:ln>
+                          </p:spPr>
+                          <p:style>
+                            <a:lnRef idx="1">
+                              <a:schemeClr val="accent1"/>
+                            </a:lnRef>
+                            <a:fillRef idx="0">
+                              <a:schemeClr val="accent1"/>
+                            </a:fillRef>
+                            <a:effectRef idx="0">
+                              <a:schemeClr val="accent1"/>
+                            </a:effectRef>
+                            <a:fontRef idx="minor">
+                              <a:schemeClr val="tx1"/>
+                            </a:fontRef>
+                          </p:style>
+                          <p:txBody>
+                            <a:bodyPr rot="0" spcFirstLastPara="0" vert="horz" wrap="square" lIns="91440" tIns="45720" rIns="91440" bIns="45720" numCol="1" spcCol="0" rtlCol="0" fromWordArt="0" anchor="ctr" anchorCtr="0" forceAA="0" compatLnSpc="1">
+                              <a:prstTxWarp prst="textNoShape">
+                                <a:avLst/>
+                              </a:prstTxWarp>
+                              <a:noAutofit/>
+                            </a:bodyPr>
+                            <a:lstStyle/>
+                            <a:p>
+                              <a:endParaRPr lang="en-GB"/>
+                            </a:p>
+                          </p:txBody>
+                        </p:sp>
+                      </p:grpSp>
+                    </p:grpSp>
+                    <p:sp>
+                      <p:nvSpPr>
+                        <p:cNvPr id="32" name="Process 31">
+                          <a:extLst>
+                            <a:ext uri="{FF2B5EF4-FFF2-40B4-BE49-F238E27FC236}">
+                              <a16:creationId xmlns:a16="http://schemas.microsoft.com/office/drawing/2014/main" id="{5069BB26-283F-DC4B-9E78-6D78AA64AACE}"/>
+                            </a:ext>
+                          </a:extLst>
+                        </p:cNvPr>
+                        <p:cNvSpPr/>
+                        <p:nvPr/>
+                      </p:nvSpPr>
+                      <p:spPr>
+                        <a:xfrm rot="5400000">
+                          <a:off x="2057576" y="465800"/>
+                          <a:ext cx="351950" cy="84084"/>
+                        </a:xfrm>
+                        <a:prstGeom prst="flowChartProcess">
+                          <a:avLst/>
+                        </a:prstGeom>
+                        <a:noFill/>
+                        <a:ln w="9525">
+                          <a:solidFill>
+                            <a:schemeClr val="tx1"/>
+                          </a:solidFill>
+                        </a:ln>
+                      </p:spPr>
+                      <p:style>
+                        <a:lnRef idx="2">
+                          <a:schemeClr val="accent1">
+                            <a:shade val="50000"/>
+                          </a:schemeClr>
+                        </a:lnRef>
+                        <a:fillRef idx="1">
+                          <a:schemeClr val="accent1"/>
+                        </a:fillRef>
+                        <a:effectRef idx="0">
+                          <a:schemeClr val="accent1"/>
+                        </a:effectRef>
+                        <a:fontRef idx="minor">
+                          <a:schemeClr val="lt1"/>
+                        </a:fontRef>
+                      </p:style>
+                      <p:txBody>
+                        <a:bodyPr rot="0" spcFirstLastPara="0" vert="horz" wrap="square" lIns="91440" tIns="45720" rIns="91440" bIns="45720" numCol="1" spcCol="0" rtlCol="0" fromWordArt="0" anchor="ctr" anchorCtr="0" forceAA="0" compatLnSpc="1">
+                          <a:prstTxWarp prst="textNoShape">
+                            <a:avLst/>
+                          </a:prstTxWarp>
+                          <a:noAutofit/>
+                        </a:bodyPr>
+                        <a:lstStyle/>
+                        <a:p>
+                          <a:endParaRPr lang="en-GB"/>
+                        </a:p>
+                      </p:txBody>
+                    </p:sp>
+                    <p:grpSp>
+                      <p:nvGrpSpPr>
+                        <p:cNvPr id="33" name="Group 32">
+                          <a:extLst>
+                            <a:ext uri="{FF2B5EF4-FFF2-40B4-BE49-F238E27FC236}">
+                              <a16:creationId xmlns:a16="http://schemas.microsoft.com/office/drawing/2014/main" id="{D7EA1464-7650-3543-B8AF-F0D7613E2678}"/>
+                            </a:ext>
+                          </a:extLst>
+                        </p:cNvPr>
+                        <p:cNvGrpSpPr/>
+                        <p:nvPr/>
+                      </p:nvGrpSpPr>
+                      <p:grpSpPr>
+                        <a:xfrm>
+                          <a:off x="63549" y="180055"/>
+                          <a:ext cx="3293958" cy="617456"/>
+                          <a:chOff x="0" y="0"/>
+                          <a:chExt cx="3293958" cy="617456"/>
+                        </a:xfrm>
+                      </p:grpSpPr>
+                      <p:grpSp>
+                        <p:nvGrpSpPr>
+                          <p:cNvPr id="34" name="Group 33">
+                            <a:extLst>
+                              <a:ext uri="{FF2B5EF4-FFF2-40B4-BE49-F238E27FC236}">
+                                <a16:creationId xmlns:a16="http://schemas.microsoft.com/office/drawing/2014/main" id="{296058A8-248E-0D41-BFAB-78305BF1FEA4}"/>
+                              </a:ext>
+                            </a:extLst>
+                          </p:cNvPr>
+                          <p:cNvGrpSpPr/>
+                          <p:nvPr/>
+                        </p:nvGrpSpPr>
+                        <p:grpSpPr>
+                          <a:xfrm>
+                            <a:off x="0" y="0"/>
+                            <a:ext cx="3293958" cy="617456"/>
+                            <a:chOff x="0" y="0"/>
+                            <a:chExt cx="3293958" cy="617456"/>
+                          </a:xfrm>
+                        </p:grpSpPr>
+                        <p:grpSp>
+                          <p:nvGrpSpPr>
+                            <p:cNvPr id="37" name="Group 36">
+                              <a:extLst>
+                                <a:ext uri="{FF2B5EF4-FFF2-40B4-BE49-F238E27FC236}">
+                                  <a16:creationId xmlns:a16="http://schemas.microsoft.com/office/drawing/2014/main" id="{76FA69A5-8092-C94A-AEB6-31B1562E7D69}"/>
+                                </a:ext>
+                              </a:extLst>
+                            </p:cNvPr>
+                            <p:cNvGrpSpPr/>
+                            <p:nvPr/>
+                          </p:nvGrpSpPr>
+                          <p:grpSpPr>
+                            <a:xfrm>
+                              <a:off x="0" y="0"/>
+                              <a:ext cx="3293958" cy="617456"/>
+                              <a:chOff x="0" y="0"/>
+                              <a:chExt cx="3293958" cy="617456"/>
+                            </a:xfrm>
+                          </p:grpSpPr>
+                          <p:grpSp>
+                            <p:nvGrpSpPr>
+                              <p:cNvPr id="40" name="Group 39">
+                                <a:extLst>
+                                  <a:ext uri="{FF2B5EF4-FFF2-40B4-BE49-F238E27FC236}">
+                                    <a16:creationId xmlns:a16="http://schemas.microsoft.com/office/drawing/2014/main" id="{33662EF5-4812-0D49-821D-2C190B7E3163}"/>
+                                  </a:ext>
+                                </a:extLst>
+                              </p:cNvPr>
+                              <p:cNvGrpSpPr/>
+                              <p:nvPr/>
+                            </p:nvGrpSpPr>
+                            <p:grpSpPr>
+                              <a:xfrm>
+                                <a:off x="0" y="0"/>
+                                <a:ext cx="3293958" cy="617456"/>
+                                <a:chOff x="0" y="0"/>
+                                <a:chExt cx="3293958" cy="617456"/>
+                              </a:xfrm>
+                            </p:grpSpPr>
+                            <p:grpSp>
+                              <p:nvGrpSpPr>
+                                <p:cNvPr id="43" name="Group 42">
+                                  <a:extLst>
+                                    <a:ext uri="{FF2B5EF4-FFF2-40B4-BE49-F238E27FC236}">
+                                      <a16:creationId xmlns:a16="http://schemas.microsoft.com/office/drawing/2014/main" id="{D0887513-DF72-3141-91A8-65CB5AEC8A08}"/>
+                                    </a:ext>
+                                  </a:extLst>
+                                </p:cNvPr>
+                                <p:cNvGrpSpPr/>
+                                <p:nvPr/>
+                              </p:nvGrpSpPr>
+                              <p:grpSpPr>
+                                <a:xfrm>
+                                  <a:off x="0" y="0"/>
+                                  <a:ext cx="3290230" cy="617456"/>
+                                  <a:chOff x="0" y="63500"/>
+                                  <a:chExt cx="3627120" cy="680720"/>
+                                </a:xfrm>
+                              </p:grpSpPr>
+                              <p:grpSp>
+                                <p:nvGrpSpPr>
+                                  <p:cNvPr id="45" name="Group 44">
+                                    <a:extLst>
+                                      <a:ext uri="{FF2B5EF4-FFF2-40B4-BE49-F238E27FC236}">
+                                        <a16:creationId xmlns:a16="http://schemas.microsoft.com/office/drawing/2014/main" id="{1250536D-C8BB-5E4C-B6B2-A554ABE4F53B}"/>
+                                      </a:ext>
+                                    </a:extLst>
+                                  </p:cNvPr>
+                                  <p:cNvGrpSpPr/>
+                                  <p:nvPr/>
+                                </p:nvGrpSpPr>
+                                <p:grpSpPr>
+                                  <a:xfrm>
+                                    <a:off x="66034" y="63500"/>
+                                    <a:ext cx="3561086" cy="680720"/>
+                                    <a:chOff x="-6" y="63500"/>
+                                    <a:chExt cx="3561086" cy="680720"/>
+                                  </a:xfrm>
+                                </p:grpSpPr>
+                                <p:grpSp>
+                                  <p:nvGrpSpPr>
+                                    <p:cNvPr id="47" name="Group 46">
+                                      <a:extLst>
+                                        <a:ext uri="{FF2B5EF4-FFF2-40B4-BE49-F238E27FC236}">
+                                          <a16:creationId xmlns:a16="http://schemas.microsoft.com/office/drawing/2014/main" id="{71BC743F-1DD1-F34C-9503-2AD705672674}"/>
+                                        </a:ext>
+                                      </a:extLst>
+                                    </p:cNvPr>
+                                    <p:cNvGrpSpPr/>
+                                    <p:nvPr/>
+                                  </p:nvGrpSpPr>
+                                  <p:grpSpPr>
+                                    <a:xfrm>
+                                      <a:off x="-6" y="63500"/>
+                                      <a:ext cx="3561086" cy="680720"/>
+                                      <a:chOff x="-6" y="63500"/>
+                                      <a:chExt cx="3561086" cy="680720"/>
+                                    </a:xfrm>
+                                  </p:grpSpPr>
+                                  <p:grpSp>
+                                    <p:nvGrpSpPr>
+                                      <p:cNvPr id="49" name="Group 48">
+                                        <a:extLst>
+                                          <a:ext uri="{FF2B5EF4-FFF2-40B4-BE49-F238E27FC236}">
+                                            <a16:creationId xmlns:a16="http://schemas.microsoft.com/office/drawing/2014/main" id="{7C9875B3-2E8F-9843-AEAB-5E0384CF1F63}"/>
+                                          </a:ext>
+                                        </a:extLst>
+                                      </p:cNvPr>
+                                      <p:cNvGrpSpPr/>
+                                      <p:nvPr/>
+                                    </p:nvGrpSpPr>
+                                    <p:grpSpPr>
+                                      <a:xfrm>
+                                        <a:off x="-6" y="63500"/>
+                                        <a:ext cx="1953900" cy="680642"/>
+                                        <a:chOff x="-6" y="0"/>
+                                        <a:chExt cx="1954460" cy="680720"/>
+                                      </a:xfrm>
+                                    </p:grpSpPr>
+                                    <p:grpSp>
+                                      <p:nvGrpSpPr>
+                                        <p:cNvPr id="51" name="Group 50">
+                                          <a:extLst>
+                                            <a:ext uri="{FF2B5EF4-FFF2-40B4-BE49-F238E27FC236}">
+                                              <a16:creationId xmlns:a16="http://schemas.microsoft.com/office/drawing/2014/main" id="{AE7D713F-3647-AE40-93B7-E4BC72CDEFE1}"/>
+                                            </a:ext>
+                                          </a:extLst>
+                                        </p:cNvPr>
+                                        <p:cNvGrpSpPr/>
+                                        <p:nvPr/>
+                                      </p:nvGrpSpPr>
+                                      <p:grpSpPr>
+                                        <a:xfrm>
+                                          <a:off x="-6" y="0"/>
+                                          <a:ext cx="1515688" cy="680720"/>
+                                          <a:chOff x="-6" y="0"/>
+                                          <a:chExt cx="1515688" cy="680720"/>
+                                        </a:xfrm>
+                                      </p:grpSpPr>
+                                      <p:grpSp>
+                                        <p:nvGrpSpPr>
+                                          <p:cNvPr id="53" name="Group 52">
+                                            <a:extLst>
+                                              <a:ext uri="{FF2B5EF4-FFF2-40B4-BE49-F238E27FC236}">
+                                                <a16:creationId xmlns:a16="http://schemas.microsoft.com/office/drawing/2014/main" id="{313800FD-432A-1048-8D3E-CF21F2114A81}"/>
+                                              </a:ext>
+                                            </a:extLst>
+                                          </p:cNvPr>
+                                          <p:cNvGrpSpPr/>
+                                          <p:nvPr/>
+                                        </p:nvGrpSpPr>
+                                        <p:grpSpPr>
+                                          <a:xfrm>
+                                            <a:off x="-6" y="0"/>
+                                            <a:ext cx="1515688" cy="113891"/>
+                                            <a:chOff x="-4" y="0"/>
+                                            <a:chExt cx="1079082" cy="81084"/>
+                                          </a:xfrm>
+                                        </p:grpSpPr>
+                                        <p:grpSp>
+                                          <p:nvGrpSpPr>
+                                            <p:cNvPr id="55" name="Group 54">
+                                              <a:extLst>
+                                                <a:ext uri="{FF2B5EF4-FFF2-40B4-BE49-F238E27FC236}">
+                                                  <a16:creationId xmlns:a16="http://schemas.microsoft.com/office/drawing/2014/main" id="{B64B9969-4CAA-6941-AA5A-867102B1B92D}"/>
+                                                </a:ext>
+                                              </a:extLst>
+                                            </p:cNvPr>
+                                            <p:cNvGrpSpPr/>
+                                            <p:nvPr/>
+                                          </p:nvGrpSpPr>
+                                          <p:grpSpPr>
+                                            <a:xfrm>
+                                              <a:off x="152400" y="0"/>
+                                              <a:ext cx="926678" cy="81084"/>
+                                              <a:chOff x="0" y="0"/>
+                                              <a:chExt cx="927100" cy="81084"/>
+                                            </a:xfrm>
+                                          </p:grpSpPr>
+                                          <p:sp>
+                                            <p:nvSpPr>
+                                              <p:cNvPr id="57" name="Process 56">
+                                                <a:extLst>
+                                                  <a:ext uri="{FF2B5EF4-FFF2-40B4-BE49-F238E27FC236}">
+                                                    <a16:creationId xmlns:a16="http://schemas.microsoft.com/office/drawing/2014/main" id="{55DCB8BC-B241-684A-BFD8-A7F7D197E3E0}"/>
+                                                  </a:ext>
+                                                </a:extLst>
+                                              </p:cNvPr>
+                                              <p:cNvSpPr/>
+                                              <p:nvPr/>
+                                            </p:nvSpPr>
+                                            <p:spPr>
+                                              <a:xfrm>
+                                                <a:off x="0" y="7620"/>
+                                                <a:ext cx="276860" cy="66040"/>
+                                              </a:xfrm>
+                                              <a:prstGeom prst="flowChartProcess">
+                                                <a:avLst/>
+                                              </a:prstGeom>
+                                              <a:noFill/>
+                                              <a:ln w="9525">
+                                                <a:solidFill>
+                                                  <a:schemeClr val="tx1"/>
+                                                </a:solidFill>
+                                              </a:ln>
+                                            </p:spPr>
+                                            <p:style>
+                                              <a:lnRef idx="2">
+                                                <a:schemeClr val="accent1">
+                                                  <a:shade val="50000"/>
+                                                </a:schemeClr>
+                                              </a:lnRef>
+                                              <a:fillRef idx="1">
+                                                <a:schemeClr val="accent1"/>
+                                              </a:fillRef>
+                                              <a:effectRef idx="0">
+                                                <a:schemeClr val="accent1"/>
+                                              </a:effectRef>
+                                              <a:fontRef idx="minor">
+                                                <a:schemeClr val="lt1"/>
+                                              </a:fontRef>
+                                            </p:style>
+                                            <p:txBody>
+                                              <a:bodyPr rot="0" spcFirstLastPara="0" vert="horz" wrap="square" lIns="91440" tIns="45720" rIns="91440" bIns="45720" numCol="1" spcCol="0" rtlCol="0" fromWordArt="0" anchor="ctr" anchorCtr="0" forceAA="0" compatLnSpc="1">
+                                                <a:prstTxWarp prst="textNoShape">
+                                                  <a:avLst/>
+                                                </a:prstTxWarp>
+                                                <a:noAutofit/>
+                                              </a:bodyPr>
+                                              <a:lstStyle/>
+                                              <a:p>
+                                                <a:endParaRPr lang="en-GB"/>
+                                              </a:p>
+                                            </p:txBody>
+                                          </p:sp>
+                                          <p:grpSp>
+                                            <p:nvGrpSpPr>
+                                              <p:cNvPr id="58" name="Group 57">
+                                                <a:extLst>
+                                                  <a:ext uri="{FF2B5EF4-FFF2-40B4-BE49-F238E27FC236}">
+                                                    <a16:creationId xmlns:a16="http://schemas.microsoft.com/office/drawing/2014/main" id="{B22FCE62-D695-FA4A-A21C-BF22BB335C45}"/>
+                                                  </a:ext>
+                                                </a:extLst>
+                                              </p:cNvPr>
+                                              <p:cNvGrpSpPr/>
+                                              <p:nvPr/>
+                                            </p:nvGrpSpPr>
+                                            <p:grpSpPr>
+                                              <a:xfrm>
+                                                <a:off x="454660" y="0"/>
+                                                <a:ext cx="299720" cy="81084"/>
+                                                <a:chOff x="0" y="0"/>
+                                                <a:chExt cx="1051560" cy="284480"/>
+                                              </a:xfrm>
+                                            </p:grpSpPr>
+                                            <p:sp>
+                                              <p:nvSpPr>
+                                                <p:cNvPr id="61" name="Arc 60">
+                                                  <a:extLst>
+                                                    <a:ext uri="{FF2B5EF4-FFF2-40B4-BE49-F238E27FC236}">
+                                                      <a16:creationId xmlns:a16="http://schemas.microsoft.com/office/drawing/2014/main" id="{8FDE9C21-96BC-2E4A-8D69-31902D0C3C1B}"/>
+                                                    </a:ext>
+                                                  </a:extLst>
+                                                </p:cNvPr>
+                                                <p:cNvSpPr/>
+                                                <p:nvPr/>
+                                              </p:nvSpPr>
+                                              <p:spPr>
+                                                <a:xfrm>
+                                                  <a:off x="0" y="0"/>
+                                                  <a:ext cx="261620" cy="281940"/>
+                                                </a:xfrm>
+                                                <a:prstGeom prst="arc">
+                                                  <a:avLst>
+                                                    <a:gd name="adj1" fmla="val 10862557"/>
+                                                    <a:gd name="adj2" fmla="val 0"/>
+                                                  </a:avLst>
+                                                </a:prstGeom>
+                                                <a:ln w="9525">
+                                                  <a:solidFill>
+                                                    <a:schemeClr val="tx1"/>
+                                                  </a:solidFill>
+                                                </a:ln>
+                                              </p:spPr>
+                                              <p:style>
+                                                <a:lnRef idx="1">
+                                                  <a:schemeClr val="accent1"/>
+                                                </a:lnRef>
+                                                <a:fillRef idx="0">
+                                                  <a:schemeClr val="accent1"/>
+                                                </a:fillRef>
+                                                <a:effectRef idx="0">
+                                                  <a:schemeClr val="accent1"/>
+                                                </a:effectRef>
+                                                <a:fontRef idx="minor">
+                                                  <a:schemeClr val="tx1"/>
+                                                </a:fontRef>
+                                              </p:style>
+                                              <p:txBody>
+                                                <a:bodyPr rot="0" spcFirstLastPara="0" vert="horz" wrap="square" lIns="91440" tIns="45720" rIns="91440" bIns="45720" numCol="1" spcCol="0" rtlCol="0" fromWordArt="0" anchor="ctr" anchorCtr="0" forceAA="0" compatLnSpc="1">
+                                                  <a:prstTxWarp prst="textNoShape">
+                                                    <a:avLst/>
+                                                  </a:prstTxWarp>
+                                                  <a:noAutofit/>
+                                                </a:bodyPr>
+                                                <a:lstStyle/>
+                                                <a:p>
+                                                  <a:endParaRPr lang="en-GB"/>
+                                                </a:p>
+                                              </p:txBody>
+                                            </p:sp>
+                                            <p:sp>
+                                              <p:nvSpPr>
+                                                <p:cNvPr id="62" name="Arc 61">
+                                                  <a:extLst>
+                                                    <a:ext uri="{FF2B5EF4-FFF2-40B4-BE49-F238E27FC236}">
+                                                      <a16:creationId xmlns:a16="http://schemas.microsoft.com/office/drawing/2014/main" id="{B4A7932A-7EA9-814B-AC45-B2DFB27A62EA}"/>
+                                                    </a:ext>
+                                                  </a:extLst>
+                                                </p:cNvPr>
+                                                <p:cNvSpPr/>
+                                                <p:nvPr/>
+                                              </p:nvSpPr>
+                                              <p:spPr>
+                                                <a:xfrm>
+                                                  <a:off x="264160" y="2540"/>
+                                                  <a:ext cx="261620" cy="281940"/>
+                                                </a:xfrm>
+                                                <a:prstGeom prst="arc">
+                                                  <a:avLst>
+                                                    <a:gd name="adj1" fmla="val 10862557"/>
+                                                    <a:gd name="adj2" fmla="val 0"/>
+                                                  </a:avLst>
+                                                </a:prstGeom>
+                                                <a:ln w="9525">
+                                                  <a:solidFill>
+                                                    <a:schemeClr val="tx1"/>
+                                                  </a:solidFill>
+                                                </a:ln>
+                                              </p:spPr>
+                                              <p:style>
+                                                <a:lnRef idx="1">
+                                                  <a:schemeClr val="accent1"/>
+                                                </a:lnRef>
+                                                <a:fillRef idx="0">
+                                                  <a:schemeClr val="accent1"/>
+                                                </a:fillRef>
+                                                <a:effectRef idx="0">
+                                                  <a:schemeClr val="accent1"/>
+                                                </a:effectRef>
+                                                <a:fontRef idx="minor">
+                                                  <a:schemeClr val="tx1"/>
+                                                </a:fontRef>
+                                              </p:style>
+                                              <p:txBody>
+                                                <a:bodyPr rot="0" spcFirstLastPara="0" vert="horz" wrap="square" lIns="91440" tIns="45720" rIns="91440" bIns="45720" numCol="1" spcCol="0" rtlCol="0" fromWordArt="0" anchor="ctr" anchorCtr="0" forceAA="0" compatLnSpc="1">
+                                                  <a:prstTxWarp prst="textNoShape">
+                                                    <a:avLst/>
+                                                  </a:prstTxWarp>
+                                                  <a:noAutofit/>
+                                                </a:bodyPr>
+                                                <a:lstStyle/>
+                                                <a:p>
+                                                  <a:endParaRPr lang="en-GB"/>
+                                                </a:p>
+                                              </p:txBody>
+                                            </p:sp>
+                                            <p:sp>
+                                              <p:nvSpPr>
+                                                <p:cNvPr id="63" name="Arc 62">
+                                                  <a:extLst>
+                                                    <a:ext uri="{FF2B5EF4-FFF2-40B4-BE49-F238E27FC236}">
+                                                      <a16:creationId xmlns:a16="http://schemas.microsoft.com/office/drawing/2014/main" id="{3435830A-BCF2-284E-A584-9226EC2DB003}"/>
+                                                    </a:ext>
+                                                  </a:extLst>
+                                                </p:cNvPr>
+                                                <p:cNvSpPr/>
+                                                <p:nvPr/>
+                                              </p:nvSpPr>
+                                              <p:spPr>
+                                                <a:xfrm>
+                                                  <a:off x="525780" y="0"/>
+                                                  <a:ext cx="261620" cy="281940"/>
+                                                </a:xfrm>
+                                                <a:prstGeom prst="arc">
+                                                  <a:avLst>
+                                                    <a:gd name="adj1" fmla="val 10862557"/>
+                                                    <a:gd name="adj2" fmla="val 0"/>
+                                                  </a:avLst>
+                                                </a:prstGeom>
+                                                <a:ln w="9525">
+                                                  <a:solidFill>
+                                                    <a:schemeClr val="tx1"/>
+                                                  </a:solidFill>
+                                                </a:ln>
+                                              </p:spPr>
+                                              <p:style>
+                                                <a:lnRef idx="1">
+                                                  <a:schemeClr val="accent1"/>
+                                                </a:lnRef>
+                                                <a:fillRef idx="0">
+                                                  <a:schemeClr val="accent1"/>
+                                                </a:fillRef>
+                                                <a:effectRef idx="0">
+                                                  <a:schemeClr val="accent1"/>
+                                                </a:effectRef>
+                                                <a:fontRef idx="minor">
+                                                  <a:schemeClr val="tx1"/>
+                                                </a:fontRef>
+                                              </p:style>
+                                              <p:txBody>
+                                                <a:bodyPr rot="0" spcFirstLastPara="0" vert="horz" wrap="square" lIns="91440" tIns="45720" rIns="91440" bIns="45720" numCol="1" spcCol="0" rtlCol="0" fromWordArt="0" anchor="ctr" anchorCtr="0" forceAA="0" compatLnSpc="1">
+                                                  <a:prstTxWarp prst="textNoShape">
+                                                    <a:avLst/>
+                                                  </a:prstTxWarp>
+                                                  <a:noAutofit/>
+                                                </a:bodyPr>
+                                                <a:lstStyle/>
+                                                <a:p>
+                                                  <a:endParaRPr lang="en-GB"/>
+                                                </a:p>
+                                              </p:txBody>
+                                            </p:sp>
+                                            <p:sp>
+                                              <p:nvSpPr>
+                                                <p:cNvPr id="64" name="Arc 63">
+                                                  <a:extLst>
+                                                    <a:ext uri="{FF2B5EF4-FFF2-40B4-BE49-F238E27FC236}">
+                                                      <a16:creationId xmlns:a16="http://schemas.microsoft.com/office/drawing/2014/main" id="{B718CA80-BD82-6D4A-8C58-04BDADD2297F}"/>
+                                                    </a:ext>
+                                                  </a:extLst>
+                                                </p:cNvPr>
+                                                <p:cNvSpPr/>
+                                                <p:nvPr/>
+                                              </p:nvSpPr>
+                                              <p:spPr>
+                                                <a:xfrm>
+                                                  <a:off x="789940" y="2540"/>
+                                                  <a:ext cx="261620" cy="281940"/>
+                                                </a:xfrm>
+                                                <a:prstGeom prst="arc">
+                                                  <a:avLst>
+                                                    <a:gd name="adj1" fmla="val 10862557"/>
+                                                    <a:gd name="adj2" fmla="val 0"/>
+                                                  </a:avLst>
+                                                </a:prstGeom>
+                                                <a:ln w="9525">
+                                                  <a:solidFill>
+                                                    <a:schemeClr val="tx1"/>
+                                                  </a:solidFill>
+                                                </a:ln>
+                                              </p:spPr>
+                                              <p:style>
+                                                <a:lnRef idx="1">
+                                                  <a:schemeClr val="accent1"/>
+                                                </a:lnRef>
+                                                <a:fillRef idx="0">
+                                                  <a:schemeClr val="accent1"/>
+                                                </a:fillRef>
+                                                <a:effectRef idx="0">
+                                                  <a:schemeClr val="accent1"/>
+                                                </a:effectRef>
+                                                <a:fontRef idx="minor">
+                                                  <a:schemeClr val="tx1"/>
+                                                </a:fontRef>
+                                              </p:style>
+                                              <p:txBody>
+                                                <a:bodyPr rot="0" spcFirstLastPara="0" vert="horz" wrap="square" lIns="91440" tIns="45720" rIns="91440" bIns="45720" numCol="1" spcCol="0" rtlCol="0" fromWordArt="0" anchor="ctr" anchorCtr="0" forceAA="0" compatLnSpc="1">
+                                                  <a:prstTxWarp prst="textNoShape">
+                                                    <a:avLst/>
+                                                  </a:prstTxWarp>
+                                                  <a:noAutofit/>
+                                                </a:bodyPr>
+                                                <a:lstStyle/>
+                                                <a:p>
+                                                  <a:endParaRPr lang="en-GB"/>
+                                                </a:p>
+                                              </p:txBody>
+                                            </p:sp>
+                                          </p:grpSp>
+                                          <p:cxnSp>
+                                            <p:nvCxnSpPr>
+                                              <p:cNvPr id="59" name="Straight Connector 58">
+                                                <a:extLst>
+                                                  <a:ext uri="{FF2B5EF4-FFF2-40B4-BE49-F238E27FC236}">
+                                                    <a16:creationId xmlns:a16="http://schemas.microsoft.com/office/drawing/2014/main" id="{64947B47-8F5C-4840-84B4-34C1DFFCCC24}"/>
+                                                  </a:ext>
+                                                </a:extLst>
+                                              </p:cNvPr>
+                                              <p:cNvCxnSpPr/>
+                                              <p:nvPr/>
+                                            </p:nvCxnSpPr>
+                                            <p:spPr>
+                                              <a:xfrm flipH="1">
+                                                <a:off x="279799" y="37766"/>
+                                                <a:ext cx="172720" cy="0"/>
+                                              </a:xfrm>
+                                              <a:prstGeom prst="line">
+                                                <a:avLst/>
+                                              </a:prstGeom>
+                                              <a:ln w="9525">
+                                                <a:solidFill>
+                                                  <a:schemeClr val="tx1"/>
+                                                </a:solidFill>
+                                              </a:ln>
+                                            </p:spPr>
+                                            <p:style>
+                                              <a:lnRef idx="1">
+                                                <a:schemeClr val="accent1"/>
+                                              </a:lnRef>
+                                              <a:fillRef idx="0">
+                                                <a:schemeClr val="accent1"/>
+                                              </a:fillRef>
+                                              <a:effectRef idx="0">
+                                                <a:schemeClr val="accent1"/>
+                                              </a:effectRef>
+                                              <a:fontRef idx="minor">
+                                                <a:schemeClr val="tx1"/>
+                                              </a:fontRef>
+                                            </p:style>
+                                          </p:cxnSp>
+                                          <p:cxnSp>
+                                            <p:nvCxnSpPr>
+                                              <p:cNvPr id="60" name="Straight Connector 59">
+                                                <a:extLst>
+                                                  <a:ext uri="{FF2B5EF4-FFF2-40B4-BE49-F238E27FC236}">
+                                                    <a16:creationId xmlns:a16="http://schemas.microsoft.com/office/drawing/2014/main" id="{97F7AA4F-4236-1442-B746-4C2C94391BC3}"/>
+                                                  </a:ext>
+                                                </a:extLst>
+                                              </p:cNvPr>
+                                              <p:cNvCxnSpPr/>
+                                              <p:nvPr/>
+                                            </p:nvCxnSpPr>
+                                            <p:spPr>
+                                              <a:xfrm flipH="1">
+                                                <a:off x="754380" y="39575"/>
+                                                <a:ext cx="172720" cy="0"/>
+                                              </a:xfrm>
+                                              <a:prstGeom prst="line">
+                                                <a:avLst/>
+                                              </a:prstGeom>
+                                              <a:ln w="9525">
+                                                <a:solidFill>
+                                                  <a:schemeClr val="tx1"/>
+                                                </a:solidFill>
+                                              </a:ln>
+                                            </p:spPr>
+                                            <p:style>
+                                              <a:lnRef idx="1">
+                                                <a:schemeClr val="accent1"/>
+                                              </a:lnRef>
+                                              <a:fillRef idx="0">
+                                                <a:schemeClr val="accent1"/>
+                                              </a:fillRef>
+                                              <a:effectRef idx="0">
+                                                <a:schemeClr val="accent1"/>
+                                              </a:effectRef>
+                                              <a:fontRef idx="minor">
+                                                <a:schemeClr val="tx1"/>
+                                              </a:fontRef>
+                                            </p:style>
+                                          </p:cxnSp>
+                                        </p:grpSp>
+                                        <p:cxnSp>
+                                          <p:nvCxnSpPr>
+                                            <p:cNvPr id="56" name="Straight Connector 55">
+                                              <a:extLst>
+                                                <a:ext uri="{FF2B5EF4-FFF2-40B4-BE49-F238E27FC236}">
+                                                  <a16:creationId xmlns:a16="http://schemas.microsoft.com/office/drawing/2014/main" id="{BFA87276-EA10-1D43-AD6B-3CCDA8DD8D0E}"/>
+                                                </a:ext>
+                                              </a:extLst>
+                                            </p:cNvPr>
+                                            <p:cNvCxnSpPr/>
+                                            <p:nvPr/>
+                                          </p:nvCxnSpPr>
+                                          <p:spPr>
+                                            <a:xfrm flipH="1" flipV="1">
+                                              <a:off x="-4" y="40602"/>
+                                              <a:ext cx="152393" cy="0"/>
+                                            </a:xfrm>
+                                            <a:prstGeom prst="line">
+                                              <a:avLst/>
+                                            </a:prstGeom>
+                                            <a:ln w="9525">
+                                              <a:solidFill>
+                                                <a:schemeClr val="tx1"/>
+                                              </a:solidFill>
+                                            </a:ln>
+                                          </p:spPr>
+                                          <p:style>
+                                            <a:lnRef idx="1">
+                                              <a:schemeClr val="accent1"/>
+                                            </a:lnRef>
+                                            <a:fillRef idx="0">
+                                              <a:schemeClr val="accent1"/>
+                                            </a:fillRef>
+                                            <a:effectRef idx="0">
+                                              <a:schemeClr val="accent1"/>
+                                            </a:effectRef>
+                                            <a:fontRef idx="minor">
+                                              <a:schemeClr val="tx1"/>
+                                            </a:fontRef>
+                                          </p:style>
+                                        </p:cxnSp>
+                                      </p:grpSp>
+                                      <p:cxnSp>
+                                        <p:nvCxnSpPr>
+                                          <p:cNvPr id="54" name="Straight Connector 53">
+                                            <a:extLst>
+                                              <a:ext uri="{FF2B5EF4-FFF2-40B4-BE49-F238E27FC236}">
+                                                <a16:creationId xmlns:a16="http://schemas.microsoft.com/office/drawing/2014/main" id="{F1AC731C-AF6E-B34C-BF9E-0F75FBDA6F04}"/>
+                                              </a:ext>
+                                            </a:extLst>
+                                          </p:cNvPr>
+                                          <p:cNvCxnSpPr/>
+                                          <p:nvPr/>
+                                        </p:nvCxnSpPr>
+                                        <p:spPr>
+                                          <a:xfrm flipH="1">
+                                            <a:off x="0" y="680720"/>
+                                            <a:ext cx="1513840" cy="0"/>
+                                          </a:xfrm>
+                                          <a:prstGeom prst="line">
+                                            <a:avLst/>
+                                          </a:prstGeom>
+                                          <a:ln w="9525">
+                                            <a:solidFill>
+                                              <a:schemeClr val="tx1"/>
+                                            </a:solidFill>
+                                          </a:ln>
+                                        </p:spPr>
+                                        <p:style>
+                                          <a:lnRef idx="1">
+                                            <a:schemeClr val="dk1"/>
+                                          </a:lnRef>
+                                          <a:fillRef idx="0">
+                                            <a:schemeClr val="dk1"/>
+                                          </a:fillRef>
+                                          <a:effectRef idx="0">
+                                            <a:schemeClr val="dk1"/>
+                                          </a:effectRef>
+                                          <a:fontRef idx="minor">
+                                            <a:schemeClr val="tx1"/>
+                                          </a:fontRef>
+                                        </p:style>
+                                      </p:cxnSp>
+                                    </p:grpSp>
+                                    <p:cxnSp>
+                                      <p:nvCxnSpPr>
+                                        <p:cNvPr id="52" name="Straight Connector 51">
+                                          <a:extLst>
+                                            <a:ext uri="{FF2B5EF4-FFF2-40B4-BE49-F238E27FC236}">
+                                              <a16:creationId xmlns:a16="http://schemas.microsoft.com/office/drawing/2014/main" id="{97E1B398-D3DF-C746-ADDD-E16EB9F274AB}"/>
+                                            </a:ext>
+                                          </a:extLst>
+                                        </p:cNvPr>
+                                        <p:cNvCxnSpPr/>
+                                        <p:nvPr/>
+                                      </p:nvCxnSpPr>
+                                      <p:spPr>
+                                        <a:xfrm flipH="1">
+                                          <a:off x="1499803" y="55239"/>
+                                          <a:ext cx="454651" cy="0"/>
+                                        </a:xfrm>
+                                        <a:prstGeom prst="line">
+                                          <a:avLst/>
+                                        </a:prstGeom>
+                                        <a:ln w="9525">
+                                          <a:solidFill>
+                                            <a:schemeClr val="tx1"/>
+                                          </a:solidFill>
+                                        </a:ln>
+                                      </p:spPr>
+                                      <p:style>
+                                        <a:lnRef idx="1">
+                                          <a:schemeClr val="accent1"/>
+                                        </a:lnRef>
+                                        <a:fillRef idx="0">
+                                          <a:schemeClr val="accent1"/>
+                                        </a:fillRef>
+                                        <a:effectRef idx="0">
+                                          <a:schemeClr val="accent1"/>
+                                        </a:effectRef>
+                                        <a:fontRef idx="minor">
+                                          <a:schemeClr val="tx1"/>
+                                        </a:fontRef>
+                                      </p:style>
+                                    </p:cxnSp>
+                                  </p:grpSp>
+                                  <p:cxnSp>
+                                    <p:nvCxnSpPr>
+                                      <p:cNvPr id="50" name="Straight Connector 49">
+                                        <a:extLst>
+                                          <a:ext uri="{FF2B5EF4-FFF2-40B4-BE49-F238E27FC236}">
+                                            <a16:creationId xmlns:a16="http://schemas.microsoft.com/office/drawing/2014/main" id="{6A24BA0C-9F84-7C43-96B0-05454B5BF148}"/>
+                                          </a:ext>
+                                        </a:extLst>
+                                      </p:cNvPr>
+                                      <p:cNvCxnSpPr/>
+                                      <p:nvPr/>
+                                    </p:nvCxnSpPr>
+                                    <p:spPr>
+                                      <a:xfrm>
+                                        <a:off x="1508249" y="744220"/>
+                                        <a:ext cx="2052831" cy="0"/>
+                                      </a:xfrm>
+                                      <a:prstGeom prst="line">
+                                        <a:avLst/>
+                                      </a:prstGeom>
+                                      <a:ln w="9525">
+                                        <a:solidFill>
+                                          <a:schemeClr val="tx1"/>
+                                        </a:solidFill>
+                                      </a:ln>
+                                    </p:spPr>
+                                    <p:style>
+                                      <a:lnRef idx="1">
+                                        <a:schemeClr val="accent1"/>
+                                      </a:lnRef>
+                                      <a:fillRef idx="0">
+                                        <a:schemeClr val="accent1"/>
+                                      </a:fillRef>
+                                      <a:effectRef idx="0">
+                                        <a:schemeClr val="accent1"/>
+                                      </a:effectRef>
+                                      <a:fontRef idx="minor">
+                                        <a:schemeClr val="tx1"/>
+                                      </a:fontRef>
+                                    </p:style>
+                                  </p:cxnSp>
+                                </p:grpSp>
+                                <p:cxnSp>
+                                  <p:nvCxnSpPr>
+                                    <p:cNvPr id="48" name="Straight Connector 47">
+                                      <a:extLst>
+                                        <a:ext uri="{FF2B5EF4-FFF2-40B4-BE49-F238E27FC236}">
+                                          <a16:creationId xmlns:a16="http://schemas.microsoft.com/office/drawing/2014/main" id="{A43DC92B-A162-414F-A7C9-BB6D3CD16228}"/>
+                                        </a:ext>
+                                      </a:extLst>
+                                    </p:cNvPr>
+                                    <p:cNvCxnSpPr/>
+                                    <p:nvPr/>
+                                  </p:nvCxnSpPr>
+                                  <p:spPr>
+                                    <a:xfrm>
+                                      <a:off x="3561080" y="114300"/>
+                                      <a:ext cx="0" cy="629842"/>
+                                    </a:xfrm>
+                                    <a:prstGeom prst="line">
+                                      <a:avLst/>
+                                    </a:prstGeom>
+                                    <a:ln w="9525">
+                                      <a:solidFill>
+                                        <a:schemeClr val="tx1"/>
+                                      </a:solidFill>
+                                    </a:ln>
+                                  </p:spPr>
+                                  <p:style>
+                                    <a:lnRef idx="1">
+                                      <a:schemeClr val="accent1"/>
+                                    </a:lnRef>
+                                    <a:fillRef idx="0">
+                                      <a:schemeClr val="accent1"/>
+                                    </a:fillRef>
+                                    <a:effectRef idx="0">
+                                      <a:schemeClr val="accent1"/>
+                                    </a:effectRef>
+                                    <a:fontRef idx="minor">
+                                      <a:schemeClr val="tx1"/>
+                                    </a:fontRef>
+                                  </p:style>
+                                </p:cxnSp>
+                              </p:grpSp>
+                              <p:sp>
+                                <p:nvSpPr>
+                                  <p:cNvPr id="46" name="Oval 45">
+                                    <a:extLst>
+                                      <a:ext uri="{FF2B5EF4-FFF2-40B4-BE49-F238E27FC236}">
+                                        <a16:creationId xmlns:a16="http://schemas.microsoft.com/office/drawing/2014/main" id="{3850EDCE-6681-8649-9610-5F49D8B98294}"/>
+                                      </a:ext>
+                                    </a:extLst>
+                                  </p:cNvPr>
+                                  <p:cNvSpPr/>
+                                  <p:nvPr/>
+                                </p:nvSpPr>
+                                <p:spPr>
+                                  <a:xfrm>
+                                    <a:off x="0" y="88900"/>
+                                    <a:ext cx="63500" cy="63500"/>
+                                  </a:xfrm>
+                                  <a:prstGeom prst="ellipse">
+                                    <a:avLst/>
+                                  </a:prstGeom>
+                                  <a:noFill/>
+                                  <a:ln w="9525">
+                                    <a:solidFill>
+                                      <a:schemeClr val="tx1"/>
+                                    </a:solidFill>
+                                  </a:ln>
+                                </p:spPr>
+                                <p:style>
+                                  <a:lnRef idx="2">
+                                    <a:schemeClr val="accent1">
+                                      <a:shade val="50000"/>
+                                    </a:schemeClr>
+                                  </a:lnRef>
+                                  <a:fillRef idx="1">
+                                    <a:schemeClr val="accent1"/>
+                                  </a:fillRef>
+                                  <a:effectRef idx="0">
+                                    <a:schemeClr val="accent1"/>
+                                  </a:effectRef>
+                                  <a:fontRef idx="minor">
+                                    <a:schemeClr val="lt1"/>
+                                  </a:fontRef>
+                                </p:style>
+                                <p:txBody>
+                                  <a:bodyPr rot="0" spcFirstLastPara="0" vert="horz" wrap="square" lIns="91440" tIns="45720" rIns="91440" bIns="45720" numCol="1" spcCol="0" rtlCol="0" fromWordArt="0" anchor="ctr" anchorCtr="0" forceAA="0" compatLnSpc="1">
+                                    <a:prstTxWarp prst="textNoShape">
+                                      <a:avLst/>
+                                    </a:prstTxWarp>
+                                    <a:noAutofit/>
+                                  </a:bodyPr>
+                                  <a:lstStyle/>
+                                  <a:p>
+                                    <a:endParaRPr lang="en-GB"/>
+                                  </a:p>
+                                </p:txBody>
+                              </p:sp>
+                            </p:grpSp>
+                            <p:cxnSp>
+                              <p:nvCxnSpPr>
+                                <p:cNvPr id="44" name="Straight Connector 43">
+                                  <a:extLst>
+                                    <a:ext uri="{FF2B5EF4-FFF2-40B4-BE49-F238E27FC236}">
+                                      <a16:creationId xmlns:a16="http://schemas.microsoft.com/office/drawing/2014/main" id="{7BE55765-8DAC-334C-8333-CE6E4088A79B}"/>
+                                    </a:ext>
+                                  </a:extLst>
+                                </p:cNvPr>
+                                <p:cNvCxnSpPr/>
+                                <p:nvPr/>
+                              </p:nvCxnSpPr>
+                              <p:spPr>
+                                <a:xfrm flipH="1">
+                                  <a:off x="1818209" y="50146"/>
+                                  <a:ext cx="1475749" cy="0"/>
+                                </a:xfrm>
+                                <a:prstGeom prst="line">
+                                  <a:avLst/>
+                                </a:prstGeom>
+                                <a:ln w="9525">
+                                  <a:solidFill>
+                                    <a:schemeClr val="tx1"/>
+                                  </a:solidFill>
+                                </a:ln>
+                              </p:spPr>
+                              <p:style>
+                                <a:lnRef idx="1">
+                                  <a:schemeClr val="accent1"/>
+                                </a:lnRef>
+                                <a:fillRef idx="0">
+                                  <a:schemeClr val="accent1"/>
+                                </a:fillRef>
+                                <a:effectRef idx="0">
+                                  <a:schemeClr val="accent1"/>
+                                </a:effectRef>
+                                <a:fontRef idx="minor">
+                                  <a:schemeClr val="tx1"/>
+                                </a:fontRef>
+                              </p:style>
+                            </p:cxnSp>
+                          </p:grpSp>
+                          <p:cxnSp>
+                            <p:nvCxnSpPr>
+                              <p:cNvPr id="41" name="Straight Connector 40">
+                                <a:extLst>
+                                  <a:ext uri="{FF2B5EF4-FFF2-40B4-BE49-F238E27FC236}">
+                                    <a16:creationId xmlns:a16="http://schemas.microsoft.com/office/drawing/2014/main" id="{A22D5047-BAB2-5D45-8F6B-D23D8FD30175}"/>
+                                  </a:ext>
+                                </a:extLst>
+                              </p:cNvPr>
+                              <p:cNvCxnSpPr/>
+                              <p:nvPr/>
+                            </p:nvCxnSpPr>
+                            <p:spPr>
+                              <a:xfrm>
+                                <a:off x="1285440" y="51724"/>
+                                <a:ext cx="0" cy="244208"/>
+                              </a:xfrm>
+                              <a:prstGeom prst="line">
+                                <a:avLst/>
+                              </a:prstGeom>
+                              <a:ln w="9525"/>
+                            </p:spPr>
+                            <p:style>
+                              <a:lnRef idx="1">
+                                <a:schemeClr val="dk1"/>
+                              </a:lnRef>
+                              <a:fillRef idx="0">
+                                <a:schemeClr val="dk1"/>
+                              </a:fillRef>
+                              <a:effectRef idx="0">
+                                <a:schemeClr val="dk1"/>
+                              </a:effectRef>
+                              <a:fontRef idx="minor">
+                                <a:schemeClr val="tx1"/>
+                              </a:fontRef>
+                            </p:style>
+                          </p:cxnSp>
+                          <p:cxnSp>
+                            <p:nvCxnSpPr>
+                              <p:cNvPr id="42" name="Straight Connector 41">
+                                <a:extLst>
+                                  <a:ext uri="{FF2B5EF4-FFF2-40B4-BE49-F238E27FC236}">
+                                    <a16:creationId xmlns:a16="http://schemas.microsoft.com/office/drawing/2014/main" id="{4FEE5930-0A1F-5D41-BD21-46028058AB7C}"/>
+                                  </a:ext>
+                                </a:extLst>
+                              </p:cNvPr>
+                              <p:cNvCxnSpPr/>
+                              <p:nvPr/>
+                            </p:nvCxnSpPr>
+                            <p:spPr>
+                              <a:xfrm>
+                                <a:off x="1287372" y="358216"/>
+                                <a:ext cx="0" cy="255142"/>
+                              </a:xfrm>
+                              <a:prstGeom prst="line">
+                                <a:avLst/>
+                              </a:prstGeom>
+                              <a:ln w="9525"/>
+                            </p:spPr>
+                            <p:style>
+                              <a:lnRef idx="1">
+                                <a:schemeClr val="dk1"/>
+                              </a:lnRef>
+                              <a:fillRef idx="0">
+                                <a:schemeClr val="dk1"/>
+                              </a:fillRef>
+                              <a:effectRef idx="0">
+                                <a:schemeClr val="dk1"/>
+                              </a:effectRef>
+                              <a:fontRef idx="minor">
+                                <a:schemeClr val="tx1"/>
+                              </a:fontRef>
+                            </p:style>
+                          </p:cxnSp>
+                        </p:grpSp>
+                        <p:cxnSp>
+                          <p:nvCxnSpPr>
+                            <p:cNvPr id="38" name="Straight Connector 37">
+                              <a:extLst>
+                                <a:ext uri="{FF2B5EF4-FFF2-40B4-BE49-F238E27FC236}">
+                                  <a16:creationId xmlns:a16="http://schemas.microsoft.com/office/drawing/2014/main" id="{EBBBCB7D-6810-424C-9346-1067EFB4EACE}"/>
+                                </a:ext>
+                              </a:extLst>
+                            </p:cNvPr>
+                            <p:cNvCxnSpPr/>
+                            <p:nvPr/>
+                          </p:nvCxnSpPr>
+                          <p:spPr>
+                            <a:xfrm flipV="1">
+                              <a:off x="1787763" y="50100"/>
+                              <a:ext cx="0" cy="87319"/>
+                            </a:xfrm>
+                            <a:prstGeom prst="line">
+                              <a:avLst/>
+                            </a:prstGeom>
+                            <a:ln w="9525"/>
+                          </p:spPr>
+                          <p:style>
+                            <a:lnRef idx="1">
+                              <a:schemeClr val="dk1"/>
+                            </a:lnRef>
+                            <a:fillRef idx="0">
+                              <a:schemeClr val="dk1"/>
+                            </a:fillRef>
+                            <a:effectRef idx="0">
+                              <a:schemeClr val="dk1"/>
+                            </a:effectRef>
+                            <a:fontRef idx="minor">
+                              <a:schemeClr val="tx1"/>
+                            </a:fontRef>
+                          </p:style>
+                        </p:cxnSp>
+                        <p:cxnSp>
+                          <p:nvCxnSpPr>
+                            <p:cNvPr id="39" name="Straight Connector 38">
+                              <a:extLst>
+                                <a:ext uri="{FF2B5EF4-FFF2-40B4-BE49-F238E27FC236}">
+                                  <a16:creationId xmlns:a16="http://schemas.microsoft.com/office/drawing/2014/main" id="{566677AC-CB17-EF47-8D72-81746AC7ED5D}"/>
+                                </a:ext>
+                              </a:extLst>
+                            </p:cNvPr>
+                            <p:cNvCxnSpPr/>
+                            <p:nvPr/>
+                          </p:nvCxnSpPr>
+                          <p:spPr>
+                            <a:xfrm flipV="1">
+                              <a:off x="1787763" y="517586"/>
+                              <a:ext cx="0" cy="99800"/>
+                            </a:xfrm>
+                            <a:prstGeom prst="line">
+                              <a:avLst/>
+                            </a:prstGeom>
+                            <a:ln w="9525"/>
+                          </p:spPr>
+                          <p:style>
+                            <a:lnRef idx="1">
+                              <a:schemeClr val="dk1"/>
+                            </a:lnRef>
+                            <a:fillRef idx="0">
+                              <a:schemeClr val="dk1"/>
+                            </a:fillRef>
+                            <a:effectRef idx="0">
+                              <a:schemeClr val="dk1"/>
+                            </a:effectRef>
+                            <a:fontRef idx="minor">
+                              <a:schemeClr val="tx1"/>
+                            </a:fontRef>
+                          </p:style>
+                        </p:cxnSp>
+                      </p:grpSp>
+                      <p:cxnSp>
+                        <p:nvCxnSpPr>
+                          <p:cNvPr id="35" name="Straight Connector 34">
+                            <a:extLst>
+                              <a:ext uri="{FF2B5EF4-FFF2-40B4-BE49-F238E27FC236}">
+                                <a16:creationId xmlns:a16="http://schemas.microsoft.com/office/drawing/2014/main" id="{52CFB1C4-7584-3343-87FA-4AF02D6A6135}"/>
+                              </a:ext>
+                            </a:extLst>
+                          </p:cNvPr>
+                          <p:cNvCxnSpPr/>
+                          <p:nvPr/>
+                        </p:nvCxnSpPr>
+                        <p:spPr>
+                          <a:xfrm>
+                            <a:off x="2169993" y="50100"/>
+                            <a:ext cx="1" cy="101712"/>
+                          </a:xfrm>
+                          <a:prstGeom prst="line">
+                            <a:avLst/>
+                          </a:prstGeom>
+                          <a:ln w="9525"/>
+                        </p:spPr>
+                        <p:style>
+                          <a:lnRef idx="1">
+                            <a:schemeClr val="dk1"/>
+                          </a:lnRef>
+                          <a:fillRef idx="0">
+                            <a:schemeClr val="dk1"/>
+                          </a:fillRef>
+                          <a:effectRef idx="0">
+                            <a:schemeClr val="dk1"/>
+                          </a:effectRef>
+                          <a:fontRef idx="minor">
+                            <a:schemeClr val="tx1"/>
+                          </a:fontRef>
+                        </p:style>
+                      </p:cxnSp>
+                      <p:cxnSp>
+                        <p:nvCxnSpPr>
+                          <p:cNvPr id="36" name="Straight Connector 35">
+                            <a:extLst>
+                              <a:ext uri="{FF2B5EF4-FFF2-40B4-BE49-F238E27FC236}">
+                                <a16:creationId xmlns:a16="http://schemas.microsoft.com/office/drawing/2014/main" id="{7F39C662-3153-8C40-A53A-6006F249948B}"/>
+                              </a:ext>
+                            </a:extLst>
+                          </p:cNvPr>
+                          <p:cNvCxnSpPr/>
+                          <p:nvPr/>
+                        </p:nvCxnSpPr>
+                        <p:spPr>
+                          <a:xfrm>
+                            <a:off x="2170321" y="503464"/>
+                            <a:ext cx="0" cy="113922"/>
+                          </a:xfrm>
+                          <a:prstGeom prst="line">
+                            <a:avLst/>
+                          </a:prstGeom>
+                          <a:ln w="9525"/>
+                        </p:spPr>
+                        <p:style>
+                          <a:lnRef idx="1">
+                            <a:schemeClr val="dk1"/>
+                          </a:lnRef>
+                          <a:fillRef idx="0">
+                            <a:schemeClr val="dk1"/>
+                          </a:fillRef>
+                          <a:effectRef idx="0">
+                            <a:schemeClr val="dk1"/>
+                          </a:effectRef>
+                          <a:fontRef idx="minor">
+                            <a:schemeClr val="tx1"/>
+                          </a:fontRef>
+                        </p:style>
+                      </p:cxnSp>
+                    </p:grpSp>
+                  </p:grpSp>
+                  <p:grpSp>
+                    <p:nvGrpSpPr>
+                      <p:cNvPr id="10" name="Group 9">
+                        <a:extLst>
+                          <a:ext uri="{FF2B5EF4-FFF2-40B4-BE49-F238E27FC236}">
+                            <a16:creationId xmlns:a16="http://schemas.microsoft.com/office/drawing/2014/main" id="{02E3AB95-1CC4-D84F-8967-F61CCE0C2D05}"/>
+                          </a:ext>
+                        </a:extLst>
+                      </p:cNvPr>
+                      <p:cNvGrpSpPr/>
+                      <p:nvPr/>
+                    </p:nvGrpSpPr>
+                    <p:grpSpPr>
+                      <a:xfrm>
+                        <a:off x="4339988" y="341194"/>
+                        <a:ext cx="172688" cy="956462"/>
+                        <a:chOff x="0" y="0"/>
+                        <a:chExt cx="172688" cy="956462"/>
+                      </a:xfrm>
+                    </p:grpSpPr>
+                    <p:sp>
+                      <p:nvSpPr>
+                        <p:cNvPr id="16" name="Arc 15">
+                          <a:extLst>
+                            <a:ext uri="{FF2B5EF4-FFF2-40B4-BE49-F238E27FC236}">
+                              <a16:creationId xmlns:a16="http://schemas.microsoft.com/office/drawing/2014/main" id="{690FC3B8-C382-554D-8FF8-C957A69F2E7E}"/>
+                            </a:ext>
+                          </a:extLst>
+                        </p:cNvPr>
+                        <p:cNvSpPr/>
+                        <p:nvPr/>
+                      </p:nvSpPr>
+                      <p:spPr>
+                        <a:xfrm rot="5400000">
+                          <a:off x="5970" y="139700"/>
+                          <a:ext cx="160231" cy="171935"/>
+                        </a:xfrm>
+                        <a:prstGeom prst="arc">
+                          <a:avLst>
+                            <a:gd name="adj1" fmla="val 10862557"/>
+                            <a:gd name="adj2" fmla="val 0"/>
+                          </a:avLst>
+                        </a:prstGeom>
+                        <a:ln w="9525">
+                          <a:solidFill>
+                            <a:schemeClr val="tx1"/>
+                          </a:solidFill>
+                        </a:ln>
+                      </p:spPr>
+                      <p:style>
+                        <a:lnRef idx="1">
+                          <a:schemeClr val="accent1"/>
+                        </a:lnRef>
+                        <a:fillRef idx="0">
+                          <a:schemeClr val="accent1"/>
+                        </a:fillRef>
+                        <a:effectRef idx="0">
+                          <a:schemeClr val="accent1"/>
+                        </a:effectRef>
+                        <a:fontRef idx="minor">
+                          <a:schemeClr val="tx1"/>
+                        </a:fontRef>
+                      </p:style>
+                      <p:txBody>
+                        <a:bodyPr rot="0" spcFirstLastPara="0" vert="horz" wrap="square" lIns="91440" tIns="45720" rIns="91440" bIns="45720" numCol="1" spcCol="0" rtlCol="0" fromWordArt="0" anchor="ctr" anchorCtr="0" forceAA="0" compatLnSpc="1">
+                          <a:prstTxWarp prst="textNoShape">
+                            <a:avLst/>
+                          </a:prstTxWarp>
+                          <a:noAutofit/>
+                        </a:bodyPr>
+                        <a:lstStyle/>
+                        <a:p>
+                          <a:endParaRPr lang="en-GB"/>
+                        </a:p>
+                      </p:txBody>
+                    </p:sp>
+                    <p:sp>
+                      <p:nvSpPr>
+                        <p:cNvPr id="17" name="Arc 16">
+                          <a:extLst>
+                            <a:ext uri="{FF2B5EF4-FFF2-40B4-BE49-F238E27FC236}">
+                              <a16:creationId xmlns:a16="http://schemas.microsoft.com/office/drawing/2014/main" id="{C9765CCD-C1B0-3949-A317-21B921EC3888}"/>
+                            </a:ext>
+                          </a:extLst>
+                        </p:cNvPr>
+                        <p:cNvSpPr/>
+                        <p:nvPr/>
+                      </p:nvSpPr>
+                      <p:spPr>
+                        <a:xfrm rot="5400000">
+                          <a:off x="5970" y="298450"/>
+                          <a:ext cx="160231" cy="171935"/>
+                        </a:xfrm>
+                        <a:prstGeom prst="arc">
+                          <a:avLst>
+                            <a:gd name="adj1" fmla="val 10862557"/>
+                            <a:gd name="adj2" fmla="val 0"/>
+                          </a:avLst>
+                        </a:prstGeom>
+                        <a:ln w="9525">
+                          <a:solidFill>
+                            <a:schemeClr val="tx1"/>
+                          </a:solidFill>
+                        </a:ln>
+                      </p:spPr>
+                      <p:style>
+                        <a:lnRef idx="1">
+                          <a:schemeClr val="accent1"/>
+                        </a:lnRef>
+                        <a:fillRef idx="0">
+                          <a:schemeClr val="accent1"/>
+                        </a:fillRef>
+                        <a:effectRef idx="0">
+                          <a:schemeClr val="accent1"/>
+                        </a:effectRef>
+                        <a:fontRef idx="minor">
+                          <a:schemeClr val="tx1"/>
+                        </a:fontRef>
+                      </p:style>
+                      <p:txBody>
+                        <a:bodyPr rot="0" spcFirstLastPara="0" vert="horz" wrap="square" lIns="91440" tIns="45720" rIns="91440" bIns="45720" numCol="1" spcCol="0" rtlCol="0" fromWordArt="0" anchor="ctr" anchorCtr="0" forceAA="0" compatLnSpc="1">
+                          <a:prstTxWarp prst="textNoShape">
+                            <a:avLst/>
+                          </a:prstTxWarp>
+                          <a:noAutofit/>
+                        </a:bodyPr>
+                        <a:lstStyle/>
+                        <a:p>
+                          <a:endParaRPr lang="en-GB"/>
+                        </a:p>
+                      </p:txBody>
+                    </p:sp>
+                    <p:sp>
+                      <p:nvSpPr>
+                        <p:cNvPr id="18" name="Arc 17">
+                          <a:extLst>
+                            <a:ext uri="{FF2B5EF4-FFF2-40B4-BE49-F238E27FC236}">
+                              <a16:creationId xmlns:a16="http://schemas.microsoft.com/office/drawing/2014/main" id="{EC86493E-AD88-1F4C-8DAC-9291DEBCF66C}"/>
+                            </a:ext>
+                          </a:extLst>
+                        </p:cNvPr>
+                        <p:cNvSpPr/>
+                        <p:nvPr/>
+                      </p:nvSpPr>
+                      <p:spPr>
+                        <a:xfrm rot="5400000">
+                          <a:off x="5970" y="463550"/>
+                          <a:ext cx="160231" cy="171935"/>
+                        </a:xfrm>
+                        <a:prstGeom prst="arc">
+                          <a:avLst>
+                            <a:gd name="adj1" fmla="val 10862557"/>
+                            <a:gd name="adj2" fmla="val 0"/>
+                          </a:avLst>
+                        </a:prstGeom>
+                        <a:ln w="9525">
+                          <a:solidFill>
+                            <a:schemeClr val="tx1"/>
+                          </a:solidFill>
+                        </a:ln>
+                      </p:spPr>
+                      <p:style>
+                        <a:lnRef idx="1">
+                          <a:schemeClr val="accent1"/>
+                        </a:lnRef>
+                        <a:fillRef idx="0">
+                          <a:schemeClr val="accent1"/>
+                        </a:fillRef>
+                        <a:effectRef idx="0">
+                          <a:schemeClr val="accent1"/>
+                        </a:effectRef>
+                        <a:fontRef idx="minor">
+                          <a:schemeClr val="tx1"/>
+                        </a:fontRef>
+                      </p:style>
+                      <p:txBody>
+                        <a:bodyPr rot="0" spcFirstLastPara="0" vert="horz" wrap="square" lIns="91440" tIns="45720" rIns="91440" bIns="45720" numCol="1" spcCol="0" rtlCol="0" fromWordArt="0" anchor="ctr" anchorCtr="0" forceAA="0" compatLnSpc="1">
+                          <a:prstTxWarp prst="textNoShape">
+                            <a:avLst/>
+                          </a:prstTxWarp>
+                          <a:noAutofit/>
+                        </a:bodyPr>
+                        <a:lstStyle/>
+                        <a:p>
+                          <a:endParaRPr lang="en-GB"/>
+                        </a:p>
+                      </p:txBody>
+                    </p:sp>
+                    <p:sp>
+                      <p:nvSpPr>
+                        <p:cNvPr id="19" name="Arc 18">
+                          <a:extLst>
+                            <a:ext uri="{FF2B5EF4-FFF2-40B4-BE49-F238E27FC236}">
+                              <a16:creationId xmlns:a16="http://schemas.microsoft.com/office/drawing/2014/main" id="{3068C3BF-8139-BB45-A7A4-CA1844A34F78}"/>
+                            </a:ext>
+                          </a:extLst>
+                        </p:cNvPr>
+                        <p:cNvSpPr/>
+                        <p:nvPr/>
+                      </p:nvSpPr>
+                      <p:spPr>
+                        <a:xfrm rot="5400000">
+                          <a:off x="5970" y="622300"/>
+                          <a:ext cx="160748" cy="172688"/>
+                        </a:xfrm>
+                        <a:prstGeom prst="arc">
+                          <a:avLst>
+                            <a:gd name="adj1" fmla="val 10862557"/>
+                            <a:gd name="adj2" fmla="val 0"/>
+                          </a:avLst>
+                        </a:prstGeom>
+                        <a:ln w="9525">
+                          <a:solidFill>
+                            <a:schemeClr val="tx1"/>
+                          </a:solidFill>
+                        </a:ln>
+                      </p:spPr>
+                      <p:style>
+                        <a:lnRef idx="1">
+                          <a:schemeClr val="accent1"/>
+                        </a:lnRef>
+                        <a:fillRef idx="0">
+                          <a:schemeClr val="accent1"/>
+                        </a:fillRef>
+                        <a:effectRef idx="0">
+                          <a:schemeClr val="accent1"/>
+                        </a:effectRef>
+                        <a:fontRef idx="minor">
+                          <a:schemeClr val="tx1"/>
+                        </a:fontRef>
+                      </p:style>
+                      <p:txBody>
+                        <a:bodyPr rot="0" spcFirstLastPara="0" vert="horz" wrap="square" lIns="91440" tIns="45720" rIns="91440" bIns="45720" numCol="1" spcCol="0" rtlCol="0" fromWordArt="0" anchor="ctr" anchorCtr="0" forceAA="0" compatLnSpc="1">
+                          <a:prstTxWarp prst="textNoShape">
+                            <a:avLst/>
+                          </a:prstTxWarp>
+                          <a:noAutofit/>
+                        </a:bodyPr>
+                        <a:lstStyle/>
+                        <a:p>
+                          <a:endParaRPr lang="en-GB"/>
+                        </a:p>
+                      </p:txBody>
+                    </p:sp>
+                    <p:cxnSp>
+                      <p:nvCxnSpPr>
+                        <p:cNvPr id="20" name="Straight Connector 19">
+                          <a:extLst>
+                            <a:ext uri="{FF2B5EF4-FFF2-40B4-BE49-F238E27FC236}">
+                              <a16:creationId xmlns:a16="http://schemas.microsoft.com/office/drawing/2014/main" id="{0D3676E7-9734-B048-A37C-7AF493818525}"/>
+                            </a:ext>
+                          </a:extLst>
+                        </p:cNvPr>
+                        <p:cNvCxnSpPr/>
+                        <p:nvPr/>
+                      </p:nvCxnSpPr>
+                      <p:spPr>
+                        <a:xfrm flipV="1">
+                          <a:off x="88520" y="0"/>
+                          <a:ext cx="0" cy="147919"/>
+                        </a:xfrm>
+                        <a:prstGeom prst="line">
+                          <a:avLst/>
+                        </a:prstGeom>
+                        <a:ln w="9525"/>
+                      </p:spPr>
+                      <p:style>
+                        <a:lnRef idx="1">
+                          <a:schemeClr val="dk1"/>
+                        </a:lnRef>
+                        <a:fillRef idx="0">
+                          <a:schemeClr val="dk1"/>
+                        </a:fillRef>
+                        <a:effectRef idx="0">
+                          <a:schemeClr val="dk1"/>
+                        </a:effectRef>
+                        <a:fontRef idx="minor">
+                          <a:schemeClr val="tx1"/>
+                        </a:fontRef>
+                      </p:style>
+                    </p:cxnSp>
+                    <p:cxnSp>
+                      <p:nvCxnSpPr>
+                        <p:cNvPr id="21" name="Straight Connector 20">
+                          <a:extLst>
+                            <a:ext uri="{FF2B5EF4-FFF2-40B4-BE49-F238E27FC236}">
+                              <a16:creationId xmlns:a16="http://schemas.microsoft.com/office/drawing/2014/main" id="{EFC760B3-E62D-D24C-BB11-CB2AC09F2D59}"/>
+                            </a:ext>
+                          </a:extLst>
+                        </p:cNvPr>
+                        <p:cNvCxnSpPr/>
+                        <p:nvPr/>
+                      </p:nvCxnSpPr>
+                      <p:spPr>
+                        <a:xfrm flipV="1">
+                          <a:off x="88520" y="787400"/>
+                          <a:ext cx="0" cy="169062"/>
+                        </a:xfrm>
+                        <a:prstGeom prst="line">
+                          <a:avLst/>
+                        </a:prstGeom>
+                        <a:ln w="9525"/>
+                      </p:spPr>
+                      <p:style>
+                        <a:lnRef idx="1">
+                          <a:schemeClr val="dk1"/>
+                        </a:lnRef>
+                        <a:fillRef idx="0">
+                          <a:schemeClr val="dk1"/>
+                        </a:fillRef>
+                        <a:effectRef idx="0">
+                          <a:schemeClr val="dk1"/>
+                        </a:effectRef>
+                        <a:fontRef idx="minor">
+                          <a:schemeClr val="tx1"/>
+                        </a:fontRef>
+                      </p:style>
+                    </p:cxnSp>
+                  </p:grpSp>
+                  <p:grpSp>
+                    <p:nvGrpSpPr>
+                      <p:cNvPr id="11" name="Group 10">
+                        <a:extLst>
+                          <a:ext uri="{FF2B5EF4-FFF2-40B4-BE49-F238E27FC236}">
+                            <a16:creationId xmlns:a16="http://schemas.microsoft.com/office/drawing/2014/main" id="{1FA84B96-6722-5146-8F31-DA2D17B145C2}"/>
+                          </a:ext>
+                        </a:extLst>
+                      </p:cNvPr>
+                      <p:cNvGrpSpPr/>
+                      <p:nvPr/>
+                    </p:nvGrpSpPr>
+                    <p:grpSpPr>
+                      <a:xfrm>
+                        <a:off x="5056496" y="341194"/>
+                        <a:ext cx="142240" cy="960754"/>
+                        <a:chOff x="0" y="0"/>
+                        <a:chExt cx="142536" cy="961335"/>
+                      </a:xfrm>
+                    </p:grpSpPr>
+                    <p:sp>
+                      <p:nvSpPr>
+                        <p:cNvPr id="13" name="Process 12">
+                          <a:extLst>
+                            <a:ext uri="{FF2B5EF4-FFF2-40B4-BE49-F238E27FC236}">
+                              <a16:creationId xmlns:a16="http://schemas.microsoft.com/office/drawing/2014/main" id="{5A0705AD-111F-C845-8ABD-2212EE56588D}"/>
+                            </a:ext>
+                          </a:extLst>
+                        </p:cNvPr>
+                        <p:cNvSpPr/>
+                        <p:nvPr/>
+                      </p:nvSpPr>
+                      <p:spPr>
+                        <a:xfrm rot="5400000">
+                          <a:off x="-226836" y="400050"/>
+                          <a:ext cx="596207" cy="142536"/>
+                        </a:xfrm>
+                        <a:prstGeom prst="flowChartProcess">
+                          <a:avLst/>
+                        </a:prstGeom>
+                        <a:noFill/>
+                        <a:ln w="9525">
+                          <a:solidFill>
+                            <a:schemeClr val="tx1"/>
+                          </a:solidFill>
+                        </a:ln>
+                      </p:spPr>
+                      <p:style>
+                        <a:lnRef idx="2">
+                          <a:schemeClr val="accent1">
+                            <a:shade val="50000"/>
+                          </a:schemeClr>
+                        </a:lnRef>
+                        <a:fillRef idx="1">
+                          <a:schemeClr val="accent1"/>
+                        </a:fillRef>
+                        <a:effectRef idx="0">
+                          <a:schemeClr val="accent1"/>
+                        </a:effectRef>
+                        <a:fontRef idx="minor">
+                          <a:schemeClr val="lt1"/>
+                        </a:fontRef>
+                      </p:style>
+                      <p:txBody>
+                        <a:bodyPr rot="0" spcFirstLastPara="0" vert="horz" wrap="square" lIns="91440" tIns="45720" rIns="91440" bIns="45720" numCol="1" spcCol="0" rtlCol="0" fromWordArt="0" anchor="ctr" anchorCtr="0" forceAA="0" compatLnSpc="1">
+                          <a:prstTxWarp prst="textNoShape">
+                            <a:avLst/>
+                          </a:prstTxWarp>
+                          <a:noAutofit/>
+                        </a:bodyPr>
+                        <a:lstStyle/>
+                        <a:p>
+                          <a:endParaRPr lang="en-GB"/>
+                        </a:p>
+                      </p:txBody>
+                    </p:sp>
+                    <p:cxnSp>
+                      <p:nvCxnSpPr>
+                        <p:cNvPr id="14" name="Straight Connector 13">
+                          <a:extLst>
+                            <a:ext uri="{FF2B5EF4-FFF2-40B4-BE49-F238E27FC236}">
+                              <a16:creationId xmlns:a16="http://schemas.microsoft.com/office/drawing/2014/main" id="{3964CD25-B7C3-944A-8444-61A0991DA326}"/>
+                            </a:ext>
+                          </a:extLst>
+                        </p:cNvPr>
+                        <p:cNvCxnSpPr/>
+                        <p:nvPr/>
+                      </p:nvCxnSpPr>
+                      <p:spPr>
+                        <a:xfrm>
+                          <a:off x="71614" y="0"/>
+                          <a:ext cx="2" cy="172301"/>
+                        </a:xfrm>
+                        <a:prstGeom prst="line">
+                          <a:avLst/>
+                        </a:prstGeom>
+                        <a:ln w="9525"/>
+                      </p:spPr>
+                      <p:style>
+                        <a:lnRef idx="1">
+                          <a:schemeClr val="dk1"/>
+                        </a:lnRef>
+                        <a:fillRef idx="0">
+                          <a:schemeClr val="dk1"/>
+                        </a:fillRef>
+                        <a:effectRef idx="0">
+                          <a:schemeClr val="dk1"/>
+                        </a:effectRef>
+                        <a:fontRef idx="minor">
+                          <a:schemeClr val="tx1"/>
+                        </a:fontRef>
+                      </p:style>
+                    </p:cxnSp>
+                    <p:cxnSp>
+                      <p:nvCxnSpPr>
+                        <p:cNvPr id="15" name="Straight Connector 14">
+                          <a:extLst>
+                            <a:ext uri="{FF2B5EF4-FFF2-40B4-BE49-F238E27FC236}">
+                              <a16:creationId xmlns:a16="http://schemas.microsoft.com/office/drawing/2014/main" id="{14EAAD7F-37B8-3C46-84AE-9CDB9829F5C4}"/>
+                            </a:ext>
+                          </a:extLst>
+                        </p:cNvPr>
+                        <p:cNvCxnSpPr/>
+                        <p:nvPr/>
+                      </p:nvCxnSpPr>
+                      <p:spPr>
+                        <a:xfrm>
+                          <a:off x="71614" y="768350"/>
+                          <a:ext cx="0" cy="192985"/>
+                        </a:xfrm>
+                        <a:prstGeom prst="line">
+                          <a:avLst/>
+                        </a:prstGeom>
+                        <a:ln w="9525"/>
+                      </p:spPr>
+                      <p:style>
+                        <a:lnRef idx="1">
+                          <a:schemeClr val="dk1"/>
+                        </a:lnRef>
+                        <a:fillRef idx="0">
+                          <a:schemeClr val="dk1"/>
+                        </a:fillRef>
+                        <a:effectRef idx="0">
+                          <a:schemeClr val="dk1"/>
+                        </a:effectRef>
+                        <a:fontRef idx="minor">
+                          <a:schemeClr val="tx1"/>
+                        </a:fontRef>
+                      </p:style>
+                    </p:cxnSp>
+                  </p:grpSp>
+                  <mc:AlternateContent xmlns:mc="http://schemas.openxmlformats.org/markup-compatibility/2006">
+                    <mc:Choice xmlns:a14="http://schemas.microsoft.com/office/drawing/2010/main" Requires="a14">
+                      <p:sp>
+                        <p:nvSpPr>
+                          <p:cNvPr id="12" name="Text Box 332">
+                            <a:extLst>
+                              <a:ext uri="{FF2B5EF4-FFF2-40B4-BE49-F238E27FC236}">
+                                <a16:creationId xmlns:a16="http://schemas.microsoft.com/office/drawing/2014/main" id="{517C581F-7AE3-7A42-8273-83C4E801DA80}"/>
+                              </a:ext>
+                            </a:extLst>
+                          </p:cNvPr>
+                          <p:cNvSpPr txBox="1"/>
+                          <p:nvPr/>
+                        </p:nvSpPr>
+                        <p:spPr>
+                          <a:xfrm>
+                            <a:off x="4439802" y="651740"/>
+                            <a:ext cx="557397" cy="518415"/>
+                          </a:xfrm>
+                          <a:prstGeom prst="rect">
+                            <a:avLst/>
+                          </a:prstGeom>
+                          <a:noFill/>
+                          <a:ln w="9525">
+                            <a:noFill/>
+                          </a:ln>
+                        </p:spPr>
+                        <p:txBody>
+                          <a:bodyPr rot="0" spcFirstLastPara="0" vert="horz" wrap="square" lIns="91440" tIns="45720" rIns="91440" bIns="45720" numCol="1" spcCol="0" rtlCol="0" fromWordArt="0" anchor="t" anchorCtr="0" forceAA="0" compatLnSpc="1">
+                            <a:prstTxWarp prst="textNoShape">
+                              <a:avLst/>
+                            </a:prstTxWarp>
+                            <a:noAutofit/>
+                          </a:bodyPr>
+                          <a:lstStyle/>
+                          <a:p>
+                            <a:pPr>
+                              <a:spcAft>
+                                <a:spcPts val="0"/>
+                              </a:spcAft>
+                            </a:pPr>
+                            <a14:m>
+                              <m:oMathPara xmlns:m="http://schemas.openxmlformats.org/officeDocument/2006/math">
+                                <m:oMathParaPr>
+                                  <m:jc m:val="centerGroup"/>
+                                </m:oMathParaPr>
+                                <m:oMath xmlns:m="http://schemas.openxmlformats.org/officeDocument/2006/math">
+                                  <m:f>
+                                    <m:fPr>
+                                      <m:ctrlPr>
+                                        <a:rPr lang="en-GB" sz="1600" i="1">
+                                          <a:effectLst/>
+                                          <a:latin typeface="Cambria Math" panose="02040503050406030204" pitchFamily="18" charset="0"/>
+                                          <a:ea typeface="Calibri" panose="020F0502020204030204" pitchFamily="34" charset="0"/>
+                                          <a:cs typeface="Times New Roman (Body CS)"/>
+                                        </a:rPr>
+                                      </m:ctrlPr>
+                                    </m:fPr>
+                                    <m:num>
+                                      <m:sSub>
+                                        <m:sSubPr>
+                                          <m:ctrlPr>
+                                            <a:rPr lang="en-GB" sz="1600" i="1">
+                                              <a:effectLst/>
+                                              <a:latin typeface="Cambria Math" panose="02040503050406030204" pitchFamily="18" charset="0"/>
+                                              <a:ea typeface="Calibri" panose="020F0502020204030204" pitchFamily="34" charset="0"/>
+                                              <a:cs typeface="Times New Roman (Body CS)"/>
+                                            </a:rPr>
+                                          </m:ctrlPr>
+                                        </m:sSubPr>
+                                        <m:e>
+                                          <m:r>
+                                            <a:rPr lang="en-GB" sz="1600" i="1">
+                                              <a:effectLst/>
+                                              <a:latin typeface="Cambria Math" panose="02040503050406030204" pitchFamily="18" charset="0"/>
+                                              <a:ea typeface="Calibri" panose="020F0502020204030204" pitchFamily="34" charset="0"/>
+                                              <a:cs typeface="Times New Roman (Body CS)"/>
+                                            </a:rPr>
+                                            <m:t>𝐶</m:t>
+                                          </m:r>
+                                        </m:e>
+                                        <m:sub>
+                                          <m:r>
+                                            <a:rPr lang="en-GB" sz="1600" i="1">
+                                              <a:effectLst/>
+                                              <a:latin typeface="Cambria Math" panose="02040503050406030204" pitchFamily="18" charset="0"/>
+                                              <a:ea typeface="Calibri" panose="020F0502020204030204" pitchFamily="34" charset="0"/>
+                                              <a:cs typeface="Times New Roman (Body CS)"/>
+                                            </a:rPr>
+                                            <m:t>𝐵</m:t>
+                                          </m:r>
+                                        </m:sub>
+                                      </m:sSub>
+                                    </m:num>
+                                    <m:den>
+                                      <m:sSup>
+                                        <m:sSupPr>
+                                          <m:ctrlPr>
+                                            <a:rPr lang="en-GB" sz="1600" i="1">
+                                              <a:effectLst/>
+                                              <a:latin typeface="Cambria Math" panose="02040503050406030204" pitchFamily="18" charset="0"/>
+                                              <a:ea typeface="Calibri" panose="020F0502020204030204" pitchFamily="34" charset="0"/>
+                                              <a:cs typeface="Times New Roman (Body CS)"/>
+                                            </a:rPr>
+                                          </m:ctrlPr>
+                                        </m:sSupPr>
+                                        <m:e>
+                                          <m:d>
+                                            <m:dPr>
+                                              <m:ctrlPr>
+                                                <a:rPr lang="en-GB" sz="1600" i="1">
+                                                  <a:effectLst/>
+                                                  <a:latin typeface="Cambria Math" panose="02040503050406030204" pitchFamily="18" charset="0"/>
+                                                  <a:ea typeface="Calibri" panose="020F0502020204030204" pitchFamily="34" charset="0"/>
+                                                  <a:cs typeface="Times New Roman (Body CS)"/>
+                                                </a:rPr>
+                                              </m:ctrlPr>
+                                            </m:dPr>
+                                            <m:e>
+                                              <m:r>
+                                                <a:rPr lang="en-GB" sz="1600" i="1">
+                                                  <a:effectLst/>
+                                                  <a:latin typeface="Cambria Math" panose="02040503050406030204" pitchFamily="18" charset="0"/>
+                                                  <a:ea typeface="Calibri" panose="020F0502020204030204" pitchFamily="34" charset="0"/>
+                                                  <a:cs typeface="Times New Roman (Body CS)"/>
+                                                </a:rPr>
+                                                <m:t>𝐵𝑙</m:t>
+                                              </m:r>
+                                            </m:e>
+                                          </m:d>
+                                        </m:e>
+                                        <m:sup>
+                                          <m:r>
+                                            <a:rPr lang="en-GB" sz="1600" i="1">
+                                              <a:effectLst/>
+                                              <a:latin typeface="Cambria Math" panose="02040503050406030204" pitchFamily="18" charset="0"/>
+                                              <a:ea typeface="Calibri" panose="020F0502020204030204" pitchFamily="34" charset="0"/>
+                                              <a:cs typeface="Times New Roman (Body CS)"/>
+                                            </a:rPr>
+                                            <m:t>2</m:t>
+                                          </m:r>
+                                        </m:sup>
+                                      </m:sSup>
+                                    </m:den>
+                                  </m:f>
+                                </m:oMath>
+                              </m:oMathPara>
+                            </a14:m>
+                            <a:endParaRPr lang="en-GB" sz="2400" dirty="0">
+                              <a:effectLst/>
+                              <a:latin typeface="Garamond" panose="02020404030301010803" pitchFamily="18" charset="0"/>
+                              <a:ea typeface="Calibri" panose="020F0502020204030204" pitchFamily="34" charset="0"/>
+                              <a:cs typeface="Times New Roman (Body CS)"/>
+                            </a:endParaRPr>
+                          </a:p>
+                        </p:txBody>
+                      </p:sp>
+                    </mc:Choice>
+                    <mc:Fallback>
+                      <p:sp>
+                        <p:nvSpPr>
+                          <p:cNvPr id="12" name="Text Box 332">
+                            <a:extLst>
+                              <a:ext uri="{FF2B5EF4-FFF2-40B4-BE49-F238E27FC236}">
+                                <a16:creationId xmlns:a16="http://schemas.microsoft.com/office/drawing/2014/main" id="{517C581F-7AE3-7A42-8273-83C4E801DA80}"/>
+                              </a:ext>
+                            </a:extLst>
+                          </p:cNvPr>
+                          <p:cNvSpPr txBox="1">
+                            <a:spLocks noRot="1" noChangeAspect="1" noMove="1" noResize="1" noEditPoints="1" noAdjustHandles="1" noChangeArrowheads="1" noChangeShapeType="1" noTextEdit="1"/>
+                          </p:cNvSpPr>
+                          <p:nvPr/>
+                        </p:nvSpPr>
+                        <p:spPr>
+                          <a:xfrm>
+                            <a:off x="4439802" y="651740"/>
+                            <a:ext cx="557397" cy="518415"/>
+                          </a:xfrm>
+                          <a:prstGeom prst="rect">
+                            <a:avLst/>
+                          </a:prstGeom>
+                          <a:blipFill>
+                            <a:blip r:embed="rId5"/>
+                            <a:stretch>
+                              <a:fillRect/>
+                            </a:stretch>
+                          </a:blipFill>
+                          <a:ln w="9525">
+                            <a:noFill/>
+                          </a:ln>
+                        </p:spPr>
+                        <p:txBody>
+                          <a:bodyPr/>
+                          <a:lstStyle/>
+                          <a:p>
+                            <a:r>
+                              <a:rPr lang="en-US">
+                                <a:noFill/>
+                              </a:rPr>
+                              <a:t> </a:t>
+                            </a:r>
+                          </a:p>
+                        </p:txBody>
+                      </p:sp>
+                    </mc:Fallback>
+                  </mc:AlternateContent>
+                </p:grpSp>
+                <mc:AlternateContent xmlns:mc="http://schemas.openxmlformats.org/markup-compatibility/2006">
+                  <mc:Choice xmlns:a14="http://schemas.microsoft.com/office/drawing/2010/main" Requires="a14">
+                    <p:sp>
+                      <p:nvSpPr>
+                        <p:cNvPr id="8" name="Text Box 335">
+                          <a:extLst>
+                            <a:ext uri="{FF2B5EF4-FFF2-40B4-BE49-F238E27FC236}">
+                              <a16:creationId xmlns:a16="http://schemas.microsoft.com/office/drawing/2014/main" id="{41E57965-C7E4-D54F-9797-0C70188D71E3}"/>
+                            </a:ext>
+                          </a:extLst>
+                        </p:cNvPr>
+                        <p:cNvSpPr txBox="1"/>
+                        <p:nvPr/>
+                      </p:nvSpPr>
+                      <p:spPr>
+                        <a:xfrm>
+                          <a:off x="3814513" y="642857"/>
+                          <a:ext cx="557397" cy="473759"/>
+                        </a:xfrm>
+                        <a:prstGeom prst="rect">
+                          <a:avLst/>
+                        </a:prstGeom>
+                        <a:noFill/>
+                        <a:ln w="9525">
+                          <a:noFill/>
+                        </a:ln>
+                      </p:spPr>
+                      <p:txBody>
+                        <a:bodyPr rot="0" spcFirstLastPara="0" vert="horz" wrap="square" lIns="91440" tIns="45720" rIns="91440" bIns="45720" numCol="1" spcCol="0" rtlCol="0" fromWordArt="0" anchor="t" anchorCtr="0" forceAA="0" compatLnSpc="1">
+                          <a:prstTxWarp prst="textNoShape">
+                            <a:avLst/>
+                          </a:prstTxWarp>
+                          <a:noAutofit/>
+                        </a:bodyPr>
+                        <a:lstStyle/>
+                        <a:p>
+                          <a:pPr>
+                            <a:spcAft>
+                              <a:spcPts val="0"/>
+                            </a:spcAft>
+                          </a:pPr>
+                          <a14:m>
+                            <m:oMathPara xmlns:m="http://schemas.openxmlformats.org/officeDocument/2006/math">
+                              <m:oMathParaPr>
+                                <m:jc m:val="centerGroup"/>
+                              </m:oMathParaPr>
+                              <m:oMath xmlns:m="http://schemas.openxmlformats.org/officeDocument/2006/math">
+                                <m:f>
+                                  <m:fPr>
+                                    <m:ctrlPr>
+                                      <a:rPr lang="en-GB" sz="1600" i="1">
+                                        <a:effectLst/>
+                                        <a:latin typeface="Cambria Math" panose="02040503050406030204" pitchFamily="18" charset="0"/>
+                                        <a:ea typeface="Calibri" panose="020F0502020204030204" pitchFamily="34" charset="0"/>
+                                        <a:cs typeface="Times New Roman (Body CS)"/>
+                                      </a:rPr>
+                                    </m:ctrlPr>
+                                  </m:fPr>
+                                  <m:num>
+                                    <m:sSup>
+                                      <m:sSupPr>
+                                        <m:ctrlPr>
+                                          <a:rPr lang="en-GB" sz="1600" i="1">
+                                            <a:effectLst/>
+                                            <a:latin typeface="Cambria Math" panose="02040503050406030204" pitchFamily="18" charset="0"/>
+                                            <a:ea typeface="Calibri" panose="020F0502020204030204" pitchFamily="34" charset="0"/>
+                                            <a:cs typeface="Times New Roman (Body CS)"/>
+                                          </a:rPr>
+                                        </m:ctrlPr>
+                                      </m:sSupPr>
+                                      <m:e>
+                                        <m:d>
+                                          <m:dPr>
+                                            <m:ctrlPr>
+                                              <a:rPr lang="en-GB" sz="1600" i="1">
+                                                <a:effectLst/>
+                                                <a:latin typeface="Cambria Math" panose="02040503050406030204" pitchFamily="18" charset="0"/>
+                                                <a:ea typeface="Calibri" panose="020F0502020204030204" pitchFamily="34" charset="0"/>
+                                                <a:cs typeface="Times New Roman (Body CS)"/>
+                                              </a:rPr>
+                                            </m:ctrlPr>
+                                          </m:dPr>
+                                          <m:e>
+                                            <m:r>
+                                              <a:rPr lang="en-GB" sz="1600" i="1">
+                                                <a:effectLst/>
+                                                <a:latin typeface="Cambria Math" panose="02040503050406030204" pitchFamily="18" charset="0"/>
+                                                <a:ea typeface="Calibri" panose="020F0502020204030204" pitchFamily="34" charset="0"/>
+                                                <a:cs typeface="Times New Roman (Body CS)"/>
+                                              </a:rPr>
+                                              <m:t>𝐵𝑙</m:t>
+                                            </m:r>
+                                          </m:e>
+                                        </m:d>
+                                      </m:e>
+                                      <m:sup>
+                                        <m:r>
+                                          <a:rPr lang="en-GB" sz="1600" i="1">
+                                            <a:effectLst/>
+                                            <a:latin typeface="Cambria Math" panose="02040503050406030204" pitchFamily="18" charset="0"/>
+                                            <a:ea typeface="Calibri" panose="020F0502020204030204" pitchFamily="34" charset="0"/>
+                                            <a:cs typeface="Times New Roman (Body CS)"/>
+                                          </a:rPr>
+                                          <m:t>2</m:t>
+                                        </m:r>
+                                      </m:sup>
+                                    </m:sSup>
+                                  </m:num>
+                                  <m:den>
+                                    <m:sSub>
+                                      <m:sSubPr>
+                                        <m:ctrlPr>
+                                          <a:rPr lang="en-GB" sz="1600" i="1">
+                                            <a:effectLst/>
+                                            <a:latin typeface="Cambria Math" panose="02040503050406030204" pitchFamily="18" charset="0"/>
+                                            <a:ea typeface="Calibri" panose="020F0502020204030204" pitchFamily="34" charset="0"/>
+                                            <a:cs typeface="Times New Roman (Body CS)"/>
+                                          </a:rPr>
+                                        </m:ctrlPr>
+                                      </m:sSubPr>
+                                      <m:e>
+                                        <m:r>
+                                          <a:rPr lang="en-GB" sz="1600" i="1">
+                                            <a:effectLst/>
+                                            <a:latin typeface="Cambria Math" panose="02040503050406030204" pitchFamily="18" charset="0"/>
+                                            <a:ea typeface="Calibri" panose="020F0502020204030204" pitchFamily="34" charset="0"/>
+                                            <a:cs typeface="Times New Roman (Body CS)"/>
+                                          </a:rPr>
+                                          <m:t>𝑅</m:t>
+                                        </m:r>
+                                      </m:e>
+                                      <m:sub>
+                                        <m:r>
+                                          <a:rPr lang="en-GB" sz="1600" i="1">
+                                            <a:effectLst/>
+                                            <a:latin typeface="Cambria Math" panose="02040503050406030204" pitchFamily="18" charset="0"/>
+                                            <a:ea typeface="Calibri" panose="020F0502020204030204" pitchFamily="34" charset="0"/>
+                                            <a:cs typeface="Times New Roman (Body CS)"/>
+                                          </a:rPr>
+                                          <m:t>𝑀𝑆</m:t>
+                                        </m:r>
+                                      </m:sub>
+                                    </m:sSub>
+                                  </m:den>
+                                </m:f>
+                              </m:oMath>
+                            </m:oMathPara>
+                          </a14:m>
+                          <a:endParaRPr lang="en-GB" sz="2400" dirty="0">
+                            <a:effectLst/>
+                            <a:latin typeface="Garamond" panose="02020404030301010803" pitchFamily="18" charset="0"/>
+                            <a:ea typeface="Calibri" panose="020F0502020204030204" pitchFamily="34" charset="0"/>
+                            <a:cs typeface="Times New Roman (Body CS)"/>
+                          </a:endParaRPr>
+                        </a:p>
+                      </p:txBody>
+                    </p:sp>
+                  </mc:Choice>
+                  <mc:Fallback>
+                    <p:sp>
+                      <p:nvSpPr>
+                        <p:cNvPr id="8" name="Text Box 335">
+                          <a:extLst>
+                            <a:ext uri="{FF2B5EF4-FFF2-40B4-BE49-F238E27FC236}">
+                              <a16:creationId xmlns:a16="http://schemas.microsoft.com/office/drawing/2014/main" id="{41E57965-C7E4-D54F-9797-0C70188D71E3}"/>
+                            </a:ext>
+                          </a:extLst>
+                        </p:cNvPr>
+                        <p:cNvSpPr txBox="1">
+                          <a:spLocks noRot="1" noChangeAspect="1" noMove="1" noResize="1" noEditPoints="1" noAdjustHandles="1" noChangeArrowheads="1" noChangeShapeType="1" noTextEdit="1"/>
+                        </p:cNvSpPr>
+                        <p:nvPr/>
+                      </p:nvSpPr>
+                      <p:spPr>
+                        <a:xfrm>
+                          <a:off x="3814513" y="642857"/>
+                          <a:ext cx="557397" cy="473759"/>
+                        </a:xfrm>
+                        <a:prstGeom prst="rect">
+                          <a:avLst/>
+                        </a:prstGeom>
+                        <a:blipFill>
+                          <a:blip r:embed="rId6"/>
+                          <a:stretch>
+                            <a:fillRect/>
+                          </a:stretch>
+                        </a:blipFill>
+                        <a:ln w="9525">
+                          <a:noFill/>
+                        </a:ln>
+                      </p:spPr>
+                      <p:txBody>
+                        <a:bodyPr/>
+                        <a:lstStyle/>
+                        <a:p>
+                          <a:r>
+                            <a:rPr lang="en-US">
+                              <a:noFill/>
+                            </a:rPr>
+                            <a:t> </a:t>
+                          </a:r>
+                        </a:p>
+                      </p:txBody>
+                    </p:sp>
+                  </mc:Fallback>
+                </mc:AlternateContent>
+              </p:grpSp>
+              <mc:AlternateContent xmlns:mc="http://schemas.openxmlformats.org/markup-compatibility/2006">
+                <mc:Choice xmlns:a14="http://schemas.microsoft.com/office/drawing/2010/main" Requires="a14">
+                  <p:sp>
+                    <p:nvSpPr>
+                      <p:cNvPr id="6" name="Text Box 338">
+                        <a:extLst>
+                          <a:ext uri="{FF2B5EF4-FFF2-40B4-BE49-F238E27FC236}">
+                            <a16:creationId xmlns:a16="http://schemas.microsoft.com/office/drawing/2014/main" id="{383769F2-079A-7D44-ACA2-857D00B0490D}"/>
+                          </a:ext>
+                        </a:extLst>
+                      </p:cNvPr>
+                      <p:cNvSpPr txBox="1"/>
+                      <p:nvPr/>
+                    </p:nvSpPr>
+                    <p:spPr>
+                      <a:xfrm>
+                        <a:off x="5118623" y="642857"/>
+                        <a:ext cx="557397" cy="473759"/>
+                      </a:xfrm>
+                      <a:prstGeom prst="rect">
+                        <a:avLst/>
+                      </a:prstGeom>
+                      <a:noFill/>
+                      <a:ln w="9525">
+                        <a:noFill/>
+                      </a:ln>
+                    </p:spPr>
+                    <p:txBody>
+                      <a:bodyPr rot="0" spcFirstLastPara="0" vert="horz" wrap="square" lIns="91440" tIns="45720" rIns="91440" bIns="45720" numCol="1" spcCol="0" rtlCol="0" fromWordArt="0" anchor="t" anchorCtr="0" forceAA="0" compatLnSpc="1">
+                        <a:prstTxWarp prst="textNoShape">
+                          <a:avLst/>
+                        </a:prstTxWarp>
+                        <a:noAutofit/>
+                      </a:bodyPr>
+                      <a:lstStyle/>
+                      <a:p>
+                        <a:pPr>
+                          <a:spcAft>
+                            <a:spcPts val="0"/>
+                          </a:spcAft>
+                        </a:pPr>
+                        <a14:m>
+                          <m:oMathPara xmlns:m="http://schemas.openxmlformats.org/officeDocument/2006/math">
+                            <m:oMathParaPr>
+                              <m:jc m:val="centerGroup"/>
+                            </m:oMathParaPr>
+                            <m:oMath xmlns:m="http://schemas.openxmlformats.org/officeDocument/2006/math">
+                              <m:f>
+                                <m:fPr>
+                                  <m:ctrlPr>
+                                    <a:rPr lang="en-GB" sz="1600" i="1">
+                                      <a:effectLst/>
+                                      <a:latin typeface="Cambria Math" panose="02040503050406030204" pitchFamily="18" charset="0"/>
+                                      <a:ea typeface="Calibri" panose="020F0502020204030204" pitchFamily="34" charset="0"/>
+                                      <a:cs typeface="Times New Roman (Body CS)"/>
+                                    </a:rPr>
+                                  </m:ctrlPr>
+                                </m:fPr>
+                                <m:num>
+                                  <m:sSup>
+                                    <m:sSupPr>
+                                      <m:ctrlPr>
+                                        <a:rPr lang="en-GB" sz="1600" i="1">
+                                          <a:effectLst/>
+                                          <a:latin typeface="Cambria Math" panose="02040503050406030204" pitchFamily="18" charset="0"/>
+                                          <a:ea typeface="Calibri" panose="020F0502020204030204" pitchFamily="34" charset="0"/>
+                                          <a:cs typeface="Times New Roman (Body CS)"/>
+                                        </a:rPr>
+                                      </m:ctrlPr>
+                                    </m:sSupPr>
+                                    <m:e>
+                                      <m:d>
+                                        <m:dPr>
+                                          <m:ctrlPr>
+                                            <a:rPr lang="en-GB" sz="1600" i="1">
+                                              <a:effectLst/>
+                                              <a:latin typeface="Cambria Math" panose="02040503050406030204" pitchFamily="18" charset="0"/>
+                                              <a:ea typeface="Calibri" panose="020F0502020204030204" pitchFamily="34" charset="0"/>
+                                              <a:cs typeface="Times New Roman (Body CS)"/>
+                                            </a:rPr>
+                                          </m:ctrlPr>
+                                        </m:dPr>
+                                        <m:e>
+                                          <m:r>
+                                            <a:rPr lang="en-GB" sz="1600" i="1">
+                                              <a:effectLst/>
+                                              <a:latin typeface="Cambria Math" panose="02040503050406030204" pitchFamily="18" charset="0"/>
+                                              <a:ea typeface="Calibri" panose="020F0502020204030204" pitchFamily="34" charset="0"/>
+                                              <a:cs typeface="Times New Roman (Body CS)"/>
+                                            </a:rPr>
+                                            <m:t>𝐵𝑙</m:t>
+                                          </m:r>
+                                        </m:e>
+                                      </m:d>
+                                    </m:e>
+                                    <m:sup>
+                                      <m:r>
+                                        <a:rPr lang="en-GB" sz="1600" i="1">
+                                          <a:effectLst/>
+                                          <a:latin typeface="Cambria Math" panose="02040503050406030204" pitchFamily="18" charset="0"/>
+                                          <a:ea typeface="Calibri" panose="020F0502020204030204" pitchFamily="34" charset="0"/>
+                                          <a:cs typeface="Times New Roman (Body CS)"/>
+                                        </a:rPr>
+                                        <m:t>2</m:t>
+                                      </m:r>
+                                    </m:sup>
+                                  </m:sSup>
+                                </m:num>
+                                <m:den>
+                                  <m:sSub>
+                                    <m:sSubPr>
+                                      <m:ctrlPr>
+                                        <a:rPr lang="en-GB" sz="1600" i="1">
+                                          <a:effectLst/>
+                                          <a:latin typeface="Cambria Math" panose="02040503050406030204" pitchFamily="18" charset="0"/>
+                                          <a:ea typeface="Calibri" panose="020F0502020204030204" pitchFamily="34" charset="0"/>
+                                          <a:cs typeface="Times New Roman (Body CS)"/>
+                                        </a:rPr>
+                                      </m:ctrlPr>
+                                    </m:sSubPr>
+                                    <m:e>
+                                      <m:r>
+                                        <a:rPr lang="en-GB" sz="1600" i="1">
+                                          <a:effectLst/>
+                                          <a:latin typeface="Cambria Math" panose="02040503050406030204" pitchFamily="18" charset="0"/>
+                                          <a:ea typeface="Calibri" panose="020F0502020204030204" pitchFamily="34" charset="0"/>
+                                          <a:cs typeface="Times New Roman (Body CS)"/>
+                                        </a:rPr>
+                                        <m:t>𝑅</m:t>
+                                      </m:r>
+                                    </m:e>
+                                    <m:sub>
+                                      <m:r>
+                                        <a:rPr lang="en-GB" sz="1600" i="1">
+                                          <a:effectLst/>
+                                          <a:latin typeface="Cambria Math" panose="02040503050406030204" pitchFamily="18" charset="0"/>
+                                          <a:ea typeface="Calibri" panose="020F0502020204030204" pitchFamily="34" charset="0"/>
+                                          <a:cs typeface="Times New Roman (Body CS)"/>
+                                        </a:rPr>
+                                        <m:t>𝐵</m:t>
+                                      </m:r>
+                                    </m:sub>
+                                  </m:sSub>
+                                </m:den>
+                              </m:f>
+                            </m:oMath>
+                          </m:oMathPara>
+                        </a14:m>
+                        <a:endParaRPr lang="en-GB" sz="1600" dirty="0">
+                          <a:effectLst/>
+                          <a:latin typeface="Garamond" panose="02020404030301010803" pitchFamily="18" charset="0"/>
+                          <a:ea typeface="Calibri" panose="020F0502020204030204" pitchFamily="34" charset="0"/>
+                          <a:cs typeface="Times New Roman (Body CS)"/>
+                        </a:endParaRPr>
+                      </a:p>
+                    </p:txBody>
+                  </p:sp>
+                </mc:Choice>
+                <mc:Fallback>
+                  <p:sp>
+                    <p:nvSpPr>
+                      <p:cNvPr id="6" name="Text Box 338">
+                        <a:extLst>
+                          <a:ext uri="{FF2B5EF4-FFF2-40B4-BE49-F238E27FC236}">
+                            <a16:creationId xmlns:a16="http://schemas.microsoft.com/office/drawing/2014/main" id="{383769F2-079A-7D44-ACA2-857D00B0490D}"/>
+                          </a:ext>
+                        </a:extLst>
+                      </p:cNvPr>
+                      <p:cNvSpPr txBox="1">
+                        <a:spLocks noRot="1" noChangeAspect="1" noMove="1" noResize="1" noEditPoints="1" noAdjustHandles="1" noChangeArrowheads="1" noChangeShapeType="1" noTextEdit="1"/>
+                      </p:cNvSpPr>
+                      <p:nvPr/>
+                    </p:nvSpPr>
+                    <p:spPr>
+                      <a:xfrm>
+                        <a:off x="5118623" y="642857"/>
+                        <a:ext cx="557397" cy="473759"/>
+                      </a:xfrm>
+                      <a:prstGeom prst="rect">
+                        <a:avLst/>
+                      </a:prstGeom>
+                      <a:blipFill>
+                        <a:blip r:embed="rId7"/>
+                        <a:stretch>
+                          <a:fillRect/>
+                        </a:stretch>
+                      </a:blipFill>
+                      <a:ln w="9525">
+                        <a:noFill/>
+                      </a:ln>
+                    </p:spPr>
+                    <p:txBody>
+                      <a:bodyPr/>
+                      <a:lstStyle/>
+                      <a:p>
+                        <a:r>
+                          <a:rPr lang="en-US">
+                            <a:noFill/>
+                          </a:rPr>
+                          <a:t> </a:t>
+                        </a:r>
+                      </a:p>
+                    </p:txBody>
+                  </p:sp>
+                </mc:Fallback>
+              </mc:AlternateContent>
+            </p:grpSp>
+            <mc:AlternateContent xmlns:mc="http://schemas.openxmlformats.org/markup-compatibility/2006">
+              <mc:Choice xmlns:a14="http://schemas.microsoft.com/office/drawing/2010/main" Requires="a14">
+                <p:sp>
+                  <p:nvSpPr>
+                    <p:cNvPr id="75" name="Text Box 246">
+                      <a:extLst>
+                        <a:ext uri="{FF2B5EF4-FFF2-40B4-BE49-F238E27FC236}">
+                          <a16:creationId xmlns:a16="http://schemas.microsoft.com/office/drawing/2014/main" id="{80A865EA-8FE1-0A48-9B21-F0CE3A12AC9F}"/>
+                        </a:ext>
+                      </a:extLst>
+                    </p:cNvPr>
+                    <p:cNvSpPr txBox="1"/>
+                    <p:nvPr/>
+                  </p:nvSpPr>
+                  <p:spPr>
+                    <a:xfrm>
+                      <a:off x="2492464" y="2134437"/>
+                      <a:ext cx="806271" cy="404556"/>
+                    </a:xfrm>
+                    <a:prstGeom prst="rect">
+                      <a:avLst/>
+                    </a:prstGeom>
+                    <a:noFill/>
+                    <a:ln w="9525">
+                      <a:noFill/>
+                    </a:ln>
+                  </p:spPr>
+                  <p:txBody>
+                    <a:bodyPr rot="0" spcFirstLastPara="0" vert="horz" wrap="square" lIns="91440" tIns="45720" rIns="91440" bIns="45720" numCol="1" spcCol="0" rtlCol="0" fromWordArt="0" anchor="t" anchorCtr="0" forceAA="0" compatLnSpc="1">
+                      <a:prstTxWarp prst="textNoShape">
+                        <a:avLst/>
+                      </a:prstTxWarp>
+                      <a:noAutofit/>
+                    </a:bodyPr>
+                    <a:lstStyle/>
+                    <a:p>
+                      <a:pPr>
+                        <a:spcAft>
+                          <a:spcPts val="0"/>
+                        </a:spcAft>
+                      </a:pPr>
+                      <a14:m>
+                        <m:oMathPara xmlns:m="http://schemas.openxmlformats.org/officeDocument/2006/math">
+                          <m:oMathParaPr>
+                            <m:jc m:val="centerGroup"/>
+                          </m:oMathParaPr>
+                          <m:oMath xmlns:m="http://schemas.openxmlformats.org/officeDocument/2006/math">
+                            <m:sSub>
+                              <m:sSubPr>
+                                <m:ctrlPr>
+                                  <a:rPr lang="en-GB" sz="1600" i="1" smtClean="0">
+                                    <a:effectLst/>
+                                    <a:latin typeface="Cambria Math" panose="02040503050406030204" pitchFamily="18" charset="0"/>
+                                    <a:ea typeface="Calibri" panose="020F0502020204030204" pitchFamily="34" charset="0"/>
+                                    <a:cs typeface="Times New Roman (Body CS)"/>
+                                  </a:rPr>
+                                </m:ctrlPr>
+                              </m:sSubPr>
+                              <m:e>
+                                <m:r>
+                                  <a:rPr lang="en-GB" sz="1600" b="0" i="1" smtClean="0">
+                                    <a:effectLst/>
+                                    <a:latin typeface="Cambria Math" panose="02040503050406030204" pitchFamily="18" charset="0"/>
+                                    <a:ea typeface="Calibri" panose="020F0502020204030204" pitchFamily="34" charset="0"/>
+                                    <a:cs typeface="Times New Roman (Body CS)"/>
+                                  </a:rPr>
+                                  <m:t>𝑅</m:t>
+                                </m:r>
+                              </m:e>
+                              <m:sub>
+                                <m:r>
+                                  <a:rPr lang="en-GB" sz="1600" b="0" i="1" smtClean="0">
+                                    <a:effectLst/>
+                                    <a:latin typeface="Cambria Math" panose="02040503050406030204" pitchFamily="18" charset="0"/>
+                                    <a:ea typeface="Calibri" panose="020F0502020204030204" pitchFamily="34" charset="0"/>
+                                    <a:cs typeface="Times New Roman (Body CS)"/>
+                                  </a:rPr>
+                                  <m:t>𝐸</m:t>
+                                </m:r>
+                              </m:sub>
+                            </m:sSub>
+                          </m:oMath>
+                        </m:oMathPara>
+                      </a14:m>
+                      <a:endParaRPr lang="en-GB" sz="2400" dirty="0">
+                        <a:effectLst/>
+                        <a:latin typeface="Garamond" panose="02020404030301010803" pitchFamily="18" charset="0"/>
+                        <a:ea typeface="Calibri" panose="020F0502020204030204" pitchFamily="34" charset="0"/>
+                        <a:cs typeface="Times New Roman (Body CS)"/>
+                      </a:endParaRPr>
+                    </a:p>
+                  </p:txBody>
+                </p:sp>
+              </mc:Choice>
+              <mc:Fallback>
+                <p:sp>
+                  <p:nvSpPr>
+                    <p:cNvPr id="75" name="Text Box 246">
+                      <a:extLst>
+                        <a:ext uri="{FF2B5EF4-FFF2-40B4-BE49-F238E27FC236}">
+                          <a16:creationId xmlns:a16="http://schemas.microsoft.com/office/drawing/2014/main" id="{80A865EA-8FE1-0A48-9B21-F0CE3A12AC9F}"/>
+                        </a:ext>
+                      </a:extLst>
+                    </p:cNvPr>
+                    <p:cNvSpPr txBox="1">
+                      <a:spLocks noRot="1" noChangeAspect="1" noMove="1" noResize="1" noEditPoints="1" noAdjustHandles="1" noChangeArrowheads="1" noChangeShapeType="1" noTextEdit="1"/>
+                    </p:cNvSpPr>
+                    <p:nvPr/>
+                  </p:nvSpPr>
+                  <p:spPr>
+                    <a:xfrm>
+                      <a:off x="2492464" y="2134437"/>
+                      <a:ext cx="806271" cy="404556"/>
+                    </a:xfrm>
+                    <a:prstGeom prst="rect">
+                      <a:avLst/>
+                    </a:prstGeom>
+                    <a:blipFill>
+                      <a:blip r:embed="rId8"/>
+                      <a:stretch>
+                        <a:fillRect/>
+                      </a:stretch>
+                    </a:blipFill>
+                    <a:ln w="9525">
+                      <a:noFill/>
+                    </a:ln>
+                  </p:spPr>
+                  <p:txBody>
+                    <a:bodyPr/>
+                    <a:lstStyle/>
+                    <a:p>
+                      <a:r>
+                        <a:rPr lang="en-US">
+                          <a:noFill/>
+                        </a:rPr>
+                        <a:t> </a:t>
+                      </a:r>
+                    </a:p>
+                  </p:txBody>
+                </p:sp>
+              </mc:Fallback>
+            </mc:AlternateContent>
+            <mc:AlternateContent xmlns:mc="http://schemas.openxmlformats.org/markup-compatibility/2006">
+              <mc:Choice xmlns:a14="http://schemas.microsoft.com/office/drawing/2010/main" Requires="a14">
+                <p:sp>
+                  <p:nvSpPr>
+                    <p:cNvPr id="76" name="Text Box 246">
+                      <a:extLst>
+                        <a:ext uri="{FF2B5EF4-FFF2-40B4-BE49-F238E27FC236}">
+                          <a16:creationId xmlns:a16="http://schemas.microsoft.com/office/drawing/2014/main" id="{A458C40E-5C42-2D42-9352-0D6B3B775300}"/>
+                        </a:ext>
+                      </a:extLst>
+                    </p:cNvPr>
+                    <p:cNvSpPr txBox="1"/>
+                    <p:nvPr/>
+                  </p:nvSpPr>
+                  <p:spPr>
+                    <a:xfrm>
+                      <a:off x="4086654" y="2123573"/>
+                      <a:ext cx="806271" cy="404556"/>
+                    </a:xfrm>
+                    <a:prstGeom prst="rect">
+                      <a:avLst/>
+                    </a:prstGeom>
+                    <a:noFill/>
+                    <a:ln w="9525">
+                      <a:noFill/>
+                    </a:ln>
+                  </p:spPr>
+                  <p:txBody>
+                    <a:bodyPr rot="0" spcFirstLastPara="0" vert="horz" wrap="square" lIns="91440" tIns="45720" rIns="91440" bIns="45720" numCol="1" spcCol="0" rtlCol="0" fromWordArt="0" anchor="t" anchorCtr="0" forceAA="0" compatLnSpc="1">
+                      <a:prstTxWarp prst="textNoShape">
+                        <a:avLst/>
+                      </a:prstTxWarp>
+                      <a:noAutofit/>
+                    </a:bodyPr>
+                    <a:lstStyle/>
+                    <a:p>
+                      <a:pPr>
+                        <a:spcAft>
+                          <a:spcPts val="0"/>
+                        </a:spcAft>
+                      </a:pPr>
+                      <a14:m>
+                        <m:oMathPara xmlns:m="http://schemas.openxmlformats.org/officeDocument/2006/math">
+                          <m:oMathParaPr>
+                            <m:jc m:val="centerGroup"/>
+                          </m:oMathParaPr>
+                          <m:oMath xmlns:m="http://schemas.openxmlformats.org/officeDocument/2006/math">
+                            <m:sSub>
+                              <m:sSubPr>
+                                <m:ctrlPr>
+                                  <a:rPr lang="en-GB" sz="1600" i="1" smtClean="0">
+                                    <a:effectLst/>
+                                    <a:latin typeface="Cambria Math" panose="02040503050406030204" pitchFamily="18" charset="0"/>
+                                    <a:ea typeface="Calibri" panose="020F0502020204030204" pitchFamily="34" charset="0"/>
+                                    <a:cs typeface="Times New Roman (Body CS)"/>
+                                  </a:rPr>
+                                </m:ctrlPr>
+                              </m:sSubPr>
+                              <m:e>
+                                <m:r>
+                                  <a:rPr lang="en-GB" sz="1600" b="0" i="1" smtClean="0">
+                                    <a:effectLst/>
+                                    <a:latin typeface="Cambria Math" panose="02040503050406030204" pitchFamily="18" charset="0"/>
+                                    <a:ea typeface="Calibri" panose="020F0502020204030204" pitchFamily="34" charset="0"/>
+                                    <a:cs typeface="Times New Roman (Body CS)"/>
+                                  </a:rPr>
+                                  <m:t>𝐿</m:t>
+                                </m:r>
+                              </m:e>
+                              <m:sub>
+                                <m:r>
+                                  <a:rPr lang="en-GB" sz="1600" b="0" i="1" smtClean="0">
+                                    <a:effectLst/>
+                                    <a:latin typeface="Cambria Math" panose="02040503050406030204" pitchFamily="18" charset="0"/>
+                                    <a:ea typeface="Calibri" panose="020F0502020204030204" pitchFamily="34" charset="0"/>
+                                    <a:cs typeface="Times New Roman (Body CS)"/>
+                                  </a:rPr>
+                                  <m:t>𝐸</m:t>
+                                </m:r>
+                              </m:sub>
+                            </m:sSub>
+                          </m:oMath>
+                        </m:oMathPara>
+                      </a14:m>
+                      <a:endParaRPr lang="en-GB" sz="2400" dirty="0">
+                        <a:effectLst/>
+                        <a:latin typeface="Garamond" panose="02020404030301010803" pitchFamily="18" charset="0"/>
+                        <a:ea typeface="Calibri" panose="020F0502020204030204" pitchFamily="34" charset="0"/>
+                        <a:cs typeface="Times New Roman (Body CS)"/>
+                      </a:endParaRPr>
+                    </a:p>
+                  </p:txBody>
+                </p:sp>
+              </mc:Choice>
+              <mc:Fallback>
+                <p:sp>
+                  <p:nvSpPr>
+                    <p:cNvPr id="76" name="Text Box 246">
+                      <a:extLst>
+                        <a:ext uri="{FF2B5EF4-FFF2-40B4-BE49-F238E27FC236}">
+                          <a16:creationId xmlns:a16="http://schemas.microsoft.com/office/drawing/2014/main" id="{A458C40E-5C42-2D42-9352-0D6B3B775300}"/>
+                        </a:ext>
+                      </a:extLst>
+                    </p:cNvPr>
+                    <p:cNvSpPr txBox="1">
+                      <a:spLocks noRot="1" noChangeAspect="1" noMove="1" noResize="1" noEditPoints="1" noAdjustHandles="1" noChangeArrowheads="1" noChangeShapeType="1" noTextEdit="1"/>
+                    </p:cNvSpPr>
+                    <p:nvPr/>
+                  </p:nvSpPr>
+                  <p:spPr>
+                    <a:xfrm>
+                      <a:off x="4086654" y="2123573"/>
+                      <a:ext cx="806271" cy="404556"/>
+                    </a:xfrm>
+                    <a:prstGeom prst="rect">
+                      <a:avLst/>
+                    </a:prstGeom>
+                    <a:blipFill>
+                      <a:blip r:embed="rId9"/>
+                      <a:stretch>
+                        <a:fillRect/>
+                      </a:stretch>
+                    </a:blipFill>
+                    <a:ln w="9525">
+                      <a:noFill/>
+                    </a:ln>
+                  </p:spPr>
+                  <p:txBody>
+                    <a:bodyPr/>
+                    <a:lstStyle/>
+                    <a:p>
+                      <a:r>
+                        <a:rPr lang="en-US">
+                          <a:noFill/>
+                        </a:rPr>
+                        <a:t> </a:t>
+                      </a:r>
+                    </a:p>
+                  </p:txBody>
+                </p:sp>
+              </mc:Fallback>
+            </mc:AlternateContent>
+          </p:grpSp>
+          <mc:AlternateContent xmlns:mc="http://schemas.openxmlformats.org/markup-compatibility/2006">
+            <mc:Choice xmlns:a14="http://schemas.microsoft.com/office/drawing/2010/main" Requires="a14">
+              <p:sp>
+                <p:nvSpPr>
+                  <p:cNvPr id="77" name="Text Box 246">
+                    <a:extLst>
+                      <a:ext uri="{FF2B5EF4-FFF2-40B4-BE49-F238E27FC236}">
+                        <a16:creationId xmlns:a16="http://schemas.microsoft.com/office/drawing/2014/main" id="{DBAC03C0-2A24-0340-B840-5EFDC332E7E3}"/>
+                      </a:ext>
+                    </a:extLst>
+                  </p:cNvPr>
+                  <p:cNvSpPr txBox="1"/>
+                  <p:nvPr/>
+                </p:nvSpPr>
+                <p:spPr>
+                  <a:xfrm>
+                    <a:off x="5483416" y="3206149"/>
+                    <a:ext cx="806271" cy="404556"/>
+                  </a:xfrm>
+                  <a:prstGeom prst="rect">
+                    <a:avLst/>
+                  </a:prstGeom>
+                  <a:noFill/>
+                  <a:ln w="9525">
+                    <a:noFill/>
+                  </a:ln>
+                </p:spPr>
+                <p:txBody>
+                  <a:bodyPr rot="0" spcFirstLastPara="0" vert="horz" wrap="square" lIns="91440" tIns="45720" rIns="91440" bIns="45720" numCol="1" spcCol="0" rtlCol="0" fromWordArt="0" anchor="t" anchorCtr="0" forceAA="0" compatLnSpc="1">
+                    <a:prstTxWarp prst="textNoShape">
+                      <a:avLst/>
+                    </a:prstTxWarp>
+                    <a:noAutofit/>
+                  </a:bodyPr>
+                  <a:lstStyle/>
+                  <a:p>
+                    <a:pPr>
+                      <a:spcAft>
+                        <a:spcPts val="0"/>
+                      </a:spcAft>
+                    </a:pPr>
+                    <a14:m>
+                      <m:oMathPara xmlns:m="http://schemas.openxmlformats.org/officeDocument/2006/math">
+                        <m:oMathParaPr>
+                          <m:jc m:val="centerGroup"/>
+                        </m:oMathParaPr>
+                        <m:oMath xmlns:m="http://schemas.openxmlformats.org/officeDocument/2006/math">
+                          <m:sSub>
+                            <m:sSubPr>
+                              <m:ctrlPr>
+                                <a:rPr lang="en-GB" sz="1600" i="1" smtClean="0">
+                                  <a:effectLst/>
+                                  <a:latin typeface="Cambria Math" panose="02040503050406030204" pitchFamily="18" charset="0"/>
+                                  <a:ea typeface="Calibri" panose="020F0502020204030204" pitchFamily="34" charset="0"/>
+                                  <a:cs typeface="Times New Roman (Body CS)"/>
+                                </a:rPr>
+                              </m:ctrlPr>
+                            </m:sSubPr>
+                            <m:e>
+                              <m:r>
+                                <a:rPr lang="en-GB" sz="1600" b="0" i="1" smtClean="0">
+                                  <a:effectLst/>
+                                  <a:latin typeface="Cambria Math" panose="02040503050406030204" pitchFamily="18" charset="0"/>
+                                  <a:ea typeface="Calibri" panose="020F0502020204030204" pitchFamily="34" charset="0"/>
+                                  <a:cs typeface="Times New Roman (Body CS)"/>
+                                </a:rPr>
+                                <m:t>𝑀</m:t>
+                              </m:r>
+                            </m:e>
+                            <m:sub>
+                              <m:r>
+                                <a:rPr lang="en-GB" sz="1600" b="0" i="1" smtClean="0">
+                                  <a:effectLst/>
+                                  <a:latin typeface="Cambria Math" panose="02040503050406030204" pitchFamily="18" charset="0"/>
+                                  <a:ea typeface="Calibri" panose="020F0502020204030204" pitchFamily="34" charset="0"/>
+                                  <a:cs typeface="Times New Roman (Body CS)"/>
+                                </a:rPr>
+                                <m:t>𝑀𝑆</m:t>
+                              </m:r>
+                            </m:sub>
+                          </m:sSub>
+                          <m:d>
+                            <m:dPr>
+                              <m:ctrlPr>
+                                <a:rPr lang="en-GB" sz="1600" i="1" smtClean="0">
+                                  <a:effectLst/>
+                                  <a:latin typeface="Cambria Math" panose="02040503050406030204" pitchFamily="18" charset="0"/>
+                                </a:rPr>
+                              </m:ctrlPr>
+                            </m:dPr>
+                            <m:e>
+                              <m:r>
+                                <a:rPr lang="en-GB" sz="1600" b="0" i="1" smtClean="0">
+                                  <a:effectLst/>
+                                  <a:latin typeface="Cambria Math" panose="02040503050406030204" pitchFamily="18" charset="0"/>
+                                </a:rPr>
+                                <m:t>𝐵</m:t>
+                              </m:r>
+                              <m:sSup>
+                                <m:sSupPr>
+                                  <m:ctrlPr>
+                                    <a:rPr lang="en-GB" sz="1600" b="0" i="1" smtClean="0">
+                                      <a:effectLst/>
+                                      <a:latin typeface="Cambria Math" panose="02040503050406030204" pitchFamily="18" charset="0"/>
+                                    </a:rPr>
+                                  </m:ctrlPr>
+                                </m:sSupPr>
+                                <m:e>
+                                  <m:r>
+                                    <a:rPr lang="en-GB" sz="1600" b="0" i="1" smtClean="0">
+                                      <a:effectLst/>
+                                      <a:latin typeface="Cambria Math" panose="02040503050406030204" pitchFamily="18" charset="0"/>
+                                    </a:rPr>
+                                    <m:t>𝑙</m:t>
+                                  </m:r>
+                                </m:e>
+                                <m:sup>
+                                  <m:r>
+                                    <a:rPr lang="en-GB" sz="1600" b="0" i="1" smtClean="0">
+                                      <a:effectLst/>
+                                      <a:latin typeface="Cambria Math" panose="02040503050406030204" pitchFamily="18" charset="0"/>
+                                    </a:rPr>
+                                    <m:t>2</m:t>
+                                  </m:r>
+                                </m:sup>
+                              </m:sSup>
+                            </m:e>
+                          </m:d>
+                        </m:oMath>
+                      </m:oMathPara>
+                    </a14:m>
+                    <a:endParaRPr lang="en-GB" sz="2400" dirty="0">
+                      <a:effectLst/>
+                      <a:latin typeface="Garamond" panose="02020404030301010803" pitchFamily="18" charset="0"/>
+                      <a:ea typeface="Calibri" panose="020F0502020204030204" pitchFamily="34" charset="0"/>
+                      <a:cs typeface="Times New Roman (Body CS)"/>
+                    </a:endParaRPr>
+                  </a:p>
+                </p:txBody>
+              </p:sp>
+            </mc:Choice>
+            <mc:Fallback>
+              <p:sp>
+                <p:nvSpPr>
+                  <p:cNvPr id="77" name="Text Box 246">
+                    <a:extLst>
+                      <a:ext uri="{FF2B5EF4-FFF2-40B4-BE49-F238E27FC236}">
+                        <a16:creationId xmlns:a16="http://schemas.microsoft.com/office/drawing/2014/main" id="{DBAC03C0-2A24-0340-B840-5EFDC332E7E3}"/>
+                      </a:ext>
+                    </a:extLst>
+                  </p:cNvPr>
+                  <p:cNvSpPr txBox="1">
+                    <a:spLocks noRot="1" noChangeAspect="1" noMove="1" noResize="1" noEditPoints="1" noAdjustHandles="1" noChangeArrowheads="1" noChangeShapeType="1" noTextEdit="1"/>
+                  </p:cNvSpPr>
+                  <p:nvPr/>
+                </p:nvSpPr>
+                <p:spPr>
+                  <a:xfrm>
+                    <a:off x="5483416" y="3206149"/>
+                    <a:ext cx="806271" cy="404556"/>
+                  </a:xfrm>
+                  <a:prstGeom prst="rect">
+                    <a:avLst/>
+                  </a:prstGeom>
+                  <a:blipFill>
+                    <a:blip r:embed="rId10"/>
+                    <a:stretch>
+                      <a:fillRect r="-13846"/>
+                    </a:stretch>
+                  </a:blipFill>
+                  <a:ln w="9525">
+                    <a:noFill/>
+                  </a:ln>
+                </p:spPr>
+                <p:txBody>
+                  <a:bodyPr/>
+                  <a:lstStyle/>
+                  <a:p>
+                    <a:r>
+                      <a:rPr lang="en-US">
+                        <a:noFill/>
+                      </a:rPr>
+                      <a:t> </a:t>
+                    </a:r>
+                  </a:p>
+                </p:txBody>
+              </p:sp>
+            </mc:Fallback>
+          </mc:AlternateContent>
+        </p:grpSp>
+        <p:sp>
+          <p:nvSpPr>
+            <p:cNvPr id="81" name="Rectangle 80">
+              <a:extLst>
+                <a:ext uri="{FF2B5EF4-FFF2-40B4-BE49-F238E27FC236}">
+                  <a16:creationId xmlns:a16="http://schemas.microsoft.com/office/drawing/2014/main" id="{7EFB3DB1-4CCE-D24E-BD75-0F2CDA12C4C0}"/>
+                </a:ext>
+              </a:extLst>
+            </p:cNvPr>
+            <p:cNvSpPr/>
+            <p:nvPr/>
+          </p:nvSpPr>
+          <p:spPr>
+            <a:xfrm>
+              <a:off x="791245" y="2230603"/>
+              <a:ext cx="2900907" cy="833442"/>
+            </a:xfrm>
+            <a:prstGeom prst="rect">
+              <a:avLst/>
+            </a:prstGeom>
+            <a:noFill/>
+            <a:ln w="38100">
+              <a:solidFill>
+                <a:srgbClr val="FF0000"/>
+              </a:solidFill>
+            </a:ln>
+          </p:spPr>
+          <p:style>
+            <a:lnRef idx="2">
+              <a:schemeClr val="accent1">
+                <a:shade val="50000"/>
+              </a:schemeClr>
+            </a:lnRef>
+            <a:fillRef idx="1">
+              <a:schemeClr val="accent1"/>
+            </a:fillRef>
+            <a:effectRef idx="0">
+              <a:schemeClr val="accent1"/>
+            </a:effectRef>
+            <a:fontRef idx="minor">
+              <a:schemeClr val="lt1"/>
+            </a:fontRef>
+          </p:style>
+          <p:txBody>
+            <a:bodyPr rtlCol="0" anchor="ctr"/>
+            <a:lstStyle/>
+            <a:p>
+              <a:pPr algn="ctr"/>
+              <a:endParaRPr lang="en-US"/>
+            </a:p>
+          </p:txBody>
+        </p:sp>
+        <p:sp>
+          <p:nvSpPr>
+            <p:cNvPr id="82" name="Rectangle 81">
+              <a:extLst>
+                <a:ext uri="{FF2B5EF4-FFF2-40B4-BE49-F238E27FC236}">
+                  <a16:creationId xmlns:a16="http://schemas.microsoft.com/office/drawing/2014/main" id="{89B63FC4-B71C-C048-BAB3-EA32D876E62C}"/>
+                </a:ext>
+              </a:extLst>
+            </p:cNvPr>
+            <p:cNvSpPr/>
+            <p:nvPr/>
+          </p:nvSpPr>
+          <p:spPr>
+            <a:xfrm>
+              <a:off x="3410905" y="2922073"/>
+              <a:ext cx="3550028" cy="1271445"/>
+            </a:xfrm>
+            <a:prstGeom prst="rect">
+              <a:avLst/>
+            </a:prstGeom>
+            <a:noFill/>
+            <a:ln w="38100">
+              <a:solidFill>
+                <a:srgbClr val="0070C0"/>
+              </a:solidFill>
+            </a:ln>
+          </p:spPr>
+          <p:style>
+            <a:lnRef idx="2">
+              <a:schemeClr val="accent1">
+                <a:shade val="50000"/>
+              </a:schemeClr>
+            </a:lnRef>
+            <a:fillRef idx="1">
+              <a:schemeClr val="accent1"/>
+            </a:fillRef>
+            <a:effectRef idx="0">
+              <a:schemeClr val="accent1"/>
+            </a:effectRef>
+            <a:fontRef idx="minor">
+              <a:schemeClr val="lt1"/>
+            </a:fontRef>
+          </p:style>
+          <p:txBody>
+            <a:bodyPr rtlCol="0" anchor="ctr"/>
+            <a:lstStyle/>
+            <a:p>
+              <a:pPr algn="ctr"/>
+              <a:endParaRPr lang="en-US"/>
+            </a:p>
+          </p:txBody>
+        </p:sp>
+        <p:sp>
+          <p:nvSpPr>
+            <p:cNvPr id="83" name="Rectangle 82">
+              <a:extLst>
+                <a:ext uri="{FF2B5EF4-FFF2-40B4-BE49-F238E27FC236}">
+                  <a16:creationId xmlns:a16="http://schemas.microsoft.com/office/drawing/2014/main" id="{0E888141-C35A-1446-9352-CC015F6B0566}"/>
+                </a:ext>
+              </a:extLst>
+            </p:cNvPr>
+            <p:cNvSpPr/>
+            <p:nvPr/>
+          </p:nvSpPr>
+          <p:spPr>
+            <a:xfrm>
+              <a:off x="7077156" y="2922073"/>
+              <a:ext cx="2082760" cy="1271445"/>
+            </a:xfrm>
+            <a:prstGeom prst="rect">
+              <a:avLst/>
+            </a:prstGeom>
+            <a:noFill/>
+            <a:ln w="38100">
+              <a:solidFill>
+                <a:srgbClr val="00B050"/>
+              </a:solidFill>
+            </a:ln>
+          </p:spPr>
+          <p:style>
+            <a:lnRef idx="2">
+              <a:schemeClr val="accent1">
+                <a:shade val="50000"/>
+              </a:schemeClr>
+            </a:lnRef>
+            <a:fillRef idx="1">
+              <a:schemeClr val="accent1"/>
+            </a:fillRef>
+            <a:effectRef idx="0">
+              <a:schemeClr val="accent1"/>
+            </a:effectRef>
+            <a:fontRef idx="minor">
+              <a:schemeClr val="lt1"/>
+            </a:fontRef>
+          </p:style>
+          <p:txBody>
+            <a:bodyPr rtlCol="0" anchor="ctr"/>
+            <a:lstStyle/>
+            <a:p>
+              <a:pPr algn="ctr"/>
+              <a:endParaRPr lang="en-US"/>
+            </a:p>
+          </p:txBody>
+        </p:sp>
+      </p:grpSp>
+      <p:sp>
+        <p:nvSpPr>
+          <p:cNvPr id="85" name="Content Placeholder 2">
+            <a:extLst>
+              <a:ext uri="{FF2B5EF4-FFF2-40B4-BE49-F238E27FC236}">
+                <a16:creationId xmlns:a16="http://schemas.microsoft.com/office/drawing/2014/main" id="{DA7F2478-E298-3B4C-9323-E9D1ADC293EE}"/>
+              </a:ext>
+            </a:extLst>
+          </p:cNvPr>
+          <p:cNvSpPr txBox="1">
+            <a:spLocks/>
+          </p:cNvSpPr>
+          <p:nvPr/>
+        </p:nvSpPr>
+        <p:spPr>
+          <a:xfrm>
+            <a:off x="-3759" y="4853810"/>
+            <a:ext cx="6123205" cy="2004643"/>
+          </a:xfrm>
+          <a:prstGeom prst="rect">
+            <a:avLst/>
+          </a:prstGeom>
+        </p:spPr>
+        <p:txBody>
+          <a:bodyPr vert="horz" lIns="91440" tIns="45720" rIns="91440" bIns="45720" rtlCol="0">
+            <a:normAutofit/>
+          </a:bodyPr>
+          <a:lstStyle>
+            <a:lvl1pPr marL="228600" indent="-228600" algn="l" defTabSz="914400" rtl="0" eaLnBrk="1" latinLnBrk="0" hangingPunct="1">
+              <a:lnSpc>
+                <a:spcPct val="90000"/>
+              </a:lnSpc>
+              <a:spcBef>
+                <a:spcPts val="1000"/>
+              </a:spcBef>
+              <a:buFont typeface="Arial" panose="020B0604020202020204" pitchFamily="34" charset="0"/>
+              <a:buChar char="•"/>
+              <a:defRPr sz="2200" kern="1200">
+                <a:solidFill>
+                  <a:schemeClr val="tx1"/>
+                </a:solidFill>
+                <a:latin typeface="+mn-lt"/>
+                <a:ea typeface="+mn-ea"/>
+                <a:cs typeface="+mn-cs"/>
+              </a:defRPr>
+            </a:lvl1pPr>
+            <a:lvl2pPr marL="685800" indent="-228600" algn="l" defTabSz="914400" rtl="0" eaLnBrk="1" latinLnBrk="0" hangingPunct="1">
+              <a:lnSpc>
+                <a:spcPct val="90000"/>
+              </a:lnSpc>
+              <a:spcBef>
+                <a:spcPts val="500"/>
+              </a:spcBef>
+              <a:buFont typeface="Arial" panose="020B0604020202020204" pitchFamily="34" charset="0"/>
+              <a:buChar char="•"/>
+              <a:defRPr sz="2000" kern="1200">
+                <a:solidFill>
+                  <a:schemeClr val="tx1"/>
+                </a:solidFill>
+                <a:latin typeface="+mn-lt"/>
+                <a:ea typeface="+mn-ea"/>
+                <a:cs typeface="+mn-cs"/>
+              </a:defRPr>
+            </a:lvl2pPr>
+            <a:lvl3pPr marL="1143000" indent="-228600" algn="l" defTabSz="914400" rtl="0" eaLnBrk="1" latinLnBrk="0" hangingPunct="1">
+              <a:lnSpc>
+                <a:spcPct val="90000"/>
+              </a:lnSpc>
+              <a:spcBef>
+                <a:spcPts val="500"/>
+              </a:spcBef>
+              <a:buFont typeface="Arial" panose="020B0604020202020204" pitchFamily="34" charset="0"/>
+              <a:buChar char="•"/>
+              <a:defRPr sz="1800" kern="1200">
+                <a:solidFill>
+                  <a:schemeClr val="tx1"/>
+                </a:solidFill>
+                <a:latin typeface="+mn-lt"/>
+                <a:ea typeface="+mn-ea"/>
+                <a:cs typeface="+mn-cs"/>
+              </a:defRPr>
+            </a:lvl3pPr>
+            <a:lvl4pPr marL="1600200" indent="-228600" algn="l" defTabSz="914400" rtl="0" eaLnBrk="1" latinLnBrk="0" hangingPunct="1">
+              <a:lnSpc>
+                <a:spcPct val="90000"/>
+              </a:lnSpc>
+              <a:spcBef>
+                <a:spcPts val="500"/>
+              </a:spcBef>
+              <a:buFont typeface="Arial" panose="020B0604020202020204" pitchFamily="34" charset="0"/>
+              <a:buChar char="•"/>
+              <a:defRPr sz="1600" kern="1200">
+                <a:solidFill>
+                  <a:schemeClr val="tx1"/>
+                </a:solidFill>
+                <a:latin typeface="+mn-lt"/>
+                <a:ea typeface="+mn-ea"/>
+                <a:cs typeface="+mn-cs"/>
+              </a:defRPr>
+            </a:lvl4pPr>
+            <a:lvl5pPr marL="2057400" indent="-228600" algn="l" defTabSz="914400" rtl="0" eaLnBrk="1" latinLnBrk="0" hangingPunct="1">
+              <a:lnSpc>
+                <a:spcPct val="90000"/>
+              </a:lnSpc>
+              <a:spcBef>
+                <a:spcPts val="500"/>
+              </a:spcBef>
+              <a:buFont typeface="Arial" panose="020B0604020202020204" pitchFamily="34" charset="0"/>
+              <a:buChar char="•"/>
+              <a:defRPr sz="1600" kern="1200">
+                <a:solidFill>
+                  <a:schemeClr val="tx1"/>
+                </a:solidFill>
+                <a:latin typeface="+mn-lt"/>
+                <a:ea typeface="+mn-ea"/>
+                <a:cs typeface="+mn-cs"/>
+              </a:defRPr>
+            </a:lvl5pPr>
+            <a:lvl6pPr marL="2514600" indent="-228600" algn="l" defTabSz="914400" rtl="0" eaLnBrk="1" latinLnBrk="0" hangingPunct="1">
+              <a:lnSpc>
+                <a:spcPct val="90000"/>
+              </a:lnSpc>
+              <a:spcBef>
+                <a:spcPts val="500"/>
+              </a:spcBef>
+              <a:buFont typeface="Arial" panose="020B0604020202020204" pitchFamily="34" charset="0"/>
+              <a:buChar char="•"/>
+              <a:defRPr sz="1600" kern="1200">
+                <a:solidFill>
+                  <a:schemeClr val="tx1"/>
+                </a:solidFill>
+                <a:latin typeface="+mn-lt"/>
+                <a:ea typeface="+mn-ea"/>
+                <a:cs typeface="+mn-cs"/>
+              </a:defRPr>
+            </a:lvl6pPr>
+            <a:lvl7pPr marL="2971800" indent="-228600" algn="l" defTabSz="914400" rtl="0" eaLnBrk="1" latinLnBrk="0" hangingPunct="1">
+              <a:lnSpc>
+                <a:spcPct val="90000"/>
+              </a:lnSpc>
+              <a:spcBef>
+                <a:spcPts val="500"/>
+              </a:spcBef>
+              <a:buFont typeface="Arial" panose="020B0604020202020204" pitchFamily="34" charset="0"/>
+              <a:buChar char="•"/>
+              <a:defRPr sz="1600" kern="1200">
+                <a:solidFill>
+                  <a:schemeClr val="tx1"/>
+                </a:solidFill>
+                <a:latin typeface="+mn-lt"/>
+                <a:ea typeface="+mn-ea"/>
+                <a:cs typeface="+mn-cs"/>
+              </a:defRPr>
+            </a:lvl7pPr>
+            <a:lvl8pPr marL="3429000" indent="-228600" algn="l" defTabSz="914400" rtl="0" eaLnBrk="1" latinLnBrk="0" hangingPunct="1">
+              <a:lnSpc>
+                <a:spcPct val="90000"/>
+              </a:lnSpc>
+              <a:spcBef>
+                <a:spcPts val="500"/>
+              </a:spcBef>
+              <a:buFont typeface="Arial" panose="020B0604020202020204" pitchFamily="34" charset="0"/>
+              <a:buChar char="•"/>
+              <a:defRPr sz="1600" kern="1200">
+                <a:solidFill>
+                  <a:schemeClr val="tx1"/>
+                </a:solidFill>
+                <a:latin typeface="+mn-lt"/>
+                <a:ea typeface="+mn-ea"/>
+                <a:cs typeface="+mn-cs"/>
+              </a:defRPr>
+            </a:lvl8pPr>
+            <a:lvl9pPr marL="3886200" indent="-228600" algn="l" defTabSz="914400" rtl="0" eaLnBrk="1" latinLnBrk="0" hangingPunct="1">
+              <a:lnSpc>
+                <a:spcPct val="90000"/>
+              </a:lnSpc>
+              <a:spcBef>
+                <a:spcPts val="500"/>
+              </a:spcBef>
+              <a:buFont typeface="Arial" panose="020B0604020202020204" pitchFamily="34" charset="0"/>
+              <a:buChar char="•"/>
+              <a:defRPr sz="1600" kern="1200">
+                <a:solidFill>
+                  <a:schemeClr val="tx1"/>
+                </a:solidFill>
+                <a:latin typeface="+mn-lt"/>
+                <a:ea typeface="+mn-ea"/>
+                <a:cs typeface="+mn-cs"/>
+              </a:defRPr>
+            </a:lvl9pPr>
+          </a:lstStyle>
+          <a:p>
+            <a:r>
+              <a:rPr lang="en-US" dirty="0">
+                <a:latin typeface="Garamond" panose="02020404030301010803" pitchFamily="18" charset="0"/>
+              </a:rPr>
+              <a:t>Red indicates voice coil circuit parameters</a:t>
             </a:r>
           </a:p>
           <a:p>
             <a:r>
-              <a:rPr lang="en-US" dirty="0"/>
-              <a:t>[</a:t>
-            </a:r>
-            <a:r>
-              <a:rPr lang="en-US" dirty="0" err="1"/>
-              <a:t>Maths</a:t>
-            </a:r>
-            <a:r>
-              <a:rPr lang="en-US" dirty="0"/>
-              <a:t>]</a:t>
+              <a:rPr lang="en-US" dirty="0">
+                <a:latin typeface="Garamond" panose="02020404030301010803" pitchFamily="18" charset="0"/>
+              </a:rPr>
+              <a:t>Blue indicates equivalent circuit parameters for the driver mechanical circuit</a:t>
             </a:r>
           </a:p>
           <a:p>
             <a:r>
-              <a:rPr lang="en-US" dirty="0"/>
-              <a:t>Basically you’re </a:t>
+              <a:rPr lang="en-US" dirty="0">
+                <a:latin typeface="Garamond" panose="02020404030301010803" pitchFamily="18" charset="0"/>
+              </a:rPr>
+              <a:t>Green indicates equivalent circuit parameters for the box mechanical circuit</a:t>
             </a:r>
+          </a:p>
+          <a:p>
+            <a:endParaRPr lang="en-US" dirty="0">
+              <a:latin typeface="Garamond" panose="02020404030301010803" pitchFamily="18" charset="0"/>
+            </a:endParaRPr>
+          </a:p>
+          <a:p>
+            <a:endParaRPr lang="en-US" dirty="0">
+              <a:latin typeface="Garamond" panose="02020404030301010803" pitchFamily="18" charset="0"/>
+            </a:endParaRPr>
+          </a:p>
+        </p:txBody>
+      </p:sp>
+      <p:sp>
+        <p:nvSpPr>
+          <p:cNvPr id="86" name="Content Placeholder 2">
+            <a:extLst>
+              <a:ext uri="{FF2B5EF4-FFF2-40B4-BE49-F238E27FC236}">
+                <a16:creationId xmlns:a16="http://schemas.microsoft.com/office/drawing/2014/main" id="{E8D9130D-22E5-4940-ACDE-9085201B021A}"/>
+              </a:ext>
+            </a:extLst>
+          </p:cNvPr>
+          <p:cNvSpPr txBox="1">
+            <a:spLocks/>
+          </p:cNvSpPr>
+          <p:nvPr/>
+        </p:nvSpPr>
+        <p:spPr>
+          <a:xfrm>
+            <a:off x="6063520" y="4857639"/>
+            <a:ext cx="6123205" cy="2004643"/>
+          </a:xfrm>
+          <a:prstGeom prst="rect">
+            <a:avLst/>
+          </a:prstGeom>
+        </p:spPr>
+        <p:txBody>
+          <a:bodyPr vert="horz" lIns="91440" tIns="45720" rIns="91440" bIns="45720" rtlCol="0">
+            <a:normAutofit/>
+          </a:bodyPr>
+          <a:lstStyle>
+            <a:lvl1pPr marL="228600" indent="-228600" algn="l" defTabSz="914400" rtl="0" eaLnBrk="1" latinLnBrk="0" hangingPunct="1">
+              <a:lnSpc>
+                <a:spcPct val="90000"/>
+              </a:lnSpc>
+              <a:spcBef>
+                <a:spcPts val="1000"/>
+              </a:spcBef>
+              <a:buFont typeface="Arial" panose="020B0604020202020204" pitchFamily="34" charset="0"/>
+              <a:buChar char="•"/>
+              <a:defRPr sz="2200" kern="1200">
+                <a:solidFill>
+                  <a:schemeClr val="tx1"/>
+                </a:solidFill>
+                <a:latin typeface="+mn-lt"/>
+                <a:ea typeface="+mn-ea"/>
+                <a:cs typeface="+mn-cs"/>
+              </a:defRPr>
+            </a:lvl1pPr>
+            <a:lvl2pPr marL="685800" indent="-228600" algn="l" defTabSz="914400" rtl="0" eaLnBrk="1" latinLnBrk="0" hangingPunct="1">
+              <a:lnSpc>
+                <a:spcPct val="90000"/>
+              </a:lnSpc>
+              <a:spcBef>
+                <a:spcPts val="500"/>
+              </a:spcBef>
+              <a:buFont typeface="Arial" panose="020B0604020202020204" pitchFamily="34" charset="0"/>
+              <a:buChar char="•"/>
+              <a:defRPr sz="2000" kern="1200">
+                <a:solidFill>
+                  <a:schemeClr val="tx1"/>
+                </a:solidFill>
+                <a:latin typeface="+mn-lt"/>
+                <a:ea typeface="+mn-ea"/>
+                <a:cs typeface="+mn-cs"/>
+              </a:defRPr>
+            </a:lvl2pPr>
+            <a:lvl3pPr marL="1143000" indent="-228600" algn="l" defTabSz="914400" rtl="0" eaLnBrk="1" latinLnBrk="0" hangingPunct="1">
+              <a:lnSpc>
+                <a:spcPct val="90000"/>
+              </a:lnSpc>
+              <a:spcBef>
+                <a:spcPts val="500"/>
+              </a:spcBef>
+              <a:buFont typeface="Arial" panose="020B0604020202020204" pitchFamily="34" charset="0"/>
+              <a:buChar char="•"/>
+              <a:defRPr sz="1800" kern="1200">
+                <a:solidFill>
+                  <a:schemeClr val="tx1"/>
+                </a:solidFill>
+                <a:latin typeface="+mn-lt"/>
+                <a:ea typeface="+mn-ea"/>
+                <a:cs typeface="+mn-cs"/>
+              </a:defRPr>
+            </a:lvl3pPr>
+            <a:lvl4pPr marL="1600200" indent="-228600" algn="l" defTabSz="914400" rtl="0" eaLnBrk="1" latinLnBrk="0" hangingPunct="1">
+              <a:lnSpc>
+                <a:spcPct val="90000"/>
+              </a:lnSpc>
+              <a:spcBef>
+                <a:spcPts val="500"/>
+              </a:spcBef>
+              <a:buFont typeface="Arial" panose="020B0604020202020204" pitchFamily="34" charset="0"/>
+              <a:buChar char="•"/>
+              <a:defRPr sz="1600" kern="1200">
+                <a:solidFill>
+                  <a:schemeClr val="tx1"/>
+                </a:solidFill>
+                <a:latin typeface="+mn-lt"/>
+                <a:ea typeface="+mn-ea"/>
+                <a:cs typeface="+mn-cs"/>
+              </a:defRPr>
+            </a:lvl4pPr>
+            <a:lvl5pPr marL="2057400" indent="-228600" algn="l" defTabSz="914400" rtl="0" eaLnBrk="1" latinLnBrk="0" hangingPunct="1">
+              <a:lnSpc>
+                <a:spcPct val="90000"/>
+              </a:lnSpc>
+              <a:spcBef>
+                <a:spcPts val="500"/>
+              </a:spcBef>
+              <a:buFont typeface="Arial" panose="020B0604020202020204" pitchFamily="34" charset="0"/>
+              <a:buChar char="•"/>
+              <a:defRPr sz="1600" kern="1200">
+                <a:solidFill>
+                  <a:schemeClr val="tx1"/>
+                </a:solidFill>
+                <a:latin typeface="+mn-lt"/>
+                <a:ea typeface="+mn-ea"/>
+                <a:cs typeface="+mn-cs"/>
+              </a:defRPr>
+            </a:lvl5pPr>
+            <a:lvl6pPr marL="2514600" indent="-228600" algn="l" defTabSz="914400" rtl="0" eaLnBrk="1" latinLnBrk="0" hangingPunct="1">
+              <a:lnSpc>
+                <a:spcPct val="90000"/>
+              </a:lnSpc>
+              <a:spcBef>
+                <a:spcPts val="500"/>
+              </a:spcBef>
+              <a:buFont typeface="Arial" panose="020B0604020202020204" pitchFamily="34" charset="0"/>
+              <a:buChar char="•"/>
+              <a:defRPr sz="1600" kern="1200">
+                <a:solidFill>
+                  <a:schemeClr val="tx1"/>
+                </a:solidFill>
+                <a:latin typeface="+mn-lt"/>
+                <a:ea typeface="+mn-ea"/>
+                <a:cs typeface="+mn-cs"/>
+              </a:defRPr>
+            </a:lvl6pPr>
+            <a:lvl7pPr marL="2971800" indent="-228600" algn="l" defTabSz="914400" rtl="0" eaLnBrk="1" latinLnBrk="0" hangingPunct="1">
+              <a:lnSpc>
+                <a:spcPct val="90000"/>
+              </a:lnSpc>
+              <a:spcBef>
+                <a:spcPts val="500"/>
+              </a:spcBef>
+              <a:buFont typeface="Arial" panose="020B0604020202020204" pitchFamily="34" charset="0"/>
+              <a:buChar char="•"/>
+              <a:defRPr sz="1600" kern="1200">
+                <a:solidFill>
+                  <a:schemeClr val="tx1"/>
+                </a:solidFill>
+                <a:latin typeface="+mn-lt"/>
+                <a:ea typeface="+mn-ea"/>
+                <a:cs typeface="+mn-cs"/>
+              </a:defRPr>
+            </a:lvl7pPr>
+            <a:lvl8pPr marL="3429000" indent="-228600" algn="l" defTabSz="914400" rtl="0" eaLnBrk="1" latinLnBrk="0" hangingPunct="1">
+              <a:lnSpc>
+                <a:spcPct val="90000"/>
+              </a:lnSpc>
+              <a:spcBef>
+                <a:spcPts val="500"/>
+              </a:spcBef>
+              <a:buFont typeface="Arial" panose="020B0604020202020204" pitchFamily="34" charset="0"/>
+              <a:buChar char="•"/>
+              <a:defRPr sz="1600" kern="1200">
+                <a:solidFill>
+                  <a:schemeClr val="tx1"/>
+                </a:solidFill>
+                <a:latin typeface="+mn-lt"/>
+                <a:ea typeface="+mn-ea"/>
+                <a:cs typeface="+mn-cs"/>
+              </a:defRPr>
+            </a:lvl8pPr>
+            <a:lvl9pPr marL="3886200" indent="-228600" algn="l" defTabSz="914400" rtl="0" eaLnBrk="1" latinLnBrk="0" hangingPunct="1">
+              <a:lnSpc>
+                <a:spcPct val="90000"/>
+              </a:lnSpc>
+              <a:spcBef>
+                <a:spcPts val="500"/>
+              </a:spcBef>
+              <a:buFont typeface="Arial" panose="020B0604020202020204" pitchFamily="34" charset="0"/>
+              <a:buChar char="•"/>
+              <a:defRPr sz="1600" kern="1200">
+                <a:solidFill>
+                  <a:schemeClr val="tx1"/>
+                </a:solidFill>
+                <a:latin typeface="+mn-lt"/>
+                <a:ea typeface="+mn-ea"/>
+                <a:cs typeface="+mn-cs"/>
+              </a:defRPr>
+            </a:lvl9pPr>
+          </a:lstStyle>
+          <a:p>
             <a:r>
-              <a:rPr lang="en-GB" dirty="0"/>
-              <a:t>optimising</a:t>
-            </a:r>
-            <a:r>
-              <a:rPr lang="en-US" dirty="0"/>
-              <a:t> to try and make sure that there’s enough air behind the subwoofer to ensure that the air doesn’t firm up the action of the subwoofer too much, but also not too much air so that there’s still a bit of spring which keeps the action nice and tight</a:t>
+              <a:rPr lang="en-US" dirty="0">
+                <a:latin typeface="Garamond" panose="02020404030301010803" pitchFamily="18" charset="0"/>
+              </a:rPr>
+              <a:t>Electrical and mechanical circuits can be thought of as primary and secondary of a transformer with turns ratio equivalent to Bl factor of driver magnet</a:t>
             </a:r>
           </a:p>
           <a:p>
             <a:r>
-              <a:rPr lang="en-US" dirty="0"/>
-              <a:t>It transpires that you’re designing a box based on a new peak resonant mechanical frequency – makes designing a box for any driver pretty straightforward</a:t>
+              <a:rPr lang="en-US" dirty="0">
+                <a:latin typeface="Garamond" panose="02020404030301010803" pitchFamily="18" charset="0"/>
+              </a:rPr>
+              <a:t>Useful for SPICE/MATLAB but not easy information for end-users to digest</a:t>
             </a:r>
           </a:p>
           <a:p>
-            <a:endParaRPr lang="en-US" dirty="0"/>
+            <a:endParaRPr lang="en-US" dirty="0">
+              <a:latin typeface="Garamond" panose="02020404030301010803" pitchFamily="18" charset="0"/>
+            </a:endParaRPr>
+          </a:p>
+          <a:p>
+            <a:endParaRPr lang="en-US" dirty="0">
+              <a:latin typeface="Garamond" panose="02020404030301010803" pitchFamily="18" charset="0"/>
+            </a:endParaRPr>
+          </a:p>
+          <a:p>
+            <a:endParaRPr lang="en-US" dirty="0">
+              <a:latin typeface="Garamond" panose="02020404030301010803" pitchFamily="18" charset="0"/>
+            </a:endParaRPr>
           </a:p>
         </p:txBody>
       </p:sp>
@@ -18927,6 +23485,227 @@
           <p:cNvPr id="2" name="Title 1">
             <a:extLst>
               <a:ext uri="{FF2B5EF4-FFF2-40B4-BE49-F238E27FC236}">
+                <a16:creationId xmlns:a16="http://schemas.microsoft.com/office/drawing/2014/main" id="{E8C9ACE8-E288-FE46-B2D9-66658D1C715D}"/>
+              </a:ext>
+            </a:extLst>
+          </p:cNvPr>
+          <p:cNvSpPr>
+            <a:spLocks noGrp="1"/>
+          </p:cNvSpPr>
+          <p:nvPr>
+            <p:ph type="title"/>
+          </p:nvPr>
+        </p:nvSpPr>
+        <p:spPr/>
+        <p:txBody>
+          <a:bodyPr/>
+          <a:lstStyle/>
+          <a:p>
+            <a:r>
+              <a:rPr lang="en-US" dirty="0">
+                <a:latin typeface="Garamond" panose="02020404030301010803" pitchFamily="18" charset="0"/>
+              </a:rPr>
+              <a:t>Enclosure Design</a:t>
+            </a:r>
+          </a:p>
+        </p:txBody>
+      </p:sp>
+      <p:sp>
+        <p:nvSpPr>
+          <p:cNvPr id="3" name="Content Placeholder 2">
+            <a:extLst>
+              <a:ext uri="{FF2B5EF4-FFF2-40B4-BE49-F238E27FC236}">
+                <a16:creationId xmlns:a16="http://schemas.microsoft.com/office/drawing/2014/main" id="{D55B1E5C-E32E-214E-A7B6-E4A1438CA9A1}"/>
+              </a:ext>
+            </a:extLst>
+          </p:cNvPr>
+          <p:cNvSpPr>
+            <a:spLocks noGrp="1"/>
+          </p:cNvSpPr>
+          <p:nvPr>
+            <p:ph idx="1"/>
+          </p:nvPr>
+        </p:nvSpPr>
+        <p:spPr/>
+        <p:txBody>
+          <a:bodyPr/>
+          <a:lstStyle/>
+          <a:p>
+            <a:r>
+              <a:rPr lang="en-US" dirty="0">
+                <a:latin typeface="Garamond" panose="02020404030301010803" pitchFamily="18" charset="0"/>
+              </a:rPr>
+              <a:t>Thiele/Small parameters quoted by manufacturers to convey electromechanical circuit parameters concisely</a:t>
+            </a:r>
+          </a:p>
+          <a:p>
+            <a:endParaRPr lang="en-US" dirty="0">
+              <a:latin typeface="Garamond" panose="02020404030301010803" pitchFamily="18" charset="0"/>
+            </a:endParaRPr>
+          </a:p>
+          <a:p>
+            <a:r>
+              <a:rPr lang="en-US" dirty="0">
+                <a:latin typeface="Garamond" panose="02020404030301010803" pitchFamily="18" charset="0"/>
+              </a:rPr>
+              <a:t>We are trying to prove that the open- and closed-loop electronic compensators can make systems sound better than they are, passing on a monetary benefit. Therefore, a cheap system should be made and improved, and then tested against a more expensive model to prove that consumers gain the monetary advantage discussed previously.</a:t>
+            </a:r>
+          </a:p>
+        </p:txBody>
+      </p:sp>
+    </p:spTree>
+    <p:extLst>
+      <p:ext uri="{BB962C8B-B14F-4D97-AF65-F5344CB8AC3E}">
+        <p14:creationId xmlns:p14="http://schemas.microsoft.com/office/powerpoint/2010/main" val="2126462989"/>
+      </p:ext>
+    </p:extLst>
+  </p:cSld>
+  <p:clrMapOvr>
+    <a:masterClrMapping/>
+  </p:clrMapOvr>
+</p:sld>
+</file>
+
+<file path=ppt/slides/slide15.xml><?xml version="1.0" encoding="utf-8"?>
+<p:sld xmlns:a="http://schemas.openxmlformats.org/drawingml/2006/main" xmlns:r="http://schemas.openxmlformats.org/officeDocument/2006/relationships" xmlns:p="http://schemas.openxmlformats.org/presentationml/2006/main">
+  <p:cSld>
+    <p:spTree>
+      <p:nvGrpSpPr>
+        <p:cNvPr id="1" name=""/>
+        <p:cNvGrpSpPr/>
+        <p:nvPr/>
+      </p:nvGrpSpPr>
+      <p:grpSpPr>
+        <a:xfrm>
+          <a:off x="0" y="0"/>
+          <a:ext cx="0" cy="0"/>
+          <a:chOff x="0" y="0"/>
+          <a:chExt cx="0" cy="0"/>
+        </a:xfrm>
+      </p:grpSpPr>
+      <p:sp>
+        <p:nvSpPr>
+          <p:cNvPr id="2" name="Title 1">
+            <a:extLst>
+              <a:ext uri="{FF2B5EF4-FFF2-40B4-BE49-F238E27FC236}">
+                <a16:creationId xmlns:a16="http://schemas.microsoft.com/office/drawing/2014/main" id="{80017211-A5EB-D54C-9384-2003199938E6}"/>
+              </a:ext>
+            </a:extLst>
+          </p:cNvPr>
+          <p:cNvSpPr>
+            <a:spLocks noGrp="1"/>
+          </p:cNvSpPr>
+          <p:nvPr>
+            <p:ph type="title"/>
+          </p:nvPr>
+        </p:nvSpPr>
+        <p:spPr/>
+        <p:txBody>
+          <a:bodyPr/>
+          <a:lstStyle/>
+          <a:p>
+            <a:r>
+              <a:rPr lang="en-US" dirty="0">
+                <a:latin typeface="Garamond" panose="02020404030301010803" pitchFamily="18" charset="0"/>
+              </a:rPr>
+              <a:t>Enclosure design</a:t>
+            </a:r>
+          </a:p>
+        </p:txBody>
+      </p:sp>
+      <p:sp>
+        <p:nvSpPr>
+          <p:cNvPr id="3" name="Content Placeholder 2">
+            <a:extLst>
+              <a:ext uri="{FF2B5EF4-FFF2-40B4-BE49-F238E27FC236}">
+                <a16:creationId xmlns:a16="http://schemas.microsoft.com/office/drawing/2014/main" id="{6CB082B5-81C1-AB46-A144-30DCE1B2DB0A}"/>
+              </a:ext>
+            </a:extLst>
+          </p:cNvPr>
+          <p:cNvSpPr>
+            <a:spLocks noGrp="1"/>
+          </p:cNvSpPr>
+          <p:nvPr>
+            <p:ph idx="1"/>
+          </p:nvPr>
+        </p:nvSpPr>
+        <p:spPr>
+          <a:xfrm>
+            <a:off x="0" y="1707134"/>
+            <a:ext cx="12192000" cy="5045357"/>
+          </a:xfrm>
+        </p:spPr>
+        <p:txBody>
+          <a:bodyPr>
+            <a:normAutofit/>
+          </a:bodyPr>
+          <a:lstStyle/>
+          <a:p>
+            <a:r>
+              <a:rPr lang="en-US" dirty="0">
+                <a:latin typeface="Garamond" panose="02020404030301010803" pitchFamily="18" charset="0"/>
+              </a:rPr>
+              <a:t>Thiele/Small parameters quoted by manufacturers to encapsulate equivalent mechanical circuit parameters of drivers</a:t>
+            </a:r>
+          </a:p>
+          <a:p>
+            <a:r>
+              <a:rPr lang="en-US" dirty="0">
+                <a:latin typeface="Garamond" panose="02020404030301010803" pitchFamily="18" charset="0"/>
+              </a:rPr>
+              <a:t>Standard set of equations</a:t>
+            </a:r>
+          </a:p>
+          <a:p>
+            <a:r>
+              <a:rPr lang="en-US" dirty="0">
+                <a:latin typeface="Garamond" panose="02020404030301010803" pitchFamily="18" charset="0"/>
+              </a:rPr>
+              <a:t>U</a:t>
+            </a:r>
+          </a:p>
+          <a:p>
+            <a:endParaRPr lang="en-US" dirty="0">
+              <a:latin typeface="Garamond" panose="02020404030301010803" pitchFamily="18" charset="0"/>
+            </a:endParaRPr>
+          </a:p>
+        </p:txBody>
+      </p:sp>
+    </p:spTree>
+    <p:extLst>
+      <p:ext uri="{BB962C8B-B14F-4D97-AF65-F5344CB8AC3E}">
+        <p14:creationId xmlns:p14="http://schemas.microsoft.com/office/powerpoint/2010/main" val="2959730566"/>
+      </p:ext>
+    </p:extLst>
+  </p:cSld>
+  <p:clrMapOvr>
+    <a:masterClrMapping/>
+  </p:clrMapOvr>
+</p:sld>
+</file>
+
+<file path=ppt/slides/slide16.xml><?xml version="1.0" encoding="utf-8"?>
+<p:sld xmlns:a="http://schemas.openxmlformats.org/drawingml/2006/main" xmlns:r="http://schemas.openxmlformats.org/officeDocument/2006/relationships" xmlns:p="http://schemas.openxmlformats.org/presentationml/2006/main">
+  <p:cSld>
+    <p:spTree>
+      <p:nvGrpSpPr>
+        <p:cNvPr id="1" name=""/>
+        <p:cNvGrpSpPr/>
+        <p:nvPr/>
+      </p:nvGrpSpPr>
+      <p:grpSpPr>
+        <a:xfrm>
+          <a:off x="0" y="0"/>
+          <a:ext cx="0" cy="0"/>
+          <a:chOff x="0" y="0"/>
+          <a:chExt cx="0" cy="0"/>
+        </a:xfrm>
+      </p:grpSpPr>
+      <p:sp>
+        <p:nvSpPr>
+          <p:cNvPr id="2" name="Title 1">
+            <a:extLst>
+              <a:ext uri="{FF2B5EF4-FFF2-40B4-BE49-F238E27FC236}">
                 <a16:creationId xmlns:a16="http://schemas.microsoft.com/office/drawing/2014/main" id="{80A052AB-A233-8E48-B434-13470559098B}"/>
               </a:ext>
             </a:extLst>
@@ -18944,7 +23723,9 @@
           <a:lstStyle/>
           <a:p>
             <a:r>
-              <a:rPr lang="en-US" dirty="0"/>
+              <a:rPr lang="en-US" dirty="0">
+                <a:latin typeface="Garamond" panose="02020404030301010803" pitchFamily="18" charset="0"/>
+              </a:rPr>
               <a:t>Open-loop circuit design –  Linkwitz Transform</a:t>
             </a:r>
           </a:p>
@@ -18977,27 +23758,35 @@
           <a:lstStyle/>
           <a:p>
             <a:r>
-              <a:rPr lang="en-US" dirty="0"/>
+              <a:rPr lang="en-US" dirty="0">
+                <a:latin typeface="Garamond" panose="02020404030301010803" pitchFamily="18" charset="0"/>
+              </a:rPr>
               <a:t>For a loudspeaker in an enclosure:</a:t>
             </a:r>
           </a:p>
           <a:p>
             <a:pPr lvl="1"/>
             <a:r>
-              <a:rPr lang="en-US" dirty="0"/>
+              <a:rPr lang="en-US" dirty="0">
+                <a:latin typeface="Garamond" panose="02020404030301010803" pitchFamily="18" charset="0"/>
+              </a:rPr>
               <a:t>Brings up magnitude response</a:t>
             </a:r>
           </a:p>
           <a:p>
             <a:pPr lvl="1"/>
             <a:r>
-              <a:rPr lang="en-US" dirty="0"/>
+              <a:rPr lang="en-US" dirty="0">
+                <a:latin typeface="Garamond" panose="02020404030301010803" pitchFamily="18" charset="0"/>
+              </a:rPr>
               <a:t>Reduces group delay</a:t>
             </a:r>
           </a:p>
           <a:p>
             <a:r>
-              <a:rPr lang="en-US" dirty="0"/>
+              <a:rPr lang="en-US" dirty="0">
+                <a:latin typeface="Garamond" panose="02020404030301010803" pitchFamily="18" charset="0"/>
+              </a:rPr>
               <a:t>Easy to design, made trivial using resources on the late designer’s website</a:t>
             </a:r>
           </a:p>
@@ -19124,8 +23913,8 @@
                   </a:ln>
                 </p:spPr>
               </p:pic>
-              <mc:AlternateContent xmlns:mc="http://schemas.openxmlformats.org/markup-compatibility/2006">
-                <mc:Choice xmlns:a14="http://schemas.microsoft.com/office/drawing/2010/main" Requires="a14">
+              <mc:AlternateContent xmlns:mc="http://schemas.openxmlformats.org/markup-compatibility/2006" xmlns:a14="http://schemas.microsoft.com/office/drawing/2010/main">
+                <mc:Choice Requires="a14">
                   <p:sp>
                     <p:nvSpPr>
                       <p:cNvPr id="20" name="Text Box 163">
@@ -19218,7 +24007,7 @@
                     </p:txBody>
                   </p:sp>
                 </mc:Choice>
-                <mc:Fallback>
+                <mc:Fallback xmlns="">
                   <p:sp>
                     <p:nvSpPr>
                       <p:cNvPr id="20" name="Text Box 163">
@@ -19266,8 +24055,8 @@
                   </p:sp>
                 </mc:Fallback>
               </mc:AlternateContent>
-              <mc:AlternateContent xmlns:mc="http://schemas.openxmlformats.org/markup-compatibility/2006">
-                <mc:Choice xmlns:a14="http://schemas.microsoft.com/office/drawing/2010/main" Requires="a14">
+              <mc:AlternateContent xmlns:mc="http://schemas.openxmlformats.org/markup-compatibility/2006" xmlns:a14="http://schemas.microsoft.com/office/drawing/2010/main">
+                <mc:Choice Requires="a14">
                   <p:sp>
                     <p:nvSpPr>
                       <p:cNvPr id="21" name="Text Box 164">
@@ -19360,7 +24149,7 @@
                     </p:txBody>
                   </p:sp>
                 </mc:Choice>
-                <mc:Fallback>
+                <mc:Fallback xmlns="">
                   <p:sp>
                     <p:nvSpPr>
                       <p:cNvPr id="21" name="Text Box 164">
@@ -19408,8 +24197,8 @@
                   </p:sp>
                 </mc:Fallback>
               </mc:AlternateContent>
-              <mc:AlternateContent xmlns:mc="http://schemas.openxmlformats.org/markup-compatibility/2006">
-                <mc:Choice xmlns:a14="http://schemas.microsoft.com/office/drawing/2010/main" Requires="a14">
+              <mc:AlternateContent xmlns:mc="http://schemas.openxmlformats.org/markup-compatibility/2006" xmlns:a14="http://schemas.microsoft.com/office/drawing/2010/main">
+                <mc:Choice Requires="a14">
                   <p:sp>
                     <p:nvSpPr>
                       <p:cNvPr id="22" name="Text Box 165">
@@ -19511,7 +24300,7 @@
                     </p:txBody>
                   </p:sp>
                 </mc:Choice>
-                <mc:Fallback>
+                <mc:Fallback xmlns="">
                   <p:sp>
                     <p:nvSpPr>
                       <p:cNvPr id="22" name="Text Box 165">
@@ -19559,8 +24348,8 @@
                   </p:sp>
                 </mc:Fallback>
               </mc:AlternateContent>
-              <mc:AlternateContent xmlns:mc="http://schemas.openxmlformats.org/markup-compatibility/2006">
-                <mc:Choice xmlns:a14="http://schemas.microsoft.com/office/drawing/2010/main" Requires="a14">
+              <mc:AlternateContent xmlns:mc="http://schemas.openxmlformats.org/markup-compatibility/2006" xmlns:a14="http://schemas.microsoft.com/office/drawing/2010/main">
+                <mc:Choice Requires="a14">
                   <p:sp>
                     <p:nvSpPr>
                       <p:cNvPr id="23" name="Text Box 166">
@@ -19662,7 +24451,7 @@
                     </p:txBody>
                   </p:sp>
                 </mc:Choice>
-                <mc:Fallback>
+                <mc:Fallback xmlns="">
                   <p:sp>
                     <p:nvSpPr>
                       <p:cNvPr id="23" name="Text Box 166">
@@ -19710,8 +24499,8 @@
                   </p:sp>
                 </mc:Fallback>
               </mc:AlternateContent>
-              <mc:AlternateContent xmlns:mc="http://schemas.openxmlformats.org/markup-compatibility/2006">
-                <mc:Choice xmlns:a14="http://schemas.microsoft.com/office/drawing/2010/main" Requires="a14">
+              <mc:AlternateContent xmlns:mc="http://schemas.openxmlformats.org/markup-compatibility/2006" xmlns:a14="http://schemas.microsoft.com/office/drawing/2010/main">
+                <mc:Choice Requires="a14">
                   <p:sp>
                     <p:nvSpPr>
                       <p:cNvPr id="24" name="Text Box 167">
@@ -19804,7 +24593,7 @@
                     </p:txBody>
                   </p:sp>
                 </mc:Choice>
-                <mc:Fallback>
+                <mc:Fallback xmlns="">
                   <p:sp>
                     <p:nvSpPr>
                       <p:cNvPr id="24" name="Text Box 167">
@@ -19853,8 +24642,8 @@
                 </mc:Fallback>
               </mc:AlternateContent>
             </p:grpSp>
-            <mc:AlternateContent xmlns:mc="http://schemas.openxmlformats.org/markup-compatibility/2006">
-              <mc:Choice xmlns:a14="http://schemas.microsoft.com/office/drawing/2010/main" Requires="a14">
+            <mc:AlternateContent xmlns:mc="http://schemas.openxmlformats.org/markup-compatibility/2006" xmlns:a14="http://schemas.microsoft.com/office/drawing/2010/main">
+              <mc:Choice Requires="a14">
                 <p:sp>
                   <p:nvSpPr>
                     <p:cNvPr id="18" name="Text Box 169">
@@ -19947,7 +24736,7 @@
                   </p:txBody>
                 </p:sp>
               </mc:Choice>
-              <mc:Fallback>
+              <mc:Fallback xmlns="">
                 <p:sp>
                   <p:nvSpPr>
                     <p:cNvPr id="18" name="Text Box 169">
@@ -19996,8 +24785,8 @@
               </mc:Fallback>
             </mc:AlternateContent>
           </p:grpSp>
-          <mc:AlternateContent xmlns:mc="http://schemas.openxmlformats.org/markup-compatibility/2006">
-            <mc:Choice xmlns:a14="http://schemas.microsoft.com/office/drawing/2010/main" Requires="a14">
+          <mc:AlternateContent xmlns:mc="http://schemas.openxmlformats.org/markup-compatibility/2006" xmlns:a14="http://schemas.microsoft.com/office/drawing/2010/main">
+            <mc:Choice Requires="a14">
               <p:sp>
                 <p:nvSpPr>
                   <p:cNvPr id="15" name="Text Box 183">
@@ -20090,7 +24879,7 @@
                 </p:txBody>
               </p:sp>
             </mc:Choice>
-            <mc:Fallback>
+            <mc:Fallback xmlns="">
               <p:sp>
                 <p:nvSpPr>
                   <p:cNvPr id="15" name="Text Box 183">
@@ -20138,8 +24927,8 @@
               </p:sp>
             </mc:Fallback>
           </mc:AlternateContent>
-          <mc:AlternateContent xmlns:mc="http://schemas.openxmlformats.org/markup-compatibility/2006">
-            <mc:Choice xmlns:a14="http://schemas.microsoft.com/office/drawing/2010/main" Requires="a14">
+          <mc:AlternateContent xmlns:mc="http://schemas.openxmlformats.org/markup-compatibility/2006" xmlns:a14="http://schemas.microsoft.com/office/drawing/2010/main">
+            <mc:Choice Requires="a14">
               <p:sp>
                 <p:nvSpPr>
                   <p:cNvPr id="16" name="Text Box 185">
@@ -20232,7 +25021,7 @@
                 </p:txBody>
               </p:sp>
             </mc:Choice>
-            <mc:Fallback>
+            <mc:Fallback xmlns="">
               <p:sp>
                 <p:nvSpPr>
                   <p:cNvPr id="16" name="Text Box 185">
@@ -20281,8 +25070,8 @@
             </mc:Fallback>
           </mc:AlternateContent>
         </p:grpSp>
-        <mc:AlternateContent xmlns:mc="http://schemas.openxmlformats.org/markup-compatibility/2006">
-          <mc:Choice xmlns:a14="http://schemas.microsoft.com/office/drawing/2010/main" Requires="a14">
+        <mc:AlternateContent xmlns:mc="http://schemas.openxmlformats.org/markup-compatibility/2006" xmlns:a14="http://schemas.microsoft.com/office/drawing/2010/main">
+          <mc:Choice Requires="a14">
             <p:sp>
               <p:nvSpPr>
                 <p:cNvPr id="8" name="Text Box 182">
@@ -20375,7 +25164,7 @@
               </p:txBody>
             </p:sp>
           </mc:Choice>
-          <mc:Fallback>
+          <mc:Fallback xmlns="">
             <p:sp>
               <p:nvSpPr>
                 <p:cNvPr id="8" name="Text Box 182">
@@ -20423,8 +25212,8 @@
             </p:sp>
           </mc:Fallback>
         </mc:AlternateContent>
-        <mc:AlternateContent xmlns:mc="http://schemas.openxmlformats.org/markup-compatibility/2006">
-          <mc:Choice xmlns:a14="http://schemas.microsoft.com/office/drawing/2010/main" Requires="a14">
+        <mc:AlternateContent xmlns:mc="http://schemas.openxmlformats.org/markup-compatibility/2006" xmlns:a14="http://schemas.microsoft.com/office/drawing/2010/main">
+          <mc:Choice Requires="a14">
             <p:sp>
               <p:nvSpPr>
                 <p:cNvPr id="9" name="Text Box 187">
@@ -20517,7 +25306,7 @@
               </p:txBody>
             </p:sp>
           </mc:Choice>
-          <mc:Fallback>
+          <mc:Fallback xmlns="">
             <p:sp>
               <p:nvSpPr>
                 <p:cNvPr id="9" name="Text Box 187">
@@ -20565,8 +25354,8 @@
             </p:sp>
           </mc:Fallback>
         </mc:AlternateContent>
-        <mc:AlternateContent xmlns:mc="http://schemas.openxmlformats.org/markup-compatibility/2006">
-          <mc:Choice xmlns:a14="http://schemas.microsoft.com/office/drawing/2010/main" Requires="a14">
+        <mc:AlternateContent xmlns:mc="http://schemas.openxmlformats.org/markup-compatibility/2006" xmlns:a14="http://schemas.microsoft.com/office/drawing/2010/main">
+          <mc:Choice Requires="a14">
             <p:sp>
               <p:nvSpPr>
                 <p:cNvPr id="10" name="Text Box 188">
@@ -20659,7 +25448,7 @@
               </p:txBody>
             </p:sp>
           </mc:Choice>
-          <mc:Fallback>
+          <mc:Fallback xmlns="">
             <p:sp>
               <p:nvSpPr>
                 <p:cNvPr id="10" name="Text Box 188">
@@ -20707,8 +25496,8 @@
             </p:sp>
           </mc:Fallback>
         </mc:AlternateContent>
-        <mc:AlternateContent xmlns:mc="http://schemas.openxmlformats.org/markup-compatibility/2006">
-          <mc:Choice xmlns:a14="http://schemas.microsoft.com/office/drawing/2010/main" Requires="a14">
+        <mc:AlternateContent xmlns:mc="http://schemas.openxmlformats.org/markup-compatibility/2006" xmlns:a14="http://schemas.microsoft.com/office/drawing/2010/main">
+          <mc:Choice Requires="a14">
             <p:sp>
               <p:nvSpPr>
                 <p:cNvPr id="11" name="Text Box 189">
@@ -20801,7 +25590,7 @@
               </p:txBody>
             </p:sp>
           </mc:Choice>
-          <mc:Fallback>
+          <mc:Fallback xmlns="">
             <p:sp>
               <p:nvSpPr>
                 <p:cNvPr id="11" name="Text Box 189">
@@ -20849,8 +25638,8 @@
             </p:sp>
           </mc:Fallback>
         </mc:AlternateContent>
-        <mc:AlternateContent xmlns:mc="http://schemas.openxmlformats.org/markup-compatibility/2006">
-          <mc:Choice xmlns:a14="http://schemas.microsoft.com/office/drawing/2010/main" Requires="a14">
+        <mc:AlternateContent xmlns:mc="http://schemas.openxmlformats.org/markup-compatibility/2006" xmlns:a14="http://schemas.microsoft.com/office/drawing/2010/main">
+          <mc:Choice Requires="a14">
             <p:sp>
               <p:nvSpPr>
                 <p:cNvPr id="12" name="Text Box 172">
@@ -20943,7 +25732,7 @@
               </p:txBody>
             </p:sp>
           </mc:Choice>
-          <mc:Fallback>
+          <mc:Fallback xmlns="">
             <p:sp>
               <p:nvSpPr>
                 <p:cNvPr id="12" name="Text Box 172">
@@ -20991,8 +25780,8 @@
             </p:sp>
           </mc:Fallback>
         </mc:AlternateContent>
-        <mc:AlternateContent xmlns:mc="http://schemas.openxmlformats.org/markup-compatibility/2006">
-          <mc:Choice xmlns:a14="http://schemas.microsoft.com/office/drawing/2010/main" Requires="a14">
+        <mc:AlternateContent xmlns:mc="http://schemas.openxmlformats.org/markup-compatibility/2006" xmlns:a14="http://schemas.microsoft.com/office/drawing/2010/main">
+          <mc:Choice Requires="a14">
             <p:sp>
               <p:nvSpPr>
                 <p:cNvPr id="13" name="Text Box 171">
@@ -21085,7 +25874,7 @@
               </p:txBody>
             </p:sp>
           </mc:Choice>
-          <mc:Fallback>
+          <mc:Fallback xmlns="">
             <p:sp>
               <p:nvSpPr>
                 <p:cNvPr id="13" name="Text Box 171">
@@ -21335,11 +26124,15 @@
                     </m:oMath>
                   </m:oMathPara>
                 </a14:m>
-                <a:endParaRPr lang="en-US" sz="1400" dirty="0"/>
+                <a:endParaRPr lang="en-US" sz="1400" dirty="0">
+                  <a:latin typeface="Garamond" panose="02020404030301010803" pitchFamily="18" charset="0"/>
+                </a:endParaRPr>
               </a:p>
               <a:p>
                 <a:pPr algn="ctr"/>
-                <a:endParaRPr lang="en-US" sz="1400" dirty="0"/>
+                <a:endParaRPr lang="en-US" sz="1400" dirty="0">
+                  <a:latin typeface="Garamond" panose="02020404030301010803" pitchFamily="18" charset="0"/>
+                </a:endParaRPr>
               </a:p>
               <a:p>
                 <a:pPr algn="ctr"/>
@@ -21559,11 +26352,15 @@
                     </m:oMath>
                   </m:oMathPara>
                 </a14:m>
-                <a:endParaRPr lang="en-US" sz="1400" dirty="0"/>
+                <a:endParaRPr lang="en-US" sz="1400" dirty="0">
+                  <a:latin typeface="Garamond" panose="02020404030301010803" pitchFamily="18" charset="0"/>
+                </a:endParaRPr>
               </a:p>
               <a:p>
                 <a:pPr algn="ctr"/>
-                <a:endParaRPr lang="en-US" sz="1400" dirty="0"/>
+                <a:endParaRPr lang="en-US" sz="1400" dirty="0">
+                  <a:latin typeface="Garamond" panose="02020404030301010803" pitchFamily="18" charset="0"/>
+                </a:endParaRPr>
               </a:p>
               <a:p>
                 <a:pPr algn="ctr"/>
@@ -21689,11 +26486,15 @@
                     </m:oMath>
                   </m:oMathPara>
                 </a14:m>
-                <a:endParaRPr lang="en-US" sz="1400" dirty="0"/>
+                <a:endParaRPr lang="en-US" sz="1400" dirty="0">
+                  <a:latin typeface="Garamond" panose="02020404030301010803" pitchFamily="18" charset="0"/>
+                </a:endParaRPr>
               </a:p>
               <a:p>
                 <a:pPr algn="ctr"/>
-                <a:endParaRPr lang="en-US" sz="1400" dirty="0"/>
+                <a:endParaRPr lang="en-US" sz="1400" dirty="0">
+                  <a:latin typeface="Garamond" panose="02020404030301010803" pitchFamily="18" charset="0"/>
+                </a:endParaRPr>
               </a:p>
               <a:p>
                 <a:pPr algn="ctr"/>
@@ -21874,23 +26675,33 @@
                     </m:oMath>
                   </m:oMathPara>
                 </a14:m>
-                <a:endParaRPr lang="en-US" sz="1400" dirty="0"/>
+                <a:endParaRPr lang="en-US" sz="1400" dirty="0">
+                  <a:latin typeface="Garamond" panose="02020404030301010803" pitchFamily="18" charset="0"/>
+                </a:endParaRPr>
               </a:p>
               <a:p>
                 <a:pPr algn="ctr"/>
-                <a:endParaRPr lang="en-US" sz="1400" dirty="0"/>
+                <a:endParaRPr lang="en-US" sz="1400" dirty="0">
+                  <a:latin typeface="Garamond" panose="02020404030301010803" pitchFamily="18" charset="0"/>
+                </a:endParaRPr>
               </a:p>
               <a:p>
                 <a:pPr algn="ctr"/>
-                <a:endParaRPr lang="en-US" sz="1400" dirty="0"/>
+                <a:endParaRPr lang="en-US" sz="1400" dirty="0">
+                  <a:latin typeface="Garamond" panose="02020404030301010803" pitchFamily="18" charset="0"/>
+                </a:endParaRPr>
               </a:p>
               <a:p>
                 <a:pPr algn="ctr"/>
-                <a:endParaRPr lang="en-US" sz="1400" dirty="0"/>
+                <a:endParaRPr lang="en-US" sz="1400" dirty="0">
+                  <a:latin typeface="Garamond" panose="02020404030301010803" pitchFamily="18" charset="0"/>
+                </a:endParaRPr>
               </a:p>
               <a:p>
                 <a:pPr algn="ctr"/>
-                <a:endParaRPr lang="en-US" sz="1400" dirty="0"/>
+                <a:endParaRPr lang="en-US" sz="1400" dirty="0">
+                  <a:latin typeface="Garamond" panose="02020404030301010803" pitchFamily="18" charset="0"/>
+                </a:endParaRPr>
               </a:p>
             </p:txBody>
           </p:sp>
@@ -22440,7 +27251,9 @@
             <a:lstStyle/>
             <a:p>
               <a:r>
-                <a:rPr lang="en-US" sz="1200" dirty="0"/>
+                <a:rPr lang="en-US" sz="1200" dirty="0">
+                  <a:latin typeface="Garamond" panose="02020404030301010803" pitchFamily="18" charset="0"/>
+                </a:rPr>
                 <a:t>Gain / dB</a:t>
               </a:r>
             </a:p>
@@ -22475,7 +27288,9 @@
             <a:lstStyle/>
             <a:p>
               <a:r>
-                <a:rPr lang="en-US" sz="1200" dirty="0"/>
+                <a:rPr lang="en-US" sz="1200" dirty="0">
+                  <a:latin typeface="Garamond" panose="02020404030301010803" pitchFamily="18" charset="0"/>
+                </a:rPr>
                 <a:t>Frequency / Hz</a:t>
               </a:r>
             </a:p>
@@ -22655,7 +27470,7 @@
 </p:sld>
 </file>
 
-<file path=ppt/slides/slide15.xml><?xml version="1.0" encoding="utf-8"?>
+<file path=ppt/slides/slide17.xml><?xml version="1.0" encoding="utf-8"?>
 <p:sld xmlns:a="http://schemas.openxmlformats.org/drawingml/2006/main" xmlns:r="http://schemas.openxmlformats.org/officeDocument/2006/relationships" xmlns:p="http://schemas.openxmlformats.org/presentationml/2006/main">
   <p:cSld>
     <p:spTree>
@@ -22694,7 +27509,9 @@
           <a:lstStyle/>
           <a:p>
             <a:r>
-              <a:rPr lang="en-US" dirty="0"/>
+              <a:rPr lang="en-US" dirty="0">
+                <a:latin typeface="Garamond" panose="02020404030301010803" pitchFamily="18" charset="0"/>
+              </a:rPr>
               <a:t>Results</a:t>
             </a:r>
           </a:p>
@@ -22722,13 +27539,17 @@
           <a:lstStyle/>
           <a:p>
             <a:r>
-              <a:rPr lang="en-US" dirty="0"/>
+              <a:rPr lang="en-US" dirty="0">
+                <a:latin typeface="Garamond" panose="02020404030301010803" pitchFamily="18" charset="0"/>
+              </a:rPr>
               <a:t>It works in theory</a:t>
             </a:r>
           </a:p>
           <a:p>
             <a:r>
-              <a:rPr lang="en-US" dirty="0"/>
+              <a:rPr lang="en-US" dirty="0">
+                <a:latin typeface="Garamond" panose="02020404030301010803" pitchFamily="18" charset="0"/>
+              </a:rPr>
               <a:t>Describe process to make the box</a:t>
             </a:r>
           </a:p>
@@ -22747,7 +27568,7 @@
 </p:sld>
 </file>
 
-<file path=ppt/slides/slide16.xml><?xml version="1.0" encoding="utf-8"?>
+<file path=ppt/slides/slide18.xml><?xml version="1.0" encoding="utf-8"?>
 <p:sld xmlns:a="http://schemas.openxmlformats.org/drawingml/2006/main" xmlns:r="http://schemas.openxmlformats.org/officeDocument/2006/relationships" xmlns:p="http://schemas.openxmlformats.org/presentationml/2006/main">
   <p:cSld>
     <p:spTree>
@@ -22786,7 +27607,9 @@
           <a:lstStyle/>
           <a:p>
             <a:r>
-              <a:rPr lang="en-US" dirty="0"/>
+              <a:rPr lang="en-US" dirty="0">
+                <a:latin typeface="Garamond" panose="02020404030301010803" pitchFamily="18" charset="0"/>
+              </a:rPr>
               <a:t>Plans</a:t>
             </a:r>
           </a:p>
@@ -22814,13 +27637,17 @@
           <a:lstStyle/>
           <a:p>
             <a:r>
-              <a:rPr lang="en-US" dirty="0"/>
+              <a:rPr lang="en-US" dirty="0">
+                <a:latin typeface="Garamond" panose="02020404030301010803" pitchFamily="18" charset="0"/>
+              </a:rPr>
               <a:t>Make and test open-loop compensator</a:t>
             </a:r>
           </a:p>
           <a:p>
             <a:r>
-              <a:rPr lang="en-US" dirty="0"/>
+              <a:rPr lang="en-US" dirty="0">
+                <a:latin typeface="Garamond" panose="02020404030301010803" pitchFamily="18" charset="0"/>
+              </a:rPr>
               <a:t>Design, simulate, build closed-loop compensators</a:t>
             </a:r>
           </a:p>
@@ -23498,7 +28325,7 @@
           <a:p>
             <a:r>
               <a:rPr lang="en-US" dirty="0">
-                <a:latin typeface="Calibri" panose="020F0502020204030204" pitchFamily="34" charset="0"/>
+                <a:latin typeface="Garamond" panose="02020404030301010803" pitchFamily="18" charset="0"/>
                 <a:cs typeface="Calibri" panose="020F0502020204030204" pitchFamily="34" charset="0"/>
               </a:rPr>
               <a:t>Motional Control of Loudspeakers</a:t>
@@ -23536,21 +28363,21 @@
           <a:p>
             <a:r>
               <a:rPr lang="en-US" dirty="0">
-                <a:latin typeface="Calibri" panose="020F0502020204030204" pitchFamily="34" charset="0"/>
+                <a:latin typeface="Garamond" panose="02020404030301010803" pitchFamily="18" charset="0"/>
                 <a:cs typeface="Calibri" panose="020F0502020204030204" pitchFamily="34" charset="0"/>
               </a:rPr>
               <a:t>Sujit Malde, ela17sm, Electrical and Electronic Engineering 3</a:t>
             </a:r>
             <a:r>
               <a:rPr lang="en-US" baseline="30000" dirty="0">
-                <a:latin typeface="Calibri" panose="020F0502020204030204" pitchFamily="34" charset="0"/>
+                <a:latin typeface="Garamond" panose="02020404030301010803" pitchFamily="18" charset="0"/>
                 <a:cs typeface="Calibri" panose="020F0502020204030204" pitchFamily="34" charset="0"/>
               </a:rPr>
               <a:t>rd</a:t>
             </a:r>
             <a:r>
               <a:rPr lang="en-US" dirty="0">
-                <a:latin typeface="Calibri" panose="020F0502020204030204" pitchFamily="34" charset="0"/>
+                <a:latin typeface="Garamond" panose="02020404030301010803" pitchFamily="18" charset="0"/>
                 <a:cs typeface="Calibri" panose="020F0502020204030204" pitchFamily="34" charset="0"/>
               </a:rPr>
               <a:t> Year Project</a:t>
@@ -23559,21 +28386,21 @@
           <a:p>
             <a:r>
               <a:rPr lang="en-US" dirty="0">
-                <a:latin typeface="Calibri" panose="020F0502020204030204" pitchFamily="34" charset="0"/>
+                <a:latin typeface="Garamond" panose="02020404030301010803" pitchFamily="18" charset="0"/>
                 <a:cs typeface="Calibri" panose="020F0502020204030204" pitchFamily="34" charset="0"/>
               </a:rPr>
               <a:t>2</a:t>
             </a:r>
             <a:r>
               <a:rPr lang="en-US" baseline="30000" dirty="0">
-                <a:latin typeface="Calibri" panose="020F0502020204030204" pitchFamily="34" charset="0"/>
+                <a:latin typeface="Garamond" panose="02020404030301010803" pitchFamily="18" charset="0"/>
                 <a:cs typeface="Calibri" panose="020F0502020204030204" pitchFamily="34" charset="0"/>
               </a:rPr>
               <a:t>nd</a:t>
             </a:r>
             <a:r>
               <a:rPr lang="en-US" dirty="0">
-                <a:latin typeface="Calibri" panose="020F0502020204030204" pitchFamily="34" charset="0"/>
+                <a:latin typeface="Garamond" panose="02020404030301010803" pitchFamily="18" charset="0"/>
                 <a:cs typeface="Calibri" panose="020F0502020204030204" pitchFamily="34" charset="0"/>
               </a:rPr>
               <a:t> Marker Viva</a:t>
@@ -23633,7 +28460,9 @@
           <a:lstStyle/>
           <a:p>
             <a:r>
-              <a:rPr lang="en-US" dirty="0"/>
+              <a:rPr lang="en-US" dirty="0">
+                <a:latin typeface="Garamond" panose="02020404030301010803" pitchFamily="18" charset="0"/>
+              </a:rPr>
               <a:t>The Problem with Loudspeakers</a:t>
             </a:r>
           </a:p>
@@ -23668,7 +28497,9 @@
           <a:lstStyle/>
           <a:p>
             <a:r>
-              <a:rPr lang="en-US" dirty="0"/>
+              <a:rPr lang="en-US" dirty="0">
+                <a:latin typeface="Garamond" panose="02020404030301010803" pitchFamily="18" charset="0"/>
+              </a:rPr>
               <a:t>Not normally controlled</a:t>
             </a:r>
           </a:p>
@@ -23676,11 +28507,15 @@
             <a:pPr marL="0" indent="0">
               <a:buNone/>
             </a:pPr>
-            <a:endParaRPr lang="en-US" dirty="0"/>
+            <a:endParaRPr lang="en-US" dirty="0">
+              <a:latin typeface="Garamond" panose="02020404030301010803" pitchFamily="18" charset="0"/>
+            </a:endParaRPr>
           </a:p>
           <a:p>
             <a:r>
-              <a:rPr lang="en-US" dirty="0"/>
+              <a:rPr lang="en-US" dirty="0">
+                <a:latin typeface="Garamond" panose="02020404030301010803" pitchFamily="18" charset="0"/>
+              </a:rPr>
               <a:t>Distortions and non-linearities are rife</a:t>
             </a:r>
           </a:p>
@@ -23688,18 +28523,24 @@
             <a:pPr marL="0" indent="0">
               <a:buNone/>
             </a:pPr>
-            <a:endParaRPr lang="en-US" dirty="0"/>
+            <a:endParaRPr lang="en-US" dirty="0">
+              <a:latin typeface="Garamond" panose="02020404030301010803" pitchFamily="18" charset="0"/>
+            </a:endParaRPr>
           </a:p>
           <a:p>
             <a:r>
-              <a:rPr lang="en-US" dirty="0"/>
+              <a:rPr lang="en-US" dirty="0">
+                <a:latin typeface="Garamond" panose="02020404030301010803" pitchFamily="18" charset="0"/>
+              </a:rPr>
               <a:t>Expensive</a:t>
             </a:r>
           </a:p>
           <a:p>
             <a:pPr lvl="1"/>
             <a:r>
-              <a:rPr lang="en-US" dirty="0"/>
+              <a:rPr lang="en-US" dirty="0">
+                <a:latin typeface="Garamond" panose="02020404030301010803" pitchFamily="18" charset="0"/>
+              </a:rPr>
               <a:t>Manufacturers must spend lots to make loudspeakers ‘perfect’</a:t>
             </a:r>
           </a:p>
@@ -23707,12 +28548,16 @@
             <a:pPr marL="457200" lvl="1" indent="0">
               <a:buNone/>
             </a:pPr>
-            <a:endParaRPr lang="en-US" dirty="0"/>
+            <a:endParaRPr lang="en-US" dirty="0">
+              <a:latin typeface="Garamond" panose="02020404030301010803" pitchFamily="18" charset="0"/>
+            </a:endParaRPr>
           </a:p>
           <a:p>
             <a:pPr lvl="1"/>
             <a:r>
-              <a:rPr lang="en-US" dirty="0"/>
+              <a:rPr lang="en-US" dirty="0">
+                <a:latin typeface="Garamond" panose="02020404030301010803" pitchFamily="18" charset="0"/>
+              </a:rPr>
               <a:t>Most consumers can’t buy good audio</a:t>
             </a:r>
           </a:p>
@@ -23720,7 +28565,9 @@
             <a:pPr marL="0" indent="0">
               <a:buNone/>
             </a:pPr>
-            <a:endParaRPr lang="en-US" dirty="0"/>
+            <a:endParaRPr lang="en-US" dirty="0">
+              <a:latin typeface="Garamond" panose="02020404030301010803" pitchFamily="18" charset="0"/>
+            </a:endParaRPr>
           </a:p>
         </p:txBody>
       </p:sp>
@@ -23739,9 +28586,9 @@
         <p:grpSpPr>
           <a:xfrm>
             <a:off x="6115049" y="2057401"/>
-            <a:ext cx="3326423" cy="4392116"/>
+            <a:ext cx="3326423" cy="4415200"/>
             <a:chOff x="8865577" y="2057401"/>
-            <a:chExt cx="3326423" cy="4392116"/>
+            <a:chExt cx="3326423" cy="4415200"/>
           </a:xfrm>
         </p:grpSpPr>
         <p:pic>
@@ -23804,7 +28651,7 @@
           <p:spPr>
             <a:xfrm>
               <a:off x="8968153" y="6218685"/>
-              <a:ext cx="3155184" cy="230832"/>
+              <a:ext cx="3155184" cy="253916"/>
             </a:xfrm>
             <a:prstGeom prst="rect">
               <a:avLst/>
@@ -23817,11 +28664,25 @@
             </a:bodyPr>
             <a:lstStyle/>
             <a:p>
+              <a:pPr algn="ctr"/>
               <a:r>
-                <a:rPr lang="en-US" sz="900"/>
-                <a:t>https://audiovector.com/sr-3-avantgarde-arrete.html</a:t>
+                <a:rPr lang="en-US" sz="1050" dirty="0">
+                  <a:latin typeface="Garamond" panose="02020404030301010803" pitchFamily="18" charset="0"/>
+                </a:rPr>
+                <a:t>https://</a:t>
               </a:r>
-              <a:endParaRPr lang="en-US" sz="900" dirty="0"/>
+              <a:r>
+                <a:rPr lang="en-US" sz="1050" dirty="0" err="1">
+                  <a:latin typeface="Garamond" panose="02020404030301010803" pitchFamily="18" charset="0"/>
+                </a:rPr>
+                <a:t>audiovector.com</a:t>
+              </a:r>
+              <a:r>
+                <a:rPr lang="en-US" sz="1050" dirty="0">
+                  <a:latin typeface="Garamond" panose="02020404030301010803" pitchFamily="18" charset="0"/>
+                </a:rPr>
+                <a:t>/sr-3-avantgarde-arrete.html</a:t>
+              </a:r>
             </a:p>
           </p:txBody>
         </p:sp>
@@ -23886,7 +28747,7 @@
         <p:spPr>
           <a:xfrm>
             <a:off x="9513065" y="2706882"/>
-            <a:ext cx="2368061" cy="2862322"/>
+            <a:ext cx="2368061" cy="2308324"/>
           </a:xfrm>
           <a:prstGeom prst="rect">
             <a:avLst/>
@@ -23901,7 +28762,9 @@
           <a:p>
             <a:pPr algn="ctr"/>
             <a:r>
-              <a:rPr lang="en-US" sz="3600" dirty="0"/>
+              <a:rPr lang="en-US" sz="3600" dirty="0">
+                <a:latin typeface="Garamond" panose="02020404030301010803" pitchFamily="18" charset="0"/>
+              </a:rPr>
               <a:t>£12000 excluding rest of the system!</a:t>
             </a:r>
           </a:p>
@@ -23959,7 +28822,9 @@
           <a:lstStyle/>
           <a:p>
             <a:r>
-              <a:rPr lang="en-US" dirty="0"/>
+              <a:rPr lang="en-US" dirty="0">
+                <a:latin typeface="Garamond" panose="02020404030301010803" pitchFamily="18" charset="0"/>
+              </a:rPr>
               <a:t>The Problem with Loudspeakers</a:t>
             </a:r>
           </a:p>
@@ -23994,7 +28859,9 @@
           <a:lstStyle/>
           <a:p>
             <a:r>
-              <a:rPr lang="en-US" dirty="0"/>
+              <a:rPr lang="en-US" dirty="0">
+                <a:latin typeface="Garamond" panose="02020404030301010803" pitchFamily="18" charset="0"/>
+              </a:rPr>
               <a:t>Background theory shows that:</a:t>
             </a:r>
           </a:p>
@@ -24002,12 +28869,16 @@
             <a:pPr marL="0" indent="0">
               <a:buNone/>
             </a:pPr>
-            <a:endParaRPr lang="en-US" dirty="0"/>
+            <a:endParaRPr lang="en-US" dirty="0">
+              <a:latin typeface="Garamond" panose="02020404030301010803" pitchFamily="18" charset="0"/>
+            </a:endParaRPr>
           </a:p>
           <a:p>
             <a:pPr lvl="1"/>
             <a:r>
-              <a:rPr lang="en-US" dirty="0"/>
+              <a:rPr lang="en-US" dirty="0">
+                <a:latin typeface="Garamond" panose="02020404030301010803" pitchFamily="18" charset="0"/>
+              </a:rPr>
               <a:t>Subwoofers have the most non-linearities of all the loudspeakers</a:t>
             </a:r>
           </a:p>
@@ -24015,21 +28886,29 @@
             <a:pPr marL="457200" lvl="1" indent="0">
               <a:buNone/>
             </a:pPr>
-            <a:endParaRPr lang="en-US" dirty="0"/>
+            <a:endParaRPr lang="en-US" dirty="0">
+              <a:latin typeface="Garamond" panose="02020404030301010803" pitchFamily="18" charset="0"/>
+            </a:endParaRPr>
           </a:p>
           <a:p>
             <a:pPr lvl="1"/>
             <a:r>
-              <a:rPr lang="en-US" dirty="0"/>
+              <a:rPr lang="en-US" dirty="0">
+                <a:latin typeface="Garamond" panose="02020404030301010803" pitchFamily="18" charset="0"/>
+              </a:rPr>
               <a:t>Subwoofers can have their bass response extended ’for free’</a:t>
             </a:r>
           </a:p>
           <a:p>
-            <a:endParaRPr lang="en-US" dirty="0"/>
+            <a:endParaRPr lang="en-US" dirty="0">
+              <a:latin typeface="Garamond" panose="02020404030301010803" pitchFamily="18" charset="0"/>
+            </a:endParaRPr>
           </a:p>
           <a:p>
             <a:r>
-              <a:rPr lang="en-US" dirty="0"/>
+              <a:rPr lang="en-US" dirty="0">
+                <a:latin typeface="Garamond" panose="02020404030301010803" pitchFamily="18" charset="0"/>
+              </a:rPr>
               <a:t>Manufacturers already spending lots on R&amp;D to make uncompensated systems sound good</a:t>
             </a:r>
           </a:p>
@@ -24050,9 +28929,9 @@
         <p:grpSpPr>
           <a:xfrm>
             <a:off x="5940879" y="2083645"/>
-            <a:ext cx="6084277" cy="4224690"/>
+            <a:ext cx="6084277" cy="3886135"/>
             <a:chOff x="5940879" y="2683810"/>
-            <a:chExt cx="6084277" cy="4224690"/>
+            <a:chExt cx="6084277" cy="3886135"/>
           </a:xfrm>
         </p:grpSpPr>
         <p:pic>
@@ -24099,7 +28978,7 @@
           <p:spPr>
             <a:xfrm>
               <a:off x="6353908" y="5708171"/>
-              <a:ext cx="5671248" cy="1200329"/>
+              <a:ext cx="5671248" cy="861774"/>
             </a:xfrm>
             <a:prstGeom prst="rect">
               <a:avLst/>
@@ -24113,16 +28992,22 @@
             <a:lstStyle/>
             <a:p>
               <a:pPr lvl="1"/>
-              <a:endParaRPr lang="en-US" dirty="0"/>
+              <a:endParaRPr lang="en-US" sz="1600" dirty="0">
+                <a:latin typeface="Garamond" panose="02020404030301010803" pitchFamily="18" charset="0"/>
+              </a:endParaRPr>
             </a:p>
             <a:p>
               <a:r>
-                <a:rPr lang="en-US" dirty="0"/>
+                <a:rPr lang="en-US" sz="1600" dirty="0">
+                  <a:latin typeface="Garamond" panose="02020404030301010803" pitchFamily="18" charset="0"/>
+                </a:rPr>
                 <a:t>Shown: typical poor subwoofer response, -15dB down at 20Hz</a:t>
               </a:r>
             </a:p>
             <a:p>
-              <a:endParaRPr lang="en-US" dirty="0"/>
+              <a:endParaRPr lang="en-US" sz="1600" dirty="0">
+                <a:latin typeface="Garamond" panose="02020404030301010803" pitchFamily="18" charset="0"/>
+              </a:endParaRPr>
             </a:p>
           </p:txBody>
         </p:sp>

--- a/Deliverables/2ndMarkerViva/viva_presentation.pptx
+++ b/Deliverables/2ndMarkerViva/viva_presentation.pptx
@@ -5,7 +5,7 @@
     <p:sldMasterId id="2147483724" r:id="rId1"/>
   </p:sldMasterIdLst>
   <p:notesMasterIdLst>
-    <p:notesMasterId r:id="rId20"/>
+    <p:notesMasterId r:id="rId19"/>
   </p:notesMasterIdLst>
   <p:sldIdLst>
     <p:sldId id="256" r:id="rId2"/>
@@ -22,10 +22,9 @@
     <p:sldId id="272" r:id="rId13"/>
     <p:sldId id="273" r:id="rId14"/>
     <p:sldId id="283" r:id="rId15"/>
-    <p:sldId id="282" r:id="rId16"/>
-    <p:sldId id="275" r:id="rId17"/>
-    <p:sldId id="276" r:id="rId18"/>
-    <p:sldId id="277" r:id="rId19"/>
+    <p:sldId id="275" r:id="rId16"/>
+    <p:sldId id="276" r:id="rId17"/>
+    <p:sldId id="277" r:id="rId18"/>
   </p:sldIdLst>
   <p:sldSz cx="12192000" cy="6858000"/>
   <p:notesSz cx="6858000" cy="9144000"/>
@@ -214,7 +213,7 @@
           <a:p>
             <a:fld id="{3642E725-44A3-439B-A511-F674A826BB22}" type="datetimeFigureOut">
               <a:rPr lang="en-GB" smtClean="0"/>
-              <a:t>17/02/2020</a:t>
+              <a:t>18/02/2020</a:t>
             </a:fld>
             <a:endParaRPr lang="en-GB"/>
           </a:p>
@@ -736,7 +735,7 @@
           <a:p>
             <a:fld id="{9B357CC7-4574-B54F-82B5-4084D5E86FC2}" type="datetimeFigureOut">
               <a:rPr lang="en-US" smtClean="0"/>
-              <a:t>2/17/20</a:t>
+              <a:t>2/18/2020</a:t>
             </a:fld>
             <a:endParaRPr lang="en-US"/>
           </a:p>
@@ -1003,7 +1002,7 @@
           <a:p>
             <a:fld id="{9B357CC7-4574-B54F-82B5-4084D5E86FC2}" type="datetimeFigureOut">
               <a:rPr lang="en-US" smtClean="0"/>
-              <a:t>2/17/20</a:t>
+              <a:t>2/18/2020</a:t>
             </a:fld>
             <a:endParaRPr lang="en-US"/>
           </a:p>
@@ -1234,7 +1233,7 @@
           <a:p>
             <a:fld id="{9B357CC7-4574-B54F-82B5-4084D5E86FC2}" type="datetimeFigureOut">
               <a:rPr lang="en-US" smtClean="0"/>
-              <a:t>2/17/20</a:t>
+              <a:t>2/18/2020</a:t>
             </a:fld>
             <a:endParaRPr lang="en-US"/>
           </a:p>
@@ -1544,7 +1543,7 @@
           <a:p>
             <a:fld id="{9B357CC7-4574-B54F-82B5-4084D5E86FC2}" type="datetimeFigureOut">
               <a:rPr lang="en-US" smtClean="0"/>
-              <a:t>2/17/20</a:t>
+              <a:t>2/18/2020</a:t>
             </a:fld>
             <a:endParaRPr lang="en-US"/>
           </a:p>
@@ -2017,7 +2016,7 @@
           <a:p>
             <a:fld id="{9B357CC7-4574-B54F-82B5-4084D5E86FC2}" type="datetimeFigureOut">
               <a:rPr lang="en-US" smtClean="0"/>
-              <a:t>2/17/20</a:t>
+              <a:t>2/18/2020</a:t>
             </a:fld>
             <a:endParaRPr lang="en-US"/>
           </a:p>
@@ -2564,7 +2563,7 @@
           <a:p>
             <a:fld id="{9B357CC7-4574-B54F-82B5-4084D5E86FC2}" type="datetimeFigureOut">
               <a:rPr lang="en-US" smtClean="0"/>
-              <a:t>2/17/20</a:t>
+              <a:t>2/18/2020</a:t>
             </a:fld>
             <a:endParaRPr lang="en-US"/>
           </a:p>
@@ -3338,7 +3337,7 @@
           <a:p>
             <a:fld id="{9B357CC7-4574-B54F-82B5-4084D5E86FC2}" type="datetimeFigureOut">
               <a:rPr lang="en-US" smtClean="0"/>
-              <a:t>2/17/20</a:t>
+              <a:t>2/18/2020</a:t>
             </a:fld>
             <a:endParaRPr lang="en-US"/>
           </a:p>
@@ -3513,7 +3512,7 @@
           <a:p>
             <a:fld id="{9B357CC7-4574-B54F-82B5-4084D5E86FC2}" type="datetimeFigureOut">
               <a:rPr lang="en-US" smtClean="0"/>
-              <a:t>2/17/20</a:t>
+              <a:t>2/18/2020</a:t>
             </a:fld>
             <a:endParaRPr lang="en-US"/>
           </a:p>
@@ -3736,7 +3735,7 @@
           <a:p>
             <a:fld id="{9B357CC7-4574-B54F-82B5-4084D5E86FC2}" type="datetimeFigureOut">
               <a:rPr lang="en-US" smtClean="0"/>
-              <a:t>2/17/20</a:t>
+              <a:t>2/18/2020</a:t>
             </a:fld>
             <a:endParaRPr lang="en-US"/>
           </a:p>
@@ -3916,7 +3915,7 @@
           <a:p>
             <a:fld id="{9B357CC7-4574-B54F-82B5-4084D5E86FC2}" type="datetimeFigureOut">
               <a:rPr lang="en-US" smtClean="0"/>
-              <a:t>2/17/20</a:t>
+              <a:t>2/18/2020</a:t>
             </a:fld>
             <a:endParaRPr lang="en-US"/>
           </a:p>
@@ -4205,7 +4204,7 @@
           <a:p>
             <a:fld id="{9B357CC7-4574-B54F-82B5-4084D5E86FC2}" type="datetimeFigureOut">
               <a:rPr lang="en-US" smtClean="0"/>
-              <a:t>2/17/20</a:t>
+              <a:t>2/18/2020</a:t>
             </a:fld>
             <a:endParaRPr lang="en-US"/>
           </a:p>
@@ -4447,7 +4446,7 @@
           <a:p>
             <a:fld id="{9B357CC7-4574-B54F-82B5-4084D5E86FC2}" type="datetimeFigureOut">
               <a:rPr lang="en-US" smtClean="0"/>
-              <a:t>2/17/20</a:t>
+              <a:t>2/18/2020</a:t>
             </a:fld>
             <a:endParaRPr lang="en-US"/>
           </a:p>
@@ -4826,7 +4825,7 @@
           <a:p>
             <a:fld id="{9B357CC7-4574-B54F-82B5-4084D5E86FC2}" type="datetimeFigureOut">
               <a:rPr lang="en-US" smtClean="0"/>
-              <a:t>2/17/20</a:t>
+              <a:t>2/18/2020</a:t>
             </a:fld>
             <a:endParaRPr lang="en-US"/>
           </a:p>
@@ -4944,7 +4943,7 @@
           <a:p>
             <a:fld id="{9B357CC7-4574-B54F-82B5-4084D5E86FC2}" type="datetimeFigureOut">
               <a:rPr lang="en-US" smtClean="0"/>
-              <a:t>2/17/20</a:t>
+              <a:t>2/18/2020</a:t>
             </a:fld>
             <a:endParaRPr lang="en-US"/>
           </a:p>
@@ -5039,7 +5038,7 @@
           <a:p>
             <a:fld id="{9B357CC7-4574-B54F-82B5-4084D5E86FC2}" type="datetimeFigureOut">
               <a:rPr lang="en-US" smtClean="0"/>
-              <a:t>2/17/20</a:t>
+              <a:t>2/18/2020</a:t>
             </a:fld>
             <a:endParaRPr lang="en-US"/>
           </a:p>
@@ -5288,7 +5287,7 @@
           <a:p>
             <a:fld id="{9B357CC7-4574-B54F-82B5-4084D5E86FC2}" type="datetimeFigureOut">
               <a:rPr lang="en-US" smtClean="0"/>
-              <a:t>2/17/20</a:t>
+              <a:t>2/18/2020</a:t>
             </a:fld>
             <a:endParaRPr lang="en-US"/>
           </a:p>
@@ -5545,7 +5544,7 @@
           <a:p>
             <a:fld id="{9B357CC7-4574-B54F-82B5-4084D5E86FC2}" type="datetimeFigureOut">
               <a:rPr lang="en-US" smtClean="0"/>
-              <a:t>2/17/20</a:t>
+              <a:t>2/18/2020</a:t>
             </a:fld>
             <a:endParaRPr lang="en-US"/>
           </a:p>
@@ -5788,7 +5787,7 @@
           <a:p>
             <a:fld id="{9B357CC7-4574-B54F-82B5-4084D5E86FC2}" type="datetimeFigureOut">
               <a:rPr lang="en-US" smtClean="0"/>
-              <a:t>2/17/20</a:t>
+              <a:t>2/18/2020</a:t>
             </a:fld>
             <a:endParaRPr lang="en-US"/>
           </a:p>
@@ -6252,7 +6251,7 @@
         </p:nvSpPr>
         <p:spPr>
           <a:xfrm>
-            <a:off x="1524000" y="4614409"/>
+            <a:off x="1666043" y="3965220"/>
             <a:ext cx="9144000" cy="915533"/>
           </a:xfrm>
         </p:spPr>
@@ -6264,7 +6263,15 @@
               <a:rPr lang="en-US" dirty="0">
                 <a:latin typeface="Garamond" panose="02020404030301010803" pitchFamily="18" charset="0"/>
               </a:rPr>
-              <a:t>Sujit Malde, ela17sm, Electrical and Electronic Engineering 3</a:t>
+              <a:t>Sujit Malde, ela17sm</a:t>
+            </a:r>
+          </a:p>
+          <a:p>
+            <a:r>
+              <a:rPr lang="en-US" dirty="0">
+                <a:latin typeface="Garamond" panose="02020404030301010803" pitchFamily="18" charset="0"/>
+              </a:rPr>
+              <a:t>Electrical and Electronic Engineering 3</a:t>
             </a:r>
             <a:r>
               <a:rPr lang="en-US" baseline="30000" dirty="0">
@@ -6276,15 +6283,7 @@
               <a:rPr lang="en-US" dirty="0">
                 <a:latin typeface="Garamond" panose="02020404030301010803" pitchFamily="18" charset="0"/>
               </a:rPr>
-              <a:t> Year Project</a:t>
-            </a:r>
-          </a:p>
-          <a:p>
-            <a:r>
-              <a:rPr lang="en-US" dirty="0">
-                <a:latin typeface="Garamond" panose="02020404030301010803" pitchFamily="18" charset="0"/>
-              </a:rPr>
-              <a:t>2</a:t>
+              <a:t> Year Project, 2</a:t>
             </a:r>
             <a:r>
               <a:rPr lang="en-US" baseline="30000" dirty="0">
@@ -6379,8 +6378,8 @@
         </p:nvSpPr>
         <p:spPr>
           <a:xfrm>
-            <a:off x="165552" y="2080600"/>
-            <a:ext cx="5919651" cy="4024125"/>
+            <a:off x="60254" y="2057400"/>
+            <a:ext cx="5919651" cy="2743200"/>
           </a:xfrm>
         </p:spPr>
         <p:txBody>
@@ -17972,341 +17971,6 @@
   <p:clrMapOvr>
     <a:masterClrMapping/>
   </p:clrMapOvr>
-  <p:timing>
-    <p:tnLst>
-      <p:par>
-        <p:cTn id="1" dur="indefinite" restart="never" nodeType="tmRoot">
-          <p:childTnLst>
-            <p:seq concurrent="1" nextAc="seek">
-              <p:cTn id="2" dur="indefinite" nodeType="mainSeq">
-                <p:childTnLst>
-                  <p:par>
-                    <p:cTn id="3" fill="hold">
-                      <p:stCondLst>
-                        <p:cond delay="indefinite"/>
-                      </p:stCondLst>
-                      <p:childTnLst>
-                        <p:par>
-                          <p:cTn id="4" fill="hold">
-                            <p:stCondLst>
-                              <p:cond delay="0"/>
-                            </p:stCondLst>
-                            <p:childTnLst>
-                              <p:par>
-                                <p:cTn id="5" presetID="42" presetClass="entr" presetSubtype="0" fill="hold" nodeType="clickEffect">
-                                  <p:stCondLst>
-                                    <p:cond delay="0"/>
-                                  </p:stCondLst>
-                                  <p:childTnLst>
-                                    <p:set>
-                                      <p:cBhvr>
-                                        <p:cTn id="6" dur="1" fill="hold">
-                                          <p:stCondLst>
-                                            <p:cond delay="0"/>
-                                          </p:stCondLst>
-                                        </p:cTn>
-                                        <p:tgtEl>
-                                          <p:spTgt spid="4"/>
-                                        </p:tgtEl>
-                                        <p:attrNameLst>
-                                          <p:attrName>style.visibility</p:attrName>
-                                        </p:attrNameLst>
-                                      </p:cBhvr>
-                                      <p:to>
-                                        <p:strVal val="visible"/>
-                                      </p:to>
-                                    </p:set>
-                                    <p:animEffect transition="in" filter="fade">
-                                      <p:cBhvr>
-                                        <p:cTn id="7" dur="1000"/>
-                                        <p:tgtEl>
-                                          <p:spTgt spid="4"/>
-                                        </p:tgtEl>
-                                      </p:cBhvr>
-                                    </p:animEffect>
-                                    <p:anim calcmode="lin" valueType="num">
-                                      <p:cBhvr>
-                                        <p:cTn id="8" dur="1000" fill="hold"/>
-                                        <p:tgtEl>
-                                          <p:spTgt spid="4"/>
-                                        </p:tgtEl>
-                                        <p:attrNameLst>
-                                          <p:attrName>ppt_x</p:attrName>
-                                        </p:attrNameLst>
-                                      </p:cBhvr>
-                                      <p:tavLst>
-                                        <p:tav tm="0">
-                                          <p:val>
-                                            <p:strVal val="#ppt_x"/>
-                                          </p:val>
-                                        </p:tav>
-                                        <p:tav tm="100000">
-                                          <p:val>
-                                            <p:strVal val="#ppt_x"/>
-                                          </p:val>
-                                        </p:tav>
-                                      </p:tavLst>
-                                    </p:anim>
-                                    <p:anim calcmode="lin" valueType="num">
-                                      <p:cBhvr>
-                                        <p:cTn id="9" dur="1000" fill="hold"/>
-                                        <p:tgtEl>
-                                          <p:spTgt spid="4"/>
-                                        </p:tgtEl>
-                                        <p:attrNameLst>
-                                          <p:attrName>ppt_y</p:attrName>
-                                        </p:attrNameLst>
-                                      </p:cBhvr>
-                                      <p:tavLst>
-                                        <p:tav tm="0">
-                                          <p:val>
-                                            <p:strVal val="#ppt_y+.1"/>
-                                          </p:val>
-                                        </p:tav>
-                                        <p:tav tm="100000">
-                                          <p:val>
-                                            <p:strVal val="#ppt_y"/>
-                                          </p:val>
-                                        </p:tav>
-                                      </p:tavLst>
-                                    </p:anim>
-                                  </p:childTnLst>
-                                </p:cTn>
-                              </p:par>
-                            </p:childTnLst>
-                          </p:cTn>
-                        </p:par>
-                        <p:par>
-                          <p:cTn id="10" fill="hold">
-                            <p:stCondLst>
-                              <p:cond delay="1000"/>
-                            </p:stCondLst>
-                            <p:childTnLst>
-                              <p:par>
-                                <p:cTn id="11" presetID="6" presetClass="emph" presetSubtype="0" autoRev="1" fill="hold" nodeType="afterEffect">
-                                  <p:stCondLst>
-                                    <p:cond delay="0"/>
-                                  </p:stCondLst>
-                                  <p:childTnLst>
-                                    <p:animScale>
-                                      <p:cBhvr>
-                                        <p:cTn id="12" dur="2000" fill="hold"/>
-                                        <p:tgtEl>
-                                          <p:spTgt spid="4"/>
-                                        </p:tgtEl>
-                                      </p:cBhvr>
-                                      <p:by x="150000" y="150000"/>
-                                    </p:animScale>
-                                  </p:childTnLst>
-                                </p:cTn>
-                              </p:par>
-                            </p:childTnLst>
-                          </p:cTn>
-                        </p:par>
-                      </p:childTnLst>
-                    </p:cTn>
-                  </p:par>
-                  <p:par>
-                    <p:cTn id="13" fill="hold">
-                      <p:stCondLst>
-                        <p:cond delay="indefinite"/>
-                      </p:stCondLst>
-                      <p:childTnLst>
-                        <p:par>
-                          <p:cTn id="14" fill="hold">
-                            <p:stCondLst>
-                              <p:cond delay="0"/>
-                            </p:stCondLst>
-                            <p:childTnLst>
-                              <p:par>
-                                <p:cTn id="15" presetID="0" presetClass="path" presetSubtype="0" accel="50000" decel="50000" fill="hold" nodeType="clickEffect">
-                                  <p:stCondLst>
-                                    <p:cond delay="0"/>
-                                  </p:stCondLst>
-                                  <p:childTnLst>
-                                    <p:animMotion origin="layout" path="M -0.00156 -0.02222 L -0.30859 0.30278 " pathEditMode="relative" rAng="0" ptsTypes="AA">
-                                      <p:cBhvr>
-                                        <p:cTn id="16" dur="2000" fill="hold"/>
-                                        <p:tgtEl>
-                                          <p:spTgt spid="4"/>
-                                        </p:tgtEl>
-                                        <p:attrNameLst>
-                                          <p:attrName>ppt_x</p:attrName>
-                                          <p:attrName>ppt_y</p:attrName>
-                                        </p:attrNameLst>
-                                      </p:cBhvr>
-                                      <p:rCtr x="-15352" y="16250"/>
-                                    </p:animMotion>
-                                  </p:childTnLst>
-                                </p:cTn>
-                              </p:par>
-                            </p:childTnLst>
-                          </p:cTn>
-                        </p:par>
-                      </p:childTnLst>
-                    </p:cTn>
-                  </p:par>
-                  <p:par>
-                    <p:cTn id="17" fill="hold">
-                      <p:stCondLst>
-                        <p:cond delay="indefinite"/>
-                      </p:stCondLst>
-                      <p:childTnLst>
-                        <p:par>
-                          <p:cTn id="18" fill="hold">
-                            <p:stCondLst>
-                              <p:cond delay="0"/>
-                            </p:stCondLst>
-                            <p:childTnLst>
-                              <p:par>
-                                <p:cTn id="19" presetID="0" presetClass="path" presetSubtype="0" accel="50000" decel="50000" fill="hold" nodeType="clickEffect">
-                                  <p:stCondLst>
-                                    <p:cond delay="0"/>
-                                  </p:stCondLst>
-                                  <p:childTnLst>
-                                    <p:animMotion origin="layout" path="M -0.30859 0.30278 L -0.30859 0.30301 C -0.30885 0.29167 -0.30885 0.29815 -0.30885 0.29005 L -0.31237 -0.00185 " pathEditMode="relative" rAng="0" ptsTypes="AAAA">
-                                      <p:cBhvr>
-                                        <p:cTn id="20" dur="2000" fill="hold"/>
-                                        <p:tgtEl>
-                                          <p:spTgt spid="4"/>
-                                        </p:tgtEl>
-                                        <p:attrNameLst>
-                                          <p:attrName>ppt_x</p:attrName>
-                                          <p:attrName>ppt_y</p:attrName>
-                                        </p:attrNameLst>
-                                      </p:cBhvr>
-                                      <p:rCtr x="-195" y="-15231"/>
-                                    </p:animMotion>
-                                  </p:childTnLst>
-                                </p:cTn>
-                              </p:par>
-                            </p:childTnLst>
-                          </p:cTn>
-                        </p:par>
-                      </p:childTnLst>
-                    </p:cTn>
-                  </p:par>
-                  <p:par>
-                    <p:cTn id="21" fill="hold">
-                      <p:stCondLst>
-                        <p:cond delay="indefinite"/>
-                      </p:stCondLst>
-                      <p:childTnLst>
-                        <p:par>
-                          <p:cTn id="22" fill="hold">
-                            <p:stCondLst>
-                              <p:cond delay="0"/>
-                            </p:stCondLst>
-                            <p:childTnLst>
-                              <p:par>
-                                <p:cTn id="23" presetID="42" presetClass="exit" presetSubtype="0" fill="hold" nodeType="clickEffect">
-                                  <p:stCondLst>
-                                    <p:cond delay="0"/>
-                                  </p:stCondLst>
-                                  <p:childTnLst>
-                                    <p:animEffect transition="out" filter="fade">
-                                      <p:cBhvr>
-                                        <p:cTn id="24" dur="1000"/>
-                                        <p:tgtEl>
-                                          <p:spTgt spid="4"/>
-                                        </p:tgtEl>
-                                      </p:cBhvr>
-                                    </p:animEffect>
-                                    <p:anim calcmode="lin" valueType="num">
-                                      <p:cBhvr>
-                                        <p:cTn id="25" dur="1000"/>
-                                        <p:tgtEl>
-                                          <p:spTgt spid="4"/>
-                                        </p:tgtEl>
-                                        <p:attrNameLst>
-                                          <p:attrName>ppt_x</p:attrName>
-                                        </p:attrNameLst>
-                                      </p:cBhvr>
-                                      <p:tavLst>
-                                        <p:tav tm="0">
-                                          <p:val>
-                                            <p:strVal val="ppt_x"/>
-                                          </p:val>
-                                        </p:tav>
-                                        <p:tav tm="100000">
-                                          <p:val>
-                                            <p:strVal val="ppt_x"/>
-                                          </p:val>
-                                        </p:tav>
-                                      </p:tavLst>
-                                    </p:anim>
-                                    <p:anim calcmode="lin" valueType="num">
-                                      <p:cBhvr>
-                                        <p:cTn id="26" dur="1000"/>
-                                        <p:tgtEl>
-                                          <p:spTgt spid="4"/>
-                                        </p:tgtEl>
-                                        <p:attrNameLst>
-                                          <p:attrName>ppt_y</p:attrName>
-                                        </p:attrNameLst>
-                                      </p:cBhvr>
-                                      <p:tavLst>
-                                        <p:tav tm="0">
-                                          <p:val>
-                                            <p:strVal val="ppt_y"/>
-                                          </p:val>
-                                        </p:tav>
-                                        <p:tav tm="100000">
-                                          <p:val>
-                                            <p:strVal val="ppt_y+.1"/>
-                                          </p:val>
-                                        </p:tav>
-                                      </p:tavLst>
-                                    </p:anim>
-                                    <p:set>
-                                      <p:cBhvr>
-                                        <p:cTn id="27" dur="1" fill="hold">
-                                          <p:stCondLst>
-                                            <p:cond delay="999"/>
-                                          </p:stCondLst>
-                                        </p:cTn>
-                                        <p:tgtEl>
-                                          <p:spTgt spid="4"/>
-                                        </p:tgtEl>
-                                        <p:attrNameLst>
-                                          <p:attrName>style.visibility</p:attrName>
-                                        </p:attrNameLst>
-                                      </p:cBhvr>
-                                      <p:to>
-                                        <p:strVal val="hidden"/>
-                                      </p:to>
-                                    </p:set>
-                                  </p:childTnLst>
-                                </p:cTn>
-                              </p:par>
-                            </p:childTnLst>
-                          </p:cTn>
-                        </p:par>
-                      </p:childTnLst>
-                    </p:cTn>
-                  </p:par>
-                </p:childTnLst>
-              </p:cTn>
-              <p:prevCondLst>
-                <p:cond evt="onPrev" delay="0">
-                  <p:tgtEl>
-                    <p:sldTgt/>
-                  </p:tgtEl>
-                </p:cond>
-              </p:prevCondLst>
-              <p:nextCondLst>
-                <p:cond evt="onNext" delay="0">
-                  <p:tgtEl>
-                    <p:sldTgt/>
-                  </p:tgtEl>
-                </p:cond>
-              </p:nextCondLst>
-            </p:seq>
-          </p:childTnLst>
-        </p:cTn>
-      </p:par>
-    </p:tnLst>
-  </p:timing>
 </p:sld>
 </file>
 
@@ -19154,8 +18818,8 @@
                         </a:fontRef>
                       </p:style>
                     </p:cxnSp>
-                    <mc:AlternateContent xmlns:mc="http://schemas.openxmlformats.org/markup-compatibility/2006">
-                      <mc:Choice xmlns:a14="http://schemas.microsoft.com/office/drawing/2010/main" Requires="a14">
+                    <mc:AlternateContent xmlns:mc="http://schemas.openxmlformats.org/markup-compatibility/2006" xmlns:a14="http://schemas.microsoft.com/office/drawing/2010/main">
+                      <mc:Choice Requires="a14">
                         <p:sp>
                           <p:nvSpPr>
                             <p:cNvPr id="26" name="Text Box 246">
@@ -19248,7 +18912,7 @@
                           </p:txBody>
                         </p:sp>
                       </mc:Choice>
-                      <mc:Fallback>
+                      <mc:Fallback xmlns="">
                         <p:sp>
                           <p:nvSpPr>
                             <p:cNvPr id="26" name="Text Box 246">
@@ -19338,8 +19002,8 @@
                         </a:fontRef>
                       </p:style>
                     </p:cxnSp>
-                    <mc:AlternateContent xmlns:mc="http://schemas.openxmlformats.org/markup-compatibility/2006">
-                      <mc:Choice xmlns:a14="http://schemas.microsoft.com/office/drawing/2010/main" Requires="a14">
+                    <mc:AlternateContent xmlns:mc="http://schemas.openxmlformats.org/markup-compatibility/2006" xmlns:a14="http://schemas.microsoft.com/office/drawing/2010/main">
+                      <mc:Choice Requires="a14">
                         <p:sp>
                           <p:nvSpPr>
                             <p:cNvPr id="28" name="Text Box 248">
@@ -19407,7 +19071,7 @@
                           </p:txBody>
                         </p:sp>
                       </mc:Choice>
-                      <mc:Fallback>
+                      <mc:Fallback xmlns="">
                         <p:sp>
                           <p:nvSpPr>
                             <p:cNvPr id="28" name="Text Box 248">
@@ -19629,8 +19293,8 @@
                           <a:chExt cx="353148" cy="380641"/>
                         </a:xfrm>
                       </p:grpSpPr>
-                      <mc:AlternateContent xmlns:mc="http://schemas.openxmlformats.org/markup-compatibility/2006">
-                        <mc:Choice xmlns:a14="http://schemas.microsoft.com/office/drawing/2010/main" Requires="a14">
+                      <mc:AlternateContent xmlns:mc="http://schemas.openxmlformats.org/markup-compatibility/2006" xmlns:a14="http://schemas.microsoft.com/office/drawing/2010/main">
+                        <mc:Choice Requires="a14">
                           <p:sp>
                             <p:nvSpPr>
                               <p:cNvPr id="65" name="Text Box 256">
@@ -19787,7 +19451,7 @@
                             </p:txBody>
                           </p:sp>
                         </mc:Choice>
-                        <mc:Fallback>
+                        <mc:Fallback xmlns="">
                           <p:sp>
                             <p:nvSpPr>
                               <p:cNvPr id="65" name="Text Box 256">
@@ -21746,8 +21410,8 @@
                       </p:style>
                     </p:cxnSp>
                   </p:grpSp>
-                  <mc:AlternateContent xmlns:mc="http://schemas.openxmlformats.org/markup-compatibility/2006">
-                    <mc:Choice xmlns:a14="http://schemas.microsoft.com/office/drawing/2010/main" Requires="a14">
+                  <mc:AlternateContent xmlns:mc="http://schemas.openxmlformats.org/markup-compatibility/2006" xmlns:a14="http://schemas.microsoft.com/office/drawing/2010/main">
+                    <mc:Choice Requires="a14">
                       <p:sp>
                         <p:nvSpPr>
                           <p:cNvPr id="12" name="Text Box 332">
@@ -21904,7 +21568,7 @@
                         </p:txBody>
                       </p:sp>
                     </mc:Choice>
-                    <mc:Fallback>
+                    <mc:Fallback xmlns="">
                       <p:sp>
                         <p:nvSpPr>
                           <p:cNvPr id="12" name="Text Box 332">
@@ -21953,8 +21617,8 @@
                     </mc:Fallback>
                   </mc:AlternateContent>
                 </p:grpSp>
-                <mc:AlternateContent xmlns:mc="http://schemas.openxmlformats.org/markup-compatibility/2006">
-                  <mc:Choice xmlns:a14="http://schemas.microsoft.com/office/drawing/2010/main" Requires="a14">
+                <mc:AlternateContent xmlns:mc="http://schemas.openxmlformats.org/markup-compatibility/2006" xmlns:a14="http://schemas.microsoft.com/office/drawing/2010/main">
+                  <mc:Choice Requires="a14">
                     <p:sp>
                       <p:nvSpPr>
                         <p:cNvPr id="8" name="Text Box 335">
@@ -22111,7 +21775,7 @@
                       </p:txBody>
                     </p:sp>
                   </mc:Choice>
-                  <mc:Fallback>
+                  <mc:Fallback xmlns="">
                     <p:sp>
                       <p:nvSpPr>
                         <p:cNvPr id="8" name="Text Box 335">
@@ -22160,8 +21824,8 @@
                   </mc:Fallback>
                 </mc:AlternateContent>
               </p:grpSp>
-              <mc:AlternateContent xmlns:mc="http://schemas.openxmlformats.org/markup-compatibility/2006">
-                <mc:Choice xmlns:a14="http://schemas.microsoft.com/office/drawing/2010/main" Requires="a14">
+              <mc:AlternateContent xmlns:mc="http://schemas.openxmlformats.org/markup-compatibility/2006" xmlns:a14="http://schemas.microsoft.com/office/drawing/2010/main">
+                <mc:Choice Requires="a14">
                   <p:sp>
                     <p:nvSpPr>
                       <p:cNvPr id="6" name="Text Box 338">
@@ -22318,7 +21982,7 @@
                     </p:txBody>
                   </p:sp>
                 </mc:Choice>
-                <mc:Fallback>
+                <mc:Fallback xmlns="">
                   <p:sp>
                     <p:nvSpPr>
                       <p:cNvPr id="6" name="Text Box 338">
@@ -22367,8 +22031,8 @@
                 </mc:Fallback>
               </mc:AlternateContent>
             </p:grpSp>
-            <mc:AlternateContent xmlns:mc="http://schemas.openxmlformats.org/markup-compatibility/2006">
-              <mc:Choice xmlns:a14="http://schemas.microsoft.com/office/drawing/2010/main" Requires="a14">
+            <mc:AlternateContent xmlns:mc="http://schemas.openxmlformats.org/markup-compatibility/2006" xmlns:a14="http://schemas.microsoft.com/office/drawing/2010/main">
+              <mc:Choice Requires="a14">
                 <p:sp>
                   <p:nvSpPr>
                     <p:cNvPr id="75" name="Text Box 246">
@@ -22461,7 +22125,7 @@
                   </p:txBody>
                 </p:sp>
               </mc:Choice>
-              <mc:Fallback>
+              <mc:Fallback xmlns="">
                 <p:sp>
                   <p:nvSpPr>
                     <p:cNvPr id="75" name="Text Box 246">
@@ -22509,8 +22173,8 @@
                 </p:sp>
               </mc:Fallback>
             </mc:AlternateContent>
-            <mc:AlternateContent xmlns:mc="http://schemas.openxmlformats.org/markup-compatibility/2006">
-              <mc:Choice xmlns:a14="http://schemas.microsoft.com/office/drawing/2010/main" Requires="a14">
+            <mc:AlternateContent xmlns:mc="http://schemas.openxmlformats.org/markup-compatibility/2006" xmlns:a14="http://schemas.microsoft.com/office/drawing/2010/main">
+              <mc:Choice Requires="a14">
                 <p:sp>
                   <p:nvSpPr>
                     <p:cNvPr id="76" name="Text Box 246">
@@ -22603,7 +22267,7 @@
                   </p:txBody>
                 </p:sp>
               </mc:Choice>
-              <mc:Fallback>
+              <mc:Fallback xmlns="">
                 <p:sp>
                   <p:nvSpPr>
                     <p:cNvPr id="76" name="Text Box 246">
@@ -22652,8 +22316,8 @@
               </mc:Fallback>
             </mc:AlternateContent>
           </p:grpSp>
-          <mc:AlternateContent xmlns:mc="http://schemas.openxmlformats.org/markup-compatibility/2006">
-            <mc:Choice xmlns:a14="http://schemas.microsoft.com/office/drawing/2010/main" Requires="a14">
+          <mc:AlternateContent xmlns:mc="http://schemas.openxmlformats.org/markup-compatibility/2006" xmlns:a14="http://schemas.microsoft.com/office/drawing/2010/main">
+            <mc:Choice Requires="a14">
               <p:sp>
                 <p:nvSpPr>
                   <p:cNvPr id="77" name="Text Box 246">
@@ -22793,7 +22457,7 @@
                 </p:txBody>
               </p:sp>
             </mc:Choice>
-            <mc:Fallback>
+            <mc:Fallback xmlns="">
               <p:sp>
                 <p:nvSpPr>
                   <p:cNvPr id="77" name="Text Box 246">
@@ -23251,7 +22915,7 @@
         </p:spPr>
         <p:txBody>
           <a:bodyPr vert="horz" lIns="91440" tIns="45720" rIns="91440" bIns="45720" rtlCol="0">
-            <a:normAutofit/>
+            <a:normAutofit lnSpcReduction="10000"/>
           </a:bodyPr>
           <a:lstStyle>
             <a:lvl1pPr marL="228600" indent="-228600" algn="l" defTabSz="914400" rtl="0" eaLnBrk="1" latinLnBrk="0" hangingPunct="1">
@@ -23430,7 +23094,19 @@
               <a:rPr lang="en-US" dirty="0">
                 <a:latin typeface="Garamond" panose="02020404030301010803" pitchFamily="18" charset="0"/>
               </a:rPr>
-              <a:t>Useful for SPICE/MATLAB but not easy information for end-users to digest</a:t>
+              <a:t>Useful for SPICE/MATLAB but not easy information for end-users to digest – </a:t>
+            </a:r>
+            <a:r>
+              <a:rPr lang="en-US" b="1" dirty="0">
+                <a:latin typeface="Garamond" panose="02020404030301010803" pitchFamily="18" charset="0"/>
+              </a:rPr>
+              <a:t>Thiele/Small parameters</a:t>
+            </a:r>
+            <a:r>
+              <a:rPr lang="en-US" dirty="0">
+                <a:latin typeface="Garamond" panose="02020404030301010803" pitchFamily="18" charset="0"/>
+              </a:rPr>
+              <a:t> used instead</a:t>
             </a:r>
           </a:p>
           <a:p>
@@ -23531,12 +23207,49 @@
           <a:bodyPr/>
           <a:lstStyle/>
           <a:p>
+            <a:pPr marL="457200" indent="-457200">
+              <a:buFont typeface="+mj-lt"/>
+              <a:buAutoNum type="arabicPeriod"/>
+            </a:pPr>
             <a:r>
               <a:rPr lang="en-US" dirty="0">
                 <a:latin typeface="Garamond" panose="02020404030301010803" pitchFamily="18" charset="0"/>
               </a:rPr>
-              <a:t>Thiele/Small parameters quoted by manufacturers to convey electromechanical circuit parameters concisely</a:t>
+              <a:t>Take T/S parameters from manufacturer</a:t>
             </a:r>
+          </a:p>
+          <a:p>
+            <a:pPr marL="457200" indent="-457200">
+              <a:buFont typeface="+mj-lt"/>
+              <a:buAutoNum type="arabicPeriod"/>
+            </a:pPr>
+            <a:r>
+              <a:rPr lang="en-US" dirty="0">
+                <a:latin typeface="Garamond" panose="02020404030301010803" pitchFamily="18" charset="0"/>
+              </a:rPr>
+              <a:t>Convert to electromechanical equivalent circuit</a:t>
+            </a:r>
+          </a:p>
+          <a:p>
+            <a:pPr marL="457200" indent="-457200">
+              <a:buFont typeface="+mj-lt"/>
+              <a:buAutoNum type="arabicPeriod"/>
+            </a:pPr>
+            <a:r>
+              <a:rPr lang="en-US" dirty="0">
+                <a:latin typeface="Garamond" panose="02020404030301010803" pitchFamily="18" charset="0"/>
+              </a:rPr>
+              <a:t>Add in box circuit elements</a:t>
+            </a:r>
+          </a:p>
+          <a:p>
+            <a:pPr marL="457200" indent="-457200">
+              <a:buFont typeface="+mj-lt"/>
+              <a:buAutoNum type="arabicPeriod"/>
+            </a:pPr>
+            <a:endParaRPr lang="en-US" dirty="0">
+              <a:latin typeface="Garamond" panose="02020404030301010803" pitchFamily="18" charset="0"/>
+            </a:endParaRPr>
           </a:p>
           <a:p>
             <a:endParaRPr lang="en-US" dirty="0">
@@ -23544,12 +23257,9 @@
             </a:endParaRPr>
           </a:p>
           <a:p>
-            <a:r>
-              <a:rPr lang="en-US" dirty="0">
-                <a:latin typeface="Garamond" panose="02020404030301010803" pitchFamily="18" charset="0"/>
-              </a:rPr>
-              <a:t>We are trying to prove that the open- and closed-loop electronic compensators can make systems sound better than they are, passing on a monetary benefit. Therefore, a cheap system should be made and improved, and then tested against a more expensive model to prove that consumers gain the monetary advantage discussed previously.</a:t>
-            </a:r>
+            <a:endParaRPr lang="en-US" dirty="0">
+              <a:latin typeface="Garamond" panose="02020404030301010803" pitchFamily="18" charset="0"/>
+            </a:endParaRPr>
           </a:p>
         </p:txBody>
       </p:sp>
@@ -23567,124 +23277,6 @@
 </file>
 
 <file path=ppt/slides/slide15.xml><?xml version="1.0" encoding="utf-8"?>
-<p:sld xmlns:a="http://schemas.openxmlformats.org/drawingml/2006/main" xmlns:r="http://schemas.openxmlformats.org/officeDocument/2006/relationships" xmlns:p="http://schemas.openxmlformats.org/presentationml/2006/main">
-  <p:cSld>
-    <p:spTree>
-      <p:nvGrpSpPr>
-        <p:cNvPr id="1" name=""/>
-        <p:cNvGrpSpPr/>
-        <p:nvPr/>
-      </p:nvGrpSpPr>
-      <p:grpSpPr>
-        <a:xfrm>
-          <a:off x="0" y="0"/>
-          <a:ext cx="0" cy="0"/>
-          <a:chOff x="0" y="0"/>
-          <a:chExt cx="0" cy="0"/>
-        </a:xfrm>
-      </p:grpSpPr>
-      <p:sp>
-        <p:nvSpPr>
-          <p:cNvPr id="2" name="Title 1">
-            <a:extLst>
-              <a:ext uri="{FF2B5EF4-FFF2-40B4-BE49-F238E27FC236}">
-                <a16:creationId xmlns:a16="http://schemas.microsoft.com/office/drawing/2014/main" id="{80017211-A5EB-D54C-9384-2003199938E6}"/>
-              </a:ext>
-            </a:extLst>
-          </p:cNvPr>
-          <p:cNvSpPr>
-            <a:spLocks noGrp="1"/>
-          </p:cNvSpPr>
-          <p:nvPr>
-            <p:ph type="title"/>
-          </p:nvPr>
-        </p:nvSpPr>
-        <p:spPr/>
-        <p:txBody>
-          <a:bodyPr/>
-          <a:lstStyle/>
-          <a:p>
-            <a:r>
-              <a:rPr lang="en-US" dirty="0">
-                <a:latin typeface="Garamond" panose="02020404030301010803" pitchFamily="18" charset="0"/>
-              </a:rPr>
-              <a:t>Enclosure design</a:t>
-            </a:r>
-          </a:p>
-        </p:txBody>
-      </p:sp>
-      <p:sp>
-        <p:nvSpPr>
-          <p:cNvPr id="3" name="Content Placeholder 2">
-            <a:extLst>
-              <a:ext uri="{FF2B5EF4-FFF2-40B4-BE49-F238E27FC236}">
-                <a16:creationId xmlns:a16="http://schemas.microsoft.com/office/drawing/2014/main" id="{6CB082B5-81C1-AB46-A144-30DCE1B2DB0A}"/>
-              </a:ext>
-            </a:extLst>
-          </p:cNvPr>
-          <p:cNvSpPr>
-            <a:spLocks noGrp="1"/>
-          </p:cNvSpPr>
-          <p:nvPr>
-            <p:ph idx="1"/>
-          </p:nvPr>
-        </p:nvSpPr>
-        <p:spPr>
-          <a:xfrm>
-            <a:off x="0" y="1707134"/>
-            <a:ext cx="12192000" cy="5045357"/>
-          </a:xfrm>
-        </p:spPr>
-        <p:txBody>
-          <a:bodyPr>
-            <a:normAutofit/>
-          </a:bodyPr>
-          <a:lstStyle/>
-          <a:p>
-            <a:r>
-              <a:rPr lang="en-US" dirty="0">
-                <a:latin typeface="Garamond" panose="02020404030301010803" pitchFamily="18" charset="0"/>
-              </a:rPr>
-              <a:t>Thiele/Small parameters quoted by manufacturers to encapsulate equivalent mechanical circuit parameters of drivers</a:t>
-            </a:r>
-          </a:p>
-          <a:p>
-            <a:r>
-              <a:rPr lang="en-US" dirty="0">
-                <a:latin typeface="Garamond" panose="02020404030301010803" pitchFamily="18" charset="0"/>
-              </a:rPr>
-              <a:t>Standard set of equations</a:t>
-            </a:r>
-          </a:p>
-          <a:p>
-            <a:r>
-              <a:rPr lang="en-US" dirty="0">
-                <a:latin typeface="Garamond" panose="02020404030301010803" pitchFamily="18" charset="0"/>
-              </a:rPr>
-              <a:t>U</a:t>
-            </a:r>
-          </a:p>
-          <a:p>
-            <a:endParaRPr lang="en-US" dirty="0">
-              <a:latin typeface="Garamond" panose="02020404030301010803" pitchFamily="18" charset="0"/>
-            </a:endParaRPr>
-          </a:p>
-        </p:txBody>
-      </p:sp>
-    </p:spTree>
-    <p:extLst>
-      <p:ext uri="{BB962C8B-B14F-4D97-AF65-F5344CB8AC3E}">
-        <p14:creationId xmlns:p14="http://schemas.microsoft.com/office/powerpoint/2010/main" val="2959730566"/>
-      </p:ext>
-    </p:extLst>
-  </p:cSld>
-  <p:clrMapOvr>
-    <a:masterClrMapping/>
-  </p:clrMapOvr>
-</p:sld>
-</file>
-
-<file path=ppt/slides/slide16.xml><?xml version="1.0" encoding="utf-8"?>
 <p:sld xmlns:a="http://schemas.openxmlformats.org/drawingml/2006/main" xmlns:r="http://schemas.openxmlformats.org/officeDocument/2006/relationships" xmlns:p="http://schemas.openxmlformats.org/presentationml/2006/main">
   <p:cSld>
     <p:spTree>
@@ -25923,8 +25515,8 @@
           </mc:Fallback>
         </mc:AlternateContent>
       </p:grpSp>
-      <mc:AlternateContent xmlns:mc="http://schemas.openxmlformats.org/markup-compatibility/2006">
-        <mc:Choice xmlns:a14="http://schemas.microsoft.com/office/drawing/2010/main" Requires="a14">
+      <mc:AlternateContent xmlns:mc="http://schemas.openxmlformats.org/markup-compatibility/2006" xmlns:a14="http://schemas.microsoft.com/office/drawing/2010/main">
+        <mc:Choice Requires="a14">
           <p:sp>
             <p:nvSpPr>
               <p:cNvPr id="26" name="TextBox 25">
@@ -26706,7 +26298,7 @@
             </p:txBody>
           </p:sp>
         </mc:Choice>
-        <mc:Fallback>
+        <mc:Fallback xmlns="">
           <p:sp>
             <p:nvSpPr>
               <p:cNvPr id="26" name="TextBox 25">
@@ -27470,7 +27062,7 @@
 </p:sld>
 </file>
 
-<file path=ppt/slides/slide17.xml><?xml version="1.0" encoding="utf-8"?>
+<file path=ppt/slides/slide16.xml><?xml version="1.0" encoding="utf-8"?>
 <p:sld xmlns:a="http://schemas.openxmlformats.org/drawingml/2006/main" xmlns:r="http://schemas.openxmlformats.org/officeDocument/2006/relationships" xmlns:p="http://schemas.openxmlformats.org/presentationml/2006/main">
   <p:cSld>
     <p:spTree>
@@ -27503,7 +27095,12 @@
             <p:ph type="title"/>
           </p:nvPr>
         </p:nvSpPr>
-        <p:spPr/>
+        <p:spPr>
+          <a:xfrm>
+            <a:off x="7827308" y="-278762"/>
+            <a:ext cx="2346511" cy="1293028"/>
+          </a:xfrm>
+        </p:spPr>
         <p:txBody>
           <a:bodyPr/>
           <a:lstStyle/>
@@ -27517,12 +27114,70 @@
           </a:p>
         </p:txBody>
       </p:sp>
+      <p:pic>
+        <p:nvPicPr>
+          <p:cNvPr id="7" name="Picture 6" descr="A close up of a map&#10;&#10;Description automatically generated">
+            <a:extLst>
+              <a:ext uri="{FF2B5EF4-FFF2-40B4-BE49-F238E27FC236}">
+                <a16:creationId xmlns:a16="http://schemas.microsoft.com/office/drawing/2014/main" id="{1FD1AAD9-ABC7-4DB1-8761-705D54CCF367}"/>
+              </a:ext>
+            </a:extLst>
+          </p:cNvPr>
+          <p:cNvPicPr>
+            <a:picLocks noChangeAspect="1"/>
+          </p:cNvPicPr>
+          <p:nvPr/>
+        </p:nvPicPr>
+        <p:blipFill rotWithShape="1">
+          <a:blip r:embed="rId2"/>
+          <a:srcRect l="8297" r="6508" b="4480"/>
+          <a:stretch/>
+        </p:blipFill>
+        <p:spPr>
+          <a:xfrm>
+            <a:off x="0" y="-15421"/>
+            <a:ext cx="7041776" cy="3959892"/>
+          </a:xfrm>
+          <a:prstGeom prst="rect">
+            <a:avLst/>
+          </a:prstGeom>
+        </p:spPr>
+      </p:pic>
+      <p:pic>
+        <p:nvPicPr>
+          <p:cNvPr id="9" name="Picture 8" descr="A screenshot of a cell phone&#10;&#10;Description automatically generated">
+            <a:extLst>
+              <a:ext uri="{FF2B5EF4-FFF2-40B4-BE49-F238E27FC236}">
+                <a16:creationId xmlns:a16="http://schemas.microsoft.com/office/drawing/2014/main" id="{8E522961-9741-4601-9A53-1818C48B0105}"/>
+              </a:ext>
+            </a:extLst>
+          </p:cNvPr>
+          <p:cNvPicPr>
+            <a:picLocks noChangeAspect="1"/>
+          </p:cNvPicPr>
+          <p:nvPr/>
+        </p:nvPicPr>
+        <p:blipFill rotWithShape="1">
+          <a:blip r:embed="rId3"/>
+          <a:srcRect l="8786" r="5929"/>
+          <a:stretch/>
+        </p:blipFill>
+        <p:spPr>
+          <a:xfrm>
+            <a:off x="5150224" y="2716755"/>
+            <a:ext cx="7041776" cy="4141245"/>
+          </a:xfrm>
+          <a:prstGeom prst="rect">
+            <a:avLst/>
+          </a:prstGeom>
+        </p:spPr>
+      </p:pic>
       <p:sp>
         <p:nvSpPr>
-          <p:cNvPr id="3" name="Content Placeholder 2">
+          <p:cNvPr id="10" name="Content Placeholder 2">
             <a:extLst>
               <a:ext uri="{FF2B5EF4-FFF2-40B4-BE49-F238E27FC236}">
-                <a16:creationId xmlns:a16="http://schemas.microsoft.com/office/drawing/2014/main" id="{D465918C-588B-EF4D-B36A-9DF3689400BE}"/>
+                <a16:creationId xmlns:a16="http://schemas.microsoft.com/office/drawing/2014/main" id="{EF543DB4-0158-43B4-844E-921B1FABD918}"/>
               </a:ext>
             </a:extLst>
           </p:cNvPr>
@@ -27533,25 +27188,267 @@
             <p:ph idx="1"/>
           </p:nvPr>
         </p:nvSpPr>
-        <p:spPr/>
+        <p:spPr>
+          <a:xfrm>
+            <a:off x="0" y="3944471"/>
+            <a:ext cx="5150224" cy="2913529"/>
+          </a:xfrm>
+        </p:spPr>
         <p:txBody>
           <a:bodyPr/>
           <a:lstStyle/>
           <a:p>
             <a:r>
-              <a:rPr lang="en-US" dirty="0">
+              <a:rPr lang="en-US" sz="2400" dirty="0">
                 <a:latin typeface="Garamond" panose="02020404030301010803" pitchFamily="18" charset="0"/>
               </a:rPr>
-              <a:t>It works in theory</a:t>
+              <a:t>Group delay of the system improved for most of the range of operation</a:t>
             </a:r>
           </a:p>
           <a:p>
             <a:r>
-              <a:rPr lang="en-US" dirty="0">
+              <a:rPr lang="en-US" sz="2400" dirty="0">
                 <a:latin typeface="Garamond" panose="02020404030301010803" pitchFamily="18" charset="0"/>
               </a:rPr>
-              <a:t>Describe process to make the box</a:t>
+              <a:t>Improvement by as much as 2ms around 45Hz</a:t>
             </a:r>
+          </a:p>
+          <a:p>
+            <a:r>
+              <a:rPr lang="en-US" sz="2400" dirty="0">
+                <a:latin typeface="Garamond" panose="02020404030301010803" pitchFamily="18" charset="0"/>
+              </a:rPr>
+              <a:t>System will respond faster to an input, reach a nominal value faster</a:t>
+            </a:r>
+          </a:p>
+          <a:p>
+            <a:endParaRPr lang="en-US" dirty="0">
+              <a:latin typeface="Garamond" panose="02020404030301010803" pitchFamily="18" charset="0"/>
+            </a:endParaRPr>
+          </a:p>
+          <a:p>
+            <a:endParaRPr lang="en-US" dirty="0">
+              <a:latin typeface="Garamond" panose="02020404030301010803" pitchFamily="18" charset="0"/>
+            </a:endParaRPr>
+          </a:p>
+        </p:txBody>
+      </p:sp>
+      <p:sp>
+        <p:nvSpPr>
+          <p:cNvPr id="11" name="Content Placeholder 2">
+            <a:extLst>
+              <a:ext uri="{FF2B5EF4-FFF2-40B4-BE49-F238E27FC236}">
+                <a16:creationId xmlns:a16="http://schemas.microsoft.com/office/drawing/2014/main" id="{16C46C9B-A04B-4448-AE63-4289B173287E}"/>
+              </a:ext>
+            </a:extLst>
+          </p:cNvPr>
+          <p:cNvSpPr txBox="1">
+            <a:spLocks/>
+          </p:cNvSpPr>
+          <p:nvPr/>
+        </p:nvSpPr>
+        <p:spPr>
+          <a:xfrm>
+            <a:off x="7041776" y="595527"/>
+            <a:ext cx="5150224" cy="2121228"/>
+          </a:xfrm>
+          <a:prstGeom prst="rect">
+            <a:avLst/>
+          </a:prstGeom>
+        </p:spPr>
+        <p:txBody>
+          <a:bodyPr vert="horz" lIns="91440" tIns="45720" rIns="91440" bIns="45720" rtlCol="0">
+            <a:normAutofit lnSpcReduction="10000"/>
+          </a:bodyPr>
+          <a:lstStyle>
+            <a:lvl1pPr marL="228600" indent="-228600" algn="l" defTabSz="914400" rtl="0" eaLnBrk="1" latinLnBrk="0" hangingPunct="1">
+              <a:lnSpc>
+                <a:spcPct val="90000"/>
+              </a:lnSpc>
+              <a:spcBef>
+                <a:spcPts val="1000"/>
+              </a:spcBef>
+              <a:buFont typeface="Arial" panose="020B0604020202020204" pitchFamily="34" charset="0"/>
+              <a:buChar char="•"/>
+              <a:defRPr sz="2200" kern="1200">
+                <a:solidFill>
+                  <a:schemeClr val="tx1"/>
+                </a:solidFill>
+                <a:latin typeface="+mn-lt"/>
+                <a:ea typeface="+mn-ea"/>
+                <a:cs typeface="+mn-cs"/>
+              </a:defRPr>
+            </a:lvl1pPr>
+            <a:lvl2pPr marL="685800" indent="-228600" algn="l" defTabSz="914400" rtl="0" eaLnBrk="1" latinLnBrk="0" hangingPunct="1">
+              <a:lnSpc>
+                <a:spcPct val="90000"/>
+              </a:lnSpc>
+              <a:spcBef>
+                <a:spcPts val="500"/>
+              </a:spcBef>
+              <a:buFont typeface="Arial" panose="020B0604020202020204" pitchFamily="34" charset="0"/>
+              <a:buChar char="•"/>
+              <a:defRPr sz="2000" kern="1200">
+                <a:solidFill>
+                  <a:schemeClr val="tx1"/>
+                </a:solidFill>
+                <a:latin typeface="+mn-lt"/>
+                <a:ea typeface="+mn-ea"/>
+                <a:cs typeface="+mn-cs"/>
+              </a:defRPr>
+            </a:lvl2pPr>
+            <a:lvl3pPr marL="1143000" indent="-228600" algn="l" defTabSz="914400" rtl="0" eaLnBrk="1" latinLnBrk="0" hangingPunct="1">
+              <a:lnSpc>
+                <a:spcPct val="90000"/>
+              </a:lnSpc>
+              <a:spcBef>
+                <a:spcPts val="500"/>
+              </a:spcBef>
+              <a:buFont typeface="Arial" panose="020B0604020202020204" pitchFamily="34" charset="0"/>
+              <a:buChar char="•"/>
+              <a:defRPr sz="1800" kern="1200">
+                <a:solidFill>
+                  <a:schemeClr val="tx1"/>
+                </a:solidFill>
+                <a:latin typeface="+mn-lt"/>
+                <a:ea typeface="+mn-ea"/>
+                <a:cs typeface="+mn-cs"/>
+              </a:defRPr>
+            </a:lvl3pPr>
+            <a:lvl4pPr marL="1600200" indent="-228600" algn="l" defTabSz="914400" rtl="0" eaLnBrk="1" latinLnBrk="0" hangingPunct="1">
+              <a:lnSpc>
+                <a:spcPct val="90000"/>
+              </a:lnSpc>
+              <a:spcBef>
+                <a:spcPts val="500"/>
+              </a:spcBef>
+              <a:buFont typeface="Arial" panose="020B0604020202020204" pitchFamily="34" charset="0"/>
+              <a:buChar char="•"/>
+              <a:defRPr sz="1600" kern="1200">
+                <a:solidFill>
+                  <a:schemeClr val="tx1"/>
+                </a:solidFill>
+                <a:latin typeface="+mn-lt"/>
+                <a:ea typeface="+mn-ea"/>
+                <a:cs typeface="+mn-cs"/>
+              </a:defRPr>
+            </a:lvl4pPr>
+            <a:lvl5pPr marL="2057400" indent="-228600" algn="l" defTabSz="914400" rtl="0" eaLnBrk="1" latinLnBrk="0" hangingPunct="1">
+              <a:lnSpc>
+                <a:spcPct val="90000"/>
+              </a:lnSpc>
+              <a:spcBef>
+                <a:spcPts val="500"/>
+              </a:spcBef>
+              <a:buFont typeface="Arial" panose="020B0604020202020204" pitchFamily="34" charset="0"/>
+              <a:buChar char="•"/>
+              <a:defRPr sz="1600" kern="1200">
+                <a:solidFill>
+                  <a:schemeClr val="tx1"/>
+                </a:solidFill>
+                <a:latin typeface="+mn-lt"/>
+                <a:ea typeface="+mn-ea"/>
+                <a:cs typeface="+mn-cs"/>
+              </a:defRPr>
+            </a:lvl5pPr>
+            <a:lvl6pPr marL="2514600" indent="-228600" algn="l" defTabSz="914400" rtl="0" eaLnBrk="1" latinLnBrk="0" hangingPunct="1">
+              <a:lnSpc>
+                <a:spcPct val="90000"/>
+              </a:lnSpc>
+              <a:spcBef>
+                <a:spcPts val="500"/>
+              </a:spcBef>
+              <a:buFont typeface="Arial" panose="020B0604020202020204" pitchFamily="34" charset="0"/>
+              <a:buChar char="•"/>
+              <a:defRPr sz="1600" kern="1200">
+                <a:solidFill>
+                  <a:schemeClr val="tx1"/>
+                </a:solidFill>
+                <a:latin typeface="+mn-lt"/>
+                <a:ea typeface="+mn-ea"/>
+                <a:cs typeface="+mn-cs"/>
+              </a:defRPr>
+            </a:lvl6pPr>
+            <a:lvl7pPr marL="2971800" indent="-228600" algn="l" defTabSz="914400" rtl="0" eaLnBrk="1" latinLnBrk="0" hangingPunct="1">
+              <a:lnSpc>
+                <a:spcPct val="90000"/>
+              </a:lnSpc>
+              <a:spcBef>
+                <a:spcPts val="500"/>
+              </a:spcBef>
+              <a:buFont typeface="Arial" panose="020B0604020202020204" pitchFamily="34" charset="0"/>
+              <a:buChar char="•"/>
+              <a:defRPr sz="1600" kern="1200">
+                <a:solidFill>
+                  <a:schemeClr val="tx1"/>
+                </a:solidFill>
+                <a:latin typeface="+mn-lt"/>
+                <a:ea typeface="+mn-ea"/>
+                <a:cs typeface="+mn-cs"/>
+              </a:defRPr>
+            </a:lvl7pPr>
+            <a:lvl8pPr marL="3429000" indent="-228600" algn="l" defTabSz="914400" rtl="0" eaLnBrk="1" latinLnBrk="0" hangingPunct="1">
+              <a:lnSpc>
+                <a:spcPct val="90000"/>
+              </a:lnSpc>
+              <a:spcBef>
+                <a:spcPts val="500"/>
+              </a:spcBef>
+              <a:buFont typeface="Arial" panose="020B0604020202020204" pitchFamily="34" charset="0"/>
+              <a:buChar char="•"/>
+              <a:defRPr sz="1600" kern="1200">
+                <a:solidFill>
+                  <a:schemeClr val="tx1"/>
+                </a:solidFill>
+                <a:latin typeface="+mn-lt"/>
+                <a:ea typeface="+mn-ea"/>
+                <a:cs typeface="+mn-cs"/>
+              </a:defRPr>
+            </a:lvl8pPr>
+            <a:lvl9pPr marL="3886200" indent="-228600" algn="l" defTabSz="914400" rtl="0" eaLnBrk="1" latinLnBrk="0" hangingPunct="1">
+              <a:lnSpc>
+                <a:spcPct val="90000"/>
+              </a:lnSpc>
+              <a:spcBef>
+                <a:spcPts val="500"/>
+              </a:spcBef>
+              <a:buFont typeface="Arial" panose="020B0604020202020204" pitchFamily="34" charset="0"/>
+              <a:buChar char="•"/>
+              <a:defRPr sz="1600" kern="1200">
+                <a:solidFill>
+                  <a:schemeClr val="tx1"/>
+                </a:solidFill>
+                <a:latin typeface="+mn-lt"/>
+                <a:ea typeface="+mn-ea"/>
+                <a:cs typeface="+mn-cs"/>
+              </a:defRPr>
+            </a:lvl9pPr>
+          </a:lstStyle>
+          <a:p>
+            <a:r>
+              <a:rPr lang="en-US" sz="2400" dirty="0">
+                <a:latin typeface="Garamond" panose="02020404030301010803" pitchFamily="18" charset="0"/>
+              </a:rPr>
+              <a:t>As expected, magnitude response improved massively at low frequencies</a:t>
+            </a:r>
+          </a:p>
+          <a:p>
+            <a:r>
+              <a:rPr lang="en-US" sz="2400" dirty="0">
+                <a:latin typeface="Garamond" panose="02020404030301010803" pitchFamily="18" charset="0"/>
+              </a:rPr>
+              <a:t>In practice this is unobtainable because too much air needs to be moved, cone displacement will exceed maximum allowed value</a:t>
+            </a:r>
+          </a:p>
+          <a:p>
+            <a:endParaRPr lang="en-US" dirty="0">
+              <a:latin typeface="Garamond" panose="02020404030301010803" pitchFamily="18" charset="0"/>
+            </a:endParaRPr>
+          </a:p>
+          <a:p>
+            <a:endParaRPr lang="en-US" dirty="0">
+              <a:latin typeface="Garamond" panose="02020404030301010803" pitchFamily="18" charset="0"/>
+            </a:endParaRPr>
           </a:p>
         </p:txBody>
       </p:sp>
@@ -27568,7 +27465,7 @@
 </p:sld>
 </file>
 
-<file path=ppt/slides/slide18.xml><?xml version="1.0" encoding="utf-8"?>
+<file path=ppt/slides/slide17.xml><?xml version="1.0" encoding="utf-8"?>
 <p:sld xmlns:a="http://schemas.openxmlformats.org/drawingml/2006/main" xmlns:r="http://schemas.openxmlformats.org/officeDocument/2006/relationships" xmlns:p="http://schemas.openxmlformats.org/presentationml/2006/main">
   <p:cSld>
     <p:spTree>

--- a/Deliverables/2ndMarkerViva/viva_presentation.pptx
+++ b/Deliverables/2ndMarkerViva/viva_presentation.pptx
@@ -5,26 +5,23 @@
     <p:sldMasterId id="2147483724" r:id="rId1"/>
   </p:sldMasterIdLst>
   <p:notesMasterIdLst>
-    <p:notesMasterId r:id="rId19"/>
+    <p:notesMasterId r:id="rId16"/>
   </p:notesMasterIdLst>
   <p:sldIdLst>
-    <p:sldId id="256" r:id="rId2"/>
-    <p:sldId id="265" r:id="rId3"/>
-    <p:sldId id="266" r:id="rId4"/>
-    <p:sldId id="274" r:id="rId5"/>
-    <p:sldId id="267" r:id="rId6"/>
-    <p:sldId id="268" r:id="rId7"/>
-    <p:sldId id="279" r:id="rId8"/>
-    <p:sldId id="269" r:id="rId9"/>
-    <p:sldId id="280" r:id="rId10"/>
-    <p:sldId id="270" r:id="rId11"/>
-    <p:sldId id="271" r:id="rId12"/>
-    <p:sldId id="272" r:id="rId13"/>
-    <p:sldId id="273" r:id="rId14"/>
-    <p:sldId id="283" r:id="rId15"/>
-    <p:sldId id="275" r:id="rId16"/>
-    <p:sldId id="276" r:id="rId17"/>
-    <p:sldId id="277" r:id="rId18"/>
+    <p:sldId id="279" r:id="rId2"/>
+    <p:sldId id="269" r:id="rId3"/>
+    <p:sldId id="280" r:id="rId4"/>
+    <p:sldId id="270" r:id="rId5"/>
+    <p:sldId id="271" r:id="rId6"/>
+    <p:sldId id="272" r:id="rId7"/>
+    <p:sldId id="273" r:id="rId8"/>
+    <p:sldId id="283" r:id="rId9"/>
+    <p:sldId id="275" r:id="rId10"/>
+    <p:sldId id="276" r:id="rId11"/>
+    <p:sldId id="284" r:id="rId12"/>
+    <p:sldId id="277" r:id="rId13"/>
+    <p:sldId id="268" r:id="rId14"/>
+    <p:sldId id="285" r:id="rId15"/>
   </p:sldIdLst>
   <p:sldSz cx="12192000" cy="6858000"/>
   <p:notesSz cx="6858000" cy="9144000"/>
@@ -546,7 +543,7 @@
           <a:p>
             <a:fld id="{C0DF6DB7-028F-4D48-9578-3CEC40A607BA}" type="slidenum">
               <a:rPr lang="en-GB" smtClean="0"/>
-              <a:t>9</a:t>
+              <a:t>3</a:t>
             </a:fld>
             <a:endParaRPr lang="en-GB"/>
           </a:p>
@@ -735,7 +732,7 @@
           <a:p>
             <a:fld id="{9B357CC7-4574-B54F-82B5-4084D5E86FC2}" type="datetimeFigureOut">
               <a:rPr lang="en-US" smtClean="0"/>
-              <a:t>2/18/2020</a:t>
+              <a:t>2/18/20</a:t>
             </a:fld>
             <a:endParaRPr lang="en-US"/>
           </a:p>
@@ -1002,7 +999,7 @@
           <a:p>
             <a:fld id="{9B357CC7-4574-B54F-82B5-4084D5E86FC2}" type="datetimeFigureOut">
               <a:rPr lang="en-US" smtClean="0"/>
-              <a:t>2/18/2020</a:t>
+              <a:t>2/18/20</a:t>
             </a:fld>
             <a:endParaRPr lang="en-US"/>
           </a:p>
@@ -1233,7 +1230,7 @@
           <a:p>
             <a:fld id="{9B357CC7-4574-B54F-82B5-4084D5E86FC2}" type="datetimeFigureOut">
               <a:rPr lang="en-US" smtClean="0"/>
-              <a:t>2/18/2020</a:t>
+              <a:t>2/18/20</a:t>
             </a:fld>
             <a:endParaRPr lang="en-US"/>
           </a:p>
@@ -1543,7 +1540,7 @@
           <a:p>
             <a:fld id="{9B357CC7-4574-B54F-82B5-4084D5E86FC2}" type="datetimeFigureOut">
               <a:rPr lang="en-US" smtClean="0"/>
-              <a:t>2/18/2020</a:t>
+              <a:t>2/18/20</a:t>
             </a:fld>
             <a:endParaRPr lang="en-US"/>
           </a:p>
@@ -2016,7 +2013,7 @@
           <a:p>
             <a:fld id="{9B357CC7-4574-B54F-82B5-4084D5E86FC2}" type="datetimeFigureOut">
               <a:rPr lang="en-US" smtClean="0"/>
-              <a:t>2/18/2020</a:t>
+              <a:t>2/18/20</a:t>
             </a:fld>
             <a:endParaRPr lang="en-US"/>
           </a:p>
@@ -2563,7 +2560,7 @@
           <a:p>
             <a:fld id="{9B357CC7-4574-B54F-82B5-4084D5E86FC2}" type="datetimeFigureOut">
               <a:rPr lang="en-US" smtClean="0"/>
-              <a:t>2/18/2020</a:t>
+              <a:t>2/18/20</a:t>
             </a:fld>
             <a:endParaRPr lang="en-US"/>
           </a:p>
@@ -3337,7 +3334,7 @@
           <a:p>
             <a:fld id="{9B357CC7-4574-B54F-82B5-4084D5E86FC2}" type="datetimeFigureOut">
               <a:rPr lang="en-US" smtClean="0"/>
-              <a:t>2/18/2020</a:t>
+              <a:t>2/18/20</a:t>
             </a:fld>
             <a:endParaRPr lang="en-US"/>
           </a:p>
@@ -3512,7 +3509,7 @@
           <a:p>
             <a:fld id="{9B357CC7-4574-B54F-82B5-4084D5E86FC2}" type="datetimeFigureOut">
               <a:rPr lang="en-US" smtClean="0"/>
-              <a:t>2/18/2020</a:t>
+              <a:t>2/18/20</a:t>
             </a:fld>
             <a:endParaRPr lang="en-US"/>
           </a:p>
@@ -3735,7 +3732,7 @@
           <a:p>
             <a:fld id="{9B357CC7-4574-B54F-82B5-4084D5E86FC2}" type="datetimeFigureOut">
               <a:rPr lang="en-US" smtClean="0"/>
-              <a:t>2/18/2020</a:t>
+              <a:t>2/18/20</a:t>
             </a:fld>
             <a:endParaRPr lang="en-US"/>
           </a:p>
@@ -3915,7 +3912,7 @@
           <a:p>
             <a:fld id="{9B357CC7-4574-B54F-82B5-4084D5E86FC2}" type="datetimeFigureOut">
               <a:rPr lang="en-US" smtClean="0"/>
-              <a:t>2/18/2020</a:t>
+              <a:t>2/18/20</a:t>
             </a:fld>
             <a:endParaRPr lang="en-US"/>
           </a:p>
@@ -4204,7 +4201,7 @@
           <a:p>
             <a:fld id="{9B357CC7-4574-B54F-82B5-4084D5E86FC2}" type="datetimeFigureOut">
               <a:rPr lang="en-US" smtClean="0"/>
-              <a:t>2/18/2020</a:t>
+              <a:t>2/18/20</a:t>
             </a:fld>
             <a:endParaRPr lang="en-US"/>
           </a:p>
@@ -4446,7 +4443,7 @@
           <a:p>
             <a:fld id="{9B357CC7-4574-B54F-82B5-4084D5E86FC2}" type="datetimeFigureOut">
               <a:rPr lang="en-US" smtClean="0"/>
-              <a:t>2/18/2020</a:t>
+              <a:t>2/18/20</a:t>
             </a:fld>
             <a:endParaRPr lang="en-US"/>
           </a:p>
@@ -4825,7 +4822,7 @@
           <a:p>
             <a:fld id="{9B357CC7-4574-B54F-82B5-4084D5E86FC2}" type="datetimeFigureOut">
               <a:rPr lang="en-US" smtClean="0"/>
-              <a:t>2/18/2020</a:t>
+              <a:t>2/18/20</a:t>
             </a:fld>
             <a:endParaRPr lang="en-US"/>
           </a:p>
@@ -4943,7 +4940,7 @@
           <a:p>
             <a:fld id="{9B357CC7-4574-B54F-82B5-4084D5E86FC2}" type="datetimeFigureOut">
               <a:rPr lang="en-US" smtClean="0"/>
-              <a:t>2/18/2020</a:t>
+              <a:t>2/18/20</a:t>
             </a:fld>
             <a:endParaRPr lang="en-US"/>
           </a:p>
@@ -5038,7 +5035,7 @@
           <a:p>
             <a:fld id="{9B357CC7-4574-B54F-82B5-4084D5E86FC2}" type="datetimeFigureOut">
               <a:rPr lang="en-US" smtClean="0"/>
-              <a:t>2/18/2020</a:t>
+              <a:t>2/18/20</a:t>
             </a:fld>
             <a:endParaRPr lang="en-US"/>
           </a:p>
@@ -5287,7 +5284,7 @@
           <a:p>
             <a:fld id="{9B357CC7-4574-B54F-82B5-4084D5E86FC2}" type="datetimeFigureOut">
               <a:rPr lang="en-US" smtClean="0"/>
-              <a:t>2/18/2020</a:t>
+              <a:t>2/18/20</a:t>
             </a:fld>
             <a:endParaRPr lang="en-US"/>
           </a:p>
@@ -5544,7 +5541,7 @@
           <a:p>
             <a:fld id="{9B357CC7-4574-B54F-82B5-4084D5E86FC2}" type="datetimeFigureOut">
               <a:rPr lang="en-US" smtClean="0"/>
-              <a:t>2/18/2020</a:t>
+              <a:t>2/18/20</a:t>
             </a:fld>
             <a:endParaRPr lang="en-US"/>
           </a:p>
@@ -5787,7 +5784,7 @@
           <a:p>
             <a:fld id="{9B357CC7-4574-B54F-82B5-4084D5E86FC2}" type="datetimeFigureOut">
               <a:rPr lang="en-US" smtClean="0"/>
-              <a:t>2/18/2020</a:t>
+              <a:t>2/18/20</a:t>
             </a:fld>
             <a:endParaRPr lang="en-US"/>
           </a:p>
@@ -6227,6 +6224,7 @@
             <a:r>
               <a:rPr lang="en-US" dirty="0">
                 <a:latin typeface="Garamond" panose="02020404030301010803" pitchFamily="18" charset="0"/>
+                <a:cs typeface="Calibri" panose="020F0502020204030204" pitchFamily="34" charset="0"/>
               </a:rPr>
               <a:t>Motional Control of Loudspeakers</a:t>
             </a:r>
@@ -6251,8 +6249,99 @@
         </p:nvSpPr>
         <p:spPr>
           <a:xfrm>
-            <a:off x="1666043" y="3965220"/>
+            <a:off x="1524000" y="3999820"/>
             <a:ext cx="9144000" cy="915533"/>
+          </a:xfrm>
+        </p:spPr>
+        <p:txBody>
+          <a:bodyPr>
+            <a:normAutofit/>
+          </a:bodyPr>
+          <a:lstStyle/>
+          <a:p>
+            <a:r>
+              <a:rPr lang="en-US" dirty="0">
+                <a:latin typeface="Garamond" panose="02020404030301010803" pitchFamily="18" charset="0"/>
+                <a:cs typeface="Calibri" panose="020F0502020204030204" pitchFamily="34" charset="0"/>
+              </a:rPr>
+              <a:t>Sujit Malde, ela17sm, Electrical and Electronic Engineering 3</a:t>
+            </a:r>
+            <a:r>
+              <a:rPr lang="en-US" baseline="30000" dirty="0">
+                <a:latin typeface="Garamond" panose="02020404030301010803" pitchFamily="18" charset="0"/>
+                <a:cs typeface="Calibri" panose="020F0502020204030204" pitchFamily="34" charset="0"/>
+              </a:rPr>
+              <a:t>rd</a:t>
+            </a:r>
+            <a:r>
+              <a:rPr lang="en-US" dirty="0">
+                <a:latin typeface="Garamond" panose="02020404030301010803" pitchFamily="18" charset="0"/>
+                <a:cs typeface="Calibri" panose="020F0502020204030204" pitchFamily="34" charset="0"/>
+              </a:rPr>
+              <a:t> Year Project</a:t>
+            </a:r>
+          </a:p>
+          <a:p>
+            <a:r>
+              <a:rPr lang="en-US" dirty="0">
+                <a:latin typeface="Garamond" panose="02020404030301010803" pitchFamily="18" charset="0"/>
+                <a:cs typeface="Calibri" panose="020F0502020204030204" pitchFamily="34" charset="0"/>
+              </a:rPr>
+              <a:t>Second Marker Viva</a:t>
+            </a:r>
+          </a:p>
+        </p:txBody>
+      </p:sp>
+    </p:spTree>
+    <p:extLst>
+      <p:ext uri="{BB962C8B-B14F-4D97-AF65-F5344CB8AC3E}">
+        <p14:creationId xmlns:p14="http://schemas.microsoft.com/office/powerpoint/2010/main" val="3760262180"/>
+      </p:ext>
+    </p:extLst>
+  </p:cSld>
+  <p:clrMapOvr>
+    <a:masterClrMapping/>
+  </p:clrMapOvr>
+</p:sld>
+</file>
+
+<file path=ppt/slides/slide10.xml><?xml version="1.0" encoding="utf-8"?>
+<p:sld xmlns:a="http://schemas.openxmlformats.org/drawingml/2006/main" xmlns:r="http://schemas.openxmlformats.org/officeDocument/2006/relationships" xmlns:p="http://schemas.openxmlformats.org/presentationml/2006/main">
+  <p:cSld>
+    <p:spTree>
+      <p:nvGrpSpPr>
+        <p:cNvPr id="1" name=""/>
+        <p:cNvGrpSpPr/>
+        <p:nvPr/>
+      </p:nvGrpSpPr>
+      <p:grpSpPr>
+        <a:xfrm>
+          <a:off x="0" y="0"/>
+          <a:ext cx="0" cy="0"/>
+          <a:chOff x="0" y="0"/>
+          <a:chExt cx="0" cy="0"/>
+        </a:xfrm>
+      </p:grpSpPr>
+      <p:sp>
+        <p:nvSpPr>
+          <p:cNvPr id="2" name="Title 1">
+            <a:extLst>
+              <a:ext uri="{FF2B5EF4-FFF2-40B4-BE49-F238E27FC236}">
+                <a16:creationId xmlns:a16="http://schemas.microsoft.com/office/drawing/2014/main" id="{3BC0C561-0A9C-D149-9202-3092720D854D}"/>
+              </a:ext>
+            </a:extLst>
+          </p:cNvPr>
+          <p:cNvSpPr>
+            <a:spLocks noGrp="1"/>
+          </p:cNvSpPr>
+          <p:nvPr>
+            <p:ph type="title"/>
+          </p:nvPr>
+        </p:nvSpPr>
+        <p:spPr>
+          <a:xfrm>
+            <a:off x="7827308" y="-278762"/>
+            <a:ext cx="2346511" cy="1293028"/>
           </a:xfrm>
         </p:spPr>
         <p:txBody>
@@ -6263,47 +6352,353 @@
               <a:rPr lang="en-US" dirty="0">
                 <a:latin typeface="Garamond" panose="02020404030301010803" pitchFamily="18" charset="0"/>
               </a:rPr>
-              <a:t>Sujit Malde, ela17sm</a:t>
+              <a:t>Results</a:t>
+            </a:r>
+          </a:p>
+        </p:txBody>
+      </p:sp>
+      <p:pic>
+        <p:nvPicPr>
+          <p:cNvPr id="7" name="Picture 6" descr="A close up of a map&#10;&#10;Description automatically generated">
+            <a:extLst>
+              <a:ext uri="{FF2B5EF4-FFF2-40B4-BE49-F238E27FC236}">
+                <a16:creationId xmlns:a16="http://schemas.microsoft.com/office/drawing/2014/main" id="{1FD1AAD9-ABC7-4DB1-8761-705D54CCF367}"/>
+              </a:ext>
+            </a:extLst>
+          </p:cNvPr>
+          <p:cNvPicPr>
+            <a:picLocks noChangeAspect="1"/>
+          </p:cNvPicPr>
+          <p:nvPr/>
+        </p:nvPicPr>
+        <p:blipFill rotWithShape="1">
+          <a:blip r:embed="rId2"/>
+          <a:srcRect l="8297" r="6508" b="4480"/>
+          <a:stretch/>
+        </p:blipFill>
+        <p:spPr>
+          <a:xfrm>
+            <a:off x="0" y="-15421"/>
+            <a:ext cx="7041776" cy="3959892"/>
+          </a:xfrm>
+          <a:prstGeom prst="rect">
+            <a:avLst/>
+          </a:prstGeom>
+        </p:spPr>
+      </p:pic>
+      <p:pic>
+        <p:nvPicPr>
+          <p:cNvPr id="9" name="Picture 8" descr="A screenshot of a cell phone&#10;&#10;Description automatically generated">
+            <a:extLst>
+              <a:ext uri="{FF2B5EF4-FFF2-40B4-BE49-F238E27FC236}">
+                <a16:creationId xmlns:a16="http://schemas.microsoft.com/office/drawing/2014/main" id="{8E522961-9741-4601-9A53-1818C48B0105}"/>
+              </a:ext>
+            </a:extLst>
+          </p:cNvPr>
+          <p:cNvPicPr>
+            <a:picLocks noChangeAspect="1"/>
+          </p:cNvPicPr>
+          <p:nvPr/>
+        </p:nvPicPr>
+        <p:blipFill rotWithShape="1">
+          <a:blip r:embed="rId3"/>
+          <a:srcRect l="8786" r="5929"/>
+          <a:stretch/>
+        </p:blipFill>
+        <p:spPr>
+          <a:xfrm>
+            <a:off x="5150224" y="2716755"/>
+            <a:ext cx="7041776" cy="4141245"/>
+          </a:xfrm>
+          <a:prstGeom prst="rect">
+            <a:avLst/>
+          </a:prstGeom>
+        </p:spPr>
+      </p:pic>
+      <p:sp>
+        <p:nvSpPr>
+          <p:cNvPr id="10" name="Content Placeholder 2">
+            <a:extLst>
+              <a:ext uri="{FF2B5EF4-FFF2-40B4-BE49-F238E27FC236}">
+                <a16:creationId xmlns:a16="http://schemas.microsoft.com/office/drawing/2014/main" id="{EF543DB4-0158-43B4-844E-921B1FABD918}"/>
+              </a:ext>
+            </a:extLst>
+          </p:cNvPr>
+          <p:cNvSpPr>
+            <a:spLocks noGrp="1"/>
+          </p:cNvSpPr>
+          <p:nvPr>
+            <p:ph idx="1"/>
+          </p:nvPr>
+        </p:nvSpPr>
+        <p:spPr>
+          <a:xfrm>
+            <a:off x="0" y="3944471"/>
+            <a:ext cx="5150224" cy="2913529"/>
+          </a:xfrm>
+        </p:spPr>
+        <p:txBody>
+          <a:bodyPr/>
+          <a:lstStyle/>
+          <a:p>
+            <a:r>
+              <a:rPr lang="en-US" sz="2400" dirty="0">
+                <a:latin typeface="Garamond" panose="02020404030301010803" pitchFamily="18" charset="0"/>
+              </a:rPr>
+              <a:t>Group delay of the system improved for most of the range of operation</a:t>
             </a:r>
           </a:p>
           <a:p>
             <a:r>
-              <a:rPr lang="en-US" dirty="0">
+              <a:rPr lang="en-US" sz="2400" dirty="0">
                 <a:latin typeface="Garamond" panose="02020404030301010803" pitchFamily="18" charset="0"/>
               </a:rPr>
-              <a:t>Electrical and Electronic Engineering 3</a:t>
+              <a:t>Improvement by as much as 2ms around 45Hz</a:t>
             </a:r>
+          </a:p>
+          <a:p>
             <a:r>
-              <a:rPr lang="en-US" baseline="30000" dirty="0">
+              <a:rPr lang="en-US" sz="2400" dirty="0">
                 <a:latin typeface="Garamond" panose="02020404030301010803" pitchFamily="18" charset="0"/>
               </a:rPr>
-              <a:t>rd</a:t>
+              <a:t>System will respond faster to an input, reach a nominal value faster</a:t>
             </a:r>
+          </a:p>
+          <a:p>
+            <a:endParaRPr lang="en-US" dirty="0">
+              <a:latin typeface="Garamond" panose="02020404030301010803" pitchFamily="18" charset="0"/>
+            </a:endParaRPr>
+          </a:p>
+          <a:p>
+            <a:endParaRPr lang="en-US" dirty="0">
+              <a:latin typeface="Garamond" panose="02020404030301010803" pitchFamily="18" charset="0"/>
+            </a:endParaRPr>
+          </a:p>
+        </p:txBody>
+      </p:sp>
+      <p:sp>
+        <p:nvSpPr>
+          <p:cNvPr id="11" name="Content Placeholder 2">
+            <a:extLst>
+              <a:ext uri="{FF2B5EF4-FFF2-40B4-BE49-F238E27FC236}">
+                <a16:creationId xmlns:a16="http://schemas.microsoft.com/office/drawing/2014/main" id="{16C46C9B-A04B-4448-AE63-4289B173287E}"/>
+              </a:ext>
+            </a:extLst>
+          </p:cNvPr>
+          <p:cNvSpPr txBox="1">
+            <a:spLocks/>
+          </p:cNvSpPr>
+          <p:nvPr/>
+        </p:nvSpPr>
+        <p:spPr>
+          <a:xfrm>
+            <a:off x="7041776" y="595527"/>
+            <a:ext cx="5150224" cy="2121228"/>
+          </a:xfrm>
+          <a:prstGeom prst="rect">
+            <a:avLst/>
+          </a:prstGeom>
+        </p:spPr>
+        <p:txBody>
+          <a:bodyPr vert="horz" lIns="91440" tIns="45720" rIns="91440" bIns="45720" rtlCol="0">
+            <a:normAutofit lnSpcReduction="10000"/>
+          </a:bodyPr>
+          <a:lstStyle>
+            <a:lvl1pPr marL="228600" indent="-228600" algn="l" defTabSz="914400" rtl="0" eaLnBrk="1" latinLnBrk="0" hangingPunct="1">
+              <a:lnSpc>
+                <a:spcPct val="90000"/>
+              </a:lnSpc>
+              <a:spcBef>
+                <a:spcPts val="1000"/>
+              </a:spcBef>
+              <a:buFont typeface="Arial" panose="020B0604020202020204" pitchFamily="34" charset="0"/>
+              <a:buChar char="•"/>
+              <a:defRPr sz="2200" kern="1200">
+                <a:solidFill>
+                  <a:schemeClr val="tx1"/>
+                </a:solidFill>
+                <a:latin typeface="+mn-lt"/>
+                <a:ea typeface="+mn-ea"/>
+                <a:cs typeface="+mn-cs"/>
+              </a:defRPr>
+            </a:lvl1pPr>
+            <a:lvl2pPr marL="685800" indent="-228600" algn="l" defTabSz="914400" rtl="0" eaLnBrk="1" latinLnBrk="0" hangingPunct="1">
+              <a:lnSpc>
+                <a:spcPct val="90000"/>
+              </a:lnSpc>
+              <a:spcBef>
+                <a:spcPts val="500"/>
+              </a:spcBef>
+              <a:buFont typeface="Arial" panose="020B0604020202020204" pitchFamily="34" charset="0"/>
+              <a:buChar char="•"/>
+              <a:defRPr sz="2000" kern="1200">
+                <a:solidFill>
+                  <a:schemeClr val="tx1"/>
+                </a:solidFill>
+                <a:latin typeface="+mn-lt"/>
+                <a:ea typeface="+mn-ea"/>
+                <a:cs typeface="+mn-cs"/>
+              </a:defRPr>
+            </a:lvl2pPr>
+            <a:lvl3pPr marL="1143000" indent="-228600" algn="l" defTabSz="914400" rtl="0" eaLnBrk="1" latinLnBrk="0" hangingPunct="1">
+              <a:lnSpc>
+                <a:spcPct val="90000"/>
+              </a:lnSpc>
+              <a:spcBef>
+                <a:spcPts val="500"/>
+              </a:spcBef>
+              <a:buFont typeface="Arial" panose="020B0604020202020204" pitchFamily="34" charset="0"/>
+              <a:buChar char="•"/>
+              <a:defRPr sz="1800" kern="1200">
+                <a:solidFill>
+                  <a:schemeClr val="tx1"/>
+                </a:solidFill>
+                <a:latin typeface="+mn-lt"/>
+                <a:ea typeface="+mn-ea"/>
+                <a:cs typeface="+mn-cs"/>
+              </a:defRPr>
+            </a:lvl3pPr>
+            <a:lvl4pPr marL="1600200" indent="-228600" algn="l" defTabSz="914400" rtl="0" eaLnBrk="1" latinLnBrk="0" hangingPunct="1">
+              <a:lnSpc>
+                <a:spcPct val="90000"/>
+              </a:lnSpc>
+              <a:spcBef>
+                <a:spcPts val="500"/>
+              </a:spcBef>
+              <a:buFont typeface="Arial" panose="020B0604020202020204" pitchFamily="34" charset="0"/>
+              <a:buChar char="•"/>
+              <a:defRPr sz="1600" kern="1200">
+                <a:solidFill>
+                  <a:schemeClr val="tx1"/>
+                </a:solidFill>
+                <a:latin typeface="+mn-lt"/>
+                <a:ea typeface="+mn-ea"/>
+                <a:cs typeface="+mn-cs"/>
+              </a:defRPr>
+            </a:lvl4pPr>
+            <a:lvl5pPr marL="2057400" indent="-228600" algn="l" defTabSz="914400" rtl="0" eaLnBrk="1" latinLnBrk="0" hangingPunct="1">
+              <a:lnSpc>
+                <a:spcPct val="90000"/>
+              </a:lnSpc>
+              <a:spcBef>
+                <a:spcPts val="500"/>
+              </a:spcBef>
+              <a:buFont typeface="Arial" panose="020B0604020202020204" pitchFamily="34" charset="0"/>
+              <a:buChar char="•"/>
+              <a:defRPr sz="1600" kern="1200">
+                <a:solidFill>
+                  <a:schemeClr val="tx1"/>
+                </a:solidFill>
+                <a:latin typeface="+mn-lt"/>
+                <a:ea typeface="+mn-ea"/>
+                <a:cs typeface="+mn-cs"/>
+              </a:defRPr>
+            </a:lvl5pPr>
+            <a:lvl6pPr marL="2514600" indent="-228600" algn="l" defTabSz="914400" rtl="0" eaLnBrk="1" latinLnBrk="0" hangingPunct="1">
+              <a:lnSpc>
+                <a:spcPct val="90000"/>
+              </a:lnSpc>
+              <a:spcBef>
+                <a:spcPts val="500"/>
+              </a:spcBef>
+              <a:buFont typeface="Arial" panose="020B0604020202020204" pitchFamily="34" charset="0"/>
+              <a:buChar char="•"/>
+              <a:defRPr sz="1600" kern="1200">
+                <a:solidFill>
+                  <a:schemeClr val="tx1"/>
+                </a:solidFill>
+                <a:latin typeface="+mn-lt"/>
+                <a:ea typeface="+mn-ea"/>
+                <a:cs typeface="+mn-cs"/>
+              </a:defRPr>
+            </a:lvl6pPr>
+            <a:lvl7pPr marL="2971800" indent="-228600" algn="l" defTabSz="914400" rtl="0" eaLnBrk="1" latinLnBrk="0" hangingPunct="1">
+              <a:lnSpc>
+                <a:spcPct val="90000"/>
+              </a:lnSpc>
+              <a:spcBef>
+                <a:spcPts val="500"/>
+              </a:spcBef>
+              <a:buFont typeface="Arial" panose="020B0604020202020204" pitchFamily="34" charset="0"/>
+              <a:buChar char="•"/>
+              <a:defRPr sz="1600" kern="1200">
+                <a:solidFill>
+                  <a:schemeClr val="tx1"/>
+                </a:solidFill>
+                <a:latin typeface="+mn-lt"/>
+                <a:ea typeface="+mn-ea"/>
+                <a:cs typeface="+mn-cs"/>
+              </a:defRPr>
+            </a:lvl7pPr>
+            <a:lvl8pPr marL="3429000" indent="-228600" algn="l" defTabSz="914400" rtl="0" eaLnBrk="1" latinLnBrk="0" hangingPunct="1">
+              <a:lnSpc>
+                <a:spcPct val="90000"/>
+              </a:lnSpc>
+              <a:spcBef>
+                <a:spcPts val="500"/>
+              </a:spcBef>
+              <a:buFont typeface="Arial" panose="020B0604020202020204" pitchFamily="34" charset="0"/>
+              <a:buChar char="•"/>
+              <a:defRPr sz="1600" kern="1200">
+                <a:solidFill>
+                  <a:schemeClr val="tx1"/>
+                </a:solidFill>
+                <a:latin typeface="+mn-lt"/>
+                <a:ea typeface="+mn-ea"/>
+                <a:cs typeface="+mn-cs"/>
+              </a:defRPr>
+            </a:lvl8pPr>
+            <a:lvl9pPr marL="3886200" indent="-228600" algn="l" defTabSz="914400" rtl="0" eaLnBrk="1" latinLnBrk="0" hangingPunct="1">
+              <a:lnSpc>
+                <a:spcPct val="90000"/>
+              </a:lnSpc>
+              <a:spcBef>
+                <a:spcPts val="500"/>
+              </a:spcBef>
+              <a:buFont typeface="Arial" panose="020B0604020202020204" pitchFamily="34" charset="0"/>
+              <a:buChar char="•"/>
+              <a:defRPr sz="1600" kern="1200">
+                <a:solidFill>
+                  <a:schemeClr val="tx1"/>
+                </a:solidFill>
+                <a:latin typeface="+mn-lt"/>
+                <a:ea typeface="+mn-ea"/>
+                <a:cs typeface="+mn-cs"/>
+              </a:defRPr>
+            </a:lvl9pPr>
+          </a:lstStyle>
+          <a:p>
             <a:r>
-              <a:rPr lang="en-US" dirty="0">
+              <a:rPr lang="en-US" sz="2400" dirty="0">
                 <a:latin typeface="Garamond" panose="02020404030301010803" pitchFamily="18" charset="0"/>
               </a:rPr>
-              <a:t> Year Project, 2</a:t>
+              <a:t>As expected, magnitude response improved massively at low frequencies</a:t>
             </a:r>
+          </a:p>
+          <a:p>
             <a:r>
-              <a:rPr lang="en-US" baseline="30000" dirty="0">
+              <a:rPr lang="en-US" sz="2400" dirty="0">
                 <a:latin typeface="Garamond" panose="02020404030301010803" pitchFamily="18" charset="0"/>
               </a:rPr>
-              <a:t>nd</a:t>
+              <a:t>In practice this is unobtainable because too much air needs to be moved, cone displacement will exceed maximum allowed value</a:t>
             </a:r>
-            <a:r>
-              <a:rPr lang="en-US" dirty="0">
-                <a:latin typeface="Garamond" panose="02020404030301010803" pitchFamily="18" charset="0"/>
-              </a:rPr>
-              <a:t> Marker Viva</a:t>
-            </a:r>
+          </a:p>
+          <a:p>
+            <a:endParaRPr lang="en-US" dirty="0">
+              <a:latin typeface="Garamond" panose="02020404030301010803" pitchFamily="18" charset="0"/>
+            </a:endParaRPr>
+          </a:p>
+          <a:p>
+            <a:endParaRPr lang="en-US" dirty="0">
+              <a:latin typeface="Garamond" panose="02020404030301010803" pitchFamily="18" charset="0"/>
+            </a:endParaRPr>
           </a:p>
         </p:txBody>
       </p:sp>
     </p:spTree>
     <p:extLst>
       <p:ext uri="{BB962C8B-B14F-4D97-AF65-F5344CB8AC3E}">
-        <p14:creationId xmlns:p14="http://schemas.microsoft.com/office/powerpoint/2010/main" val="2223715087"/>
+        <p14:creationId xmlns:p14="http://schemas.microsoft.com/office/powerpoint/2010/main" val="663071535"/>
       </p:ext>
     </p:extLst>
   </p:cSld>
@@ -6313,7 +6708,1242 @@
 </p:sld>
 </file>
 
-<file path=ppt/slides/slide10.xml><?xml version="1.0" encoding="utf-8"?>
+<file path=ppt/slides/slide11.xml><?xml version="1.0" encoding="utf-8"?>
+<p:sld xmlns:a="http://schemas.openxmlformats.org/drawingml/2006/main" xmlns:r="http://schemas.openxmlformats.org/officeDocument/2006/relationships" xmlns:p="http://schemas.openxmlformats.org/presentationml/2006/main">
+  <p:cSld>
+    <p:spTree>
+      <p:nvGrpSpPr>
+        <p:cNvPr id="1" name=""/>
+        <p:cNvGrpSpPr/>
+        <p:nvPr/>
+      </p:nvGrpSpPr>
+      <p:grpSpPr>
+        <a:xfrm>
+          <a:off x="0" y="0"/>
+          <a:ext cx="0" cy="0"/>
+          <a:chOff x="0" y="0"/>
+          <a:chExt cx="0" cy="0"/>
+        </a:xfrm>
+      </p:grpSpPr>
+      <p:sp>
+        <p:nvSpPr>
+          <p:cNvPr id="2" name="Title 1">
+            <a:extLst>
+              <a:ext uri="{FF2B5EF4-FFF2-40B4-BE49-F238E27FC236}">
+                <a16:creationId xmlns:a16="http://schemas.microsoft.com/office/drawing/2014/main" id="{3BC0C561-0A9C-D149-9202-3092720D854D}"/>
+              </a:ext>
+            </a:extLst>
+          </p:cNvPr>
+          <p:cNvSpPr>
+            <a:spLocks noGrp="1"/>
+          </p:cNvSpPr>
+          <p:nvPr>
+            <p:ph type="title"/>
+          </p:nvPr>
+        </p:nvSpPr>
+        <p:spPr>
+          <a:xfrm>
+            <a:off x="8202447" y="319115"/>
+            <a:ext cx="2346511" cy="1293028"/>
+          </a:xfrm>
+        </p:spPr>
+        <p:txBody>
+          <a:bodyPr/>
+          <a:lstStyle/>
+          <a:p>
+            <a:r>
+              <a:rPr lang="en-US" dirty="0">
+                <a:latin typeface="Garamond" panose="02020404030301010803" pitchFamily="18" charset="0"/>
+              </a:rPr>
+              <a:t>Results</a:t>
+            </a:r>
+          </a:p>
+        </p:txBody>
+      </p:sp>
+      <p:sp>
+        <p:nvSpPr>
+          <p:cNvPr id="10" name="Content Placeholder 2">
+            <a:extLst>
+              <a:ext uri="{FF2B5EF4-FFF2-40B4-BE49-F238E27FC236}">
+                <a16:creationId xmlns:a16="http://schemas.microsoft.com/office/drawing/2014/main" id="{EF543DB4-0158-43B4-844E-921B1FABD918}"/>
+              </a:ext>
+            </a:extLst>
+          </p:cNvPr>
+          <p:cNvSpPr>
+            <a:spLocks noGrp="1"/>
+          </p:cNvSpPr>
+          <p:nvPr>
+            <p:ph idx="1"/>
+          </p:nvPr>
+        </p:nvSpPr>
+        <p:spPr>
+          <a:xfrm>
+            <a:off x="7230979" y="2328066"/>
+            <a:ext cx="4961021" cy="2201868"/>
+          </a:xfrm>
+        </p:spPr>
+        <p:txBody>
+          <a:bodyPr/>
+          <a:lstStyle/>
+          <a:p>
+            <a:r>
+              <a:rPr lang="en-US" sz="2400" dirty="0">
+                <a:latin typeface="Garamond" panose="02020404030301010803" pitchFamily="18" charset="0"/>
+              </a:rPr>
+              <a:t>Simulink model confirms that existing setup of Linkwitz Transform, driver, box does not exceed physical limitations</a:t>
+            </a:r>
+          </a:p>
+          <a:p>
+            <a:r>
+              <a:rPr lang="en-US" sz="2400" dirty="0">
+                <a:latin typeface="Garamond" panose="02020404030301010803" pitchFamily="18" charset="0"/>
+              </a:rPr>
+              <a:t>Important result – LT may not have worked for this driver</a:t>
+            </a:r>
+          </a:p>
+          <a:p>
+            <a:endParaRPr lang="en-US" dirty="0">
+              <a:latin typeface="Garamond" panose="02020404030301010803" pitchFamily="18" charset="0"/>
+            </a:endParaRPr>
+          </a:p>
+          <a:p>
+            <a:endParaRPr lang="en-US" dirty="0">
+              <a:latin typeface="Garamond" panose="02020404030301010803" pitchFamily="18" charset="0"/>
+            </a:endParaRPr>
+          </a:p>
+        </p:txBody>
+      </p:sp>
+      <p:pic>
+        <p:nvPicPr>
+          <p:cNvPr id="8" name="Picture 7" descr="A screenshot of a social media post&#10;&#10;Description automatically generated">
+            <a:extLst>
+              <a:ext uri="{FF2B5EF4-FFF2-40B4-BE49-F238E27FC236}">
+                <a16:creationId xmlns:a16="http://schemas.microsoft.com/office/drawing/2014/main" id="{564E5F6E-8003-454F-9654-86EE718DB468}"/>
+              </a:ext>
+            </a:extLst>
+          </p:cNvPr>
+          <p:cNvPicPr>
+            <a:picLocks noChangeAspect="1"/>
+          </p:cNvPicPr>
+          <p:nvPr/>
+        </p:nvPicPr>
+        <p:blipFill rotWithShape="1">
+          <a:blip r:embed="rId2">
+            <a:extLst>
+              <a:ext uri="{28A0092B-C50C-407E-A947-70E740481C1C}">
+                <a14:useLocalDpi xmlns:a14="http://schemas.microsoft.com/office/drawing/2010/main" val="0"/>
+              </a:ext>
+            </a:extLst>
+          </a:blip>
+          <a:srcRect l="9811" t="3316" r="8845" b="5483"/>
+          <a:stretch/>
+        </p:blipFill>
+        <p:spPr bwMode="auto">
+          <a:xfrm>
+            <a:off x="0" y="1443712"/>
+            <a:ext cx="7230979" cy="4065322"/>
+          </a:xfrm>
+          <a:prstGeom prst="rect">
+            <a:avLst/>
+          </a:prstGeom>
+          <a:ln>
+            <a:noFill/>
+          </a:ln>
+          <a:extLst>
+            <a:ext uri="{53640926-AAD7-44D8-BBD7-CCE9431645EC}">
+              <a14:shadowObscured xmlns:a14="http://schemas.microsoft.com/office/drawing/2010/main"/>
+            </a:ext>
+          </a:extLst>
+        </p:spPr>
+      </p:pic>
+    </p:spTree>
+    <p:extLst>
+      <p:ext uri="{BB962C8B-B14F-4D97-AF65-F5344CB8AC3E}">
+        <p14:creationId xmlns:p14="http://schemas.microsoft.com/office/powerpoint/2010/main" val="3185633082"/>
+      </p:ext>
+    </p:extLst>
+  </p:cSld>
+  <p:clrMapOvr>
+    <a:masterClrMapping/>
+  </p:clrMapOvr>
+</p:sld>
+</file>
+
+<file path=ppt/slides/slide12.xml><?xml version="1.0" encoding="utf-8"?>
+<p:sld xmlns:a="http://schemas.openxmlformats.org/drawingml/2006/main" xmlns:r="http://schemas.openxmlformats.org/officeDocument/2006/relationships" xmlns:p="http://schemas.openxmlformats.org/presentationml/2006/main">
+  <p:cSld>
+    <p:spTree>
+      <p:nvGrpSpPr>
+        <p:cNvPr id="1" name=""/>
+        <p:cNvGrpSpPr/>
+        <p:nvPr/>
+      </p:nvGrpSpPr>
+      <p:grpSpPr>
+        <a:xfrm>
+          <a:off x="0" y="0"/>
+          <a:ext cx="0" cy="0"/>
+          <a:chOff x="0" y="0"/>
+          <a:chExt cx="0" cy="0"/>
+        </a:xfrm>
+      </p:grpSpPr>
+      <p:sp>
+        <p:nvSpPr>
+          <p:cNvPr id="2" name="Title 1">
+            <a:extLst>
+              <a:ext uri="{FF2B5EF4-FFF2-40B4-BE49-F238E27FC236}">
+                <a16:creationId xmlns:a16="http://schemas.microsoft.com/office/drawing/2014/main" id="{30D11954-8BAE-0D40-9CC0-3D1426B35C0A}"/>
+              </a:ext>
+            </a:extLst>
+          </p:cNvPr>
+          <p:cNvSpPr>
+            <a:spLocks noGrp="1"/>
+          </p:cNvSpPr>
+          <p:nvPr>
+            <p:ph type="title"/>
+          </p:nvPr>
+        </p:nvSpPr>
+        <p:spPr>
+          <a:xfrm>
+            <a:off x="9097108" y="0"/>
+            <a:ext cx="1987062" cy="1293028"/>
+          </a:xfrm>
+        </p:spPr>
+        <p:txBody>
+          <a:bodyPr/>
+          <a:lstStyle/>
+          <a:p>
+            <a:r>
+              <a:rPr lang="en-US" dirty="0">
+                <a:latin typeface="Garamond" panose="02020404030301010803" pitchFamily="18" charset="0"/>
+              </a:rPr>
+              <a:t>Plans</a:t>
+            </a:r>
+          </a:p>
+        </p:txBody>
+      </p:sp>
+      <p:sp>
+        <p:nvSpPr>
+          <p:cNvPr id="3" name="Content Placeholder 2">
+            <a:extLst>
+              <a:ext uri="{FF2B5EF4-FFF2-40B4-BE49-F238E27FC236}">
+                <a16:creationId xmlns:a16="http://schemas.microsoft.com/office/drawing/2014/main" id="{9814AEE1-CEF1-BA4F-87C0-660584B9DE3D}"/>
+              </a:ext>
+            </a:extLst>
+          </p:cNvPr>
+          <p:cNvSpPr>
+            <a:spLocks noGrp="1"/>
+          </p:cNvSpPr>
+          <p:nvPr>
+            <p:ph idx="1"/>
+          </p:nvPr>
+        </p:nvSpPr>
+        <p:spPr>
+          <a:xfrm>
+            <a:off x="5070231" y="593761"/>
+            <a:ext cx="5808785" cy="1234440"/>
+          </a:xfrm>
+        </p:spPr>
+        <p:txBody>
+          <a:bodyPr>
+            <a:normAutofit lnSpcReduction="10000"/>
+          </a:bodyPr>
+          <a:lstStyle/>
+          <a:p>
+            <a:r>
+              <a:rPr lang="en-US" dirty="0">
+                <a:latin typeface="Garamond" panose="02020404030301010803" pitchFamily="18" charset="0"/>
+              </a:rPr>
+              <a:t>Finish building subwoofer system</a:t>
+            </a:r>
+          </a:p>
+          <a:p>
+            <a:r>
+              <a:rPr lang="en-US" dirty="0">
+                <a:latin typeface="Garamond" panose="02020404030301010803" pitchFamily="18" charset="0"/>
+              </a:rPr>
+              <a:t>Make and test open-loop compensator</a:t>
+            </a:r>
+          </a:p>
+          <a:p>
+            <a:r>
+              <a:rPr lang="en-US" dirty="0">
+                <a:latin typeface="Garamond" panose="02020404030301010803" pitchFamily="18" charset="0"/>
+              </a:rPr>
+              <a:t>Design, simulate, build closed-loop compensators</a:t>
+            </a:r>
+          </a:p>
+        </p:txBody>
+      </p:sp>
+      <p:pic>
+        <p:nvPicPr>
+          <p:cNvPr id="5" name="Picture 4" descr="A picture containing crossword puzzle, text, shoji&#10;&#10;Description automatically generated">
+            <a:extLst>
+              <a:ext uri="{FF2B5EF4-FFF2-40B4-BE49-F238E27FC236}">
+                <a16:creationId xmlns:a16="http://schemas.microsoft.com/office/drawing/2014/main" id="{C916DFFC-EBB9-1C4B-8AFA-6F6C230CD5AB}"/>
+              </a:ext>
+            </a:extLst>
+          </p:cNvPr>
+          <p:cNvPicPr>
+            <a:picLocks noChangeAspect="1"/>
+          </p:cNvPicPr>
+          <p:nvPr/>
+        </p:nvPicPr>
+        <p:blipFill>
+          <a:blip r:embed="rId2">
+            <a:extLst>
+              <a:ext uri="{28A0092B-C50C-407E-A947-70E740481C1C}">
+                <a14:useLocalDpi xmlns:a14="http://schemas.microsoft.com/office/drawing/2010/main" val="0"/>
+              </a:ext>
+            </a:extLst>
+          </a:blip>
+          <a:stretch>
+            <a:fillRect/>
+          </a:stretch>
+        </p:blipFill>
+        <p:spPr>
+          <a:xfrm>
+            <a:off x="3412246" y="1857196"/>
+            <a:ext cx="3832616" cy="4860127"/>
+          </a:xfrm>
+          <a:prstGeom prst="rect">
+            <a:avLst/>
+          </a:prstGeom>
+        </p:spPr>
+      </p:pic>
+      <p:pic>
+        <p:nvPicPr>
+          <p:cNvPr id="7" name="Picture 6" descr="A close up of text on a white surface&#10;&#10;Description automatically generated">
+            <a:extLst>
+              <a:ext uri="{FF2B5EF4-FFF2-40B4-BE49-F238E27FC236}">
+                <a16:creationId xmlns:a16="http://schemas.microsoft.com/office/drawing/2014/main" id="{6C2D087D-E00A-7049-8FEF-74671D862438}"/>
+              </a:ext>
+            </a:extLst>
+          </p:cNvPr>
+          <p:cNvPicPr/>
+          <p:nvPr/>
+        </p:nvPicPr>
+        <p:blipFill rotWithShape="1">
+          <a:blip r:embed="rId3">
+            <a:extLst>
+              <a:ext uri="{28A0092B-C50C-407E-A947-70E740481C1C}">
+                <a14:useLocalDpi xmlns:a14="http://schemas.microsoft.com/office/drawing/2010/main" val="0"/>
+              </a:ext>
+            </a:extLst>
+          </a:blip>
+          <a:srcRect l="482" t="128" r="402" b="255"/>
+          <a:stretch/>
+        </p:blipFill>
+        <p:spPr bwMode="auto">
+          <a:xfrm>
+            <a:off x="153988" y="879768"/>
+            <a:ext cx="3071495" cy="5837555"/>
+          </a:xfrm>
+          <a:prstGeom prst="rect">
+            <a:avLst/>
+          </a:prstGeom>
+          <a:ln>
+            <a:noFill/>
+          </a:ln>
+          <a:extLst>
+            <a:ext uri="{53640926-AAD7-44D8-BBD7-CCE9431645EC}">
+              <a14:shadowObscured xmlns:a14="http://schemas.microsoft.com/office/drawing/2010/main"/>
+            </a:ext>
+          </a:extLst>
+        </p:spPr>
+      </p:pic>
+      <p:pic>
+        <p:nvPicPr>
+          <p:cNvPr id="8" name="Picture 7" descr="A screenshot of a cell phone&#10;&#10;Description automatically generated">
+            <a:extLst>
+              <a:ext uri="{FF2B5EF4-FFF2-40B4-BE49-F238E27FC236}">
+                <a16:creationId xmlns:a16="http://schemas.microsoft.com/office/drawing/2014/main" id="{320BD363-DE95-154D-9164-4018AB579A38}"/>
+              </a:ext>
+            </a:extLst>
+          </p:cNvPr>
+          <p:cNvPicPr/>
+          <p:nvPr/>
+        </p:nvPicPr>
+        <p:blipFill>
+          <a:blip r:embed="rId4">
+            <a:extLst>
+              <a:ext uri="{28A0092B-C50C-407E-A947-70E740481C1C}">
+                <a14:useLocalDpi xmlns:a14="http://schemas.microsoft.com/office/drawing/2010/main" val="0"/>
+              </a:ext>
+            </a:extLst>
+          </a:blip>
+          <a:stretch>
+            <a:fillRect/>
+          </a:stretch>
+        </p:blipFill>
+        <p:spPr>
+          <a:xfrm>
+            <a:off x="7431625" y="1899885"/>
+            <a:ext cx="4600941" cy="4817438"/>
+          </a:xfrm>
+          <a:prstGeom prst="rect">
+            <a:avLst/>
+          </a:prstGeom>
+        </p:spPr>
+      </p:pic>
+    </p:spTree>
+    <p:extLst>
+      <p:ext uri="{BB962C8B-B14F-4D97-AF65-F5344CB8AC3E}">
+        <p14:creationId xmlns:p14="http://schemas.microsoft.com/office/powerpoint/2010/main" val="983899657"/>
+      </p:ext>
+    </p:extLst>
+  </p:cSld>
+  <p:clrMapOvr>
+    <a:masterClrMapping/>
+  </p:clrMapOvr>
+</p:sld>
+</file>
+
+<file path=ppt/slides/slide13.xml><?xml version="1.0" encoding="utf-8"?>
+<p:sld xmlns:a="http://schemas.openxmlformats.org/drawingml/2006/main" xmlns:r="http://schemas.openxmlformats.org/officeDocument/2006/relationships" xmlns:p="http://schemas.openxmlformats.org/presentationml/2006/main">
+  <p:cSld>
+    <p:spTree>
+      <p:nvGrpSpPr>
+        <p:cNvPr id="1" name=""/>
+        <p:cNvGrpSpPr/>
+        <p:nvPr/>
+      </p:nvGrpSpPr>
+      <p:grpSpPr>
+        <a:xfrm>
+          <a:off x="0" y="0"/>
+          <a:ext cx="0" cy="0"/>
+          <a:chOff x="0" y="0"/>
+          <a:chExt cx="0" cy="0"/>
+        </a:xfrm>
+      </p:grpSpPr>
+      <p:sp>
+        <p:nvSpPr>
+          <p:cNvPr id="2" name="Title 1">
+            <a:extLst>
+              <a:ext uri="{FF2B5EF4-FFF2-40B4-BE49-F238E27FC236}">
+                <a16:creationId xmlns:a16="http://schemas.microsoft.com/office/drawing/2014/main" id="{67BEF447-CE8A-4FDB-AD02-5B53F6852305}"/>
+              </a:ext>
+            </a:extLst>
+          </p:cNvPr>
+          <p:cNvSpPr>
+            <a:spLocks noGrp="1"/>
+          </p:cNvSpPr>
+          <p:nvPr>
+            <p:ph type="title"/>
+          </p:nvPr>
+        </p:nvSpPr>
+        <p:spPr/>
+        <p:txBody>
+          <a:bodyPr/>
+          <a:lstStyle/>
+          <a:p>
+            <a:r>
+              <a:rPr lang="en-GB" dirty="0">
+                <a:latin typeface="Garamond" panose="02020404030301010803" pitchFamily="18" charset="0"/>
+              </a:rPr>
+              <a:t>Developing Technologies</a:t>
+            </a:r>
+          </a:p>
+        </p:txBody>
+      </p:sp>
+      <p:sp>
+        <p:nvSpPr>
+          <p:cNvPr id="3" name="Content Placeholder 2">
+            <a:extLst>
+              <a:ext uri="{FF2B5EF4-FFF2-40B4-BE49-F238E27FC236}">
+                <a16:creationId xmlns:a16="http://schemas.microsoft.com/office/drawing/2014/main" id="{4AC14423-7CC2-4F75-89D8-928F56D3C4F2}"/>
+              </a:ext>
+            </a:extLst>
+          </p:cNvPr>
+          <p:cNvSpPr>
+            <a:spLocks noGrp="1"/>
+          </p:cNvSpPr>
+          <p:nvPr>
+            <p:ph idx="1"/>
+          </p:nvPr>
+        </p:nvSpPr>
+        <p:spPr/>
+        <p:txBody>
+          <a:bodyPr/>
+          <a:lstStyle/>
+          <a:p>
+            <a:r>
+              <a:rPr lang="en-GB" dirty="0">
+                <a:latin typeface="Garamond" panose="02020404030301010803" pitchFamily="18" charset="0"/>
+              </a:rPr>
+              <a:t>FPAA (e.g. as made by </a:t>
+            </a:r>
+            <a:r>
+              <a:rPr lang="en-GB" dirty="0" err="1">
+                <a:latin typeface="Garamond" panose="02020404030301010803" pitchFamily="18" charset="0"/>
+              </a:rPr>
+              <a:t>Anadigm</a:t>
+            </a:r>
+            <a:r>
+              <a:rPr lang="en-GB" dirty="0">
+                <a:latin typeface="Garamond" panose="02020404030301010803" pitchFamily="18" charset="0"/>
+              </a:rPr>
+              <a:t>) - easy interfacing with MATLAB/Simulink, mini	DSP</a:t>
+            </a:r>
+          </a:p>
+          <a:p>
+            <a:r>
+              <a:rPr lang="en-GB" dirty="0">
+                <a:latin typeface="Garamond" panose="02020404030301010803" pitchFamily="18" charset="0"/>
+              </a:rPr>
+              <a:t>Different loudspeaker types other than simple coil-and-cone:</a:t>
+            </a:r>
+          </a:p>
+          <a:p>
+            <a:pPr lvl="1"/>
+            <a:r>
+              <a:rPr lang="en-GB" dirty="0">
+                <a:latin typeface="Garamond" panose="02020404030301010803" pitchFamily="18" charset="0"/>
+              </a:rPr>
+              <a:t>Electrostatic topology</a:t>
+            </a:r>
+          </a:p>
+          <a:p>
+            <a:pPr lvl="1"/>
+            <a:r>
+              <a:rPr lang="en-GB" dirty="0">
+                <a:latin typeface="Garamond" panose="02020404030301010803" pitchFamily="18" charset="0"/>
+              </a:rPr>
+              <a:t>Planar magnetic topology</a:t>
+            </a:r>
+          </a:p>
+          <a:p>
+            <a:pPr marL="0" indent="0">
+              <a:buNone/>
+            </a:pPr>
+            <a:r>
+              <a:rPr lang="en-GB" dirty="0">
+                <a:latin typeface="Garamond" panose="02020404030301010803" pitchFamily="18" charset="0"/>
+              </a:rPr>
+              <a:t>   Each has their own advantages and disadvantages</a:t>
+            </a:r>
+          </a:p>
+          <a:p>
+            <a:r>
+              <a:rPr lang="en-GB" dirty="0">
+                <a:latin typeface="Garamond" panose="02020404030301010803" pitchFamily="18" charset="0"/>
+              </a:rPr>
+              <a:t>Most </a:t>
+            </a:r>
+            <a:r>
+              <a:rPr lang="en-GB">
+                <a:latin typeface="Garamond" panose="02020404030301010803" pitchFamily="18" charset="0"/>
+              </a:rPr>
+              <a:t>useful innovations are patented!</a:t>
+            </a:r>
+            <a:endParaRPr lang="en-GB" dirty="0">
+              <a:latin typeface="Garamond" panose="02020404030301010803" pitchFamily="18" charset="0"/>
+            </a:endParaRPr>
+          </a:p>
+          <a:p>
+            <a:endParaRPr lang="en-GB" dirty="0">
+              <a:latin typeface="Garamond" panose="02020404030301010803" pitchFamily="18" charset="0"/>
+            </a:endParaRPr>
+          </a:p>
+          <a:p>
+            <a:endParaRPr lang="en-GB" dirty="0">
+              <a:latin typeface="Garamond" panose="02020404030301010803" pitchFamily="18" charset="0"/>
+            </a:endParaRPr>
+          </a:p>
+          <a:p>
+            <a:endParaRPr lang="en-GB" dirty="0">
+              <a:latin typeface="Garamond" panose="02020404030301010803" pitchFamily="18" charset="0"/>
+            </a:endParaRPr>
+          </a:p>
+        </p:txBody>
+      </p:sp>
+    </p:spTree>
+    <p:extLst>
+      <p:ext uri="{BB962C8B-B14F-4D97-AF65-F5344CB8AC3E}">
+        <p14:creationId xmlns:p14="http://schemas.microsoft.com/office/powerpoint/2010/main" val="3815938172"/>
+      </p:ext>
+    </p:extLst>
+  </p:cSld>
+  <p:clrMapOvr>
+    <a:masterClrMapping/>
+  </p:clrMapOvr>
+</p:sld>
+</file>
+
+<file path=ppt/slides/slide14.xml><?xml version="1.0" encoding="utf-8"?>
+<p:sld xmlns:a="http://schemas.openxmlformats.org/drawingml/2006/main" xmlns:r="http://schemas.openxmlformats.org/officeDocument/2006/relationships" xmlns:p="http://schemas.openxmlformats.org/presentationml/2006/main">
+  <p:cSld>
+    <p:spTree>
+      <p:nvGrpSpPr>
+        <p:cNvPr id="1" name=""/>
+        <p:cNvGrpSpPr/>
+        <p:nvPr/>
+      </p:nvGrpSpPr>
+      <p:grpSpPr>
+        <a:xfrm>
+          <a:off x="0" y="0"/>
+          <a:ext cx="0" cy="0"/>
+          <a:chOff x="0" y="0"/>
+          <a:chExt cx="0" cy="0"/>
+        </a:xfrm>
+      </p:grpSpPr>
+      <p:sp>
+        <p:nvSpPr>
+          <p:cNvPr id="3" name="Content Placeholder 2">
+            <a:extLst>
+              <a:ext uri="{FF2B5EF4-FFF2-40B4-BE49-F238E27FC236}">
+                <a16:creationId xmlns:a16="http://schemas.microsoft.com/office/drawing/2014/main" id="{E3ECBA6D-989B-D447-B60A-CE1379A737C0}"/>
+              </a:ext>
+            </a:extLst>
+          </p:cNvPr>
+          <p:cNvSpPr>
+            <a:spLocks noGrp="1"/>
+          </p:cNvSpPr>
+          <p:nvPr>
+            <p:ph idx="1"/>
+          </p:nvPr>
+        </p:nvSpPr>
+        <p:spPr>
+          <a:xfrm>
+            <a:off x="685800" y="2029728"/>
+            <a:ext cx="10820400" cy="2798545"/>
+          </a:xfrm>
+        </p:spPr>
+        <p:txBody>
+          <a:bodyPr>
+            <a:normAutofit/>
+          </a:bodyPr>
+          <a:lstStyle/>
+          <a:p>
+            <a:pPr marL="0" indent="0" algn="ctr">
+              <a:buNone/>
+            </a:pPr>
+            <a:r>
+              <a:rPr lang="en-US" sz="8000" dirty="0">
+                <a:latin typeface="Garamond" panose="02020404030301010803" pitchFamily="18" charset="0"/>
+              </a:rPr>
+              <a:t>Thank you for listening, any questions?</a:t>
+            </a:r>
+          </a:p>
+        </p:txBody>
+      </p:sp>
+    </p:spTree>
+    <p:extLst>
+      <p:ext uri="{BB962C8B-B14F-4D97-AF65-F5344CB8AC3E}">
+        <p14:creationId xmlns:p14="http://schemas.microsoft.com/office/powerpoint/2010/main" val="3431008677"/>
+      </p:ext>
+    </p:extLst>
+  </p:cSld>
+  <p:clrMapOvr>
+    <a:masterClrMapping/>
+  </p:clrMapOvr>
+</p:sld>
+</file>
+
+<file path=ppt/slides/slide2.xml><?xml version="1.0" encoding="utf-8"?>
+<p:sld xmlns:a="http://schemas.openxmlformats.org/drawingml/2006/main" xmlns:r="http://schemas.openxmlformats.org/officeDocument/2006/relationships" xmlns:p="http://schemas.openxmlformats.org/presentationml/2006/main">
+  <p:cSld>
+    <p:spTree>
+      <p:nvGrpSpPr>
+        <p:cNvPr id="1" name=""/>
+        <p:cNvGrpSpPr/>
+        <p:nvPr/>
+      </p:nvGrpSpPr>
+      <p:grpSpPr>
+        <a:xfrm>
+          <a:off x="0" y="0"/>
+          <a:ext cx="0" cy="0"/>
+          <a:chOff x="0" y="0"/>
+          <a:chExt cx="0" cy="0"/>
+        </a:xfrm>
+      </p:grpSpPr>
+      <p:sp>
+        <p:nvSpPr>
+          <p:cNvPr id="2" name="Title 1">
+            <a:extLst>
+              <a:ext uri="{FF2B5EF4-FFF2-40B4-BE49-F238E27FC236}">
+                <a16:creationId xmlns:a16="http://schemas.microsoft.com/office/drawing/2014/main" id="{AAFD3B8C-D360-404D-AA4C-E1600784809F}"/>
+              </a:ext>
+            </a:extLst>
+          </p:cNvPr>
+          <p:cNvSpPr>
+            <a:spLocks noGrp="1"/>
+          </p:cNvSpPr>
+          <p:nvPr>
+            <p:ph type="title"/>
+          </p:nvPr>
+        </p:nvSpPr>
+        <p:spPr/>
+        <p:txBody>
+          <a:bodyPr/>
+          <a:lstStyle/>
+          <a:p>
+            <a:r>
+              <a:rPr lang="en-US" dirty="0">
+                <a:latin typeface="Garamond" panose="02020404030301010803" pitchFamily="18" charset="0"/>
+              </a:rPr>
+              <a:t>The Problem with Loudspeakers</a:t>
+            </a:r>
+          </a:p>
+        </p:txBody>
+      </p:sp>
+      <p:sp>
+        <p:nvSpPr>
+          <p:cNvPr id="3" name="Content Placeholder 2">
+            <a:extLst>
+              <a:ext uri="{FF2B5EF4-FFF2-40B4-BE49-F238E27FC236}">
+                <a16:creationId xmlns:a16="http://schemas.microsoft.com/office/drawing/2014/main" id="{048B8A3E-99C1-A542-B10D-F957C76D4652}"/>
+              </a:ext>
+            </a:extLst>
+          </p:cNvPr>
+          <p:cNvSpPr>
+            <a:spLocks noGrp="1"/>
+          </p:cNvSpPr>
+          <p:nvPr>
+            <p:ph idx="1"/>
+          </p:nvPr>
+        </p:nvSpPr>
+        <p:spPr>
+          <a:xfrm>
+            <a:off x="174170" y="1745183"/>
+            <a:ext cx="5940879" cy="4925248"/>
+          </a:xfrm>
+        </p:spPr>
+        <p:txBody>
+          <a:bodyPr>
+            <a:normAutofit/>
+          </a:bodyPr>
+          <a:lstStyle/>
+          <a:p>
+            <a:r>
+              <a:rPr lang="en-US" dirty="0">
+                <a:latin typeface="Garamond" panose="02020404030301010803" pitchFamily="18" charset="0"/>
+              </a:rPr>
+              <a:t>Not normally controlled</a:t>
+            </a:r>
+          </a:p>
+          <a:p>
+            <a:pPr marL="0" indent="0">
+              <a:buNone/>
+            </a:pPr>
+            <a:endParaRPr lang="en-US" dirty="0">
+              <a:latin typeface="Garamond" panose="02020404030301010803" pitchFamily="18" charset="0"/>
+            </a:endParaRPr>
+          </a:p>
+          <a:p>
+            <a:r>
+              <a:rPr lang="en-US" dirty="0">
+                <a:latin typeface="Garamond" panose="02020404030301010803" pitchFamily="18" charset="0"/>
+              </a:rPr>
+              <a:t>Distortions and non-linearities are rife</a:t>
+            </a:r>
+          </a:p>
+          <a:p>
+            <a:pPr marL="0" indent="0">
+              <a:buNone/>
+            </a:pPr>
+            <a:endParaRPr lang="en-US" dirty="0">
+              <a:latin typeface="Garamond" panose="02020404030301010803" pitchFamily="18" charset="0"/>
+            </a:endParaRPr>
+          </a:p>
+          <a:p>
+            <a:r>
+              <a:rPr lang="en-US" dirty="0">
+                <a:latin typeface="Garamond" panose="02020404030301010803" pitchFamily="18" charset="0"/>
+              </a:rPr>
+              <a:t>Expensive</a:t>
+            </a:r>
+          </a:p>
+          <a:p>
+            <a:pPr lvl="1"/>
+            <a:r>
+              <a:rPr lang="en-US" dirty="0">
+                <a:latin typeface="Garamond" panose="02020404030301010803" pitchFamily="18" charset="0"/>
+              </a:rPr>
+              <a:t>Manufacturers must spend lots to make loudspeakers ‘perfect’</a:t>
+            </a:r>
+          </a:p>
+          <a:p>
+            <a:pPr marL="457200" lvl="1" indent="0">
+              <a:buNone/>
+            </a:pPr>
+            <a:endParaRPr lang="en-US" dirty="0">
+              <a:latin typeface="Garamond" panose="02020404030301010803" pitchFamily="18" charset="0"/>
+            </a:endParaRPr>
+          </a:p>
+          <a:p>
+            <a:pPr lvl="1"/>
+            <a:r>
+              <a:rPr lang="en-US" dirty="0">
+                <a:latin typeface="Garamond" panose="02020404030301010803" pitchFamily="18" charset="0"/>
+              </a:rPr>
+              <a:t>Most consumers can’t buy good audio</a:t>
+            </a:r>
+          </a:p>
+          <a:p>
+            <a:pPr marL="0" indent="0">
+              <a:buNone/>
+            </a:pPr>
+            <a:endParaRPr lang="en-US" dirty="0">
+              <a:latin typeface="Garamond" panose="02020404030301010803" pitchFamily="18" charset="0"/>
+            </a:endParaRPr>
+          </a:p>
+        </p:txBody>
+      </p:sp>
+      <p:grpSp>
+        <p:nvGrpSpPr>
+          <p:cNvPr id="5" name="Group 4">
+            <a:extLst>
+              <a:ext uri="{FF2B5EF4-FFF2-40B4-BE49-F238E27FC236}">
+                <a16:creationId xmlns:a16="http://schemas.microsoft.com/office/drawing/2014/main" id="{7C31776C-9416-D94F-B5DC-4353A680B682}"/>
+              </a:ext>
+            </a:extLst>
+          </p:cNvPr>
+          <p:cNvGrpSpPr/>
+          <p:nvPr/>
+        </p:nvGrpSpPr>
+        <p:grpSpPr>
+          <a:xfrm>
+            <a:off x="6115049" y="2057401"/>
+            <a:ext cx="3326423" cy="4415200"/>
+            <a:chOff x="8865577" y="2057401"/>
+            <a:chExt cx="3326423" cy="4415200"/>
+          </a:xfrm>
+        </p:grpSpPr>
+        <p:pic>
+          <p:nvPicPr>
+            <p:cNvPr id="1026" name="Picture 2">
+              <a:extLst>
+                <a:ext uri="{FF2B5EF4-FFF2-40B4-BE49-F238E27FC236}">
+                  <a16:creationId xmlns:a16="http://schemas.microsoft.com/office/drawing/2014/main" id="{3A4B0FF1-8122-CC48-BECB-FC4F2CE4A845}"/>
+                </a:ext>
+              </a:extLst>
+            </p:cNvPr>
+            <p:cNvPicPr>
+              <a:picLocks noChangeAspect="1" noChangeArrowheads="1"/>
+            </p:cNvPicPr>
+            <p:nvPr/>
+          </p:nvPicPr>
+          <p:blipFill rotWithShape="1">
+            <a:blip r:embed="rId2">
+              <a:extLst>
+                <a:ext uri="{28A0092B-C50C-407E-A947-70E740481C1C}">
+                  <a14:useLocalDpi xmlns:a14="http://schemas.microsoft.com/office/drawing/2010/main" val="0"/>
+                </a:ext>
+              </a:extLst>
+            </a:blip>
+            <a:srcRect l="34682" t="3333" r="32461"/>
+            <a:stretch/>
+          </p:blipFill>
+          <p:spPr bwMode="auto">
+            <a:xfrm>
+              <a:off x="10564585" y="2057401"/>
+              <a:ext cx="1627415" cy="4161284"/>
+            </a:xfrm>
+            <a:prstGeom prst="rect">
+              <a:avLst/>
+            </a:prstGeom>
+            <a:noFill/>
+            <a:extLst>
+              <a:ext uri="{909E8E84-426E-40DD-AFC4-6F175D3DCCD1}">
+                <a14:hiddenFill xmlns:a14="http://schemas.microsoft.com/office/drawing/2010/main">
+                  <a:solidFill>
+                    <a:srgbClr val="FFFFFF"/>
+                  </a:solidFill>
+                </a14:hiddenFill>
+              </a:ext>
+            </a:extLst>
+          </p:spPr>
+        </p:pic>
+        <p:sp>
+          <p:nvSpPr>
+            <p:cNvPr id="4" name="TextBox 3">
+              <a:extLst>
+                <a:ext uri="{FF2B5EF4-FFF2-40B4-BE49-F238E27FC236}">
+                  <a16:creationId xmlns:a16="http://schemas.microsoft.com/office/drawing/2014/main" id="{693A8912-4B7C-B147-8925-A8871CC862C9}"/>
+                </a:ext>
+              </a:extLst>
+            </p:cNvPr>
+            <p:cNvSpPr txBox="1"/>
+            <p:nvPr/>
+          </p:nvSpPr>
+          <p:spPr>
+            <a:xfrm>
+              <a:off x="8968153" y="6218685"/>
+              <a:ext cx="3155184" cy="253916"/>
+            </a:xfrm>
+            <a:prstGeom prst="rect">
+              <a:avLst/>
+            </a:prstGeom>
+            <a:noFill/>
+          </p:spPr>
+          <p:txBody>
+            <a:bodyPr wrap="square" rtlCol="0">
+              <a:spAutoFit/>
+            </a:bodyPr>
+            <a:lstStyle/>
+            <a:p>
+              <a:pPr algn="ctr"/>
+              <a:r>
+                <a:rPr lang="en-US" sz="1050" dirty="0">
+                  <a:latin typeface="Garamond" panose="02020404030301010803" pitchFamily="18" charset="0"/>
+                </a:rPr>
+                <a:t>https://</a:t>
+              </a:r>
+              <a:r>
+                <a:rPr lang="en-US" sz="1050" dirty="0" err="1">
+                  <a:latin typeface="Garamond" panose="02020404030301010803" pitchFamily="18" charset="0"/>
+                </a:rPr>
+                <a:t>audiovector.com</a:t>
+              </a:r>
+              <a:r>
+                <a:rPr lang="en-US" sz="1050" dirty="0">
+                  <a:latin typeface="Garamond" panose="02020404030301010803" pitchFamily="18" charset="0"/>
+                </a:rPr>
+                <a:t>/sr-3-avantgarde-arrete.html</a:t>
+              </a:r>
+            </a:p>
+          </p:txBody>
+        </p:sp>
+        <p:pic>
+          <p:nvPicPr>
+            <p:cNvPr id="6" name="Picture 2">
+              <a:extLst>
+                <a:ext uri="{FF2B5EF4-FFF2-40B4-BE49-F238E27FC236}">
+                  <a16:creationId xmlns:a16="http://schemas.microsoft.com/office/drawing/2014/main" id="{133DB323-38A4-7145-B8EB-2C232F76220B}"/>
+                </a:ext>
+              </a:extLst>
+            </p:cNvPr>
+            <p:cNvPicPr>
+              <a:picLocks noChangeAspect="1" noChangeArrowheads="1"/>
+            </p:cNvPicPr>
+            <p:nvPr/>
+          </p:nvPicPr>
+          <p:blipFill rotWithShape="1">
+            <a:blip r:embed="rId2">
+              <a:extLst>
+                <a:ext uri="{28A0092B-C50C-407E-A947-70E740481C1C}">
+                  <a14:useLocalDpi xmlns:a14="http://schemas.microsoft.com/office/drawing/2010/main" val="0"/>
+                </a:ext>
+              </a:extLst>
+            </a:blip>
+            <a:srcRect l="34682" t="3333" r="32461"/>
+            <a:stretch/>
+          </p:blipFill>
+          <p:spPr bwMode="auto">
+            <a:xfrm>
+              <a:off x="8865577" y="2057401"/>
+              <a:ext cx="1627415" cy="4161284"/>
+            </a:xfrm>
+            <a:prstGeom prst="rect">
+              <a:avLst/>
+            </a:prstGeom>
+            <a:noFill/>
+            <a:extLst>
+              <a:ext uri="{909E8E84-426E-40DD-AFC4-6F175D3DCCD1}">
+                <a14:hiddenFill xmlns:a14="http://schemas.microsoft.com/office/drawing/2010/main">
+                  <a:solidFill>
+                    <a:srgbClr val="FFFFFF"/>
+                  </a:solidFill>
+                </a14:hiddenFill>
+              </a:ext>
+            </a:extLst>
+          </p:spPr>
+        </p:pic>
+      </p:grpSp>
+      <p:sp>
+        <p:nvSpPr>
+          <p:cNvPr id="7" name="TextBox 6">
+            <a:extLst>
+              <a:ext uri="{FF2B5EF4-FFF2-40B4-BE49-F238E27FC236}">
+                <a16:creationId xmlns:a16="http://schemas.microsoft.com/office/drawing/2014/main" id="{ACFAB417-A2D8-9547-93EF-EF603872CE41}"/>
+              </a:ext>
+            </a:extLst>
+          </p:cNvPr>
+          <p:cNvSpPr txBox="1"/>
+          <p:nvPr/>
+        </p:nvSpPr>
+        <p:spPr>
+          <a:xfrm>
+            <a:off x="9513065" y="2706882"/>
+            <a:ext cx="2368061" cy="2308324"/>
+          </a:xfrm>
+          <a:prstGeom prst="rect">
+            <a:avLst/>
+          </a:prstGeom>
+          <a:noFill/>
+        </p:spPr>
+        <p:txBody>
+          <a:bodyPr wrap="square" rtlCol="0">
+            <a:spAutoFit/>
+          </a:bodyPr>
+          <a:lstStyle/>
+          <a:p>
+            <a:pPr algn="ctr"/>
+            <a:r>
+              <a:rPr lang="en-US" sz="3600" dirty="0">
+                <a:latin typeface="Garamond" panose="02020404030301010803" pitchFamily="18" charset="0"/>
+              </a:rPr>
+              <a:t>£12000 excluding rest of the system!</a:t>
+            </a:r>
+          </a:p>
+        </p:txBody>
+      </p:sp>
+    </p:spTree>
+    <p:extLst>
+      <p:ext uri="{BB962C8B-B14F-4D97-AF65-F5344CB8AC3E}">
+        <p14:creationId xmlns:p14="http://schemas.microsoft.com/office/powerpoint/2010/main" val="825884960"/>
+      </p:ext>
+    </p:extLst>
+  </p:cSld>
+  <p:clrMapOvr>
+    <a:masterClrMapping/>
+  </p:clrMapOvr>
+</p:sld>
+</file>
+
+<file path=ppt/slides/slide3.xml><?xml version="1.0" encoding="utf-8"?>
+<p:sld xmlns:a="http://schemas.openxmlformats.org/drawingml/2006/main" xmlns:r="http://schemas.openxmlformats.org/officeDocument/2006/relationships" xmlns:p="http://schemas.openxmlformats.org/presentationml/2006/main">
+  <p:cSld>
+    <p:spTree>
+      <p:nvGrpSpPr>
+        <p:cNvPr id="1" name=""/>
+        <p:cNvGrpSpPr/>
+        <p:nvPr/>
+      </p:nvGrpSpPr>
+      <p:grpSpPr>
+        <a:xfrm>
+          <a:off x="0" y="0"/>
+          <a:ext cx="0" cy="0"/>
+          <a:chOff x="0" y="0"/>
+          <a:chExt cx="0" cy="0"/>
+        </a:xfrm>
+      </p:grpSpPr>
+      <p:sp>
+        <p:nvSpPr>
+          <p:cNvPr id="2" name="Title 1">
+            <a:extLst>
+              <a:ext uri="{FF2B5EF4-FFF2-40B4-BE49-F238E27FC236}">
+                <a16:creationId xmlns:a16="http://schemas.microsoft.com/office/drawing/2014/main" id="{AAFD3B8C-D360-404D-AA4C-E1600784809F}"/>
+              </a:ext>
+            </a:extLst>
+          </p:cNvPr>
+          <p:cNvSpPr>
+            <a:spLocks noGrp="1"/>
+          </p:cNvSpPr>
+          <p:nvPr>
+            <p:ph type="title"/>
+          </p:nvPr>
+        </p:nvSpPr>
+        <p:spPr/>
+        <p:txBody>
+          <a:bodyPr/>
+          <a:lstStyle/>
+          <a:p>
+            <a:r>
+              <a:rPr lang="en-US" dirty="0">
+                <a:latin typeface="Garamond" panose="02020404030301010803" pitchFamily="18" charset="0"/>
+              </a:rPr>
+              <a:t>The Problem with Loudspeakers</a:t>
+            </a:r>
+          </a:p>
+        </p:txBody>
+      </p:sp>
+      <p:sp>
+        <p:nvSpPr>
+          <p:cNvPr id="3" name="Content Placeholder 2">
+            <a:extLst>
+              <a:ext uri="{FF2B5EF4-FFF2-40B4-BE49-F238E27FC236}">
+                <a16:creationId xmlns:a16="http://schemas.microsoft.com/office/drawing/2014/main" id="{048B8A3E-99C1-A542-B10D-F957C76D4652}"/>
+              </a:ext>
+            </a:extLst>
+          </p:cNvPr>
+          <p:cNvSpPr>
+            <a:spLocks noGrp="1"/>
+          </p:cNvSpPr>
+          <p:nvPr>
+            <p:ph idx="1"/>
+          </p:nvPr>
+        </p:nvSpPr>
+        <p:spPr>
+          <a:xfrm>
+            <a:off x="0" y="1810791"/>
+            <a:ext cx="5940879" cy="4497544"/>
+          </a:xfrm>
+        </p:spPr>
+        <p:txBody>
+          <a:bodyPr>
+            <a:normAutofit/>
+          </a:bodyPr>
+          <a:lstStyle/>
+          <a:p>
+            <a:r>
+              <a:rPr lang="en-US" dirty="0">
+                <a:latin typeface="Garamond" panose="02020404030301010803" pitchFamily="18" charset="0"/>
+              </a:rPr>
+              <a:t>Background theory shows that:</a:t>
+            </a:r>
+          </a:p>
+          <a:p>
+            <a:pPr marL="0" indent="0">
+              <a:buNone/>
+            </a:pPr>
+            <a:endParaRPr lang="en-US" dirty="0">
+              <a:latin typeface="Garamond" panose="02020404030301010803" pitchFamily="18" charset="0"/>
+            </a:endParaRPr>
+          </a:p>
+          <a:p>
+            <a:pPr lvl="1"/>
+            <a:r>
+              <a:rPr lang="en-US" dirty="0">
+                <a:latin typeface="Garamond" panose="02020404030301010803" pitchFamily="18" charset="0"/>
+              </a:rPr>
+              <a:t>Subwoofers have the most non-linearities of all the loudspeakers</a:t>
+            </a:r>
+          </a:p>
+          <a:p>
+            <a:pPr marL="457200" lvl="1" indent="0">
+              <a:buNone/>
+            </a:pPr>
+            <a:endParaRPr lang="en-US" dirty="0">
+              <a:latin typeface="Garamond" panose="02020404030301010803" pitchFamily="18" charset="0"/>
+            </a:endParaRPr>
+          </a:p>
+          <a:p>
+            <a:pPr lvl="1"/>
+            <a:r>
+              <a:rPr lang="en-US" dirty="0">
+                <a:latin typeface="Garamond" panose="02020404030301010803" pitchFamily="18" charset="0"/>
+              </a:rPr>
+              <a:t>Subwoofers can have their bass response extended ’for free’</a:t>
+            </a:r>
+          </a:p>
+          <a:p>
+            <a:endParaRPr lang="en-US" dirty="0">
+              <a:latin typeface="Garamond" panose="02020404030301010803" pitchFamily="18" charset="0"/>
+            </a:endParaRPr>
+          </a:p>
+          <a:p>
+            <a:r>
+              <a:rPr lang="en-US" dirty="0">
+                <a:latin typeface="Garamond" panose="02020404030301010803" pitchFamily="18" charset="0"/>
+              </a:rPr>
+              <a:t>Manufacturers already spending lots on R&amp;D to make uncompensated systems sound good</a:t>
+            </a:r>
+          </a:p>
+        </p:txBody>
+      </p:sp>
+      <p:grpSp>
+        <p:nvGrpSpPr>
+          <p:cNvPr id="10" name="Group 9">
+            <a:extLst>
+              <a:ext uri="{FF2B5EF4-FFF2-40B4-BE49-F238E27FC236}">
+                <a16:creationId xmlns:a16="http://schemas.microsoft.com/office/drawing/2014/main" id="{C09D16D7-6D9A-5141-93F2-9DDB66EE971B}"/>
+              </a:ext>
+            </a:extLst>
+          </p:cNvPr>
+          <p:cNvGrpSpPr/>
+          <p:nvPr/>
+        </p:nvGrpSpPr>
+        <p:grpSpPr>
+          <a:xfrm>
+            <a:off x="5940879" y="2083645"/>
+            <a:ext cx="6084277" cy="3886135"/>
+            <a:chOff x="5940879" y="2683810"/>
+            <a:chExt cx="6084277" cy="3886135"/>
+          </a:xfrm>
+        </p:grpSpPr>
+        <p:pic>
+          <p:nvPicPr>
+            <p:cNvPr id="8" name="Picture 7" descr="A close up of a map&#10;&#10;Description automatically generated">
+              <a:extLst>
+                <a:ext uri="{FF2B5EF4-FFF2-40B4-BE49-F238E27FC236}">
+                  <a16:creationId xmlns:a16="http://schemas.microsoft.com/office/drawing/2014/main" id="{EFF10EC3-0A94-5D4F-9F9A-A5A42A45F03C}"/>
+                </a:ext>
+              </a:extLst>
+            </p:cNvPr>
+            <p:cNvPicPr>
+              <a:picLocks noChangeAspect="1"/>
+            </p:cNvPicPr>
+            <p:nvPr/>
+          </p:nvPicPr>
+          <p:blipFill rotWithShape="1">
+            <a:blip r:embed="rId3"/>
+            <a:srcRect l="10385" t="3495" r="8558" b="5028"/>
+            <a:stretch/>
+          </p:blipFill>
+          <p:spPr>
+            <a:xfrm>
+              <a:off x="5940879" y="2683810"/>
+              <a:ext cx="5940879" cy="3361565"/>
+            </a:xfrm>
+            <a:prstGeom prst="rect">
+              <a:avLst/>
+            </a:prstGeom>
+          </p:spPr>
+        </p:pic>
+        <p:sp>
+          <p:nvSpPr>
+            <p:cNvPr id="9" name="TextBox 8">
+              <a:extLst>
+                <a:ext uri="{FF2B5EF4-FFF2-40B4-BE49-F238E27FC236}">
+                  <a16:creationId xmlns:a16="http://schemas.microsoft.com/office/drawing/2014/main" id="{6D134EB9-B618-4645-BE91-6CA5E262E5A9}"/>
+                </a:ext>
+              </a:extLst>
+            </p:cNvPr>
+            <p:cNvSpPr txBox="1"/>
+            <p:nvPr/>
+          </p:nvSpPr>
+          <p:spPr>
+            <a:xfrm>
+              <a:off x="6353908" y="5708171"/>
+              <a:ext cx="5671248" cy="861774"/>
+            </a:xfrm>
+            <a:prstGeom prst="rect">
+              <a:avLst/>
+            </a:prstGeom>
+            <a:noFill/>
+          </p:spPr>
+          <p:txBody>
+            <a:bodyPr wrap="square" rtlCol="0">
+              <a:spAutoFit/>
+            </a:bodyPr>
+            <a:lstStyle/>
+            <a:p>
+              <a:pPr lvl="1"/>
+              <a:endParaRPr lang="en-US" sz="1600" dirty="0">
+                <a:latin typeface="Garamond" panose="02020404030301010803" pitchFamily="18" charset="0"/>
+              </a:endParaRPr>
+            </a:p>
+            <a:p>
+              <a:r>
+                <a:rPr lang="en-US" sz="1600" dirty="0">
+                  <a:latin typeface="Garamond" panose="02020404030301010803" pitchFamily="18" charset="0"/>
+                </a:rPr>
+                <a:t>Shown: typical poor subwoofer response, -15dB down at 20Hz</a:t>
+              </a:r>
+            </a:p>
+            <a:p>
+              <a:endParaRPr lang="en-US" sz="1600" dirty="0">
+                <a:latin typeface="Garamond" panose="02020404030301010803" pitchFamily="18" charset="0"/>
+              </a:endParaRPr>
+            </a:p>
+          </p:txBody>
+        </p:sp>
+      </p:grpSp>
+    </p:spTree>
+    <p:extLst>
+      <p:ext uri="{BB962C8B-B14F-4D97-AF65-F5344CB8AC3E}">
+        <p14:creationId xmlns:p14="http://schemas.microsoft.com/office/powerpoint/2010/main" val="1664213227"/>
+      </p:ext>
+    </p:extLst>
+  </p:cSld>
+  <p:clrMapOvr>
+    <a:masterClrMapping/>
+  </p:clrMapOvr>
+</p:sld>
+</file>
+
+<file path=ppt/slides/slide4.xml><?xml version="1.0" encoding="utf-8"?>
 <p:sld xmlns:a="http://schemas.openxmlformats.org/drawingml/2006/main" xmlns:r="http://schemas.openxmlformats.org/officeDocument/2006/relationships" xmlns:p="http://schemas.openxmlformats.org/presentationml/2006/main">
   <p:cSld>
     <p:spTree>
@@ -17974,7 +19604,7 @@
 </p:sld>
 </file>
 
-<file path=ppt/slides/slide11.xml><?xml version="1.0" encoding="utf-8"?>
+<file path=ppt/slides/slide5.xml><?xml version="1.0" encoding="utf-8"?>
 <p:sld xmlns:a="http://schemas.openxmlformats.org/drawingml/2006/main" xmlns:r="http://schemas.openxmlformats.org/officeDocument/2006/relationships" xmlns:p="http://schemas.openxmlformats.org/presentationml/2006/main">
   <p:cSld>
     <p:spTree>
@@ -18382,7 +20012,7 @@
 </p:sld>
 </file>
 
-<file path=ppt/slides/slide12.xml><?xml version="1.0" encoding="utf-8"?>
+<file path=ppt/slides/slide6.xml><?xml version="1.0" encoding="utf-8"?>
 <p:sld xmlns:a="http://schemas.openxmlformats.org/drawingml/2006/main" xmlns:r="http://schemas.openxmlformats.org/officeDocument/2006/relationships" xmlns:p="http://schemas.openxmlformats.org/presentationml/2006/main">
   <p:cSld>
     <p:spTree>
@@ -18488,7 +20118,7 @@
 </p:sld>
 </file>
 
-<file path=ppt/slides/slide13.xml><?xml version="1.0" encoding="utf-8"?>
+<file path=ppt/slides/slide7.xml><?xml version="1.0" encoding="utf-8"?>
 <p:sld xmlns:a="http://schemas.openxmlformats.org/drawingml/2006/main" xmlns:r="http://schemas.openxmlformats.org/officeDocument/2006/relationships" xmlns:p="http://schemas.openxmlformats.org/presentationml/2006/main">
   <p:cSld>
     <p:spTree>
@@ -23139,7 +24769,7 @@
 </p:sld>
 </file>
 
-<file path=ppt/slides/slide14.xml><?xml version="1.0" encoding="utf-8"?>
+<file path=ppt/slides/slide8.xml><?xml version="1.0" encoding="utf-8"?>
 <p:sld xmlns:a="http://schemas.openxmlformats.org/drawingml/2006/main" xmlns:r="http://schemas.openxmlformats.org/officeDocument/2006/relationships" xmlns:p="http://schemas.openxmlformats.org/presentationml/2006/main">
   <p:cSld>
     <p:spTree>
@@ -23202,9 +24832,16 @@
             <p:ph idx="1"/>
           </p:nvPr>
         </p:nvSpPr>
-        <p:spPr/>
+        <p:spPr>
+          <a:xfrm>
+            <a:off x="26377" y="1410887"/>
+            <a:ext cx="5738446" cy="2037471"/>
+          </a:xfrm>
+        </p:spPr>
         <p:txBody>
-          <a:bodyPr/>
+          <a:bodyPr>
+            <a:normAutofit/>
+          </a:bodyPr>
           <a:lstStyle/>
           <a:p>
             <a:pPr marL="457200" indent="-457200">
@@ -23247,22 +24884,61 @@
               <a:buFont typeface="+mj-lt"/>
               <a:buAutoNum type="arabicPeriod"/>
             </a:pPr>
-            <a:endParaRPr lang="en-US" dirty="0">
+            <a:r>
+              <a:rPr lang="en-US" dirty="0">
+                <a:latin typeface="Garamond" panose="02020404030301010803" pitchFamily="18" charset="0"/>
+              </a:rPr>
+              <a:t>Refine</a:t>
+            </a:r>
+          </a:p>
+          <a:p>
+            <a:endParaRPr lang="en-US" sz="2800" dirty="0">
               <a:latin typeface="Garamond" panose="02020404030301010803" pitchFamily="18" charset="0"/>
             </a:endParaRPr>
           </a:p>
           <a:p>
-            <a:endParaRPr lang="en-US" dirty="0">
-              <a:latin typeface="Garamond" panose="02020404030301010803" pitchFamily="18" charset="0"/>
-            </a:endParaRPr>
-          </a:p>
-          <a:p>
-            <a:endParaRPr lang="en-US" dirty="0">
+            <a:endParaRPr lang="en-US" sz="2800" dirty="0">
               <a:latin typeface="Garamond" panose="02020404030301010803" pitchFamily="18" charset="0"/>
             </a:endParaRPr>
           </a:p>
         </p:txBody>
       </p:sp>
+      <p:pic>
+        <p:nvPicPr>
+          <p:cNvPr id="5" name="Picture 4" descr="A close up of text on a white surface&#10;&#10;Description automatically generated">
+            <a:extLst>
+              <a:ext uri="{FF2B5EF4-FFF2-40B4-BE49-F238E27FC236}">
+                <a16:creationId xmlns:a16="http://schemas.microsoft.com/office/drawing/2014/main" id="{3215F74A-B5F5-C84B-A67D-5447F08041BD}"/>
+              </a:ext>
+            </a:extLst>
+          </p:cNvPr>
+          <p:cNvPicPr>
+            <a:picLocks noChangeAspect="1"/>
+          </p:cNvPicPr>
+          <p:nvPr/>
+        </p:nvPicPr>
+        <p:blipFill>
+          <a:blip r:embed="rId2">
+            <a:extLst>
+              <a:ext uri="{28A0092B-C50C-407E-A947-70E740481C1C}">
+                <a14:useLocalDpi xmlns:a14="http://schemas.microsoft.com/office/drawing/2010/main" val="0"/>
+              </a:ext>
+            </a:extLst>
+          </a:blip>
+          <a:stretch>
+            <a:fillRect/>
+          </a:stretch>
+        </p:blipFill>
+        <p:spPr>
+          <a:xfrm>
+            <a:off x="3587405" y="2262554"/>
+            <a:ext cx="8578217" cy="4595445"/>
+          </a:xfrm>
+          <a:prstGeom prst="rect">
+            <a:avLst/>
+          </a:prstGeom>
+        </p:spPr>
+      </p:pic>
     </p:spTree>
     <p:extLst>
       <p:ext uri="{BB962C8B-B14F-4D97-AF65-F5344CB8AC3E}">
@@ -23276,7 +24952,7 @@
 </p:sld>
 </file>
 
-<file path=ppt/slides/slide15.xml><?xml version="1.0" encoding="utf-8"?>
+<file path=ppt/slides/slide9.xml><?xml version="1.0" encoding="utf-8"?>
 <p:sld xmlns:a="http://schemas.openxmlformats.org/drawingml/2006/main" xmlns:r="http://schemas.openxmlformats.org/officeDocument/2006/relationships" xmlns:p="http://schemas.openxmlformats.org/presentationml/2006/main">
   <p:cSld>
     <p:spTree>
@@ -27062,1866 +28738,6 @@
 </p:sld>
 </file>
 
-<file path=ppt/slides/slide16.xml><?xml version="1.0" encoding="utf-8"?>
-<p:sld xmlns:a="http://schemas.openxmlformats.org/drawingml/2006/main" xmlns:r="http://schemas.openxmlformats.org/officeDocument/2006/relationships" xmlns:p="http://schemas.openxmlformats.org/presentationml/2006/main">
-  <p:cSld>
-    <p:spTree>
-      <p:nvGrpSpPr>
-        <p:cNvPr id="1" name=""/>
-        <p:cNvGrpSpPr/>
-        <p:nvPr/>
-      </p:nvGrpSpPr>
-      <p:grpSpPr>
-        <a:xfrm>
-          <a:off x="0" y="0"/>
-          <a:ext cx="0" cy="0"/>
-          <a:chOff x="0" y="0"/>
-          <a:chExt cx="0" cy="0"/>
-        </a:xfrm>
-      </p:grpSpPr>
-      <p:sp>
-        <p:nvSpPr>
-          <p:cNvPr id="2" name="Title 1">
-            <a:extLst>
-              <a:ext uri="{FF2B5EF4-FFF2-40B4-BE49-F238E27FC236}">
-                <a16:creationId xmlns:a16="http://schemas.microsoft.com/office/drawing/2014/main" id="{3BC0C561-0A9C-D149-9202-3092720D854D}"/>
-              </a:ext>
-            </a:extLst>
-          </p:cNvPr>
-          <p:cNvSpPr>
-            <a:spLocks noGrp="1"/>
-          </p:cNvSpPr>
-          <p:nvPr>
-            <p:ph type="title"/>
-          </p:nvPr>
-        </p:nvSpPr>
-        <p:spPr>
-          <a:xfrm>
-            <a:off x="7827308" y="-278762"/>
-            <a:ext cx="2346511" cy="1293028"/>
-          </a:xfrm>
-        </p:spPr>
-        <p:txBody>
-          <a:bodyPr/>
-          <a:lstStyle/>
-          <a:p>
-            <a:r>
-              <a:rPr lang="en-US" dirty="0">
-                <a:latin typeface="Garamond" panose="02020404030301010803" pitchFamily="18" charset="0"/>
-              </a:rPr>
-              <a:t>Results</a:t>
-            </a:r>
-          </a:p>
-        </p:txBody>
-      </p:sp>
-      <p:pic>
-        <p:nvPicPr>
-          <p:cNvPr id="7" name="Picture 6" descr="A close up of a map&#10;&#10;Description automatically generated">
-            <a:extLst>
-              <a:ext uri="{FF2B5EF4-FFF2-40B4-BE49-F238E27FC236}">
-                <a16:creationId xmlns:a16="http://schemas.microsoft.com/office/drawing/2014/main" id="{1FD1AAD9-ABC7-4DB1-8761-705D54CCF367}"/>
-              </a:ext>
-            </a:extLst>
-          </p:cNvPr>
-          <p:cNvPicPr>
-            <a:picLocks noChangeAspect="1"/>
-          </p:cNvPicPr>
-          <p:nvPr/>
-        </p:nvPicPr>
-        <p:blipFill rotWithShape="1">
-          <a:blip r:embed="rId2"/>
-          <a:srcRect l="8297" r="6508" b="4480"/>
-          <a:stretch/>
-        </p:blipFill>
-        <p:spPr>
-          <a:xfrm>
-            <a:off x="0" y="-15421"/>
-            <a:ext cx="7041776" cy="3959892"/>
-          </a:xfrm>
-          <a:prstGeom prst="rect">
-            <a:avLst/>
-          </a:prstGeom>
-        </p:spPr>
-      </p:pic>
-      <p:pic>
-        <p:nvPicPr>
-          <p:cNvPr id="9" name="Picture 8" descr="A screenshot of a cell phone&#10;&#10;Description automatically generated">
-            <a:extLst>
-              <a:ext uri="{FF2B5EF4-FFF2-40B4-BE49-F238E27FC236}">
-                <a16:creationId xmlns:a16="http://schemas.microsoft.com/office/drawing/2014/main" id="{8E522961-9741-4601-9A53-1818C48B0105}"/>
-              </a:ext>
-            </a:extLst>
-          </p:cNvPr>
-          <p:cNvPicPr>
-            <a:picLocks noChangeAspect="1"/>
-          </p:cNvPicPr>
-          <p:nvPr/>
-        </p:nvPicPr>
-        <p:blipFill rotWithShape="1">
-          <a:blip r:embed="rId3"/>
-          <a:srcRect l="8786" r="5929"/>
-          <a:stretch/>
-        </p:blipFill>
-        <p:spPr>
-          <a:xfrm>
-            <a:off x="5150224" y="2716755"/>
-            <a:ext cx="7041776" cy="4141245"/>
-          </a:xfrm>
-          <a:prstGeom prst="rect">
-            <a:avLst/>
-          </a:prstGeom>
-        </p:spPr>
-      </p:pic>
-      <p:sp>
-        <p:nvSpPr>
-          <p:cNvPr id="10" name="Content Placeholder 2">
-            <a:extLst>
-              <a:ext uri="{FF2B5EF4-FFF2-40B4-BE49-F238E27FC236}">
-                <a16:creationId xmlns:a16="http://schemas.microsoft.com/office/drawing/2014/main" id="{EF543DB4-0158-43B4-844E-921B1FABD918}"/>
-              </a:ext>
-            </a:extLst>
-          </p:cNvPr>
-          <p:cNvSpPr>
-            <a:spLocks noGrp="1"/>
-          </p:cNvSpPr>
-          <p:nvPr>
-            <p:ph idx="1"/>
-          </p:nvPr>
-        </p:nvSpPr>
-        <p:spPr>
-          <a:xfrm>
-            <a:off x="0" y="3944471"/>
-            <a:ext cx="5150224" cy="2913529"/>
-          </a:xfrm>
-        </p:spPr>
-        <p:txBody>
-          <a:bodyPr/>
-          <a:lstStyle/>
-          <a:p>
-            <a:r>
-              <a:rPr lang="en-US" sz="2400" dirty="0">
-                <a:latin typeface="Garamond" panose="02020404030301010803" pitchFamily="18" charset="0"/>
-              </a:rPr>
-              <a:t>Group delay of the system improved for most of the range of operation</a:t>
-            </a:r>
-          </a:p>
-          <a:p>
-            <a:r>
-              <a:rPr lang="en-US" sz="2400" dirty="0">
-                <a:latin typeface="Garamond" panose="02020404030301010803" pitchFamily="18" charset="0"/>
-              </a:rPr>
-              <a:t>Improvement by as much as 2ms around 45Hz</a:t>
-            </a:r>
-          </a:p>
-          <a:p>
-            <a:r>
-              <a:rPr lang="en-US" sz="2400" dirty="0">
-                <a:latin typeface="Garamond" panose="02020404030301010803" pitchFamily="18" charset="0"/>
-              </a:rPr>
-              <a:t>System will respond faster to an input, reach a nominal value faster</a:t>
-            </a:r>
-          </a:p>
-          <a:p>
-            <a:endParaRPr lang="en-US" dirty="0">
-              <a:latin typeface="Garamond" panose="02020404030301010803" pitchFamily="18" charset="0"/>
-            </a:endParaRPr>
-          </a:p>
-          <a:p>
-            <a:endParaRPr lang="en-US" dirty="0">
-              <a:latin typeface="Garamond" panose="02020404030301010803" pitchFamily="18" charset="0"/>
-            </a:endParaRPr>
-          </a:p>
-        </p:txBody>
-      </p:sp>
-      <p:sp>
-        <p:nvSpPr>
-          <p:cNvPr id="11" name="Content Placeholder 2">
-            <a:extLst>
-              <a:ext uri="{FF2B5EF4-FFF2-40B4-BE49-F238E27FC236}">
-                <a16:creationId xmlns:a16="http://schemas.microsoft.com/office/drawing/2014/main" id="{16C46C9B-A04B-4448-AE63-4289B173287E}"/>
-              </a:ext>
-            </a:extLst>
-          </p:cNvPr>
-          <p:cNvSpPr txBox="1">
-            <a:spLocks/>
-          </p:cNvSpPr>
-          <p:nvPr/>
-        </p:nvSpPr>
-        <p:spPr>
-          <a:xfrm>
-            <a:off x="7041776" y="595527"/>
-            <a:ext cx="5150224" cy="2121228"/>
-          </a:xfrm>
-          <a:prstGeom prst="rect">
-            <a:avLst/>
-          </a:prstGeom>
-        </p:spPr>
-        <p:txBody>
-          <a:bodyPr vert="horz" lIns="91440" tIns="45720" rIns="91440" bIns="45720" rtlCol="0">
-            <a:normAutofit lnSpcReduction="10000"/>
-          </a:bodyPr>
-          <a:lstStyle>
-            <a:lvl1pPr marL="228600" indent="-228600" algn="l" defTabSz="914400" rtl="0" eaLnBrk="1" latinLnBrk="0" hangingPunct="1">
-              <a:lnSpc>
-                <a:spcPct val="90000"/>
-              </a:lnSpc>
-              <a:spcBef>
-                <a:spcPts val="1000"/>
-              </a:spcBef>
-              <a:buFont typeface="Arial" panose="020B0604020202020204" pitchFamily="34" charset="0"/>
-              <a:buChar char="•"/>
-              <a:defRPr sz="2200" kern="1200">
-                <a:solidFill>
-                  <a:schemeClr val="tx1"/>
-                </a:solidFill>
-                <a:latin typeface="+mn-lt"/>
-                <a:ea typeface="+mn-ea"/>
-                <a:cs typeface="+mn-cs"/>
-              </a:defRPr>
-            </a:lvl1pPr>
-            <a:lvl2pPr marL="685800" indent="-228600" algn="l" defTabSz="914400" rtl="0" eaLnBrk="1" latinLnBrk="0" hangingPunct="1">
-              <a:lnSpc>
-                <a:spcPct val="90000"/>
-              </a:lnSpc>
-              <a:spcBef>
-                <a:spcPts val="500"/>
-              </a:spcBef>
-              <a:buFont typeface="Arial" panose="020B0604020202020204" pitchFamily="34" charset="0"/>
-              <a:buChar char="•"/>
-              <a:defRPr sz="2000" kern="1200">
-                <a:solidFill>
-                  <a:schemeClr val="tx1"/>
-                </a:solidFill>
-                <a:latin typeface="+mn-lt"/>
-                <a:ea typeface="+mn-ea"/>
-                <a:cs typeface="+mn-cs"/>
-              </a:defRPr>
-            </a:lvl2pPr>
-            <a:lvl3pPr marL="1143000" indent="-228600" algn="l" defTabSz="914400" rtl="0" eaLnBrk="1" latinLnBrk="0" hangingPunct="1">
-              <a:lnSpc>
-                <a:spcPct val="90000"/>
-              </a:lnSpc>
-              <a:spcBef>
-                <a:spcPts val="500"/>
-              </a:spcBef>
-              <a:buFont typeface="Arial" panose="020B0604020202020204" pitchFamily="34" charset="0"/>
-              <a:buChar char="•"/>
-              <a:defRPr sz="1800" kern="1200">
-                <a:solidFill>
-                  <a:schemeClr val="tx1"/>
-                </a:solidFill>
-                <a:latin typeface="+mn-lt"/>
-                <a:ea typeface="+mn-ea"/>
-                <a:cs typeface="+mn-cs"/>
-              </a:defRPr>
-            </a:lvl3pPr>
-            <a:lvl4pPr marL="1600200" indent="-228600" algn="l" defTabSz="914400" rtl="0" eaLnBrk="1" latinLnBrk="0" hangingPunct="1">
-              <a:lnSpc>
-                <a:spcPct val="90000"/>
-              </a:lnSpc>
-              <a:spcBef>
-                <a:spcPts val="500"/>
-              </a:spcBef>
-              <a:buFont typeface="Arial" panose="020B0604020202020204" pitchFamily="34" charset="0"/>
-              <a:buChar char="•"/>
-              <a:defRPr sz="1600" kern="1200">
-                <a:solidFill>
-                  <a:schemeClr val="tx1"/>
-                </a:solidFill>
-                <a:latin typeface="+mn-lt"/>
-                <a:ea typeface="+mn-ea"/>
-                <a:cs typeface="+mn-cs"/>
-              </a:defRPr>
-            </a:lvl4pPr>
-            <a:lvl5pPr marL="2057400" indent="-228600" algn="l" defTabSz="914400" rtl="0" eaLnBrk="1" latinLnBrk="0" hangingPunct="1">
-              <a:lnSpc>
-                <a:spcPct val="90000"/>
-              </a:lnSpc>
-              <a:spcBef>
-                <a:spcPts val="500"/>
-              </a:spcBef>
-              <a:buFont typeface="Arial" panose="020B0604020202020204" pitchFamily="34" charset="0"/>
-              <a:buChar char="•"/>
-              <a:defRPr sz="1600" kern="1200">
-                <a:solidFill>
-                  <a:schemeClr val="tx1"/>
-                </a:solidFill>
-                <a:latin typeface="+mn-lt"/>
-                <a:ea typeface="+mn-ea"/>
-                <a:cs typeface="+mn-cs"/>
-              </a:defRPr>
-            </a:lvl5pPr>
-            <a:lvl6pPr marL="2514600" indent="-228600" algn="l" defTabSz="914400" rtl="0" eaLnBrk="1" latinLnBrk="0" hangingPunct="1">
-              <a:lnSpc>
-                <a:spcPct val="90000"/>
-              </a:lnSpc>
-              <a:spcBef>
-                <a:spcPts val="500"/>
-              </a:spcBef>
-              <a:buFont typeface="Arial" panose="020B0604020202020204" pitchFamily="34" charset="0"/>
-              <a:buChar char="•"/>
-              <a:defRPr sz="1600" kern="1200">
-                <a:solidFill>
-                  <a:schemeClr val="tx1"/>
-                </a:solidFill>
-                <a:latin typeface="+mn-lt"/>
-                <a:ea typeface="+mn-ea"/>
-                <a:cs typeface="+mn-cs"/>
-              </a:defRPr>
-            </a:lvl6pPr>
-            <a:lvl7pPr marL="2971800" indent="-228600" algn="l" defTabSz="914400" rtl="0" eaLnBrk="1" latinLnBrk="0" hangingPunct="1">
-              <a:lnSpc>
-                <a:spcPct val="90000"/>
-              </a:lnSpc>
-              <a:spcBef>
-                <a:spcPts val="500"/>
-              </a:spcBef>
-              <a:buFont typeface="Arial" panose="020B0604020202020204" pitchFamily="34" charset="0"/>
-              <a:buChar char="•"/>
-              <a:defRPr sz="1600" kern="1200">
-                <a:solidFill>
-                  <a:schemeClr val="tx1"/>
-                </a:solidFill>
-                <a:latin typeface="+mn-lt"/>
-                <a:ea typeface="+mn-ea"/>
-                <a:cs typeface="+mn-cs"/>
-              </a:defRPr>
-            </a:lvl7pPr>
-            <a:lvl8pPr marL="3429000" indent="-228600" algn="l" defTabSz="914400" rtl="0" eaLnBrk="1" latinLnBrk="0" hangingPunct="1">
-              <a:lnSpc>
-                <a:spcPct val="90000"/>
-              </a:lnSpc>
-              <a:spcBef>
-                <a:spcPts val="500"/>
-              </a:spcBef>
-              <a:buFont typeface="Arial" panose="020B0604020202020204" pitchFamily="34" charset="0"/>
-              <a:buChar char="•"/>
-              <a:defRPr sz="1600" kern="1200">
-                <a:solidFill>
-                  <a:schemeClr val="tx1"/>
-                </a:solidFill>
-                <a:latin typeface="+mn-lt"/>
-                <a:ea typeface="+mn-ea"/>
-                <a:cs typeface="+mn-cs"/>
-              </a:defRPr>
-            </a:lvl8pPr>
-            <a:lvl9pPr marL="3886200" indent="-228600" algn="l" defTabSz="914400" rtl="0" eaLnBrk="1" latinLnBrk="0" hangingPunct="1">
-              <a:lnSpc>
-                <a:spcPct val="90000"/>
-              </a:lnSpc>
-              <a:spcBef>
-                <a:spcPts val="500"/>
-              </a:spcBef>
-              <a:buFont typeface="Arial" panose="020B0604020202020204" pitchFamily="34" charset="0"/>
-              <a:buChar char="•"/>
-              <a:defRPr sz="1600" kern="1200">
-                <a:solidFill>
-                  <a:schemeClr val="tx1"/>
-                </a:solidFill>
-                <a:latin typeface="+mn-lt"/>
-                <a:ea typeface="+mn-ea"/>
-                <a:cs typeface="+mn-cs"/>
-              </a:defRPr>
-            </a:lvl9pPr>
-          </a:lstStyle>
-          <a:p>
-            <a:r>
-              <a:rPr lang="en-US" sz="2400" dirty="0">
-                <a:latin typeface="Garamond" panose="02020404030301010803" pitchFamily="18" charset="0"/>
-              </a:rPr>
-              <a:t>As expected, magnitude response improved massively at low frequencies</a:t>
-            </a:r>
-          </a:p>
-          <a:p>
-            <a:r>
-              <a:rPr lang="en-US" sz="2400" dirty="0">
-                <a:latin typeface="Garamond" panose="02020404030301010803" pitchFamily="18" charset="0"/>
-              </a:rPr>
-              <a:t>In practice this is unobtainable because too much air needs to be moved, cone displacement will exceed maximum allowed value</a:t>
-            </a:r>
-          </a:p>
-          <a:p>
-            <a:endParaRPr lang="en-US" dirty="0">
-              <a:latin typeface="Garamond" panose="02020404030301010803" pitchFamily="18" charset="0"/>
-            </a:endParaRPr>
-          </a:p>
-          <a:p>
-            <a:endParaRPr lang="en-US" dirty="0">
-              <a:latin typeface="Garamond" panose="02020404030301010803" pitchFamily="18" charset="0"/>
-            </a:endParaRPr>
-          </a:p>
-        </p:txBody>
-      </p:sp>
-    </p:spTree>
-    <p:extLst>
-      <p:ext uri="{BB962C8B-B14F-4D97-AF65-F5344CB8AC3E}">
-        <p14:creationId xmlns:p14="http://schemas.microsoft.com/office/powerpoint/2010/main" val="663071535"/>
-      </p:ext>
-    </p:extLst>
-  </p:cSld>
-  <p:clrMapOvr>
-    <a:masterClrMapping/>
-  </p:clrMapOvr>
-</p:sld>
-</file>
-
-<file path=ppt/slides/slide17.xml><?xml version="1.0" encoding="utf-8"?>
-<p:sld xmlns:a="http://schemas.openxmlformats.org/drawingml/2006/main" xmlns:r="http://schemas.openxmlformats.org/officeDocument/2006/relationships" xmlns:p="http://schemas.openxmlformats.org/presentationml/2006/main">
-  <p:cSld>
-    <p:spTree>
-      <p:nvGrpSpPr>
-        <p:cNvPr id="1" name=""/>
-        <p:cNvGrpSpPr/>
-        <p:nvPr/>
-      </p:nvGrpSpPr>
-      <p:grpSpPr>
-        <a:xfrm>
-          <a:off x="0" y="0"/>
-          <a:ext cx="0" cy="0"/>
-          <a:chOff x="0" y="0"/>
-          <a:chExt cx="0" cy="0"/>
-        </a:xfrm>
-      </p:grpSpPr>
-      <p:sp>
-        <p:nvSpPr>
-          <p:cNvPr id="2" name="Title 1">
-            <a:extLst>
-              <a:ext uri="{FF2B5EF4-FFF2-40B4-BE49-F238E27FC236}">
-                <a16:creationId xmlns:a16="http://schemas.microsoft.com/office/drawing/2014/main" id="{30D11954-8BAE-0D40-9CC0-3D1426B35C0A}"/>
-              </a:ext>
-            </a:extLst>
-          </p:cNvPr>
-          <p:cNvSpPr>
-            <a:spLocks noGrp="1"/>
-          </p:cNvSpPr>
-          <p:nvPr>
-            <p:ph type="title"/>
-          </p:nvPr>
-        </p:nvSpPr>
-        <p:spPr/>
-        <p:txBody>
-          <a:bodyPr/>
-          <a:lstStyle/>
-          <a:p>
-            <a:r>
-              <a:rPr lang="en-US" dirty="0">
-                <a:latin typeface="Garamond" panose="02020404030301010803" pitchFamily="18" charset="0"/>
-              </a:rPr>
-              <a:t>Plans</a:t>
-            </a:r>
-          </a:p>
-        </p:txBody>
-      </p:sp>
-      <p:sp>
-        <p:nvSpPr>
-          <p:cNvPr id="3" name="Content Placeholder 2">
-            <a:extLst>
-              <a:ext uri="{FF2B5EF4-FFF2-40B4-BE49-F238E27FC236}">
-                <a16:creationId xmlns:a16="http://schemas.microsoft.com/office/drawing/2014/main" id="{9814AEE1-CEF1-BA4F-87C0-660584B9DE3D}"/>
-              </a:ext>
-            </a:extLst>
-          </p:cNvPr>
-          <p:cNvSpPr>
-            <a:spLocks noGrp="1"/>
-          </p:cNvSpPr>
-          <p:nvPr>
-            <p:ph idx="1"/>
-          </p:nvPr>
-        </p:nvSpPr>
-        <p:spPr/>
-        <p:txBody>
-          <a:bodyPr/>
-          <a:lstStyle/>
-          <a:p>
-            <a:r>
-              <a:rPr lang="en-US" dirty="0">
-                <a:latin typeface="Garamond" panose="02020404030301010803" pitchFamily="18" charset="0"/>
-              </a:rPr>
-              <a:t>Make and test open-loop compensator</a:t>
-            </a:r>
-          </a:p>
-          <a:p>
-            <a:r>
-              <a:rPr lang="en-US" dirty="0">
-                <a:latin typeface="Garamond" panose="02020404030301010803" pitchFamily="18" charset="0"/>
-              </a:rPr>
-              <a:t>Design, simulate, build closed-loop compensators</a:t>
-            </a:r>
-          </a:p>
-        </p:txBody>
-      </p:sp>
-    </p:spTree>
-    <p:extLst>
-      <p:ext uri="{BB962C8B-B14F-4D97-AF65-F5344CB8AC3E}">
-        <p14:creationId xmlns:p14="http://schemas.microsoft.com/office/powerpoint/2010/main" val="983899657"/>
-      </p:ext>
-    </p:extLst>
-  </p:cSld>
-  <p:clrMapOvr>
-    <a:masterClrMapping/>
-  </p:clrMapOvr>
-</p:sld>
-</file>
-
-<file path=ppt/slides/slide2.xml><?xml version="1.0" encoding="utf-8"?>
-<p:sld xmlns:a="http://schemas.openxmlformats.org/drawingml/2006/main" xmlns:r="http://schemas.openxmlformats.org/officeDocument/2006/relationships" xmlns:p="http://schemas.openxmlformats.org/presentationml/2006/main">
-  <p:cSld>
-    <p:spTree>
-      <p:nvGrpSpPr>
-        <p:cNvPr id="1" name=""/>
-        <p:cNvGrpSpPr/>
-        <p:nvPr/>
-      </p:nvGrpSpPr>
-      <p:grpSpPr>
-        <a:xfrm>
-          <a:off x="0" y="0"/>
-          <a:ext cx="0" cy="0"/>
-          <a:chOff x="0" y="0"/>
-          <a:chExt cx="0" cy="0"/>
-        </a:xfrm>
-      </p:grpSpPr>
-      <p:sp>
-        <p:nvSpPr>
-          <p:cNvPr id="2" name="Title 1">
-            <a:extLst>
-              <a:ext uri="{FF2B5EF4-FFF2-40B4-BE49-F238E27FC236}">
-                <a16:creationId xmlns:a16="http://schemas.microsoft.com/office/drawing/2014/main" id="{88648774-E68B-0C43-B5C5-BFBBF59515D4}"/>
-              </a:ext>
-            </a:extLst>
-          </p:cNvPr>
-          <p:cNvSpPr>
-            <a:spLocks noGrp="1"/>
-          </p:cNvSpPr>
-          <p:nvPr>
-            <p:ph type="title"/>
-          </p:nvPr>
-        </p:nvSpPr>
-        <p:spPr/>
-        <p:txBody>
-          <a:bodyPr/>
-          <a:lstStyle/>
-          <a:p>
-            <a:r>
-              <a:rPr lang="en-US" dirty="0">
-                <a:latin typeface="Garamond" panose="02020404030301010803" pitchFamily="18" charset="0"/>
-              </a:rPr>
-              <a:t>Project Definition</a:t>
-            </a:r>
-          </a:p>
-        </p:txBody>
-      </p:sp>
-      <p:sp>
-        <p:nvSpPr>
-          <p:cNvPr id="3" name="Content Placeholder 2">
-            <a:extLst>
-              <a:ext uri="{FF2B5EF4-FFF2-40B4-BE49-F238E27FC236}">
-                <a16:creationId xmlns:a16="http://schemas.microsoft.com/office/drawing/2014/main" id="{13372421-E9E5-EF42-AE5A-69D37A93EE77}"/>
-              </a:ext>
-            </a:extLst>
-          </p:cNvPr>
-          <p:cNvSpPr>
-            <a:spLocks noGrp="1"/>
-          </p:cNvSpPr>
-          <p:nvPr>
-            <p:ph idx="1"/>
-          </p:nvPr>
-        </p:nvSpPr>
-        <p:spPr/>
-        <p:txBody>
-          <a:bodyPr/>
-          <a:lstStyle/>
-          <a:p>
-            <a:r>
-              <a:rPr lang="en-US" dirty="0">
-                <a:latin typeface="Garamond" panose="02020404030301010803" pitchFamily="18" charset="0"/>
-              </a:rPr>
-              <a:t>Loudspeakers are run open-loop… for no real reason</a:t>
-            </a:r>
-          </a:p>
-          <a:p>
-            <a:r>
-              <a:rPr lang="en-US" dirty="0">
-                <a:latin typeface="Garamond" panose="02020404030301010803" pitchFamily="18" charset="0"/>
-              </a:rPr>
-              <a:t>Subwoofers are the most non-linear of loudspeakers</a:t>
-            </a:r>
-          </a:p>
-          <a:p>
-            <a:r>
-              <a:rPr lang="en-US" dirty="0">
-                <a:latin typeface="Garamond" panose="02020404030301010803" pitchFamily="18" charset="0"/>
-              </a:rPr>
-              <a:t>Why not just ‘build them better’?</a:t>
-            </a:r>
-          </a:p>
-          <a:p>
-            <a:r>
-              <a:rPr lang="en-US" dirty="0">
-                <a:latin typeface="Garamond" panose="02020404030301010803" pitchFamily="18" charset="0"/>
-              </a:rPr>
-              <a:t>Project aim and description from PID/INT</a:t>
-            </a:r>
-          </a:p>
-          <a:p>
-            <a:endParaRPr lang="en-US" dirty="0">
-              <a:latin typeface="Garamond" panose="02020404030301010803" pitchFamily="18" charset="0"/>
-            </a:endParaRPr>
-          </a:p>
-          <a:p>
-            <a:pPr marL="0" indent="0">
-              <a:buNone/>
-            </a:pPr>
-            <a:endParaRPr lang="en-US" dirty="0">
-              <a:latin typeface="Garamond" panose="02020404030301010803" pitchFamily="18" charset="0"/>
-            </a:endParaRPr>
-          </a:p>
-        </p:txBody>
-      </p:sp>
-    </p:spTree>
-    <p:extLst>
-      <p:ext uri="{BB962C8B-B14F-4D97-AF65-F5344CB8AC3E}">
-        <p14:creationId xmlns:p14="http://schemas.microsoft.com/office/powerpoint/2010/main" val="3893403105"/>
-      </p:ext>
-    </p:extLst>
-  </p:cSld>
-  <p:clrMapOvr>
-    <a:masterClrMapping/>
-  </p:clrMapOvr>
-</p:sld>
-</file>
-
-<file path=ppt/slides/slide3.xml><?xml version="1.0" encoding="utf-8"?>
-<p:sld xmlns:a="http://schemas.openxmlformats.org/drawingml/2006/main" xmlns:r="http://schemas.openxmlformats.org/officeDocument/2006/relationships" xmlns:p="http://schemas.openxmlformats.org/presentationml/2006/main">
-  <p:cSld>
-    <p:spTree>
-      <p:nvGrpSpPr>
-        <p:cNvPr id="1" name=""/>
-        <p:cNvGrpSpPr/>
-        <p:nvPr/>
-      </p:nvGrpSpPr>
-      <p:grpSpPr>
-        <a:xfrm>
-          <a:off x="0" y="0"/>
-          <a:ext cx="0" cy="0"/>
-          <a:chOff x="0" y="0"/>
-          <a:chExt cx="0" cy="0"/>
-        </a:xfrm>
-      </p:grpSpPr>
-      <p:sp>
-        <p:nvSpPr>
-          <p:cNvPr id="2" name="Title 1">
-            <a:extLst>
-              <a:ext uri="{FF2B5EF4-FFF2-40B4-BE49-F238E27FC236}">
-                <a16:creationId xmlns:a16="http://schemas.microsoft.com/office/drawing/2014/main" id="{88648774-E68B-0C43-B5C5-BFBBF59515D4}"/>
-              </a:ext>
-            </a:extLst>
-          </p:cNvPr>
-          <p:cNvSpPr>
-            <a:spLocks noGrp="1"/>
-          </p:cNvSpPr>
-          <p:nvPr>
-            <p:ph type="title"/>
-          </p:nvPr>
-        </p:nvSpPr>
-        <p:spPr/>
-        <p:txBody>
-          <a:bodyPr/>
-          <a:lstStyle/>
-          <a:p>
-            <a:r>
-              <a:rPr lang="en-US" dirty="0">
-                <a:latin typeface="Garamond" panose="02020404030301010803" pitchFamily="18" charset="0"/>
-              </a:rPr>
-              <a:t>Technical Understanding of Project</a:t>
-            </a:r>
-          </a:p>
-        </p:txBody>
-      </p:sp>
-      <p:sp>
-        <p:nvSpPr>
-          <p:cNvPr id="3" name="Content Placeholder 2">
-            <a:extLst>
-              <a:ext uri="{FF2B5EF4-FFF2-40B4-BE49-F238E27FC236}">
-                <a16:creationId xmlns:a16="http://schemas.microsoft.com/office/drawing/2014/main" id="{13372421-E9E5-EF42-AE5A-69D37A93EE77}"/>
-              </a:ext>
-            </a:extLst>
-          </p:cNvPr>
-          <p:cNvSpPr>
-            <a:spLocks noGrp="1"/>
-          </p:cNvSpPr>
-          <p:nvPr>
-            <p:ph idx="1"/>
-          </p:nvPr>
-        </p:nvSpPr>
-        <p:spPr/>
-        <p:txBody>
-          <a:bodyPr/>
-          <a:lstStyle/>
-          <a:p>
-            <a:r>
-              <a:rPr lang="en-US" dirty="0">
-                <a:latin typeface="Garamond" panose="02020404030301010803" pitchFamily="18" charset="0"/>
-              </a:rPr>
-              <a:t>Background theory and research shows that electronic compensation, especially closed-loop compensation, is the best way forward</a:t>
-            </a:r>
-          </a:p>
-          <a:p>
-            <a:r>
-              <a:rPr lang="en-US" dirty="0">
-                <a:latin typeface="Garamond" panose="02020404030301010803" pitchFamily="18" charset="0"/>
-              </a:rPr>
-              <a:t>Open-loop compensator has been designed (show sums)</a:t>
-            </a:r>
-          </a:p>
-          <a:p>
-            <a:r>
-              <a:rPr lang="en-US" dirty="0">
-                <a:latin typeface="Garamond" panose="02020404030301010803" pitchFamily="18" charset="0"/>
-              </a:rPr>
-              <a:t>Closed-loop compensator not designed yet</a:t>
-            </a:r>
-          </a:p>
-          <a:p>
-            <a:r>
-              <a:rPr lang="en-US" dirty="0">
-                <a:latin typeface="Garamond" panose="02020404030301010803" pitchFamily="18" charset="0"/>
-              </a:rPr>
-              <a:t>Importance of careful design highlighted</a:t>
-            </a:r>
-          </a:p>
-          <a:p>
-            <a:r>
-              <a:rPr lang="en-US" dirty="0">
-                <a:latin typeface="Garamond" panose="02020404030301010803" pitchFamily="18" charset="0"/>
-              </a:rPr>
-              <a:t>Results of simulations and hopefully actual subwoofer performance if this can be achieved.</a:t>
-            </a:r>
-          </a:p>
-          <a:p>
-            <a:r>
-              <a:rPr lang="en-US" dirty="0">
-                <a:latin typeface="Garamond" panose="02020404030301010803" pitchFamily="18" charset="0"/>
-              </a:rPr>
-              <a:t>Background theory </a:t>
-            </a:r>
-          </a:p>
-          <a:p>
-            <a:endParaRPr lang="en-US" dirty="0">
-              <a:latin typeface="Garamond" panose="02020404030301010803" pitchFamily="18" charset="0"/>
-            </a:endParaRPr>
-          </a:p>
-          <a:p>
-            <a:pPr marL="0" indent="0">
-              <a:buNone/>
-            </a:pPr>
-            <a:endParaRPr lang="en-US" dirty="0">
-              <a:latin typeface="Garamond" panose="02020404030301010803" pitchFamily="18" charset="0"/>
-            </a:endParaRPr>
-          </a:p>
-        </p:txBody>
-      </p:sp>
-    </p:spTree>
-    <p:extLst>
-      <p:ext uri="{BB962C8B-B14F-4D97-AF65-F5344CB8AC3E}">
-        <p14:creationId xmlns:p14="http://schemas.microsoft.com/office/powerpoint/2010/main" val="2474923910"/>
-      </p:ext>
-    </p:extLst>
-  </p:cSld>
-  <p:clrMapOvr>
-    <a:masterClrMapping/>
-  </p:clrMapOvr>
-</p:sld>
-</file>
-
-<file path=ppt/slides/slide4.xml><?xml version="1.0" encoding="utf-8"?>
-<p:sld xmlns:a="http://schemas.openxmlformats.org/drawingml/2006/main" xmlns:r="http://schemas.openxmlformats.org/officeDocument/2006/relationships" xmlns:p="http://schemas.openxmlformats.org/presentationml/2006/main">
-  <p:cSld>
-    <p:spTree>
-      <p:nvGrpSpPr>
-        <p:cNvPr id="1" name=""/>
-        <p:cNvGrpSpPr/>
-        <p:nvPr/>
-      </p:nvGrpSpPr>
-      <p:grpSpPr>
-        <a:xfrm>
-          <a:off x="0" y="0"/>
-          <a:ext cx="0" cy="0"/>
-          <a:chOff x="0" y="0"/>
-          <a:chExt cx="0" cy="0"/>
-        </a:xfrm>
-      </p:grpSpPr>
-      <p:sp>
-        <p:nvSpPr>
-          <p:cNvPr id="2" name="Title 1">
-            <a:extLst>
-              <a:ext uri="{FF2B5EF4-FFF2-40B4-BE49-F238E27FC236}">
-                <a16:creationId xmlns:a16="http://schemas.microsoft.com/office/drawing/2014/main" id="{88648774-E68B-0C43-B5C5-BFBBF59515D4}"/>
-              </a:ext>
-            </a:extLst>
-          </p:cNvPr>
-          <p:cNvSpPr>
-            <a:spLocks noGrp="1"/>
-          </p:cNvSpPr>
-          <p:nvPr>
-            <p:ph type="title"/>
-          </p:nvPr>
-        </p:nvSpPr>
-        <p:spPr/>
-        <p:txBody>
-          <a:bodyPr/>
-          <a:lstStyle/>
-          <a:p>
-            <a:r>
-              <a:rPr lang="en-US" dirty="0">
-                <a:latin typeface="Garamond" panose="02020404030301010803" pitchFamily="18" charset="0"/>
-              </a:rPr>
-              <a:t>Technical Understanding of Project</a:t>
-            </a:r>
-          </a:p>
-        </p:txBody>
-      </p:sp>
-      <p:sp>
-        <p:nvSpPr>
-          <p:cNvPr id="3" name="Content Placeholder 2">
-            <a:extLst>
-              <a:ext uri="{FF2B5EF4-FFF2-40B4-BE49-F238E27FC236}">
-                <a16:creationId xmlns:a16="http://schemas.microsoft.com/office/drawing/2014/main" id="{13372421-E9E5-EF42-AE5A-69D37A93EE77}"/>
-              </a:ext>
-            </a:extLst>
-          </p:cNvPr>
-          <p:cNvSpPr>
-            <a:spLocks noGrp="1"/>
-          </p:cNvSpPr>
-          <p:nvPr>
-            <p:ph idx="1"/>
-          </p:nvPr>
-        </p:nvSpPr>
-        <p:spPr/>
-        <p:txBody>
-          <a:bodyPr/>
-          <a:lstStyle/>
-          <a:p>
-            <a:r>
-              <a:rPr lang="en-US" dirty="0">
-                <a:latin typeface="Garamond" panose="02020404030301010803" pitchFamily="18" charset="0"/>
-              </a:rPr>
-              <a:t>Background theory reveals two essential things:</a:t>
-            </a:r>
-          </a:p>
-          <a:p>
-            <a:pPr lvl="1"/>
-            <a:r>
-              <a:rPr lang="en-US" dirty="0">
-                <a:latin typeface="Garamond" panose="02020404030301010803" pitchFamily="18" charset="0"/>
-              </a:rPr>
-              <a:t>Subwoofers have the most distortions and non-linearities of all the loudspeakers</a:t>
-            </a:r>
-          </a:p>
-          <a:p>
-            <a:pPr lvl="1"/>
-            <a:r>
-              <a:rPr lang="en-US" dirty="0">
-                <a:latin typeface="Garamond" panose="02020404030301010803" pitchFamily="18" charset="0"/>
-              </a:rPr>
-              <a:t>Subwoofers would benefit from an electronic ‘extension’ of their bass response because the lowest frequencies are the hardest to reproduce.</a:t>
-            </a:r>
-          </a:p>
-          <a:p>
-            <a:r>
-              <a:rPr lang="en-US" dirty="0">
-                <a:latin typeface="Garamond" panose="02020404030301010803" pitchFamily="18" charset="0"/>
-              </a:rPr>
-              <a:t>Background research shows that implementing a control system onto a loudspeaker is quite feasible</a:t>
-            </a:r>
-          </a:p>
-          <a:p>
-            <a:endParaRPr lang="en-US" dirty="0">
-              <a:latin typeface="Garamond" panose="02020404030301010803" pitchFamily="18" charset="0"/>
-            </a:endParaRPr>
-          </a:p>
-          <a:p>
-            <a:pPr marL="0" indent="0">
-              <a:buNone/>
-            </a:pPr>
-            <a:endParaRPr lang="en-US" dirty="0">
-              <a:latin typeface="Garamond" panose="02020404030301010803" pitchFamily="18" charset="0"/>
-            </a:endParaRPr>
-          </a:p>
-        </p:txBody>
-      </p:sp>
-    </p:spTree>
-    <p:extLst>
-      <p:ext uri="{BB962C8B-B14F-4D97-AF65-F5344CB8AC3E}">
-        <p14:creationId xmlns:p14="http://schemas.microsoft.com/office/powerpoint/2010/main" val="1923474040"/>
-      </p:ext>
-    </p:extLst>
-  </p:cSld>
-  <p:clrMapOvr>
-    <a:masterClrMapping/>
-  </p:clrMapOvr>
-</p:sld>
-</file>
-
-<file path=ppt/slides/slide5.xml><?xml version="1.0" encoding="utf-8"?>
-<p:sld xmlns:a="http://schemas.openxmlformats.org/drawingml/2006/main" xmlns:r="http://schemas.openxmlformats.org/officeDocument/2006/relationships" xmlns:p="http://schemas.openxmlformats.org/presentationml/2006/main">
-  <p:cSld>
-    <p:spTree>
-      <p:nvGrpSpPr>
-        <p:cNvPr id="1" name=""/>
-        <p:cNvGrpSpPr/>
-        <p:nvPr/>
-      </p:nvGrpSpPr>
-      <p:grpSpPr>
-        <a:xfrm>
-          <a:off x="0" y="0"/>
-          <a:ext cx="0" cy="0"/>
-          <a:chOff x="0" y="0"/>
-          <a:chExt cx="0" cy="0"/>
-        </a:xfrm>
-      </p:grpSpPr>
-      <p:sp>
-        <p:nvSpPr>
-          <p:cNvPr id="2" name="Title 1">
-            <a:extLst>
-              <a:ext uri="{FF2B5EF4-FFF2-40B4-BE49-F238E27FC236}">
-                <a16:creationId xmlns:a16="http://schemas.microsoft.com/office/drawing/2014/main" id="{88648774-E68B-0C43-B5C5-BFBBF59515D4}"/>
-              </a:ext>
-            </a:extLst>
-          </p:cNvPr>
-          <p:cNvSpPr>
-            <a:spLocks noGrp="1"/>
-          </p:cNvSpPr>
-          <p:nvPr>
-            <p:ph type="title"/>
-          </p:nvPr>
-        </p:nvSpPr>
-        <p:spPr/>
-        <p:txBody>
-          <a:bodyPr/>
-          <a:lstStyle/>
-          <a:p>
-            <a:r>
-              <a:rPr lang="en-US" dirty="0">
-                <a:latin typeface="Garamond" panose="02020404030301010803" pitchFamily="18" charset="0"/>
-              </a:rPr>
-              <a:t>Milestone Evaluation</a:t>
-            </a:r>
-          </a:p>
-        </p:txBody>
-      </p:sp>
-      <p:sp>
-        <p:nvSpPr>
-          <p:cNvPr id="3" name="Content Placeholder 2">
-            <a:extLst>
-              <a:ext uri="{FF2B5EF4-FFF2-40B4-BE49-F238E27FC236}">
-                <a16:creationId xmlns:a16="http://schemas.microsoft.com/office/drawing/2014/main" id="{13372421-E9E5-EF42-AE5A-69D37A93EE77}"/>
-              </a:ext>
-            </a:extLst>
-          </p:cNvPr>
-          <p:cNvSpPr>
-            <a:spLocks noGrp="1"/>
-          </p:cNvSpPr>
-          <p:nvPr>
-            <p:ph idx="1"/>
-          </p:nvPr>
-        </p:nvSpPr>
-        <p:spPr/>
-        <p:txBody>
-          <a:bodyPr/>
-          <a:lstStyle/>
-          <a:p>
-            <a:r>
-              <a:rPr lang="en-US" dirty="0">
-                <a:latin typeface="Garamond" panose="02020404030301010803" pitchFamily="18" charset="0"/>
-              </a:rPr>
-              <a:t>Supervisor estimates a 4 week lag behind schedule</a:t>
-            </a:r>
-          </a:p>
-          <a:p>
-            <a:r>
-              <a:rPr lang="en-US" dirty="0">
-                <a:latin typeface="Garamond" panose="02020404030301010803" pitchFamily="18" charset="0"/>
-              </a:rPr>
-              <a:t>Most work can feasibly be completed on time.</a:t>
-            </a:r>
-          </a:p>
-          <a:p>
-            <a:endParaRPr lang="en-US" dirty="0">
-              <a:latin typeface="Garamond" panose="02020404030301010803" pitchFamily="18" charset="0"/>
-            </a:endParaRPr>
-          </a:p>
-        </p:txBody>
-      </p:sp>
-    </p:spTree>
-    <p:extLst>
-      <p:ext uri="{BB962C8B-B14F-4D97-AF65-F5344CB8AC3E}">
-        <p14:creationId xmlns:p14="http://schemas.microsoft.com/office/powerpoint/2010/main" val="1945806205"/>
-      </p:ext>
-    </p:extLst>
-  </p:cSld>
-  <p:clrMapOvr>
-    <a:masterClrMapping/>
-  </p:clrMapOvr>
-</p:sld>
-</file>
-
-<file path=ppt/slides/slide6.xml><?xml version="1.0" encoding="utf-8"?>
-<p:sld xmlns:a="http://schemas.openxmlformats.org/drawingml/2006/main" xmlns:r="http://schemas.openxmlformats.org/officeDocument/2006/relationships" xmlns:p="http://schemas.openxmlformats.org/presentationml/2006/main">
-  <p:cSld>
-    <p:spTree>
-      <p:nvGrpSpPr>
-        <p:cNvPr id="1" name=""/>
-        <p:cNvGrpSpPr/>
-        <p:nvPr/>
-      </p:nvGrpSpPr>
-      <p:grpSpPr>
-        <a:xfrm>
-          <a:off x="0" y="0"/>
-          <a:ext cx="0" cy="0"/>
-          <a:chOff x="0" y="0"/>
-          <a:chExt cx="0" cy="0"/>
-        </a:xfrm>
-      </p:grpSpPr>
-      <p:sp>
-        <p:nvSpPr>
-          <p:cNvPr id="2" name="Title 1">
-            <a:extLst>
-              <a:ext uri="{FF2B5EF4-FFF2-40B4-BE49-F238E27FC236}">
-                <a16:creationId xmlns:a16="http://schemas.microsoft.com/office/drawing/2014/main" id="{67BEF447-CE8A-4FDB-AD02-5B53F6852305}"/>
-              </a:ext>
-            </a:extLst>
-          </p:cNvPr>
-          <p:cNvSpPr>
-            <a:spLocks noGrp="1"/>
-          </p:cNvSpPr>
-          <p:nvPr>
-            <p:ph type="title"/>
-          </p:nvPr>
-        </p:nvSpPr>
-        <p:spPr/>
-        <p:txBody>
-          <a:bodyPr/>
-          <a:lstStyle/>
-          <a:p>
-            <a:r>
-              <a:rPr lang="en-GB" dirty="0">
-                <a:latin typeface="Garamond" panose="02020404030301010803" pitchFamily="18" charset="0"/>
-              </a:rPr>
-              <a:t>Developing Technologies</a:t>
-            </a:r>
-          </a:p>
-        </p:txBody>
-      </p:sp>
-      <p:sp>
-        <p:nvSpPr>
-          <p:cNvPr id="3" name="Content Placeholder 2">
-            <a:extLst>
-              <a:ext uri="{FF2B5EF4-FFF2-40B4-BE49-F238E27FC236}">
-                <a16:creationId xmlns:a16="http://schemas.microsoft.com/office/drawing/2014/main" id="{4AC14423-7CC2-4F75-89D8-928F56D3C4F2}"/>
-              </a:ext>
-            </a:extLst>
-          </p:cNvPr>
-          <p:cNvSpPr>
-            <a:spLocks noGrp="1"/>
-          </p:cNvSpPr>
-          <p:nvPr>
-            <p:ph idx="1"/>
-          </p:nvPr>
-        </p:nvSpPr>
-        <p:spPr/>
-        <p:txBody>
-          <a:bodyPr/>
-          <a:lstStyle/>
-          <a:p>
-            <a:r>
-              <a:rPr lang="en-GB" dirty="0">
-                <a:latin typeface="Garamond" panose="02020404030301010803" pitchFamily="18" charset="0"/>
-              </a:rPr>
-              <a:t>A novel method of designing and implementing all required open- and closed-loop circuitry could be by using a field-programmable analogue array, such as those designed by </a:t>
-            </a:r>
-            <a:r>
-              <a:rPr lang="en-GB" dirty="0" err="1">
-                <a:latin typeface="Garamond" panose="02020404030301010803" pitchFamily="18" charset="0"/>
-              </a:rPr>
-              <a:t>Anadigm</a:t>
-            </a:r>
-            <a:r>
-              <a:rPr lang="en-GB" dirty="0">
-                <a:latin typeface="Garamond" panose="02020404030301010803" pitchFamily="18" charset="0"/>
-              </a:rPr>
-              <a:t>. Limits physical size and complexity of solutions, allows for patches from manufacturers to users, could even make a GUI to allow users to tune their own devices (although probably not possible because you need to program them through MATLAB)</a:t>
-            </a:r>
-          </a:p>
-          <a:p>
-            <a:endParaRPr lang="en-GB" dirty="0">
-              <a:latin typeface="Garamond" panose="02020404030301010803" pitchFamily="18" charset="0"/>
-            </a:endParaRPr>
-          </a:p>
-          <a:p>
-            <a:endParaRPr lang="en-GB" dirty="0">
-              <a:latin typeface="Garamond" panose="02020404030301010803" pitchFamily="18" charset="0"/>
-            </a:endParaRPr>
-          </a:p>
-        </p:txBody>
-      </p:sp>
-    </p:spTree>
-    <p:extLst>
-      <p:ext uri="{BB962C8B-B14F-4D97-AF65-F5344CB8AC3E}">
-        <p14:creationId xmlns:p14="http://schemas.microsoft.com/office/powerpoint/2010/main" val="4046729375"/>
-      </p:ext>
-    </p:extLst>
-  </p:cSld>
-  <p:clrMapOvr>
-    <a:masterClrMapping/>
-  </p:clrMapOvr>
-</p:sld>
-</file>
-
-<file path=ppt/slides/slide7.xml><?xml version="1.0" encoding="utf-8"?>
-<p:sld xmlns:a="http://schemas.openxmlformats.org/drawingml/2006/main" xmlns:r="http://schemas.openxmlformats.org/officeDocument/2006/relationships" xmlns:p="http://schemas.openxmlformats.org/presentationml/2006/main">
-  <p:cSld>
-    <p:spTree>
-      <p:nvGrpSpPr>
-        <p:cNvPr id="1" name=""/>
-        <p:cNvGrpSpPr/>
-        <p:nvPr/>
-      </p:nvGrpSpPr>
-      <p:grpSpPr>
-        <a:xfrm>
-          <a:off x="0" y="0"/>
-          <a:ext cx="0" cy="0"/>
-          <a:chOff x="0" y="0"/>
-          <a:chExt cx="0" cy="0"/>
-        </a:xfrm>
-      </p:grpSpPr>
-      <p:sp>
-        <p:nvSpPr>
-          <p:cNvPr id="2" name="Title 1">
-            <a:extLst>
-              <a:ext uri="{FF2B5EF4-FFF2-40B4-BE49-F238E27FC236}">
-                <a16:creationId xmlns:a16="http://schemas.microsoft.com/office/drawing/2014/main" id="{A5CA7BA7-E213-C048-A17D-0FB2B07C78FA}"/>
-              </a:ext>
-            </a:extLst>
-          </p:cNvPr>
-          <p:cNvSpPr>
-            <a:spLocks noGrp="1"/>
-          </p:cNvSpPr>
-          <p:nvPr>
-            <p:ph type="ctrTitle"/>
-          </p:nvPr>
-        </p:nvSpPr>
-        <p:spPr>
-          <a:xfrm>
-            <a:off x="1524000" y="1612220"/>
-            <a:ext cx="9144000" cy="2387600"/>
-          </a:xfrm>
-        </p:spPr>
-        <p:txBody>
-          <a:bodyPr/>
-          <a:lstStyle/>
-          <a:p>
-            <a:r>
-              <a:rPr lang="en-US" dirty="0">
-                <a:latin typeface="Garamond" panose="02020404030301010803" pitchFamily="18" charset="0"/>
-                <a:cs typeface="Calibri" panose="020F0502020204030204" pitchFamily="34" charset="0"/>
-              </a:rPr>
-              <a:t>Motional Control of Loudspeakers</a:t>
-            </a:r>
-          </a:p>
-        </p:txBody>
-      </p:sp>
-      <p:sp>
-        <p:nvSpPr>
-          <p:cNvPr id="3" name="Subtitle 2">
-            <a:extLst>
-              <a:ext uri="{FF2B5EF4-FFF2-40B4-BE49-F238E27FC236}">
-                <a16:creationId xmlns:a16="http://schemas.microsoft.com/office/drawing/2014/main" id="{83C8236D-0F07-7E40-A31D-7B645246A6BD}"/>
-              </a:ext>
-            </a:extLst>
-          </p:cNvPr>
-          <p:cNvSpPr>
-            <a:spLocks noGrp="1"/>
-          </p:cNvSpPr>
-          <p:nvPr>
-            <p:ph type="subTitle" idx="1"/>
-          </p:nvPr>
-        </p:nvSpPr>
-        <p:spPr>
-          <a:xfrm>
-            <a:off x="1524000" y="3999820"/>
-            <a:ext cx="9144000" cy="915533"/>
-          </a:xfrm>
-        </p:spPr>
-        <p:txBody>
-          <a:bodyPr>
-            <a:normAutofit/>
-          </a:bodyPr>
-          <a:lstStyle/>
-          <a:p>
-            <a:r>
-              <a:rPr lang="en-US" dirty="0">
-                <a:latin typeface="Garamond" panose="02020404030301010803" pitchFamily="18" charset="0"/>
-                <a:cs typeface="Calibri" panose="020F0502020204030204" pitchFamily="34" charset="0"/>
-              </a:rPr>
-              <a:t>Sujit Malde, ela17sm, Electrical and Electronic Engineering 3</a:t>
-            </a:r>
-            <a:r>
-              <a:rPr lang="en-US" baseline="30000" dirty="0">
-                <a:latin typeface="Garamond" panose="02020404030301010803" pitchFamily="18" charset="0"/>
-                <a:cs typeface="Calibri" panose="020F0502020204030204" pitchFamily="34" charset="0"/>
-              </a:rPr>
-              <a:t>rd</a:t>
-            </a:r>
-            <a:r>
-              <a:rPr lang="en-US" dirty="0">
-                <a:latin typeface="Garamond" panose="02020404030301010803" pitchFamily="18" charset="0"/>
-                <a:cs typeface="Calibri" panose="020F0502020204030204" pitchFamily="34" charset="0"/>
-              </a:rPr>
-              <a:t> Year Project</a:t>
-            </a:r>
-          </a:p>
-          <a:p>
-            <a:r>
-              <a:rPr lang="en-US" dirty="0">
-                <a:latin typeface="Garamond" panose="02020404030301010803" pitchFamily="18" charset="0"/>
-                <a:cs typeface="Calibri" panose="020F0502020204030204" pitchFamily="34" charset="0"/>
-              </a:rPr>
-              <a:t>2</a:t>
-            </a:r>
-            <a:r>
-              <a:rPr lang="en-US" baseline="30000" dirty="0">
-                <a:latin typeface="Garamond" panose="02020404030301010803" pitchFamily="18" charset="0"/>
-                <a:cs typeface="Calibri" panose="020F0502020204030204" pitchFamily="34" charset="0"/>
-              </a:rPr>
-              <a:t>nd</a:t>
-            </a:r>
-            <a:r>
-              <a:rPr lang="en-US" dirty="0">
-                <a:latin typeface="Garamond" panose="02020404030301010803" pitchFamily="18" charset="0"/>
-                <a:cs typeface="Calibri" panose="020F0502020204030204" pitchFamily="34" charset="0"/>
-              </a:rPr>
-              <a:t> Marker Viva</a:t>
-            </a:r>
-          </a:p>
-        </p:txBody>
-      </p:sp>
-    </p:spTree>
-    <p:extLst>
-      <p:ext uri="{BB962C8B-B14F-4D97-AF65-F5344CB8AC3E}">
-        <p14:creationId xmlns:p14="http://schemas.microsoft.com/office/powerpoint/2010/main" val="3760262180"/>
-      </p:ext>
-    </p:extLst>
-  </p:cSld>
-  <p:clrMapOvr>
-    <a:masterClrMapping/>
-  </p:clrMapOvr>
-</p:sld>
-</file>
-
-<file path=ppt/slides/slide8.xml><?xml version="1.0" encoding="utf-8"?>
-<p:sld xmlns:a="http://schemas.openxmlformats.org/drawingml/2006/main" xmlns:r="http://schemas.openxmlformats.org/officeDocument/2006/relationships" xmlns:p="http://schemas.openxmlformats.org/presentationml/2006/main">
-  <p:cSld>
-    <p:spTree>
-      <p:nvGrpSpPr>
-        <p:cNvPr id="1" name=""/>
-        <p:cNvGrpSpPr/>
-        <p:nvPr/>
-      </p:nvGrpSpPr>
-      <p:grpSpPr>
-        <a:xfrm>
-          <a:off x="0" y="0"/>
-          <a:ext cx="0" cy="0"/>
-          <a:chOff x="0" y="0"/>
-          <a:chExt cx="0" cy="0"/>
-        </a:xfrm>
-      </p:grpSpPr>
-      <p:sp>
-        <p:nvSpPr>
-          <p:cNvPr id="2" name="Title 1">
-            <a:extLst>
-              <a:ext uri="{FF2B5EF4-FFF2-40B4-BE49-F238E27FC236}">
-                <a16:creationId xmlns:a16="http://schemas.microsoft.com/office/drawing/2014/main" id="{AAFD3B8C-D360-404D-AA4C-E1600784809F}"/>
-              </a:ext>
-            </a:extLst>
-          </p:cNvPr>
-          <p:cNvSpPr>
-            <a:spLocks noGrp="1"/>
-          </p:cNvSpPr>
-          <p:nvPr>
-            <p:ph type="title"/>
-          </p:nvPr>
-        </p:nvSpPr>
-        <p:spPr/>
-        <p:txBody>
-          <a:bodyPr/>
-          <a:lstStyle/>
-          <a:p>
-            <a:r>
-              <a:rPr lang="en-US" dirty="0">
-                <a:latin typeface="Garamond" panose="02020404030301010803" pitchFamily="18" charset="0"/>
-              </a:rPr>
-              <a:t>The Problem with Loudspeakers</a:t>
-            </a:r>
-          </a:p>
-        </p:txBody>
-      </p:sp>
-      <p:sp>
-        <p:nvSpPr>
-          <p:cNvPr id="3" name="Content Placeholder 2">
-            <a:extLst>
-              <a:ext uri="{FF2B5EF4-FFF2-40B4-BE49-F238E27FC236}">
-                <a16:creationId xmlns:a16="http://schemas.microsoft.com/office/drawing/2014/main" id="{048B8A3E-99C1-A542-B10D-F957C76D4652}"/>
-              </a:ext>
-            </a:extLst>
-          </p:cNvPr>
-          <p:cNvSpPr>
-            <a:spLocks noGrp="1"/>
-          </p:cNvSpPr>
-          <p:nvPr>
-            <p:ph idx="1"/>
-          </p:nvPr>
-        </p:nvSpPr>
-        <p:spPr>
-          <a:xfrm>
-            <a:off x="174170" y="1745183"/>
-            <a:ext cx="5940879" cy="4925248"/>
-          </a:xfrm>
-        </p:spPr>
-        <p:txBody>
-          <a:bodyPr>
-            <a:normAutofit/>
-          </a:bodyPr>
-          <a:lstStyle/>
-          <a:p>
-            <a:r>
-              <a:rPr lang="en-US" dirty="0">
-                <a:latin typeface="Garamond" panose="02020404030301010803" pitchFamily="18" charset="0"/>
-              </a:rPr>
-              <a:t>Not normally controlled</a:t>
-            </a:r>
-          </a:p>
-          <a:p>
-            <a:pPr marL="0" indent="0">
-              <a:buNone/>
-            </a:pPr>
-            <a:endParaRPr lang="en-US" dirty="0">
-              <a:latin typeface="Garamond" panose="02020404030301010803" pitchFamily="18" charset="0"/>
-            </a:endParaRPr>
-          </a:p>
-          <a:p>
-            <a:r>
-              <a:rPr lang="en-US" dirty="0">
-                <a:latin typeface="Garamond" panose="02020404030301010803" pitchFamily="18" charset="0"/>
-              </a:rPr>
-              <a:t>Distortions and non-linearities are rife</a:t>
-            </a:r>
-          </a:p>
-          <a:p>
-            <a:pPr marL="0" indent="0">
-              <a:buNone/>
-            </a:pPr>
-            <a:endParaRPr lang="en-US" dirty="0">
-              <a:latin typeface="Garamond" panose="02020404030301010803" pitchFamily="18" charset="0"/>
-            </a:endParaRPr>
-          </a:p>
-          <a:p>
-            <a:r>
-              <a:rPr lang="en-US" dirty="0">
-                <a:latin typeface="Garamond" panose="02020404030301010803" pitchFamily="18" charset="0"/>
-              </a:rPr>
-              <a:t>Expensive</a:t>
-            </a:r>
-          </a:p>
-          <a:p>
-            <a:pPr lvl="1"/>
-            <a:r>
-              <a:rPr lang="en-US" dirty="0">
-                <a:latin typeface="Garamond" panose="02020404030301010803" pitchFamily="18" charset="0"/>
-              </a:rPr>
-              <a:t>Manufacturers must spend lots to make loudspeakers ‘perfect’</a:t>
-            </a:r>
-          </a:p>
-          <a:p>
-            <a:pPr marL="457200" lvl="1" indent="0">
-              <a:buNone/>
-            </a:pPr>
-            <a:endParaRPr lang="en-US" dirty="0">
-              <a:latin typeface="Garamond" panose="02020404030301010803" pitchFamily="18" charset="0"/>
-            </a:endParaRPr>
-          </a:p>
-          <a:p>
-            <a:pPr lvl="1"/>
-            <a:r>
-              <a:rPr lang="en-US" dirty="0">
-                <a:latin typeface="Garamond" panose="02020404030301010803" pitchFamily="18" charset="0"/>
-              </a:rPr>
-              <a:t>Most consumers can’t buy good audio</a:t>
-            </a:r>
-          </a:p>
-          <a:p>
-            <a:pPr marL="0" indent="0">
-              <a:buNone/>
-            </a:pPr>
-            <a:endParaRPr lang="en-US" dirty="0">
-              <a:latin typeface="Garamond" panose="02020404030301010803" pitchFamily="18" charset="0"/>
-            </a:endParaRPr>
-          </a:p>
-        </p:txBody>
-      </p:sp>
-      <p:grpSp>
-        <p:nvGrpSpPr>
-          <p:cNvPr id="5" name="Group 4">
-            <a:extLst>
-              <a:ext uri="{FF2B5EF4-FFF2-40B4-BE49-F238E27FC236}">
-                <a16:creationId xmlns:a16="http://schemas.microsoft.com/office/drawing/2014/main" id="{7C31776C-9416-D94F-B5DC-4353A680B682}"/>
-              </a:ext>
-            </a:extLst>
-          </p:cNvPr>
-          <p:cNvGrpSpPr/>
-          <p:nvPr/>
-        </p:nvGrpSpPr>
-        <p:grpSpPr>
-          <a:xfrm>
-            <a:off x="6115049" y="2057401"/>
-            <a:ext cx="3326423" cy="4415200"/>
-            <a:chOff x="8865577" y="2057401"/>
-            <a:chExt cx="3326423" cy="4415200"/>
-          </a:xfrm>
-        </p:grpSpPr>
-        <p:pic>
-          <p:nvPicPr>
-            <p:cNvPr id="1026" name="Picture 2">
-              <a:extLst>
-                <a:ext uri="{FF2B5EF4-FFF2-40B4-BE49-F238E27FC236}">
-                  <a16:creationId xmlns:a16="http://schemas.microsoft.com/office/drawing/2014/main" id="{3A4B0FF1-8122-CC48-BECB-FC4F2CE4A845}"/>
-                </a:ext>
-              </a:extLst>
-            </p:cNvPr>
-            <p:cNvPicPr>
-              <a:picLocks noChangeAspect="1" noChangeArrowheads="1"/>
-            </p:cNvPicPr>
-            <p:nvPr/>
-          </p:nvPicPr>
-          <p:blipFill rotWithShape="1">
-            <a:blip r:embed="rId2">
-              <a:extLst>
-                <a:ext uri="{28A0092B-C50C-407E-A947-70E740481C1C}">
-                  <a14:useLocalDpi xmlns:a14="http://schemas.microsoft.com/office/drawing/2010/main" val="0"/>
-                </a:ext>
-              </a:extLst>
-            </a:blip>
-            <a:srcRect l="34682" t="3333" r="32461"/>
-            <a:stretch/>
-          </p:blipFill>
-          <p:spPr bwMode="auto">
-            <a:xfrm>
-              <a:off x="10564585" y="2057401"/>
-              <a:ext cx="1627415" cy="4161284"/>
-            </a:xfrm>
-            <a:prstGeom prst="rect">
-              <a:avLst/>
-            </a:prstGeom>
-            <a:noFill/>
-            <a:extLst>
-              <a:ext uri="{909E8E84-426E-40DD-AFC4-6F175D3DCCD1}">
-                <a14:hiddenFill xmlns:a14="http://schemas.microsoft.com/office/drawing/2010/main">
-                  <a:solidFill>
-                    <a:srgbClr val="FFFFFF"/>
-                  </a:solidFill>
-                </a14:hiddenFill>
-              </a:ext>
-            </a:extLst>
-          </p:spPr>
-        </p:pic>
-        <p:sp>
-          <p:nvSpPr>
-            <p:cNvPr id="4" name="TextBox 3">
-              <a:extLst>
-                <a:ext uri="{FF2B5EF4-FFF2-40B4-BE49-F238E27FC236}">
-                  <a16:creationId xmlns:a16="http://schemas.microsoft.com/office/drawing/2014/main" id="{693A8912-4B7C-B147-8925-A8871CC862C9}"/>
-                </a:ext>
-              </a:extLst>
-            </p:cNvPr>
-            <p:cNvSpPr txBox="1"/>
-            <p:nvPr/>
-          </p:nvSpPr>
-          <p:spPr>
-            <a:xfrm>
-              <a:off x="8968153" y="6218685"/>
-              <a:ext cx="3155184" cy="253916"/>
-            </a:xfrm>
-            <a:prstGeom prst="rect">
-              <a:avLst/>
-            </a:prstGeom>
-            <a:noFill/>
-          </p:spPr>
-          <p:txBody>
-            <a:bodyPr wrap="square" rtlCol="0">
-              <a:spAutoFit/>
-            </a:bodyPr>
-            <a:lstStyle/>
-            <a:p>
-              <a:pPr algn="ctr"/>
-              <a:r>
-                <a:rPr lang="en-US" sz="1050" dirty="0">
-                  <a:latin typeface="Garamond" panose="02020404030301010803" pitchFamily="18" charset="0"/>
-                </a:rPr>
-                <a:t>https://</a:t>
-              </a:r>
-              <a:r>
-                <a:rPr lang="en-US" sz="1050" dirty="0" err="1">
-                  <a:latin typeface="Garamond" panose="02020404030301010803" pitchFamily="18" charset="0"/>
-                </a:rPr>
-                <a:t>audiovector.com</a:t>
-              </a:r>
-              <a:r>
-                <a:rPr lang="en-US" sz="1050" dirty="0">
-                  <a:latin typeface="Garamond" panose="02020404030301010803" pitchFamily="18" charset="0"/>
-                </a:rPr>
-                <a:t>/sr-3-avantgarde-arrete.html</a:t>
-              </a:r>
-            </a:p>
-          </p:txBody>
-        </p:sp>
-        <p:pic>
-          <p:nvPicPr>
-            <p:cNvPr id="6" name="Picture 2">
-              <a:extLst>
-                <a:ext uri="{FF2B5EF4-FFF2-40B4-BE49-F238E27FC236}">
-                  <a16:creationId xmlns:a16="http://schemas.microsoft.com/office/drawing/2014/main" id="{133DB323-38A4-7145-B8EB-2C232F76220B}"/>
-                </a:ext>
-              </a:extLst>
-            </p:cNvPr>
-            <p:cNvPicPr>
-              <a:picLocks noChangeAspect="1" noChangeArrowheads="1"/>
-            </p:cNvPicPr>
-            <p:nvPr/>
-          </p:nvPicPr>
-          <p:blipFill rotWithShape="1">
-            <a:blip r:embed="rId2">
-              <a:extLst>
-                <a:ext uri="{28A0092B-C50C-407E-A947-70E740481C1C}">
-                  <a14:useLocalDpi xmlns:a14="http://schemas.microsoft.com/office/drawing/2010/main" val="0"/>
-                </a:ext>
-              </a:extLst>
-            </a:blip>
-            <a:srcRect l="34682" t="3333" r="32461"/>
-            <a:stretch/>
-          </p:blipFill>
-          <p:spPr bwMode="auto">
-            <a:xfrm>
-              <a:off x="8865577" y="2057401"/>
-              <a:ext cx="1627415" cy="4161284"/>
-            </a:xfrm>
-            <a:prstGeom prst="rect">
-              <a:avLst/>
-            </a:prstGeom>
-            <a:noFill/>
-            <a:extLst>
-              <a:ext uri="{909E8E84-426E-40DD-AFC4-6F175D3DCCD1}">
-                <a14:hiddenFill xmlns:a14="http://schemas.microsoft.com/office/drawing/2010/main">
-                  <a:solidFill>
-                    <a:srgbClr val="FFFFFF"/>
-                  </a:solidFill>
-                </a14:hiddenFill>
-              </a:ext>
-            </a:extLst>
-          </p:spPr>
-        </p:pic>
-      </p:grpSp>
-      <p:sp>
-        <p:nvSpPr>
-          <p:cNvPr id="7" name="TextBox 6">
-            <a:extLst>
-              <a:ext uri="{FF2B5EF4-FFF2-40B4-BE49-F238E27FC236}">
-                <a16:creationId xmlns:a16="http://schemas.microsoft.com/office/drawing/2014/main" id="{ACFAB417-A2D8-9547-93EF-EF603872CE41}"/>
-              </a:ext>
-            </a:extLst>
-          </p:cNvPr>
-          <p:cNvSpPr txBox="1"/>
-          <p:nvPr/>
-        </p:nvSpPr>
-        <p:spPr>
-          <a:xfrm>
-            <a:off x="9513065" y="2706882"/>
-            <a:ext cx="2368061" cy="2308324"/>
-          </a:xfrm>
-          <a:prstGeom prst="rect">
-            <a:avLst/>
-          </a:prstGeom>
-          <a:noFill/>
-        </p:spPr>
-        <p:txBody>
-          <a:bodyPr wrap="square" rtlCol="0">
-            <a:spAutoFit/>
-          </a:bodyPr>
-          <a:lstStyle/>
-          <a:p>
-            <a:pPr algn="ctr"/>
-            <a:r>
-              <a:rPr lang="en-US" sz="3600" dirty="0">
-                <a:latin typeface="Garamond" panose="02020404030301010803" pitchFamily="18" charset="0"/>
-              </a:rPr>
-              <a:t>£12000 excluding rest of the system!</a:t>
-            </a:r>
-          </a:p>
-        </p:txBody>
-      </p:sp>
-    </p:spTree>
-    <p:extLst>
-      <p:ext uri="{BB962C8B-B14F-4D97-AF65-F5344CB8AC3E}">
-        <p14:creationId xmlns:p14="http://schemas.microsoft.com/office/powerpoint/2010/main" val="825884960"/>
-      </p:ext>
-    </p:extLst>
-  </p:cSld>
-  <p:clrMapOvr>
-    <a:masterClrMapping/>
-  </p:clrMapOvr>
-</p:sld>
-</file>
-
-<file path=ppt/slides/slide9.xml><?xml version="1.0" encoding="utf-8"?>
-<p:sld xmlns:a="http://schemas.openxmlformats.org/drawingml/2006/main" xmlns:r="http://schemas.openxmlformats.org/officeDocument/2006/relationships" xmlns:p="http://schemas.openxmlformats.org/presentationml/2006/main">
-  <p:cSld>
-    <p:spTree>
-      <p:nvGrpSpPr>
-        <p:cNvPr id="1" name=""/>
-        <p:cNvGrpSpPr/>
-        <p:nvPr/>
-      </p:nvGrpSpPr>
-      <p:grpSpPr>
-        <a:xfrm>
-          <a:off x="0" y="0"/>
-          <a:ext cx="0" cy="0"/>
-          <a:chOff x="0" y="0"/>
-          <a:chExt cx="0" cy="0"/>
-        </a:xfrm>
-      </p:grpSpPr>
-      <p:sp>
-        <p:nvSpPr>
-          <p:cNvPr id="2" name="Title 1">
-            <a:extLst>
-              <a:ext uri="{FF2B5EF4-FFF2-40B4-BE49-F238E27FC236}">
-                <a16:creationId xmlns:a16="http://schemas.microsoft.com/office/drawing/2014/main" id="{AAFD3B8C-D360-404D-AA4C-E1600784809F}"/>
-              </a:ext>
-            </a:extLst>
-          </p:cNvPr>
-          <p:cNvSpPr>
-            <a:spLocks noGrp="1"/>
-          </p:cNvSpPr>
-          <p:nvPr>
-            <p:ph type="title"/>
-          </p:nvPr>
-        </p:nvSpPr>
-        <p:spPr/>
-        <p:txBody>
-          <a:bodyPr/>
-          <a:lstStyle/>
-          <a:p>
-            <a:r>
-              <a:rPr lang="en-US" dirty="0">
-                <a:latin typeface="Garamond" panose="02020404030301010803" pitchFamily="18" charset="0"/>
-              </a:rPr>
-              <a:t>The Problem with Loudspeakers</a:t>
-            </a:r>
-          </a:p>
-        </p:txBody>
-      </p:sp>
-      <p:sp>
-        <p:nvSpPr>
-          <p:cNvPr id="3" name="Content Placeholder 2">
-            <a:extLst>
-              <a:ext uri="{FF2B5EF4-FFF2-40B4-BE49-F238E27FC236}">
-                <a16:creationId xmlns:a16="http://schemas.microsoft.com/office/drawing/2014/main" id="{048B8A3E-99C1-A542-B10D-F957C76D4652}"/>
-              </a:ext>
-            </a:extLst>
-          </p:cNvPr>
-          <p:cNvSpPr>
-            <a:spLocks noGrp="1"/>
-          </p:cNvSpPr>
-          <p:nvPr>
-            <p:ph idx="1"/>
-          </p:nvPr>
-        </p:nvSpPr>
-        <p:spPr>
-          <a:xfrm>
-            <a:off x="0" y="1810791"/>
-            <a:ext cx="5940879" cy="4497544"/>
-          </a:xfrm>
-        </p:spPr>
-        <p:txBody>
-          <a:bodyPr>
-            <a:normAutofit/>
-          </a:bodyPr>
-          <a:lstStyle/>
-          <a:p>
-            <a:r>
-              <a:rPr lang="en-US" dirty="0">
-                <a:latin typeface="Garamond" panose="02020404030301010803" pitchFamily="18" charset="0"/>
-              </a:rPr>
-              <a:t>Background theory shows that:</a:t>
-            </a:r>
-          </a:p>
-          <a:p>
-            <a:pPr marL="0" indent="0">
-              <a:buNone/>
-            </a:pPr>
-            <a:endParaRPr lang="en-US" dirty="0">
-              <a:latin typeface="Garamond" panose="02020404030301010803" pitchFamily="18" charset="0"/>
-            </a:endParaRPr>
-          </a:p>
-          <a:p>
-            <a:pPr lvl="1"/>
-            <a:r>
-              <a:rPr lang="en-US" dirty="0">
-                <a:latin typeface="Garamond" panose="02020404030301010803" pitchFamily="18" charset="0"/>
-              </a:rPr>
-              <a:t>Subwoofers have the most non-linearities of all the loudspeakers</a:t>
-            </a:r>
-          </a:p>
-          <a:p>
-            <a:pPr marL="457200" lvl="1" indent="0">
-              <a:buNone/>
-            </a:pPr>
-            <a:endParaRPr lang="en-US" dirty="0">
-              <a:latin typeface="Garamond" panose="02020404030301010803" pitchFamily="18" charset="0"/>
-            </a:endParaRPr>
-          </a:p>
-          <a:p>
-            <a:pPr lvl="1"/>
-            <a:r>
-              <a:rPr lang="en-US" dirty="0">
-                <a:latin typeface="Garamond" panose="02020404030301010803" pitchFamily="18" charset="0"/>
-              </a:rPr>
-              <a:t>Subwoofers can have their bass response extended ’for free’</a:t>
-            </a:r>
-          </a:p>
-          <a:p>
-            <a:endParaRPr lang="en-US" dirty="0">
-              <a:latin typeface="Garamond" panose="02020404030301010803" pitchFamily="18" charset="0"/>
-            </a:endParaRPr>
-          </a:p>
-          <a:p>
-            <a:r>
-              <a:rPr lang="en-US" dirty="0">
-                <a:latin typeface="Garamond" panose="02020404030301010803" pitchFamily="18" charset="0"/>
-              </a:rPr>
-              <a:t>Manufacturers already spending lots on R&amp;D to make uncompensated systems sound good</a:t>
-            </a:r>
-          </a:p>
-        </p:txBody>
-      </p:sp>
-      <p:grpSp>
-        <p:nvGrpSpPr>
-          <p:cNvPr id="10" name="Group 9">
-            <a:extLst>
-              <a:ext uri="{FF2B5EF4-FFF2-40B4-BE49-F238E27FC236}">
-                <a16:creationId xmlns:a16="http://schemas.microsoft.com/office/drawing/2014/main" id="{C09D16D7-6D9A-5141-93F2-9DDB66EE971B}"/>
-              </a:ext>
-            </a:extLst>
-          </p:cNvPr>
-          <p:cNvGrpSpPr/>
-          <p:nvPr/>
-        </p:nvGrpSpPr>
-        <p:grpSpPr>
-          <a:xfrm>
-            <a:off x="5940879" y="2083645"/>
-            <a:ext cx="6084277" cy="3886135"/>
-            <a:chOff x="5940879" y="2683810"/>
-            <a:chExt cx="6084277" cy="3886135"/>
-          </a:xfrm>
-        </p:grpSpPr>
-        <p:pic>
-          <p:nvPicPr>
-            <p:cNvPr id="8" name="Picture 7" descr="A close up of a map&#10;&#10;Description automatically generated">
-              <a:extLst>
-                <a:ext uri="{FF2B5EF4-FFF2-40B4-BE49-F238E27FC236}">
-                  <a16:creationId xmlns:a16="http://schemas.microsoft.com/office/drawing/2014/main" id="{EFF10EC3-0A94-5D4F-9F9A-A5A42A45F03C}"/>
-                </a:ext>
-              </a:extLst>
-            </p:cNvPr>
-            <p:cNvPicPr>
-              <a:picLocks noChangeAspect="1"/>
-            </p:cNvPicPr>
-            <p:nvPr/>
-          </p:nvPicPr>
-          <p:blipFill rotWithShape="1">
-            <a:blip r:embed="rId3"/>
-            <a:srcRect l="10385" t="3495" r="8558" b="5028"/>
-            <a:stretch/>
-          </p:blipFill>
-          <p:spPr>
-            <a:xfrm>
-              <a:off x="5940879" y="2683810"/>
-              <a:ext cx="5940879" cy="3361565"/>
-            </a:xfrm>
-            <a:prstGeom prst="rect">
-              <a:avLst/>
-            </a:prstGeom>
-          </p:spPr>
-        </p:pic>
-        <p:sp>
-          <p:nvSpPr>
-            <p:cNvPr id="9" name="TextBox 8">
-              <a:extLst>
-                <a:ext uri="{FF2B5EF4-FFF2-40B4-BE49-F238E27FC236}">
-                  <a16:creationId xmlns:a16="http://schemas.microsoft.com/office/drawing/2014/main" id="{6D134EB9-B618-4645-BE91-6CA5E262E5A9}"/>
-                </a:ext>
-              </a:extLst>
-            </p:cNvPr>
-            <p:cNvSpPr txBox="1"/>
-            <p:nvPr/>
-          </p:nvSpPr>
-          <p:spPr>
-            <a:xfrm>
-              <a:off x="6353908" y="5708171"/>
-              <a:ext cx="5671248" cy="861774"/>
-            </a:xfrm>
-            <a:prstGeom prst="rect">
-              <a:avLst/>
-            </a:prstGeom>
-            <a:noFill/>
-          </p:spPr>
-          <p:txBody>
-            <a:bodyPr wrap="square" rtlCol="0">
-              <a:spAutoFit/>
-            </a:bodyPr>
-            <a:lstStyle/>
-            <a:p>
-              <a:pPr lvl="1"/>
-              <a:endParaRPr lang="en-US" sz="1600" dirty="0">
-                <a:latin typeface="Garamond" panose="02020404030301010803" pitchFamily="18" charset="0"/>
-              </a:endParaRPr>
-            </a:p>
-            <a:p>
-              <a:r>
-                <a:rPr lang="en-US" sz="1600" dirty="0">
-                  <a:latin typeface="Garamond" panose="02020404030301010803" pitchFamily="18" charset="0"/>
-                </a:rPr>
-                <a:t>Shown: typical poor subwoofer response, -15dB down at 20Hz</a:t>
-              </a:r>
-            </a:p>
-            <a:p>
-              <a:endParaRPr lang="en-US" sz="1600" dirty="0">
-                <a:latin typeface="Garamond" panose="02020404030301010803" pitchFamily="18" charset="0"/>
-              </a:endParaRPr>
-            </a:p>
-          </p:txBody>
-        </p:sp>
-      </p:grpSp>
-    </p:spTree>
-    <p:extLst>
-      <p:ext uri="{BB962C8B-B14F-4D97-AF65-F5344CB8AC3E}">
-        <p14:creationId xmlns:p14="http://schemas.microsoft.com/office/powerpoint/2010/main" val="1664213227"/>
-      </p:ext>
-    </p:extLst>
-  </p:cSld>
-  <p:clrMapOvr>
-    <a:masterClrMapping/>
-  </p:clrMapOvr>
-</p:sld>
-</file>
-
 <file path=ppt/theme/theme1.xml><?xml version="1.0" encoding="utf-8"?>
 <a:theme xmlns:a="http://schemas.openxmlformats.org/drawingml/2006/main" name="Vapor Trail">
   <a:themeElements>

--- a/Deliverables/2ndMarkerViva/viva_presentation.pptx
+++ b/Deliverables/2ndMarkerViva/viva_presentation.pptx
@@ -5,7 +5,7 @@
     <p:sldMasterId id="2147483724" r:id="rId1"/>
   </p:sldMasterIdLst>
   <p:notesMasterIdLst>
-    <p:notesMasterId r:id="rId16"/>
+    <p:notesMasterId r:id="rId18"/>
   </p:notesMasterIdLst>
   <p:sldIdLst>
     <p:sldId id="279" r:id="rId2"/>
@@ -16,12 +16,14 @@
     <p:sldId id="272" r:id="rId7"/>
     <p:sldId id="273" r:id="rId8"/>
     <p:sldId id="283" r:id="rId9"/>
-    <p:sldId id="275" r:id="rId10"/>
-    <p:sldId id="276" r:id="rId11"/>
-    <p:sldId id="284" r:id="rId12"/>
-    <p:sldId id="277" r:id="rId13"/>
-    <p:sldId id="268" r:id="rId14"/>
-    <p:sldId id="285" r:id="rId15"/>
+    <p:sldId id="286" r:id="rId10"/>
+    <p:sldId id="287" r:id="rId11"/>
+    <p:sldId id="275" r:id="rId12"/>
+    <p:sldId id="276" r:id="rId13"/>
+    <p:sldId id="284" r:id="rId14"/>
+    <p:sldId id="277" r:id="rId15"/>
+    <p:sldId id="268" r:id="rId16"/>
+    <p:sldId id="285" r:id="rId17"/>
   </p:sldIdLst>
   <p:sldSz cx="12192000" cy="6858000"/>
   <p:notesSz cx="6858000" cy="9144000"/>
@@ -210,7 +212,7 @@
           <a:p>
             <a:fld id="{3642E725-44A3-439B-A511-F674A826BB22}" type="datetimeFigureOut">
               <a:rPr lang="en-GB" smtClean="0"/>
-              <a:t>18/02/2020</a:t>
+              <a:t>19/02/2020</a:t>
             </a:fld>
             <a:endParaRPr lang="en-GB"/>
           </a:p>
@@ -732,7 +734,7 @@
           <a:p>
             <a:fld id="{9B357CC7-4574-B54F-82B5-4084D5E86FC2}" type="datetimeFigureOut">
               <a:rPr lang="en-US" smtClean="0"/>
-              <a:t>2/18/20</a:t>
+              <a:t>2/19/20</a:t>
             </a:fld>
             <a:endParaRPr lang="en-US"/>
           </a:p>
@@ -999,7 +1001,7 @@
           <a:p>
             <a:fld id="{9B357CC7-4574-B54F-82B5-4084D5E86FC2}" type="datetimeFigureOut">
               <a:rPr lang="en-US" smtClean="0"/>
-              <a:t>2/18/20</a:t>
+              <a:t>2/19/20</a:t>
             </a:fld>
             <a:endParaRPr lang="en-US"/>
           </a:p>
@@ -1230,7 +1232,7 @@
           <a:p>
             <a:fld id="{9B357CC7-4574-B54F-82B5-4084D5E86FC2}" type="datetimeFigureOut">
               <a:rPr lang="en-US" smtClean="0"/>
-              <a:t>2/18/20</a:t>
+              <a:t>2/19/20</a:t>
             </a:fld>
             <a:endParaRPr lang="en-US"/>
           </a:p>
@@ -1540,7 +1542,7 @@
           <a:p>
             <a:fld id="{9B357CC7-4574-B54F-82B5-4084D5E86FC2}" type="datetimeFigureOut">
               <a:rPr lang="en-US" smtClean="0"/>
-              <a:t>2/18/20</a:t>
+              <a:t>2/19/20</a:t>
             </a:fld>
             <a:endParaRPr lang="en-US"/>
           </a:p>
@@ -2013,7 +2015,7 @@
           <a:p>
             <a:fld id="{9B357CC7-4574-B54F-82B5-4084D5E86FC2}" type="datetimeFigureOut">
               <a:rPr lang="en-US" smtClean="0"/>
-              <a:t>2/18/20</a:t>
+              <a:t>2/19/20</a:t>
             </a:fld>
             <a:endParaRPr lang="en-US"/>
           </a:p>
@@ -2560,7 +2562,7 @@
           <a:p>
             <a:fld id="{9B357CC7-4574-B54F-82B5-4084D5E86FC2}" type="datetimeFigureOut">
               <a:rPr lang="en-US" smtClean="0"/>
-              <a:t>2/18/20</a:t>
+              <a:t>2/19/20</a:t>
             </a:fld>
             <a:endParaRPr lang="en-US"/>
           </a:p>
@@ -3334,7 +3336,7 @@
           <a:p>
             <a:fld id="{9B357CC7-4574-B54F-82B5-4084D5E86FC2}" type="datetimeFigureOut">
               <a:rPr lang="en-US" smtClean="0"/>
-              <a:t>2/18/20</a:t>
+              <a:t>2/19/20</a:t>
             </a:fld>
             <a:endParaRPr lang="en-US"/>
           </a:p>
@@ -3509,7 +3511,7 @@
           <a:p>
             <a:fld id="{9B357CC7-4574-B54F-82B5-4084D5E86FC2}" type="datetimeFigureOut">
               <a:rPr lang="en-US" smtClean="0"/>
-              <a:t>2/18/20</a:t>
+              <a:t>2/19/20</a:t>
             </a:fld>
             <a:endParaRPr lang="en-US"/>
           </a:p>
@@ -3732,7 +3734,7 @@
           <a:p>
             <a:fld id="{9B357CC7-4574-B54F-82B5-4084D5E86FC2}" type="datetimeFigureOut">
               <a:rPr lang="en-US" smtClean="0"/>
-              <a:t>2/18/20</a:t>
+              <a:t>2/19/20</a:t>
             </a:fld>
             <a:endParaRPr lang="en-US"/>
           </a:p>
@@ -3912,7 +3914,7 @@
           <a:p>
             <a:fld id="{9B357CC7-4574-B54F-82B5-4084D5E86FC2}" type="datetimeFigureOut">
               <a:rPr lang="en-US" smtClean="0"/>
-              <a:t>2/18/20</a:t>
+              <a:t>2/19/20</a:t>
             </a:fld>
             <a:endParaRPr lang="en-US"/>
           </a:p>
@@ -4201,7 +4203,7 @@
           <a:p>
             <a:fld id="{9B357CC7-4574-B54F-82B5-4084D5E86FC2}" type="datetimeFigureOut">
               <a:rPr lang="en-US" smtClean="0"/>
-              <a:t>2/18/20</a:t>
+              <a:t>2/19/20</a:t>
             </a:fld>
             <a:endParaRPr lang="en-US"/>
           </a:p>
@@ -4443,7 +4445,7 @@
           <a:p>
             <a:fld id="{9B357CC7-4574-B54F-82B5-4084D5E86FC2}" type="datetimeFigureOut">
               <a:rPr lang="en-US" smtClean="0"/>
-              <a:t>2/18/20</a:t>
+              <a:t>2/19/20</a:t>
             </a:fld>
             <a:endParaRPr lang="en-US"/>
           </a:p>
@@ -4822,7 +4824,7 @@
           <a:p>
             <a:fld id="{9B357CC7-4574-B54F-82B5-4084D5E86FC2}" type="datetimeFigureOut">
               <a:rPr lang="en-US" smtClean="0"/>
-              <a:t>2/18/20</a:t>
+              <a:t>2/19/20</a:t>
             </a:fld>
             <a:endParaRPr lang="en-US"/>
           </a:p>
@@ -4940,7 +4942,7 @@
           <a:p>
             <a:fld id="{9B357CC7-4574-B54F-82B5-4084D5E86FC2}" type="datetimeFigureOut">
               <a:rPr lang="en-US" smtClean="0"/>
-              <a:t>2/18/20</a:t>
+              <a:t>2/19/20</a:t>
             </a:fld>
             <a:endParaRPr lang="en-US"/>
           </a:p>
@@ -5035,7 +5037,7 @@
           <a:p>
             <a:fld id="{9B357CC7-4574-B54F-82B5-4084D5E86FC2}" type="datetimeFigureOut">
               <a:rPr lang="en-US" smtClean="0"/>
-              <a:t>2/18/20</a:t>
+              <a:t>2/19/20</a:t>
             </a:fld>
             <a:endParaRPr lang="en-US"/>
           </a:p>
@@ -5284,7 +5286,7 @@
           <a:p>
             <a:fld id="{9B357CC7-4574-B54F-82B5-4084D5E86FC2}" type="datetimeFigureOut">
               <a:rPr lang="en-US" smtClean="0"/>
-              <a:t>2/18/20</a:t>
+              <a:t>2/19/20</a:t>
             </a:fld>
             <a:endParaRPr lang="en-US"/>
           </a:p>
@@ -5541,7 +5543,7 @@
           <a:p>
             <a:fld id="{9B357CC7-4574-B54F-82B5-4084D5E86FC2}" type="datetimeFigureOut">
               <a:rPr lang="en-US" smtClean="0"/>
-              <a:t>2/18/20</a:t>
+              <a:t>2/19/20</a:t>
             </a:fld>
             <a:endParaRPr lang="en-US"/>
           </a:p>
@@ -5784,7 +5786,7 @@
           <a:p>
             <a:fld id="{9B357CC7-4574-B54F-82B5-4084D5E86FC2}" type="datetimeFigureOut">
               <a:rPr lang="en-US" smtClean="0"/>
-              <a:t>2/18/20</a:t>
+              <a:t>2/19/20</a:t>
             </a:fld>
             <a:endParaRPr lang="en-US"/>
           </a:p>
@@ -6327,6 +6329,3901 @@
           <p:cNvPr id="2" name="Title 1">
             <a:extLst>
               <a:ext uri="{FF2B5EF4-FFF2-40B4-BE49-F238E27FC236}">
+                <a16:creationId xmlns:a16="http://schemas.microsoft.com/office/drawing/2014/main" id="{A2684A9A-F9AE-A84A-A200-C00E53CD6713}"/>
+              </a:ext>
+            </a:extLst>
+          </p:cNvPr>
+          <p:cNvSpPr>
+            <a:spLocks noGrp="1"/>
+          </p:cNvSpPr>
+          <p:nvPr>
+            <p:ph type="title"/>
+          </p:nvPr>
+        </p:nvSpPr>
+        <p:spPr/>
+        <p:txBody>
+          <a:bodyPr/>
+          <a:lstStyle/>
+          <a:p>
+            <a:endParaRPr lang="en-US"/>
+          </a:p>
+        </p:txBody>
+      </p:sp>
+      <p:sp>
+        <p:nvSpPr>
+          <p:cNvPr id="3" name="Content Placeholder 2">
+            <a:extLst>
+              <a:ext uri="{FF2B5EF4-FFF2-40B4-BE49-F238E27FC236}">
+                <a16:creationId xmlns:a16="http://schemas.microsoft.com/office/drawing/2014/main" id="{ABB67A82-60FC-5843-92A4-F24EE029818C}"/>
+              </a:ext>
+            </a:extLst>
+          </p:cNvPr>
+          <p:cNvSpPr>
+            <a:spLocks noGrp="1"/>
+          </p:cNvSpPr>
+          <p:nvPr>
+            <p:ph idx="1"/>
+          </p:nvPr>
+        </p:nvSpPr>
+        <p:spPr/>
+        <p:txBody>
+          <a:bodyPr/>
+          <a:lstStyle/>
+          <a:p>
+            <a:endParaRPr lang="en-US"/>
+          </a:p>
+        </p:txBody>
+      </p:sp>
+      <p:pic>
+        <p:nvPicPr>
+          <p:cNvPr id="4" name="Picture 3" descr="A close up of a map&#10;&#10;Description automatically generated">
+            <a:extLst>
+              <a:ext uri="{FF2B5EF4-FFF2-40B4-BE49-F238E27FC236}">
+                <a16:creationId xmlns:a16="http://schemas.microsoft.com/office/drawing/2014/main" id="{EB22A83C-83A9-C247-9530-46F3945CA2A7}"/>
+              </a:ext>
+            </a:extLst>
+          </p:cNvPr>
+          <p:cNvPicPr>
+            <a:picLocks noChangeAspect="1"/>
+          </p:cNvPicPr>
+          <p:nvPr/>
+        </p:nvPicPr>
+        <p:blipFill rotWithShape="1">
+          <a:blip r:embed="rId2"/>
+          <a:srcRect l="10129" t="3937" r="8359" b="5525"/>
+          <a:stretch/>
+        </p:blipFill>
+        <p:spPr>
+          <a:xfrm>
+            <a:off x="0" y="0"/>
+            <a:ext cx="12192000" cy="6789734"/>
+          </a:xfrm>
+          <a:prstGeom prst="rect">
+            <a:avLst/>
+          </a:prstGeom>
+        </p:spPr>
+      </p:pic>
+    </p:spTree>
+    <p:extLst>
+      <p:ext uri="{BB962C8B-B14F-4D97-AF65-F5344CB8AC3E}">
+        <p14:creationId xmlns:p14="http://schemas.microsoft.com/office/powerpoint/2010/main" val="3331040801"/>
+      </p:ext>
+    </p:extLst>
+  </p:cSld>
+  <p:clrMapOvr>
+    <a:masterClrMapping/>
+  </p:clrMapOvr>
+</p:sld>
+</file>
+
+<file path=ppt/slides/slide11.xml><?xml version="1.0" encoding="utf-8"?>
+<p:sld xmlns:a="http://schemas.openxmlformats.org/drawingml/2006/main" xmlns:r="http://schemas.openxmlformats.org/officeDocument/2006/relationships" xmlns:p="http://schemas.openxmlformats.org/presentationml/2006/main">
+  <p:cSld>
+    <p:spTree>
+      <p:nvGrpSpPr>
+        <p:cNvPr id="1" name=""/>
+        <p:cNvGrpSpPr/>
+        <p:nvPr/>
+      </p:nvGrpSpPr>
+      <p:grpSpPr>
+        <a:xfrm>
+          <a:off x="0" y="0"/>
+          <a:ext cx="0" cy="0"/>
+          <a:chOff x="0" y="0"/>
+          <a:chExt cx="0" cy="0"/>
+        </a:xfrm>
+      </p:grpSpPr>
+      <p:sp>
+        <p:nvSpPr>
+          <p:cNvPr id="2" name="Title 1">
+            <a:extLst>
+              <a:ext uri="{FF2B5EF4-FFF2-40B4-BE49-F238E27FC236}">
+                <a16:creationId xmlns:a16="http://schemas.microsoft.com/office/drawing/2014/main" id="{80A052AB-A233-8E48-B434-13470559098B}"/>
+              </a:ext>
+            </a:extLst>
+          </p:cNvPr>
+          <p:cNvSpPr>
+            <a:spLocks noGrp="1"/>
+          </p:cNvSpPr>
+          <p:nvPr>
+            <p:ph type="title"/>
+          </p:nvPr>
+        </p:nvSpPr>
+        <p:spPr/>
+        <p:txBody>
+          <a:bodyPr/>
+          <a:lstStyle/>
+          <a:p>
+            <a:r>
+              <a:rPr lang="en-US" dirty="0">
+                <a:latin typeface="Garamond" panose="02020404030301010803" pitchFamily="18" charset="0"/>
+              </a:rPr>
+              <a:t>Open-loop circuit design –  Linkwitz Transform</a:t>
+            </a:r>
+          </a:p>
+        </p:txBody>
+      </p:sp>
+      <p:sp>
+        <p:nvSpPr>
+          <p:cNvPr id="3" name="Content Placeholder 2">
+            <a:extLst>
+              <a:ext uri="{FF2B5EF4-FFF2-40B4-BE49-F238E27FC236}">
+                <a16:creationId xmlns:a16="http://schemas.microsoft.com/office/drawing/2014/main" id="{BC7AE9F6-EB9E-9246-958A-D77FE475F3AF}"/>
+              </a:ext>
+            </a:extLst>
+          </p:cNvPr>
+          <p:cNvSpPr>
+            <a:spLocks noGrp="1"/>
+          </p:cNvSpPr>
+          <p:nvPr>
+            <p:ph idx="1"/>
+          </p:nvPr>
+        </p:nvSpPr>
+        <p:spPr>
+          <a:xfrm>
+            <a:off x="100844" y="1489920"/>
+            <a:ext cx="10820400" cy="4024125"/>
+          </a:xfrm>
+        </p:spPr>
+        <p:txBody>
+          <a:bodyPr/>
+          <a:lstStyle/>
+          <a:p>
+            <a:r>
+              <a:rPr lang="en-US" dirty="0">
+                <a:latin typeface="Garamond" panose="02020404030301010803" pitchFamily="18" charset="0"/>
+              </a:rPr>
+              <a:t>For a loudspeaker in an enclosure:</a:t>
+            </a:r>
+          </a:p>
+          <a:p>
+            <a:pPr lvl="1"/>
+            <a:r>
+              <a:rPr lang="en-US" dirty="0">
+                <a:latin typeface="Garamond" panose="02020404030301010803" pitchFamily="18" charset="0"/>
+              </a:rPr>
+              <a:t>Brings up magnitude response</a:t>
+            </a:r>
+          </a:p>
+          <a:p>
+            <a:pPr lvl="1"/>
+            <a:r>
+              <a:rPr lang="en-US" dirty="0">
+                <a:latin typeface="Garamond" panose="02020404030301010803" pitchFamily="18" charset="0"/>
+              </a:rPr>
+              <a:t>Reduces group delay</a:t>
+            </a:r>
+          </a:p>
+          <a:p>
+            <a:r>
+              <a:rPr lang="en-US" dirty="0">
+                <a:latin typeface="Garamond" panose="02020404030301010803" pitchFamily="18" charset="0"/>
+              </a:rPr>
+              <a:t>Easy to design, made trivial using resources on the late designer’s website</a:t>
+            </a:r>
+          </a:p>
+        </p:txBody>
+      </p:sp>
+      <p:grpSp>
+        <p:nvGrpSpPr>
+          <p:cNvPr id="5" name="Group 4">
+            <a:extLst>
+              <a:ext uri="{FF2B5EF4-FFF2-40B4-BE49-F238E27FC236}">
+                <a16:creationId xmlns:a16="http://schemas.microsoft.com/office/drawing/2014/main" id="{936B3055-93FF-2E4C-8A0A-7CB36D77094C}"/>
+              </a:ext>
+            </a:extLst>
+          </p:cNvPr>
+          <p:cNvGrpSpPr/>
+          <p:nvPr/>
+        </p:nvGrpSpPr>
+        <p:grpSpPr>
+          <a:xfrm>
+            <a:off x="267970" y="3027375"/>
+            <a:ext cx="5828030" cy="3546449"/>
+            <a:chOff x="0" y="0"/>
+            <a:chExt cx="5828306" cy="3546475"/>
+          </a:xfrm>
+        </p:grpSpPr>
+        <p:grpSp>
+          <p:nvGrpSpPr>
+            <p:cNvPr id="7" name="Group 6">
+              <a:extLst>
+                <a:ext uri="{FF2B5EF4-FFF2-40B4-BE49-F238E27FC236}">
+                  <a16:creationId xmlns:a16="http://schemas.microsoft.com/office/drawing/2014/main" id="{8FE7A60D-DDA4-8544-8245-C7B1D9729276}"/>
+                </a:ext>
+              </a:extLst>
+            </p:cNvPr>
+            <p:cNvGrpSpPr/>
+            <p:nvPr/>
+          </p:nvGrpSpPr>
+          <p:grpSpPr>
+            <a:xfrm>
+              <a:off x="0" y="0"/>
+              <a:ext cx="5828306" cy="3546475"/>
+              <a:chOff x="0" y="0"/>
+              <a:chExt cx="5828306" cy="3546475"/>
+            </a:xfrm>
+          </p:grpSpPr>
+          <p:grpSp>
+            <p:nvGrpSpPr>
+              <p:cNvPr id="14" name="Group 13">
+                <a:extLst>
+                  <a:ext uri="{FF2B5EF4-FFF2-40B4-BE49-F238E27FC236}">
+                    <a16:creationId xmlns:a16="http://schemas.microsoft.com/office/drawing/2014/main" id="{175AD3DC-1B58-6B4D-8F26-572405CFD754}"/>
+                  </a:ext>
+                </a:extLst>
+              </p:cNvPr>
+              <p:cNvGrpSpPr/>
+              <p:nvPr/>
+            </p:nvGrpSpPr>
+            <p:grpSpPr>
+              <a:xfrm>
+                <a:off x="0" y="0"/>
+                <a:ext cx="5828306" cy="3546475"/>
+                <a:chOff x="0" y="0"/>
+                <a:chExt cx="5828306" cy="3546475"/>
+              </a:xfrm>
+            </p:grpSpPr>
+            <p:grpSp>
+              <p:nvGrpSpPr>
+                <p:cNvPr id="17" name="Group 16">
+                  <a:extLst>
+                    <a:ext uri="{FF2B5EF4-FFF2-40B4-BE49-F238E27FC236}">
+                      <a16:creationId xmlns:a16="http://schemas.microsoft.com/office/drawing/2014/main" id="{FCA5A3FC-EDAB-E04D-8E52-AFA47C1F8965}"/>
+                    </a:ext>
+                  </a:extLst>
+                </p:cNvPr>
+                <p:cNvGrpSpPr/>
+                <p:nvPr/>
+              </p:nvGrpSpPr>
+              <p:grpSpPr>
+                <a:xfrm>
+                  <a:off x="0" y="0"/>
+                  <a:ext cx="5828306" cy="3546475"/>
+                  <a:chOff x="0" y="0"/>
+                  <a:chExt cx="5828306" cy="3546475"/>
+                </a:xfrm>
+              </p:grpSpPr>
+              <p:pic>
+                <p:nvPicPr>
+                  <p:cNvPr id="19" name="Picture 18">
+                    <a:extLst>
+                      <a:ext uri="{FF2B5EF4-FFF2-40B4-BE49-F238E27FC236}">
+                        <a16:creationId xmlns:a16="http://schemas.microsoft.com/office/drawing/2014/main" id="{18A41607-5BA1-1E41-81E0-E040AF3D76F1}"/>
+                      </a:ext>
+                    </a:extLst>
+                  </p:cNvPr>
+                  <p:cNvPicPr>
+                    <a:picLocks noChangeAspect="1"/>
+                  </p:cNvPicPr>
+                  <p:nvPr/>
+                </p:nvPicPr>
+                <p:blipFill>
+                  <a:blip r:embed="rId2">
+                    <a:extLst>
+                      <a:ext uri="{28A0092B-C50C-407E-A947-70E740481C1C}">
+                        <a14:useLocalDpi xmlns:a14="http://schemas.microsoft.com/office/drawing/2010/main" val="0"/>
+                      </a:ext>
+                    </a:extLst>
+                  </a:blip>
+                  <a:srcRect/>
+                  <a:stretch>
+                    <a:fillRect/>
+                  </a:stretch>
+                </p:blipFill>
+                <p:spPr bwMode="auto">
+                  <a:xfrm>
+                    <a:off x="278296" y="0"/>
+                    <a:ext cx="5152390" cy="3546475"/>
+                  </a:xfrm>
+                  <a:prstGeom prst="rect">
+                    <a:avLst/>
+                  </a:prstGeom>
+                  <a:noFill/>
+                  <a:ln>
+                    <a:noFill/>
+                  </a:ln>
+                </p:spPr>
+              </p:pic>
+              <mc:AlternateContent xmlns:mc="http://schemas.openxmlformats.org/markup-compatibility/2006" xmlns:a14="http://schemas.microsoft.com/office/drawing/2010/main">
+                <mc:Choice Requires="a14">
+                  <p:sp>
+                    <p:nvSpPr>
+                      <p:cNvPr id="20" name="Text Box 163">
+                        <a:extLst>
+                          <a:ext uri="{FF2B5EF4-FFF2-40B4-BE49-F238E27FC236}">
+                            <a16:creationId xmlns:a16="http://schemas.microsoft.com/office/drawing/2014/main" id="{107A7B5A-5CF8-5D42-AFE7-BB915BF48DBC}"/>
+                          </a:ext>
+                        </a:extLst>
+                      </p:cNvPr>
+                      <p:cNvSpPr txBox="1"/>
+                      <p:nvPr/>
+                    </p:nvSpPr>
+                    <p:spPr>
+                      <a:xfrm>
+                        <a:off x="0" y="2250219"/>
+                        <a:ext cx="317252" cy="278296"/>
+                      </a:xfrm>
+                      <a:prstGeom prst="rect">
+                        <a:avLst/>
+                      </a:prstGeom>
+                      <a:noFill/>
+                      <a:ln w="9525">
+                        <a:noFill/>
+                      </a:ln>
+                    </p:spPr>
+                    <p:txBody>
+                      <a:bodyPr rot="0" spcFirstLastPara="0" vert="horz" wrap="square" lIns="91440" tIns="45720" rIns="91440" bIns="45720" numCol="1" spcCol="0" rtlCol="0" fromWordArt="0" anchor="t" anchorCtr="0" forceAA="0" compatLnSpc="1">
+                        <a:prstTxWarp prst="textNoShape">
+                          <a:avLst/>
+                        </a:prstTxWarp>
+                        <a:noAutofit/>
+                      </a:bodyPr>
+                      <a:lstStyle/>
+                      <a:p>
+                        <a:pPr>
+                          <a:spcAft>
+                            <a:spcPts val="0"/>
+                          </a:spcAft>
+                        </a:pPr>
+                        <a14:m>
+                          <m:oMathPara xmlns:m="http://schemas.openxmlformats.org/officeDocument/2006/math">
+                            <m:oMathParaPr>
+                              <m:jc m:val="centerGroup"/>
+                            </m:oMathParaPr>
+                            <m:oMath xmlns:m="http://schemas.openxmlformats.org/officeDocument/2006/math">
+                              <m:sSub>
+                                <m:sSubPr>
+                                  <m:ctrlPr>
+                                    <a:rPr lang="en-GB" sz="1000" i="1">
+                                      <a:effectLst/>
+                                      <a:latin typeface="Cambria Math" panose="02040503050406030204" pitchFamily="18" charset="0"/>
+                                      <a:ea typeface="Calibri" panose="020F0502020204030204" pitchFamily="34" charset="0"/>
+                                      <a:cs typeface="Times New Roman (Body CS)"/>
+                                    </a:rPr>
+                                  </m:ctrlPr>
+                                </m:sSubPr>
+                                <m:e>
+                                  <m:r>
+                                    <a:rPr lang="en-GB" sz="1000" i="1">
+                                      <a:effectLst/>
+                                      <a:latin typeface="Cambria Math" panose="02040503050406030204" pitchFamily="18" charset="0"/>
+                                      <a:ea typeface="Calibri" panose="020F0502020204030204" pitchFamily="34" charset="0"/>
+                                      <a:cs typeface="Times New Roman (Body CS)"/>
+                                    </a:rPr>
+                                    <m:t>𝑉</m:t>
+                                  </m:r>
+                                </m:e>
+                                <m:sub>
+                                  <m:r>
+                                    <a:rPr lang="en-GB" sz="1000" i="1">
+                                      <a:effectLst/>
+                                      <a:latin typeface="Cambria Math" panose="02040503050406030204" pitchFamily="18" charset="0"/>
+                                      <a:ea typeface="Calibri" panose="020F0502020204030204" pitchFamily="34" charset="0"/>
+                                      <a:cs typeface="Times New Roman (Body CS)"/>
+                                    </a:rPr>
+                                    <m:t>𝑖𝑛</m:t>
+                                  </m:r>
+                                </m:sub>
+                              </m:sSub>
+                            </m:oMath>
+                          </m:oMathPara>
+                        </a14:m>
+                        <a:endParaRPr lang="en-GB" sz="1200">
+                          <a:effectLst/>
+                          <a:latin typeface="Garamond" panose="02020404030301010803" pitchFamily="18" charset="0"/>
+                          <a:ea typeface="Calibri" panose="020F0502020204030204" pitchFamily="34" charset="0"/>
+                          <a:cs typeface="Times New Roman (Body CS)"/>
+                        </a:endParaRPr>
+                      </a:p>
+                    </p:txBody>
+                  </p:sp>
+                </mc:Choice>
+                <mc:Fallback xmlns="">
+                  <p:sp>
+                    <p:nvSpPr>
+                      <p:cNvPr id="20" name="Text Box 163">
+                        <a:extLst>
+                          <a:ext uri="{FF2B5EF4-FFF2-40B4-BE49-F238E27FC236}">
+                            <a16:creationId xmlns:a16="http://schemas.microsoft.com/office/drawing/2014/main" id="{107A7B5A-5CF8-5D42-AFE7-BB915BF48DBC}"/>
+                          </a:ext>
+                        </a:extLst>
+                      </p:cNvPr>
+                      <p:cNvSpPr txBox="1">
+                        <a:spLocks noRot="1" noChangeAspect="1" noMove="1" noResize="1" noEditPoints="1" noAdjustHandles="1" noChangeArrowheads="1" noChangeShapeType="1" noTextEdit="1"/>
+                      </p:cNvSpPr>
+                      <p:nvPr/>
+                    </p:nvSpPr>
+                    <p:spPr>
+                      <a:xfrm>
+                        <a:off x="0" y="2250219"/>
+                        <a:ext cx="317252" cy="278296"/>
+                      </a:xfrm>
+                      <a:prstGeom prst="rect">
+                        <a:avLst/>
+                      </a:prstGeom>
+                      <a:blipFill>
+                        <a:blip r:embed="rId3"/>
+                        <a:stretch>
+                          <a:fillRect/>
+                        </a:stretch>
+                      </a:blipFill>
+                      <a:ln w="9525">
+                        <a:noFill/>
+                      </a:ln>
+                    </p:spPr>
+                    <p:txBody>
+                      <a:bodyPr/>
+                      <a:lstStyle/>
+                      <a:p>
+                        <a:r>
+                          <a:rPr lang="en-US">
+                            <a:noFill/>
+                          </a:rPr>
+                          <a:t> </a:t>
+                        </a:r>
+                      </a:p>
+                    </p:txBody>
+                  </p:sp>
+                </mc:Fallback>
+              </mc:AlternateContent>
+              <mc:AlternateContent xmlns:mc="http://schemas.openxmlformats.org/markup-compatibility/2006" xmlns:a14="http://schemas.microsoft.com/office/drawing/2010/main">
+                <mc:Choice Requires="a14">
+                  <p:sp>
+                    <p:nvSpPr>
+                      <p:cNvPr id="21" name="Text Box 164">
+                        <a:extLst>
+                          <a:ext uri="{FF2B5EF4-FFF2-40B4-BE49-F238E27FC236}">
+                            <a16:creationId xmlns:a16="http://schemas.microsoft.com/office/drawing/2014/main" id="{E12ECC88-3611-A343-9B19-182AEF6007A6}"/>
+                          </a:ext>
+                        </a:extLst>
+                      </p:cNvPr>
+                      <p:cNvSpPr txBox="1"/>
+                      <p:nvPr/>
+                    </p:nvSpPr>
+                    <p:spPr>
+                      <a:xfrm>
+                        <a:off x="5359179" y="2544417"/>
+                        <a:ext cx="469127" cy="278296"/>
+                      </a:xfrm>
+                      <a:prstGeom prst="rect">
+                        <a:avLst/>
+                      </a:prstGeom>
+                      <a:noFill/>
+                      <a:ln w="9525">
+                        <a:noFill/>
+                      </a:ln>
+                    </p:spPr>
+                    <p:txBody>
+                      <a:bodyPr rot="0" spcFirstLastPara="0" vert="horz" wrap="square" lIns="91440" tIns="45720" rIns="91440" bIns="45720" numCol="1" spcCol="0" rtlCol="0" fromWordArt="0" anchor="t" anchorCtr="0" forceAA="0" compatLnSpc="1">
+                        <a:prstTxWarp prst="textNoShape">
+                          <a:avLst/>
+                        </a:prstTxWarp>
+                        <a:noAutofit/>
+                      </a:bodyPr>
+                      <a:lstStyle/>
+                      <a:p>
+                        <a:pPr>
+                          <a:spcAft>
+                            <a:spcPts val="0"/>
+                          </a:spcAft>
+                        </a:pPr>
+                        <a14:m>
+                          <m:oMathPara xmlns:m="http://schemas.openxmlformats.org/officeDocument/2006/math">
+                            <m:oMathParaPr>
+                              <m:jc m:val="centerGroup"/>
+                            </m:oMathParaPr>
+                            <m:oMath xmlns:m="http://schemas.openxmlformats.org/officeDocument/2006/math">
+                              <m:sSub>
+                                <m:sSubPr>
+                                  <m:ctrlPr>
+                                    <a:rPr lang="en-GB" sz="1000" i="1">
+                                      <a:effectLst/>
+                                      <a:latin typeface="Cambria Math" panose="02040503050406030204" pitchFamily="18" charset="0"/>
+                                      <a:ea typeface="Calibri" panose="020F0502020204030204" pitchFamily="34" charset="0"/>
+                                      <a:cs typeface="Times New Roman (Body CS)"/>
+                                    </a:rPr>
+                                  </m:ctrlPr>
+                                </m:sSubPr>
+                                <m:e>
+                                  <m:r>
+                                    <a:rPr lang="en-GB" sz="1000" i="1">
+                                      <a:effectLst/>
+                                      <a:latin typeface="Cambria Math" panose="02040503050406030204" pitchFamily="18" charset="0"/>
+                                      <a:ea typeface="Calibri" panose="020F0502020204030204" pitchFamily="34" charset="0"/>
+                                      <a:cs typeface="Times New Roman (Body CS)"/>
+                                    </a:rPr>
+                                    <m:t>𝑉</m:t>
+                                  </m:r>
+                                </m:e>
+                                <m:sub>
+                                  <m:r>
+                                    <a:rPr lang="en-GB" sz="1000" i="1">
+                                      <a:effectLst/>
+                                      <a:latin typeface="Cambria Math" panose="02040503050406030204" pitchFamily="18" charset="0"/>
+                                      <a:ea typeface="Calibri" panose="020F0502020204030204" pitchFamily="34" charset="0"/>
+                                      <a:cs typeface="Times New Roman (Body CS)"/>
+                                    </a:rPr>
+                                    <m:t>𝑜𝑢𝑡</m:t>
+                                  </m:r>
+                                </m:sub>
+                              </m:sSub>
+                            </m:oMath>
+                          </m:oMathPara>
+                        </a14:m>
+                        <a:endParaRPr lang="en-GB" sz="1200">
+                          <a:effectLst/>
+                          <a:latin typeface="Garamond" panose="02020404030301010803" pitchFamily="18" charset="0"/>
+                          <a:ea typeface="Calibri" panose="020F0502020204030204" pitchFamily="34" charset="0"/>
+                          <a:cs typeface="Times New Roman (Body CS)"/>
+                        </a:endParaRPr>
+                      </a:p>
+                    </p:txBody>
+                  </p:sp>
+                </mc:Choice>
+                <mc:Fallback xmlns="">
+                  <p:sp>
+                    <p:nvSpPr>
+                      <p:cNvPr id="21" name="Text Box 164">
+                        <a:extLst>
+                          <a:ext uri="{FF2B5EF4-FFF2-40B4-BE49-F238E27FC236}">
+                            <a16:creationId xmlns:a16="http://schemas.microsoft.com/office/drawing/2014/main" id="{E12ECC88-3611-A343-9B19-182AEF6007A6}"/>
+                          </a:ext>
+                        </a:extLst>
+                      </p:cNvPr>
+                      <p:cNvSpPr txBox="1">
+                        <a:spLocks noRot="1" noChangeAspect="1" noMove="1" noResize="1" noEditPoints="1" noAdjustHandles="1" noChangeArrowheads="1" noChangeShapeType="1" noTextEdit="1"/>
+                      </p:cNvSpPr>
+                      <p:nvPr/>
+                    </p:nvSpPr>
+                    <p:spPr>
+                      <a:xfrm>
+                        <a:off x="5359179" y="2544417"/>
+                        <a:ext cx="469127" cy="278296"/>
+                      </a:xfrm>
+                      <a:prstGeom prst="rect">
+                        <a:avLst/>
+                      </a:prstGeom>
+                      <a:blipFill>
+                        <a:blip r:embed="rId4"/>
+                        <a:stretch>
+                          <a:fillRect/>
+                        </a:stretch>
+                      </a:blipFill>
+                      <a:ln w="9525">
+                        <a:noFill/>
+                      </a:ln>
+                    </p:spPr>
+                    <p:txBody>
+                      <a:bodyPr/>
+                      <a:lstStyle/>
+                      <a:p>
+                        <a:r>
+                          <a:rPr lang="en-US">
+                            <a:noFill/>
+                          </a:rPr>
+                          <a:t> </a:t>
+                        </a:r>
+                      </a:p>
+                    </p:txBody>
+                  </p:sp>
+                </mc:Fallback>
+              </mc:AlternateContent>
+              <mc:AlternateContent xmlns:mc="http://schemas.openxmlformats.org/markup-compatibility/2006" xmlns:a14="http://schemas.microsoft.com/office/drawing/2010/main">
+                <mc:Choice Requires="a14">
+                  <p:sp>
+                    <p:nvSpPr>
+                      <p:cNvPr id="22" name="Text Box 165">
+                        <a:extLst>
+                          <a:ext uri="{FF2B5EF4-FFF2-40B4-BE49-F238E27FC236}">
+                            <a16:creationId xmlns:a16="http://schemas.microsoft.com/office/drawing/2014/main" id="{AC2986C1-BCAF-B94F-92B3-812E5980F964}"/>
+                          </a:ext>
+                        </a:extLst>
+                      </p:cNvPr>
+                      <p:cNvSpPr txBox="1"/>
+                      <p:nvPr/>
+                    </p:nvSpPr>
+                    <p:spPr>
+                      <a:xfrm>
+                        <a:off x="3745065" y="2130949"/>
+                        <a:ext cx="469127" cy="278296"/>
+                      </a:xfrm>
+                      <a:prstGeom prst="rect">
+                        <a:avLst/>
+                      </a:prstGeom>
+                      <a:noFill/>
+                      <a:ln w="9525">
+                        <a:noFill/>
+                      </a:ln>
+                    </p:spPr>
+                    <p:txBody>
+                      <a:bodyPr rot="0" spcFirstLastPara="0" vert="horz" wrap="square" lIns="91440" tIns="45720" rIns="91440" bIns="45720" numCol="1" spcCol="0" rtlCol="0" fromWordArt="0" anchor="t" anchorCtr="0" forceAA="0" compatLnSpc="1">
+                        <a:prstTxWarp prst="textNoShape">
+                          <a:avLst/>
+                        </a:prstTxWarp>
+                        <a:noAutofit/>
+                      </a:bodyPr>
+                      <a:lstStyle/>
+                      <a:p>
+                        <a:pPr>
+                          <a:spcAft>
+                            <a:spcPts val="0"/>
+                          </a:spcAft>
+                        </a:pPr>
+                        <a14:m>
+                          <m:oMathPara xmlns:m="http://schemas.openxmlformats.org/officeDocument/2006/math">
+                            <m:oMathParaPr>
+                              <m:jc m:val="centerGroup"/>
+                            </m:oMathParaPr>
+                            <m:oMath xmlns:m="http://schemas.openxmlformats.org/officeDocument/2006/math">
+                              <m:sSub>
+                                <m:sSubPr>
+                                  <m:ctrlPr>
+                                    <a:rPr lang="en-GB" sz="1000" i="1">
+                                      <a:effectLst/>
+                                      <a:latin typeface="Cambria Math" panose="02040503050406030204" pitchFamily="18" charset="0"/>
+                                      <a:ea typeface="Calibri" panose="020F0502020204030204" pitchFamily="34" charset="0"/>
+                                      <a:cs typeface="Times New Roman (Body CS)"/>
+                                    </a:rPr>
+                                  </m:ctrlPr>
+                                </m:sSubPr>
+                                <m:e>
+                                  <m:r>
+                                    <a:rPr lang="en-GB" sz="1000" i="1">
+                                      <a:effectLst/>
+                                      <a:latin typeface="Cambria Math" panose="02040503050406030204" pitchFamily="18" charset="0"/>
+                                      <a:ea typeface="Calibri" panose="020F0502020204030204" pitchFamily="34" charset="0"/>
+                                      <a:cs typeface="Times New Roman (Body CS)"/>
+                                    </a:rPr>
+                                    <m:t>+</m:t>
+                                  </m:r>
+                                  <m:r>
+                                    <a:rPr lang="en-GB" sz="1000" i="1">
+                                      <a:effectLst/>
+                                      <a:latin typeface="Cambria Math" panose="02040503050406030204" pitchFamily="18" charset="0"/>
+                                      <a:ea typeface="Calibri" panose="020F0502020204030204" pitchFamily="34" charset="0"/>
+                                      <a:cs typeface="Times New Roman (Body CS)"/>
+                                    </a:rPr>
+                                    <m:t>𝑉</m:t>
+                                  </m:r>
+                                </m:e>
+                                <m:sub>
+                                  <m:r>
+                                    <a:rPr lang="en-GB" sz="1000" i="1">
+                                      <a:effectLst/>
+                                      <a:latin typeface="Cambria Math" panose="02040503050406030204" pitchFamily="18" charset="0"/>
+                                      <a:ea typeface="Calibri" panose="020F0502020204030204" pitchFamily="34" charset="0"/>
+                                      <a:cs typeface="Times New Roman (Body CS)"/>
+                                    </a:rPr>
+                                    <m:t>𝑠</m:t>
+                                  </m:r>
+                                </m:sub>
+                              </m:sSub>
+                            </m:oMath>
+                          </m:oMathPara>
+                        </a14:m>
+                        <a:endParaRPr lang="en-GB" sz="1200">
+                          <a:effectLst/>
+                          <a:latin typeface="Garamond" panose="02020404030301010803" pitchFamily="18" charset="0"/>
+                          <a:ea typeface="Calibri" panose="020F0502020204030204" pitchFamily="34" charset="0"/>
+                          <a:cs typeface="Times New Roman (Body CS)"/>
+                        </a:endParaRPr>
+                      </a:p>
+                    </p:txBody>
+                  </p:sp>
+                </mc:Choice>
+                <mc:Fallback xmlns="">
+                  <p:sp>
+                    <p:nvSpPr>
+                      <p:cNvPr id="22" name="Text Box 165">
+                        <a:extLst>
+                          <a:ext uri="{FF2B5EF4-FFF2-40B4-BE49-F238E27FC236}">
+                            <a16:creationId xmlns:a16="http://schemas.microsoft.com/office/drawing/2014/main" id="{AC2986C1-BCAF-B94F-92B3-812E5980F964}"/>
+                          </a:ext>
+                        </a:extLst>
+                      </p:cNvPr>
+                      <p:cNvSpPr txBox="1">
+                        <a:spLocks noRot="1" noChangeAspect="1" noMove="1" noResize="1" noEditPoints="1" noAdjustHandles="1" noChangeArrowheads="1" noChangeShapeType="1" noTextEdit="1"/>
+                      </p:cNvSpPr>
+                      <p:nvPr/>
+                    </p:nvSpPr>
+                    <p:spPr>
+                      <a:xfrm>
+                        <a:off x="3745065" y="2130949"/>
+                        <a:ext cx="469127" cy="278296"/>
+                      </a:xfrm>
+                      <a:prstGeom prst="rect">
+                        <a:avLst/>
+                      </a:prstGeom>
+                      <a:blipFill>
+                        <a:blip r:embed="rId5"/>
+                        <a:stretch>
+                          <a:fillRect/>
+                        </a:stretch>
+                      </a:blipFill>
+                      <a:ln w="9525">
+                        <a:noFill/>
+                      </a:ln>
+                    </p:spPr>
+                    <p:txBody>
+                      <a:bodyPr/>
+                      <a:lstStyle/>
+                      <a:p>
+                        <a:r>
+                          <a:rPr lang="en-US">
+                            <a:noFill/>
+                          </a:rPr>
+                          <a:t> </a:t>
+                        </a:r>
+                      </a:p>
+                    </p:txBody>
+                  </p:sp>
+                </mc:Fallback>
+              </mc:AlternateContent>
+              <mc:AlternateContent xmlns:mc="http://schemas.openxmlformats.org/markup-compatibility/2006" xmlns:a14="http://schemas.microsoft.com/office/drawing/2010/main">
+                <mc:Choice Requires="a14">
+                  <p:sp>
+                    <p:nvSpPr>
+                      <p:cNvPr id="23" name="Text Box 166">
+                        <a:extLst>
+                          <a:ext uri="{FF2B5EF4-FFF2-40B4-BE49-F238E27FC236}">
+                            <a16:creationId xmlns:a16="http://schemas.microsoft.com/office/drawing/2014/main" id="{B4E331ED-D01F-3243-B6D4-31EE31657370}"/>
+                          </a:ext>
+                        </a:extLst>
+                      </p:cNvPr>
+                      <p:cNvSpPr txBox="1"/>
+                      <p:nvPr/>
+                    </p:nvSpPr>
+                    <p:spPr>
+                      <a:xfrm>
+                        <a:off x="3760967" y="2918129"/>
+                        <a:ext cx="469127" cy="278296"/>
+                      </a:xfrm>
+                      <a:prstGeom prst="rect">
+                        <a:avLst/>
+                      </a:prstGeom>
+                      <a:noFill/>
+                      <a:ln w="9525">
+                        <a:noFill/>
+                      </a:ln>
+                    </p:spPr>
+                    <p:txBody>
+                      <a:bodyPr rot="0" spcFirstLastPara="0" vert="horz" wrap="square" lIns="91440" tIns="45720" rIns="91440" bIns="45720" numCol="1" spcCol="0" rtlCol="0" fromWordArt="0" anchor="t" anchorCtr="0" forceAA="0" compatLnSpc="1">
+                        <a:prstTxWarp prst="textNoShape">
+                          <a:avLst/>
+                        </a:prstTxWarp>
+                        <a:noAutofit/>
+                      </a:bodyPr>
+                      <a:lstStyle/>
+                      <a:p>
+                        <a:pPr>
+                          <a:spcAft>
+                            <a:spcPts val="0"/>
+                          </a:spcAft>
+                        </a:pPr>
+                        <a14:m>
+                          <m:oMathPara xmlns:m="http://schemas.openxmlformats.org/officeDocument/2006/math">
+                            <m:oMathParaPr>
+                              <m:jc m:val="centerGroup"/>
+                            </m:oMathParaPr>
+                            <m:oMath xmlns:m="http://schemas.openxmlformats.org/officeDocument/2006/math">
+                              <m:sSub>
+                                <m:sSubPr>
+                                  <m:ctrlPr>
+                                    <a:rPr lang="en-GB" sz="1000" i="1">
+                                      <a:effectLst/>
+                                      <a:latin typeface="Cambria Math" panose="02040503050406030204" pitchFamily="18" charset="0"/>
+                                      <a:ea typeface="Calibri" panose="020F0502020204030204" pitchFamily="34" charset="0"/>
+                                      <a:cs typeface="Times New Roman (Body CS)"/>
+                                    </a:rPr>
+                                  </m:ctrlPr>
+                                </m:sSubPr>
+                                <m:e>
+                                  <m:r>
+                                    <a:rPr lang="en-GB" sz="1000" i="1">
+                                      <a:effectLst/>
+                                      <a:latin typeface="Cambria Math" panose="02040503050406030204" pitchFamily="18" charset="0"/>
+                                      <a:ea typeface="Calibri" panose="020F0502020204030204" pitchFamily="34" charset="0"/>
+                                      <a:cs typeface="Times New Roman (Body CS)"/>
+                                    </a:rPr>
+                                    <m:t>−</m:t>
+                                  </m:r>
+                                  <m:r>
+                                    <a:rPr lang="en-GB" sz="1000" i="1">
+                                      <a:effectLst/>
+                                      <a:latin typeface="Cambria Math" panose="02040503050406030204" pitchFamily="18" charset="0"/>
+                                      <a:ea typeface="Calibri" panose="020F0502020204030204" pitchFamily="34" charset="0"/>
+                                      <a:cs typeface="Times New Roman (Body CS)"/>
+                                    </a:rPr>
+                                    <m:t>𝑉</m:t>
+                                  </m:r>
+                                </m:e>
+                                <m:sub>
+                                  <m:r>
+                                    <a:rPr lang="en-GB" sz="1000" i="1">
+                                      <a:effectLst/>
+                                      <a:latin typeface="Cambria Math" panose="02040503050406030204" pitchFamily="18" charset="0"/>
+                                      <a:ea typeface="Calibri" panose="020F0502020204030204" pitchFamily="34" charset="0"/>
+                                      <a:cs typeface="Times New Roman (Body CS)"/>
+                                    </a:rPr>
+                                    <m:t>𝑠</m:t>
+                                  </m:r>
+                                </m:sub>
+                              </m:sSub>
+                            </m:oMath>
+                          </m:oMathPara>
+                        </a14:m>
+                        <a:endParaRPr lang="en-GB" sz="1200">
+                          <a:effectLst/>
+                          <a:latin typeface="Garamond" panose="02020404030301010803" pitchFamily="18" charset="0"/>
+                          <a:ea typeface="Calibri" panose="020F0502020204030204" pitchFamily="34" charset="0"/>
+                          <a:cs typeface="Times New Roman (Body CS)"/>
+                        </a:endParaRPr>
+                      </a:p>
+                    </p:txBody>
+                  </p:sp>
+                </mc:Choice>
+                <mc:Fallback xmlns="">
+                  <p:sp>
+                    <p:nvSpPr>
+                      <p:cNvPr id="23" name="Text Box 166">
+                        <a:extLst>
+                          <a:ext uri="{FF2B5EF4-FFF2-40B4-BE49-F238E27FC236}">
+                            <a16:creationId xmlns:a16="http://schemas.microsoft.com/office/drawing/2014/main" id="{B4E331ED-D01F-3243-B6D4-31EE31657370}"/>
+                          </a:ext>
+                        </a:extLst>
+                      </p:cNvPr>
+                      <p:cNvSpPr txBox="1">
+                        <a:spLocks noRot="1" noChangeAspect="1" noMove="1" noResize="1" noEditPoints="1" noAdjustHandles="1" noChangeArrowheads="1" noChangeShapeType="1" noTextEdit="1"/>
+                      </p:cNvSpPr>
+                      <p:nvPr/>
+                    </p:nvSpPr>
+                    <p:spPr>
+                      <a:xfrm>
+                        <a:off x="3760967" y="2918129"/>
+                        <a:ext cx="469127" cy="278296"/>
+                      </a:xfrm>
+                      <a:prstGeom prst="rect">
+                        <a:avLst/>
+                      </a:prstGeom>
+                      <a:blipFill>
+                        <a:blip r:embed="rId6"/>
+                        <a:stretch>
+                          <a:fillRect/>
+                        </a:stretch>
+                      </a:blipFill>
+                      <a:ln w="9525">
+                        <a:noFill/>
+                      </a:ln>
+                    </p:spPr>
+                    <p:txBody>
+                      <a:bodyPr/>
+                      <a:lstStyle/>
+                      <a:p>
+                        <a:r>
+                          <a:rPr lang="en-US">
+                            <a:noFill/>
+                          </a:rPr>
+                          <a:t> </a:t>
+                        </a:r>
+                      </a:p>
+                    </p:txBody>
+                  </p:sp>
+                </mc:Fallback>
+              </mc:AlternateContent>
+              <mc:AlternateContent xmlns:mc="http://schemas.openxmlformats.org/markup-compatibility/2006" xmlns:a14="http://schemas.microsoft.com/office/drawing/2010/main">
+                <mc:Choice Requires="a14">
+                  <p:sp>
+                    <p:nvSpPr>
+                      <p:cNvPr id="24" name="Text Box 167">
+                        <a:extLst>
+                          <a:ext uri="{FF2B5EF4-FFF2-40B4-BE49-F238E27FC236}">
+                            <a16:creationId xmlns:a16="http://schemas.microsoft.com/office/drawing/2014/main" id="{315EEEA9-5490-B047-8EC5-9785820189F8}"/>
+                          </a:ext>
+                        </a:extLst>
+                      </p:cNvPr>
+                      <p:cNvSpPr txBox="1"/>
+                      <p:nvPr/>
+                    </p:nvSpPr>
+                    <p:spPr>
+                      <a:xfrm>
+                        <a:off x="1264258" y="1876508"/>
+                        <a:ext cx="317252" cy="278296"/>
+                      </a:xfrm>
+                      <a:prstGeom prst="rect">
+                        <a:avLst/>
+                      </a:prstGeom>
+                      <a:noFill/>
+                      <a:ln w="9525">
+                        <a:noFill/>
+                      </a:ln>
+                    </p:spPr>
+                    <p:txBody>
+                      <a:bodyPr rot="0" spcFirstLastPara="0" vert="horz" wrap="square" lIns="91440" tIns="45720" rIns="91440" bIns="45720" numCol="1" spcCol="0" rtlCol="0" fromWordArt="0" anchor="t" anchorCtr="0" forceAA="0" compatLnSpc="1">
+                        <a:prstTxWarp prst="textNoShape">
+                          <a:avLst/>
+                        </a:prstTxWarp>
+                        <a:noAutofit/>
+                      </a:bodyPr>
+                      <a:lstStyle/>
+                      <a:p>
+                        <a:pPr>
+                          <a:spcAft>
+                            <a:spcPts val="0"/>
+                          </a:spcAft>
+                        </a:pPr>
+                        <a14:m>
+                          <m:oMathPara xmlns:m="http://schemas.openxmlformats.org/officeDocument/2006/math">
+                            <m:oMathParaPr>
+                              <m:jc m:val="centerGroup"/>
+                            </m:oMathParaPr>
+                            <m:oMath xmlns:m="http://schemas.openxmlformats.org/officeDocument/2006/math">
+                              <m:sSub>
+                                <m:sSubPr>
+                                  <m:ctrlPr>
+                                    <a:rPr lang="en-GB" sz="1000" i="1">
+                                      <a:effectLst/>
+                                      <a:latin typeface="Cambria Math" panose="02040503050406030204" pitchFamily="18" charset="0"/>
+                                      <a:ea typeface="Calibri" panose="020F0502020204030204" pitchFamily="34" charset="0"/>
+                                      <a:cs typeface="Times New Roman (Body CS)"/>
+                                    </a:rPr>
+                                  </m:ctrlPr>
+                                </m:sSubPr>
+                                <m:e>
+                                  <m:r>
+                                    <a:rPr lang="en-GB" sz="1000" i="1">
+                                      <a:effectLst/>
+                                      <a:latin typeface="Cambria Math" panose="02040503050406030204" pitchFamily="18" charset="0"/>
+                                      <a:ea typeface="Calibri" panose="020F0502020204030204" pitchFamily="34" charset="0"/>
+                                      <a:cs typeface="Times New Roman (Body CS)"/>
+                                    </a:rPr>
+                                    <m:t>𝑅</m:t>
+                                  </m:r>
+                                </m:e>
+                                <m:sub>
+                                  <m:r>
+                                    <a:rPr lang="en-GB" sz="1000" i="1">
+                                      <a:effectLst/>
+                                      <a:latin typeface="Cambria Math" panose="02040503050406030204" pitchFamily="18" charset="0"/>
+                                      <a:ea typeface="Calibri" panose="020F0502020204030204" pitchFamily="34" charset="0"/>
+                                      <a:cs typeface="Times New Roman (Body CS)"/>
+                                    </a:rPr>
+                                    <m:t>2</m:t>
+                                  </m:r>
+                                </m:sub>
+                              </m:sSub>
+                            </m:oMath>
+                          </m:oMathPara>
+                        </a14:m>
+                        <a:endParaRPr lang="en-GB" sz="1200">
+                          <a:effectLst/>
+                          <a:latin typeface="Garamond" panose="02020404030301010803" pitchFamily="18" charset="0"/>
+                          <a:ea typeface="Calibri" panose="020F0502020204030204" pitchFamily="34" charset="0"/>
+                          <a:cs typeface="Times New Roman (Body CS)"/>
+                        </a:endParaRPr>
+                      </a:p>
+                    </p:txBody>
+                  </p:sp>
+                </mc:Choice>
+                <mc:Fallback xmlns="">
+                  <p:sp>
+                    <p:nvSpPr>
+                      <p:cNvPr id="24" name="Text Box 167">
+                        <a:extLst>
+                          <a:ext uri="{FF2B5EF4-FFF2-40B4-BE49-F238E27FC236}">
+                            <a16:creationId xmlns:a16="http://schemas.microsoft.com/office/drawing/2014/main" id="{315EEEA9-5490-B047-8EC5-9785820189F8}"/>
+                          </a:ext>
+                        </a:extLst>
+                      </p:cNvPr>
+                      <p:cNvSpPr txBox="1">
+                        <a:spLocks noRot="1" noChangeAspect="1" noMove="1" noResize="1" noEditPoints="1" noAdjustHandles="1" noChangeArrowheads="1" noChangeShapeType="1" noTextEdit="1"/>
+                      </p:cNvSpPr>
+                      <p:nvPr/>
+                    </p:nvSpPr>
+                    <p:spPr>
+                      <a:xfrm>
+                        <a:off x="1264258" y="1876508"/>
+                        <a:ext cx="317252" cy="278296"/>
+                      </a:xfrm>
+                      <a:prstGeom prst="rect">
+                        <a:avLst/>
+                      </a:prstGeom>
+                      <a:blipFill>
+                        <a:blip r:embed="rId7"/>
+                        <a:stretch>
+                          <a:fillRect/>
+                        </a:stretch>
+                      </a:blipFill>
+                      <a:ln w="9525">
+                        <a:noFill/>
+                      </a:ln>
+                    </p:spPr>
+                    <p:txBody>
+                      <a:bodyPr/>
+                      <a:lstStyle/>
+                      <a:p>
+                        <a:r>
+                          <a:rPr lang="en-US">
+                            <a:noFill/>
+                          </a:rPr>
+                          <a:t> </a:t>
+                        </a:r>
+                      </a:p>
+                    </p:txBody>
+                  </p:sp>
+                </mc:Fallback>
+              </mc:AlternateContent>
+            </p:grpSp>
+            <mc:AlternateContent xmlns:mc="http://schemas.openxmlformats.org/markup-compatibility/2006" xmlns:a14="http://schemas.microsoft.com/office/drawing/2010/main">
+              <mc:Choice Requires="a14">
+                <p:sp>
+                  <p:nvSpPr>
+                    <p:cNvPr id="18" name="Text Box 169">
+                      <a:extLst>
+                        <a:ext uri="{FF2B5EF4-FFF2-40B4-BE49-F238E27FC236}">
+                          <a16:creationId xmlns:a16="http://schemas.microsoft.com/office/drawing/2014/main" id="{716173B0-E32A-CB4F-9819-3C87EE335DA9}"/>
+                        </a:ext>
+                      </a:extLst>
+                    </p:cNvPr>
+                    <p:cNvSpPr txBox="1"/>
+                    <p:nvPr/>
+                  </p:nvSpPr>
+                  <p:spPr>
+                    <a:xfrm>
+                      <a:off x="3442915" y="357809"/>
+                      <a:ext cx="317237" cy="278296"/>
+                    </a:xfrm>
+                    <a:prstGeom prst="rect">
+                      <a:avLst/>
+                    </a:prstGeom>
+                    <a:noFill/>
+                    <a:ln w="9525">
+                      <a:noFill/>
+                    </a:ln>
+                  </p:spPr>
+                  <p:txBody>
+                    <a:bodyPr rot="0" spcFirstLastPara="0" vert="horz" wrap="square" lIns="91440" tIns="45720" rIns="91440" bIns="45720" numCol="1" spcCol="0" rtlCol="0" fromWordArt="0" anchor="t" anchorCtr="0" forceAA="0" compatLnSpc="1">
+                      <a:prstTxWarp prst="textNoShape">
+                        <a:avLst/>
+                      </a:prstTxWarp>
+                      <a:noAutofit/>
+                    </a:bodyPr>
+                    <a:lstStyle/>
+                    <a:p>
+                      <a:pPr>
+                        <a:spcAft>
+                          <a:spcPts val="0"/>
+                        </a:spcAft>
+                      </a:pPr>
+                      <a14:m>
+                        <m:oMathPara xmlns:m="http://schemas.openxmlformats.org/officeDocument/2006/math">
+                          <m:oMathParaPr>
+                            <m:jc m:val="centerGroup"/>
+                          </m:oMathParaPr>
+                          <m:oMath xmlns:m="http://schemas.openxmlformats.org/officeDocument/2006/math">
+                            <m:sSub>
+                              <m:sSubPr>
+                                <m:ctrlPr>
+                                  <a:rPr lang="en-GB" sz="1000" i="1">
+                                    <a:effectLst/>
+                                    <a:latin typeface="Cambria Math" panose="02040503050406030204" pitchFamily="18" charset="0"/>
+                                    <a:ea typeface="Calibri" panose="020F0502020204030204" pitchFamily="34" charset="0"/>
+                                    <a:cs typeface="Times New Roman (Body CS)"/>
+                                  </a:rPr>
+                                </m:ctrlPr>
+                              </m:sSubPr>
+                              <m:e>
+                                <m:r>
+                                  <a:rPr lang="en-GB" sz="1000" i="1">
+                                    <a:effectLst/>
+                                    <a:latin typeface="Cambria Math" panose="02040503050406030204" pitchFamily="18" charset="0"/>
+                                    <a:ea typeface="Calibri" panose="020F0502020204030204" pitchFamily="34" charset="0"/>
+                                    <a:cs typeface="Times New Roman (Body CS)"/>
+                                  </a:rPr>
+                                  <m:t>𝑅</m:t>
+                                </m:r>
+                              </m:e>
+                              <m:sub>
+                                <m:r>
+                                  <a:rPr lang="en-GB" sz="1000" i="1">
+                                    <a:effectLst/>
+                                    <a:latin typeface="Cambria Math" panose="02040503050406030204" pitchFamily="18" charset="0"/>
+                                    <a:ea typeface="Calibri" panose="020F0502020204030204" pitchFamily="34" charset="0"/>
+                                    <a:cs typeface="Times New Roman (Body CS)"/>
+                                  </a:rPr>
+                                  <m:t>2</m:t>
+                                </m:r>
+                              </m:sub>
+                            </m:sSub>
+                          </m:oMath>
+                        </m:oMathPara>
+                      </a14:m>
+                      <a:endParaRPr lang="en-GB" sz="1200">
+                        <a:effectLst/>
+                        <a:latin typeface="Garamond" panose="02020404030301010803" pitchFamily="18" charset="0"/>
+                        <a:ea typeface="Calibri" panose="020F0502020204030204" pitchFamily="34" charset="0"/>
+                        <a:cs typeface="Times New Roman (Body CS)"/>
+                      </a:endParaRPr>
+                    </a:p>
+                  </p:txBody>
+                </p:sp>
+              </mc:Choice>
+              <mc:Fallback xmlns="">
+                <p:sp>
+                  <p:nvSpPr>
+                    <p:cNvPr id="18" name="Text Box 169">
+                      <a:extLst>
+                        <a:ext uri="{FF2B5EF4-FFF2-40B4-BE49-F238E27FC236}">
+                          <a16:creationId xmlns:a16="http://schemas.microsoft.com/office/drawing/2014/main" id="{716173B0-E32A-CB4F-9819-3C87EE335DA9}"/>
+                        </a:ext>
+                      </a:extLst>
+                    </p:cNvPr>
+                    <p:cNvSpPr txBox="1">
+                      <a:spLocks noRot="1" noChangeAspect="1" noMove="1" noResize="1" noEditPoints="1" noAdjustHandles="1" noChangeArrowheads="1" noChangeShapeType="1" noTextEdit="1"/>
+                    </p:cNvSpPr>
+                    <p:nvPr/>
+                  </p:nvSpPr>
+                  <p:spPr>
+                    <a:xfrm>
+                      <a:off x="3442915" y="357809"/>
+                      <a:ext cx="317237" cy="278296"/>
+                    </a:xfrm>
+                    <a:prstGeom prst="rect">
+                      <a:avLst/>
+                    </a:prstGeom>
+                    <a:blipFill>
+                      <a:blip r:embed="rId8"/>
+                      <a:stretch>
+                        <a:fillRect/>
+                      </a:stretch>
+                    </a:blipFill>
+                    <a:ln w="9525">
+                      <a:noFill/>
+                    </a:ln>
+                  </p:spPr>
+                  <p:txBody>
+                    <a:bodyPr/>
+                    <a:lstStyle/>
+                    <a:p>
+                      <a:r>
+                        <a:rPr lang="en-US">
+                          <a:noFill/>
+                        </a:rPr>
+                        <a:t> </a:t>
+                      </a:r>
+                    </a:p>
+                  </p:txBody>
+                </p:sp>
+              </mc:Fallback>
+            </mc:AlternateContent>
+          </p:grpSp>
+          <mc:AlternateContent xmlns:mc="http://schemas.openxmlformats.org/markup-compatibility/2006" xmlns:a14="http://schemas.microsoft.com/office/drawing/2010/main">
+            <mc:Choice Requires="a14">
+              <p:sp>
+                <p:nvSpPr>
+                  <p:cNvPr id="15" name="Text Box 183">
+                    <a:extLst>
+                      <a:ext uri="{FF2B5EF4-FFF2-40B4-BE49-F238E27FC236}">
+                        <a16:creationId xmlns:a16="http://schemas.microsoft.com/office/drawing/2014/main" id="{C234DF8E-93B1-EC42-BF0B-A870D506CF50}"/>
+                      </a:ext>
+                    </a:extLst>
+                  </p:cNvPr>
+                  <p:cNvSpPr txBox="1"/>
+                  <p:nvPr/>
+                </p:nvSpPr>
+                <p:spPr>
+                  <a:xfrm>
+                    <a:off x="1280160" y="2456953"/>
+                    <a:ext cx="317237" cy="278296"/>
+                  </a:xfrm>
+                  <a:prstGeom prst="rect">
+                    <a:avLst/>
+                  </a:prstGeom>
+                  <a:noFill/>
+                  <a:ln w="9525">
+                    <a:noFill/>
+                  </a:ln>
+                </p:spPr>
+                <p:txBody>
+                  <a:bodyPr rot="0" spcFirstLastPara="0" vert="horz" wrap="square" lIns="91440" tIns="45720" rIns="91440" bIns="45720" numCol="1" spcCol="0" rtlCol="0" fromWordArt="0" anchor="t" anchorCtr="0" forceAA="0" compatLnSpc="1">
+                    <a:prstTxWarp prst="textNoShape">
+                      <a:avLst/>
+                    </a:prstTxWarp>
+                    <a:noAutofit/>
+                  </a:bodyPr>
+                  <a:lstStyle/>
+                  <a:p>
+                    <a:pPr>
+                      <a:spcAft>
+                        <a:spcPts val="0"/>
+                      </a:spcAft>
+                    </a:pPr>
+                    <a14:m>
+                      <m:oMathPara xmlns:m="http://schemas.openxmlformats.org/officeDocument/2006/math">
+                        <m:oMathParaPr>
+                          <m:jc m:val="centerGroup"/>
+                        </m:oMathParaPr>
+                        <m:oMath xmlns:m="http://schemas.openxmlformats.org/officeDocument/2006/math">
+                          <m:sSub>
+                            <m:sSubPr>
+                              <m:ctrlPr>
+                                <a:rPr lang="en-GB" sz="1000" i="1">
+                                  <a:effectLst/>
+                                  <a:latin typeface="Cambria Math" panose="02040503050406030204" pitchFamily="18" charset="0"/>
+                                  <a:ea typeface="Calibri" panose="020F0502020204030204" pitchFamily="34" charset="0"/>
+                                  <a:cs typeface="Times New Roman (Body CS)"/>
+                                </a:rPr>
+                              </m:ctrlPr>
+                            </m:sSubPr>
+                            <m:e>
+                              <m:r>
+                                <a:rPr lang="en-GB" sz="1000" i="1">
+                                  <a:effectLst/>
+                                  <a:latin typeface="Cambria Math" panose="02040503050406030204" pitchFamily="18" charset="0"/>
+                                  <a:ea typeface="Calibri" panose="020F0502020204030204" pitchFamily="34" charset="0"/>
+                                  <a:cs typeface="Times New Roman (Body CS)"/>
+                                </a:rPr>
+                                <m:t>𝑅</m:t>
+                              </m:r>
+                            </m:e>
+                            <m:sub>
+                              <m:r>
+                                <a:rPr lang="en-GB" sz="1000" i="1">
+                                  <a:effectLst/>
+                                  <a:latin typeface="Cambria Math" panose="02040503050406030204" pitchFamily="18" charset="0"/>
+                                  <a:ea typeface="Calibri" panose="020F0502020204030204" pitchFamily="34" charset="0"/>
+                                  <a:cs typeface="Times New Roman (Body CS)"/>
+                                </a:rPr>
+                                <m:t>1</m:t>
+                              </m:r>
+                            </m:sub>
+                          </m:sSub>
+                        </m:oMath>
+                      </m:oMathPara>
+                    </a14:m>
+                    <a:endParaRPr lang="en-GB" sz="1200">
+                      <a:effectLst/>
+                      <a:latin typeface="Garamond" panose="02020404030301010803" pitchFamily="18" charset="0"/>
+                      <a:ea typeface="Calibri" panose="020F0502020204030204" pitchFamily="34" charset="0"/>
+                      <a:cs typeface="Times New Roman (Body CS)"/>
+                    </a:endParaRPr>
+                  </a:p>
+                </p:txBody>
+              </p:sp>
+            </mc:Choice>
+            <mc:Fallback xmlns="">
+              <p:sp>
+                <p:nvSpPr>
+                  <p:cNvPr id="15" name="Text Box 183">
+                    <a:extLst>
+                      <a:ext uri="{FF2B5EF4-FFF2-40B4-BE49-F238E27FC236}">
+                        <a16:creationId xmlns:a16="http://schemas.microsoft.com/office/drawing/2014/main" id="{C234DF8E-93B1-EC42-BF0B-A870D506CF50}"/>
+                      </a:ext>
+                    </a:extLst>
+                  </p:cNvPr>
+                  <p:cNvSpPr txBox="1">
+                    <a:spLocks noRot="1" noChangeAspect="1" noMove="1" noResize="1" noEditPoints="1" noAdjustHandles="1" noChangeArrowheads="1" noChangeShapeType="1" noTextEdit="1"/>
+                  </p:cNvSpPr>
+                  <p:nvPr/>
+                </p:nvSpPr>
+                <p:spPr>
+                  <a:xfrm>
+                    <a:off x="1280160" y="2456953"/>
+                    <a:ext cx="317237" cy="278296"/>
+                  </a:xfrm>
+                  <a:prstGeom prst="rect">
+                    <a:avLst/>
+                  </a:prstGeom>
+                  <a:blipFill>
+                    <a:blip r:embed="rId9"/>
+                    <a:stretch>
+                      <a:fillRect/>
+                    </a:stretch>
+                  </a:blipFill>
+                  <a:ln w="9525">
+                    <a:noFill/>
+                  </a:ln>
+                </p:spPr>
+                <p:txBody>
+                  <a:bodyPr/>
+                  <a:lstStyle/>
+                  <a:p>
+                    <a:r>
+                      <a:rPr lang="en-US">
+                        <a:noFill/>
+                      </a:rPr>
+                      <a:t> </a:t>
+                    </a:r>
+                  </a:p>
+                </p:txBody>
+              </p:sp>
+            </mc:Fallback>
+          </mc:AlternateContent>
+          <mc:AlternateContent xmlns:mc="http://schemas.openxmlformats.org/markup-compatibility/2006" xmlns:a14="http://schemas.microsoft.com/office/drawing/2010/main">
+            <mc:Choice Requires="a14">
+              <p:sp>
+                <p:nvSpPr>
+                  <p:cNvPr id="16" name="Text Box 185">
+                    <a:extLst>
+                      <a:ext uri="{FF2B5EF4-FFF2-40B4-BE49-F238E27FC236}">
+                        <a16:creationId xmlns:a16="http://schemas.microsoft.com/office/drawing/2014/main" id="{0F6DFE33-F6C2-1146-8E6B-922DA2C78145}"/>
+                      </a:ext>
+                    </a:extLst>
+                  </p:cNvPr>
+                  <p:cNvSpPr txBox="1"/>
+                  <p:nvPr/>
+                </p:nvSpPr>
+                <p:spPr>
+                  <a:xfrm>
+                    <a:off x="2226366" y="2449002"/>
+                    <a:ext cx="317237" cy="278296"/>
+                  </a:xfrm>
+                  <a:prstGeom prst="rect">
+                    <a:avLst/>
+                  </a:prstGeom>
+                  <a:noFill/>
+                  <a:ln w="9525">
+                    <a:noFill/>
+                  </a:ln>
+                </p:spPr>
+                <p:txBody>
+                  <a:bodyPr rot="0" spcFirstLastPara="0" vert="horz" wrap="square" lIns="91440" tIns="45720" rIns="91440" bIns="45720" numCol="1" spcCol="0" rtlCol="0" fromWordArt="0" anchor="t" anchorCtr="0" forceAA="0" compatLnSpc="1">
+                    <a:prstTxWarp prst="textNoShape">
+                      <a:avLst/>
+                    </a:prstTxWarp>
+                    <a:noAutofit/>
+                  </a:bodyPr>
+                  <a:lstStyle/>
+                  <a:p>
+                    <a:pPr>
+                      <a:spcAft>
+                        <a:spcPts val="0"/>
+                      </a:spcAft>
+                    </a:pPr>
+                    <a14:m>
+                      <m:oMathPara xmlns:m="http://schemas.openxmlformats.org/officeDocument/2006/math">
+                        <m:oMathParaPr>
+                          <m:jc m:val="centerGroup"/>
+                        </m:oMathParaPr>
+                        <m:oMath xmlns:m="http://schemas.openxmlformats.org/officeDocument/2006/math">
+                          <m:sSub>
+                            <m:sSubPr>
+                              <m:ctrlPr>
+                                <a:rPr lang="en-GB" sz="1000" i="1">
+                                  <a:effectLst/>
+                                  <a:latin typeface="Cambria Math" panose="02040503050406030204" pitchFamily="18" charset="0"/>
+                                  <a:ea typeface="Calibri" panose="020F0502020204030204" pitchFamily="34" charset="0"/>
+                                  <a:cs typeface="Times New Roman (Body CS)"/>
+                                </a:rPr>
+                              </m:ctrlPr>
+                            </m:sSubPr>
+                            <m:e>
+                              <m:r>
+                                <a:rPr lang="en-GB" sz="1000" i="1">
+                                  <a:effectLst/>
+                                  <a:latin typeface="Cambria Math" panose="02040503050406030204" pitchFamily="18" charset="0"/>
+                                  <a:ea typeface="Calibri" panose="020F0502020204030204" pitchFamily="34" charset="0"/>
+                                  <a:cs typeface="Times New Roman (Body CS)"/>
+                                </a:rPr>
+                                <m:t>𝑅</m:t>
+                              </m:r>
+                            </m:e>
+                            <m:sub>
+                              <m:r>
+                                <a:rPr lang="en-GB" sz="1000" i="1">
+                                  <a:effectLst/>
+                                  <a:latin typeface="Cambria Math" panose="02040503050406030204" pitchFamily="18" charset="0"/>
+                                  <a:ea typeface="Calibri" panose="020F0502020204030204" pitchFamily="34" charset="0"/>
+                                  <a:cs typeface="Times New Roman (Body CS)"/>
+                                </a:rPr>
+                                <m:t>1</m:t>
+                              </m:r>
+                            </m:sub>
+                          </m:sSub>
+                        </m:oMath>
+                      </m:oMathPara>
+                    </a14:m>
+                    <a:endParaRPr lang="en-GB" sz="1200">
+                      <a:effectLst/>
+                      <a:latin typeface="Garamond" panose="02020404030301010803" pitchFamily="18" charset="0"/>
+                      <a:ea typeface="Calibri" panose="020F0502020204030204" pitchFamily="34" charset="0"/>
+                      <a:cs typeface="Times New Roman (Body CS)"/>
+                    </a:endParaRPr>
+                  </a:p>
+                </p:txBody>
+              </p:sp>
+            </mc:Choice>
+            <mc:Fallback xmlns="">
+              <p:sp>
+                <p:nvSpPr>
+                  <p:cNvPr id="16" name="Text Box 185">
+                    <a:extLst>
+                      <a:ext uri="{FF2B5EF4-FFF2-40B4-BE49-F238E27FC236}">
+                        <a16:creationId xmlns:a16="http://schemas.microsoft.com/office/drawing/2014/main" id="{0F6DFE33-F6C2-1146-8E6B-922DA2C78145}"/>
+                      </a:ext>
+                    </a:extLst>
+                  </p:cNvPr>
+                  <p:cNvSpPr txBox="1">
+                    <a:spLocks noRot="1" noChangeAspect="1" noMove="1" noResize="1" noEditPoints="1" noAdjustHandles="1" noChangeArrowheads="1" noChangeShapeType="1" noTextEdit="1"/>
+                  </p:cNvSpPr>
+                  <p:nvPr/>
+                </p:nvSpPr>
+                <p:spPr>
+                  <a:xfrm>
+                    <a:off x="2226366" y="2449002"/>
+                    <a:ext cx="317237" cy="278296"/>
+                  </a:xfrm>
+                  <a:prstGeom prst="rect">
+                    <a:avLst/>
+                  </a:prstGeom>
+                  <a:blipFill>
+                    <a:blip r:embed="rId10"/>
+                    <a:stretch>
+                      <a:fillRect/>
+                    </a:stretch>
+                  </a:blipFill>
+                  <a:ln w="9525">
+                    <a:noFill/>
+                  </a:ln>
+                </p:spPr>
+                <p:txBody>
+                  <a:bodyPr/>
+                  <a:lstStyle/>
+                  <a:p>
+                    <a:r>
+                      <a:rPr lang="en-US">
+                        <a:noFill/>
+                      </a:rPr>
+                      <a:t> </a:t>
+                    </a:r>
+                  </a:p>
+                </p:txBody>
+              </p:sp>
+            </mc:Fallback>
+          </mc:AlternateContent>
+        </p:grpSp>
+        <mc:AlternateContent xmlns:mc="http://schemas.openxmlformats.org/markup-compatibility/2006" xmlns:a14="http://schemas.microsoft.com/office/drawing/2010/main">
+          <mc:Choice Requires="a14">
+            <p:sp>
+              <p:nvSpPr>
+                <p:cNvPr id="8" name="Text Box 182">
+                  <a:extLst>
+                    <a:ext uri="{FF2B5EF4-FFF2-40B4-BE49-F238E27FC236}">
+                      <a16:creationId xmlns:a16="http://schemas.microsoft.com/office/drawing/2014/main" id="{FD2CCF8A-6E04-8545-B007-CE6E70ACD4A3}"/>
+                    </a:ext>
+                  </a:extLst>
+                </p:cNvPr>
+                <p:cNvSpPr txBox="1"/>
+                <p:nvPr/>
+              </p:nvSpPr>
+              <p:spPr>
+                <a:xfrm>
+                  <a:off x="2393343" y="1574358"/>
+                  <a:ext cx="316865" cy="278130"/>
+                </a:xfrm>
+                <a:prstGeom prst="rect">
+                  <a:avLst/>
+                </a:prstGeom>
+                <a:noFill/>
+                <a:ln w="9525">
+                  <a:noFill/>
+                </a:ln>
+              </p:spPr>
+              <p:txBody>
+                <a:bodyPr rot="0" spcFirstLastPara="0" vert="horz" wrap="square" lIns="91440" tIns="45720" rIns="91440" bIns="45720" numCol="1" spcCol="0" rtlCol="0" fromWordArt="0" anchor="t" anchorCtr="0" forceAA="0" compatLnSpc="1">
+                  <a:prstTxWarp prst="textNoShape">
+                    <a:avLst/>
+                  </a:prstTxWarp>
+                  <a:noAutofit/>
+                </a:bodyPr>
+                <a:lstStyle/>
+                <a:p>
+                  <a:pPr>
+                    <a:spcAft>
+                      <a:spcPts val="0"/>
+                    </a:spcAft>
+                  </a:pPr>
+                  <a14:m>
+                    <m:oMathPara xmlns:m="http://schemas.openxmlformats.org/officeDocument/2006/math">
+                      <m:oMathParaPr>
+                        <m:jc m:val="centerGroup"/>
+                      </m:oMathParaPr>
+                      <m:oMath xmlns:m="http://schemas.openxmlformats.org/officeDocument/2006/math">
+                        <m:sSub>
+                          <m:sSubPr>
+                            <m:ctrlPr>
+                              <a:rPr lang="en-GB" sz="1000" i="1">
+                                <a:effectLst/>
+                                <a:latin typeface="Cambria Math" panose="02040503050406030204" pitchFamily="18" charset="0"/>
+                                <a:ea typeface="Calibri" panose="020F0502020204030204" pitchFamily="34" charset="0"/>
+                                <a:cs typeface="Times New Roman (Body CS)"/>
+                              </a:rPr>
+                            </m:ctrlPr>
+                          </m:sSubPr>
+                          <m:e>
+                            <m:r>
+                              <a:rPr lang="en-GB" sz="1000" i="1">
+                                <a:effectLst/>
+                                <a:latin typeface="Cambria Math" panose="02040503050406030204" pitchFamily="18" charset="0"/>
+                                <a:ea typeface="Calibri" panose="020F0502020204030204" pitchFamily="34" charset="0"/>
+                                <a:cs typeface="Times New Roman (Body CS)"/>
+                              </a:rPr>
+                              <m:t>𝐶</m:t>
+                            </m:r>
+                          </m:e>
+                          <m:sub>
+                            <m:r>
+                              <a:rPr lang="en-GB" sz="1000" i="1">
+                                <a:effectLst/>
+                                <a:latin typeface="Cambria Math" panose="02040503050406030204" pitchFamily="18" charset="0"/>
+                                <a:ea typeface="Calibri" panose="020F0502020204030204" pitchFamily="34" charset="0"/>
+                                <a:cs typeface="Times New Roman (Body CS)"/>
+                              </a:rPr>
+                              <m:t>2</m:t>
+                            </m:r>
+                          </m:sub>
+                        </m:sSub>
+                      </m:oMath>
+                    </m:oMathPara>
+                  </a14:m>
+                  <a:endParaRPr lang="en-GB" sz="1200">
+                    <a:effectLst/>
+                    <a:latin typeface="Garamond" panose="02020404030301010803" pitchFamily="18" charset="0"/>
+                    <a:ea typeface="Calibri" panose="020F0502020204030204" pitchFamily="34" charset="0"/>
+                    <a:cs typeface="Times New Roman (Body CS)"/>
+                  </a:endParaRPr>
+                </a:p>
+              </p:txBody>
+            </p:sp>
+          </mc:Choice>
+          <mc:Fallback xmlns="">
+            <p:sp>
+              <p:nvSpPr>
+                <p:cNvPr id="8" name="Text Box 182">
+                  <a:extLst>
+                    <a:ext uri="{FF2B5EF4-FFF2-40B4-BE49-F238E27FC236}">
+                      <a16:creationId xmlns:a16="http://schemas.microsoft.com/office/drawing/2014/main" id="{FD2CCF8A-6E04-8545-B007-CE6E70ACD4A3}"/>
+                    </a:ext>
+                  </a:extLst>
+                </p:cNvPr>
+                <p:cNvSpPr txBox="1">
+                  <a:spLocks noRot="1" noChangeAspect="1" noMove="1" noResize="1" noEditPoints="1" noAdjustHandles="1" noChangeArrowheads="1" noChangeShapeType="1" noTextEdit="1"/>
+                </p:cNvSpPr>
+                <p:nvPr/>
+              </p:nvSpPr>
+              <p:spPr>
+                <a:xfrm>
+                  <a:off x="2393343" y="1574358"/>
+                  <a:ext cx="316865" cy="278130"/>
+                </a:xfrm>
+                <a:prstGeom prst="rect">
+                  <a:avLst/>
+                </a:prstGeom>
+                <a:blipFill>
+                  <a:blip r:embed="rId11"/>
+                  <a:stretch>
+                    <a:fillRect/>
+                  </a:stretch>
+                </a:blipFill>
+                <a:ln w="9525">
+                  <a:noFill/>
+                </a:ln>
+              </p:spPr>
+              <p:txBody>
+                <a:bodyPr/>
+                <a:lstStyle/>
+                <a:p>
+                  <a:r>
+                    <a:rPr lang="en-US">
+                      <a:noFill/>
+                    </a:rPr>
+                    <a:t> </a:t>
+                  </a:r>
+                </a:p>
+              </p:txBody>
+            </p:sp>
+          </mc:Fallback>
+        </mc:AlternateContent>
+        <mc:AlternateContent xmlns:mc="http://schemas.openxmlformats.org/markup-compatibility/2006" xmlns:a14="http://schemas.microsoft.com/office/drawing/2010/main">
+          <mc:Choice Requires="a14">
+            <p:sp>
+              <p:nvSpPr>
+                <p:cNvPr id="9" name="Text Box 187">
+                  <a:extLst>
+                    <a:ext uri="{FF2B5EF4-FFF2-40B4-BE49-F238E27FC236}">
+                      <a16:creationId xmlns:a16="http://schemas.microsoft.com/office/drawing/2014/main" id="{BBE95287-8C28-3644-994F-213848A5CCC4}"/>
+                    </a:ext>
+                  </a:extLst>
+                </p:cNvPr>
+                <p:cNvSpPr txBox="1"/>
+                <p:nvPr/>
+              </p:nvSpPr>
+              <p:spPr>
+                <a:xfrm>
+                  <a:off x="4564049" y="55659"/>
+                  <a:ext cx="316865" cy="278130"/>
+                </a:xfrm>
+                <a:prstGeom prst="rect">
+                  <a:avLst/>
+                </a:prstGeom>
+                <a:noFill/>
+                <a:ln w="9525">
+                  <a:noFill/>
+                </a:ln>
+              </p:spPr>
+              <p:txBody>
+                <a:bodyPr rot="0" spcFirstLastPara="0" vert="horz" wrap="square" lIns="91440" tIns="45720" rIns="91440" bIns="45720" numCol="1" spcCol="0" rtlCol="0" fromWordArt="0" anchor="t" anchorCtr="0" forceAA="0" compatLnSpc="1">
+                  <a:prstTxWarp prst="textNoShape">
+                    <a:avLst/>
+                  </a:prstTxWarp>
+                  <a:noAutofit/>
+                </a:bodyPr>
+                <a:lstStyle/>
+                <a:p>
+                  <a:pPr>
+                    <a:spcAft>
+                      <a:spcPts val="0"/>
+                    </a:spcAft>
+                  </a:pPr>
+                  <a14:m>
+                    <m:oMathPara xmlns:m="http://schemas.openxmlformats.org/officeDocument/2006/math">
+                      <m:oMathParaPr>
+                        <m:jc m:val="centerGroup"/>
+                      </m:oMathParaPr>
+                      <m:oMath xmlns:m="http://schemas.openxmlformats.org/officeDocument/2006/math">
+                        <m:sSub>
+                          <m:sSubPr>
+                            <m:ctrlPr>
+                              <a:rPr lang="en-GB" sz="1000" i="1">
+                                <a:effectLst/>
+                                <a:latin typeface="Cambria Math" panose="02040503050406030204" pitchFamily="18" charset="0"/>
+                                <a:ea typeface="Calibri" panose="020F0502020204030204" pitchFamily="34" charset="0"/>
+                                <a:cs typeface="Times New Roman (Body CS)"/>
+                              </a:rPr>
+                            </m:ctrlPr>
+                          </m:sSubPr>
+                          <m:e>
+                            <m:r>
+                              <a:rPr lang="en-GB" sz="1000" i="1">
+                                <a:effectLst/>
+                                <a:latin typeface="Cambria Math" panose="02040503050406030204" pitchFamily="18" charset="0"/>
+                                <a:ea typeface="Calibri" panose="020F0502020204030204" pitchFamily="34" charset="0"/>
+                                <a:cs typeface="Times New Roman (Body CS)"/>
+                              </a:rPr>
+                              <m:t>𝐶</m:t>
+                            </m:r>
+                          </m:e>
+                          <m:sub>
+                            <m:r>
+                              <a:rPr lang="en-GB" sz="1000" i="1">
+                                <a:effectLst/>
+                                <a:latin typeface="Cambria Math" panose="02040503050406030204" pitchFamily="18" charset="0"/>
+                                <a:ea typeface="Calibri" panose="020F0502020204030204" pitchFamily="34" charset="0"/>
+                                <a:cs typeface="Times New Roman (Body CS)"/>
+                              </a:rPr>
+                              <m:t>2</m:t>
+                            </m:r>
+                          </m:sub>
+                        </m:sSub>
+                      </m:oMath>
+                    </m:oMathPara>
+                  </a14:m>
+                  <a:endParaRPr lang="en-GB" sz="1200">
+                    <a:effectLst/>
+                    <a:latin typeface="Garamond" panose="02020404030301010803" pitchFamily="18" charset="0"/>
+                    <a:ea typeface="Calibri" panose="020F0502020204030204" pitchFamily="34" charset="0"/>
+                    <a:cs typeface="Times New Roman (Body CS)"/>
+                  </a:endParaRPr>
+                </a:p>
+              </p:txBody>
+            </p:sp>
+          </mc:Choice>
+          <mc:Fallback xmlns="">
+            <p:sp>
+              <p:nvSpPr>
+                <p:cNvPr id="9" name="Text Box 187">
+                  <a:extLst>
+                    <a:ext uri="{FF2B5EF4-FFF2-40B4-BE49-F238E27FC236}">
+                      <a16:creationId xmlns:a16="http://schemas.microsoft.com/office/drawing/2014/main" id="{BBE95287-8C28-3644-994F-213848A5CCC4}"/>
+                    </a:ext>
+                  </a:extLst>
+                </p:cNvPr>
+                <p:cNvSpPr txBox="1">
+                  <a:spLocks noRot="1" noChangeAspect="1" noMove="1" noResize="1" noEditPoints="1" noAdjustHandles="1" noChangeArrowheads="1" noChangeShapeType="1" noTextEdit="1"/>
+                </p:cNvSpPr>
+                <p:nvPr/>
+              </p:nvSpPr>
+              <p:spPr>
+                <a:xfrm>
+                  <a:off x="4564049" y="55659"/>
+                  <a:ext cx="316865" cy="278130"/>
+                </a:xfrm>
+                <a:prstGeom prst="rect">
+                  <a:avLst/>
+                </a:prstGeom>
+                <a:blipFill>
+                  <a:blip r:embed="rId12"/>
+                  <a:stretch>
+                    <a:fillRect/>
+                  </a:stretch>
+                </a:blipFill>
+                <a:ln w="9525">
+                  <a:noFill/>
+                </a:ln>
+              </p:spPr>
+              <p:txBody>
+                <a:bodyPr/>
+                <a:lstStyle/>
+                <a:p>
+                  <a:r>
+                    <a:rPr lang="en-US">
+                      <a:noFill/>
+                    </a:rPr>
+                    <a:t> </a:t>
+                  </a:r>
+                </a:p>
+              </p:txBody>
+            </p:sp>
+          </mc:Fallback>
+        </mc:AlternateContent>
+        <mc:AlternateContent xmlns:mc="http://schemas.openxmlformats.org/markup-compatibility/2006" xmlns:a14="http://schemas.microsoft.com/office/drawing/2010/main">
+          <mc:Choice Requires="a14">
+            <p:sp>
+              <p:nvSpPr>
+                <p:cNvPr id="10" name="Text Box 188">
+                  <a:extLst>
+                    <a:ext uri="{FF2B5EF4-FFF2-40B4-BE49-F238E27FC236}">
+                      <a16:creationId xmlns:a16="http://schemas.microsoft.com/office/drawing/2014/main" id="{A09EF85E-9CE1-364F-94A6-412ABAC0A732}"/>
+                    </a:ext>
+                  </a:extLst>
+                </p:cNvPr>
+                <p:cNvSpPr txBox="1"/>
+                <p:nvPr/>
+              </p:nvSpPr>
+              <p:spPr>
+                <a:xfrm>
+                  <a:off x="1860605" y="2886323"/>
+                  <a:ext cx="316865" cy="278130"/>
+                </a:xfrm>
+                <a:prstGeom prst="rect">
+                  <a:avLst/>
+                </a:prstGeom>
+                <a:noFill/>
+                <a:ln w="9525">
+                  <a:noFill/>
+                </a:ln>
+              </p:spPr>
+              <p:txBody>
+                <a:bodyPr rot="0" spcFirstLastPara="0" vert="horz" wrap="square" lIns="91440" tIns="45720" rIns="91440" bIns="45720" numCol="1" spcCol="0" rtlCol="0" fromWordArt="0" anchor="t" anchorCtr="0" forceAA="0" compatLnSpc="1">
+                  <a:prstTxWarp prst="textNoShape">
+                    <a:avLst/>
+                  </a:prstTxWarp>
+                  <a:noAutofit/>
+                </a:bodyPr>
+                <a:lstStyle/>
+                <a:p>
+                  <a:pPr>
+                    <a:spcAft>
+                      <a:spcPts val="0"/>
+                    </a:spcAft>
+                  </a:pPr>
+                  <a14:m>
+                    <m:oMathPara xmlns:m="http://schemas.openxmlformats.org/officeDocument/2006/math">
+                      <m:oMathParaPr>
+                        <m:jc m:val="centerGroup"/>
+                      </m:oMathParaPr>
+                      <m:oMath xmlns:m="http://schemas.openxmlformats.org/officeDocument/2006/math">
+                        <m:sSub>
+                          <m:sSubPr>
+                            <m:ctrlPr>
+                              <a:rPr lang="en-GB" sz="1000" i="1">
+                                <a:effectLst/>
+                                <a:latin typeface="Cambria Math" panose="02040503050406030204" pitchFamily="18" charset="0"/>
+                                <a:ea typeface="Calibri" panose="020F0502020204030204" pitchFamily="34" charset="0"/>
+                                <a:cs typeface="Times New Roman (Body CS)"/>
+                              </a:rPr>
+                            </m:ctrlPr>
+                          </m:sSubPr>
+                          <m:e>
+                            <m:r>
+                              <a:rPr lang="en-GB" sz="1000" i="1">
+                                <a:effectLst/>
+                                <a:latin typeface="Cambria Math" panose="02040503050406030204" pitchFamily="18" charset="0"/>
+                                <a:ea typeface="Calibri" panose="020F0502020204030204" pitchFamily="34" charset="0"/>
+                                <a:cs typeface="Times New Roman (Body CS)"/>
+                              </a:rPr>
+                              <m:t>𝐶</m:t>
+                            </m:r>
+                          </m:e>
+                          <m:sub>
+                            <m:r>
+                              <a:rPr lang="en-GB" sz="1000" i="1">
+                                <a:effectLst/>
+                                <a:latin typeface="Cambria Math" panose="02040503050406030204" pitchFamily="18" charset="0"/>
+                                <a:ea typeface="Calibri" panose="020F0502020204030204" pitchFamily="34" charset="0"/>
+                                <a:cs typeface="Times New Roman (Body CS)"/>
+                              </a:rPr>
+                              <m:t>1</m:t>
+                            </m:r>
+                          </m:sub>
+                        </m:sSub>
+                      </m:oMath>
+                    </m:oMathPara>
+                  </a14:m>
+                  <a:endParaRPr lang="en-GB" sz="1200">
+                    <a:effectLst/>
+                    <a:latin typeface="Garamond" panose="02020404030301010803" pitchFamily="18" charset="0"/>
+                    <a:ea typeface="Calibri" panose="020F0502020204030204" pitchFamily="34" charset="0"/>
+                    <a:cs typeface="Times New Roman (Body CS)"/>
+                  </a:endParaRPr>
+                </a:p>
+              </p:txBody>
+            </p:sp>
+          </mc:Choice>
+          <mc:Fallback xmlns="">
+            <p:sp>
+              <p:nvSpPr>
+                <p:cNvPr id="10" name="Text Box 188">
+                  <a:extLst>
+                    <a:ext uri="{FF2B5EF4-FFF2-40B4-BE49-F238E27FC236}">
+                      <a16:creationId xmlns:a16="http://schemas.microsoft.com/office/drawing/2014/main" id="{A09EF85E-9CE1-364F-94A6-412ABAC0A732}"/>
+                    </a:ext>
+                  </a:extLst>
+                </p:cNvPr>
+                <p:cNvSpPr txBox="1">
+                  <a:spLocks noRot="1" noChangeAspect="1" noMove="1" noResize="1" noEditPoints="1" noAdjustHandles="1" noChangeArrowheads="1" noChangeShapeType="1" noTextEdit="1"/>
+                </p:cNvSpPr>
+                <p:nvPr/>
+              </p:nvSpPr>
+              <p:spPr>
+                <a:xfrm>
+                  <a:off x="1860605" y="2886323"/>
+                  <a:ext cx="316865" cy="278130"/>
+                </a:xfrm>
+                <a:prstGeom prst="rect">
+                  <a:avLst/>
+                </a:prstGeom>
+                <a:blipFill>
+                  <a:blip r:embed="rId13"/>
+                  <a:stretch>
+                    <a:fillRect/>
+                  </a:stretch>
+                </a:blipFill>
+                <a:ln w="9525">
+                  <a:noFill/>
+                </a:ln>
+              </p:spPr>
+              <p:txBody>
+                <a:bodyPr/>
+                <a:lstStyle/>
+                <a:p>
+                  <a:r>
+                    <a:rPr lang="en-US">
+                      <a:noFill/>
+                    </a:rPr>
+                    <a:t> </a:t>
+                  </a:r>
+                </a:p>
+              </p:txBody>
+            </p:sp>
+          </mc:Fallback>
+        </mc:AlternateContent>
+        <mc:AlternateContent xmlns:mc="http://schemas.openxmlformats.org/markup-compatibility/2006" xmlns:a14="http://schemas.microsoft.com/office/drawing/2010/main">
+          <mc:Choice Requires="a14">
+            <p:sp>
+              <p:nvSpPr>
+                <p:cNvPr id="11" name="Text Box 189">
+                  <a:extLst>
+                    <a:ext uri="{FF2B5EF4-FFF2-40B4-BE49-F238E27FC236}">
+                      <a16:creationId xmlns:a16="http://schemas.microsoft.com/office/drawing/2014/main" id="{62455AA0-4949-1944-8B7C-461CBC6F7450}"/>
+                    </a:ext>
+                  </a:extLst>
+                </p:cNvPr>
+                <p:cNvSpPr txBox="1"/>
+                <p:nvPr/>
+              </p:nvSpPr>
+              <p:spPr>
+                <a:xfrm>
+                  <a:off x="4039263" y="1343770"/>
+                  <a:ext cx="316865" cy="278130"/>
+                </a:xfrm>
+                <a:prstGeom prst="rect">
+                  <a:avLst/>
+                </a:prstGeom>
+                <a:noFill/>
+                <a:ln w="9525">
+                  <a:noFill/>
+                </a:ln>
+              </p:spPr>
+              <p:txBody>
+                <a:bodyPr rot="0" spcFirstLastPara="0" vert="horz" wrap="square" lIns="91440" tIns="45720" rIns="91440" bIns="45720" numCol="1" spcCol="0" rtlCol="0" fromWordArt="0" anchor="t" anchorCtr="0" forceAA="0" compatLnSpc="1">
+                  <a:prstTxWarp prst="textNoShape">
+                    <a:avLst/>
+                  </a:prstTxWarp>
+                  <a:noAutofit/>
+                </a:bodyPr>
+                <a:lstStyle/>
+                <a:p>
+                  <a:pPr>
+                    <a:spcAft>
+                      <a:spcPts val="0"/>
+                    </a:spcAft>
+                  </a:pPr>
+                  <a14:m>
+                    <m:oMathPara xmlns:m="http://schemas.openxmlformats.org/officeDocument/2006/math">
+                      <m:oMathParaPr>
+                        <m:jc m:val="centerGroup"/>
+                      </m:oMathParaPr>
+                      <m:oMath xmlns:m="http://schemas.openxmlformats.org/officeDocument/2006/math">
+                        <m:sSub>
+                          <m:sSubPr>
+                            <m:ctrlPr>
+                              <a:rPr lang="en-GB" sz="1000" i="1">
+                                <a:effectLst/>
+                                <a:latin typeface="Cambria Math" panose="02040503050406030204" pitchFamily="18" charset="0"/>
+                                <a:ea typeface="Calibri" panose="020F0502020204030204" pitchFamily="34" charset="0"/>
+                                <a:cs typeface="Times New Roman (Body CS)"/>
+                              </a:rPr>
+                            </m:ctrlPr>
+                          </m:sSubPr>
+                          <m:e>
+                            <m:r>
+                              <a:rPr lang="en-GB" sz="1000" i="1">
+                                <a:effectLst/>
+                                <a:latin typeface="Cambria Math" panose="02040503050406030204" pitchFamily="18" charset="0"/>
+                                <a:ea typeface="Calibri" panose="020F0502020204030204" pitchFamily="34" charset="0"/>
+                                <a:cs typeface="Times New Roman (Body CS)"/>
+                              </a:rPr>
+                              <m:t>𝐶</m:t>
+                            </m:r>
+                          </m:e>
+                          <m:sub>
+                            <m:r>
+                              <a:rPr lang="en-GB" sz="1000" i="1">
+                                <a:effectLst/>
+                                <a:latin typeface="Cambria Math" panose="02040503050406030204" pitchFamily="18" charset="0"/>
+                                <a:ea typeface="Calibri" panose="020F0502020204030204" pitchFamily="34" charset="0"/>
+                                <a:cs typeface="Times New Roman (Body CS)"/>
+                              </a:rPr>
+                              <m:t>3</m:t>
+                            </m:r>
+                          </m:sub>
+                        </m:sSub>
+                      </m:oMath>
+                    </m:oMathPara>
+                  </a14:m>
+                  <a:endParaRPr lang="en-GB" sz="1200">
+                    <a:effectLst/>
+                    <a:latin typeface="Garamond" panose="02020404030301010803" pitchFamily="18" charset="0"/>
+                    <a:ea typeface="Calibri" panose="020F0502020204030204" pitchFamily="34" charset="0"/>
+                    <a:cs typeface="Times New Roman (Body CS)"/>
+                  </a:endParaRPr>
+                </a:p>
+              </p:txBody>
+            </p:sp>
+          </mc:Choice>
+          <mc:Fallback xmlns="">
+            <p:sp>
+              <p:nvSpPr>
+                <p:cNvPr id="11" name="Text Box 189">
+                  <a:extLst>
+                    <a:ext uri="{FF2B5EF4-FFF2-40B4-BE49-F238E27FC236}">
+                      <a16:creationId xmlns:a16="http://schemas.microsoft.com/office/drawing/2014/main" id="{62455AA0-4949-1944-8B7C-461CBC6F7450}"/>
+                    </a:ext>
+                  </a:extLst>
+                </p:cNvPr>
+                <p:cNvSpPr txBox="1">
+                  <a:spLocks noRot="1" noChangeAspect="1" noMove="1" noResize="1" noEditPoints="1" noAdjustHandles="1" noChangeArrowheads="1" noChangeShapeType="1" noTextEdit="1"/>
+                </p:cNvSpPr>
+                <p:nvPr/>
+              </p:nvSpPr>
+              <p:spPr>
+                <a:xfrm>
+                  <a:off x="4039263" y="1343770"/>
+                  <a:ext cx="316865" cy="278130"/>
+                </a:xfrm>
+                <a:prstGeom prst="rect">
+                  <a:avLst/>
+                </a:prstGeom>
+                <a:blipFill>
+                  <a:blip r:embed="rId14"/>
+                  <a:stretch>
+                    <a:fillRect/>
+                  </a:stretch>
+                </a:blipFill>
+                <a:ln w="9525">
+                  <a:noFill/>
+                </a:ln>
+              </p:spPr>
+              <p:txBody>
+                <a:bodyPr/>
+                <a:lstStyle/>
+                <a:p>
+                  <a:r>
+                    <a:rPr lang="en-US">
+                      <a:noFill/>
+                    </a:rPr>
+                    <a:t> </a:t>
+                  </a:r>
+                </a:p>
+              </p:txBody>
+            </p:sp>
+          </mc:Fallback>
+        </mc:AlternateContent>
+        <mc:AlternateContent xmlns:mc="http://schemas.openxmlformats.org/markup-compatibility/2006" xmlns:a14="http://schemas.microsoft.com/office/drawing/2010/main">
+          <mc:Choice Requires="a14">
+            <p:sp>
+              <p:nvSpPr>
+                <p:cNvPr id="12" name="Text Box 172">
+                  <a:extLst>
+                    <a:ext uri="{FF2B5EF4-FFF2-40B4-BE49-F238E27FC236}">
+                      <a16:creationId xmlns:a16="http://schemas.microsoft.com/office/drawing/2014/main" id="{9F3DF373-978D-404E-B842-17FF9EC6C292}"/>
+                    </a:ext>
+                  </a:extLst>
+                </p:cNvPr>
+                <p:cNvSpPr txBox="1"/>
+                <p:nvPr/>
+              </p:nvSpPr>
+              <p:spPr>
+                <a:xfrm>
+                  <a:off x="3490623" y="922351"/>
+                  <a:ext cx="317237" cy="278296"/>
+                </a:xfrm>
+                <a:prstGeom prst="rect">
+                  <a:avLst/>
+                </a:prstGeom>
+                <a:noFill/>
+                <a:ln w="9525">
+                  <a:noFill/>
+                </a:ln>
+              </p:spPr>
+              <p:txBody>
+                <a:bodyPr rot="0" spcFirstLastPara="0" vert="horz" wrap="square" lIns="91440" tIns="45720" rIns="91440" bIns="45720" numCol="1" spcCol="0" rtlCol="0" fromWordArt="0" anchor="t" anchorCtr="0" forceAA="0" compatLnSpc="1">
+                  <a:prstTxWarp prst="textNoShape">
+                    <a:avLst/>
+                  </a:prstTxWarp>
+                  <a:noAutofit/>
+                </a:bodyPr>
+                <a:lstStyle/>
+                <a:p>
+                  <a:pPr>
+                    <a:spcAft>
+                      <a:spcPts val="0"/>
+                    </a:spcAft>
+                  </a:pPr>
+                  <a14:m>
+                    <m:oMathPara xmlns:m="http://schemas.openxmlformats.org/officeDocument/2006/math">
+                      <m:oMathParaPr>
+                        <m:jc m:val="centerGroup"/>
+                      </m:oMathParaPr>
+                      <m:oMath xmlns:m="http://schemas.openxmlformats.org/officeDocument/2006/math">
+                        <m:sSub>
+                          <m:sSubPr>
+                            <m:ctrlPr>
+                              <a:rPr lang="en-GB" sz="1000" i="1">
+                                <a:effectLst/>
+                                <a:latin typeface="Cambria Math" panose="02040503050406030204" pitchFamily="18" charset="0"/>
+                                <a:ea typeface="Calibri" panose="020F0502020204030204" pitchFamily="34" charset="0"/>
+                                <a:cs typeface="Times New Roman (Body CS)"/>
+                              </a:rPr>
+                            </m:ctrlPr>
+                          </m:sSubPr>
+                          <m:e>
+                            <m:r>
+                              <a:rPr lang="en-GB" sz="1000" i="1">
+                                <a:effectLst/>
+                                <a:latin typeface="Cambria Math" panose="02040503050406030204" pitchFamily="18" charset="0"/>
+                                <a:ea typeface="Calibri" panose="020F0502020204030204" pitchFamily="34" charset="0"/>
+                                <a:cs typeface="Times New Roman (Body CS)"/>
+                              </a:rPr>
+                              <m:t>𝑅</m:t>
+                            </m:r>
+                          </m:e>
+                          <m:sub>
+                            <m:r>
+                              <a:rPr lang="en-GB" sz="1000" i="1">
+                                <a:effectLst/>
+                                <a:latin typeface="Cambria Math" panose="02040503050406030204" pitchFamily="18" charset="0"/>
+                                <a:ea typeface="Calibri" panose="020F0502020204030204" pitchFamily="34" charset="0"/>
+                                <a:cs typeface="Times New Roman (Body CS)"/>
+                              </a:rPr>
+                              <m:t>3</m:t>
+                            </m:r>
+                          </m:sub>
+                        </m:sSub>
+                      </m:oMath>
+                    </m:oMathPara>
+                  </a14:m>
+                  <a:endParaRPr lang="en-GB" sz="1200">
+                    <a:effectLst/>
+                    <a:latin typeface="Garamond" panose="02020404030301010803" pitchFamily="18" charset="0"/>
+                    <a:ea typeface="Calibri" panose="020F0502020204030204" pitchFamily="34" charset="0"/>
+                    <a:cs typeface="Times New Roman (Body CS)"/>
+                  </a:endParaRPr>
+                </a:p>
+              </p:txBody>
+            </p:sp>
+          </mc:Choice>
+          <mc:Fallback xmlns="">
+            <p:sp>
+              <p:nvSpPr>
+                <p:cNvPr id="12" name="Text Box 172">
+                  <a:extLst>
+                    <a:ext uri="{FF2B5EF4-FFF2-40B4-BE49-F238E27FC236}">
+                      <a16:creationId xmlns:a16="http://schemas.microsoft.com/office/drawing/2014/main" id="{9F3DF373-978D-404E-B842-17FF9EC6C292}"/>
+                    </a:ext>
+                  </a:extLst>
+                </p:cNvPr>
+                <p:cNvSpPr txBox="1">
+                  <a:spLocks noRot="1" noChangeAspect="1" noMove="1" noResize="1" noEditPoints="1" noAdjustHandles="1" noChangeArrowheads="1" noChangeShapeType="1" noTextEdit="1"/>
+                </p:cNvSpPr>
+                <p:nvPr/>
+              </p:nvSpPr>
+              <p:spPr>
+                <a:xfrm>
+                  <a:off x="3490623" y="922351"/>
+                  <a:ext cx="317237" cy="278296"/>
+                </a:xfrm>
+                <a:prstGeom prst="rect">
+                  <a:avLst/>
+                </a:prstGeom>
+                <a:blipFill>
+                  <a:blip r:embed="rId15"/>
+                  <a:stretch>
+                    <a:fillRect/>
+                  </a:stretch>
+                </a:blipFill>
+                <a:ln w="9525">
+                  <a:noFill/>
+                </a:ln>
+              </p:spPr>
+              <p:txBody>
+                <a:bodyPr/>
+                <a:lstStyle/>
+                <a:p>
+                  <a:r>
+                    <a:rPr lang="en-US">
+                      <a:noFill/>
+                    </a:rPr>
+                    <a:t> </a:t>
+                  </a:r>
+                </a:p>
+              </p:txBody>
+            </p:sp>
+          </mc:Fallback>
+        </mc:AlternateContent>
+        <mc:AlternateContent xmlns:mc="http://schemas.openxmlformats.org/markup-compatibility/2006" xmlns:a14="http://schemas.microsoft.com/office/drawing/2010/main">
+          <mc:Choice Requires="a14">
+            <p:sp>
+              <p:nvSpPr>
+                <p:cNvPr id="13" name="Text Box 171">
+                  <a:extLst>
+                    <a:ext uri="{FF2B5EF4-FFF2-40B4-BE49-F238E27FC236}">
+                      <a16:creationId xmlns:a16="http://schemas.microsoft.com/office/drawing/2014/main" id="{483FEBD2-290F-3449-AF30-0F22F9C4B01B}"/>
+                    </a:ext>
+                  </a:extLst>
+                </p:cNvPr>
+                <p:cNvSpPr txBox="1"/>
+                <p:nvPr/>
+              </p:nvSpPr>
+              <p:spPr>
+                <a:xfrm>
+                  <a:off x="4420925" y="922351"/>
+                  <a:ext cx="317237" cy="278296"/>
+                </a:xfrm>
+                <a:prstGeom prst="rect">
+                  <a:avLst/>
+                </a:prstGeom>
+                <a:noFill/>
+                <a:ln w="9525">
+                  <a:noFill/>
+                </a:ln>
+              </p:spPr>
+              <p:txBody>
+                <a:bodyPr rot="0" spcFirstLastPara="0" vert="horz" wrap="square" lIns="91440" tIns="45720" rIns="91440" bIns="45720" numCol="1" spcCol="0" rtlCol="0" fromWordArt="0" anchor="t" anchorCtr="0" forceAA="0" compatLnSpc="1">
+                  <a:prstTxWarp prst="textNoShape">
+                    <a:avLst/>
+                  </a:prstTxWarp>
+                  <a:noAutofit/>
+                </a:bodyPr>
+                <a:lstStyle/>
+                <a:p>
+                  <a:pPr>
+                    <a:spcAft>
+                      <a:spcPts val="0"/>
+                    </a:spcAft>
+                  </a:pPr>
+                  <a14:m>
+                    <m:oMathPara xmlns:m="http://schemas.openxmlformats.org/officeDocument/2006/math">
+                      <m:oMathParaPr>
+                        <m:jc m:val="centerGroup"/>
+                      </m:oMathParaPr>
+                      <m:oMath xmlns:m="http://schemas.openxmlformats.org/officeDocument/2006/math">
+                        <m:sSub>
+                          <m:sSubPr>
+                            <m:ctrlPr>
+                              <a:rPr lang="en-GB" sz="1000" i="1">
+                                <a:effectLst/>
+                                <a:latin typeface="Cambria Math" panose="02040503050406030204" pitchFamily="18" charset="0"/>
+                                <a:ea typeface="Calibri" panose="020F0502020204030204" pitchFamily="34" charset="0"/>
+                                <a:cs typeface="Times New Roman (Body CS)"/>
+                              </a:rPr>
+                            </m:ctrlPr>
+                          </m:sSubPr>
+                          <m:e>
+                            <m:r>
+                              <a:rPr lang="en-GB" sz="1000" i="1">
+                                <a:effectLst/>
+                                <a:latin typeface="Cambria Math" panose="02040503050406030204" pitchFamily="18" charset="0"/>
+                                <a:ea typeface="Calibri" panose="020F0502020204030204" pitchFamily="34" charset="0"/>
+                                <a:cs typeface="Times New Roman (Body CS)"/>
+                              </a:rPr>
+                              <m:t>𝑅</m:t>
+                            </m:r>
+                          </m:e>
+                          <m:sub>
+                            <m:r>
+                              <a:rPr lang="en-GB" sz="1000" i="1">
+                                <a:effectLst/>
+                                <a:latin typeface="Cambria Math" panose="02040503050406030204" pitchFamily="18" charset="0"/>
+                                <a:ea typeface="Calibri" panose="020F0502020204030204" pitchFamily="34" charset="0"/>
+                                <a:cs typeface="Times New Roman (Body CS)"/>
+                              </a:rPr>
+                              <m:t>3</m:t>
+                            </m:r>
+                          </m:sub>
+                        </m:sSub>
+                      </m:oMath>
+                    </m:oMathPara>
+                  </a14:m>
+                  <a:endParaRPr lang="en-GB" sz="1200">
+                    <a:effectLst/>
+                    <a:latin typeface="Garamond" panose="02020404030301010803" pitchFamily="18" charset="0"/>
+                    <a:ea typeface="Calibri" panose="020F0502020204030204" pitchFamily="34" charset="0"/>
+                    <a:cs typeface="Times New Roman (Body CS)"/>
+                  </a:endParaRPr>
+                </a:p>
+              </p:txBody>
+            </p:sp>
+          </mc:Choice>
+          <mc:Fallback xmlns="">
+            <p:sp>
+              <p:nvSpPr>
+                <p:cNvPr id="13" name="Text Box 171">
+                  <a:extLst>
+                    <a:ext uri="{FF2B5EF4-FFF2-40B4-BE49-F238E27FC236}">
+                      <a16:creationId xmlns:a16="http://schemas.microsoft.com/office/drawing/2014/main" id="{483FEBD2-290F-3449-AF30-0F22F9C4B01B}"/>
+                    </a:ext>
+                  </a:extLst>
+                </p:cNvPr>
+                <p:cNvSpPr txBox="1">
+                  <a:spLocks noRot="1" noChangeAspect="1" noMove="1" noResize="1" noEditPoints="1" noAdjustHandles="1" noChangeArrowheads="1" noChangeShapeType="1" noTextEdit="1"/>
+                </p:cNvSpPr>
+                <p:nvPr/>
+              </p:nvSpPr>
+              <p:spPr>
+                <a:xfrm>
+                  <a:off x="4420925" y="922351"/>
+                  <a:ext cx="317237" cy="278296"/>
+                </a:xfrm>
+                <a:prstGeom prst="rect">
+                  <a:avLst/>
+                </a:prstGeom>
+                <a:blipFill>
+                  <a:blip r:embed="rId16"/>
+                  <a:stretch>
+                    <a:fillRect/>
+                  </a:stretch>
+                </a:blipFill>
+                <a:ln w="9525">
+                  <a:noFill/>
+                </a:ln>
+              </p:spPr>
+              <p:txBody>
+                <a:bodyPr/>
+                <a:lstStyle/>
+                <a:p>
+                  <a:r>
+                    <a:rPr lang="en-US">
+                      <a:noFill/>
+                    </a:rPr>
+                    <a:t> </a:t>
+                  </a:r>
+                </a:p>
+              </p:txBody>
+            </p:sp>
+          </mc:Fallback>
+        </mc:AlternateContent>
+      </p:grpSp>
+      <mc:AlternateContent xmlns:mc="http://schemas.openxmlformats.org/markup-compatibility/2006" xmlns:a14="http://schemas.microsoft.com/office/drawing/2010/main">
+        <mc:Choice Requires="a14">
+          <p:sp>
+            <p:nvSpPr>
+              <p:cNvPr id="26" name="TextBox 25">
+                <a:extLst>
+                  <a:ext uri="{FF2B5EF4-FFF2-40B4-BE49-F238E27FC236}">
+                    <a16:creationId xmlns:a16="http://schemas.microsoft.com/office/drawing/2014/main" id="{0EF685C7-E2F9-CC4E-A837-90CB76749340}"/>
+                  </a:ext>
+                </a:extLst>
+              </p:cNvPr>
+              <p:cNvSpPr txBox="1"/>
+              <p:nvPr/>
+            </p:nvSpPr>
+            <p:spPr>
+              <a:xfrm>
+                <a:off x="5763461" y="3494078"/>
+                <a:ext cx="2086708" cy="3611951"/>
+              </a:xfrm>
+              <a:prstGeom prst="rect">
+                <a:avLst/>
+              </a:prstGeom>
+              <a:noFill/>
+            </p:spPr>
+            <p:txBody>
+              <a:bodyPr wrap="square" rtlCol="0">
+                <a:spAutoFit/>
+              </a:bodyPr>
+              <a:lstStyle/>
+              <a:p>
+                <a:pPr algn="ctr"/>
+                <a14:m>
+                  <m:oMathPara xmlns:m="http://schemas.openxmlformats.org/officeDocument/2006/math">
+                    <m:oMathParaPr>
+                      <m:jc m:val="center"/>
+                    </m:oMathParaPr>
+                    <m:oMath xmlns:m="http://schemas.openxmlformats.org/officeDocument/2006/math">
+                      <m:sSub>
+                        <m:sSubPr>
+                          <m:ctrlPr>
+                            <a:rPr lang="en-US" sz="1400" i="1" smtClean="0">
+                              <a:latin typeface="Cambria Math" panose="02040503050406030204" pitchFamily="18" charset="0"/>
+                            </a:rPr>
+                          </m:ctrlPr>
+                        </m:sSubPr>
+                        <m:e>
+                          <m:r>
+                            <a:rPr lang="en-GB" sz="1400" b="0" i="1" smtClean="0">
+                              <a:latin typeface="Cambria Math" panose="02040503050406030204" pitchFamily="18" charset="0"/>
+                            </a:rPr>
+                            <m:t>𝑓</m:t>
+                          </m:r>
+                        </m:e>
+                        <m:sub>
+                          <m:r>
+                            <a:rPr lang="en-GB" sz="1400" b="0" i="1" smtClean="0">
+                              <a:latin typeface="Cambria Math" panose="02040503050406030204" pitchFamily="18" charset="0"/>
+                            </a:rPr>
+                            <m:t>0</m:t>
+                          </m:r>
+                        </m:sub>
+                      </m:sSub>
+                      <m:r>
+                        <a:rPr lang="en-GB" sz="1400" b="0" i="1" smtClean="0">
+                          <a:latin typeface="Cambria Math" panose="02040503050406030204" pitchFamily="18" charset="0"/>
+                        </a:rPr>
+                        <m:t>=</m:t>
+                      </m:r>
+                      <m:f>
+                        <m:fPr>
+                          <m:ctrlPr>
+                            <a:rPr lang="en-US" sz="1400" i="1" smtClean="0">
+                              <a:latin typeface="Cambria Math" panose="02040503050406030204" pitchFamily="18" charset="0"/>
+                            </a:rPr>
+                          </m:ctrlPr>
+                        </m:fPr>
+                        <m:num>
+                          <m:r>
+                            <a:rPr lang="en-GB" sz="1400" b="0" i="1" smtClean="0">
+                              <a:latin typeface="Cambria Math" panose="02040503050406030204" pitchFamily="18" charset="0"/>
+                            </a:rPr>
+                            <m:t>1</m:t>
+                          </m:r>
+                        </m:num>
+                        <m:den>
+                          <m:r>
+                            <a:rPr lang="en-GB" sz="1400" b="0" i="1" smtClean="0">
+                              <a:latin typeface="Cambria Math" panose="02040503050406030204" pitchFamily="18" charset="0"/>
+                            </a:rPr>
+                            <m:t>2</m:t>
+                          </m:r>
+                          <m:r>
+                            <a:rPr lang="en-GB" sz="1400" b="0" i="1" smtClean="0">
+                              <a:latin typeface="Cambria Math" panose="02040503050406030204" pitchFamily="18" charset="0"/>
+                              <a:ea typeface="Cambria Math" panose="02040503050406030204" pitchFamily="18" charset="0"/>
+                            </a:rPr>
+                            <m:t>𝜋</m:t>
+                          </m:r>
+                          <m:sSub>
+                            <m:sSubPr>
+                              <m:ctrlPr>
+                                <a:rPr lang="en-GB" sz="1400" b="0" i="1" smtClean="0">
+                                  <a:latin typeface="Cambria Math" panose="02040503050406030204" pitchFamily="18" charset="0"/>
+                                  <a:ea typeface="Cambria Math" panose="02040503050406030204" pitchFamily="18" charset="0"/>
+                                </a:rPr>
+                              </m:ctrlPr>
+                            </m:sSubPr>
+                            <m:e>
+                              <m:r>
+                                <a:rPr lang="en-GB" sz="1400" b="0" i="1" smtClean="0">
+                                  <a:latin typeface="Cambria Math" panose="02040503050406030204" pitchFamily="18" charset="0"/>
+                                  <a:ea typeface="Cambria Math" panose="02040503050406030204" pitchFamily="18" charset="0"/>
+                                </a:rPr>
+                                <m:t>𝑅</m:t>
+                              </m:r>
+                            </m:e>
+                            <m:sub>
+                              <m:r>
+                                <a:rPr lang="en-GB" sz="1400" b="0" i="1" smtClean="0">
+                                  <a:latin typeface="Cambria Math" panose="02040503050406030204" pitchFamily="18" charset="0"/>
+                                  <a:ea typeface="Cambria Math" panose="02040503050406030204" pitchFamily="18" charset="0"/>
+                                </a:rPr>
+                                <m:t>1</m:t>
+                              </m:r>
+                            </m:sub>
+                          </m:sSub>
+                          <m:rad>
+                            <m:radPr>
+                              <m:degHide m:val="on"/>
+                              <m:ctrlPr>
+                                <a:rPr lang="en-GB" sz="1400" b="0" i="1" smtClean="0">
+                                  <a:latin typeface="Cambria Math" panose="02040503050406030204" pitchFamily="18" charset="0"/>
+                                  <a:ea typeface="Cambria Math" panose="02040503050406030204" pitchFamily="18" charset="0"/>
+                                </a:rPr>
+                              </m:ctrlPr>
+                            </m:radPr>
+                            <m:deg/>
+                            <m:e>
+                              <m:sSub>
+                                <m:sSubPr>
+                                  <m:ctrlPr>
+                                    <a:rPr lang="en-GB" sz="1400" b="0" i="1" smtClean="0">
+                                      <a:latin typeface="Cambria Math" panose="02040503050406030204" pitchFamily="18" charset="0"/>
+                                      <a:ea typeface="Cambria Math" panose="02040503050406030204" pitchFamily="18" charset="0"/>
+                                    </a:rPr>
+                                  </m:ctrlPr>
+                                </m:sSubPr>
+                                <m:e>
+                                  <m:r>
+                                    <a:rPr lang="en-GB" sz="1400" b="0" i="1" smtClean="0">
+                                      <a:latin typeface="Cambria Math" panose="02040503050406030204" pitchFamily="18" charset="0"/>
+                                      <a:ea typeface="Cambria Math" panose="02040503050406030204" pitchFamily="18" charset="0"/>
+                                    </a:rPr>
+                                    <m:t>𝐶</m:t>
+                                  </m:r>
+                                </m:e>
+                                <m:sub>
+                                  <m:r>
+                                    <a:rPr lang="en-GB" sz="1400" b="0" i="1" smtClean="0">
+                                      <a:latin typeface="Cambria Math" panose="02040503050406030204" pitchFamily="18" charset="0"/>
+                                      <a:ea typeface="Cambria Math" panose="02040503050406030204" pitchFamily="18" charset="0"/>
+                                    </a:rPr>
+                                    <m:t>1</m:t>
+                                  </m:r>
+                                </m:sub>
+                              </m:sSub>
+                              <m:sSub>
+                                <m:sSubPr>
+                                  <m:ctrlPr>
+                                    <a:rPr lang="en-GB" sz="1400" b="0" i="1" smtClean="0">
+                                      <a:latin typeface="Cambria Math" panose="02040503050406030204" pitchFamily="18" charset="0"/>
+                                      <a:ea typeface="Cambria Math" panose="02040503050406030204" pitchFamily="18" charset="0"/>
+                                    </a:rPr>
+                                  </m:ctrlPr>
+                                </m:sSubPr>
+                                <m:e>
+                                  <m:r>
+                                    <a:rPr lang="en-GB" sz="1400" b="0" i="1" smtClean="0">
+                                      <a:latin typeface="Cambria Math" panose="02040503050406030204" pitchFamily="18" charset="0"/>
+                                      <a:ea typeface="Cambria Math" panose="02040503050406030204" pitchFamily="18" charset="0"/>
+                                    </a:rPr>
+                                    <m:t>𝐶</m:t>
+                                  </m:r>
+                                </m:e>
+                                <m:sub>
+                                  <m:r>
+                                    <a:rPr lang="en-GB" sz="1400" b="0" i="1" smtClean="0">
+                                      <a:latin typeface="Cambria Math" panose="02040503050406030204" pitchFamily="18" charset="0"/>
+                                      <a:ea typeface="Cambria Math" panose="02040503050406030204" pitchFamily="18" charset="0"/>
+                                    </a:rPr>
+                                    <m:t>2</m:t>
+                                  </m:r>
+                                </m:sub>
+                              </m:sSub>
+                            </m:e>
+                          </m:rad>
+                        </m:den>
+                      </m:f>
+                    </m:oMath>
+                  </m:oMathPara>
+                </a14:m>
+                <a:endParaRPr lang="en-US" sz="1400" dirty="0">
+                  <a:latin typeface="Garamond" panose="02020404030301010803" pitchFamily="18" charset="0"/>
+                </a:endParaRPr>
+              </a:p>
+              <a:p>
+                <a:pPr algn="ctr"/>
+                <a:endParaRPr lang="en-US" sz="1400" dirty="0">
+                  <a:latin typeface="Garamond" panose="02020404030301010803" pitchFamily="18" charset="0"/>
+                </a:endParaRPr>
+              </a:p>
+              <a:p>
+                <a:pPr algn="ctr"/>
+                <a14:m>
+                  <m:oMathPara xmlns:m="http://schemas.openxmlformats.org/officeDocument/2006/math">
+                    <m:oMathParaPr>
+                      <m:jc m:val="center"/>
+                    </m:oMathParaPr>
+                    <m:oMath xmlns:m="http://schemas.openxmlformats.org/officeDocument/2006/math">
+                      <m:sSub>
+                        <m:sSubPr>
+                          <m:ctrlPr>
+                            <a:rPr lang="en-US" sz="1400" i="1" smtClean="0">
+                              <a:latin typeface="Cambria Math" panose="02040503050406030204" pitchFamily="18" charset="0"/>
+                            </a:rPr>
+                          </m:ctrlPr>
+                        </m:sSubPr>
+                        <m:e>
+                          <m:r>
+                            <a:rPr lang="en-GB" sz="1400" b="0" i="1" smtClean="0">
+                              <a:latin typeface="Cambria Math" panose="02040503050406030204" pitchFamily="18" charset="0"/>
+                            </a:rPr>
+                            <m:t>𝑄</m:t>
+                          </m:r>
+                        </m:e>
+                        <m:sub>
+                          <m:r>
+                            <a:rPr lang="en-GB" sz="1400" b="0" i="1" smtClean="0">
+                              <a:latin typeface="Cambria Math" panose="02040503050406030204" pitchFamily="18" charset="0"/>
+                            </a:rPr>
+                            <m:t>0</m:t>
+                          </m:r>
+                        </m:sub>
+                      </m:sSub>
+                      <m:r>
+                        <a:rPr lang="en-GB" sz="1400" b="0" i="1" smtClean="0">
+                          <a:latin typeface="Cambria Math" panose="02040503050406030204" pitchFamily="18" charset="0"/>
+                        </a:rPr>
+                        <m:t>=</m:t>
+                      </m:r>
+                      <m:f>
+                        <m:fPr>
+                          <m:ctrlPr>
+                            <a:rPr lang="en-GB" sz="1400" b="0" i="1" smtClean="0">
+                              <a:latin typeface="Cambria Math" panose="02040503050406030204" pitchFamily="18" charset="0"/>
+                            </a:rPr>
+                          </m:ctrlPr>
+                        </m:fPr>
+                        <m:num>
+                          <m:sSub>
+                            <m:sSubPr>
+                              <m:ctrlPr>
+                                <a:rPr lang="en-GB" sz="1400" b="0" i="1" smtClean="0">
+                                  <a:latin typeface="Cambria Math" panose="02040503050406030204" pitchFamily="18" charset="0"/>
+                                </a:rPr>
+                              </m:ctrlPr>
+                            </m:sSubPr>
+                            <m:e>
+                              <m:r>
+                                <a:rPr lang="en-GB" sz="1400" b="0" i="1" smtClean="0">
+                                  <a:latin typeface="Cambria Math" panose="02040503050406030204" pitchFamily="18" charset="0"/>
+                                </a:rPr>
+                                <m:t>𝑅</m:t>
+                              </m:r>
+                            </m:e>
+                            <m:sub>
+                              <m:r>
+                                <a:rPr lang="en-GB" sz="1400" b="0" i="1" smtClean="0">
+                                  <a:latin typeface="Cambria Math" panose="02040503050406030204" pitchFamily="18" charset="0"/>
+                                </a:rPr>
+                                <m:t>1</m:t>
+                              </m:r>
+                            </m:sub>
+                          </m:sSub>
+                        </m:num>
+                        <m:den>
+                          <m:sSub>
+                            <m:sSubPr>
+                              <m:ctrlPr>
+                                <a:rPr lang="en-GB" sz="1400" b="0" i="1" smtClean="0">
+                                  <a:latin typeface="Cambria Math" panose="02040503050406030204" pitchFamily="18" charset="0"/>
+                                </a:rPr>
+                              </m:ctrlPr>
+                            </m:sSubPr>
+                            <m:e>
+                              <m:r>
+                                <a:rPr lang="en-GB" sz="1400" b="0" i="1" smtClean="0">
+                                  <a:latin typeface="Cambria Math" panose="02040503050406030204" pitchFamily="18" charset="0"/>
+                                </a:rPr>
+                                <m:t>2</m:t>
+                              </m:r>
+                              <m:r>
+                                <a:rPr lang="en-GB" sz="1400" b="0" i="1" smtClean="0">
+                                  <a:latin typeface="Cambria Math" panose="02040503050406030204" pitchFamily="18" charset="0"/>
+                                </a:rPr>
+                                <m:t>𝑅</m:t>
+                              </m:r>
+                            </m:e>
+                            <m:sub>
+                              <m:r>
+                                <a:rPr lang="en-GB" sz="1400" b="0" i="1" smtClean="0">
+                                  <a:latin typeface="Cambria Math" panose="02040503050406030204" pitchFamily="18" charset="0"/>
+                                </a:rPr>
+                                <m:t>1</m:t>
+                              </m:r>
+                            </m:sub>
+                          </m:sSub>
+                          <m:r>
+                            <a:rPr lang="en-GB" sz="1400" b="0" i="1" smtClean="0">
+                              <a:latin typeface="Cambria Math" panose="02040503050406030204" pitchFamily="18" charset="0"/>
+                            </a:rPr>
+                            <m:t>+</m:t>
+                          </m:r>
+                          <m:sSub>
+                            <m:sSubPr>
+                              <m:ctrlPr>
+                                <a:rPr lang="en-GB" sz="1400" b="0" i="1" smtClean="0">
+                                  <a:latin typeface="Cambria Math" panose="02040503050406030204" pitchFamily="18" charset="0"/>
+                                </a:rPr>
+                              </m:ctrlPr>
+                            </m:sSubPr>
+                            <m:e>
+                              <m:r>
+                                <a:rPr lang="en-GB" sz="1400" b="0" i="1" smtClean="0">
+                                  <a:latin typeface="Cambria Math" panose="02040503050406030204" pitchFamily="18" charset="0"/>
+                                </a:rPr>
+                                <m:t>𝑅</m:t>
+                              </m:r>
+                            </m:e>
+                            <m:sub>
+                              <m:r>
+                                <a:rPr lang="en-GB" sz="1400" b="0" i="1" smtClean="0">
+                                  <a:latin typeface="Cambria Math" panose="02040503050406030204" pitchFamily="18" charset="0"/>
+                                </a:rPr>
+                                <m:t>2</m:t>
+                              </m:r>
+                            </m:sub>
+                          </m:sSub>
+                        </m:den>
+                      </m:f>
+                      <m:rad>
+                        <m:radPr>
+                          <m:degHide m:val="on"/>
+                          <m:ctrlPr>
+                            <a:rPr lang="en-GB" sz="1400" b="0" i="1" smtClean="0">
+                              <a:latin typeface="Cambria Math" panose="02040503050406030204" pitchFamily="18" charset="0"/>
+                            </a:rPr>
+                          </m:ctrlPr>
+                        </m:radPr>
+                        <m:deg/>
+                        <m:e>
+                          <m:f>
+                            <m:fPr>
+                              <m:ctrlPr>
+                                <a:rPr lang="en-GB" sz="1400" b="0" i="1" smtClean="0">
+                                  <a:latin typeface="Cambria Math" panose="02040503050406030204" pitchFamily="18" charset="0"/>
+                                </a:rPr>
+                              </m:ctrlPr>
+                            </m:fPr>
+                            <m:num>
+                              <m:sSub>
+                                <m:sSubPr>
+                                  <m:ctrlPr>
+                                    <a:rPr lang="en-GB" sz="1400" b="0" i="1" smtClean="0">
+                                      <a:latin typeface="Cambria Math" panose="02040503050406030204" pitchFamily="18" charset="0"/>
+                                    </a:rPr>
+                                  </m:ctrlPr>
+                                </m:sSubPr>
+                                <m:e>
+                                  <m:r>
+                                    <a:rPr lang="en-GB" sz="1400" b="0" i="1" smtClean="0">
+                                      <a:latin typeface="Cambria Math" panose="02040503050406030204" pitchFamily="18" charset="0"/>
+                                    </a:rPr>
+                                    <m:t>𝐶</m:t>
+                                  </m:r>
+                                </m:e>
+                                <m:sub>
+                                  <m:r>
+                                    <a:rPr lang="en-GB" sz="1400" b="0" i="1" smtClean="0">
+                                      <a:latin typeface="Cambria Math" panose="02040503050406030204" pitchFamily="18" charset="0"/>
+                                    </a:rPr>
+                                    <m:t>1</m:t>
+                                  </m:r>
+                                </m:sub>
+                              </m:sSub>
+                            </m:num>
+                            <m:den>
+                              <m:sSub>
+                                <m:sSubPr>
+                                  <m:ctrlPr>
+                                    <a:rPr lang="en-GB" sz="1400" b="0" i="1" smtClean="0">
+                                      <a:latin typeface="Cambria Math" panose="02040503050406030204" pitchFamily="18" charset="0"/>
+                                    </a:rPr>
+                                  </m:ctrlPr>
+                                </m:sSubPr>
+                                <m:e>
+                                  <m:r>
+                                    <a:rPr lang="en-GB" sz="1400" b="0" i="1" smtClean="0">
+                                      <a:latin typeface="Cambria Math" panose="02040503050406030204" pitchFamily="18" charset="0"/>
+                                    </a:rPr>
+                                    <m:t>𝐶</m:t>
+                                  </m:r>
+                                </m:e>
+                                <m:sub>
+                                  <m:r>
+                                    <a:rPr lang="en-GB" sz="1400" b="0" i="1" smtClean="0">
+                                      <a:latin typeface="Cambria Math" panose="02040503050406030204" pitchFamily="18" charset="0"/>
+                                    </a:rPr>
+                                    <m:t>2</m:t>
+                                  </m:r>
+                                </m:sub>
+                              </m:sSub>
+                            </m:den>
+                          </m:f>
+                        </m:e>
+                      </m:rad>
+                    </m:oMath>
+                  </m:oMathPara>
+                </a14:m>
+                <a:endParaRPr lang="en-US" sz="1400" dirty="0">
+                  <a:latin typeface="Garamond" panose="02020404030301010803" pitchFamily="18" charset="0"/>
+                </a:endParaRPr>
+              </a:p>
+              <a:p>
+                <a:pPr algn="ctr"/>
+                <a:endParaRPr lang="en-US" sz="1400" dirty="0">
+                  <a:latin typeface="Garamond" panose="02020404030301010803" pitchFamily="18" charset="0"/>
+                </a:endParaRPr>
+              </a:p>
+              <a:p>
+                <a:pPr algn="ctr"/>
+                <a14:m>
+                  <m:oMathPara xmlns:m="http://schemas.openxmlformats.org/officeDocument/2006/math">
+                    <m:oMathParaPr>
+                      <m:jc m:val="center"/>
+                    </m:oMathParaPr>
+                    <m:oMath xmlns:m="http://schemas.openxmlformats.org/officeDocument/2006/math">
+                      <m:sSub>
+                        <m:sSubPr>
+                          <m:ctrlPr>
+                            <a:rPr lang="en-US" sz="1400" i="1" smtClean="0">
+                              <a:latin typeface="Cambria Math" panose="02040503050406030204" pitchFamily="18" charset="0"/>
+                            </a:rPr>
+                          </m:ctrlPr>
+                        </m:sSubPr>
+                        <m:e>
+                          <m:r>
+                            <a:rPr lang="en-GB" sz="1400" b="0" i="1" smtClean="0">
+                              <a:latin typeface="Cambria Math" panose="02040503050406030204" pitchFamily="18" charset="0"/>
+                            </a:rPr>
+                            <m:t>𝑓</m:t>
+                          </m:r>
+                        </m:e>
+                        <m:sub>
+                          <m:r>
+                            <a:rPr lang="en-GB" sz="1400" b="0" i="1" smtClean="0">
+                              <a:latin typeface="Cambria Math" panose="02040503050406030204" pitchFamily="18" charset="0"/>
+                            </a:rPr>
+                            <m:t>1</m:t>
+                          </m:r>
+                        </m:sub>
+                      </m:sSub>
+                      <m:r>
+                        <a:rPr lang="en-GB" sz="1400" b="0" i="1" smtClean="0">
+                          <a:latin typeface="Cambria Math" panose="02040503050406030204" pitchFamily="18" charset="0"/>
+                        </a:rPr>
+                        <m:t>=</m:t>
+                      </m:r>
+                      <m:f>
+                        <m:fPr>
+                          <m:ctrlPr>
+                            <a:rPr lang="en-GB" sz="1400" b="0" i="1" smtClean="0">
+                              <a:latin typeface="Cambria Math" panose="02040503050406030204" pitchFamily="18" charset="0"/>
+                            </a:rPr>
+                          </m:ctrlPr>
+                        </m:fPr>
+                        <m:num>
+                          <m:r>
+                            <a:rPr lang="en-GB" sz="1400" b="0" i="1" smtClean="0">
+                              <a:latin typeface="Cambria Math" panose="02040503050406030204" pitchFamily="18" charset="0"/>
+                            </a:rPr>
+                            <m:t>1</m:t>
+                          </m:r>
+                        </m:num>
+                        <m:den>
+                          <m:r>
+                            <a:rPr lang="en-GB" sz="1400" b="0" i="1" smtClean="0">
+                              <a:latin typeface="Cambria Math" panose="02040503050406030204" pitchFamily="18" charset="0"/>
+                              <a:ea typeface="Cambria Math" panose="02040503050406030204" pitchFamily="18" charset="0"/>
+                            </a:rPr>
+                            <m:t>𝜋</m:t>
+                          </m:r>
+                          <m:sSub>
+                            <m:sSubPr>
+                              <m:ctrlPr>
+                                <a:rPr lang="en-GB" sz="1400" b="0" i="1" smtClean="0">
+                                  <a:latin typeface="Cambria Math" panose="02040503050406030204" pitchFamily="18" charset="0"/>
+                                  <a:ea typeface="Cambria Math" panose="02040503050406030204" pitchFamily="18" charset="0"/>
+                                </a:rPr>
+                              </m:ctrlPr>
+                            </m:sSubPr>
+                            <m:e>
+                              <m:r>
+                                <a:rPr lang="en-GB" sz="1400" b="0" i="1" smtClean="0">
+                                  <a:latin typeface="Cambria Math" panose="02040503050406030204" pitchFamily="18" charset="0"/>
+                                  <a:ea typeface="Cambria Math" panose="02040503050406030204" pitchFamily="18" charset="0"/>
+                                </a:rPr>
+                                <m:t>𝑅</m:t>
+                              </m:r>
+                            </m:e>
+                            <m:sub>
+                              <m:r>
+                                <a:rPr lang="en-GB" sz="1400" b="0" i="1" smtClean="0">
+                                  <a:latin typeface="Cambria Math" panose="02040503050406030204" pitchFamily="18" charset="0"/>
+                                  <a:ea typeface="Cambria Math" panose="02040503050406030204" pitchFamily="18" charset="0"/>
+                                </a:rPr>
+                                <m:t>1</m:t>
+                              </m:r>
+                            </m:sub>
+                          </m:sSub>
+                          <m:sSub>
+                            <m:sSubPr>
+                              <m:ctrlPr>
+                                <a:rPr lang="en-GB" sz="1400" b="0" i="1" smtClean="0">
+                                  <a:latin typeface="Cambria Math" panose="02040503050406030204" pitchFamily="18" charset="0"/>
+                                  <a:ea typeface="Cambria Math" panose="02040503050406030204" pitchFamily="18" charset="0"/>
+                                </a:rPr>
+                              </m:ctrlPr>
+                            </m:sSubPr>
+                            <m:e>
+                              <m:r>
+                                <a:rPr lang="en-GB" sz="1400" b="0" i="1" smtClean="0">
+                                  <a:latin typeface="Cambria Math" panose="02040503050406030204" pitchFamily="18" charset="0"/>
+                                  <a:ea typeface="Cambria Math" panose="02040503050406030204" pitchFamily="18" charset="0"/>
+                                </a:rPr>
+                                <m:t>𝐶</m:t>
+                              </m:r>
+                            </m:e>
+                            <m:sub>
+                              <m:r>
+                                <a:rPr lang="en-GB" sz="1400" b="0" i="1" smtClean="0">
+                                  <a:latin typeface="Cambria Math" panose="02040503050406030204" pitchFamily="18" charset="0"/>
+                                  <a:ea typeface="Cambria Math" panose="02040503050406030204" pitchFamily="18" charset="0"/>
+                                </a:rPr>
+                                <m:t>1</m:t>
+                              </m:r>
+                            </m:sub>
+                          </m:sSub>
+                        </m:den>
+                      </m:f>
+                    </m:oMath>
+                  </m:oMathPara>
+                </a14:m>
+                <a:endParaRPr lang="en-US" sz="1400" dirty="0">
+                  <a:latin typeface="Garamond" panose="02020404030301010803" pitchFamily="18" charset="0"/>
+                </a:endParaRPr>
+              </a:p>
+              <a:p>
+                <a:pPr algn="ctr"/>
+                <a:endParaRPr lang="en-US" sz="1400" dirty="0">
+                  <a:latin typeface="Garamond" panose="02020404030301010803" pitchFamily="18" charset="0"/>
+                </a:endParaRPr>
+              </a:p>
+              <a:p>
+                <a:pPr algn="ctr"/>
+                <a14:m>
+                  <m:oMathPara xmlns:m="http://schemas.openxmlformats.org/officeDocument/2006/math">
+                    <m:oMathParaPr>
+                      <m:jc m:val="center"/>
+                    </m:oMathParaPr>
+                    <m:oMath xmlns:m="http://schemas.openxmlformats.org/officeDocument/2006/math">
+                      <m:sSub>
+                        <m:sSubPr>
+                          <m:ctrlPr>
+                            <a:rPr lang="en-US" sz="1400" i="1">
+                              <a:latin typeface="Cambria Math" panose="02040503050406030204" pitchFamily="18" charset="0"/>
+                            </a:rPr>
+                          </m:ctrlPr>
+                        </m:sSubPr>
+                        <m:e>
+                          <m:r>
+                            <a:rPr lang="en-GB" sz="1400" i="1">
+                              <a:latin typeface="Cambria Math" panose="02040503050406030204" pitchFamily="18" charset="0"/>
+                            </a:rPr>
+                            <m:t>𝑓</m:t>
+                          </m:r>
+                        </m:e>
+                        <m:sub>
+                          <m:r>
+                            <a:rPr lang="en-GB" sz="1400" b="0" i="1" smtClean="0">
+                              <a:latin typeface="Cambria Math" panose="02040503050406030204" pitchFamily="18" charset="0"/>
+                            </a:rPr>
+                            <m:t>2</m:t>
+                          </m:r>
+                        </m:sub>
+                      </m:sSub>
+                      <m:r>
+                        <a:rPr lang="en-GB" sz="1400" i="1">
+                          <a:latin typeface="Cambria Math" panose="02040503050406030204" pitchFamily="18" charset="0"/>
+                        </a:rPr>
+                        <m:t>=</m:t>
+                      </m:r>
+                      <m:f>
+                        <m:fPr>
+                          <m:ctrlPr>
+                            <a:rPr lang="en-GB" sz="1400" i="1">
+                              <a:latin typeface="Cambria Math" panose="02040503050406030204" pitchFamily="18" charset="0"/>
+                            </a:rPr>
+                          </m:ctrlPr>
+                        </m:fPr>
+                        <m:num>
+                          <m:r>
+                            <a:rPr lang="en-GB" sz="1400" i="1">
+                              <a:latin typeface="Cambria Math" panose="02040503050406030204" pitchFamily="18" charset="0"/>
+                            </a:rPr>
+                            <m:t>1</m:t>
+                          </m:r>
+                        </m:num>
+                        <m:den>
+                          <m:r>
+                            <a:rPr lang="en-GB" sz="1400" b="0" i="1" smtClean="0">
+                              <a:latin typeface="Cambria Math" panose="02040503050406030204" pitchFamily="18" charset="0"/>
+                            </a:rPr>
+                            <m:t>2</m:t>
+                          </m:r>
+                          <m:r>
+                            <a:rPr lang="en-GB" sz="1400" i="1">
+                              <a:latin typeface="Cambria Math" panose="02040503050406030204" pitchFamily="18" charset="0"/>
+                              <a:ea typeface="Cambria Math" panose="02040503050406030204" pitchFamily="18" charset="0"/>
+                            </a:rPr>
+                            <m:t>𝜋</m:t>
+                          </m:r>
+                          <m:sSub>
+                            <m:sSubPr>
+                              <m:ctrlPr>
+                                <a:rPr lang="en-GB" sz="1400" i="1">
+                                  <a:latin typeface="Cambria Math" panose="02040503050406030204" pitchFamily="18" charset="0"/>
+                                  <a:ea typeface="Cambria Math" panose="02040503050406030204" pitchFamily="18" charset="0"/>
+                                </a:rPr>
+                              </m:ctrlPr>
+                            </m:sSubPr>
+                            <m:e>
+                              <m:r>
+                                <a:rPr lang="en-GB" sz="1400" b="0" i="1" smtClean="0">
+                                  <a:latin typeface="Cambria Math" panose="02040503050406030204" pitchFamily="18" charset="0"/>
+                                  <a:ea typeface="Cambria Math" panose="02040503050406030204" pitchFamily="18" charset="0"/>
+                                </a:rPr>
+                                <m:t>(</m:t>
+                              </m:r>
+                              <m:r>
+                                <a:rPr lang="en-GB" sz="1400" i="1">
+                                  <a:latin typeface="Cambria Math" panose="02040503050406030204" pitchFamily="18" charset="0"/>
+                                  <a:ea typeface="Cambria Math" panose="02040503050406030204" pitchFamily="18" charset="0"/>
+                                </a:rPr>
+                                <m:t>𝑅</m:t>
+                              </m:r>
+                            </m:e>
+                            <m:sub>
+                              <m:r>
+                                <a:rPr lang="en-GB" sz="1400" b="0" i="1" smtClean="0">
+                                  <a:latin typeface="Cambria Math" panose="02040503050406030204" pitchFamily="18" charset="0"/>
+                                  <a:ea typeface="Cambria Math" panose="02040503050406030204" pitchFamily="18" charset="0"/>
+                                </a:rPr>
+                                <m:t>2</m:t>
+                              </m:r>
+                            </m:sub>
+                          </m:sSub>
+                          <m:r>
+                            <a:rPr lang="en-GB" sz="1400" b="0" i="1" smtClean="0">
+                              <a:latin typeface="Cambria Math" panose="02040503050406030204" pitchFamily="18" charset="0"/>
+                              <a:ea typeface="Cambria Math" panose="02040503050406030204" pitchFamily="18" charset="0"/>
+                            </a:rPr>
+                            <m:t>+</m:t>
+                          </m:r>
+                          <m:sSub>
+                            <m:sSubPr>
+                              <m:ctrlPr>
+                                <a:rPr lang="en-GB" sz="1400" i="1">
+                                  <a:latin typeface="Cambria Math" panose="02040503050406030204" pitchFamily="18" charset="0"/>
+                                  <a:ea typeface="Cambria Math" panose="02040503050406030204" pitchFamily="18" charset="0"/>
+                                </a:rPr>
+                              </m:ctrlPr>
+                            </m:sSubPr>
+                            <m:e>
+                              <m:r>
+                                <a:rPr lang="en-GB" sz="1400" b="0" i="1" smtClean="0">
+                                  <a:latin typeface="Cambria Math" panose="02040503050406030204" pitchFamily="18" charset="0"/>
+                                  <a:ea typeface="Cambria Math" panose="02040503050406030204" pitchFamily="18" charset="0"/>
+                                </a:rPr>
+                                <m:t>𝑅</m:t>
+                              </m:r>
+                            </m:e>
+                            <m:sub>
+                              <m:r>
+                                <a:rPr lang="en-GB" sz="1400" b="0" i="1" smtClean="0">
+                                  <a:latin typeface="Cambria Math" panose="02040503050406030204" pitchFamily="18" charset="0"/>
+                                  <a:ea typeface="Cambria Math" panose="02040503050406030204" pitchFamily="18" charset="0"/>
+                                </a:rPr>
+                                <m:t>3</m:t>
+                              </m:r>
+                            </m:sub>
+                          </m:sSub>
+                          <m:r>
+                            <a:rPr lang="en-GB" sz="1400" b="0" i="1" smtClean="0">
+                              <a:latin typeface="Cambria Math" panose="02040503050406030204" pitchFamily="18" charset="0"/>
+                              <a:ea typeface="Cambria Math" panose="02040503050406030204" pitchFamily="18" charset="0"/>
+                            </a:rPr>
+                            <m:t>)</m:t>
+                          </m:r>
+                          <m:sSub>
+                            <m:sSubPr>
+                              <m:ctrlPr>
+                                <a:rPr lang="en-GB" sz="1400" b="0" i="1" smtClean="0">
+                                  <a:latin typeface="Cambria Math" panose="02040503050406030204" pitchFamily="18" charset="0"/>
+                                  <a:ea typeface="Cambria Math" panose="02040503050406030204" pitchFamily="18" charset="0"/>
+                                </a:rPr>
+                              </m:ctrlPr>
+                            </m:sSubPr>
+                            <m:e>
+                              <m:r>
+                                <a:rPr lang="en-GB" sz="1400" b="0" i="1" smtClean="0">
+                                  <a:latin typeface="Cambria Math" panose="02040503050406030204" pitchFamily="18" charset="0"/>
+                                  <a:ea typeface="Cambria Math" panose="02040503050406030204" pitchFamily="18" charset="0"/>
+                                </a:rPr>
+                                <m:t>𝐶</m:t>
+                              </m:r>
+                            </m:e>
+                            <m:sub>
+                              <m:r>
+                                <a:rPr lang="en-GB" sz="1400" b="0" i="1" smtClean="0">
+                                  <a:latin typeface="Cambria Math" panose="02040503050406030204" pitchFamily="18" charset="0"/>
+                                  <a:ea typeface="Cambria Math" panose="02040503050406030204" pitchFamily="18" charset="0"/>
+                                </a:rPr>
+                                <m:t>2</m:t>
+                              </m:r>
+                            </m:sub>
+                          </m:sSub>
+                        </m:den>
+                      </m:f>
+                    </m:oMath>
+                  </m:oMathPara>
+                </a14:m>
+                <a:endParaRPr lang="en-US" sz="1400" dirty="0">
+                  <a:latin typeface="Garamond" panose="02020404030301010803" pitchFamily="18" charset="0"/>
+                </a:endParaRPr>
+              </a:p>
+              <a:p>
+                <a:pPr algn="ctr"/>
+                <a:endParaRPr lang="en-US" sz="1400" dirty="0">
+                  <a:latin typeface="Garamond" panose="02020404030301010803" pitchFamily="18" charset="0"/>
+                </a:endParaRPr>
+              </a:p>
+              <a:p>
+                <a:pPr algn="ctr"/>
+                <a:endParaRPr lang="en-US" sz="1400" dirty="0">
+                  <a:latin typeface="Garamond" panose="02020404030301010803" pitchFamily="18" charset="0"/>
+                </a:endParaRPr>
+              </a:p>
+              <a:p>
+                <a:pPr algn="ctr"/>
+                <a:endParaRPr lang="en-US" sz="1400" dirty="0">
+                  <a:latin typeface="Garamond" panose="02020404030301010803" pitchFamily="18" charset="0"/>
+                </a:endParaRPr>
+              </a:p>
+              <a:p>
+                <a:pPr algn="ctr"/>
+                <a:endParaRPr lang="en-US" sz="1400" dirty="0">
+                  <a:latin typeface="Garamond" panose="02020404030301010803" pitchFamily="18" charset="0"/>
+                </a:endParaRPr>
+              </a:p>
+            </p:txBody>
+          </p:sp>
+        </mc:Choice>
+        <mc:Fallback xmlns="">
+          <p:sp>
+            <p:nvSpPr>
+              <p:cNvPr id="26" name="TextBox 25">
+                <a:extLst>
+                  <a:ext uri="{FF2B5EF4-FFF2-40B4-BE49-F238E27FC236}">
+                    <a16:creationId xmlns:a16="http://schemas.microsoft.com/office/drawing/2014/main" id="{0EF685C7-E2F9-CC4E-A837-90CB76749340}"/>
+                  </a:ext>
+                </a:extLst>
+              </p:cNvPr>
+              <p:cNvSpPr txBox="1">
+                <a:spLocks noRot="1" noChangeAspect="1" noMove="1" noResize="1" noEditPoints="1" noAdjustHandles="1" noChangeArrowheads="1" noChangeShapeType="1" noTextEdit="1"/>
+              </p:cNvSpPr>
+              <p:nvPr/>
+            </p:nvSpPr>
+            <p:spPr>
+              <a:xfrm>
+                <a:off x="5763461" y="3494078"/>
+                <a:ext cx="2086708" cy="3611951"/>
+              </a:xfrm>
+              <a:prstGeom prst="rect">
+                <a:avLst/>
+              </a:prstGeom>
+              <a:blipFill>
+                <a:blip r:embed="rId17"/>
+                <a:stretch>
+                  <a:fillRect/>
+                </a:stretch>
+              </a:blipFill>
+            </p:spPr>
+            <p:txBody>
+              <a:bodyPr/>
+              <a:lstStyle/>
+              <a:p>
+                <a:r>
+                  <a:rPr lang="en-US">
+                    <a:noFill/>
+                  </a:rPr>
+                  <a:t> </a:t>
+                </a:r>
+              </a:p>
+            </p:txBody>
+          </p:sp>
+        </mc:Fallback>
+      </mc:AlternateContent>
+      <p:grpSp>
+        <p:nvGrpSpPr>
+          <p:cNvPr id="58" name="Group 57">
+            <a:extLst>
+              <a:ext uri="{FF2B5EF4-FFF2-40B4-BE49-F238E27FC236}">
+                <a16:creationId xmlns:a16="http://schemas.microsoft.com/office/drawing/2014/main" id="{FFD86DD9-EC85-A849-899D-AF7C50310F4D}"/>
+              </a:ext>
+            </a:extLst>
+          </p:cNvPr>
+          <p:cNvGrpSpPr/>
+          <p:nvPr/>
+        </p:nvGrpSpPr>
+        <p:grpSpPr>
+          <a:xfrm>
+            <a:off x="7741688" y="3086924"/>
+            <a:ext cx="4587277" cy="3641484"/>
+            <a:chOff x="7445492" y="3254823"/>
+            <a:chExt cx="4587277" cy="3641484"/>
+          </a:xfrm>
+        </p:grpSpPr>
+        <p:grpSp>
+          <p:nvGrpSpPr>
+            <p:cNvPr id="45" name="Group 44">
+              <a:extLst>
+                <a:ext uri="{FF2B5EF4-FFF2-40B4-BE49-F238E27FC236}">
+                  <a16:creationId xmlns:a16="http://schemas.microsoft.com/office/drawing/2014/main" id="{E4611818-6EE0-164B-8320-2766A70D87FE}"/>
+                </a:ext>
+              </a:extLst>
+            </p:cNvPr>
+            <p:cNvGrpSpPr/>
+            <p:nvPr/>
+          </p:nvGrpSpPr>
+          <p:grpSpPr>
+            <a:xfrm>
+              <a:off x="7816287" y="3524328"/>
+              <a:ext cx="3786553" cy="3141975"/>
+              <a:chOff x="8194432" y="3431850"/>
+              <a:chExt cx="3786553" cy="3141975"/>
+            </a:xfrm>
+          </p:grpSpPr>
+          <p:grpSp>
+            <p:nvGrpSpPr>
+              <p:cNvPr id="32" name="Group 31">
+                <a:extLst>
+                  <a:ext uri="{FF2B5EF4-FFF2-40B4-BE49-F238E27FC236}">
+                    <a16:creationId xmlns:a16="http://schemas.microsoft.com/office/drawing/2014/main" id="{66221B75-49AA-8240-A960-D1A80CC852F2}"/>
+                  </a:ext>
+                </a:extLst>
+              </p:cNvPr>
+              <p:cNvGrpSpPr/>
+              <p:nvPr/>
+            </p:nvGrpSpPr>
+            <p:grpSpPr>
+              <a:xfrm>
+                <a:off x="8194432" y="3431850"/>
+                <a:ext cx="3786553" cy="2759955"/>
+                <a:chOff x="8241324" y="3431850"/>
+                <a:chExt cx="3786553" cy="2759955"/>
+              </a:xfrm>
+            </p:grpSpPr>
+            <p:cxnSp>
+              <p:nvCxnSpPr>
+                <p:cNvPr id="28" name="Straight Arrow Connector 27">
+                  <a:extLst>
+                    <a:ext uri="{FF2B5EF4-FFF2-40B4-BE49-F238E27FC236}">
+                      <a16:creationId xmlns:a16="http://schemas.microsoft.com/office/drawing/2014/main" id="{8C1D965A-8CEC-6C47-8C3E-87D1C7620427}"/>
+                    </a:ext>
+                  </a:extLst>
+                </p:cNvPr>
+                <p:cNvCxnSpPr/>
+                <p:nvPr/>
+              </p:nvCxnSpPr>
+              <p:spPr>
+                <a:xfrm flipV="1">
+                  <a:off x="8335108" y="3431850"/>
+                  <a:ext cx="0" cy="2759955"/>
+                </a:xfrm>
+                <a:prstGeom prst="straightConnector1">
+                  <a:avLst/>
+                </a:prstGeom>
+                <a:ln>
+                  <a:tailEnd type="triangle"/>
+                </a:ln>
+              </p:spPr>
+              <p:style>
+                <a:lnRef idx="1">
+                  <a:schemeClr val="dk1"/>
+                </a:lnRef>
+                <a:fillRef idx="0">
+                  <a:schemeClr val="dk1"/>
+                </a:fillRef>
+                <a:effectRef idx="0">
+                  <a:schemeClr val="dk1"/>
+                </a:effectRef>
+                <a:fontRef idx="minor">
+                  <a:schemeClr val="tx1"/>
+                </a:fontRef>
+              </p:style>
+            </p:cxnSp>
+            <p:cxnSp>
+              <p:nvCxnSpPr>
+                <p:cNvPr id="29" name="Straight Arrow Connector 28">
+                  <a:extLst>
+                    <a:ext uri="{FF2B5EF4-FFF2-40B4-BE49-F238E27FC236}">
+                      <a16:creationId xmlns:a16="http://schemas.microsoft.com/office/drawing/2014/main" id="{09583B03-5235-0944-9EE7-DFEF8695B9A4}"/>
+                    </a:ext>
+                  </a:extLst>
+                </p:cNvPr>
+                <p:cNvCxnSpPr>
+                  <a:cxnSpLocks/>
+                </p:cNvCxnSpPr>
+                <p:nvPr/>
+              </p:nvCxnSpPr>
+              <p:spPr>
+                <a:xfrm>
+                  <a:off x="8241324" y="6099985"/>
+                  <a:ext cx="3786553" cy="0"/>
+                </a:xfrm>
+                <a:prstGeom prst="straightConnector1">
+                  <a:avLst/>
+                </a:prstGeom>
+                <a:ln>
+                  <a:tailEnd type="triangle"/>
+                </a:ln>
+              </p:spPr>
+              <p:style>
+                <a:lnRef idx="1">
+                  <a:schemeClr val="dk1"/>
+                </a:lnRef>
+                <a:fillRef idx="0">
+                  <a:schemeClr val="dk1"/>
+                </a:fillRef>
+                <a:effectRef idx="0">
+                  <a:schemeClr val="dk1"/>
+                </a:effectRef>
+                <a:fontRef idx="minor">
+                  <a:schemeClr val="tx1"/>
+                </a:fontRef>
+              </p:style>
+            </p:cxnSp>
+          </p:grpSp>
+          <p:sp>
+            <p:nvSpPr>
+              <p:cNvPr id="34" name="Freeform 33">
+                <a:extLst>
+                  <a:ext uri="{FF2B5EF4-FFF2-40B4-BE49-F238E27FC236}">
+                    <a16:creationId xmlns:a16="http://schemas.microsoft.com/office/drawing/2014/main" id="{3BBD3DC0-8191-814B-AECF-242C192329F7}"/>
+                  </a:ext>
+                </a:extLst>
+              </p:cNvPr>
+              <p:cNvSpPr/>
+              <p:nvPr/>
+            </p:nvSpPr>
+            <p:spPr>
+              <a:xfrm>
+                <a:off x="8288215" y="3796662"/>
+                <a:ext cx="3563816" cy="2686002"/>
+              </a:xfrm>
+              <a:custGeom>
+                <a:avLst/>
+                <a:gdLst>
+                  <a:gd name="connsiteX0" fmla="*/ 0 w 3563816"/>
+                  <a:gd name="connsiteY0" fmla="*/ 115061 h 2764279"/>
+                  <a:gd name="connsiteX1" fmla="*/ 586154 w 3563816"/>
+                  <a:gd name="connsiteY1" fmla="*/ 115061 h 2764279"/>
+                  <a:gd name="connsiteX2" fmla="*/ 1406770 w 3563816"/>
+                  <a:gd name="connsiteY2" fmla="*/ 1310815 h 2764279"/>
+                  <a:gd name="connsiteX3" fmla="*/ 1805354 w 3563816"/>
+                  <a:gd name="connsiteY3" fmla="*/ 2717584 h 2764279"/>
+                  <a:gd name="connsiteX4" fmla="*/ 2473570 w 3563816"/>
+                  <a:gd name="connsiteY4" fmla="*/ 2424507 h 2764279"/>
+                  <a:gd name="connsiteX5" fmla="*/ 3563816 w 3563816"/>
+                  <a:gd name="connsiteY5" fmla="*/ 2389338 h 2764279"/>
+                  <a:gd name="connsiteX0" fmla="*/ 0 w 3563816"/>
+                  <a:gd name="connsiteY0" fmla="*/ 50680 h 2699898"/>
+                  <a:gd name="connsiteX1" fmla="*/ 586154 w 3563816"/>
+                  <a:gd name="connsiteY1" fmla="*/ 50680 h 2699898"/>
+                  <a:gd name="connsiteX2" fmla="*/ 1406770 w 3563816"/>
+                  <a:gd name="connsiteY2" fmla="*/ 1246434 h 2699898"/>
+                  <a:gd name="connsiteX3" fmla="*/ 1805354 w 3563816"/>
+                  <a:gd name="connsiteY3" fmla="*/ 2653203 h 2699898"/>
+                  <a:gd name="connsiteX4" fmla="*/ 2473570 w 3563816"/>
+                  <a:gd name="connsiteY4" fmla="*/ 2360126 h 2699898"/>
+                  <a:gd name="connsiteX5" fmla="*/ 3563816 w 3563816"/>
+                  <a:gd name="connsiteY5" fmla="*/ 2324957 h 2699898"/>
+                  <a:gd name="connsiteX0" fmla="*/ 0 w 3563816"/>
+                  <a:gd name="connsiteY0" fmla="*/ 29700 h 2678918"/>
+                  <a:gd name="connsiteX1" fmla="*/ 586154 w 3563816"/>
+                  <a:gd name="connsiteY1" fmla="*/ 29700 h 2678918"/>
+                  <a:gd name="connsiteX2" fmla="*/ 1406770 w 3563816"/>
+                  <a:gd name="connsiteY2" fmla="*/ 1225454 h 2678918"/>
+                  <a:gd name="connsiteX3" fmla="*/ 1805354 w 3563816"/>
+                  <a:gd name="connsiteY3" fmla="*/ 2632223 h 2678918"/>
+                  <a:gd name="connsiteX4" fmla="*/ 2473570 w 3563816"/>
+                  <a:gd name="connsiteY4" fmla="*/ 2339146 h 2678918"/>
+                  <a:gd name="connsiteX5" fmla="*/ 3563816 w 3563816"/>
+                  <a:gd name="connsiteY5" fmla="*/ 2303977 h 2678918"/>
+                  <a:gd name="connsiteX0" fmla="*/ 0 w 3563816"/>
+                  <a:gd name="connsiteY0" fmla="*/ 36784 h 2686002"/>
+                  <a:gd name="connsiteX1" fmla="*/ 586154 w 3563816"/>
+                  <a:gd name="connsiteY1" fmla="*/ 36784 h 2686002"/>
+                  <a:gd name="connsiteX2" fmla="*/ 1406770 w 3563816"/>
+                  <a:gd name="connsiteY2" fmla="*/ 1232538 h 2686002"/>
+                  <a:gd name="connsiteX3" fmla="*/ 1805354 w 3563816"/>
+                  <a:gd name="connsiteY3" fmla="*/ 2639307 h 2686002"/>
+                  <a:gd name="connsiteX4" fmla="*/ 2473570 w 3563816"/>
+                  <a:gd name="connsiteY4" fmla="*/ 2346230 h 2686002"/>
+                  <a:gd name="connsiteX5" fmla="*/ 3563816 w 3563816"/>
+                  <a:gd name="connsiteY5" fmla="*/ 2311061 h 2686002"/>
+                </a:gdLst>
+                <a:ahLst/>
+                <a:cxnLst>
+                  <a:cxn ang="0">
+                    <a:pos x="connsiteX0" y="connsiteY0"/>
+                  </a:cxn>
+                  <a:cxn ang="0">
+                    <a:pos x="connsiteX1" y="connsiteY1"/>
+                  </a:cxn>
+                  <a:cxn ang="0">
+                    <a:pos x="connsiteX2" y="connsiteY2"/>
+                  </a:cxn>
+                  <a:cxn ang="0">
+                    <a:pos x="connsiteX3" y="connsiteY3"/>
+                  </a:cxn>
+                  <a:cxn ang="0">
+                    <a:pos x="connsiteX4" y="connsiteY4"/>
+                  </a:cxn>
+                  <a:cxn ang="0">
+                    <a:pos x="connsiteX5" y="connsiteY5"/>
+                  </a:cxn>
+                </a:cxnLst>
+                <a:rect l="l" t="t" r="r" b="b"/>
+                <a:pathLst>
+                  <a:path w="3563816" h="2686002">
+                    <a:moveTo>
+                      <a:pt x="0" y="36784"/>
+                    </a:moveTo>
+                    <a:cubicBezTo>
+                      <a:pt x="272827" y="-14371"/>
+                      <a:pt x="317057" y="-10107"/>
+                      <a:pt x="586154" y="36784"/>
+                    </a:cubicBezTo>
+                    <a:cubicBezTo>
+                      <a:pt x="855251" y="83675"/>
+                      <a:pt x="1203570" y="798784"/>
+                      <a:pt x="1406770" y="1232538"/>
+                    </a:cubicBezTo>
+                    <a:cubicBezTo>
+                      <a:pt x="1609970" y="1666292"/>
+                      <a:pt x="1627554" y="2453692"/>
+                      <a:pt x="1805354" y="2639307"/>
+                    </a:cubicBezTo>
+                    <a:cubicBezTo>
+                      <a:pt x="1983154" y="2824922"/>
+                      <a:pt x="2180493" y="2400938"/>
+                      <a:pt x="2473570" y="2346230"/>
+                    </a:cubicBezTo>
+                    <a:cubicBezTo>
+                      <a:pt x="2766647" y="2291522"/>
+                      <a:pt x="3165231" y="2301291"/>
+                      <a:pt x="3563816" y="2311061"/>
+                    </a:cubicBezTo>
+                  </a:path>
+                </a:pathLst>
+              </a:custGeom>
+              <a:noFill/>
+              <a:ln>
+                <a:solidFill>
+                  <a:srgbClr val="FF0000"/>
+                </a:solidFill>
+              </a:ln>
+            </p:spPr>
+            <p:style>
+              <a:lnRef idx="2">
+                <a:schemeClr val="accent1">
+                  <a:shade val="50000"/>
+                </a:schemeClr>
+              </a:lnRef>
+              <a:fillRef idx="1">
+                <a:schemeClr val="accent1"/>
+              </a:fillRef>
+              <a:effectRef idx="0">
+                <a:schemeClr val="accent1"/>
+              </a:effectRef>
+              <a:fontRef idx="minor">
+                <a:schemeClr val="lt1"/>
+              </a:fontRef>
+            </p:style>
+            <p:txBody>
+              <a:bodyPr rtlCol="0" anchor="ctr"/>
+              <a:lstStyle/>
+              <a:p>
+                <a:pPr algn="ctr"/>
+                <a:endParaRPr lang="en-US"/>
+              </a:p>
+            </p:txBody>
+          </p:sp>
+          <p:cxnSp>
+            <p:nvCxnSpPr>
+              <p:cNvPr id="36" name="Straight Connector 35">
+                <a:extLst>
+                  <a:ext uri="{FF2B5EF4-FFF2-40B4-BE49-F238E27FC236}">
+                    <a16:creationId xmlns:a16="http://schemas.microsoft.com/office/drawing/2014/main" id="{6CF895D2-AEAE-5C4D-A8C7-8182668DC840}"/>
+                  </a:ext>
+                </a:extLst>
+              </p:cNvPr>
+              <p:cNvCxnSpPr>
+                <a:cxnSpLocks/>
+              </p:cNvCxnSpPr>
+              <p:nvPr/>
+            </p:nvCxnSpPr>
+            <p:spPr>
+              <a:xfrm>
+                <a:off x="8932035" y="3833446"/>
+                <a:ext cx="35073" cy="2260181"/>
+              </a:xfrm>
+              <a:prstGeom prst="line">
+                <a:avLst/>
+              </a:prstGeom>
+              <a:ln>
+                <a:solidFill>
+                  <a:schemeClr val="tx1"/>
+                </a:solidFill>
+                <a:prstDash val="sysDash"/>
+              </a:ln>
+            </p:spPr>
+            <p:style>
+              <a:lnRef idx="1">
+                <a:schemeClr val="accent1"/>
+              </a:lnRef>
+              <a:fillRef idx="0">
+                <a:schemeClr val="accent1"/>
+              </a:fillRef>
+              <a:effectRef idx="0">
+                <a:schemeClr val="accent1"/>
+              </a:effectRef>
+              <a:fontRef idx="minor">
+                <a:schemeClr val="tx1"/>
+              </a:fontRef>
+            </p:style>
+          </p:cxnSp>
+          <p:cxnSp>
+            <p:nvCxnSpPr>
+              <p:cNvPr id="38" name="Straight Connector 37">
+                <a:extLst>
+                  <a:ext uri="{FF2B5EF4-FFF2-40B4-BE49-F238E27FC236}">
+                    <a16:creationId xmlns:a16="http://schemas.microsoft.com/office/drawing/2014/main" id="{957AF42E-45AD-7E46-A36E-701084E67E85}"/>
+                  </a:ext>
+                </a:extLst>
+              </p:cNvPr>
+              <p:cNvCxnSpPr>
+                <a:cxnSpLocks/>
+              </p:cNvCxnSpPr>
+              <p:nvPr/>
+            </p:nvCxnSpPr>
+            <p:spPr>
+              <a:xfrm>
+                <a:off x="9753962" y="5204977"/>
+                <a:ext cx="0" cy="895008"/>
+              </a:xfrm>
+              <a:prstGeom prst="line">
+                <a:avLst/>
+              </a:prstGeom>
+              <a:ln>
+                <a:solidFill>
+                  <a:schemeClr val="tx1"/>
+                </a:solidFill>
+                <a:prstDash val="sysDash"/>
+              </a:ln>
+            </p:spPr>
+            <p:style>
+              <a:lnRef idx="1">
+                <a:schemeClr val="accent1"/>
+              </a:lnRef>
+              <a:fillRef idx="0">
+                <a:schemeClr val="accent1"/>
+              </a:fillRef>
+              <a:effectRef idx="0">
+                <a:schemeClr val="accent1"/>
+              </a:effectRef>
+              <a:fontRef idx="minor">
+                <a:schemeClr val="tx1"/>
+              </a:fontRef>
+            </p:style>
+          </p:cxnSp>
+          <p:sp>
+            <p:nvSpPr>
+              <p:cNvPr id="39" name="Right Brace 38">
+                <a:extLst>
+                  <a:ext uri="{FF2B5EF4-FFF2-40B4-BE49-F238E27FC236}">
+                    <a16:creationId xmlns:a16="http://schemas.microsoft.com/office/drawing/2014/main" id="{D5A384FA-99FA-E94A-9415-022F570588F2}"/>
+                  </a:ext>
+                </a:extLst>
+              </p:cNvPr>
+              <p:cNvSpPr/>
+              <p:nvPr/>
+            </p:nvSpPr>
+            <p:spPr>
+              <a:xfrm rot="5400000">
+                <a:off x="10123563" y="6030341"/>
+                <a:ext cx="395947" cy="691021"/>
+              </a:xfrm>
+              <a:prstGeom prst="rightBrace">
+                <a:avLst/>
+              </a:prstGeom>
+            </p:spPr>
+            <p:style>
+              <a:lnRef idx="1">
+                <a:schemeClr val="dk1"/>
+              </a:lnRef>
+              <a:fillRef idx="0">
+                <a:schemeClr val="dk1"/>
+              </a:fillRef>
+              <a:effectRef idx="0">
+                <a:schemeClr val="dk1"/>
+              </a:effectRef>
+              <a:fontRef idx="minor">
+                <a:schemeClr val="tx1"/>
+              </a:fontRef>
+            </p:style>
+            <p:txBody>
+              <a:bodyPr rtlCol="0" anchor="ctr"/>
+              <a:lstStyle/>
+              <a:p>
+                <a:pPr algn="ctr"/>
+                <a:endParaRPr lang="en-US"/>
+              </a:p>
+            </p:txBody>
+          </p:sp>
+          <p:cxnSp>
+            <p:nvCxnSpPr>
+              <p:cNvPr id="42" name="Straight Connector 41">
+                <a:extLst>
+                  <a:ext uri="{FF2B5EF4-FFF2-40B4-BE49-F238E27FC236}">
+                    <a16:creationId xmlns:a16="http://schemas.microsoft.com/office/drawing/2014/main" id="{EDB70337-7B77-2940-9BB7-9EECB1566214}"/>
+                  </a:ext>
+                </a:extLst>
+              </p:cNvPr>
+              <p:cNvCxnSpPr>
+                <a:cxnSpLocks/>
+              </p:cNvCxnSpPr>
+              <p:nvPr/>
+            </p:nvCxnSpPr>
+            <p:spPr>
+              <a:xfrm>
+                <a:off x="10181968" y="6101319"/>
+                <a:ext cx="0" cy="380027"/>
+              </a:xfrm>
+              <a:prstGeom prst="line">
+                <a:avLst/>
+              </a:prstGeom>
+              <a:ln>
+                <a:prstDash val="sysDash"/>
+              </a:ln>
+            </p:spPr>
+            <p:style>
+              <a:lnRef idx="1">
+                <a:schemeClr val="dk1"/>
+              </a:lnRef>
+              <a:fillRef idx="0">
+                <a:schemeClr val="dk1"/>
+              </a:fillRef>
+              <a:effectRef idx="0">
+                <a:schemeClr val="dk1"/>
+              </a:effectRef>
+              <a:fontRef idx="minor">
+                <a:schemeClr val="tx1"/>
+              </a:fontRef>
+            </p:style>
+          </p:cxnSp>
+        </p:grpSp>
+        <p:sp>
+          <p:nvSpPr>
+            <p:cNvPr id="44" name="TextBox 43">
+              <a:extLst>
+                <a:ext uri="{FF2B5EF4-FFF2-40B4-BE49-F238E27FC236}">
+                  <a16:creationId xmlns:a16="http://schemas.microsoft.com/office/drawing/2014/main" id="{6C9D55F9-DED9-8647-A802-CD5414CAA2BE}"/>
+                </a:ext>
+              </a:extLst>
+            </p:cNvPr>
+            <p:cNvSpPr txBox="1"/>
+            <p:nvPr/>
+          </p:nvSpPr>
+          <p:spPr>
+            <a:xfrm>
+              <a:off x="7445492" y="3254823"/>
+              <a:ext cx="929155" cy="276999"/>
+            </a:xfrm>
+            <a:prstGeom prst="rect">
+              <a:avLst/>
+            </a:prstGeom>
+            <a:noFill/>
+          </p:spPr>
+          <p:txBody>
+            <a:bodyPr wrap="square" rtlCol="0">
+              <a:spAutoFit/>
+            </a:bodyPr>
+            <a:lstStyle/>
+            <a:p>
+              <a:r>
+                <a:rPr lang="en-US" sz="1200" dirty="0">
+                  <a:latin typeface="Garamond" panose="02020404030301010803" pitchFamily="18" charset="0"/>
+                </a:rPr>
+                <a:t>Gain / dB</a:t>
+              </a:r>
+            </a:p>
+          </p:txBody>
+        </p:sp>
+        <p:sp>
+          <p:nvSpPr>
+            <p:cNvPr id="46" name="TextBox 45">
+              <a:extLst>
+                <a:ext uri="{FF2B5EF4-FFF2-40B4-BE49-F238E27FC236}">
+                  <a16:creationId xmlns:a16="http://schemas.microsoft.com/office/drawing/2014/main" id="{04DF8464-F821-E545-AE64-C41F9CE7DA7A}"/>
+                </a:ext>
+              </a:extLst>
+            </p:cNvPr>
+            <p:cNvSpPr txBox="1"/>
+            <p:nvPr/>
+          </p:nvSpPr>
+          <p:spPr>
+            <a:xfrm>
+              <a:off x="10680577" y="5894715"/>
+              <a:ext cx="1352192" cy="276999"/>
+            </a:xfrm>
+            <a:prstGeom prst="rect">
+              <a:avLst/>
+            </a:prstGeom>
+            <a:noFill/>
+          </p:spPr>
+          <p:txBody>
+            <a:bodyPr wrap="square" rtlCol="0">
+              <a:spAutoFit/>
+            </a:bodyPr>
+            <a:lstStyle/>
+            <a:p>
+              <a:r>
+                <a:rPr lang="en-US" sz="1200" dirty="0">
+                  <a:latin typeface="Garamond" panose="02020404030301010803" pitchFamily="18" charset="0"/>
+                </a:rPr>
+                <a:t>Frequency / Hz</a:t>
+              </a:r>
+            </a:p>
+          </p:txBody>
+        </p:sp>
+        <p:sp>
+          <p:nvSpPr>
+            <p:cNvPr id="51" name="TextBox 50">
+              <a:extLst>
+                <a:ext uri="{FF2B5EF4-FFF2-40B4-BE49-F238E27FC236}">
+                  <a16:creationId xmlns:a16="http://schemas.microsoft.com/office/drawing/2014/main" id="{19219479-3500-4F4C-8ADF-D88A4A2FB6E3}"/>
+                </a:ext>
+              </a:extLst>
+            </p:cNvPr>
+            <p:cNvSpPr txBox="1"/>
+            <p:nvPr/>
+          </p:nvSpPr>
+          <p:spPr>
+            <a:xfrm>
+              <a:off x="8461815" y="6178677"/>
+              <a:ext cx="378037" cy="276999"/>
+            </a:xfrm>
+            <a:prstGeom prst="rect">
+              <a:avLst/>
+            </a:prstGeom>
+            <a:noFill/>
+          </p:spPr>
+          <p:txBody>
+            <a:bodyPr wrap="square" rtlCol="0">
+              <a:spAutoFit/>
+            </a:bodyPr>
+            <a:lstStyle/>
+            <a:p>
+              <a:r>
+                <a:rPr lang="en-US" sz="1200" dirty="0"/>
+                <a:t>f</a:t>
+              </a:r>
+              <a:r>
+                <a:rPr lang="en-US" sz="1200" baseline="-25000" dirty="0"/>
+                <a:t>2</a:t>
+              </a:r>
+              <a:endParaRPr lang="en-US" sz="1200" dirty="0"/>
+            </a:p>
+          </p:txBody>
+        </p:sp>
+        <p:sp>
+          <p:nvSpPr>
+            <p:cNvPr id="52" name="TextBox 51">
+              <a:extLst>
+                <a:ext uri="{FF2B5EF4-FFF2-40B4-BE49-F238E27FC236}">
+                  <a16:creationId xmlns:a16="http://schemas.microsoft.com/office/drawing/2014/main" id="{E5EEB478-2F2F-A24D-8001-83F2D3DEF099}"/>
+                </a:ext>
+              </a:extLst>
+            </p:cNvPr>
+            <p:cNvSpPr txBox="1"/>
+            <p:nvPr/>
+          </p:nvSpPr>
+          <p:spPr>
+            <a:xfrm>
+              <a:off x="9236769" y="6171714"/>
+              <a:ext cx="378037" cy="276999"/>
+            </a:xfrm>
+            <a:prstGeom prst="rect">
+              <a:avLst/>
+            </a:prstGeom>
+            <a:noFill/>
+          </p:spPr>
+          <p:txBody>
+            <a:bodyPr wrap="square" rtlCol="0">
+              <a:spAutoFit/>
+            </a:bodyPr>
+            <a:lstStyle/>
+            <a:p>
+              <a:r>
+                <a:rPr lang="en-US" sz="1200" dirty="0"/>
+                <a:t>f</a:t>
+              </a:r>
+              <a:r>
+                <a:rPr lang="en-US" sz="1200" baseline="-25000" dirty="0"/>
+                <a:t>1</a:t>
+              </a:r>
+              <a:endParaRPr lang="en-US" sz="1200" dirty="0"/>
+            </a:p>
+          </p:txBody>
+        </p:sp>
+        <p:sp>
+          <p:nvSpPr>
+            <p:cNvPr id="53" name="TextBox 52">
+              <a:extLst>
+                <a:ext uri="{FF2B5EF4-FFF2-40B4-BE49-F238E27FC236}">
+                  <a16:creationId xmlns:a16="http://schemas.microsoft.com/office/drawing/2014/main" id="{C6294E5F-E158-D945-B84F-66AC569EC1DA}"/>
+                </a:ext>
+              </a:extLst>
+            </p:cNvPr>
+            <p:cNvSpPr txBox="1"/>
+            <p:nvPr/>
+          </p:nvSpPr>
+          <p:spPr>
+            <a:xfrm>
+              <a:off x="9669394" y="5912737"/>
+              <a:ext cx="378037" cy="276999"/>
+            </a:xfrm>
+            <a:prstGeom prst="rect">
+              <a:avLst/>
+            </a:prstGeom>
+            <a:noFill/>
+          </p:spPr>
+          <p:txBody>
+            <a:bodyPr wrap="square" rtlCol="0">
+              <a:spAutoFit/>
+            </a:bodyPr>
+            <a:lstStyle/>
+            <a:p>
+              <a:r>
+                <a:rPr lang="en-US" sz="1200" dirty="0"/>
+                <a:t>f</a:t>
+              </a:r>
+              <a:r>
+                <a:rPr lang="en-US" sz="1200" baseline="-25000" dirty="0"/>
+                <a:t>0</a:t>
+              </a:r>
+              <a:endParaRPr lang="en-US" sz="1200" dirty="0"/>
+            </a:p>
+          </p:txBody>
+        </p:sp>
+        <p:sp>
+          <p:nvSpPr>
+            <p:cNvPr id="57" name="TextBox 56">
+              <a:extLst>
+                <a:ext uri="{FF2B5EF4-FFF2-40B4-BE49-F238E27FC236}">
+                  <a16:creationId xmlns:a16="http://schemas.microsoft.com/office/drawing/2014/main" id="{9FEF6271-9E73-2B42-AE4A-94FD20E47D90}"/>
+                </a:ext>
+              </a:extLst>
+            </p:cNvPr>
+            <p:cNvSpPr txBox="1"/>
+            <p:nvPr/>
+          </p:nvSpPr>
+          <p:spPr>
+            <a:xfrm>
+              <a:off x="9781338" y="6619308"/>
+              <a:ext cx="378037" cy="276999"/>
+            </a:xfrm>
+            <a:prstGeom prst="rect">
+              <a:avLst/>
+            </a:prstGeom>
+            <a:noFill/>
+          </p:spPr>
+          <p:txBody>
+            <a:bodyPr wrap="square" rtlCol="0">
+              <a:spAutoFit/>
+            </a:bodyPr>
+            <a:lstStyle/>
+            <a:p>
+              <a:r>
+                <a:rPr lang="en-US" sz="1200" dirty="0"/>
+                <a:t>Q</a:t>
+              </a:r>
+              <a:r>
+                <a:rPr lang="en-US" sz="1200" baseline="-25000" dirty="0"/>
+                <a:t>0</a:t>
+              </a:r>
+              <a:endParaRPr lang="en-US" sz="1200" dirty="0"/>
+            </a:p>
+          </p:txBody>
+        </p:sp>
+      </p:grpSp>
+    </p:spTree>
+    <p:extLst>
+      <p:ext uri="{BB962C8B-B14F-4D97-AF65-F5344CB8AC3E}">
+        <p14:creationId xmlns:p14="http://schemas.microsoft.com/office/powerpoint/2010/main" val="3409635627"/>
+      </p:ext>
+    </p:extLst>
+  </p:cSld>
+  <p:clrMapOvr>
+    <a:masterClrMapping/>
+  </p:clrMapOvr>
+</p:sld>
+</file>
+
+<file path=ppt/slides/slide12.xml><?xml version="1.0" encoding="utf-8"?>
+<p:sld xmlns:a="http://schemas.openxmlformats.org/drawingml/2006/main" xmlns:r="http://schemas.openxmlformats.org/officeDocument/2006/relationships" xmlns:p="http://schemas.openxmlformats.org/presentationml/2006/main">
+  <p:cSld>
+    <p:spTree>
+      <p:nvGrpSpPr>
+        <p:cNvPr id="1" name=""/>
+        <p:cNvGrpSpPr/>
+        <p:nvPr/>
+      </p:nvGrpSpPr>
+      <p:grpSpPr>
+        <a:xfrm>
+          <a:off x="0" y="0"/>
+          <a:ext cx="0" cy="0"/>
+          <a:chOff x="0" y="0"/>
+          <a:chExt cx="0" cy="0"/>
+        </a:xfrm>
+      </p:grpSpPr>
+      <p:sp>
+        <p:nvSpPr>
+          <p:cNvPr id="2" name="Title 1">
+            <a:extLst>
+              <a:ext uri="{FF2B5EF4-FFF2-40B4-BE49-F238E27FC236}">
                 <a16:creationId xmlns:a16="http://schemas.microsoft.com/office/drawing/2014/main" id="{3BC0C561-0A9C-D149-9202-3092720D854D}"/>
               </a:ext>
             </a:extLst>
@@ -6708,7 +10605,7 @@
 </p:sld>
 </file>
 
-<file path=ppt/slides/slide11.xml><?xml version="1.0" encoding="utf-8"?>
+<file path=ppt/slides/slide13.xml><?xml version="1.0" encoding="utf-8"?>
 <p:sld xmlns:a="http://schemas.openxmlformats.org/drawingml/2006/main" xmlns:r="http://schemas.openxmlformats.org/officeDocument/2006/relationships" xmlns:p="http://schemas.openxmlformats.org/presentationml/2006/main">
   <p:cSld>
     <p:spTree>
@@ -6869,7 +10766,7 @@
 </p:sld>
 </file>
 
-<file path=ppt/slides/slide12.xml><?xml version="1.0" encoding="utf-8"?>
+<file path=ppt/slides/slide14.xml><?xml version="1.0" encoding="utf-8"?>
 <p:sld xmlns:a="http://schemas.openxmlformats.org/drawingml/2006/main" xmlns:r="http://schemas.openxmlformats.org/officeDocument/2006/relationships" xmlns:p="http://schemas.openxmlformats.org/presentationml/2006/main">
   <p:cSld>
     <p:spTree>
@@ -7098,7 +10995,7 @@
 </p:sld>
 </file>
 
-<file path=ppt/slides/slide13.xml><?xml version="1.0" encoding="utf-8"?>
+<file path=ppt/slides/slide15.xml><?xml version="1.0" encoding="utf-8"?>
 <p:sld xmlns:a="http://schemas.openxmlformats.org/drawingml/2006/main" xmlns:r="http://schemas.openxmlformats.org/officeDocument/2006/relationships" xmlns:p="http://schemas.openxmlformats.org/presentationml/2006/main">
   <p:cSld>
     <p:spTree>
@@ -7269,7 +11166,7 @@
 </p:sld>
 </file>
 
-<file path=ppt/slides/slide14.xml><?xml version="1.0" encoding="utf-8"?>
+<file path=ppt/slides/slide16.xml><?xml version="1.0" encoding="utf-8"?>
 <p:sld xmlns:a="http://schemas.openxmlformats.org/drawingml/2006/main" xmlns:r="http://schemas.openxmlformats.org/officeDocument/2006/relationships" xmlns:p="http://schemas.openxmlformats.org/presentationml/2006/main">
   <p:cSld>
     <p:spTree>
@@ -7847,9 +11744,9 @@
         <p:grpSpPr>
           <a:xfrm>
             <a:off x="5940879" y="2083645"/>
-            <a:ext cx="6084277" cy="3886135"/>
+            <a:ext cx="5940879" cy="4440869"/>
             <a:chOff x="5940879" y="2683810"/>
-            <a:chExt cx="6084277" cy="3886135"/>
+            <a:chExt cx="5940879" cy="4440869"/>
           </a:xfrm>
         </p:grpSpPr>
         <p:pic>
@@ -7895,7 +11792,7 @@
           </p:nvSpPr>
           <p:spPr>
             <a:xfrm>
-              <a:off x="6353908" y="5708171"/>
+              <a:off x="6096000" y="6262905"/>
               <a:ext cx="5671248" cy="861774"/>
             </a:xfrm>
             <a:prstGeom prst="rect">
@@ -7930,6 +11827,294 @@
           </p:txBody>
         </p:sp>
       </p:grpSp>
+      <p:sp>
+        <p:nvSpPr>
+          <p:cNvPr id="4" name="TextBox 3">
+            <a:extLst>
+              <a:ext uri="{FF2B5EF4-FFF2-40B4-BE49-F238E27FC236}">
+                <a16:creationId xmlns:a16="http://schemas.microsoft.com/office/drawing/2014/main" id="{801456A2-4917-D246-A3CD-31A77713D07E}"/>
+              </a:ext>
+            </a:extLst>
+          </p:cNvPr>
+          <p:cNvSpPr txBox="1"/>
+          <p:nvPr/>
+        </p:nvSpPr>
+        <p:spPr>
+          <a:xfrm>
+            <a:off x="6096000" y="5439118"/>
+            <a:ext cx="5785758" cy="338554"/>
+          </a:xfrm>
+          <a:prstGeom prst="rect">
+            <a:avLst/>
+          </a:prstGeom>
+          <a:solidFill>
+            <a:schemeClr val="bg1"/>
+          </a:solidFill>
+        </p:spPr>
+        <p:txBody>
+          <a:bodyPr wrap="square" rtlCol="0">
+            <a:spAutoFit/>
+          </a:bodyPr>
+          <a:lstStyle/>
+          <a:p>
+            <a:pPr algn="ctr"/>
+            <a:r>
+              <a:rPr lang="en-US" sz="1600" dirty="0">
+                <a:latin typeface="Garamond" panose="02020404030301010803" pitchFamily="18" charset="0"/>
+              </a:rPr>
+              <a:t>Frequency / Hz</a:t>
+            </a:r>
+          </a:p>
+        </p:txBody>
+      </p:sp>
+      <p:sp>
+        <p:nvSpPr>
+          <p:cNvPr id="11" name="TextBox 10">
+            <a:extLst>
+              <a:ext uri="{FF2B5EF4-FFF2-40B4-BE49-F238E27FC236}">
+                <a16:creationId xmlns:a16="http://schemas.microsoft.com/office/drawing/2014/main" id="{A079DB8C-DF38-D446-8002-8E2414D1112B}"/>
+              </a:ext>
+            </a:extLst>
+          </p:cNvPr>
+          <p:cNvSpPr txBox="1"/>
+          <p:nvPr/>
+        </p:nvSpPr>
+        <p:spPr>
+          <a:xfrm>
+            <a:off x="5940879" y="5247010"/>
+            <a:ext cx="453260" cy="338554"/>
+          </a:xfrm>
+          <a:prstGeom prst="rect">
+            <a:avLst/>
+          </a:prstGeom>
+          <a:solidFill>
+            <a:schemeClr val="bg1"/>
+          </a:solidFill>
+        </p:spPr>
+        <p:txBody>
+          <a:bodyPr wrap="square" rtlCol="0">
+            <a:spAutoFit/>
+          </a:bodyPr>
+          <a:lstStyle/>
+          <a:p>
+            <a:pPr algn="ctr"/>
+            <a:r>
+              <a:rPr lang="en-US" sz="1600" dirty="0">
+                <a:latin typeface="Garamond" panose="02020404030301010803" pitchFamily="18" charset="0"/>
+              </a:rPr>
+              <a:t>10</a:t>
+            </a:r>
+            <a:r>
+              <a:rPr lang="en-US" sz="1600" baseline="30000" dirty="0">
+                <a:latin typeface="Garamond" panose="02020404030301010803" pitchFamily="18" charset="0"/>
+              </a:rPr>
+              <a:t>0</a:t>
+            </a:r>
+            <a:endParaRPr lang="en-US" sz="1600" dirty="0">
+              <a:latin typeface="Garamond" panose="02020404030301010803" pitchFamily="18" charset="0"/>
+            </a:endParaRPr>
+          </a:p>
+        </p:txBody>
+      </p:sp>
+      <p:sp>
+        <p:nvSpPr>
+          <p:cNvPr id="12" name="TextBox 11">
+            <a:extLst>
+              <a:ext uri="{FF2B5EF4-FFF2-40B4-BE49-F238E27FC236}">
+                <a16:creationId xmlns:a16="http://schemas.microsoft.com/office/drawing/2014/main" id="{007CC58A-D379-F540-BF1E-88C37B86187F}"/>
+              </a:ext>
+            </a:extLst>
+          </p:cNvPr>
+          <p:cNvSpPr txBox="1"/>
+          <p:nvPr/>
+        </p:nvSpPr>
+        <p:spPr>
+          <a:xfrm>
+            <a:off x="7800159" y="5257170"/>
+            <a:ext cx="453260" cy="338554"/>
+          </a:xfrm>
+          <a:prstGeom prst="rect">
+            <a:avLst/>
+          </a:prstGeom>
+          <a:solidFill>
+            <a:schemeClr val="bg1"/>
+          </a:solidFill>
+        </p:spPr>
+        <p:txBody>
+          <a:bodyPr wrap="square" rtlCol="0">
+            <a:spAutoFit/>
+          </a:bodyPr>
+          <a:lstStyle/>
+          <a:p>
+            <a:pPr algn="ctr"/>
+            <a:r>
+              <a:rPr lang="en-US" sz="1600" dirty="0">
+                <a:latin typeface="Garamond" panose="02020404030301010803" pitchFamily="18" charset="0"/>
+              </a:rPr>
+              <a:t>10</a:t>
+            </a:r>
+            <a:r>
+              <a:rPr lang="en-US" sz="1600" baseline="30000" dirty="0">
+                <a:latin typeface="Garamond" panose="02020404030301010803" pitchFamily="18" charset="0"/>
+              </a:rPr>
+              <a:t>1</a:t>
+            </a:r>
+            <a:endParaRPr lang="en-US" sz="1600" dirty="0">
+              <a:latin typeface="Garamond" panose="02020404030301010803" pitchFamily="18" charset="0"/>
+            </a:endParaRPr>
+          </a:p>
+        </p:txBody>
+      </p:sp>
+      <p:sp>
+        <p:nvSpPr>
+          <p:cNvPr id="13" name="TextBox 12">
+            <a:extLst>
+              <a:ext uri="{FF2B5EF4-FFF2-40B4-BE49-F238E27FC236}">
+                <a16:creationId xmlns:a16="http://schemas.microsoft.com/office/drawing/2014/main" id="{DF790BE8-8C1E-344F-B328-9D59E34EE1DE}"/>
+              </a:ext>
+            </a:extLst>
+          </p:cNvPr>
+          <p:cNvSpPr txBox="1"/>
+          <p:nvPr/>
+        </p:nvSpPr>
+        <p:spPr>
+          <a:xfrm>
+            <a:off x="9690308" y="5247010"/>
+            <a:ext cx="453260" cy="338554"/>
+          </a:xfrm>
+          <a:prstGeom prst="rect">
+            <a:avLst/>
+          </a:prstGeom>
+          <a:solidFill>
+            <a:schemeClr val="bg1"/>
+          </a:solidFill>
+        </p:spPr>
+        <p:txBody>
+          <a:bodyPr wrap="square" rtlCol="0">
+            <a:spAutoFit/>
+          </a:bodyPr>
+          <a:lstStyle/>
+          <a:p>
+            <a:pPr algn="ctr"/>
+            <a:r>
+              <a:rPr lang="en-US" sz="1600" dirty="0">
+                <a:latin typeface="Garamond" panose="02020404030301010803" pitchFamily="18" charset="0"/>
+              </a:rPr>
+              <a:t>10</a:t>
+            </a:r>
+            <a:r>
+              <a:rPr lang="en-US" sz="1600" baseline="30000" dirty="0">
+                <a:latin typeface="Garamond" panose="02020404030301010803" pitchFamily="18" charset="0"/>
+              </a:rPr>
+              <a:t>2</a:t>
+            </a:r>
+            <a:endParaRPr lang="en-US" sz="1600" dirty="0">
+              <a:latin typeface="Garamond" panose="02020404030301010803" pitchFamily="18" charset="0"/>
+            </a:endParaRPr>
+          </a:p>
+        </p:txBody>
+      </p:sp>
+      <p:sp>
+        <p:nvSpPr>
+          <p:cNvPr id="14" name="TextBox 13">
+            <a:extLst>
+              <a:ext uri="{FF2B5EF4-FFF2-40B4-BE49-F238E27FC236}">
+                <a16:creationId xmlns:a16="http://schemas.microsoft.com/office/drawing/2014/main" id="{796FAA69-D5F8-0343-BAB8-3927EAF3F9F3}"/>
+              </a:ext>
+            </a:extLst>
+          </p:cNvPr>
+          <p:cNvSpPr txBox="1"/>
+          <p:nvPr/>
+        </p:nvSpPr>
+        <p:spPr>
+          <a:xfrm>
+            <a:off x="11580068" y="5247010"/>
+            <a:ext cx="453260" cy="338554"/>
+          </a:xfrm>
+          <a:prstGeom prst="rect">
+            <a:avLst/>
+          </a:prstGeom>
+          <a:solidFill>
+            <a:schemeClr val="bg1"/>
+          </a:solidFill>
+        </p:spPr>
+        <p:txBody>
+          <a:bodyPr wrap="square" rtlCol="0">
+            <a:spAutoFit/>
+          </a:bodyPr>
+          <a:lstStyle/>
+          <a:p>
+            <a:pPr algn="ctr"/>
+            <a:r>
+              <a:rPr lang="en-US" sz="1600" dirty="0">
+                <a:latin typeface="Garamond" panose="02020404030301010803" pitchFamily="18" charset="0"/>
+              </a:rPr>
+              <a:t>10</a:t>
+            </a:r>
+            <a:r>
+              <a:rPr lang="en-US" sz="1600" baseline="30000" dirty="0">
+                <a:latin typeface="Garamond" panose="02020404030301010803" pitchFamily="18" charset="0"/>
+              </a:rPr>
+              <a:t>3</a:t>
+            </a:r>
+            <a:endParaRPr lang="en-US" sz="1600" dirty="0">
+              <a:latin typeface="Garamond" panose="02020404030301010803" pitchFamily="18" charset="0"/>
+            </a:endParaRPr>
+          </a:p>
+        </p:txBody>
+      </p:sp>
+      <p:sp>
+        <p:nvSpPr>
+          <p:cNvPr id="5" name="Rectangle 4">
+            <a:extLst>
+              <a:ext uri="{FF2B5EF4-FFF2-40B4-BE49-F238E27FC236}">
+                <a16:creationId xmlns:a16="http://schemas.microsoft.com/office/drawing/2014/main" id="{B46B8EC2-06EF-D847-9BB4-C4153E0647BC}"/>
+              </a:ext>
+            </a:extLst>
+          </p:cNvPr>
+          <p:cNvSpPr/>
+          <p:nvPr/>
+        </p:nvSpPr>
+        <p:spPr>
+          <a:xfrm>
+            <a:off x="8682754" y="5257170"/>
+            <a:ext cx="598811" cy="181948"/>
+          </a:xfrm>
+          <a:prstGeom prst="rect">
+            <a:avLst/>
+          </a:prstGeom>
+          <a:solidFill>
+            <a:schemeClr val="bg1"/>
+          </a:solidFill>
+          <a:ln>
+            <a:noFill/>
+          </a:ln>
+        </p:spPr>
+        <p:style>
+          <a:lnRef idx="2">
+            <a:schemeClr val="accent1">
+              <a:shade val="50000"/>
+            </a:schemeClr>
+          </a:lnRef>
+          <a:fillRef idx="1">
+            <a:schemeClr val="accent1"/>
+          </a:fillRef>
+          <a:effectRef idx="0">
+            <a:schemeClr val="accent1"/>
+          </a:effectRef>
+          <a:fontRef idx="minor">
+            <a:schemeClr val="lt1"/>
+          </a:fontRef>
+        </p:style>
+        <p:txBody>
+          <a:bodyPr rtlCol="0" anchor="ctr"/>
+          <a:lstStyle/>
+          <a:p>
+            <a:pPr algn="ctr"/>
+            <a:endParaRPr lang="en-US"/>
+          </a:p>
+        </p:txBody>
+      </p:sp>
     </p:spTree>
     <p:extLst>
       <p:ext uri="{BB962C8B-B14F-4D97-AF65-F5344CB8AC3E}">
@@ -20059,48 +24244,146 @@
           </a:p>
         </p:txBody>
       </p:sp>
-      <p:sp>
-        <p:nvSpPr>
-          <p:cNvPr id="3" name="Content Placeholder 2">
+      <p:pic>
+        <p:nvPicPr>
+          <p:cNvPr id="1026" name="Picture 2">
             <a:extLst>
               <a:ext uri="{FF2B5EF4-FFF2-40B4-BE49-F238E27FC236}">
-                <a16:creationId xmlns:a16="http://schemas.microsoft.com/office/drawing/2014/main" id="{D55B1E5C-E32E-214E-A7B6-E4A1438CA9A1}"/>
+                <a16:creationId xmlns:a16="http://schemas.microsoft.com/office/drawing/2014/main" id="{595A71AB-DBAB-7E4E-BEC0-E6673DE6BF01}"/>
               </a:ext>
             </a:extLst>
           </p:cNvPr>
-          <p:cNvSpPr>
-            <a:spLocks noGrp="1"/>
-          </p:cNvSpPr>
-          <p:nvPr>
-            <p:ph idx="1"/>
-          </p:nvPr>
+          <p:cNvPicPr>
+            <a:picLocks noChangeAspect="1" noChangeArrowheads="1"/>
+          </p:cNvPicPr>
+          <p:nvPr/>
+        </p:nvPicPr>
+        <p:blipFill>
+          <a:blip r:embed="rId2">
+            <a:extLst>
+              <a:ext uri="{28A0092B-C50C-407E-A947-70E740481C1C}">
+                <a14:useLocalDpi xmlns:a14="http://schemas.microsoft.com/office/drawing/2010/main" val="0"/>
+              </a:ext>
+            </a:extLst>
+          </a:blip>
+          <a:srcRect/>
+          <a:stretch>
+            <a:fillRect/>
+          </a:stretch>
+        </p:blipFill>
+        <p:spPr bwMode="auto">
+          <a:xfrm>
+            <a:off x="5207000" y="2278185"/>
+            <a:ext cx="6985000" cy="4318000"/>
+          </a:xfrm>
+          <a:prstGeom prst="rect">
+            <a:avLst/>
+          </a:prstGeom>
+          <a:noFill/>
+          <a:extLst>
+            <a:ext uri="{909E8E84-426E-40DD-AFC4-6F175D3DCCD1}">
+              <a14:hiddenFill xmlns:a14="http://schemas.microsoft.com/office/drawing/2010/main">
+                <a:solidFill>
+                  <a:srgbClr val="FFFFFF"/>
+                </a:solidFill>
+              </a14:hiddenFill>
+            </a:ext>
+          </a:extLst>
+        </p:spPr>
+      </p:pic>
+      <p:pic>
+        <p:nvPicPr>
+          <p:cNvPr id="1028" name="Picture 4">
+            <a:extLst>
+              <a:ext uri="{FF2B5EF4-FFF2-40B4-BE49-F238E27FC236}">
+                <a16:creationId xmlns:a16="http://schemas.microsoft.com/office/drawing/2014/main" id="{DC5FB002-88C7-9C46-9574-0ABB82C8513D}"/>
+              </a:ext>
+            </a:extLst>
+          </p:cNvPr>
+          <p:cNvPicPr>
+            <a:picLocks noChangeAspect="1" noChangeArrowheads="1"/>
+          </p:cNvPicPr>
+          <p:nvPr/>
+        </p:nvPicPr>
+        <p:blipFill>
+          <a:blip r:embed="rId3">
+            <a:extLst>
+              <a:ext uri="{28A0092B-C50C-407E-A947-70E740481C1C}">
+                <a14:useLocalDpi xmlns:a14="http://schemas.microsoft.com/office/drawing/2010/main" val="0"/>
+              </a:ext>
+            </a:extLst>
+          </a:blip>
+          <a:srcRect/>
+          <a:stretch>
+            <a:fillRect/>
+          </a:stretch>
+        </p:blipFill>
+        <p:spPr bwMode="auto">
+          <a:xfrm>
+            <a:off x="0" y="1623646"/>
+            <a:ext cx="5240208" cy="5193323"/>
+          </a:xfrm>
+          <a:prstGeom prst="rect">
+            <a:avLst/>
+          </a:prstGeom>
+          <a:noFill/>
+          <a:extLst>
+            <a:ext uri="{909E8E84-426E-40DD-AFC4-6F175D3DCCD1}">
+              <a14:hiddenFill xmlns:a14="http://schemas.microsoft.com/office/drawing/2010/main">
+                <a:solidFill>
+                  <a:srgbClr val="FFFFFF"/>
+                </a:solidFill>
+              </a14:hiddenFill>
+            </a:ext>
+          </a:extLst>
+        </p:spPr>
+      </p:pic>
+      <p:sp>
+        <p:nvSpPr>
+          <p:cNvPr id="8" name="TextBox 7">
+            <a:extLst>
+              <a:ext uri="{FF2B5EF4-FFF2-40B4-BE49-F238E27FC236}">
+                <a16:creationId xmlns:a16="http://schemas.microsoft.com/office/drawing/2014/main" id="{7C3D6B21-0AAF-5D4C-88CC-CB18EEE33C33}"/>
+              </a:ext>
+            </a:extLst>
+          </p:cNvPr>
+          <p:cNvSpPr txBox="1"/>
+          <p:nvPr/>
         </p:nvSpPr>
-        <p:spPr/>
+        <p:spPr>
+          <a:xfrm>
+            <a:off x="5207000" y="6469227"/>
+            <a:ext cx="6984999" cy="253916"/>
+          </a:xfrm>
+          <a:prstGeom prst="rect">
+            <a:avLst/>
+          </a:prstGeom>
+          <a:noFill/>
+        </p:spPr>
         <p:txBody>
-          <a:bodyPr/>
+          <a:bodyPr wrap="square" rtlCol="0">
+            <a:spAutoFit/>
+          </a:bodyPr>
           <a:lstStyle/>
           <a:p>
+            <a:pPr algn="ctr"/>
             <a:r>
-              <a:rPr lang="en-US" dirty="0">
+              <a:rPr lang="en-US" sz="1050" dirty="0">
                 <a:latin typeface="Garamond" panose="02020404030301010803" pitchFamily="18" charset="0"/>
               </a:rPr>
-              <a:t>Choose a cheap model to prove that good quality sound can be achieved cheaply, in comparison to expensive high-quality systems.</a:t>
+              <a:t>https://</a:t>
             </a:r>
-          </a:p>
-          <a:p>
             <a:r>
-              <a:rPr lang="en-US" dirty="0">
+              <a:rPr lang="en-US" sz="1050" dirty="0" err="1">
                 <a:latin typeface="Garamond" panose="02020404030301010803" pitchFamily="18" charset="0"/>
               </a:rPr>
-              <a:t>Pyle PLPW6D was cheap and easy to acquire, features two voice coils – potential for sensing/driving setup</a:t>
+              <a:t>www.thompsonsltd.co.uk</a:t>
             </a:r>
-          </a:p>
-          <a:p>
             <a:r>
-              <a:rPr lang="en-US" dirty="0">
+              <a:rPr lang="en-US" sz="1050" dirty="0">
                 <a:latin typeface="Garamond" panose="02020404030301010803" pitchFamily="18" charset="0"/>
               </a:rPr>
-              <a:t>We are trying to prove that the open- and closed-loop electronic compensators can make systems sound better than they are, passing on a monetary benefit. Therefore, a cheap system should be made and improved, and then tested against a more expensive model to prove that consumers gain the monetary advantage discussed previously.</a:t>
+              <a:t>/touring-and-leisure/plpw6d-pyle-plpw6d-6.5-600-watt-dual-voice-coil-4-ohm-subwoofer.html</a:t>
             </a:r>
           </a:p>
         </p:txBody>
@@ -20226,10 +24509,10 @@
         </p:nvGrpSpPr>
         <p:grpSpPr>
           <a:xfrm>
-            <a:off x="1680799" y="2207157"/>
-            <a:ext cx="8990687" cy="2750010"/>
+            <a:off x="1680799" y="2330324"/>
+            <a:ext cx="8990687" cy="2197351"/>
             <a:chOff x="270544" y="2230603"/>
-            <a:chExt cx="8990687" cy="2750010"/>
+            <a:chExt cx="8990687" cy="2197351"/>
           </a:xfrm>
         </p:grpSpPr>
         <p:grpSp>
@@ -20247,9 +24530,9 @@
           <p:grpSpPr>
             <a:xfrm>
               <a:off x="270544" y="2303586"/>
-              <a:ext cx="8990687" cy="2677027"/>
+              <a:ext cx="8990687" cy="2124368"/>
               <a:chOff x="1700661" y="2123573"/>
-              <a:chExt cx="8990687" cy="2677027"/>
+              <a:chExt cx="8990687" cy="2124368"/>
             </a:xfrm>
           </p:grpSpPr>
           <p:grpSp>
@@ -20267,9 +24550,9 @@
             <p:grpSpPr>
               <a:xfrm>
                 <a:off x="1700661" y="2123573"/>
-                <a:ext cx="8990687" cy="2677027"/>
+                <a:ext cx="8990687" cy="2124368"/>
                 <a:chOff x="1700661" y="2123573"/>
-                <a:chExt cx="8990687" cy="2677027"/>
+                <a:chExt cx="8990687" cy="2124368"/>
               </a:xfrm>
             </p:grpSpPr>
             <p:grpSp>
@@ -20287,9 +24570,9 @@
               <p:grpSpPr>
                 <a:xfrm>
                   <a:off x="1700661" y="2289828"/>
-                  <a:ext cx="8990687" cy="2510772"/>
+                  <a:ext cx="8990687" cy="1958113"/>
                   <a:chOff x="124217" y="144352"/>
-                  <a:chExt cx="5583798" cy="1559352"/>
+                  <a:chExt cx="5583798" cy="1216115"/>
                 </a:xfrm>
               </p:grpSpPr>
               <p:grpSp>
@@ -20307,9 +24590,9 @@
                 <p:grpSpPr>
                   <a:xfrm>
                     <a:off x="124217" y="144352"/>
-                    <a:ext cx="5583798" cy="1559352"/>
+                    <a:ext cx="5583798" cy="1216115"/>
                     <a:chOff x="124217" y="144352"/>
-                    <a:chExt cx="5583798" cy="1559352"/>
+                    <a:chExt cx="5583798" cy="1216115"/>
                   </a:xfrm>
                 </p:grpSpPr>
                 <p:grpSp>
@@ -20327,9 +24610,9 @@
                   <p:grpSpPr>
                     <a:xfrm>
                       <a:off x="124217" y="144352"/>
-                      <a:ext cx="5583798" cy="1559352"/>
+                      <a:ext cx="5583798" cy="1216115"/>
                       <a:chOff x="124217" y="144352"/>
-                      <a:chExt cx="5583798" cy="1559352"/>
+                      <a:chExt cx="5583798" cy="1216115"/>
                     </a:xfrm>
                   </p:grpSpPr>
                   <p:grpSp>
@@ -20347,9 +24630,9 @@
                     <p:grpSpPr>
                       <a:xfrm>
                         <a:off x="124217" y="144352"/>
-                        <a:ext cx="5583798" cy="1559352"/>
+                        <a:ext cx="5583798" cy="1216115"/>
                         <a:chOff x="63549" y="112899"/>
-                        <a:chExt cx="3293958" cy="920509"/>
+                        <a:chExt cx="3293958" cy="717891"/>
                       </a:xfrm>
                     </p:grpSpPr>
                     <p:sp>
@@ -20749,57 +25032,6 @@
                         </p:sp>
                       </mc:Fallback>
                     </mc:AlternateContent>
-                    <p:sp>
-                      <p:nvSpPr>
-                        <p:cNvPr id="29" name="Text Box 249">
-                          <a:extLst>
-                            <a:ext uri="{FF2B5EF4-FFF2-40B4-BE49-F238E27FC236}">
-                              <a16:creationId xmlns:a16="http://schemas.microsoft.com/office/drawing/2014/main" id="{C2819326-4EF2-FE4A-ADFC-517A267661A9}"/>
-                            </a:ext>
-                          </a:extLst>
-                        </p:cNvPr>
-                        <p:cNvSpPr txBox="1"/>
-                        <p:nvPr/>
-                      </p:nvSpPr>
-                      <p:spPr>
-                        <a:xfrm>
-                          <a:off x="84732" y="857688"/>
-                          <a:ext cx="3260972" cy="175720"/>
-                        </a:xfrm>
-                        <a:prstGeom prst="rect">
-                          <a:avLst/>
-                        </a:prstGeom>
-                        <a:noFill/>
-                        <a:ln w="9525">
-                          <a:noFill/>
-                        </a:ln>
-                      </p:spPr>
-                      <p:txBody>
-                        <a:bodyPr rot="0" spcFirstLastPara="0" vert="horz" wrap="square" lIns="91440" tIns="45720" rIns="91440" bIns="45720" numCol="1" spcCol="0" rtlCol="0" fromWordArt="0" anchor="t" anchorCtr="0" forceAA="0" compatLnSpc="1">
-                          <a:prstTxWarp prst="textNoShape">
-                            <a:avLst/>
-                          </a:prstTxWarp>
-                          <a:noAutofit/>
-                        </a:bodyPr>
-                        <a:lstStyle/>
-                        <a:p>
-                          <a:pPr algn="ctr">
-                            <a:spcAft>
-                              <a:spcPts val="0"/>
-                            </a:spcAft>
-                          </a:pPr>
-                          <a:r>
-                            <a:rPr lang="en-GB" sz="1400" dirty="0">
-                              <a:effectLst/>
-                              <a:latin typeface="Garamond" panose="02020404030301010803" pitchFamily="18" charset="0"/>
-                              <a:ea typeface="Calibri" panose="020F0502020204030204" pitchFamily="34" charset="0"/>
-                              <a:cs typeface="Times New Roman (Body CS)"/>
-                            </a:rPr>
-                            <a:t>Fig. 3 Final loudspeaker electrical and equivalent mechanical circuit</a:t>
-                          </a:r>
-                        </a:p>
-                      </p:txBody>
-                    </p:sp>
                     <p:grpSp>
                       <p:nvGrpSpPr>
                         <p:cNvPr id="72" name="Group 71">
@@ -24816,6 +29048,42 @@
           </a:p>
         </p:txBody>
       </p:sp>
+      <p:pic>
+        <p:nvPicPr>
+          <p:cNvPr id="5" name="Picture 4" descr="A close up of text on a white surface&#10;&#10;Description automatically generated">
+            <a:extLst>
+              <a:ext uri="{FF2B5EF4-FFF2-40B4-BE49-F238E27FC236}">
+                <a16:creationId xmlns:a16="http://schemas.microsoft.com/office/drawing/2014/main" id="{3215F74A-B5F5-C84B-A67D-5447F08041BD}"/>
+              </a:ext>
+            </a:extLst>
+          </p:cNvPr>
+          <p:cNvPicPr>
+            <a:picLocks noChangeAspect="1"/>
+          </p:cNvPicPr>
+          <p:nvPr/>
+        </p:nvPicPr>
+        <p:blipFill>
+          <a:blip r:embed="rId2">
+            <a:extLst>
+              <a:ext uri="{28A0092B-C50C-407E-A947-70E740481C1C}">
+                <a14:useLocalDpi xmlns:a14="http://schemas.microsoft.com/office/drawing/2010/main" val="0"/>
+              </a:ext>
+            </a:extLst>
+          </a:blip>
+          <a:stretch>
+            <a:fillRect/>
+          </a:stretch>
+        </p:blipFill>
+        <p:spPr>
+          <a:xfrm>
+            <a:off x="2308903" y="1801707"/>
+            <a:ext cx="9438471" cy="5056293"/>
+          </a:xfrm>
+          <a:prstGeom prst="rect">
+            <a:avLst/>
+          </a:prstGeom>
+        </p:spPr>
+      </p:pic>
       <p:sp>
         <p:nvSpPr>
           <p:cNvPr id="3" name="Content Placeholder 2">
@@ -24903,42 +29171,6 @@
           </a:p>
         </p:txBody>
       </p:sp>
-      <p:pic>
-        <p:nvPicPr>
-          <p:cNvPr id="5" name="Picture 4" descr="A close up of text on a white surface&#10;&#10;Description automatically generated">
-            <a:extLst>
-              <a:ext uri="{FF2B5EF4-FFF2-40B4-BE49-F238E27FC236}">
-                <a16:creationId xmlns:a16="http://schemas.microsoft.com/office/drawing/2014/main" id="{3215F74A-B5F5-C84B-A67D-5447F08041BD}"/>
-              </a:ext>
-            </a:extLst>
-          </p:cNvPr>
-          <p:cNvPicPr>
-            <a:picLocks noChangeAspect="1"/>
-          </p:cNvPicPr>
-          <p:nvPr/>
-        </p:nvPicPr>
-        <p:blipFill>
-          <a:blip r:embed="rId2">
-            <a:extLst>
-              <a:ext uri="{28A0092B-C50C-407E-A947-70E740481C1C}">
-                <a14:useLocalDpi xmlns:a14="http://schemas.microsoft.com/office/drawing/2010/main" val="0"/>
-              </a:ext>
-            </a:extLst>
-          </a:blip>
-          <a:stretch>
-            <a:fillRect/>
-          </a:stretch>
-        </p:blipFill>
-        <p:spPr>
-          <a:xfrm>
-            <a:off x="3587405" y="2262554"/>
-            <a:ext cx="8578217" cy="4595445"/>
-          </a:xfrm>
-          <a:prstGeom prst="rect">
-            <a:avLst/>
-          </a:prstGeom>
-        </p:spPr>
-      </p:pic>
     </p:spTree>
     <p:extLst>
       <p:ext uri="{BB962C8B-B14F-4D97-AF65-F5344CB8AC3E}">
@@ -24974,7 +29206,7 @@
           <p:cNvPr id="2" name="Title 1">
             <a:extLst>
               <a:ext uri="{FF2B5EF4-FFF2-40B4-BE49-F238E27FC236}">
-                <a16:creationId xmlns:a16="http://schemas.microsoft.com/office/drawing/2014/main" id="{80A052AB-A233-8E48-B434-13470559098B}"/>
+                <a16:creationId xmlns:a16="http://schemas.microsoft.com/office/drawing/2014/main" id="{CD27F1E7-2155-6441-B6C6-00046BA6B09C}"/>
               </a:ext>
             </a:extLst>
           </p:cNvPr>
@@ -24985,26 +29217,117 @@
             <p:ph type="title"/>
           </p:nvPr>
         </p:nvSpPr>
-        <p:spPr/>
+        <p:spPr>
+          <a:xfrm>
+            <a:off x="6655248" y="98923"/>
+            <a:ext cx="4402013" cy="1293028"/>
+          </a:xfrm>
+        </p:spPr>
         <p:txBody>
           <a:bodyPr/>
           <a:lstStyle/>
           <a:p>
+            <a:pPr algn="ctr"/>
             <a:r>
               <a:rPr lang="en-US" dirty="0">
                 <a:latin typeface="Garamond" panose="02020404030301010803" pitchFamily="18" charset="0"/>
               </a:rPr>
-              <a:t>Open-loop circuit design –  Linkwitz Transform</a:t>
+              <a:t>Impedance</a:t>
+            </a:r>
+            <a:br>
+              <a:rPr lang="en-US" dirty="0">
+                <a:latin typeface="Garamond" panose="02020404030301010803" pitchFamily="18" charset="0"/>
+              </a:rPr>
+            </a:br>
+            <a:r>
+              <a:rPr lang="en-US" dirty="0">
+                <a:latin typeface="Garamond" panose="02020404030301010803" pitchFamily="18" charset="0"/>
+              </a:rPr>
+              <a:t>Measurements</a:t>
             </a:r>
           </a:p>
         </p:txBody>
       </p:sp>
+      <p:pic>
+        <p:nvPicPr>
+          <p:cNvPr id="5" name="Picture 4" descr="A close up of a mans face&#10;&#10;Description automatically generated">
+            <a:extLst>
+              <a:ext uri="{FF2B5EF4-FFF2-40B4-BE49-F238E27FC236}">
+                <a16:creationId xmlns:a16="http://schemas.microsoft.com/office/drawing/2014/main" id="{59BD52CD-9494-A54A-8A5B-E6D937DD51F2}"/>
+              </a:ext>
+            </a:extLst>
+          </p:cNvPr>
+          <p:cNvPicPr>
+            <a:picLocks noChangeAspect="1"/>
+          </p:cNvPicPr>
+          <p:nvPr/>
+        </p:nvPicPr>
+        <p:blipFill rotWithShape="1">
+          <a:blip r:embed="rId2"/>
+          <a:srcRect l="10193" t="4364" r="7885" b="4364"/>
+          <a:stretch/>
+        </p:blipFill>
+        <p:spPr>
+          <a:xfrm>
+            <a:off x="3188839" y="1828800"/>
+            <a:ext cx="9003161" cy="5029200"/>
+          </a:xfrm>
+          <a:prstGeom prst="rect">
+            <a:avLst/>
+          </a:prstGeom>
+        </p:spPr>
+      </p:pic>
+      <p:pic>
+        <p:nvPicPr>
+          <p:cNvPr id="2050" name="Picture 2">
+            <a:extLst>
+              <a:ext uri="{FF2B5EF4-FFF2-40B4-BE49-F238E27FC236}">
+                <a16:creationId xmlns:a16="http://schemas.microsoft.com/office/drawing/2014/main" id="{A5D52522-EE10-3A46-861C-FB5105E70C09}"/>
+              </a:ext>
+            </a:extLst>
+          </p:cNvPr>
+          <p:cNvPicPr>
+            <a:picLocks noChangeAspect="1" noChangeArrowheads="1"/>
+          </p:cNvPicPr>
+          <p:nvPr/>
+        </p:nvPicPr>
+        <p:blipFill rotWithShape="1">
+          <a:blip r:embed="rId3">
+            <a:extLst>
+              <a:ext uri="{28A0092B-C50C-407E-A947-70E740481C1C}">
+                <a14:useLocalDpi xmlns:a14="http://schemas.microsoft.com/office/drawing/2010/main" val="0"/>
+              </a:ext>
+            </a:extLst>
+          </a:blip>
+          <a:srcRect t="30427" b="29915"/>
+          <a:stretch/>
+        </p:blipFill>
+        <p:spPr bwMode="auto">
+          <a:xfrm>
+            <a:off x="-1" y="0"/>
+            <a:ext cx="6148551" cy="1828800"/>
+          </a:xfrm>
+          <a:prstGeom prst="rect">
+            <a:avLst/>
+          </a:prstGeom>
+          <a:noFill/>
+          <a:extLst>
+            <a:ext uri="{909E8E84-426E-40DD-AFC4-6F175D3DCCD1}">
+              <a14:hiddenFill xmlns:a14="http://schemas.microsoft.com/office/drawing/2010/main">
+                <a:solidFill>
+                  <a:srgbClr val="FFFFFF"/>
+                </a:solidFill>
+              </a14:hiddenFill>
+            </a:ext>
+          </a:extLst>
+        </p:spPr>
+      </p:pic>
       <p:sp>
         <p:nvSpPr>
-          <p:cNvPr id="3" name="Content Placeholder 2">
+          <p:cNvPr id="12" name="Content Placeholder 2">
             <a:extLst>
               <a:ext uri="{FF2B5EF4-FFF2-40B4-BE49-F238E27FC236}">
-                <a16:creationId xmlns:a16="http://schemas.microsoft.com/office/drawing/2014/main" id="{BC7AE9F6-EB9E-9246-958A-D77FE475F3AF}"/>
+                <a16:creationId xmlns:a16="http://schemas.microsoft.com/office/drawing/2014/main" id="{659E240E-76FF-7742-99AE-6E2CF48A0498}"/>
               </a:ext>
             </a:extLst>
           </p:cNvPr>
@@ -25017,8 +29340,8 @@
         </p:nvSpPr>
         <p:spPr>
           <a:xfrm>
-            <a:off x="100844" y="1489920"/>
-            <a:ext cx="10820400" cy="4024125"/>
+            <a:off x="-1" y="2669931"/>
+            <a:ext cx="3364524" cy="3346938"/>
           </a:xfrm>
         </p:spPr>
         <p:txBody>
@@ -25029,7 +29352,7 @@
               <a:rPr lang="en-US" dirty="0">
                 <a:latin typeface="Garamond" panose="02020404030301010803" pitchFamily="18" charset="0"/>
               </a:rPr>
-              <a:t>For a loudspeaker in an enclosure:</a:t>
+              <a:t>All different permutation of connections were made and measured:</a:t>
             </a:r>
           </a:p>
           <a:p>
@@ -25038,7 +29361,7 @@
               <a:rPr lang="en-US" dirty="0">
                 <a:latin typeface="Garamond" panose="02020404030301010803" pitchFamily="18" charset="0"/>
               </a:rPr>
-              <a:t>Brings up magnitude response</a:t>
+              <a:t>Series</a:t>
             </a:r>
           </a:p>
           <a:p>
@@ -25047,7 +29370,16 @@
               <a:rPr lang="en-US" dirty="0">
                 <a:latin typeface="Garamond" panose="02020404030301010803" pitchFamily="18" charset="0"/>
               </a:rPr>
-              <a:t>Reduces group delay</a:t>
+              <a:t>Parallel (in 1 out 2)</a:t>
+            </a:r>
+          </a:p>
+          <a:p>
+            <a:pPr lvl="1"/>
+            <a:r>
+              <a:rPr lang="en-US" dirty="0">
+                <a:latin typeface="Garamond" panose="02020404030301010803" pitchFamily="18" charset="0"/>
+              </a:rPr>
+              <a:t>Anti-parallel (in 2 out 1)</a:t>
             </a:r>
           </a:p>
           <a:p>
@@ -25055,3680 +29387,20 @@
               <a:rPr lang="en-US" dirty="0">
                 <a:latin typeface="Garamond" panose="02020404030301010803" pitchFamily="18" charset="0"/>
               </a:rPr>
-              <a:t>Easy to design, made trivial using resources on the late designer’s website</a:t>
+              <a:t>Replace manufacturer given T/S parameters with these – also yields more accurate Bl</a:t>
             </a:r>
+          </a:p>
+          <a:p>
+            <a:endParaRPr lang="en-US" dirty="0">
+              <a:latin typeface="Garamond" panose="02020404030301010803" pitchFamily="18" charset="0"/>
+            </a:endParaRPr>
           </a:p>
         </p:txBody>
       </p:sp>
-      <p:grpSp>
-        <p:nvGrpSpPr>
-          <p:cNvPr id="5" name="Group 4">
-            <a:extLst>
-              <a:ext uri="{FF2B5EF4-FFF2-40B4-BE49-F238E27FC236}">
-                <a16:creationId xmlns:a16="http://schemas.microsoft.com/office/drawing/2014/main" id="{936B3055-93FF-2E4C-8A0A-7CB36D77094C}"/>
-              </a:ext>
-            </a:extLst>
-          </p:cNvPr>
-          <p:cNvGrpSpPr/>
-          <p:nvPr/>
-        </p:nvGrpSpPr>
-        <p:grpSpPr>
-          <a:xfrm>
-            <a:off x="267970" y="3027375"/>
-            <a:ext cx="5828030" cy="3546449"/>
-            <a:chOff x="0" y="0"/>
-            <a:chExt cx="5828306" cy="3546475"/>
-          </a:xfrm>
-        </p:grpSpPr>
-        <p:grpSp>
-          <p:nvGrpSpPr>
-            <p:cNvPr id="7" name="Group 6">
-              <a:extLst>
-                <a:ext uri="{FF2B5EF4-FFF2-40B4-BE49-F238E27FC236}">
-                  <a16:creationId xmlns:a16="http://schemas.microsoft.com/office/drawing/2014/main" id="{8FE7A60D-DDA4-8544-8245-C7B1D9729276}"/>
-                </a:ext>
-              </a:extLst>
-            </p:cNvPr>
-            <p:cNvGrpSpPr/>
-            <p:nvPr/>
-          </p:nvGrpSpPr>
-          <p:grpSpPr>
-            <a:xfrm>
-              <a:off x="0" y="0"/>
-              <a:ext cx="5828306" cy="3546475"/>
-              <a:chOff x="0" y="0"/>
-              <a:chExt cx="5828306" cy="3546475"/>
-            </a:xfrm>
-          </p:grpSpPr>
-          <p:grpSp>
-            <p:nvGrpSpPr>
-              <p:cNvPr id="14" name="Group 13">
-                <a:extLst>
-                  <a:ext uri="{FF2B5EF4-FFF2-40B4-BE49-F238E27FC236}">
-                    <a16:creationId xmlns:a16="http://schemas.microsoft.com/office/drawing/2014/main" id="{175AD3DC-1B58-6B4D-8F26-572405CFD754}"/>
-                  </a:ext>
-                </a:extLst>
-              </p:cNvPr>
-              <p:cNvGrpSpPr/>
-              <p:nvPr/>
-            </p:nvGrpSpPr>
-            <p:grpSpPr>
-              <a:xfrm>
-                <a:off x="0" y="0"/>
-                <a:ext cx="5828306" cy="3546475"/>
-                <a:chOff x="0" y="0"/>
-                <a:chExt cx="5828306" cy="3546475"/>
-              </a:xfrm>
-            </p:grpSpPr>
-            <p:grpSp>
-              <p:nvGrpSpPr>
-                <p:cNvPr id="17" name="Group 16">
-                  <a:extLst>
-                    <a:ext uri="{FF2B5EF4-FFF2-40B4-BE49-F238E27FC236}">
-                      <a16:creationId xmlns:a16="http://schemas.microsoft.com/office/drawing/2014/main" id="{FCA5A3FC-EDAB-E04D-8E52-AFA47C1F8965}"/>
-                    </a:ext>
-                  </a:extLst>
-                </p:cNvPr>
-                <p:cNvGrpSpPr/>
-                <p:nvPr/>
-              </p:nvGrpSpPr>
-              <p:grpSpPr>
-                <a:xfrm>
-                  <a:off x="0" y="0"/>
-                  <a:ext cx="5828306" cy="3546475"/>
-                  <a:chOff x="0" y="0"/>
-                  <a:chExt cx="5828306" cy="3546475"/>
-                </a:xfrm>
-              </p:grpSpPr>
-              <p:pic>
-                <p:nvPicPr>
-                  <p:cNvPr id="19" name="Picture 18">
-                    <a:extLst>
-                      <a:ext uri="{FF2B5EF4-FFF2-40B4-BE49-F238E27FC236}">
-                        <a16:creationId xmlns:a16="http://schemas.microsoft.com/office/drawing/2014/main" id="{18A41607-5BA1-1E41-81E0-E040AF3D76F1}"/>
-                      </a:ext>
-                    </a:extLst>
-                  </p:cNvPr>
-                  <p:cNvPicPr>
-                    <a:picLocks noChangeAspect="1"/>
-                  </p:cNvPicPr>
-                  <p:nvPr/>
-                </p:nvPicPr>
-                <p:blipFill>
-                  <a:blip r:embed="rId2">
-                    <a:extLst>
-                      <a:ext uri="{28A0092B-C50C-407E-A947-70E740481C1C}">
-                        <a14:useLocalDpi xmlns:a14="http://schemas.microsoft.com/office/drawing/2010/main" val="0"/>
-                      </a:ext>
-                    </a:extLst>
-                  </a:blip>
-                  <a:srcRect/>
-                  <a:stretch>
-                    <a:fillRect/>
-                  </a:stretch>
-                </p:blipFill>
-                <p:spPr bwMode="auto">
-                  <a:xfrm>
-                    <a:off x="278296" y="0"/>
-                    <a:ext cx="5152390" cy="3546475"/>
-                  </a:xfrm>
-                  <a:prstGeom prst="rect">
-                    <a:avLst/>
-                  </a:prstGeom>
-                  <a:noFill/>
-                  <a:ln>
-                    <a:noFill/>
-                  </a:ln>
-                </p:spPr>
-              </p:pic>
-              <mc:AlternateContent xmlns:mc="http://schemas.openxmlformats.org/markup-compatibility/2006" xmlns:a14="http://schemas.microsoft.com/office/drawing/2010/main">
-                <mc:Choice Requires="a14">
-                  <p:sp>
-                    <p:nvSpPr>
-                      <p:cNvPr id="20" name="Text Box 163">
-                        <a:extLst>
-                          <a:ext uri="{FF2B5EF4-FFF2-40B4-BE49-F238E27FC236}">
-                            <a16:creationId xmlns:a16="http://schemas.microsoft.com/office/drawing/2014/main" id="{107A7B5A-5CF8-5D42-AFE7-BB915BF48DBC}"/>
-                          </a:ext>
-                        </a:extLst>
-                      </p:cNvPr>
-                      <p:cNvSpPr txBox="1"/>
-                      <p:nvPr/>
-                    </p:nvSpPr>
-                    <p:spPr>
-                      <a:xfrm>
-                        <a:off x="0" y="2250219"/>
-                        <a:ext cx="317252" cy="278296"/>
-                      </a:xfrm>
-                      <a:prstGeom prst="rect">
-                        <a:avLst/>
-                      </a:prstGeom>
-                      <a:noFill/>
-                      <a:ln w="9525">
-                        <a:noFill/>
-                      </a:ln>
-                    </p:spPr>
-                    <p:txBody>
-                      <a:bodyPr rot="0" spcFirstLastPara="0" vert="horz" wrap="square" lIns="91440" tIns="45720" rIns="91440" bIns="45720" numCol="1" spcCol="0" rtlCol="0" fromWordArt="0" anchor="t" anchorCtr="0" forceAA="0" compatLnSpc="1">
-                        <a:prstTxWarp prst="textNoShape">
-                          <a:avLst/>
-                        </a:prstTxWarp>
-                        <a:noAutofit/>
-                      </a:bodyPr>
-                      <a:lstStyle/>
-                      <a:p>
-                        <a:pPr>
-                          <a:spcAft>
-                            <a:spcPts val="0"/>
-                          </a:spcAft>
-                        </a:pPr>
-                        <a14:m>
-                          <m:oMathPara xmlns:m="http://schemas.openxmlformats.org/officeDocument/2006/math">
-                            <m:oMathParaPr>
-                              <m:jc m:val="centerGroup"/>
-                            </m:oMathParaPr>
-                            <m:oMath xmlns:m="http://schemas.openxmlformats.org/officeDocument/2006/math">
-                              <m:sSub>
-                                <m:sSubPr>
-                                  <m:ctrlPr>
-                                    <a:rPr lang="en-GB" sz="1000" i="1">
-                                      <a:effectLst/>
-                                      <a:latin typeface="Cambria Math" panose="02040503050406030204" pitchFamily="18" charset="0"/>
-                                      <a:ea typeface="Calibri" panose="020F0502020204030204" pitchFamily="34" charset="0"/>
-                                      <a:cs typeface="Times New Roman (Body CS)"/>
-                                    </a:rPr>
-                                  </m:ctrlPr>
-                                </m:sSubPr>
-                                <m:e>
-                                  <m:r>
-                                    <a:rPr lang="en-GB" sz="1000" i="1">
-                                      <a:effectLst/>
-                                      <a:latin typeface="Cambria Math" panose="02040503050406030204" pitchFamily="18" charset="0"/>
-                                      <a:ea typeface="Calibri" panose="020F0502020204030204" pitchFamily="34" charset="0"/>
-                                      <a:cs typeface="Times New Roman (Body CS)"/>
-                                    </a:rPr>
-                                    <m:t>𝑉</m:t>
-                                  </m:r>
-                                </m:e>
-                                <m:sub>
-                                  <m:r>
-                                    <a:rPr lang="en-GB" sz="1000" i="1">
-                                      <a:effectLst/>
-                                      <a:latin typeface="Cambria Math" panose="02040503050406030204" pitchFamily="18" charset="0"/>
-                                      <a:ea typeface="Calibri" panose="020F0502020204030204" pitchFamily="34" charset="0"/>
-                                      <a:cs typeface="Times New Roman (Body CS)"/>
-                                    </a:rPr>
-                                    <m:t>𝑖𝑛</m:t>
-                                  </m:r>
-                                </m:sub>
-                              </m:sSub>
-                            </m:oMath>
-                          </m:oMathPara>
-                        </a14:m>
-                        <a:endParaRPr lang="en-GB" sz="1200">
-                          <a:effectLst/>
-                          <a:latin typeface="Garamond" panose="02020404030301010803" pitchFamily="18" charset="0"/>
-                          <a:ea typeface="Calibri" panose="020F0502020204030204" pitchFamily="34" charset="0"/>
-                          <a:cs typeface="Times New Roman (Body CS)"/>
-                        </a:endParaRPr>
-                      </a:p>
-                    </p:txBody>
-                  </p:sp>
-                </mc:Choice>
-                <mc:Fallback xmlns="">
-                  <p:sp>
-                    <p:nvSpPr>
-                      <p:cNvPr id="20" name="Text Box 163">
-                        <a:extLst>
-                          <a:ext uri="{FF2B5EF4-FFF2-40B4-BE49-F238E27FC236}">
-                            <a16:creationId xmlns:a16="http://schemas.microsoft.com/office/drawing/2014/main" id="{107A7B5A-5CF8-5D42-AFE7-BB915BF48DBC}"/>
-                          </a:ext>
-                        </a:extLst>
-                      </p:cNvPr>
-                      <p:cNvSpPr txBox="1">
-                        <a:spLocks noRot="1" noChangeAspect="1" noMove="1" noResize="1" noEditPoints="1" noAdjustHandles="1" noChangeArrowheads="1" noChangeShapeType="1" noTextEdit="1"/>
-                      </p:cNvSpPr>
-                      <p:nvPr/>
-                    </p:nvSpPr>
-                    <p:spPr>
-                      <a:xfrm>
-                        <a:off x="0" y="2250219"/>
-                        <a:ext cx="317252" cy="278296"/>
-                      </a:xfrm>
-                      <a:prstGeom prst="rect">
-                        <a:avLst/>
-                      </a:prstGeom>
-                      <a:blipFill>
-                        <a:blip r:embed="rId3"/>
-                        <a:stretch>
-                          <a:fillRect/>
-                        </a:stretch>
-                      </a:blipFill>
-                      <a:ln w="9525">
-                        <a:noFill/>
-                      </a:ln>
-                    </p:spPr>
-                    <p:txBody>
-                      <a:bodyPr/>
-                      <a:lstStyle/>
-                      <a:p>
-                        <a:r>
-                          <a:rPr lang="en-US">
-                            <a:noFill/>
-                          </a:rPr>
-                          <a:t> </a:t>
-                        </a:r>
-                      </a:p>
-                    </p:txBody>
-                  </p:sp>
-                </mc:Fallback>
-              </mc:AlternateContent>
-              <mc:AlternateContent xmlns:mc="http://schemas.openxmlformats.org/markup-compatibility/2006" xmlns:a14="http://schemas.microsoft.com/office/drawing/2010/main">
-                <mc:Choice Requires="a14">
-                  <p:sp>
-                    <p:nvSpPr>
-                      <p:cNvPr id="21" name="Text Box 164">
-                        <a:extLst>
-                          <a:ext uri="{FF2B5EF4-FFF2-40B4-BE49-F238E27FC236}">
-                            <a16:creationId xmlns:a16="http://schemas.microsoft.com/office/drawing/2014/main" id="{E12ECC88-3611-A343-9B19-182AEF6007A6}"/>
-                          </a:ext>
-                        </a:extLst>
-                      </p:cNvPr>
-                      <p:cNvSpPr txBox="1"/>
-                      <p:nvPr/>
-                    </p:nvSpPr>
-                    <p:spPr>
-                      <a:xfrm>
-                        <a:off x="5359179" y="2544417"/>
-                        <a:ext cx="469127" cy="278296"/>
-                      </a:xfrm>
-                      <a:prstGeom prst="rect">
-                        <a:avLst/>
-                      </a:prstGeom>
-                      <a:noFill/>
-                      <a:ln w="9525">
-                        <a:noFill/>
-                      </a:ln>
-                    </p:spPr>
-                    <p:txBody>
-                      <a:bodyPr rot="0" spcFirstLastPara="0" vert="horz" wrap="square" lIns="91440" tIns="45720" rIns="91440" bIns="45720" numCol="1" spcCol="0" rtlCol="0" fromWordArt="0" anchor="t" anchorCtr="0" forceAA="0" compatLnSpc="1">
-                        <a:prstTxWarp prst="textNoShape">
-                          <a:avLst/>
-                        </a:prstTxWarp>
-                        <a:noAutofit/>
-                      </a:bodyPr>
-                      <a:lstStyle/>
-                      <a:p>
-                        <a:pPr>
-                          <a:spcAft>
-                            <a:spcPts val="0"/>
-                          </a:spcAft>
-                        </a:pPr>
-                        <a14:m>
-                          <m:oMathPara xmlns:m="http://schemas.openxmlformats.org/officeDocument/2006/math">
-                            <m:oMathParaPr>
-                              <m:jc m:val="centerGroup"/>
-                            </m:oMathParaPr>
-                            <m:oMath xmlns:m="http://schemas.openxmlformats.org/officeDocument/2006/math">
-                              <m:sSub>
-                                <m:sSubPr>
-                                  <m:ctrlPr>
-                                    <a:rPr lang="en-GB" sz="1000" i="1">
-                                      <a:effectLst/>
-                                      <a:latin typeface="Cambria Math" panose="02040503050406030204" pitchFamily="18" charset="0"/>
-                                      <a:ea typeface="Calibri" panose="020F0502020204030204" pitchFamily="34" charset="0"/>
-                                      <a:cs typeface="Times New Roman (Body CS)"/>
-                                    </a:rPr>
-                                  </m:ctrlPr>
-                                </m:sSubPr>
-                                <m:e>
-                                  <m:r>
-                                    <a:rPr lang="en-GB" sz="1000" i="1">
-                                      <a:effectLst/>
-                                      <a:latin typeface="Cambria Math" panose="02040503050406030204" pitchFamily="18" charset="0"/>
-                                      <a:ea typeface="Calibri" panose="020F0502020204030204" pitchFamily="34" charset="0"/>
-                                      <a:cs typeface="Times New Roman (Body CS)"/>
-                                    </a:rPr>
-                                    <m:t>𝑉</m:t>
-                                  </m:r>
-                                </m:e>
-                                <m:sub>
-                                  <m:r>
-                                    <a:rPr lang="en-GB" sz="1000" i="1">
-                                      <a:effectLst/>
-                                      <a:latin typeface="Cambria Math" panose="02040503050406030204" pitchFamily="18" charset="0"/>
-                                      <a:ea typeface="Calibri" panose="020F0502020204030204" pitchFamily="34" charset="0"/>
-                                      <a:cs typeface="Times New Roman (Body CS)"/>
-                                    </a:rPr>
-                                    <m:t>𝑜𝑢𝑡</m:t>
-                                  </m:r>
-                                </m:sub>
-                              </m:sSub>
-                            </m:oMath>
-                          </m:oMathPara>
-                        </a14:m>
-                        <a:endParaRPr lang="en-GB" sz="1200">
-                          <a:effectLst/>
-                          <a:latin typeface="Garamond" panose="02020404030301010803" pitchFamily="18" charset="0"/>
-                          <a:ea typeface="Calibri" panose="020F0502020204030204" pitchFamily="34" charset="0"/>
-                          <a:cs typeface="Times New Roman (Body CS)"/>
-                        </a:endParaRPr>
-                      </a:p>
-                    </p:txBody>
-                  </p:sp>
-                </mc:Choice>
-                <mc:Fallback xmlns="">
-                  <p:sp>
-                    <p:nvSpPr>
-                      <p:cNvPr id="21" name="Text Box 164">
-                        <a:extLst>
-                          <a:ext uri="{FF2B5EF4-FFF2-40B4-BE49-F238E27FC236}">
-                            <a16:creationId xmlns:a16="http://schemas.microsoft.com/office/drawing/2014/main" id="{E12ECC88-3611-A343-9B19-182AEF6007A6}"/>
-                          </a:ext>
-                        </a:extLst>
-                      </p:cNvPr>
-                      <p:cNvSpPr txBox="1">
-                        <a:spLocks noRot="1" noChangeAspect="1" noMove="1" noResize="1" noEditPoints="1" noAdjustHandles="1" noChangeArrowheads="1" noChangeShapeType="1" noTextEdit="1"/>
-                      </p:cNvSpPr>
-                      <p:nvPr/>
-                    </p:nvSpPr>
-                    <p:spPr>
-                      <a:xfrm>
-                        <a:off x="5359179" y="2544417"/>
-                        <a:ext cx="469127" cy="278296"/>
-                      </a:xfrm>
-                      <a:prstGeom prst="rect">
-                        <a:avLst/>
-                      </a:prstGeom>
-                      <a:blipFill>
-                        <a:blip r:embed="rId4"/>
-                        <a:stretch>
-                          <a:fillRect/>
-                        </a:stretch>
-                      </a:blipFill>
-                      <a:ln w="9525">
-                        <a:noFill/>
-                      </a:ln>
-                    </p:spPr>
-                    <p:txBody>
-                      <a:bodyPr/>
-                      <a:lstStyle/>
-                      <a:p>
-                        <a:r>
-                          <a:rPr lang="en-US">
-                            <a:noFill/>
-                          </a:rPr>
-                          <a:t> </a:t>
-                        </a:r>
-                      </a:p>
-                    </p:txBody>
-                  </p:sp>
-                </mc:Fallback>
-              </mc:AlternateContent>
-              <mc:AlternateContent xmlns:mc="http://schemas.openxmlformats.org/markup-compatibility/2006" xmlns:a14="http://schemas.microsoft.com/office/drawing/2010/main">
-                <mc:Choice Requires="a14">
-                  <p:sp>
-                    <p:nvSpPr>
-                      <p:cNvPr id="22" name="Text Box 165">
-                        <a:extLst>
-                          <a:ext uri="{FF2B5EF4-FFF2-40B4-BE49-F238E27FC236}">
-                            <a16:creationId xmlns:a16="http://schemas.microsoft.com/office/drawing/2014/main" id="{AC2986C1-BCAF-B94F-92B3-812E5980F964}"/>
-                          </a:ext>
-                        </a:extLst>
-                      </p:cNvPr>
-                      <p:cNvSpPr txBox="1"/>
-                      <p:nvPr/>
-                    </p:nvSpPr>
-                    <p:spPr>
-                      <a:xfrm>
-                        <a:off x="3745065" y="2130949"/>
-                        <a:ext cx="469127" cy="278296"/>
-                      </a:xfrm>
-                      <a:prstGeom prst="rect">
-                        <a:avLst/>
-                      </a:prstGeom>
-                      <a:noFill/>
-                      <a:ln w="9525">
-                        <a:noFill/>
-                      </a:ln>
-                    </p:spPr>
-                    <p:txBody>
-                      <a:bodyPr rot="0" spcFirstLastPara="0" vert="horz" wrap="square" lIns="91440" tIns="45720" rIns="91440" bIns="45720" numCol="1" spcCol="0" rtlCol="0" fromWordArt="0" anchor="t" anchorCtr="0" forceAA="0" compatLnSpc="1">
-                        <a:prstTxWarp prst="textNoShape">
-                          <a:avLst/>
-                        </a:prstTxWarp>
-                        <a:noAutofit/>
-                      </a:bodyPr>
-                      <a:lstStyle/>
-                      <a:p>
-                        <a:pPr>
-                          <a:spcAft>
-                            <a:spcPts val="0"/>
-                          </a:spcAft>
-                        </a:pPr>
-                        <a14:m>
-                          <m:oMathPara xmlns:m="http://schemas.openxmlformats.org/officeDocument/2006/math">
-                            <m:oMathParaPr>
-                              <m:jc m:val="centerGroup"/>
-                            </m:oMathParaPr>
-                            <m:oMath xmlns:m="http://schemas.openxmlformats.org/officeDocument/2006/math">
-                              <m:sSub>
-                                <m:sSubPr>
-                                  <m:ctrlPr>
-                                    <a:rPr lang="en-GB" sz="1000" i="1">
-                                      <a:effectLst/>
-                                      <a:latin typeface="Cambria Math" panose="02040503050406030204" pitchFamily="18" charset="0"/>
-                                      <a:ea typeface="Calibri" panose="020F0502020204030204" pitchFamily="34" charset="0"/>
-                                      <a:cs typeface="Times New Roman (Body CS)"/>
-                                    </a:rPr>
-                                  </m:ctrlPr>
-                                </m:sSubPr>
-                                <m:e>
-                                  <m:r>
-                                    <a:rPr lang="en-GB" sz="1000" i="1">
-                                      <a:effectLst/>
-                                      <a:latin typeface="Cambria Math" panose="02040503050406030204" pitchFamily="18" charset="0"/>
-                                      <a:ea typeface="Calibri" panose="020F0502020204030204" pitchFamily="34" charset="0"/>
-                                      <a:cs typeface="Times New Roman (Body CS)"/>
-                                    </a:rPr>
-                                    <m:t>+</m:t>
-                                  </m:r>
-                                  <m:r>
-                                    <a:rPr lang="en-GB" sz="1000" i="1">
-                                      <a:effectLst/>
-                                      <a:latin typeface="Cambria Math" panose="02040503050406030204" pitchFamily="18" charset="0"/>
-                                      <a:ea typeface="Calibri" panose="020F0502020204030204" pitchFamily="34" charset="0"/>
-                                      <a:cs typeface="Times New Roman (Body CS)"/>
-                                    </a:rPr>
-                                    <m:t>𝑉</m:t>
-                                  </m:r>
-                                </m:e>
-                                <m:sub>
-                                  <m:r>
-                                    <a:rPr lang="en-GB" sz="1000" i="1">
-                                      <a:effectLst/>
-                                      <a:latin typeface="Cambria Math" panose="02040503050406030204" pitchFamily="18" charset="0"/>
-                                      <a:ea typeface="Calibri" panose="020F0502020204030204" pitchFamily="34" charset="0"/>
-                                      <a:cs typeface="Times New Roman (Body CS)"/>
-                                    </a:rPr>
-                                    <m:t>𝑠</m:t>
-                                  </m:r>
-                                </m:sub>
-                              </m:sSub>
-                            </m:oMath>
-                          </m:oMathPara>
-                        </a14:m>
-                        <a:endParaRPr lang="en-GB" sz="1200">
-                          <a:effectLst/>
-                          <a:latin typeface="Garamond" panose="02020404030301010803" pitchFamily="18" charset="0"/>
-                          <a:ea typeface="Calibri" panose="020F0502020204030204" pitchFamily="34" charset="0"/>
-                          <a:cs typeface="Times New Roman (Body CS)"/>
-                        </a:endParaRPr>
-                      </a:p>
-                    </p:txBody>
-                  </p:sp>
-                </mc:Choice>
-                <mc:Fallback xmlns="">
-                  <p:sp>
-                    <p:nvSpPr>
-                      <p:cNvPr id="22" name="Text Box 165">
-                        <a:extLst>
-                          <a:ext uri="{FF2B5EF4-FFF2-40B4-BE49-F238E27FC236}">
-                            <a16:creationId xmlns:a16="http://schemas.microsoft.com/office/drawing/2014/main" id="{AC2986C1-BCAF-B94F-92B3-812E5980F964}"/>
-                          </a:ext>
-                        </a:extLst>
-                      </p:cNvPr>
-                      <p:cNvSpPr txBox="1">
-                        <a:spLocks noRot="1" noChangeAspect="1" noMove="1" noResize="1" noEditPoints="1" noAdjustHandles="1" noChangeArrowheads="1" noChangeShapeType="1" noTextEdit="1"/>
-                      </p:cNvSpPr>
-                      <p:nvPr/>
-                    </p:nvSpPr>
-                    <p:spPr>
-                      <a:xfrm>
-                        <a:off x="3745065" y="2130949"/>
-                        <a:ext cx="469127" cy="278296"/>
-                      </a:xfrm>
-                      <a:prstGeom prst="rect">
-                        <a:avLst/>
-                      </a:prstGeom>
-                      <a:blipFill>
-                        <a:blip r:embed="rId5"/>
-                        <a:stretch>
-                          <a:fillRect/>
-                        </a:stretch>
-                      </a:blipFill>
-                      <a:ln w="9525">
-                        <a:noFill/>
-                      </a:ln>
-                    </p:spPr>
-                    <p:txBody>
-                      <a:bodyPr/>
-                      <a:lstStyle/>
-                      <a:p>
-                        <a:r>
-                          <a:rPr lang="en-US">
-                            <a:noFill/>
-                          </a:rPr>
-                          <a:t> </a:t>
-                        </a:r>
-                      </a:p>
-                    </p:txBody>
-                  </p:sp>
-                </mc:Fallback>
-              </mc:AlternateContent>
-              <mc:AlternateContent xmlns:mc="http://schemas.openxmlformats.org/markup-compatibility/2006" xmlns:a14="http://schemas.microsoft.com/office/drawing/2010/main">
-                <mc:Choice Requires="a14">
-                  <p:sp>
-                    <p:nvSpPr>
-                      <p:cNvPr id="23" name="Text Box 166">
-                        <a:extLst>
-                          <a:ext uri="{FF2B5EF4-FFF2-40B4-BE49-F238E27FC236}">
-                            <a16:creationId xmlns:a16="http://schemas.microsoft.com/office/drawing/2014/main" id="{B4E331ED-D01F-3243-B6D4-31EE31657370}"/>
-                          </a:ext>
-                        </a:extLst>
-                      </p:cNvPr>
-                      <p:cNvSpPr txBox="1"/>
-                      <p:nvPr/>
-                    </p:nvSpPr>
-                    <p:spPr>
-                      <a:xfrm>
-                        <a:off x="3760967" y="2918129"/>
-                        <a:ext cx="469127" cy="278296"/>
-                      </a:xfrm>
-                      <a:prstGeom prst="rect">
-                        <a:avLst/>
-                      </a:prstGeom>
-                      <a:noFill/>
-                      <a:ln w="9525">
-                        <a:noFill/>
-                      </a:ln>
-                    </p:spPr>
-                    <p:txBody>
-                      <a:bodyPr rot="0" spcFirstLastPara="0" vert="horz" wrap="square" lIns="91440" tIns="45720" rIns="91440" bIns="45720" numCol="1" spcCol="0" rtlCol="0" fromWordArt="0" anchor="t" anchorCtr="0" forceAA="0" compatLnSpc="1">
-                        <a:prstTxWarp prst="textNoShape">
-                          <a:avLst/>
-                        </a:prstTxWarp>
-                        <a:noAutofit/>
-                      </a:bodyPr>
-                      <a:lstStyle/>
-                      <a:p>
-                        <a:pPr>
-                          <a:spcAft>
-                            <a:spcPts val="0"/>
-                          </a:spcAft>
-                        </a:pPr>
-                        <a14:m>
-                          <m:oMathPara xmlns:m="http://schemas.openxmlformats.org/officeDocument/2006/math">
-                            <m:oMathParaPr>
-                              <m:jc m:val="centerGroup"/>
-                            </m:oMathParaPr>
-                            <m:oMath xmlns:m="http://schemas.openxmlformats.org/officeDocument/2006/math">
-                              <m:sSub>
-                                <m:sSubPr>
-                                  <m:ctrlPr>
-                                    <a:rPr lang="en-GB" sz="1000" i="1">
-                                      <a:effectLst/>
-                                      <a:latin typeface="Cambria Math" panose="02040503050406030204" pitchFamily="18" charset="0"/>
-                                      <a:ea typeface="Calibri" panose="020F0502020204030204" pitchFamily="34" charset="0"/>
-                                      <a:cs typeface="Times New Roman (Body CS)"/>
-                                    </a:rPr>
-                                  </m:ctrlPr>
-                                </m:sSubPr>
-                                <m:e>
-                                  <m:r>
-                                    <a:rPr lang="en-GB" sz="1000" i="1">
-                                      <a:effectLst/>
-                                      <a:latin typeface="Cambria Math" panose="02040503050406030204" pitchFamily="18" charset="0"/>
-                                      <a:ea typeface="Calibri" panose="020F0502020204030204" pitchFamily="34" charset="0"/>
-                                      <a:cs typeface="Times New Roman (Body CS)"/>
-                                    </a:rPr>
-                                    <m:t>−</m:t>
-                                  </m:r>
-                                  <m:r>
-                                    <a:rPr lang="en-GB" sz="1000" i="1">
-                                      <a:effectLst/>
-                                      <a:latin typeface="Cambria Math" panose="02040503050406030204" pitchFamily="18" charset="0"/>
-                                      <a:ea typeface="Calibri" panose="020F0502020204030204" pitchFamily="34" charset="0"/>
-                                      <a:cs typeface="Times New Roman (Body CS)"/>
-                                    </a:rPr>
-                                    <m:t>𝑉</m:t>
-                                  </m:r>
-                                </m:e>
-                                <m:sub>
-                                  <m:r>
-                                    <a:rPr lang="en-GB" sz="1000" i="1">
-                                      <a:effectLst/>
-                                      <a:latin typeface="Cambria Math" panose="02040503050406030204" pitchFamily="18" charset="0"/>
-                                      <a:ea typeface="Calibri" panose="020F0502020204030204" pitchFamily="34" charset="0"/>
-                                      <a:cs typeface="Times New Roman (Body CS)"/>
-                                    </a:rPr>
-                                    <m:t>𝑠</m:t>
-                                  </m:r>
-                                </m:sub>
-                              </m:sSub>
-                            </m:oMath>
-                          </m:oMathPara>
-                        </a14:m>
-                        <a:endParaRPr lang="en-GB" sz="1200">
-                          <a:effectLst/>
-                          <a:latin typeface="Garamond" panose="02020404030301010803" pitchFamily="18" charset="0"/>
-                          <a:ea typeface="Calibri" panose="020F0502020204030204" pitchFamily="34" charset="0"/>
-                          <a:cs typeface="Times New Roman (Body CS)"/>
-                        </a:endParaRPr>
-                      </a:p>
-                    </p:txBody>
-                  </p:sp>
-                </mc:Choice>
-                <mc:Fallback xmlns="">
-                  <p:sp>
-                    <p:nvSpPr>
-                      <p:cNvPr id="23" name="Text Box 166">
-                        <a:extLst>
-                          <a:ext uri="{FF2B5EF4-FFF2-40B4-BE49-F238E27FC236}">
-                            <a16:creationId xmlns:a16="http://schemas.microsoft.com/office/drawing/2014/main" id="{B4E331ED-D01F-3243-B6D4-31EE31657370}"/>
-                          </a:ext>
-                        </a:extLst>
-                      </p:cNvPr>
-                      <p:cNvSpPr txBox="1">
-                        <a:spLocks noRot="1" noChangeAspect="1" noMove="1" noResize="1" noEditPoints="1" noAdjustHandles="1" noChangeArrowheads="1" noChangeShapeType="1" noTextEdit="1"/>
-                      </p:cNvSpPr>
-                      <p:nvPr/>
-                    </p:nvSpPr>
-                    <p:spPr>
-                      <a:xfrm>
-                        <a:off x="3760967" y="2918129"/>
-                        <a:ext cx="469127" cy="278296"/>
-                      </a:xfrm>
-                      <a:prstGeom prst="rect">
-                        <a:avLst/>
-                      </a:prstGeom>
-                      <a:blipFill>
-                        <a:blip r:embed="rId6"/>
-                        <a:stretch>
-                          <a:fillRect/>
-                        </a:stretch>
-                      </a:blipFill>
-                      <a:ln w="9525">
-                        <a:noFill/>
-                      </a:ln>
-                    </p:spPr>
-                    <p:txBody>
-                      <a:bodyPr/>
-                      <a:lstStyle/>
-                      <a:p>
-                        <a:r>
-                          <a:rPr lang="en-US">
-                            <a:noFill/>
-                          </a:rPr>
-                          <a:t> </a:t>
-                        </a:r>
-                      </a:p>
-                    </p:txBody>
-                  </p:sp>
-                </mc:Fallback>
-              </mc:AlternateContent>
-              <mc:AlternateContent xmlns:mc="http://schemas.openxmlformats.org/markup-compatibility/2006" xmlns:a14="http://schemas.microsoft.com/office/drawing/2010/main">
-                <mc:Choice Requires="a14">
-                  <p:sp>
-                    <p:nvSpPr>
-                      <p:cNvPr id="24" name="Text Box 167">
-                        <a:extLst>
-                          <a:ext uri="{FF2B5EF4-FFF2-40B4-BE49-F238E27FC236}">
-                            <a16:creationId xmlns:a16="http://schemas.microsoft.com/office/drawing/2014/main" id="{315EEEA9-5490-B047-8EC5-9785820189F8}"/>
-                          </a:ext>
-                        </a:extLst>
-                      </p:cNvPr>
-                      <p:cNvSpPr txBox="1"/>
-                      <p:nvPr/>
-                    </p:nvSpPr>
-                    <p:spPr>
-                      <a:xfrm>
-                        <a:off x="1264258" y="1876508"/>
-                        <a:ext cx="317252" cy="278296"/>
-                      </a:xfrm>
-                      <a:prstGeom prst="rect">
-                        <a:avLst/>
-                      </a:prstGeom>
-                      <a:noFill/>
-                      <a:ln w="9525">
-                        <a:noFill/>
-                      </a:ln>
-                    </p:spPr>
-                    <p:txBody>
-                      <a:bodyPr rot="0" spcFirstLastPara="0" vert="horz" wrap="square" lIns="91440" tIns="45720" rIns="91440" bIns="45720" numCol="1" spcCol="0" rtlCol="0" fromWordArt="0" anchor="t" anchorCtr="0" forceAA="0" compatLnSpc="1">
-                        <a:prstTxWarp prst="textNoShape">
-                          <a:avLst/>
-                        </a:prstTxWarp>
-                        <a:noAutofit/>
-                      </a:bodyPr>
-                      <a:lstStyle/>
-                      <a:p>
-                        <a:pPr>
-                          <a:spcAft>
-                            <a:spcPts val="0"/>
-                          </a:spcAft>
-                        </a:pPr>
-                        <a14:m>
-                          <m:oMathPara xmlns:m="http://schemas.openxmlformats.org/officeDocument/2006/math">
-                            <m:oMathParaPr>
-                              <m:jc m:val="centerGroup"/>
-                            </m:oMathParaPr>
-                            <m:oMath xmlns:m="http://schemas.openxmlformats.org/officeDocument/2006/math">
-                              <m:sSub>
-                                <m:sSubPr>
-                                  <m:ctrlPr>
-                                    <a:rPr lang="en-GB" sz="1000" i="1">
-                                      <a:effectLst/>
-                                      <a:latin typeface="Cambria Math" panose="02040503050406030204" pitchFamily="18" charset="0"/>
-                                      <a:ea typeface="Calibri" panose="020F0502020204030204" pitchFamily="34" charset="0"/>
-                                      <a:cs typeface="Times New Roman (Body CS)"/>
-                                    </a:rPr>
-                                  </m:ctrlPr>
-                                </m:sSubPr>
-                                <m:e>
-                                  <m:r>
-                                    <a:rPr lang="en-GB" sz="1000" i="1">
-                                      <a:effectLst/>
-                                      <a:latin typeface="Cambria Math" panose="02040503050406030204" pitchFamily="18" charset="0"/>
-                                      <a:ea typeface="Calibri" panose="020F0502020204030204" pitchFamily="34" charset="0"/>
-                                      <a:cs typeface="Times New Roman (Body CS)"/>
-                                    </a:rPr>
-                                    <m:t>𝑅</m:t>
-                                  </m:r>
-                                </m:e>
-                                <m:sub>
-                                  <m:r>
-                                    <a:rPr lang="en-GB" sz="1000" i="1">
-                                      <a:effectLst/>
-                                      <a:latin typeface="Cambria Math" panose="02040503050406030204" pitchFamily="18" charset="0"/>
-                                      <a:ea typeface="Calibri" panose="020F0502020204030204" pitchFamily="34" charset="0"/>
-                                      <a:cs typeface="Times New Roman (Body CS)"/>
-                                    </a:rPr>
-                                    <m:t>2</m:t>
-                                  </m:r>
-                                </m:sub>
-                              </m:sSub>
-                            </m:oMath>
-                          </m:oMathPara>
-                        </a14:m>
-                        <a:endParaRPr lang="en-GB" sz="1200">
-                          <a:effectLst/>
-                          <a:latin typeface="Garamond" panose="02020404030301010803" pitchFamily="18" charset="0"/>
-                          <a:ea typeface="Calibri" panose="020F0502020204030204" pitchFamily="34" charset="0"/>
-                          <a:cs typeface="Times New Roman (Body CS)"/>
-                        </a:endParaRPr>
-                      </a:p>
-                    </p:txBody>
-                  </p:sp>
-                </mc:Choice>
-                <mc:Fallback xmlns="">
-                  <p:sp>
-                    <p:nvSpPr>
-                      <p:cNvPr id="24" name="Text Box 167">
-                        <a:extLst>
-                          <a:ext uri="{FF2B5EF4-FFF2-40B4-BE49-F238E27FC236}">
-                            <a16:creationId xmlns:a16="http://schemas.microsoft.com/office/drawing/2014/main" id="{315EEEA9-5490-B047-8EC5-9785820189F8}"/>
-                          </a:ext>
-                        </a:extLst>
-                      </p:cNvPr>
-                      <p:cNvSpPr txBox="1">
-                        <a:spLocks noRot="1" noChangeAspect="1" noMove="1" noResize="1" noEditPoints="1" noAdjustHandles="1" noChangeArrowheads="1" noChangeShapeType="1" noTextEdit="1"/>
-                      </p:cNvSpPr>
-                      <p:nvPr/>
-                    </p:nvSpPr>
-                    <p:spPr>
-                      <a:xfrm>
-                        <a:off x="1264258" y="1876508"/>
-                        <a:ext cx="317252" cy="278296"/>
-                      </a:xfrm>
-                      <a:prstGeom prst="rect">
-                        <a:avLst/>
-                      </a:prstGeom>
-                      <a:blipFill>
-                        <a:blip r:embed="rId7"/>
-                        <a:stretch>
-                          <a:fillRect/>
-                        </a:stretch>
-                      </a:blipFill>
-                      <a:ln w="9525">
-                        <a:noFill/>
-                      </a:ln>
-                    </p:spPr>
-                    <p:txBody>
-                      <a:bodyPr/>
-                      <a:lstStyle/>
-                      <a:p>
-                        <a:r>
-                          <a:rPr lang="en-US">
-                            <a:noFill/>
-                          </a:rPr>
-                          <a:t> </a:t>
-                        </a:r>
-                      </a:p>
-                    </p:txBody>
-                  </p:sp>
-                </mc:Fallback>
-              </mc:AlternateContent>
-            </p:grpSp>
-            <mc:AlternateContent xmlns:mc="http://schemas.openxmlformats.org/markup-compatibility/2006" xmlns:a14="http://schemas.microsoft.com/office/drawing/2010/main">
-              <mc:Choice Requires="a14">
-                <p:sp>
-                  <p:nvSpPr>
-                    <p:cNvPr id="18" name="Text Box 169">
-                      <a:extLst>
-                        <a:ext uri="{FF2B5EF4-FFF2-40B4-BE49-F238E27FC236}">
-                          <a16:creationId xmlns:a16="http://schemas.microsoft.com/office/drawing/2014/main" id="{716173B0-E32A-CB4F-9819-3C87EE335DA9}"/>
-                        </a:ext>
-                      </a:extLst>
-                    </p:cNvPr>
-                    <p:cNvSpPr txBox="1"/>
-                    <p:nvPr/>
-                  </p:nvSpPr>
-                  <p:spPr>
-                    <a:xfrm>
-                      <a:off x="3442915" y="357809"/>
-                      <a:ext cx="317237" cy="278296"/>
-                    </a:xfrm>
-                    <a:prstGeom prst="rect">
-                      <a:avLst/>
-                    </a:prstGeom>
-                    <a:noFill/>
-                    <a:ln w="9525">
-                      <a:noFill/>
-                    </a:ln>
-                  </p:spPr>
-                  <p:txBody>
-                    <a:bodyPr rot="0" spcFirstLastPara="0" vert="horz" wrap="square" lIns="91440" tIns="45720" rIns="91440" bIns="45720" numCol="1" spcCol="0" rtlCol="0" fromWordArt="0" anchor="t" anchorCtr="0" forceAA="0" compatLnSpc="1">
-                      <a:prstTxWarp prst="textNoShape">
-                        <a:avLst/>
-                      </a:prstTxWarp>
-                      <a:noAutofit/>
-                    </a:bodyPr>
-                    <a:lstStyle/>
-                    <a:p>
-                      <a:pPr>
-                        <a:spcAft>
-                          <a:spcPts val="0"/>
-                        </a:spcAft>
-                      </a:pPr>
-                      <a14:m>
-                        <m:oMathPara xmlns:m="http://schemas.openxmlformats.org/officeDocument/2006/math">
-                          <m:oMathParaPr>
-                            <m:jc m:val="centerGroup"/>
-                          </m:oMathParaPr>
-                          <m:oMath xmlns:m="http://schemas.openxmlformats.org/officeDocument/2006/math">
-                            <m:sSub>
-                              <m:sSubPr>
-                                <m:ctrlPr>
-                                  <a:rPr lang="en-GB" sz="1000" i="1">
-                                    <a:effectLst/>
-                                    <a:latin typeface="Cambria Math" panose="02040503050406030204" pitchFamily="18" charset="0"/>
-                                    <a:ea typeface="Calibri" panose="020F0502020204030204" pitchFamily="34" charset="0"/>
-                                    <a:cs typeface="Times New Roman (Body CS)"/>
-                                  </a:rPr>
-                                </m:ctrlPr>
-                              </m:sSubPr>
-                              <m:e>
-                                <m:r>
-                                  <a:rPr lang="en-GB" sz="1000" i="1">
-                                    <a:effectLst/>
-                                    <a:latin typeface="Cambria Math" panose="02040503050406030204" pitchFamily="18" charset="0"/>
-                                    <a:ea typeface="Calibri" panose="020F0502020204030204" pitchFamily="34" charset="0"/>
-                                    <a:cs typeface="Times New Roman (Body CS)"/>
-                                  </a:rPr>
-                                  <m:t>𝑅</m:t>
-                                </m:r>
-                              </m:e>
-                              <m:sub>
-                                <m:r>
-                                  <a:rPr lang="en-GB" sz="1000" i="1">
-                                    <a:effectLst/>
-                                    <a:latin typeface="Cambria Math" panose="02040503050406030204" pitchFamily="18" charset="0"/>
-                                    <a:ea typeface="Calibri" panose="020F0502020204030204" pitchFamily="34" charset="0"/>
-                                    <a:cs typeface="Times New Roman (Body CS)"/>
-                                  </a:rPr>
-                                  <m:t>2</m:t>
-                                </m:r>
-                              </m:sub>
-                            </m:sSub>
-                          </m:oMath>
-                        </m:oMathPara>
-                      </a14:m>
-                      <a:endParaRPr lang="en-GB" sz="1200">
-                        <a:effectLst/>
-                        <a:latin typeface="Garamond" panose="02020404030301010803" pitchFamily="18" charset="0"/>
-                        <a:ea typeface="Calibri" panose="020F0502020204030204" pitchFamily="34" charset="0"/>
-                        <a:cs typeface="Times New Roman (Body CS)"/>
-                      </a:endParaRPr>
-                    </a:p>
-                  </p:txBody>
-                </p:sp>
-              </mc:Choice>
-              <mc:Fallback xmlns="">
-                <p:sp>
-                  <p:nvSpPr>
-                    <p:cNvPr id="18" name="Text Box 169">
-                      <a:extLst>
-                        <a:ext uri="{FF2B5EF4-FFF2-40B4-BE49-F238E27FC236}">
-                          <a16:creationId xmlns:a16="http://schemas.microsoft.com/office/drawing/2014/main" id="{716173B0-E32A-CB4F-9819-3C87EE335DA9}"/>
-                        </a:ext>
-                      </a:extLst>
-                    </p:cNvPr>
-                    <p:cNvSpPr txBox="1">
-                      <a:spLocks noRot="1" noChangeAspect="1" noMove="1" noResize="1" noEditPoints="1" noAdjustHandles="1" noChangeArrowheads="1" noChangeShapeType="1" noTextEdit="1"/>
-                    </p:cNvSpPr>
-                    <p:nvPr/>
-                  </p:nvSpPr>
-                  <p:spPr>
-                    <a:xfrm>
-                      <a:off x="3442915" y="357809"/>
-                      <a:ext cx="317237" cy="278296"/>
-                    </a:xfrm>
-                    <a:prstGeom prst="rect">
-                      <a:avLst/>
-                    </a:prstGeom>
-                    <a:blipFill>
-                      <a:blip r:embed="rId8"/>
-                      <a:stretch>
-                        <a:fillRect/>
-                      </a:stretch>
-                    </a:blipFill>
-                    <a:ln w="9525">
-                      <a:noFill/>
-                    </a:ln>
-                  </p:spPr>
-                  <p:txBody>
-                    <a:bodyPr/>
-                    <a:lstStyle/>
-                    <a:p>
-                      <a:r>
-                        <a:rPr lang="en-US">
-                          <a:noFill/>
-                        </a:rPr>
-                        <a:t> </a:t>
-                      </a:r>
-                    </a:p>
-                  </p:txBody>
-                </p:sp>
-              </mc:Fallback>
-            </mc:AlternateContent>
-          </p:grpSp>
-          <mc:AlternateContent xmlns:mc="http://schemas.openxmlformats.org/markup-compatibility/2006" xmlns:a14="http://schemas.microsoft.com/office/drawing/2010/main">
-            <mc:Choice Requires="a14">
-              <p:sp>
-                <p:nvSpPr>
-                  <p:cNvPr id="15" name="Text Box 183">
-                    <a:extLst>
-                      <a:ext uri="{FF2B5EF4-FFF2-40B4-BE49-F238E27FC236}">
-                        <a16:creationId xmlns:a16="http://schemas.microsoft.com/office/drawing/2014/main" id="{C234DF8E-93B1-EC42-BF0B-A870D506CF50}"/>
-                      </a:ext>
-                    </a:extLst>
-                  </p:cNvPr>
-                  <p:cNvSpPr txBox="1"/>
-                  <p:nvPr/>
-                </p:nvSpPr>
-                <p:spPr>
-                  <a:xfrm>
-                    <a:off x="1280160" y="2456953"/>
-                    <a:ext cx="317237" cy="278296"/>
-                  </a:xfrm>
-                  <a:prstGeom prst="rect">
-                    <a:avLst/>
-                  </a:prstGeom>
-                  <a:noFill/>
-                  <a:ln w="9525">
-                    <a:noFill/>
-                  </a:ln>
-                </p:spPr>
-                <p:txBody>
-                  <a:bodyPr rot="0" spcFirstLastPara="0" vert="horz" wrap="square" lIns="91440" tIns="45720" rIns="91440" bIns="45720" numCol="1" spcCol="0" rtlCol="0" fromWordArt="0" anchor="t" anchorCtr="0" forceAA="0" compatLnSpc="1">
-                    <a:prstTxWarp prst="textNoShape">
-                      <a:avLst/>
-                    </a:prstTxWarp>
-                    <a:noAutofit/>
-                  </a:bodyPr>
-                  <a:lstStyle/>
-                  <a:p>
-                    <a:pPr>
-                      <a:spcAft>
-                        <a:spcPts val="0"/>
-                      </a:spcAft>
-                    </a:pPr>
-                    <a14:m>
-                      <m:oMathPara xmlns:m="http://schemas.openxmlformats.org/officeDocument/2006/math">
-                        <m:oMathParaPr>
-                          <m:jc m:val="centerGroup"/>
-                        </m:oMathParaPr>
-                        <m:oMath xmlns:m="http://schemas.openxmlformats.org/officeDocument/2006/math">
-                          <m:sSub>
-                            <m:sSubPr>
-                              <m:ctrlPr>
-                                <a:rPr lang="en-GB" sz="1000" i="1">
-                                  <a:effectLst/>
-                                  <a:latin typeface="Cambria Math" panose="02040503050406030204" pitchFamily="18" charset="0"/>
-                                  <a:ea typeface="Calibri" panose="020F0502020204030204" pitchFamily="34" charset="0"/>
-                                  <a:cs typeface="Times New Roman (Body CS)"/>
-                                </a:rPr>
-                              </m:ctrlPr>
-                            </m:sSubPr>
-                            <m:e>
-                              <m:r>
-                                <a:rPr lang="en-GB" sz="1000" i="1">
-                                  <a:effectLst/>
-                                  <a:latin typeface="Cambria Math" panose="02040503050406030204" pitchFamily="18" charset="0"/>
-                                  <a:ea typeface="Calibri" panose="020F0502020204030204" pitchFamily="34" charset="0"/>
-                                  <a:cs typeface="Times New Roman (Body CS)"/>
-                                </a:rPr>
-                                <m:t>𝑅</m:t>
-                              </m:r>
-                            </m:e>
-                            <m:sub>
-                              <m:r>
-                                <a:rPr lang="en-GB" sz="1000" i="1">
-                                  <a:effectLst/>
-                                  <a:latin typeface="Cambria Math" panose="02040503050406030204" pitchFamily="18" charset="0"/>
-                                  <a:ea typeface="Calibri" panose="020F0502020204030204" pitchFamily="34" charset="0"/>
-                                  <a:cs typeface="Times New Roman (Body CS)"/>
-                                </a:rPr>
-                                <m:t>1</m:t>
-                              </m:r>
-                            </m:sub>
-                          </m:sSub>
-                        </m:oMath>
-                      </m:oMathPara>
-                    </a14:m>
-                    <a:endParaRPr lang="en-GB" sz="1200">
-                      <a:effectLst/>
-                      <a:latin typeface="Garamond" panose="02020404030301010803" pitchFamily="18" charset="0"/>
-                      <a:ea typeface="Calibri" panose="020F0502020204030204" pitchFamily="34" charset="0"/>
-                      <a:cs typeface="Times New Roman (Body CS)"/>
-                    </a:endParaRPr>
-                  </a:p>
-                </p:txBody>
-              </p:sp>
-            </mc:Choice>
-            <mc:Fallback xmlns="">
-              <p:sp>
-                <p:nvSpPr>
-                  <p:cNvPr id="15" name="Text Box 183">
-                    <a:extLst>
-                      <a:ext uri="{FF2B5EF4-FFF2-40B4-BE49-F238E27FC236}">
-                        <a16:creationId xmlns:a16="http://schemas.microsoft.com/office/drawing/2014/main" id="{C234DF8E-93B1-EC42-BF0B-A870D506CF50}"/>
-                      </a:ext>
-                    </a:extLst>
-                  </p:cNvPr>
-                  <p:cNvSpPr txBox="1">
-                    <a:spLocks noRot="1" noChangeAspect="1" noMove="1" noResize="1" noEditPoints="1" noAdjustHandles="1" noChangeArrowheads="1" noChangeShapeType="1" noTextEdit="1"/>
-                  </p:cNvSpPr>
-                  <p:nvPr/>
-                </p:nvSpPr>
-                <p:spPr>
-                  <a:xfrm>
-                    <a:off x="1280160" y="2456953"/>
-                    <a:ext cx="317237" cy="278296"/>
-                  </a:xfrm>
-                  <a:prstGeom prst="rect">
-                    <a:avLst/>
-                  </a:prstGeom>
-                  <a:blipFill>
-                    <a:blip r:embed="rId9"/>
-                    <a:stretch>
-                      <a:fillRect/>
-                    </a:stretch>
-                  </a:blipFill>
-                  <a:ln w="9525">
-                    <a:noFill/>
-                  </a:ln>
-                </p:spPr>
-                <p:txBody>
-                  <a:bodyPr/>
-                  <a:lstStyle/>
-                  <a:p>
-                    <a:r>
-                      <a:rPr lang="en-US">
-                        <a:noFill/>
-                      </a:rPr>
-                      <a:t> </a:t>
-                    </a:r>
-                  </a:p>
-                </p:txBody>
-              </p:sp>
-            </mc:Fallback>
-          </mc:AlternateContent>
-          <mc:AlternateContent xmlns:mc="http://schemas.openxmlformats.org/markup-compatibility/2006" xmlns:a14="http://schemas.microsoft.com/office/drawing/2010/main">
-            <mc:Choice Requires="a14">
-              <p:sp>
-                <p:nvSpPr>
-                  <p:cNvPr id="16" name="Text Box 185">
-                    <a:extLst>
-                      <a:ext uri="{FF2B5EF4-FFF2-40B4-BE49-F238E27FC236}">
-                        <a16:creationId xmlns:a16="http://schemas.microsoft.com/office/drawing/2014/main" id="{0F6DFE33-F6C2-1146-8E6B-922DA2C78145}"/>
-                      </a:ext>
-                    </a:extLst>
-                  </p:cNvPr>
-                  <p:cNvSpPr txBox="1"/>
-                  <p:nvPr/>
-                </p:nvSpPr>
-                <p:spPr>
-                  <a:xfrm>
-                    <a:off x="2226366" y="2449002"/>
-                    <a:ext cx="317237" cy="278296"/>
-                  </a:xfrm>
-                  <a:prstGeom prst="rect">
-                    <a:avLst/>
-                  </a:prstGeom>
-                  <a:noFill/>
-                  <a:ln w="9525">
-                    <a:noFill/>
-                  </a:ln>
-                </p:spPr>
-                <p:txBody>
-                  <a:bodyPr rot="0" spcFirstLastPara="0" vert="horz" wrap="square" lIns="91440" tIns="45720" rIns="91440" bIns="45720" numCol="1" spcCol="0" rtlCol="0" fromWordArt="0" anchor="t" anchorCtr="0" forceAA="0" compatLnSpc="1">
-                    <a:prstTxWarp prst="textNoShape">
-                      <a:avLst/>
-                    </a:prstTxWarp>
-                    <a:noAutofit/>
-                  </a:bodyPr>
-                  <a:lstStyle/>
-                  <a:p>
-                    <a:pPr>
-                      <a:spcAft>
-                        <a:spcPts val="0"/>
-                      </a:spcAft>
-                    </a:pPr>
-                    <a14:m>
-                      <m:oMathPara xmlns:m="http://schemas.openxmlformats.org/officeDocument/2006/math">
-                        <m:oMathParaPr>
-                          <m:jc m:val="centerGroup"/>
-                        </m:oMathParaPr>
-                        <m:oMath xmlns:m="http://schemas.openxmlformats.org/officeDocument/2006/math">
-                          <m:sSub>
-                            <m:sSubPr>
-                              <m:ctrlPr>
-                                <a:rPr lang="en-GB" sz="1000" i="1">
-                                  <a:effectLst/>
-                                  <a:latin typeface="Cambria Math" panose="02040503050406030204" pitchFamily="18" charset="0"/>
-                                  <a:ea typeface="Calibri" panose="020F0502020204030204" pitchFamily="34" charset="0"/>
-                                  <a:cs typeface="Times New Roman (Body CS)"/>
-                                </a:rPr>
-                              </m:ctrlPr>
-                            </m:sSubPr>
-                            <m:e>
-                              <m:r>
-                                <a:rPr lang="en-GB" sz="1000" i="1">
-                                  <a:effectLst/>
-                                  <a:latin typeface="Cambria Math" panose="02040503050406030204" pitchFamily="18" charset="0"/>
-                                  <a:ea typeface="Calibri" panose="020F0502020204030204" pitchFamily="34" charset="0"/>
-                                  <a:cs typeface="Times New Roman (Body CS)"/>
-                                </a:rPr>
-                                <m:t>𝑅</m:t>
-                              </m:r>
-                            </m:e>
-                            <m:sub>
-                              <m:r>
-                                <a:rPr lang="en-GB" sz="1000" i="1">
-                                  <a:effectLst/>
-                                  <a:latin typeface="Cambria Math" panose="02040503050406030204" pitchFamily="18" charset="0"/>
-                                  <a:ea typeface="Calibri" panose="020F0502020204030204" pitchFamily="34" charset="0"/>
-                                  <a:cs typeface="Times New Roman (Body CS)"/>
-                                </a:rPr>
-                                <m:t>1</m:t>
-                              </m:r>
-                            </m:sub>
-                          </m:sSub>
-                        </m:oMath>
-                      </m:oMathPara>
-                    </a14:m>
-                    <a:endParaRPr lang="en-GB" sz="1200">
-                      <a:effectLst/>
-                      <a:latin typeface="Garamond" panose="02020404030301010803" pitchFamily="18" charset="0"/>
-                      <a:ea typeface="Calibri" panose="020F0502020204030204" pitchFamily="34" charset="0"/>
-                      <a:cs typeface="Times New Roman (Body CS)"/>
-                    </a:endParaRPr>
-                  </a:p>
-                </p:txBody>
-              </p:sp>
-            </mc:Choice>
-            <mc:Fallback xmlns="">
-              <p:sp>
-                <p:nvSpPr>
-                  <p:cNvPr id="16" name="Text Box 185">
-                    <a:extLst>
-                      <a:ext uri="{FF2B5EF4-FFF2-40B4-BE49-F238E27FC236}">
-                        <a16:creationId xmlns:a16="http://schemas.microsoft.com/office/drawing/2014/main" id="{0F6DFE33-F6C2-1146-8E6B-922DA2C78145}"/>
-                      </a:ext>
-                    </a:extLst>
-                  </p:cNvPr>
-                  <p:cNvSpPr txBox="1">
-                    <a:spLocks noRot="1" noChangeAspect="1" noMove="1" noResize="1" noEditPoints="1" noAdjustHandles="1" noChangeArrowheads="1" noChangeShapeType="1" noTextEdit="1"/>
-                  </p:cNvSpPr>
-                  <p:nvPr/>
-                </p:nvSpPr>
-                <p:spPr>
-                  <a:xfrm>
-                    <a:off x="2226366" y="2449002"/>
-                    <a:ext cx="317237" cy="278296"/>
-                  </a:xfrm>
-                  <a:prstGeom prst="rect">
-                    <a:avLst/>
-                  </a:prstGeom>
-                  <a:blipFill>
-                    <a:blip r:embed="rId10"/>
-                    <a:stretch>
-                      <a:fillRect/>
-                    </a:stretch>
-                  </a:blipFill>
-                  <a:ln w="9525">
-                    <a:noFill/>
-                  </a:ln>
-                </p:spPr>
-                <p:txBody>
-                  <a:bodyPr/>
-                  <a:lstStyle/>
-                  <a:p>
-                    <a:r>
-                      <a:rPr lang="en-US">
-                        <a:noFill/>
-                      </a:rPr>
-                      <a:t> </a:t>
-                    </a:r>
-                  </a:p>
-                </p:txBody>
-              </p:sp>
-            </mc:Fallback>
-          </mc:AlternateContent>
-        </p:grpSp>
-        <mc:AlternateContent xmlns:mc="http://schemas.openxmlformats.org/markup-compatibility/2006" xmlns:a14="http://schemas.microsoft.com/office/drawing/2010/main">
-          <mc:Choice Requires="a14">
-            <p:sp>
-              <p:nvSpPr>
-                <p:cNvPr id="8" name="Text Box 182">
-                  <a:extLst>
-                    <a:ext uri="{FF2B5EF4-FFF2-40B4-BE49-F238E27FC236}">
-                      <a16:creationId xmlns:a16="http://schemas.microsoft.com/office/drawing/2014/main" id="{FD2CCF8A-6E04-8545-B007-CE6E70ACD4A3}"/>
-                    </a:ext>
-                  </a:extLst>
-                </p:cNvPr>
-                <p:cNvSpPr txBox="1"/>
-                <p:nvPr/>
-              </p:nvSpPr>
-              <p:spPr>
-                <a:xfrm>
-                  <a:off x="2393343" y="1574358"/>
-                  <a:ext cx="316865" cy="278130"/>
-                </a:xfrm>
-                <a:prstGeom prst="rect">
-                  <a:avLst/>
-                </a:prstGeom>
-                <a:noFill/>
-                <a:ln w="9525">
-                  <a:noFill/>
-                </a:ln>
-              </p:spPr>
-              <p:txBody>
-                <a:bodyPr rot="0" spcFirstLastPara="0" vert="horz" wrap="square" lIns="91440" tIns="45720" rIns="91440" bIns="45720" numCol="1" spcCol="0" rtlCol="0" fromWordArt="0" anchor="t" anchorCtr="0" forceAA="0" compatLnSpc="1">
-                  <a:prstTxWarp prst="textNoShape">
-                    <a:avLst/>
-                  </a:prstTxWarp>
-                  <a:noAutofit/>
-                </a:bodyPr>
-                <a:lstStyle/>
-                <a:p>
-                  <a:pPr>
-                    <a:spcAft>
-                      <a:spcPts val="0"/>
-                    </a:spcAft>
-                  </a:pPr>
-                  <a14:m>
-                    <m:oMathPara xmlns:m="http://schemas.openxmlformats.org/officeDocument/2006/math">
-                      <m:oMathParaPr>
-                        <m:jc m:val="centerGroup"/>
-                      </m:oMathParaPr>
-                      <m:oMath xmlns:m="http://schemas.openxmlformats.org/officeDocument/2006/math">
-                        <m:sSub>
-                          <m:sSubPr>
-                            <m:ctrlPr>
-                              <a:rPr lang="en-GB" sz="1000" i="1">
-                                <a:effectLst/>
-                                <a:latin typeface="Cambria Math" panose="02040503050406030204" pitchFamily="18" charset="0"/>
-                                <a:ea typeface="Calibri" panose="020F0502020204030204" pitchFamily="34" charset="0"/>
-                                <a:cs typeface="Times New Roman (Body CS)"/>
-                              </a:rPr>
-                            </m:ctrlPr>
-                          </m:sSubPr>
-                          <m:e>
-                            <m:r>
-                              <a:rPr lang="en-GB" sz="1000" i="1">
-                                <a:effectLst/>
-                                <a:latin typeface="Cambria Math" panose="02040503050406030204" pitchFamily="18" charset="0"/>
-                                <a:ea typeface="Calibri" panose="020F0502020204030204" pitchFamily="34" charset="0"/>
-                                <a:cs typeface="Times New Roman (Body CS)"/>
-                              </a:rPr>
-                              <m:t>𝐶</m:t>
-                            </m:r>
-                          </m:e>
-                          <m:sub>
-                            <m:r>
-                              <a:rPr lang="en-GB" sz="1000" i="1">
-                                <a:effectLst/>
-                                <a:latin typeface="Cambria Math" panose="02040503050406030204" pitchFamily="18" charset="0"/>
-                                <a:ea typeface="Calibri" panose="020F0502020204030204" pitchFamily="34" charset="0"/>
-                                <a:cs typeface="Times New Roman (Body CS)"/>
-                              </a:rPr>
-                              <m:t>2</m:t>
-                            </m:r>
-                          </m:sub>
-                        </m:sSub>
-                      </m:oMath>
-                    </m:oMathPara>
-                  </a14:m>
-                  <a:endParaRPr lang="en-GB" sz="1200">
-                    <a:effectLst/>
-                    <a:latin typeface="Garamond" panose="02020404030301010803" pitchFamily="18" charset="0"/>
-                    <a:ea typeface="Calibri" panose="020F0502020204030204" pitchFamily="34" charset="0"/>
-                    <a:cs typeface="Times New Roman (Body CS)"/>
-                  </a:endParaRPr>
-                </a:p>
-              </p:txBody>
-            </p:sp>
-          </mc:Choice>
-          <mc:Fallback xmlns="">
-            <p:sp>
-              <p:nvSpPr>
-                <p:cNvPr id="8" name="Text Box 182">
-                  <a:extLst>
-                    <a:ext uri="{FF2B5EF4-FFF2-40B4-BE49-F238E27FC236}">
-                      <a16:creationId xmlns:a16="http://schemas.microsoft.com/office/drawing/2014/main" id="{FD2CCF8A-6E04-8545-B007-CE6E70ACD4A3}"/>
-                    </a:ext>
-                  </a:extLst>
-                </p:cNvPr>
-                <p:cNvSpPr txBox="1">
-                  <a:spLocks noRot="1" noChangeAspect="1" noMove="1" noResize="1" noEditPoints="1" noAdjustHandles="1" noChangeArrowheads="1" noChangeShapeType="1" noTextEdit="1"/>
-                </p:cNvSpPr>
-                <p:nvPr/>
-              </p:nvSpPr>
-              <p:spPr>
-                <a:xfrm>
-                  <a:off x="2393343" y="1574358"/>
-                  <a:ext cx="316865" cy="278130"/>
-                </a:xfrm>
-                <a:prstGeom prst="rect">
-                  <a:avLst/>
-                </a:prstGeom>
-                <a:blipFill>
-                  <a:blip r:embed="rId11"/>
-                  <a:stretch>
-                    <a:fillRect/>
-                  </a:stretch>
-                </a:blipFill>
-                <a:ln w="9525">
-                  <a:noFill/>
-                </a:ln>
-              </p:spPr>
-              <p:txBody>
-                <a:bodyPr/>
-                <a:lstStyle/>
-                <a:p>
-                  <a:r>
-                    <a:rPr lang="en-US">
-                      <a:noFill/>
-                    </a:rPr>
-                    <a:t> </a:t>
-                  </a:r>
-                </a:p>
-              </p:txBody>
-            </p:sp>
-          </mc:Fallback>
-        </mc:AlternateContent>
-        <mc:AlternateContent xmlns:mc="http://schemas.openxmlformats.org/markup-compatibility/2006" xmlns:a14="http://schemas.microsoft.com/office/drawing/2010/main">
-          <mc:Choice Requires="a14">
-            <p:sp>
-              <p:nvSpPr>
-                <p:cNvPr id="9" name="Text Box 187">
-                  <a:extLst>
-                    <a:ext uri="{FF2B5EF4-FFF2-40B4-BE49-F238E27FC236}">
-                      <a16:creationId xmlns:a16="http://schemas.microsoft.com/office/drawing/2014/main" id="{BBE95287-8C28-3644-994F-213848A5CCC4}"/>
-                    </a:ext>
-                  </a:extLst>
-                </p:cNvPr>
-                <p:cNvSpPr txBox="1"/>
-                <p:nvPr/>
-              </p:nvSpPr>
-              <p:spPr>
-                <a:xfrm>
-                  <a:off x="4564049" y="55659"/>
-                  <a:ext cx="316865" cy="278130"/>
-                </a:xfrm>
-                <a:prstGeom prst="rect">
-                  <a:avLst/>
-                </a:prstGeom>
-                <a:noFill/>
-                <a:ln w="9525">
-                  <a:noFill/>
-                </a:ln>
-              </p:spPr>
-              <p:txBody>
-                <a:bodyPr rot="0" spcFirstLastPara="0" vert="horz" wrap="square" lIns="91440" tIns="45720" rIns="91440" bIns="45720" numCol="1" spcCol="0" rtlCol="0" fromWordArt="0" anchor="t" anchorCtr="0" forceAA="0" compatLnSpc="1">
-                  <a:prstTxWarp prst="textNoShape">
-                    <a:avLst/>
-                  </a:prstTxWarp>
-                  <a:noAutofit/>
-                </a:bodyPr>
-                <a:lstStyle/>
-                <a:p>
-                  <a:pPr>
-                    <a:spcAft>
-                      <a:spcPts val="0"/>
-                    </a:spcAft>
-                  </a:pPr>
-                  <a14:m>
-                    <m:oMathPara xmlns:m="http://schemas.openxmlformats.org/officeDocument/2006/math">
-                      <m:oMathParaPr>
-                        <m:jc m:val="centerGroup"/>
-                      </m:oMathParaPr>
-                      <m:oMath xmlns:m="http://schemas.openxmlformats.org/officeDocument/2006/math">
-                        <m:sSub>
-                          <m:sSubPr>
-                            <m:ctrlPr>
-                              <a:rPr lang="en-GB" sz="1000" i="1">
-                                <a:effectLst/>
-                                <a:latin typeface="Cambria Math" panose="02040503050406030204" pitchFamily="18" charset="0"/>
-                                <a:ea typeface="Calibri" panose="020F0502020204030204" pitchFamily="34" charset="0"/>
-                                <a:cs typeface="Times New Roman (Body CS)"/>
-                              </a:rPr>
-                            </m:ctrlPr>
-                          </m:sSubPr>
-                          <m:e>
-                            <m:r>
-                              <a:rPr lang="en-GB" sz="1000" i="1">
-                                <a:effectLst/>
-                                <a:latin typeface="Cambria Math" panose="02040503050406030204" pitchFamily="18" charset="0"/>
-                                <a:ea typeface="Calibri" panose="020F0502020204030204" pitchFamily="34" charset="0"/>
-                                <a:cs typeface="Times New Roman (Body CS)"/>
-                              </a:rPr>
-                              <m:t>𝐶</m:t>
-                            </m:r>
-                          </m:e>
-                          <m:sub>
-                            <m:r>
-                              <a:rPr lang="en-GB" sz="1000" i="1">
-                                <a:effectLst/>
-                                <a:latin typeface="Cambria Math" panose="02040503050406030204" pitchFamily="18" charset="0"/>
-                                <a:ea typeface="Calibri" panose="020F0502020204030204" pitchFamily="34" charset="0"/>
-                                <a:cs typeface="Times New Roman (Body CS)"/>
-                              </a:rPr>
-                              <m:t>2</m:t>
-                            </m:r>
-                          </m:sub>
-                        </m:sSub>
-                      </m:oMath>
-                    </m:oMathPara>
-                  </a14:m>
-                  <a:endParaRPr lang="en-GB" sz="1200">
-                    <a:effectLst/>
-                    <a:latin typeface="Garamond" panose="02020404030301010803" pitchFamily="18" charset="0"/>
-                    <a:ea typeface="Calibri" panose="020F0502020204030204" pitchFamily="34" charset="0"/>
-                    <a:cs typeface="Times New Roman (Body CS)"/>
-                  </a:endParaRPr>
-                </a:p>
-              </p:txBody>
-            </p:sp>
-          </mc:Choice>
-          <mc:Fallback xmlns="">
-            <p:sp>
-              <p:nvSpPr>
-                <p:cNvPr id="9" name="Text Box 187">
-                  <a:extLst>
-                    <a:ext uri="{FF2B5EF4-FFF2-40B4-BE49-F238E27FC236}">
-                      <a16:creationId xmlns:a16="http://schemas.microsoft.com/office/drawing/2014/main" id="{BBE95287-8C28-3644-994F-213848A5CCC4}"/>
-                    </a:ext>
-                  </a:extLst>
-                </p:cNvPr>
-                <p:cNvSpPr txBox="1">
-                  <a:spLocks noRot="1" noChangeAspect="1" noMove="1" noResize="1" noEditPoints="1" noAdjustHandles="1" noChangeArrowheads="1" noChangeShapeType="1" noTextEdit="1"/>
-                </p:cNvSpPr>
-                <p:nvPr/>
-              </p:nvSpPr>
-              <p:spPr>
-                <a:xfrm>
-                  <a:off x="4564049" y="55659"/>
-                  <a:ext cx="316865" cy="278130"/>
-                </a:xfrm>
-                <a:prstGeom prst="rect">
-                  <a:avLst/>
-                </a:prstGeom>
-                <a:blipFill>
-                  <a:blip r:embed="rId12"/>
-                  <a:stretch>
-                    <a:fillRect/>
-                  </a:stretch>
-                </a:blipFill>
-                <a:ln w="9525">
-                  <a:noFill/>
-                </a:ln>
-              </p:spPr>
-              <p:txBody>
-                <a:bodyPr/>
-                <a:lstStyle/>
-                <a:p>
-                  <a:r>
-                    <a:rPr lang="en-US">
-                      <a:noFill/>
-                    </a:rPr>
-                    <a:t> </a:t>
-                  </a:r>
-                </a:p>
-              </p:txBody>
-            </p:sp>
-          </mc:Fallback>
-        </mc:AlternateContent>
-        <mc:AlternateContent xmlns:mc="http://schemas.openxmlformats.org/markup-compatibility/2006" xmlns:a14="http://schemas.microsoft.com/office/drawing/2010/main">
-          <mc:Choice Requires="a14">
-            <p:sp>
-              <p:nvSpPr>
-                <p:cNvPr id="10" name="Text Box 188">
-                  <a:extLst>
-                    <a:ext uri="{FF2B5EF4-FFF2-40B4-BE49-F238E27FC236}">
-                      <a16:creationId xmlns:a16="http://schemas.microsoft.com/office/drawing/2014/main" id="{A09EF85E-9CE1-364F-94A6-412ABAC0A732}"/>
-                    </a:ext>
-                  </a:extLst>
-                </p:cNvPr>
-                <p:cNvSpPr txBox="1"/>
-                <p:nvPr/>
-              </p:nvSpPr>
-              <p:spPr>
-                <a:xfrm>
-                  <a:off x="1860605" y="2886323"/>
-                  <a:ext cx="316865" cy="278130"/>
-                </a:xfrm>
-                <a:prstGeom prst="rect">
-                  <a:avLst/>
-                </a:prstGeom>
-                <a:noFill/>
-                <a:ln w="9525">
-                  <a:noFill/>
-                </a:ln>
-              </p:spPr>
-              <p:txBody>
-                <a:bodyPr rot="0" spcFirstLastPara="0" vert="horz" wrap="square" lIns="91440" tIns="45720" rIns="91440" bIns="45720" numCol="1" spcCol="0" rtlCol="0" fromWordArt="0" anchor="t" anchorCtr="0" forceAA="0" compatLnSpc="1">
-                  <a:prstTxWarp prst="textNoShape">
-                    <a:avLst/>
-                  </a:prstTxWarp>
-                  <a:noAutofit/>
-                </a:bodyPr>
-                <a:lstStyle/>
-                <a:p>
-                  <a:pPr>
-                    <a:spcAft>
-                      <a:spcPts val="0"/>
-                    </a:spcAft>
-                  </a:pPr>
-                  <a14:m>
-                    <m:oMathPara xmlns:m="http://schemas.openxmlformats.org/officeDocument/2006/math">
-                      <m:oMathParaPr>
-                        <m:jc m:val="centerGroup"/>
-                      </m:oMathParaPr>
-                      <m:oMath xmlns:m="http://schemas.openxmlformats.org/officeDocument/2006/math">
-                        <m:sSub>
-                          <m:sSubPr>
-                            <m:ctrlPr>
-                              <a:rPr lang="en-GB" sz="1000" i="1">
-                                <a:effectLst/>
-                                <a:latin typeface="Cambria Math" panose="02040503050406030204" pitchFamily="18" charset="0"/>
-                                <a:ea typeface="Calibri" panose="020F0502020204030204" pitchFamily="34" charset="0"/>
-                                <a:cs typeface="Times New Roman (Body CS)"/>
-                              </a:rPr>
-                            </m:ctrlPr>
-                          </m:sSubPr>
-                          <m:e>
-                            <m:r>
-                              <a:rPr lang="en-GB" sz="1000" i="1">
-                                <a:effectLst/>
-                                <a:latin typeface="Cambria Math" panose="02040503050406030204" pitchFamily="18" charset="0"/>
-                                <a:ea typeface="Calibri" panose="020F0502020204030204" pitchFamily="34" charset="0"/>
-                                <a:cs typeface="Times New Roman (Body CS)"/>
-                              </a:rPr>
-                              <m:t>𝐶</m:t>
-                            </m:r>
-                          </m:e>
-                          <m:sub>
-                            <m:r>
-                              <a:rPr lang="en-GB" sz="1000" i="1">
-                                <a:effectLst/>
-                                <a:latin typeface="Cambria Math" panose="02040503050406030204" pitchFamily="18" charset="0"/>
-                                <a:ea typeface="Calibri" panose="020F0502020204030204" pitchFamily="34" charset="0"/>
-                                <a:cs typeface="Times New Roman (Body CS)"/>
-                              </a:rPr>
-                              <m:t>1</m:t>
-                            </m:r>
-                          </m:sub>
-                        </m:sSub>
-                      </m:oMath>
-                    </m:oMathPara>
-                  </a14:m>
-                  <a:endParaRPr lang="en-GB" sz="1200">
-                    <a:effectLst/>
-                    <a:latin typeface="Garamond" panose="02020404030301010803" pitchFamily="18" charset="0"/>
-                    <a:ea typeface="Calibri" panose="020F0502020204030204" pitchFamily="34" charset="0"/>
-                    <a:cs typeface="Times New Roman (Body CS)"/>
-                  </a:endParaRPr>
-                </a:p>
-              </p:txBody>
-            </p:sp>
-          </mc:Choice>
-          <mc:Fallback xmlns="">
-            <p:sp>
-              <p:nvSpPr>
-                <p:cNvPr id="10" name="Text Box 188">
-                  <a:extLst>
-                    <a:ext uri="{FF2B5EF4-FFF2-40B4-BE49-F238E27FC236}">
-                      <a16:creationId xmlns:a16="http://schemas.microsoft.com/office/drawing/2014/main" id="{A09EF85E-9CE1-364F-94A6-412ABAC0A732}"/>
-                    </a:ext>
-                  </a:extLst>
-                </p:cNvPr>
-                <p:cNvSpPr txBox="1">
-                  <a:spLocks noRot="1" noChangeAspect="1" noMove="1" noResize="1" noEditPoints="1" noAdjustHandles="1" noChangeArrowheads="1" noChangeShapeType="1" noTextEdit="1"/>
-                </p:cNvSpPr>
-                <p:nvPr/>
-              </p:nvSpPr>
-              <p:spPr>
-                <a:xfrm>
-                  <a:off x="1860605" y="2886323"/>
-                  <a:ext cx="316865" cy="278130"/>
-                </a:xfrm>
-                <a:prstGeom prst="rect">
-                  <a:avLst/>
-                </a:prstGeom>
-                <a:blipFill>
-                  <a:blip r:embed="rId13"/>
-                  <a:stretch>
-                    <a:fillRect/>
-                  </a:stretch>
-                </a:blipFill>
-                <a:ln w="9525">
-                  <a:noFill/>
-                </a:ln>
-              </p:spPr>
-              <p:txBody>
-                <a:bodyPr/>
-                <a:lstStyle/>
-                <a:p>
-                  <a:r>
-                    <a:rPr lang="en-US">
-                      <a:noFill/>
-                    </a:rPr>
-                    <a:t> </a:t>
-                  </a:r>
-                </a:p>
-              </p:txBody>
-            </p:sp>
-          </mc:Fallback>
-        </mc:AlternateContent>
-        <mc:AlternateContent xmlns:mc="http://schemas.openxmlformats.org/markup-compatibility/2006" xmlns:a14="http://schemas.microsoft.com/office/drawing/2010/main">
-          <mc:Choice Requires="a14">
-            <p:sp>
-              <p:nvSpPr>
-                <p:cNvPr id="11" name="Text Box 189">
-                  <a:extLst>
-                    <a:ext uri="{FF2B5EF4-FFF2-40B4-BE49-F238E27FC236}">
-                      <a16:creationId xmlns:a16="http://schemas.microsoft.com/office/drawing/2014/main" id="{62455AA0-4949-1944-8B7C-461CBC6F7450}"/>
-                    </a:ext>
-                  </a:extLst>
-                </p:cNvPr>
-                <p:cNvSpPr txBox="1"/>
-                <p:nvPr/>
-              </p:nvSpPr>
-              <p:spPr>
-                <a:xfrm>
-                  <a:off x="4039263" y="1343770"/>
-                  <a:ext cx="316865" cy="278130"/>
-                </a:xfrm>
-                <a:prstGeom prst="rect">
-                  <a:avLst/>
-                </a:prstGeom>
-                <a:noFill/>
-                <a:ln w="9525">
-                  <a:noFill/>
-                </a:ln>
-              </p:spPr>
-              <p:txBody>
-                <a:bodyPr rot="0" spcFirstLastPara="0" vert="horz" wrap="square" lIns="91440" tIns="45720" rIns="91440" bIns="45720" numCol="1" spcCol="0" rtlCol="0" fromWordArt="0" anchor="t" anchorCtr="0" forceAA="0" compatLnSpc="1">
-                  <a:prstTxWarp prst="textNoShape">
-                    <a:avLst/>
-                  </a:prstTxWarp>
-                  <a:noAutofit/>
-                </a:bodyPr>
-                <a:lstStyle/>
-                <a:p>
-                  <a:pPr>
-                    <a:spcAft>
-                      <a:spcPts val="0"/>
-                    </a:spcAft>
-                  </a:pPr>
-                  <a14:m>
-                    <m:oMathPara xmlns:m="http://schemas.openxmlformats.org/officeDocument/2006/math">
-                      <m:oMathParaPr>
-                        <m:jc m:val="centerGroup"/>
-                      </m:oMathParaPr>
-                      <m:oMath xmlns:m="http://schemas.openxmlformats.org/officeDocument/2006/math">
-                        <m:sSub>
-                          <m:sSubPr>
-                            <m:ctrlPr>
-                              <a:rPr lang="en-GB" sz="1000" i="1">
-                                <a:effectLst/>
-                                <a:latin typeface="Cambria Math" panose="02040503050406030204" pitchFamily="18" charset="0"/>
-                                <a:ea typeface="Calibri" panose="020F0502020204030204" pitchFamily="34" charset="0"/>
-                                <a:cs typeface="Times New Roman (Body CS)"/>
-                              </a:rPr>
-                            </m:ctrlPr>
-                          </m:sSubPr>
-                          <m:e>
-                            <m:r>
-                              <a:rPr lang="en-GB" sz="1000" i="1">
-                                <a:effectLst/>
-                                <a:latin typeface="Cambria Math" panose="02040503050406030204" pitchFamily="18" charset="0"/>
-                                <a:ea typeface="Calibri" panose="020F0502020204030204" pitchFamily="34" charset="0"/>
-                                <a:cs typeface="Times New Roman (Body CS)"/>
-                              </a:rPr>
-                              <m:t>𝐶</m:t>
-                            </m:r>
-                          </m:e>
-                          <m:sub>
-                            <m:r>
-                              <a:rPr lang="en-GB" sz="1000" i="1">
-                                <a:effectLst/>
-                                <a:latin typeface="Cambria Math" panose="02040503050406030204" pitchFamily="18" charset="0"/>
-                                <a:ea typeface="Calibri" panose="020F0502020204030204" pitchFamily="34" charset="0"/>
-                                <a:cs typeface="Times New Roman (Body CS)"/>
-                              </a:rPr>
-                              <m:t>3</m:t>
-                            </m:r>
-                          </m:sub>
-                        </m:sSub>
-                      </m:oMath>
-                    </m:oMathPara>
-                  </a14:m>
-                  <a:endParaRPr lang="en-GB" sz="1200">
-                    <a:effectLst/>
-                    <a:latin typeface="Garamond" panose="02020404030301010803" pitchFamily="18" charset="0"/>
-                    <a:ea typeface="Calibri" panose="020F0502020204030204" pitchFamily="34" charset="0"/>
-                    <a:cs typeface="Times New Roman (Body CS)"/>
-                  </a:endParaRPr>
-                </a:p>
-              </p:txBody>
-            </p:sp>
-          </mc:Choice>
-          <mc:Fallback xmlns="">
-            <p:sp>
-              <p:nvSpPr>
-                <p:cNvPr id="11" name="Text Box 189">
-                  <a:extLst>
-                    <a:ext uri="{FF2B5EF4-FFF2-40B4-BE49-F238E27FC236}">
-                      <a16:creationId xmlns:a16="http://schemas.microsoft.com/office/drawing/2014/main" id="{62455AA0-4949-1944-8B7C-461CBC6F7450}"/>
-                    </a:ext>
-                  </a:extLst>
-                </p:cNvPr>
-                <p:cNvSpPr txBox="1">
-                  <a:spLocks noRot="1" noChangeAspect="1" noMove="1" noResize="1" noEditPoints="1" noAdjustHandles="1" noChangeArrowheads="1" noChangeShapeType="1" noTextEdit="1"/>
-                </p:cNvSpPr>
-                <p:nvPr/>
-              </p:nvSpPr>
-              <p:spPr>
-                <a:xfrm>
-                  <a:off x="4039263" y="1343770"/>
-                  <a:ext cx="316865" cy="278130"/>
-                </a:xfrm>
-                <a:prstGeom prst="rect">
-                  <a:avLst/>
-                </a:prstGeom>
-                <a:blipFill>
-                  <a:blip r:embed="rId14"/>
-                  <a:stretch>
-                    <a:fillRect/>
-                  </a:stretch>
-                </a:blipFill>
-                <a:ln w="9525">
-                  <a:noFill/>
-                </a:ln>
-              </p:spPr>
-              <p:txBody>
-                <a:bodyPr/>
-                <a:lstStyle/>
-                <a:p>
-                  <a:r>
-                    <a:rPr lang="en-US">
-                      <a:noFill/>
-                    </a:rPr>
-                    <a:t> </a:t>
-                  </a:r>
-                </a:p>
-              </p:txBody>
-            </p:sp>
-          </mc:Fallback>
-        </mc:AlternateContent>
-        <mc:AlternateContent xmlns:mc="http://schemas.openxmlformats.org/markup-compatibility/2006" xmlns:a14="http://schemas.microsoft.com/office/drawing/2010/main">
-          <mc:Choice Requires="a14">
-            <p:sp>
-              <p:nvSpPr>
-                <p:cNvPr id="12" name="Text Box 172">
-                  <a:extLst>
-                    <a:ext uri="{FF2B5EF4-FFF2-40B4-BE49-F238E27FC236}">
-                      <a16:creationId xmlns:a16="http://schemas.microsoft.com/office/drawing/2014/main" id="{9F3DF373-978D-404E-B842-17FF9EC6C292}"/>
-                    </a:ext>
-                  </a:extLst>
-                </p:cNvPr>
-                <p:cNvSpPr txBox="1"/>
-                <p:nvPr/>
-              </p:nvSpPr>
-              <p:spPr>
-                <a:xfrm>
-                  <a:off x="3490623" y="922351"/>
-                  <a:ext cx="317237" cy="278296"/>
-                </a:xfrm>
-                <a:prstGeom prst="rect">
-                  <a:avLst/>
-                </a:prstGeom>
-                <a:noFill/>
-                <a:ln w="9525">
-                  <a:noFill/>
-                </a:ln>
-              </p:spPr>
-              <p:txBody>
-                <a:bodyPr rot="0" spcFirstLastPara="0" vert="horz" wrap="square" lIns="91440" tIns="45720" rIns="91440" bIns="45720" numCol="1" spcCol="0" rtlCol="0" fromWordArt="0" anchor="t" anchorCtr="0" forceAA="0" compatLnSpc="1">
-                  <a:prstTxWarp prst="textNoShape">
-                    <a:avLst/>
-                  </a:prstTxWarp>
-                  <a:noAutofit/>
-                </a:bodyPr>
-                <a:lstStyle/>
-                <a:p>
-                  <a:pPr>
-                    <a:spcAft>
-                      <a:spcPts val="0"/>
-                    </a:spcAft>
-                  </a:pPr>
-                  <a14:m>
-                    <m:oMathPara xmlns:m="http://schemas.openxmlformats.org/officeDocument/2006/math">
-                      <m:oMathParaPr>
-                        <m:jc m:val="centerGroup"/>
-                      </m:oMathParaPr>
-                      <m:oMath xmlns:m="http://schemas.openxmlformats.org/officeDocument/2006/math">
-                        <m:sSub>
-                          <m:sSubPr>
-                            <m:ctrlPr>
-                              <a:rPr lang="en-GB" sz="1000" i="1">
-                                <a:effectLst/>
-                                <a:latin typeface="Cambria Math" panose="02040503050406030204" pitchFamily="18" charset="0"/>
-                                <a:ea typeface="Calibri" panose="020F0502020204030204" pitchFamily="34" charset="0"/>
-                                <a:cs typeface="Times New Roman (Body CS)"/>
-                              </a:rPr>
-                            </m:ctrlPr>
-                          </m:sSubPr>
-                          <m:e>
-                            <m:r>
-                              <a:rPr lang="en-GB" sz="1000" i="1">
-                                <a:effectLst/>
-                                <a:latin typeface="Cambria Math" panose="02040503050406030204" pitchFamily="18" charset="0"/>
-                                <a:ea typeface="Calibri" panose="020F0502020204030204" pitchFamily="34" charset="0"/>
-                                <a:cs typeface="Times New Roman (Body CS)"/>
-                              </a:rPr>
-                              <m:t>𝑅</m:t>
-                            </m:r>
-                          </m:e>
-                          <m:sub>
-                            <m:r>
-                              <a:rPr lang="en-GB" sz="1000" i="1">
-                                <a:effectLst/>
-                                <a:latin typeface="Cambria Math" panose="02040503050406030204" pitchFamily="18" charset="0"/>
-                                <a:ea typeface="Calibri" panose="020F0502020204030204" pitchFamily="34" charset="0"/>
-                                <a:cs typeface="Times New Roman (Body CS)"/>
-                              </a:rPr>
-                              <m:t>3</m:t>
-                            </m:r>
-                          </m:sub>
-                        </m:sSub>
-                      </m:oMath>
-                    </m:oMathPara>
-                  </a14:m>
-                  <a:endParaRPr lang="en-GB" sz="1200">
-                    <a:effectLst/>
-                    <a:latin typeface="Garamond" panose="02020404030301010803" pitchFamily="18" charset="0"/>
-                    <a:ea typeface="Calibri" panose="020F0502020204030204" pitchFamily="34" charset="0"/>
-                    <a:cs typeface="Times New Roman (Body CS)"/>
-                  </a:endParaRPr>
-                </a:p>
-              </p:txBody>
-            </p:sp>
-          </mc:Choice>
-          <mc:Fallback xmlns="">
-            <p:sp>
-              <p:nvSpPr>
-                <p:cNvPr id="12" name="Text Box 172">
-                  <a:extLst>
-                    <a:ext uri="{FF2B5EF4-FFF2-40B4-BE49-F238E27FC236}">
-                      <a16:creationId xmlns:a16="http://schemas.microsoft.com/office/drawing/2014/main" id="{9F3DF373-978D-404E-B842-17FF9EC6C292}"/>
-                    </a:ext>
-                  </a:extLst>
-                </p:cNvPr>
-                <p:cNvSpPr txBox="1">
-                  <a:spLocks noRot="1" noChangeAspect="1" noMove="1" noResize="1" noEditPoints="1" noAdjustHandles="1" noChangeArrowheads="1" noChangeShapeType="1" noTextEdit="1"/>
-                </p:cNvSpPr>
-                <p:nvPr/>
-              </p:nvSpPr>
-              <p:spPr>
-                <a:xfrm>
-                  <a:off x="3490623" y="922351"/>
-                  <a:ext cx="317237" cy="278296"/>
-                </a:xfrm>
-                <a:prstGeom prst="rect">
-                  <a:avLst/>
-                </a:prstGeom>
-                <a:blipFill>
-                  <a:blip r:embed="rId15"/>
-                  <a:stretch>
-                    <a:fillRect/>
-                  </a:stretch>
-                </a:blipFill>
-                <a:ln w="9525">
-                  <a:noFill/>
-                </a:ln>
-              </p:spPr>
-              <p:txBody>
-                <a:bodyPr/>
-                <a:lstStyle/>
-                <a:p>
-                  <a:r>
-                    <a:rPr lang="en-US">
-                      <a:noFill/>
-                    </a:rPr>
-                    <a:t> </a:t>
-                  </a:r>
-                </a:p>
-              </p:txBody>
-            </p:sp>
-          </mc:Fallback>
-        </mc:AlternateContent>
-        <mc:AlternateContent xmlns:mc="http://schemas.openxmlformats.org/markup-compatibility/2006" xmlns:a14="http://schemas.microsoft.com/office/drawing/2010/main">
-          <mc:Choice Requires="a14">
-            <p:sp>
-              <p:nvSpPr>
-                <p:cNvPr id="13" name="Text Box 171">
-                  <a:extLst>
-                    <a:ext uri="{FF2B5EF4-FFF2-40B4-BE49-F238E27FC236}">
-                      <a16:creationId xmlns:a16="http://schemas.microsoft.com/office/drawing/2014/main" id="{483FEBD2-290F-3449-AF30-0F22F9C4B01B}"/>
-                    </a:ext>
-                  </a:extLst>
-                </p:cNvPr>
-                <p:cNvSpPr txBox="1"/>
-                <p:nvPr/>
-              </p:nvSpPr>
-              <p:spPr>
-                <a:xfrm>
-                  <a:off x="4420925" y="922351"/>
-                  <a:ext cx="317237" cy="278296"/>
-                </a:xfrm>
-                <a:prstGeom prst="rect">
-                  <a:avLst/>
-                </a:prstGeom>
-                <a:noFill/>
-                <a:ln w="9525">
-                  <a:noFill/>
-                </a:ln>
-              </p:spPr>
-              <p:txBody>
-                <a:bodyPr rot="0" spcFirstLastPara="0" vert="horz" wrap="square" lIns="91440" tIns="45720" rIns="91440" bIns="45720" numCol="1" spcCol="0" rtlCol="0" fromWordArt="0" anchor="t" anchorCtr="0" forceAA="0" compatLnSpc="1">
-                  <a:prstTxWarp prst="textNoShape">
-                    <a:avLst/>
-                  </a:prstTxWarp>
-                  <a:noAutofit/>
-                </a:bodyPr>
-                <a:lstStyle/>
-                <a:p>
-                  <a:pPr>
-                    <a:spcAft>
-                      <a:spcPts val="0"/>
-                    </a:spcAft>
-                  </a:pPr>
-                  <a14:m>
-                    <m:oMathPara xmlns:m="http://schemas.openxmlformats.org/officeDocument/2006/math">
-                      <m:oMathParaPr>
-                        <m:jc m:val="centerGroup"/>
-                      </m:oMathParaPr>
-                      <m:oMath xmlns:m="http://schemas.openxmlformats.org/officeDocument/2006/math">
-                        <m:sSub>
-                          <m:sSubPr>
-                            <m:ctrlPr>
-                              <a:rPr lang="en-GB" sz="1000" i="1">
-                                <a:effectLst/>
-                                <a:latin typeface="Cambria Math" panose="02040503050406030204" pitchFamily="18" charset="0"/>
-                                <a:ea typeface="Calibri" panose="020F0502020204030204" pitchFamily="34" charset="0"/>
-                                <a:cs typeface="Times New Roman (Body CS)"/>
-                              </a:rPr>
-                            </m:ctrlPr>
-                          </m:sSubPr>
-                          <m:e>
-                            <m:r>
-                              <a:rPr lang="en-GB" sz="1000" i="1">
-                                <a:effectLst/>
-                                <a:latin typeface="Cambria Math" panose="02040503050406030204" pitchFamily="18" charset="0"/>
-                                <a:ea typeface="Calibri" panose="020F0502020204030204" pitchFamily="34" charset="0"/>
-                                <a:cs typeface="Times New Roman (Body CS)"/>
-                              </a:rPr>
-                              <m:t>𝑅</m:t>
-                            </m:r>
-                          </m:e>
-                          <m:sub>
-                            <m:r>
-                              <a:rPr lang="en-GB" sz="1000" i="1">
-                                <a:effectLst/>
-                                <a:latin typeface="Cambria Math" panose="02040503050406030204" pitchFamily="18" charset="0"/>
-                                <a:ea typeface="Calibri" panose="020F0502020204030204" pitchFamily="34" charset="0"/>
-                                <a:cs typeface="Times New Roman (Body CS)"/>
-                              </a:rPr>
-                              <m:t>3</m:t>
-                            </m:r>
-                          </m:sub>
-                        </m:sSub>
-                      </m:oMath>
-                    </m:oMathPara>
-                  </a14:m>
-                  <a:endParaRPr lang="en-GB" sz="1200">
-                    <a:effectLst/>
-                    <a:latin typeface="Garamond" panose="02020404030301010803" pitchFamily="18" charset="0"/>
-                    <a:ea typeface="Calibri" panose="020F0502020204030204" pitchFamily="34" charset="0"/>
-                    <a:cs typeface="Times New Roman (Body CS)"/>
-                  </a:endParaRPr>
-                </a:p>
-              </p:txBody>
-            </p:sp>
-          </mc:Choice>
-          <mc:Fallback xmlns="">
-            <p:sp>
-              <p:nvSpPr>
-                <p:cNvPr id="13" name="Text Box 171">
-                  <a:extLst>
-                    <a:ext uri="{FF2B5EF4-FFF2-40B4-BE49-F238E27FC236}">
-                      <a16:creationId xmlns:a16="http://schemas.microsoft.com/office/drawing/2014/main" id="{483FEBD2-290F-3449-AF30-0F22F9C4B01B}"/>
-                    </a:ext>
-                  </a:extLst>
-                </p:cNvPr>
-                <p:cNvSpPr txBox="1">
-                  <a:spLocks noRot="1" noChangeAspect="1" noMove="1" noResize="1" noEditPoints="1" noAdjustHandles="1" noChangeArrowheads="1" noChangeShapeType="1" noTextEdit="1"/>
-                </p:cNvSpPr>
-                <p:nvPr/>
-              </p:nvSpPr>
-              <p:spPr>
-                <a:xfrm>
-                  <a:off x="4420925" y="922351"/>
-                  <a:ext cx="317237" cy="278296"/>
-                </a:xfrm>
-                <a:prstGeom prst="rect">
-                  <a:avLst/>
-                </a:prstGeom>
-                <a:blipFill>
-                  <a:blip r:embed="rId16"/>
-                  <a:stretch>
-                    <a:fillRect/>
-                  </a:stretch>
-                </a:blipFill>
-                <a:ln w="9525">
-                  <a:noFill/>
-                </a:ln>
-              </p:spPr>
-              <p:txBody>
-                <a:bodyPr/>
-                <a:lstStyle/>
-                <a:p>
-                  <a:r>
-                    <a:rPr lang="en-US">
-                      <a:noFill/>
-                    </a:rPr>
-                    <a:t> </a:t>
-                  </a:r>
-                </a:p>
-              </p:txBody>
-            </p:sp>
-          </mc:Fallback>
-        </mc:AlternateContent>
-      </p:grpSp>
-      <mc:AlternateContent xmlns:mc="http://schemas.openxmlformats.org/markup-compatibility/2006" xmlns:a14="http://schemas.microsoft.com/office/drawing/2010/main">
-        <mc:Choice Requires="a14">
-          <p:sp>
-            <p:nvSpPr>
-              <p:cNvPr id="26" name="TextBox 25">
-                <a:extLst>
-                  <a:ext uri="{FF2B5EF4-FFF2-40B4-BE49-F238E27FC236}">
-                    <a16:creationId xmlns:a16="http://schemas.microsoft.com/office/drawing/2014/main" id="{0EF685C7-E2F9-CC4E-A837-90CB76749340}"/>
-                  </a:ext>
-                </a:extLst>
-              </p:cNvPr>
-              <p:cNvSpPr txBox="1"/>
-              <p:nvPr/>
-            </p:nvSpPr>
-            <p:spPr>
-              <a:xfrm>
-                <a:off x="5763461" y="3494078"/>
-                <a:ext cx="2086708" cy="3611951"/>
-              </a:xfrm>
-              <a:prstGeom prst="rect">
-                <a:avLst/>
-              </a:prstGeom>
-              <a:noFill/>
-            </p:spPr>
-            <p:txBody>
-              <a:bodyPr wrap="square" rtlCol="0">
-                <a:spAutoFit/>
-              </a:bodyPr>
-              <a:lstStyle/>
-              <a:p>
-                <a:pPr algn="ctr"/>
-                <a14:m>
-                  <m:oMathPara xmlns:m="http://schemas.openxmlformats.org/officeDocument/2006/math">
-                    <m:oMathParaPr>
-                      <m:jc m:val="center"/>
-                    </m:oMathParaPr>
-                    <m:oMath xmlns:m="http://schemas.openxmlformats.org/officeDocument/2006/math">
-                      <m:sSub>
-                        <m:sSubPr>
-                          <m:ctrlPr>
-                            <a:rPr lang="en-US" sz="1400" i="1" smtClean="0">
-                              <a:latin typeface="Cambria Math" panose="02040503050406030204" pitchFamily="18" charset="0"/>
-                            </a:rPr>
-                          </m:ctrlPr>
-                        </m:sSubPr>
-                        <m:e>
-                          <m:r>
-                            <a:rPr lang="en-GB" sz="1400" b="0" i="1" smtClean="0">
-                              <a:latin typeface="Cambria Math" panose="02040503050406030204" pitchFamily="18" charset="0"/>
-                            </a:rPr>
-                            <m:t>𝑓</m:t>
-                          </m:r>
-                        </m:e>
-                        <m:sub>
-                          <m:r>
-                            <a:rPr lang="en-GB" sz="1400" b="0" i="1" smtClean="0">
-                              <a:latin typeface="Cambria Math" panose="02040503050406030204" pitchFamily="18" charset="0"/>
-                            </a:rPr>
-                            <m:t>0</m:t>
-                          </m:r>
-                        </m:sub>
-                      </m:sSub>
-                      <m:r>
-                        <a:rPr lang="en-GB" sz="1400" b="0" i="1" smtClean="0">
-                          <a:latin typeface="Cambria Math" panose="02040503050406030204" pitchFamily="18" charset="0"/>
-                        </a:rPr>
-                        <m:t>=</m:t>
-                      </m:r>
-                      <m:f>
-                        <m:fPr>
-                          <m:ctrlPr>
-                            <a:rPr lang="en-US" sz="1400" i="1" smtClean="0">
-                              <a:latin typeface="Cambria Math" panose="02040503050406030204" pitchFamily="18" charset="0"/>
-                            </a:rPr>
-                          </m:ctrlPr>
-                        </m:fPr>
-                        <m:num>
-                          <m:r>
-                            <a:rPr lang="en-GB" sz="1400" b="0" i="1" smtClean="0">
-                              <a:latin typeface="Cambria Math" panose="02040503050406030204" pitchFamily="18" charset="0"/>
-                            </a:rPr>
-                            <m:t>1</m:t>
-                          </m:r>
-                        </m:num>
-                        <m:den>
-                          <m:r>
-                            <a:rPr lang="en-GB" sz="1400" b="0" i="1" smtClean="0">
-                              <a:latin typeface="Cambria Math" panose="02040503050406030204" pitchFamily="18" charset="0"/>
-                            </a:rPr>
-                            <m:t>2</m:t>
-                          </m:r>
-                          <m:r>
-                            <a:rPr lang="en-GB" sz="1400" b="0" i="1" smtClean="0">
-                              <a:latin typeface="Cambria Math" panose="02040503050406030204" pitchFamily="18" charset="0"/>
-                              <a:ea typeface="Cambria Math" panose="02040503050406030204" pitchFamily="18" charset="0"/>
-                            </a:rPr>
-                            <m:t>𝜋</m:t>
-                          </m:r>
-                          <m:sSub>
-                            <m:sSubPr>
-                              <m:ctrlPr>
-                                <a:rPr lang="en-GB" sz="1400" b="0" i="1" smtClean="0">
-                                  <a:latin typeface="Cambria Math" panose="02040503050406030204" pitchFamily="18" charset="0"/>
-                                  <a:ea typeface="Cambria Math" panose="02040503050406030204" pitchFamily="18" charset="0"/>
-                                </a:rPr>
-                              </m:ctrlPr>
-                            </m:sSubPr>
-                            <m:e>
-                              <m:r>
-                                <a:rPr lang="en-GB" sz="1400" b="0" i="1" smtClean="0">
-                                  <a:latin typeface="Cambria Math" panose="02040503050406030204" pitchFamily="18" charset="0"/>
-                                  <a:ea typeface="Cambria Math" panose="02040503050406030204" pitchFamily="18" charset="0"/>
-                                </a:rPr>
-                                <m:t>𝑅</m:t>
-                              </m:r>
-                            </m:e>
-                            <m:sub>
-                              <m:r>
-                                <a:rPr lang="en-GB" sz="1400" b="0" i="1" smtClean="0">
-                                  <a:latin typeface="Cambria Math" panose="02040503050406030204" pitchFamily="18" charset="0"/>
-                                  <a:ea typeface="Cambria Math" panose="02040503050406030204" pitchFamily="18" charset="0"/>
-                                </a:rPr>
-                                <m:t>1</m:t>
-                              </m:r>
-                            </m:sub>
-                          </m:sSub>
-                          <m:rad>
-                            <m:radPr>
-                              <m:degHide m:val="on"/>
-                              <m:ctrlPr>
-                                <a:rPr lang="en-GB" sz="1400" b="0" i="1" smtClean="0">
-                                  <a:latin typeface="Cambria Math" panose="02040503050406030204" pitchFamily="18" charset="0"/>
-                                  <a:ea typeface="Cambria Math" panose="02040503050406030204" pitchFamily="18" charset="0"/>
-                                </a:rPr>
-                              </m:ctrlPr>
-                            </m:radPr>
-                            <m:deg/>
-                            <m:e>
-                              <m:sSub>
-                                <m:sSubPr>
-                                  <m:ctrlPr>
-                                    <a:rPr lang="en-GB" sz="1400" b="0" i="1" smtClean="0">
-                                      <a:latin typeface="Cambria Math" panose="02040503050406030204" pitchFamily="18" charset="0"/>
-                                      <a:ea typeface="Cambria Math" panose="02040503050406030204" pitchFamily="18" charset="0"/>
-                                    </a:rPr>
-                                  </m:ctrlPr>
-                                </m:sSubPr>
-                                <m:e>
-                                  <m:r>
-                                    <a:rPr lang="en-GB" sz="1400" b="0" i="1" smtClean="0">
-                                      <a:latin typeface="Cambria Math" panose="02040503050406030204" pitchFamily="18" charset="0"/>
-                                      <a:ea typeface="Cambria Math" panose="02040503050406030204" pitchFamily="18" charset="0"/>
-                                    </a:rPr>
-                                    <m:t>𝐶</m:t>
-                                  </m:r>
-                                </m:e>
-                                <m:sub>
-                                  <m:r>
-                                    <a:rPr lang="en-GB" sz="1400" b="0" i="1" smtClean="0">
-                                      <a:latin typeface="Cambria Math" panose="02040503050406030204" pitchFamily="18" charset="0"/>
-                                      <a:ea typeface="Cambria Math" panose="02040503050406030204" pitchFamily="18" charset="0"/>
-                                    </a:rPr>
-                                    <m:t>1</m:t>
-                                  </m:r>
-                                </m:sub>
-                              </m:sSub>
-                              <m:sSub>
-                                <m:sSubPr>
-                                  <m:ctrlPr>
-                                    <a:rPr lang="en-GB" sz="1400" b="0" i="1" smtClean="0">
-                                      <a:latin typeface="Cambria Math" panose="02040503050406030204" pitchFamily="18" charset="0"/>
-                                      <a:ea typeface="Cambria Math" panose="02040503050406030204" pitchFamily="18" charset="0"/>
-                                    </a:rPr>
-                                  </m:ctrlPr>
-                                </m:sSubPr>
-                                <m:e>
-                                  <m:r>
-                                    <a:rPr lang="en-GB" sz="1400" b="0" i="1" smtClean="0">
-                                      <a:latin typeface="Cambria Math" panose="02040503050406030204" pitchFamily="18" charset="0"/>
-                                      <a:ea typeface="Cambria Math" panose="02040503050406030204" pitchFamily="18" charset="0"/>
-                                    </a:rPr>
-                                    <m:t>𝐶</m:t>
-                                  </m:r>
-                                </m:e>
-                                <m:sub>
-                                  <m:r>
-                                    <a:rPr lang="en-GB" sz="1400" b="0" i="1" smtClean="0">
-                                      <a:latin typeface="Cambria Math" panose="02040503050406030204" pitchFamily="18" charset="0"/>
-                                      <a:ea typeface="Cambria Math" panose="02040503050406030204" pitchFamily="18" charset="0"/>
-                                    </a:rPr>
-                                    <m:t>2</m:t>
-                                  </m:r>
-                                </m:sub>
-                              </m:sSub>
-                            </m:e>
-                          </m:rad>
-                        </m:den>
-                      </m:f>
-                    </m:oMath>
-                  </m:oMathPara>
-                </a14:m>
-                <a:endParaRPr lang="en-US" sz="1400" dirty="0">
-                  <a:latin typeface="Garamond" panose="02020404030301010803" pitchFamily="18" charset="0"/>
-                </a:endParaRPr>
-              </a:p>
-              <a:p>
-                <a:pPr algn="ctr"/>
-                <a:endParaRPr lang="en-US" sz="1400" dirty="0">
-                  <a:latin typeface="Garamond" panose="02020404030301010803" pitchFamily="18" charset="0"/>
-                </a:endParaRPr>
-              </a:p>
-              <a:p>
-                <a:pPr algn="ctr"/>
-                <a14:m>
-                  <m:oMathPara xmlns:m="http://schemas.openxmlformats.org/officeDocument/2006/math">
-                    <m:oMathParaPr>
-                      <m:jc m:val="center"/>
-                    </m:oMathParaPr>
-                    <m:oMath xmlns:m="http://schemas.openxmlformats.org/officeDocument/2006/math">
-                      <m:sSub>
-                        <m:sSubPr>
-                          <m:ctrlPr>
-                            <a:rPr lang="en-US" sz="1400" i="1" smtClean="0">
-                              <a:latin typeface="Cambria Math" panose="02040503050406030204" pitchFamily="18" charset="0"/>
-                            </a:rPr>
-                          </m:ctrlPr>
-                        </m:sSubPr>
-                        <m:e>
-                          <m:r>
-                            <a:rPr lang="en-GB" sz="1400" b="0" i="1" smtClean="0">
-                              <a:latin typeface="Cambria Math" panose="02040503050406030204" pitchFamily="18" charset="0"/>
-                            </a:rPr>
-                            <m:t>𝑄</m:t>
-                          </m:r>
-                        </m:e>
-                        <m:sub>
-                          <m:r>
-                            <a:rPr lang="en-GB" sz="1400" b="0" i="1" smtClean="0">
-                              <a:latin typeface="Cambria Math" panose="02040503050406030204" pitchFamily="18" charset="0"/>
-                            </a:rPr>
-                            <m:t>0</m:t>
-                          </m:r>
-                        </m:sub>
-                      </m:sSub>
-                      <m:r>
-                        <a:rPr lang="en-GB" sz="1400" b="0" i="1" smtClean="0">
-                          <a:latin typeface="Cambria Math" panose="02040503050406030204" pitchFamily="18" charset="0"/>
-                        </a:rPr>
-                        <m:t>=</m:t>
-                      </m:r>
-                      <m:f>
-                        <m:fPr>
-                          <m:ctrlPr>
-                            <a:rPr lang="en-GB" sz="1400" b="0" i="1" smtClean="0">
-                              <a:latin typeface="Cambria Math" panose="02040503050406030204" pitchFamily="18" charset="0"/>
-                            </a:rPr>
-                          </m:ctrlPr>
-                        </m:fPr>
-                        <m:num>
-                          <m:sSub>
-                            <m:sSubPr>
-                              <m:ctrlPr>
-                                <a:rPr lang="en-GB" sz="1400" b="0" i="1" smtClean="0">
-                                  <a:latin typeface="Cambria Math" panose="02040503050406030204" pitchFamily="18" charset="0"/>
-                                </a:rPr>
-                              </m:ctrlPr>
-                            </m:sSubPr>
-                            <m:e>
-                              <m:r>
-                                <a:rPr lang="en-GB" sz="1400" b="0" i="1" smtClean="0">
-                                  <a:latin typeface="Cambria Math" panose="02040503050406030204" pitchFamily="18" charset="0"/>
-                                </a:rPr>
-                                <m:t>𝑅</m:t>
-                              </m:r>
-                            </m:e>
-                            <m:sub>
-                              <m:r>
-                                <a:rPr lang="en-GB" sz="1400" b="0" i="1" smtClean="0">
-                                  <a:latin typeface="Cambria Math" panose="02040503050406030204" pitchFamily="18" charset="0"/>
-                                </a:rPr>
-                                <m:t>1</m:t>
-                              </m:r>
-                            </m:sub>
-                          </m:sSub>
-                        </m:num>
-                        <m:den>
-                          <m:sSub>
-                            <m:sSubPr>
-                              <m:ctrlPr>
-                                <a:rPr lang="en-GB" sz="1400" b="0" i="1" smtClean="0">
-                                  <a:latin typeface="Cambria Math" panose="02040503050406030204" pitchFamily="18" charset="0"/>
-                                </a:rPr>
-                              </m:ctrlPr>
-                            </m:sSubPr>
-                            <m:e>
-                              <m:r>
-                                <a:rPr lang="en-GB" sz="1400" b="0" i="1" smtClean="0">
-                                  <a:latin typeface="Cambria Math" panose="02040503050406030204" pitchFamily="18" charset="0"/>
-                                </a:rPr>
-                                <m:t>2</m:t>
-                              </m:r>
-                              <m:r>
-                                <a:rPr lang="en-GB" sz="1400" b="0" i="1" smtClean="0">
-                                  <a:latin typeface="Cambria Math" panose="02040503050406030204" pitchFamily="18" charset="0"/>
-                                </a:rPr>
-                                <m:t>𝑅</m:t>
-                              </m:r>
-                            </m:e>
-                            <m:sub>
-                              <m:r>
-                                <a:rPr lang="en-GB" sz="1400" b="0" i="1" smtClean="0">
-                                  <a:latin typeface="Cambria Math" panose="02040503050406030204" pitchFamily="18" charset="0"/>
-                                </a:rPr>
-                                <m:t>1</m:t>
-                              </m:r>
-                            </m:sub>
-                          </m:sSub>
-                          <m:r>
-                            <a:rPr lang="en-GB" sz="1400" b="0" i="1" smtClean="0">
-                              <a:latin typeface="Cambria Math" panose="02040503050406030204" pitchFamily="18" charset="0"/>
-                            </a:rPr>
-                            <m:t>+</m:t>
-                          </m:r>
-                          <m:sSub>
-                            <m:sSubPr>
-                              <m:ctrlPr>
-                                <a:rPr lang="en-GB" sz="1400" b="0" i="1" smtClean="0">
-                                  <a:latin typeface="Cambria Math" panose="02040503050406030204" pitchFamily="18" charset="0"/>
-                                </a:rPr>
-                              </m:ctrlPr>
-                            </m:sSubPr>
-                            <m:e>
-                              <m:r>
-                                <a:rPr lang="en-GB" sz="1400" b="0" i="1" smtClean="0">
-                                  <a:latin typeface="Cambria Math" panose="02040503050406030204" pitchFamily="18" charset="0"/>
-                                </a:rPr>
-                                <m:t>𝑅</m:t>
-                              </m:r>
-                            </m:e>
-                            <m:sub>
-                              <m:r>
-                                <a:rPr lang="en-GB" sz="1400" b="0" i="1" smtClean="0">
-                                  <a:latin typeface="Cambria Math" panose="02040503050406030204" pitchFamily="18" charset="0"/>
-                                </a:rPr>
-                                <m:t>2</m:t>
-                              </m:r>
-                            </m:sub>
-                          </m:sSub>
-                        </m:den>
-                      </m:f>
-                      <m:rad>
-                        <m:radPr>
-                          <m:degHide m:val="on"/>
-                          <m:ctrlPr>
-                            <a:rPr lang="en-GB" sz="1400" b="0" i="1" smtClean="0">
-                              <a:latin typeface="Cambria Math" panose="02040503050406030204" pitchFamily="18" charset="0"/>
-                            </a:rPr>
-                          </m:ctrlPr>
-                        </m:radPr>
-                        <m:deg/>
-                        <m:e>
-                          <m:f>
-                            <m:fPr>
-                              <m:ctrlPr>
-                                <a:rPr lang="en-GB" sz="1400" b="0" i="1" smtClean="0">
-                                  <a:latin typeface="Cambria Math" panose="02040503050406030204" pitchFamily="18" charset="0"/>
-                                </a:rPr>
-                              </m:ctrlPr>
-                            </m:fPr>
-                            <m:num>
-                              <m:sSub>
-                                <m:sSubPr>
-                                  <m:ctrlPr>
-                                    <a:rPr lang="en-GB" sz="1400" b="0" i="1" smtClean="0">
-                                      <a:latin typeface="Cambria Math" panose="02040503050406030204" pitchFamily="18" charset="0"/>
-                                    </a:rPr>
-                                  </m:ctrlPr>
-                                </m:sSubPr>
-                                <m:e>
-                                  <m:r>
-                                    <a:rPr lang="en-GB" sz="1400" b="0" i="1" smtClean="0">
-                                      <a:latin typeface="Cambria Math" panose="02040503050406030204" pitchFamily="18" charset="0"/>
-                                    </a:rPr>
-                                    <m:t>𝐶</m:t>
-                                  </m:r>
-                                </m:e>
-                                <m:sub>
-                                  <m:r>
-                                    <a:rPr lang="en-GB" sz="1400" b="0" i="1" smtClean="0">
-                                      <a:latin typeface="Cambria Math" panose="02040503050406030204" pitchFamily="18" charset="0"/>
-                                    </a:rPr>
-                                    <m:t>1</m:t>
-                                  </m:r>
-                                </m:sub>
-                              </m:sSub>
-                            </m:num>
-                            <m:den>
-                              <m:sSub>
-                                <m:sSubPr>
-                                  <m:ctrlPr>
-                                    <a:rPr lang="en-GB" sz="1400" b="0" i="1" smtClean="0">
-                                      <a:latin typeface="Cambria Math" panose="02040503050406030204" pitchFamily="18" charset="0"/>
-                                    </a:rPr>
-                                  </m:ctrlPr>
-                                </m:sSubPr>
-                                <m:e>
-                                  <m:r>
-                                    <a:rPr lang="en-GB" sz="1400" b="0" i="1" smtClean="0">
-                                      <a:latin typeface="Cambria Math" panose="02040503050406030204" pitchFamily="18" charset="0"/>
-                                    </a:rPr>
-                                    <m:t>𝐶</m:t>
-                                  </m:r>
-                                </m:e>
-                                <m:sub>
-                                  <m:r>
-                                    <a:rPr lang="en-GB" sz="1400" b="0" i="1" smtClean="0">
-                                      <a:latin typeface="Cambria Math" panose="02040503050406030204" pitchFamily="18" charset="0"/>
-                                    </a:rPr>
-                                    <m:t>2</m:t>
-                                  </m:r>
-                                </m:sub>
-                              </m:sSub>
-                            </m:den>
-                          </m:f>
-                        </m:e>
-                      </m:rad>
-                    </m:oMath>
-                  </m:oMathPara>
-                </a14:m>
-                <a:endParaRPr lang="en-US" sz="1400" dirty="0">
-                  <a:latin typeface="Garamond" panose="02020404030301010803" pitchFamily="18" charset="0"/>
-                </a:endParaRPr>
-              </a:p>
-              <a:p>
-                <a:pPr algn="ctr"/>
-                <a:endParaRPr lang="en-US" sz="1400" dirty="0">
-                  <a:latin typeface="Garamond" panose="02020404030301010803" pitchFamily="18" charset="0"/>
-                </a:endParaRPr>
-              </a:p>
-              <a:p>
-                <a:pPr algn="ctr"/>
-                <a14:m>
-                  <m:oMathPara xmlns:m="http://schemas.openxmlformats.org/officeDocument/2006/math">
-                    <m:oMathParaPr>
-                      <m:jc m:val="center"/>
-                    </m:oMathParaPr>
-                    <m:oMath xmlns:m="http://schemas.openxmlformats.org/officeDocument/2006/math">
-                      <m:sSub>
-                        <m:sSubPr>
-                          <m:ctrlPr>
-                            <a:rPr lang="en-US" sz="1400" i="1" smtClean="0">
-                              <a:latin typeface="Cambria Math" panose="02040503050406030204" pitchFamily="18" charset="0"/>
-                            </a:rPr>
-                          </m:ctrlPr>
-                        </m:sSubPr>
-                        <m:e>
-                          <m:r>
-                            <a:rPr lang="en-GB" sz="1400" b="0" i="1" smtClean="0">
-                              <a:latin typeface="Cambria Math" panose="02040503050406030204" pitchFamily="18" charset="0"/>
-                            </a:rPr>
-                            <m:t>𝑓</m:t>
-                          </m:r>
-                        </m:e>
-                        <m:sub>
-                          <m:r>
-                            <a:rPr lang="en-GB" sz="1400" b="0" i="1" smtClean="0">
-                              <a:latin typeface="Cambria Math" panose="02040503050406030204" pitchFamily="18" charset="0"/>
-                            </a:rPr>
-                            <m:t>1</m:t>
-                          </m:r>
-                        </m:sub>
-                      </m:sSub>
-                      <m:r>
-                        <a:rPr lang="en-GB" sz="1400" b="0" i="1" smtClean="0">
-                          <a:latin typeface="Cambria Math" panose="02040503050406030204" pitchFamily="18" charset="0"/>
-                        </a:rPr>
-                        <m:t>=</m:t>
-                      </m:r>
-                      <m:f>
-                        <m:fPr>
-                          <m:ctrlPr>
-                            <a:rPr lang="en-GB" sz="1400" b="0" i="1" smtClean="0">
-                              <a:latin typeface="Cambria Math" panose="02040503050406030204" pitchFamily="18" charset="0"/>
-                            </a:rPr>
-                          </m:ctrlPr>
-                        </m:fPr>
-                        <m:num>
-                          <m:r>
-                            <a:rPr lang="en-GB" sz="1400" b="0" i="1" smtClean="0">
-                              <a:latin typeface="Cambria Math" panose="02040503050406030204" pitchFamily="18" charset="0"/>
-                            </a:rPr>
-                            <m:t>1</m:t>
-                          </m:r>
-                        </m:num>
-                        <m:den>
-                          <m:r>
-                            <a:rPr lang="en-GB" sz="1400" b="0" i="1" smtClean="0">
-                              <a:latin typeface="Cambria Math" panose="02040503050406030204" pitchFamily="18" charset="0"/>
-                              <a:ea typeface="Cambria Math" panose="02040503050406030204" pitchFamily="18" charset="0"/>
-                            </a:rPr>
-                            <m:t>𝜋</m:t>
-                          </m:r>
-                          <m:sSub>
-                            <m:sSubPr>
-                              <m:ctrlPr>
-                                <a:rPr lang="en-GB" sz="1400" b="0" i="1" smtClean="0">
-                                  <a:latin typeface="Cambria Math" panose="02040503050406030204" pitchFamily="18" charset="0"/>
-                                  <a:ea typeface="Cambria Math" panose="02040503050406030204" pitchFamily="18" charset="0"/>
-                                </a:rPr>
-                              </m:ctrlPr>
-                            </m:sSubPr>
-                            <m:e>
-                              <m:r>
-                                <a:rPr lang="en-GB" sz="1400" b="0" i="1" smtClean="0">
-                                  <a:latin typeface="Cambria Math" panose="02040503050406030204" pitchFamily="18" charset="0"/>
-                                  <a:ea typeface="Cambria Math" panose="02040503050406030204" pitchFamily="18" charset="0"/>
-                                </a:rPr>
-                                <m:t>𝑅</m:t>
-                              </m:r>
-                            </m:e>
-                            <m:sub>
-                              <m:r>
-                                <a:rPr lang="en-GB" sz="1400" b="0" i="1" smtClean="0">
-                                  <a:latin typeface="Cambria Math" panose="02040503050406030204" pitchFamily="18" charset="0"/>
-                                  <a:ea typeface="Cambria Math" panose="02040503050406030204" pitchFamily="18" charset="0"/>
-                                </a:rPr>
-                                <m:t>1</m:t>
-                              </m:r>
-                            </m:sub>
-                          </m:sSub>
-                          <m:sSub>
-                            <m:sSubPr>
-                              <m:ctrlPr>
-                                <a:rPr lang="en-GB" sz="1400" b="0" i="1" smtClean="0">
-                                  <a:latin typeface="Cambria Math" panose="02040503050406030204" pitchFamily="18" charset="0"/>
-                                  <a:ea typeface="Cambria Math" panose="02040503050406030204" pitchFamily="18" charset="0"/>
-                                </a:rPr>
-                              </m:ctrlPr>
-                            </m:sSubPr>
-                            <m:e>
-                              <m:r>
-                                <a:rPr lang="en-GB" sz="1400" b="0" i="1" smtClean="0">
-                                  <a:latin typeface="Cambria Math" panose="02040503050406030204" pitchFamily="18" charset="0"/>
-                                  <a:ea typeface="Cambria Math" panose="02040503050406030204" pitchFamily="18" charset="0"/>
-                                </a:rPr>
-                                <m:t>𝐶</m:t>
-                              </m:r>
-                            </m:e>
-                            <m:sub>
-                              <m:r>
-                                <a:rPr lang="en-GB" sz="1400" b="0" i="1" smtClean="0">
-                                  <a:latin typeface="Cambria Math" panose="02040503050406030204" pitchFamily="18" charset="0"/>
-                                  <a:ea typeface="Cambria Math" panose="02040503050406030204" pitchFamily="18" charset="0"/>
-                                </a:rPr>
-                                <m:t>1</m:t>
-                              </m:r>
-                            </m:sub>
-                          </m:sSub>
-                        </m:den>
-                      </m:f>
-                    </m:oMath>
-                  </m:oMathPara>
-                </a14:m>
-                <a:endParaRPr lang="en-US" sz="1400" dirty="0">
-                  <a:latin typeface="Garamond" panose="02020404030301010803" pitchFamily="18" charset="0"/>
-                </a:endParaRPr>
-              </a:p>
-              <a:p>
-                <a:pPr algn="ctr"/>
-                <a:endParaRPr lang="en-US" sz="1400" dirty="0">
-                  <a:latin typeface="Garamond" panose="02020404030301010803" pitchFamily="18" charset="0"/>
-                </a:endParaRPr>
-              </a:p>
-              <a:p>
-                <a:pPr algn="ctr"/>
-                <a14:m>
-                  <m:oMathPara xmlns:m="http://schemas.openxmlformats.org/officeDocument/2006/math">
-                    <m:oMathParaPr>
-                      <m:jc m:val="center"/>
-                    </m:oMathParaPr>
-                    <m:oMath xmlns:m="http://schemas.openxmlformats.org/officeDocument/2006/math">
-                      <m:sSub>
-                        <m:sSubPr>
-                          <m:ctrlPr>
-                            <a:rPr lang="en-US" sz="1400" i="1">
-                              <a:latin typeface="Cambria Math" panose="02040503050406030204" pitchFamily="18" charset="0"/>
-                            </a:rPr>
-                          </m:ctrlPr>
-                        </m:sSubPr>
-                        <m:e>
-                          <m:r>
-                            <a:rPr lang="en-GB" sz="1400" i="1">
-                              <a:latin typeface="Cambria Math" panose="02040503050406030204" pitchFamily="18" charset="0"/>
-                            </a:rPr>
-                            <m:t>𝑓</m:t>
-                          </m:r>
-                        </m:e>
-                        <m:sub>
-                          <m:r>
-                            <a:rPr lang="en-GB" sz="1400" b="0" i="1" smtClean="0">
-                              <a:latin typeface="Cambria Math" panose="02040503050406030204" pitchFamily="18" charset="0"/>
-                            </a:rPr>
-                            <m:t>2</m:t>
-                          </m:r>
-                        </m:sub>
-                      </m:sSub>
-                      <m:r>
-                        <a:rPr lang="en-GB" sz="1400" i="1">
-                          <a:latin typeface="Cambria Math" panose="02040503050406030204" pitchFamily="18" charset="0"/>
-                        </a:rPr>
-                        <m:t>=</m:t>
-                      </m:r>
-                      <m:f>
-                        <m:fPr>
-                          <m:ctrlPr>
-                            <a:rPr lang="en-GB" sz="1400" i="1">
-                              <a:latin typeface="Cambria Math" panose="02040503050406030204" pitchFamily="18" charset="0"/>
-                            </a:rPr>
-                          </m:ctrlPr>
-                        </m:fPr>
-                        <m:num>
-                          <m:r>
-                            <a:rPr lang="en-GB" sz="1400" i="1">
-                              <a:latin typeface="Cambria Math" panose="02040503050406030204" pitchFamily="18" charset="0"/>
-                            </a:rPr>
-                            <m:t>1</m:t>
-                          </m:r>
-                        </m:num>
-                        <m:den>
-                          <m:r>
-                            <a:rPr lang="en-GB" sz="1400" b="0" i="1" smtClean="0">
-                              <a:latin typeface="Cambria Math" panose="02040503050406030204" pitchFamily="18" charset="0"/>
-                            </a:rPr>
-                            <m:t>2</m:t>
-                          </m:r>
-                          <m:r>
-                            <a:rPr lang="en-GB" sz="1400" i="1">
-                              <a:latin typeface="Cambria Math" panose="02040503050406030204" pitchFamily="18" charset="0"/>
-                              <a:ea typeface="Cambria Math" panose="02040503050406030204" pitchFamily="18" charset="0"/>
-                            </a:rPr>
-                            <m:t>𝜋</m:t>
-                          </m:r>
-                          <m:sSub>
-                            <m:sSubPr>
-                              <m:ctrlPr>
-                                <a:rPr lang="en-GB" sz="1400" i="1">
-                                  <a:latin typeface="Cambria Math" panose="02040503050406030204" pitchFamily="18" charset="0"/>
-                                  <a:ea typeface="Cambria Math" panose="02040503050406030204" pitchFamily="18" charset="0"/>
-                                </a:rPr>
-                              </m:ctrlPr>
-                            </m:sSubPr>
-                            <m:e>
-                              <m:r>
-                                <a:rPr lang="en-GB" sz="1400" b="0" i="1" smtClean="0">
-                                  <a:latin typeface="Cambria Math" panose="02040503050406030204" pitchFamily="18" charset="0"/>
-                                  <a:ea typeface="Cambria Math" panose="02040503050406030204" pitchFamily="18" charset="0"/>
-                                </a:rPr>
-                                <m:t>(</m:t>
-                              </m:r>
-                              <m:r>
-                                <a:rPr lang="en-GB" sz="1400" i="1">
-                                  <a:latin typeface="Cambria Math" panose="02040503050406030204" pitchFamily="18" charset="0"/>
-                                  <a:ea typeface="Cambria Math" panose="02040503050406030204" pitchFamily="18" charset="0"/>
-                                </a:rPr>
-                                <m:t>𝑅</m:t>
-                              </m:r>
-                            </m:e>
-                            <m:sub>
-                              <m:r>
-                                <a:rPr lang="en-GB" sz="1400" b="0" i="1" smtClean="0">
-                                  <a:latin typeface="Cambria Math" panose="02040503050406030204" pitchFamily="18" charset="0"/>
-                                  <a:ea typeface="Cambria Math" panose="02040503050406030204" pitchFamily="18" charset="0"/>
-                                </a:rPr>
-                                <m:t>2</m:t>
-                              </m:r>
-                            </m:sub>
-                          </m:sSub>
-                          <m:r>
-                            <a:rPr lang="en-GB" sz="1400" b="0" i="1" smtClean="0">
-                              <a:latin typeface="Cambria Math" panose="02040503050406030204" pitchFamily="18" charset="0"/>
-                              <a:ea typeface="Cambria Math" panose="02040503050406030204" pitchFamily="18" charset="0"/>
-                            </a:rPr>
-                            <m:t>+</m:t>
-                          </m:r>
-                          <m:sSub>
-                            <m:sSubPr>
-                              <m:ctrlPr>
-                                <a:rPr lang="en-GB" sz="1400" i="1">
-                                  <a:latin typeface="Cambria Math" panose="02040503050406030204" pitchFamily="18" charset="0"/>
-                                  <a:ea typeface="Cambria Math" panose="02040503050406030204" pitchFamily="18" charset="0"/>
-                                </a:rPr>
-                              </m:ctrlPr>
-                            </m:sSubPr>
-                            <m:e>
-                              <m:r>
-                                <a:rPr lang="en-GB" sz="1400" b="0" i="1" smtClean="0">
-                                  <a:latin typeface="Cambria Math" panose="02040503050406030204" pitchFamily="18" charset="0"/>
-                                  <a:ea typeface="Cambria Math" panose="02040503050406030204" pitchFamily="18" charset="0"/>
-                                </a:rPr>
-                                <m:t>𝑅</m:t>
-                              </m:r>
-                            </m:e>
-                            <m:sub>
-                              <m:r>
-                                <a:rPr lang="en-GB" sz="1400" b="0" i="1" smtClean="0">
-                                  <a:latin typeface="Cambria Math" panose="02040503050406030204" pitchFamily="18" charset="0"/>
-                                  <a:ea typeface="Cambria Math" panose="02040503050406030204" pitchFamily="18" charset="0"/>
-                                </a:rPr>
-                                <m:t>3</m:t>
-                              </m:r>
-                            </m:sub>
-                          </m:sSub>
-                          <m:r>
-                            <a:rPr lang="en-GB" sz="1400" b="0" i="1" smtClean="0">
-                              <a:latin typeface="Cambria Math" panose="02040503050406030204" pitchFamily="18" charset="0"/>
-                              <a:ea typeface="Cambria Math" panose="02040503050406030204" pitchFamily="18" charset="0"/>
-                            </a:rPr>
-                            <m:t>)</m:t>
-                          </m:r>
-                          <m:sSub>
-                            <m:sSubPr>
-                              <m:ctrlPr>
-                                <a:rPr lang="en-GB" sz="1400" b="0" i="1" smtClean="0">
-                                  <a:latin typeface="Cambria Math" panose="02040503050406030204" pitchFamily="18" charset="0"/>
-                                  <a:ea typeface="Cambria Math" panose="02040503050406030204" pitchFamily="18" charset="0"/>
-                                </a:rPr>
-                              </m:ctrlPr>
-                            </m:sSubPr>
-                            <m:e>
-                              <m:r>
-                                <a:rPr lang="en-GB" sz="1400" b="0" i="1" smtClean="0">
-                                  <a:latin typeface="Cambria Math" panose="02040503050406030204" pitchFamily="18" charset="0"/>
-                                  <a:ea typeface="Cambria Math" panose="02040503050406030204" pitchFamily="18" charset="0"/>
-                                </a:rPr>
-                                <m:t>𝐶</m:t>
-                              </m:r>
-                            </m:e>
-                            <m:sub>
-                              <m:r>
-                                <a:rPr lang="en-GB" sz="1400" b="0" i="1" smtClean="0">
-                                  <a:latin typeface="Cambria Math" panose="02040503050406030204" pitchFamily="18" charset="0"/>
-                                  <a:ea typeface="Cambria Math" panose="02040503050406030204" pitchFamily="18" charset="0"/>
-                                </a:rPr>
-                                <m:t>2</m:t>
-                              </m:r>
-                            </m:sub>
-                          </m:sSub>
-                        </m:den>
-                      </m:f>
-                    </m:oMath>
-                  </m:oMathPara>
-                </a14:m>
-                <a:endParaRPr lang="en-US" sz="1400" dirty="0">
-                  <a:latin typeface="Garamond" panose="02020404030301010803" pitchFamily="18" charset="0"/>
-                </a:endParaRPr>
-              </a:p>
-              <a:p>
-                <a:pPr algn="ctr"/>
-                <a:endParaRPr lang="en-US" sz="1400" dirty="0">
-                  <a:latin typeface="Garamond" panose="02020404030301010803" pitchFamily="18" charset="0"/>
-                </a:endParaRPr>
-              </a:p>
-              <a:p>
-                <a:pPr algn="ctr"/>
-                <a:endParaRPr lang="en-US" sz="1400" dirty="0">
-                  <a:latin typeface="Garamond" panose="02020404030301010803" pitchFamily="18" charset="0"/>
-                </a:endParaRPr>
-              </a:p>
-              <a:p>
-                <a:pPr algn="ctr"/>
-                <a:endParaRPr lang="en-US" sz="1400" dirty="0">
-                  <a:latin typeface="Garamond" panose="02020404030301010803" pitchFamily="18" charset="0"/>
-                </a:endParaRPr>
-              </a:p>
-              <a:p>
-                <a:pPr algn="ctr"/>
-                <a:endParaRPr lang="en-US" sz="1400" dirty="0">
-                  <a:latin typeface="Garamond" panose="02020404030301010803" pitchFamily="18" charset="0"/>
-                </a:endParaRPr>
-              </a:p>
-            </p:txBody>
-          </p:sp>
-        </mc:Choice>
-        <mc:Fallback xmlns="">
-          <p:sp>
-            <p:nvSpPr>
-              <p:cNvPr id="26" name="TextBox 25">
-                <a:extLst>
-                  <a:ext uri="{FF2B5EF4-FFF2-40B4-BE49-F238E27FC236}">
-                    <a16:creationId xmlns:a16="http://schemas.microsoft.com/office/drawing/2014/main" id="{0EF685C7-E2F9-CC4E-A837-90CB76749340}"/>
-                  </a:ext>
-                </a:extLst>
-              </p:cNvPr>
-              <p:cNvSpPr txBox="1">
-                <a:spLocks noRot="1" noChangeAspect="1" noMove="1" noResize="1" noEditPoints="1" noAdjustHandles="1" noChangeArrowheads="1" noChangeShapeType="1" noTextEdit="1"/>
-              </p:cNvSpPr>
-              <p:nvPr/>
-            </p:nvSpPr>
-            <p:spPr>
-              <a:xfrm>
-                <a:off x="5763461" y="3494078"/>
-                <a:ext cx="2086708" cy="3611951"/>
-              </a:xfrm>
-              <a:prstGeom prst="rect">
-                <a:avLst/>
-              </a:prstGeom>
-              <a:blipFill>
-                <a:blip r:embed="rId17"/>
-                <a:stretch>
-                  <a:fillRect/>
-                </a:stretch>
-              </a:blipFill>
-            </p:spPr>
-            <p:txBody>
-              <a:bodyPr/>
-              <a:lstStyle/>
-              <a:p>
-                <a:r>
-                  <a:rPr lang="en-US">
-                    <a:noFill/>
-                  </a:rPr>
-                  <a:t> </a:t>
-                </a:r>
-              </a:p>
-            </p:txBody>
-          </p:sp>
-        </mc:Fallback>
-      </mc:AlternateContent>
-      <p:grpSp>
-        <p:nvGrpSpPr>
-          <p:cNvPr id="58" name="Group 57">
-            <a:extLst>
-              <a:ext uri="{FF2B5EF4-FFF2-40B4-BE49-F238E27FC236}">
-                <a16:creationId xmlns:a16="http://schemas.microsoft.com/office/drawing/2014/main" id="{FFD86DD9-EC85-A849-899D-AF7C50310F4D}"/>
-              </a:ext>
-            </a:extLst>
-          </p:cNvPr>
-          <p:cNvGrpSpPr/>
-          <p:nvPr/>
-        </p:nvGrpSpPr>
-        <p:grpSpPr>
-          <a:xfrm>
-            <a:off x="7741688" y="3086924"/>
-            <a:ext cx="4587277" cy="3641484"/>
-            <a:chOff x="7445492" y="3254823"/>
-            <a:chExt cx="4587277" cy="3641484"/>
-          </a:xfrm>
-        </p:grpSpPr>
-        <p:grpSp>
-          <p:nvGrpSpPr>
-            <p:cNvPr id="45" name="Group 44">
-              <a:extLst>
-                <a:ext uri="{FF2B5EF4-FFF2-40B4-BE49-F238E27FC236}">
-                  <a16:creationId xmlns:a16="http://schemas.microsoft.com/office/drawing/2014/main" id="{E4611818-6EE0-164B-8320-2766A70D87FE}"/>
-                </a:ext>
-              </a:extLst>
-            </p:cNvPr>
-            <p:cNvGrpSpPr/>
-            <p:nvPr/>
-          </p:nvGrpSpPr>
-          <p:grpSpPr>
-            <a:xfrm>
-              <a:off x="7816287" y="3524328"/>
-              <a:ext cx="3786553" cy="3141975"/>
-              <a:chOff x="8194432" y="3431850"/>
-              <a:chExt cx="3786553" cy="3141975"/>
-            </a:xfrm>
-          </p:grpSpPr>
-          <p:grpSp>
-            <p:nvGrpSpPr>
-              <p:cNvPr id="32" name="Group 31">
-                <a:extLst>
-                  <a:ext uri="{FF2B5EF4-FFF2-40B4-BE49-F238E27FC236}">
-                    <a16:creationId xmlns:a16="http://schemas.microsoft.com/office/drawing/2014/main" id="{66221B75-49AA-8240-A960-D1A80CC852F2}"/>
-                  </a:ext>
-                </a:extLst>
-              </p:cNvPr>
-              <p:cNvGrpSpPr/>
-              <p:nvPr/>
-            </p:nvGrpSpPr>
-            <p:grpSpPr>
-              <a:xfrm>
-                <a:off x="8194432" y="3431850"/>
-                <a:ext cx="3786553" cy="2759955"/>
-                <a:chOff x="8241324" y="3431850"/>
-                <a:chExt cx="3786553" cy="2759955"/>
-              </a:xfrm>
-            </p:grpSpPr>
-            <p:cxnSp>
-              <p:nvCxnSpPr>
-                <p:cNvPr id="28" name="Straight Arrow Connector 27">
-                  <a:extLst>
-                    <a:ext uri="{FF2B5EF4-FFF2-40B4-BE49-F238E27FC236}">
-                      <a16:creationId xmlns:a16="http://schemas.microsoft.com/office/drawing/2014/main" id="{8C1D965A-8CEC-6C47-8C3E-87D1C7620427}"/>
-                    </a:ext>
-                  </a:extLst>
-                </p:cNvPr>
-                <p:cNvCxnSpPr/>
-                <p:nvPr/>
-              </p:nvCxnSpPr>
-              <p:spPr>
-                <a:xfrm flipV="1">
-                  <a:off x="8335108" y="3431850"/>
-                  <a:ext cx="0" cy="2759955"/>
-                </a:xfrm>
-                <a:prstGeom prst="straightConnector1">
-                  <a:avLst/>
-                </a:prstGeom>
-                <a:ln>
-                  <a:tailEnd type="triangle"/>
-                </a:ln>
-              </p:spPr>
-              <p:style>
-                <a:lnRef idx="1">
-                  <a:schemeClr val="dk1"/>
-                </a:lnRef>
-                <a:fillRef idx="0">
-                  <a:schemeClr val="dk1"/>
-                </a:fillRef>
-                <a:effectRef idx="0">
-                  <a:schemeClr val="dk1"/>
-                </a:effectRef>
-                <a:fontRef idx="minor">
-                  <a:schemeClr val="tx1"/>
-                </a:fontRef>
-              </p:style>
-            </p:cxnSp>
-            <p:cxnSp>
-              <p:nvCxnSpPr>
-                <p:cNvPr id="29" name="Straight Arrow Connector 28">
-                  <a:extLst>
-                    <a:ext uri="{FF2B5EF4-FFF2-40B4-BE49-F238E27FC236}">
-                      <a16:creationId xmlns:a16="http://schemas.microsoft.com/office/drawing/2014/main" id="{09583B03-5235-0944-9EE7-DFEF8695B9A4}"/>
-                    </a:ext>
-                  </a:extLst>
-                </p:cNvPr>
-                <p:cNvCxnSpPr>
-                  <a:cxnSpLocks/>
-                </p:cNvCxnSpPr>
-                <p:nvPr/>
-              </p:nvCxnSpPr>
-              <p:spPr>
-                <a:xfrm>
-                  <a:off x="8241324" y="6099985"/>
-                  <a:ext cx="3786553" cy="0"/>
-                </a:xfrm>
-                <a:prstGeom prst="straightConnector1">
-                  <a:avLst/>
-                </a:prstGeom>
-                <a:ln>
-                  <a:tailEnd type="triangle"/>
-                </a:ln>
-              </p:spPr>
-              <p:style>
-                <a:lnRef idx="1">
-                  <a:schemeClr val="dk1"/>
-                </a:lnRef>
-                <a:fillRef idx="0">
-                  <a:schemeClr val="dk1"/>
-                </a:fillRef>
-                <a:effectRef idx="0">
-                  <a:schemeClr val="dk1"/>
-                </a:effectRef>
-                <a:fontRef idx="minor">
-                  <a:schemeClr val="tx1"/>
-                </a:fontRef>
-              </p:style>
-            </p:cxnSp>
-          </p:grpSp>
-          <p:sp>
-            <p:nvSpPr>
-              <p:cNvPr id="34" name="Freeform 33">
-                <a:extLst>
-                  <a:ext uri="{FF2B5EF4-FFF2-40B4-BE49-F238E27FC236}">
-                    <a16:creationId xmlns:a16="http://schemas.microsoft.com/office/drawing/2014/main" id="{3BBD3DC0-8191-814B-AECF-242C192329F7}"/>
-                  </a:ext>
-                </a:extLst>
-              </p:cNvPr>
-              <p:cNvSpPr/>
-              <p:nvPr/>
-            </p:nvSpPr>
-            <p:spPr>
-              <a:xfrm>
-                <a:off x="8288215" y="3796662"/>
-                <a:ext cx="3563816" cy="2686002"/>
-              </a:xfrm>
-              <a:custGeom>
-                <a:avLst/>
-                <a:gdLst>
-                  <a:gd name="connsiteX0" fmla="*/ 0 w 3563816"/>
-                  <a:gd name="connsiteY0" fmla="*/ 115061 h 2764279"/>
-                  <a:gd name="connsiteX1" fmla="*/ 586154 w 3563816"/>
-                  <a:gd name="connsiteY1" fmla="*/ 115061 h 2764279"/>
-                  <a:gd name="connsiteX2" fmla="*/ 1406770 w 3563816"/>
-                  <a:gd name="connsiteY2" fmla="*/ 1310815 h 2764279"/>
-                  <a:gd name="connsiteX3" fmla="*/ 1805354 w 3563816"/>
-                  <a:gd name="connsiteY3" fmla="*/ 2717584 h 2764279"/>
-                  <a:gd name="connsiteX4" fmla="*/ 2473570 w 3563816"/>
-                  <a:gd name="connsiteY4" fmla="*/ 2424507 h 2764279"/>
-                  <a:gd name="connsiteX5" fmla="*/ 3563816 w 3563816"/>
-                  <a:gd name="connsiteY5" fmla="*/ 2389338 h 2764279"/>
-                  <a:gd name="connsiteX0" fmla="*/ 0 w 3563816"/>
-                  <a:gd name="connsiteY0" fmla="*/ 50680 h 2699898"/>
-                  <a:gd name="connsiteX1" fmla="*/ 586154 w 3563816"/>
-                  <a:gd name="connsiteY1" fmla="*/ 50680 h 2699898"/>
-                  <a:gd name="connsiteX2" fmla="*/ 1406770 w 3563816"/>
-                  <a:gd name="connsiteY2" fmla="*/ 1246434 h 2699898"/>
-                  <a:gd name="connsiteX3" fmla="*/ 1805354 w 3563816"/>
-                  <a:gd name="connsiteY3" fmla="*/ 2653203 h 2699898"/>
-                  <a:gd name="connsiteX4" fmla="*/ 2473570 w 3563816"/>
-                  <a:gd name="connsiteY4" fmla="*/ 2360126 h 2699898"/>
-                  <a:gd name="connsiteX5" fmla="*/ 3563816 w 3563816"/>
-                  <a:gd name="connsiteY5" fmla="*/ 2324957 h 2699898"/>
-                  <a:gd name="connsiteX0" fmla="*/ 0 w 3563816"/>
-                  <a:gd name="connsiteY0" fmla="*/ 29700 h 2678918"/>
-                  <a:gd name="connsiteX1" fmla="*/ 586154 w 3563816"/>
-                  <a:gd name="connsiteY1" fmla="*/ 29700 h 2678918"/>
-                  <a:gd name="connsiteX2" fmla="*/ 1406770 w 3563816"/>
-                  <a:gd name="connsiteY2" fmla="*/ 1225454 h 2678918"/>
-                  <a:gd name="connsiteX3" fmla="*/ 1805354 w 3563816"/>
-                  <a:gd name="connsiteY3" fmla="*/ 2632223 h 2678918"/>
-                  <a:gd name="connsiteX4" fmla="*/ 2473570 w 3563816"/>
-                  <a:gd name="connsiteY4" fmla="*/ 2339146 h 2678918"/>
-                  <a:gd name="connsiteX5" fmla="*/ 3563816 w 3563816"/>
-                  <a:gd name="connsiteY5" fmla="*/ 2303977 h 2678918"/>
-                  <a:gd name="connsiteX0" fmla="*/ 0 w 3563816"/>
-                  <a:gd name="connsiteY0" fmla="*/ 36784 h 2686002"/>
-                  <a:gd name="connsiteX1" fmla="*/ 586154 w 3563816"/>
-                  <a:gd name="connsiteY1" fmla="*/ 36784 h 2686002"/>
-                  <a:gd name="connsiteX2" fmla="*/ 1406770 w 3563816"/>
-                  <a:gd name="connsiteY2" fmla="*/ 1232538 h 2686002"/>
-                  <a:gd name="connsiteX3" fmla="*/ 1805354 w 3563816"/>
-                  <a:gd name="connsiteY3" fmla="*/ 2639307 h 2686002"/>
-                  <a:gd name="connsiteX4" fmla="*/ 2473570 w 3563816"/>
-                  <a:gd name="connsiteY4" fmla="*/ 2346230 h 2686002"/>
-                  <a:gd name="connsiteX5" fmla="*/ 3563816 w 3563816"/>
-                  <a:gd name="connsiteY5" fmla="*/ 2311061 h 2686002"/>
-                </a:gdLst>
-                <a:ahLst/>
-                <a:cxnLst>
-                  <a:cxn ang="0">
-                    <a:pos x="connsiteX0" y="connsiteY0"/>
-                  </a:cxn>
-                  <a:cxn ang="0">
-                    <a:pos x="connsiteX1" y="connsiteY1"/>
-                  </a:cxn>
-                  <a:cxn ang="0">
-                    <a:pos x="connsiteX2" y="connsiteY2"/>
-                  </a:cxn>
-                  <a:cxn ang="0">
-                    <a:pos x="connsiteX3" y="connsiteY3"/>
-                  </a:cxn>
-                  <a:cxn ang="0">
-                    <a:pos x="connsiteX4" y="connsiteY4"/>
-                  </a:cxn>
-                  <a:cxn ang="0">
-                    <a:pos x="connsiteX5" y="connsiteY5"/>
-                  </a:cxn>
-                </a:cxnLst>
-                <a:rect l="l" t="t" r="r" b="b"/>
-                <a:pathLst>
-                  <a:path w="3563816" h="2686002">
-                    <a:moveTo>
-                      <a:pt x="0" y="36784"/>
-                    </a:moveTo>
-                    <a:cubicBezTo>
-                      <a:pt x="272827" y="-14371"/>
-                      <a:pt x="317057" y="-10107"/>
-                      <a:pt x="586154" y="36784"/>
-                    </a:cubicBezTo>
-                    <a:cubicBezTo>
-                      <a:pt x="855251" y="83675"/>
-                      <a:pt x="1203570" y="798784"/>
-                      <a:pt x="1406770" y="1232538"/>
-                    </a:cubicBezTo>
-                    <a:cubicBezTo>
-                      <a:pt x="1609970" y="1666292"/>
-                      <a:pt x="1627554" y="2453692"/>
-                      <a:pt x="1805354" y="2639307"/>
-                    </a:cubicBezTo>
-                    <a:cubicBezTo>
-                      <a:pt x="1983154" y="2824922"/>
-                      <a:pt x="2180493" y="2400938"/>
-                      <a:pt x="2473570" y="2346230"/>
-                    </a:cubicBezTo>
-                    <a:cubicBezTo>
-                      <a:pt x="2766647" y="2291522"/>
-                      <a:pt x="3165231" y="2301291"/>
-                      <a:pt x="3563816" y="2311061"/>
-                    </a:cubicBezTo>
-                  </a:path>
-                </a:pathLst>
-              </a:custGeom>
-              <a:noFill/>
-              <a:ln>
-                <a:solidFill>
-                  <a:srgbClr val="FF0000"/>
-                </a:solidFill>
-              </a:ln>
-            </p:spPr>
-            <p:style>
-              <a:lnRef idx="2">
-                <a:schemeClr val="accent1">
-                  <a:shade val="50000"/>
-                </a:schemeClr>
-              </a:lnRef>
-              <a:fillRef idx="1">
-                <a:schemeClr val="accent1"/>
-              </a:fillRef>
-              <a:effectRef idx="0">
-                <a:schemeClr val="accent1"/>
-              </a:effectRef>
-              <a:fontRef idx="minor">
-                <a:schemeClr val="lt1"/>
-              </a:fontRef>
-            </p:style>
-            <p:txBody>
-              <a:bodyPr rtlCol="0" anchor="ctr"/>
-              <a:lstStyle/>
-              <a:p>
-                <a:pPr algn="ctr"/>
-                <a:endParaRPr lang="en-US"/>
-              </a:p>
-            </p:txBody>
-          </p:sp>
-          <p:cxnSp>
-            <p:nvCxnSpPr>
-              <p:cNvPr id="36" name="Straight Connector 35">
-                <a:extLst>
-                  <a:ext uri="{FF2B5EF4-FFF2-40B4-BE49-F238E27FC236}">
-                    <a16:creationId xmlns:a16="http://schemas.microsoft.com/office/drawing/2014/main" id="{6CF895D2-AEAE-5C4D-A8C7-8182668DC840}"/>
-                  </a:ext>
-                </a:extLst>
-              </p:cNvPr>
-              <p:cNvCxnSpPr>
-                <a:cxnSpLocks/>
-              </p:cNvCxnSpPr>
-              <p:nvPr/>
-            </p:nvCxnSpPr>
-            <p:spPr>
-              <a:xfrm>
-                <a:off x="8932035" y="3833446"/>
-                <a:ext cx="35073" cy="2260181"/>
-              </a:xfrm>
-              <a:prstGeom prst="line">
-                <a:avLst/>
-              </a:prstGeom>
-              <a:ln>
-                <a:solidFill>
-                  <a:schemeClr val="tx1"/>
-                </a:solidFill>
-                <a:prstDash val="sysDash"/>
-              </a:ln>
-            </p:spPr>
-            <p:style>
-              <a:lnRef idx="1">
-                <a:schemeClr val="accent1"/>
-              </a:lnRef>
-              <a:fillRef idx="0">
-                <a:schemeClr val="accent1"/>
-              </a:fillRef>
-              <a:effectRef idx="0">
-                <a:schemeClr val="accent1"/>
-              </a:effectRef>
-              <a:fontRef idx="minor">
-                <a:schemeClr val="tx1"/>
-              </a:fontRef>
-            </p:style>
-          </p:cxnSp>
-          <p:cxnSp>
-            <p:nvCxnSpPr>
-              <p:cNvPr id="38" name="Straight Connector 37">
-                <a:extLst>
-                  <a:ext uri="{FF2B5EF4-FFF2-40B4-BE49-F238E27FC236}">
-                    <a16:creationId xmlns:a16="http://schemas.microsoft.com/office/drawing/2014/main" id="{957AF42E-45AD-7E46-A36E-701084E67E85}"/>
-                  </a:ext>
-                </a:extLst>
-              </p:cNvPr>
-              <p:cNvCxnSpPr>
-                <a:cxnSpLocks/>
-              </p:cNvCxnSpPr>
-              <p:nvPr/>
-            </p:nvCxnSpPr>
-            <p:spPr>
-              <a:xfrm>
-                <a:off x="9753962" y="5204977"/>
-                <a:ext cx="0" cy="895008"/>
-              </a:xfrm>
-              <a:prstGeom prst="line">
-                <a:avLst/>
-              </a:prstGeom>
-              <a:ln>
-                <a:solidFill>
-                  <a:schemeClr val="tx1"/>
-                </a:solidFill>
-                <a:prstDash val="sysDash"/>
-              </a:ln>
-            </p:spPr>
-            <p:style>
-              <a:lnRef idx="1">
-                <a:schemeClr val="accent1"/>
-              </a:lnRef>
-              <a:fillRef idx="0">
-                <a:schemeClr val="accent1"/>
-              </a:fillRef>
-              <a:effectRef idx="0">
-                <a:schemeClr val="accent1"/>
-              </a:effectRef>
-              <a:fontRef idx="minor">
-                <a:schemeClr val="tx1"/>
-              </a:fontRef>
-            </p:style>
-          </p:cxnSp>
-          <p:sp>
-            <p:nvSpPr>
-              <p:cNvPr id="39" name="Right Brace 38">
-                <a:extLst>
-                  <a:ext uri="{FF2B5EF4-FFF2-40B4-BE49-F238E27FC236}">
-                    <a16:creationId xmlns:a16="http://schemas.microsoft.com/office/drawing/2014/main" id="{D5A384FA-99FA-E94A-9415-022F570588F2}"/>
-                  </a:ext>
-                </a:extLst>
-              </p:cNvPr>
-              <p:cNvSpPr/>
-              <p:nvPr/>
-            </p:nvSpPr>
-            <p:spPr>
-              <a:xfrm rot="5400000">
-                <a:off x="10123563" y="6030341"/>
-                <a:ext cx="395947" cy="691021"/>
-              </a:xfrm>
-              <a:prstGeom prst="rightBrace">
-                <a:avLst/>
-              </a:prstGeom>
-            </p:spPr>
-            <p:style>
-              <a:lnRef idx="1">
-                <a:schemeClr val="dk1"/>
-              </a:lnRef>
-              <a:fillRef idx="0">
-                <a:schemeClr val="dk1"/>
-              </a:fillRef>
-              <a:effectRef idx="0">
-                <a:schemeClr val="dk1"/>
-              </a:effectRef>
-              <a:fontRef idx="minor">
-                <a:schemeClr val="tx1"/>
-              </a:fontRef>
-            </p:style>
-            <p:txBody>
-              <a:bodyPr rtlCol="0" anchor="ctr"/>
-              <a:lstStyle/>
-              <a:p>
-                <a:pPr algn="ctr"/>
-                <a:endParaRPr lang="en-US"/>
-              </a:p>
-            </p:txBody>
-          </p:sp>
-          <p:cxnSp>
-            <p:nvCxnSpPr>
-              <p:cNvPr id="42" name="Straight Connector 41">
-                <a:extLst>
-                  <a:ext uri="{FF2B5EF4-FFF2-40B4-BE49-F238E27FC236}">
-                    <a16:creationId xmlns:a16="http://schemas.microsoft.com/office/drawing/2014/main" id="{EDB70337-7B77-2940-9BB7-9EECB1566214}"/>
-                  </a:ext>
-                </a:extLst>
-              </p:cNvPr>
-              <p:cNvCxnSpPr>
-                <a:cxnSpLocks/>
-              </p:cNvCxnSpPr>
-              <p:nvPr/>
-            </p:nvCxnSpPr>
-            <p:spPr>
-              <a:xfrm>
-                <a:off x="10181968" y="6101319"/>
-                <a:ext cx="0" cy="380027"/>
-              </a:xfrm>
-              <a:prstGeom prst="line">
-                <a:avLst/>
-              </a:prstGeom>
-              <a:ln>
-                <a:prstDash val="sysDash"/>
-              </a:ln>
-            </p:spPr>
-            <p:style>
-              <a:lnRef idx="1">
-                <a:schemeClr val="dk1"/>
-              </a:lnRef>
-              <a:fillRef idx="0">
-                <a:schemeClr val="dk1"/>
-              </a:fillRef>
-              <a:effectRef idx="0">
-                <a:schemeClr val="dk1"/>
-              </a:effectRef>
-              <a:fontRef idx="minor">
-                <a:schemeClr val="tx1"/>
-              </a:fontRef>
-            </p:style>
-          </p:cxnSp>
-        </p:grpSp>
-        <p:sp>
-          <p:nvSpPr>
-            <p:cNvPr id="44" name="TextBox 43">
-              <a:extLst>
-                <a:ext uri="{FF2B5EF4-FFF2-40B4-BE49-F238E27FC236}">
-                  <a16:creationId xmlns:a16="http://schemas.microsoft.com/office/drawing/2014/main" id="{6C9D55F9-DED9-8647-A802-CD5414CAA2BE}"/>
-                </a:ext>
-              </a:extLst>
-            </p:cNvPr>
-            <p:cNvSpPr txBox="1"/>
-            <p:nvPr/>
-          </p:nvSpPr>
-          <p:spPr>
-            <a:xfrm>
-              <a:off x="7445492" y="3254823"/>
-              <a:ext cx="929155" cy="276999"/>
-            </a:xfrm>
-            <a:prstGeom prst="rect">
-              <a:avLst/>
-            </a:prstGeom>
-            <a:noFill/>
-          </p:spPr>
-          <p:txBody>
-            <a:bodyPr wrap="square" rtlCol="0">
-              <a:spAutoFit/>
-            </a:bodyPr>
-            <a:lstStyle/>
-            <a:p>
-              <a:r>
-                <a:rPr lang="en-US" sz="1200" dirty="0">
-                  <a:latin typeface="Garamond" panose="02020404030301010803" pitchFamily="18" charset="0"/>
-                </a:rPr>
-                <a:t>Gain / dB</a:t>
-              </a:r>
-            </a:p>
-          </p:txBody>
-        </p:sp>
-        <p:sp>
-          <p:nvSpPr>
-            <p:cNvPr id="46" name="TextBox 45">
-              <a:extLst>
-                <a:ext uri="{FF2B5EF4-FFF2-40B4-BE49-F238E27FC236}">
-                  <a16:creationId xmlns:a16="http://schemas.microsoft.com/office/drawing/2014/main" id="{04DF8464-F821-E545-AE64-C41F9CE7DA7A}"/>
-                </a:ext>
-              </a:extLst>
-            </p:cNvPr>
-            <p:cNvSpPr txBox="1"/>
-            <p:nvPr/>
-          </p:nvSpPr>
-          <p:spPr>
-            <a:xfrm>
-              <a:off x="10680577" y="5894715"/>
-              <a:ext cx="1352192" cy="276999"/>
-            </a:xfrm>
-            <a:prstGeom prst="rect">
-              <a:avLst/>
-            </a:prstGeom>
-            <a:noFill/>
-          </p:spPr>
-          <p:txBody>
-            <a:bodyPr wrap="square" rtlCol="0">
-              <a:spAutoFit/>
-            </a:bodyPr>
-            <a:lstStyle/>
-            <a:p>
-              <a:r>
-                <a:rPr lang="en-US" sz="1200" dirty="0">
-                  <a:latin typeface="Garamond" panose="02020404030301010803" pitchFamily="18" charset="0"/>
-                </a:rPr>
-                <a:t>Frequency / Hz</a:t>
-              </a:r>
-            </a:p>
-          </p:txBody>
-        </p:sp>
-        <p:sp>
-          <p:nvSpPr>
-            <p:cNvPr id="51" name="TextBox 50">
-              <a:extLst>
-                <a:ext uri="{FF2B5EF4-FFF2-40B4-BE49-F238E27FC236}">
-                  <a16:creationId xmlns:a16="http://schemas.microsoft.com/office/drawing/2014/main" id="{19219479-3500-4F4C-8ADF-D88A4A2FB6E3}"/>
-                </a:ext>
-              </a:extLst>
-            </p:cNvPr>
-            <p:cNvSpPr txBox="1"/>
-            <p:nvPr/>
-          </p:nvSpPr>
-          <p:spPr>
-            <a:xfrm>
-              <a:off x="8461815" y="6178677"/>
-              <a:ext cx="378037" cy="276999"/>
-            </a:xfrm>
-            <a:prstGeom prst="rect">
-              <a:avLst/>
-            </a:prstGeom>
-            <a:noFill/>
-          </p:spPr>
-          <p:txBody>
-            <a:bodyPr wrap="square" rtlCol="0">
-              <a:spAutoFit/>
-            </a:bodyPr>
-            <a:lstStyle/>
-            <a:p>
-              <a:r>
-                <a:rPr lang="en-US" sz="1200" dirty="0"/>
-                <a:t>f</a:t>
-              </a:r>
-              <a:r>
-                <a:rPr lang="en-US" sz="1200" baseline="-25000" dirty="0"/>
-                <a:t>2</a:t>
-              </a:r>
-              <a:endParaRPr lang="en-US" sz="1200" dirty="0"/>
-            </a:p>
-          </p:txBody>
-        </p:sp>
-        <p:sp>
-          <p:nvSpPr>
-            <p:cNvPr id="52" name="TextBox 51">
-              <a:extLst>
-                <a:ext uri="{FF2B5EF4-FFF2-40B4-BE49-F238E27FC236}">
-                  <a16:creationId xmlns:a16="http://schemas.microsoft.com/office/drawing/2014/main" id="{E5EEB478-2F2F-A24D-8001-83F2D3DEF099}"/>
-                </a:ext>
-              </a:extLst>
-            </p:cNvPr>
-            <p:cNvSpPr txBox="1"/>
-            <p:nvPr/>
-          </p:nvSpPr>
-          <p:spPr>
-            <a:xfrm>
-              <a:off x="9236769" y="6171714"/>
-              <a:ext cx="378037" cy="276999"/>
-            </a:xfrm>
-            <a:prstGeom prst="rect">
-              <a:avLst/>
-            </a:prstGeom>
-            <a:noFill/>
-          </p:spPr>
-          <p:txBody>
-            <a:bodyPr wrap="square" rtlCol="0">
-              <a:spAutoFit/>
-            </a:bodyPr>
-            <a:lstStyle/>
-            <a:p>
-              <a:r>
-                <a:rPr lang="en-US" sz="1200" dirty="0"/>
-                <a:t>f</a:t>
-              </a:r>
-              <a:r>
-                <a:rPr lang="en-US" sz="1200" baseline="-25000" dirty="0"/>
-                <a:t>1</a:t>
-              </a:r>
-              <a:endParaRPr lang="en-US" sz="1200" dirty="0"/>
-            </a:p>
-          </p:txBody>
-        </p:sp>
-        <p:sp>
-          <p:nvSpPr>
-            <p:cNvPr id="53" name="TextBox 52">
-              <a:extLst>
-                <a:ext uri="{FF2B5EF4-FFF2-40B4-BE49-F238E27FC236}">
-                  <a16:creationId xmlns:a16="http://schemas.microsoft.com/office/drawing/2014/main" id="{C6294E5F-E158-D945-B84F-66AC569EC1DA}"/>
-                </a:ext>
-              </a:extLst>
-            </p:cNvPr>
-            <p:cNvSpPr txBox="1"/>
-            <p:nvPr/>
-          </p:nvSpPr>
-          <p:spPr>
-            <a:xfrm>
-              <a:off x="9669394" y="5912737"/>
-              <a:ext cx="378037" cy="276999"/>
-            </a:xfrm>
-            <a:prstGeom prst="rect">
-              <a:avLst/>
-            </a:prstGeom>
-            <a:noFill/>
-          </p:spPr>
-          <p:txBody>
-            <a:bodyPr wrap="square" rtlCol="0">
-              <a:spAutoFit/>
-            </a:bodyPr>
-            <a:lstStyle/>
-            <a:p>
-              <a:r>
-                <a:rPr lang="en-US" sz="1200" dirty="0"/>
-                <a:t>f</a:t>
-              </a:r>
-              <a:r>
-                <a:rPr lang="en-US" sz="1200" baseline="-25000" dirty="0"/>
-                <a:t>0</a:t>
-              </a:r>
-              <a:endParaRPr lang="en-US" sz="1200" dirty="0"/>
-            </a:p>
-          </p:txBody>
-        </p:sp>
-        <p:sp>
-          <p:nvSpPr>
-            <p:cNvPr id="57" name="TextBox 56">
-              <a:extLst>
-                <a:ext uri="{FF2B5EF4-FFF2-40B4-BE49-F238E27FC236}">
-                  <a16:creationId xmlns:a16="http://schemas.microsoft.com/office/drawing/2014/main" id="{9FEF6271-9E73-2B42-AE4A-94FD20E47D90}"/>
-                </a:ext>
-              </a:extLst>
-            </p:cNvPr>
-            <p:cNvSpPr txBox="1"/>
-            <p:nvPr/>
-          </p:nvSpPr>
-          <p:spPr>
-            <a:xfrm>
-              <a:off x="9781338" y="6619308"/>
-              <a:ext cx="378037" cy="276999"/>
-            </a:xfrm>
-            <a:prstGeom prst="rect">
-              <a:avLst/>
-            </a:prstGeom>
-            <a:noFill/>
-          </p:spPr>
-          <p:txBody>
-            <a:bodyPr wrap="square" rtlCol="0">
-              <a:spAutoFit/>
-            </a:bodyPr>
-            <a:lstStyle/>
-            <a:p>
-              <a:r>
-                <a:rPr lang="en-US" sz="1200" dirty="0"/>
-                <a:t>Q</a:t>
-              </a:r>
-              <a:r>
-                <a:rPr lang="en-US" sz="1200" baseline="-25000" dirty="0"/>
-                <a:t>0</a:t>
-              </a:r>
-              <a:endParaRPr lang="en-US" sz="1200" dirty="0"/>
-            </a:p>
-          </p:txBody>
-        </p:sp>
-      </p:grpSp>
     </p:spTree>
     <p:extLst>
       <p:ext uri="{BB962C8B-B14F-4D97-AF65-F5344CB8AC3E}">
-        <p14:creationId xmlns:p14="http://schemas.microsoft.com/office/powerpoint/2010/main" val="3409635627"/>
+        <p14:creationId xmlns:p14="http://schemas.microsoft.com/office/powerpoint/2010/main" val="2337835077"/>
       </p:ext>
     </p:extLst>
   </p:cSld>
